--- a/Presentation.pptx
+++ b/Presentation.pptx
@@ -112,6 +112,14 @@
       </a:defRPr>
     </a:lvl9pPr>
   </p:defaultTextStyle>
+  <p:extLst>
+    <p:ext uri="{EFAFB233-063F-42B5-8137-9DF3F51BA10A}">
+      <p15:sldGuideLst xmlns:p15="http://schemas.microsoft.com/office/powerpoint/2012/main"/>
+    </p:ext>
+    <p:ext uri="{2D200454-40CA-4A62-9FC3-DE9A4176ACB9}">
+      <p15:notesGuideLst xmlns:p15="http://schemas.microsoft.com/office/powerpoint/2012/main"/>
+    </p:ext>
+  </p:extLst>
 </p:presentation>
 </file>
 
@@ -197,7 +205,7 @@
           <a:p>
             <a:fld id="{C0A85781-6232-184A-8222-E874F090EC08}" type="datetimeFigureOut">
               <a:rPr lang="en-US" smtClean="0"/>
-              <a:t>4/21/21</a:t>
+              <a:t>4/23/21</a:t>
             </a:fld>
             <a:endParaRPr lang="en-US"/>
           </a:p>
@@ -700,7 +708,19 @@
                 <a:ea typeface="+mn-ea"/>
                 <a:cs typeface="+mn-cs"/>
               </a:rPr>
-              <a:t>- A custom “creative” D3.js project (i.e., a nonstandard graph or chart)</a:t>
+              <a:t>- </a:t>
+            </a:r>
+            <a:r>
+              <a:rPr lang="en-US" sz="1200" b="0" kern="1200" dirty="0">
+                <a:solidFill>
+                  <a:schemeClr val="tx1"/>
+                </a:solidFill>
+                <a:effectLst/>
+                <a:latin typeface="+mn-lt"/>
+                <a:ea typeface="+mn-ea"/>
+                <a:cs typeface="+mn-cs"/>
+              </a:rPr>
+              <a:t>A custom “creative” D3.js project (i.e., a nonstandard graph or chart)</a:t>
             </a:r>
           </a:p>
           <a:p>
@@ -714,10 +734,22 @@
                 <a:ea typeface="+mn-ea"/>
                 <a:cs typeface="+mn-cs"/>
               </a:rPr>
-              <a:t>- A combination of web scraping and Leaflet or </a:t>
-            </a:r>
-            <a:r>
-              <a:rPr lang="en-US" sz="1200" kern="1200" dirty="0" err="1">
+              <a:t>- </a:t>
+            </a:r>
+            <a:r>
+              <a:rPr lang="en-US" sz="1200" b="1" kern="1200" dirty="0">
+                <a:solidFill>
+                  <a:schemeClr val="tx1"/>
+                </a:solidFill>
+                <a:effectLst/>
+                <a:latin typeface="+mn-lt"/>
+                <a:ea typeface="+mn-ea"/>
+                <a:cs typeface="+mn-cs"/>
+              </a:rPr>
+              <a:t>A combination of web scraping and Leaflet or </a:t>
+            </a:r>
+            <a:r>
+              <a:rPr lang="en-US" sz="1200" b="1" kern="1200" dirty="0" err="1">
                 <a:solidFill>
                   <a:schemeClr val="tx1"/>
                 </a:solidFill>
@@ -728,7 +760,7 @@
               </a:rPr>
               <a:t>Plotly</a:t>
             </a:r>
-            <a:endParaRPr lang="en-US" sz="1200" kern="1200" dirty="0">
+            <a:endParaRPr lang="en-US" sz="1200" b="1" kern="1200" dirty="0">
               <a:solidFill>
                 <a:schemeClr val="tx1"/>
               </a:solidFill>
@@ -997,25 +1029,8 @@
           <a:bodyPr/>
           <a:lstStyle/>
           <a:p>
-            <a:pPr marL="0" marR="0" lvl="0" indent="0" algn="l" defTabSz="914400" rtl="0" eaLnBrk="1" fontAlgn="auto" latinLnBrk="0" hangingPunct="1">
-              <a:lnSpc>
-                <a:spcPct val="100000"/>
-              </a:lnSpc>
-              <a:spcBef>
-                <a:spcPts val="0"/>
-              </a:spcBef>
-              <a:spcAft>
-                <a:spcPts val="0"/>
-              </a:spcAft>
-              <a:buClrTx/>
-              <a:buSzTx/>
-              <a:buFontTx/>
-              <a:buNone/>
-              <a:tabLst/>
-              <a:defRPr/>
-            </a:pPr>
-            <a:r>
-              <a:rPr lang="en-US" sz="1200" kern="1200" dirty="0">
+            <a:r>
+              <a:rPr lang="en-US" sz="1200" b="1" i="0" kern="1200" dirty="0">
                 <a:solidFill>
                   <a:schemeClr val="tx1"/>
                 </a:solidFill>
@@ -1024,26 +1039,246 @@
                 <a:ea typeface="+mn-ea"/>
                 <a:cs typeface="+mn-cs"/>
               </a:rPr>
-              <a:t>project must be powered by a data set with at least 100 records.</a:t>
+              <a:t>Data Sources:</a:t>
+            </a:r>
+          </a:p>
+          <a:p>
+            <a:r>
+              <a:rPr lang="en-US" sz="1200" b="1" i="0" kern="1200" dirty="0">
+                <a:solidFill>
+                  <a:schemeClr val="tx1"/>
+                </a:solidFill>
+                <a:effectLst/>
+                <a:latin typeface="+mn-lt"/>
+                <a:ea typeface="+mn-ea"/>
+                <a:cs typeface="+mn-cs"/>
+              </a:rPr>
+              <a:t>Smithsonian Institution: Global Volcanism Program</a:t>
+            </a:r>
+          </a:p>
+          <a:p>
+            <a:r>
+              <a:rPr lang="en-US" sz="1200" b="0" i="0" kern="1200" dirty="0">
+                <a:solidFill>
+                  <a:schemeClr val="tx1"/>
+                </a:solidFill>
+                <a:effectLst/>
+                <a:latin typeface="+mn-lt"/>
+                <a:ea typeface="+mn-ea"/>
+                <a:cs typeface="+mn-cs"/>
+              </a:rPr>
+              <a:t>Site: </a:t>
+            </a:r>
+            <a:r>
+              <a:rPr lang="en-US" sz="1200" b="0" i="0" u="none" strike="noStrike" kern="1200" dirty="0">
+                <a:solidFill>
+                  <a:schemeClr val="tx1"/>
+                </a:solidFill>
+                <a:effectLst/>
+                <a:latin typeface="+mn-lt"/>
+                <a:ea typeface="+mn-ea"/>
+                <a:cs typeface="+mn-cs"/>
+                <a:hlinkClick r:id="rId3"/>
+              </a:rPr>
+              <a:t>https://volcano.si.edu/search_volcano.cfm</a:t>
+            </a:r>
+            <a:endParaRPr lang="en-US" sz="1200" b="0" i="0" kern="1200" dirty="0">
+              <a:solidFill>
+                <a:schemeClr val="tx1"/>
+              </a:solidFill>
+              <a:effectLst/>
+              <a:latin typeface="+mn-lt"/>
+              <a:ea typeface="+mn-ea"/>
+              <a:cs typeface="+mn-cs"/>
+            </a:endParaRPr>
+          </a:p>
+          <a:p>
+            <a:r>
+              <a:rPr lang="en-US" sz="1200" b="0" i="0" kern="1200" dirty="0">
+                <a:solidFill>
+                  <a:schemeClr val="tx1"/>
+                </a:solidFill>
+                <a:effectLst/>
+                <a:latin typeface="+mn-lt"/>
+                <a:ea typeface="+mn-ea"/>
+                <a:cs typeface="+mn-cs"/>
+              </a:rPr>
+              <a:t>File Type: </a:t>
+            </a:r>
+            <a:r>
+              <a:rPr lang="en-US" sz="1200" b="0" i="0" u="none" strike="noStrike" kern="1200" dirty="0">
+                <a:solidFill>
+                  <a:schemeClr val="tx1"/>
+                </a:solidFill>
+                <a:effectLst/>
+                <a:latin typeface="+mn-lt"/>
+                <a:ea typeface="+mn-ea"/>
+                <a:cs typeface="+mn-cs"/>
+                <a:hlinkClick r:id="rId4"/>
+              </a:rPr>
+              <a:t>Excel</a:t>
+            </a:r>
+            <a:endParaRPr lang="en-US" sz="1200" b="0" i="0" kern="1200" dirty="0">
+              <a:solidFill>
+                <a:schemeClr val="tx1"/>
+              </a:solidFill>
+              <a:effectLst/>
+              <a:latin typeface="+mn-lt"/>
+              <a:ea typeface="+mn-ea"/>
+              <a:cs typeface="+mn-cs"/>
+            </a:endParaRPr>
+          </a:p>
+          <a:p>
+            <a:r>
+              <a:rPr lang="en-US" sz="1200" b="0" i="0" kern="1200" dirty="0">
+                <a:solidFill>
+                  <a:schemeClr val="tx1"/>
+                </a:solidFill>
+                <a:effectLst/>
+                <a:latin typeface="+mn-lt"/>
+                <a:ea typeface="+mn-ea"/>
+                <a:cs typeface="+mn-cs"/>
+              </a:rPr>
+              <a:t>"Volcanoes of the World" is a database describing the physical characteristics of Holocene volcanoes and their eruptions. This search returns a list which may be filtered based on a volcano name, volcano type, features, evidence of recent activity, location (set using a map), country, rock types, population within various distance ranges, or the availability of images. Name and country searches will also return </a:t>
+            </a:r>
+            <a:r>
+              <a:rPr lang="en-US" sz="1200" b="0" i="0" kern="1200" dirty="0" err="1">
+                <a:solidFill>
+                  <a:schemeClr val="tx1"/>
+                </a:solidFill>
+                <a:effectLst/>
+                <a:latin typeface="+mn-lt"/>
+                <a:ea typeface="+mn-ea"/>
+                <a:cs typeface="+mn-cs"/>
+              </a:rPr>
+              <a:t>subfeature</a:t>
+            </a:r>
+            <a:r>
+              <a:rPr lang="en-US" sz="1200" b="0" i="0" kern="1200" dirty="0">
+                <a:solidFill>
+                  <a:schemeClr val="tx1"/>
+                </a:solidFill>
+                <a:effectLst/>
+                <a:latin typeface="+mn-lt"/>
+                <a:ea typeface="+mn-ea"/>
+                <a:cs typeface="+mn-cs"/>
+              </a:rPr>
+              <a:t> names and synonyms; using other filters will result in only primary volcano names being returned. A standard set of fields is shown on the screen display, but full results with additional content may be downloaded into an Excel spreadsheet.</a:t>
+            </a:r>
+          </a:p>
+          <a:p>
+            <a:endParaRPr lang="en-US" sz="1200" b="0" i="0" kern="1200" dirty="0">
+              <a:solidFill>
+                <a:schemeClr val="tx1"/>
+              </a:solidFill>
+              <a:effectLst/>
+              <a:latin typeface="+mn-lt"/>
+              <a:ea typeface="+mn-ea"/>
+              <a:cs typeface="+mn-cs"/>
+            </a:endParaRPr>
+          </a:p>
+          <a:p>
+            <a:r>
+              <a:rPr lang="en-US" sz="1200" b="1" i="0" kern="1200" dirty="0">
+                <a:solidFill>
+                  <a:schemeClr val="tx1"/>
+                </a:solidFill>
+                <a:effectLst/>
+                <a:latin typeface="+mn-lt"/>
+                <a:ea typeface="+mn-ea"/>
+                <a:cs typeface="+mn-cs"/>
+              </a:rPr>
+              <a:t>NOAA: Significant Volcanic Eruption Database</a:t>
+            </a:r>
+          </a:p>
+          <a:p>
+            <a:r>
+              <a:rPr lang="en-US" sz="1200" b="0" i="0" kern="1200" dirty="0">
+                <a:solidFill>
+                  <a:schemeClr val="tx1"/>
+                </a:solidFill>
+                <a:effectLst/>
+                <a:latin typeface="+mn-lt"/>
+                <a:ea typeface="+mn-ea"/>
+                <a:cs typeface="+mn-cs"/>
+              </a:rPr>
+              <a:t>Site: </a:t>
+            </a:r>
+            <a:r>
+              <a:rPr lang="en-US" sz="1200" b="0" i="0" u="none" strike="noStrike" kern="1200" dirty="0">
+                <a:solidFill>
+                  <a:schemeClr val="tx1"/>
+                </a:solidFill>
+                <a:effectLst/>
+                <a:latin typeface="+mn-lt"/>
+                <a:ea typeface="+mn-ea"/>
+                <a:cs typeface="+mn-cs"/>
+                <a:hlinkClick r:id="rId5"/>
+              </a:rPr>
+              <a:t>https://public.opendatasoft.com/explore/dataset/significant-volcanic-eruption-database/information/</a:t>
+            </a:r>
+            <a:endParaRPr lang="en-US" sz="1200" b="0" i="0" kern="1200" dirty="0">
+              <a:solidFill>
+                <a:schemeClr val="tx1"/>
+              </a:solidFill>
+              <a:effectLst/>
+              <a:latin typeface="+mn-lt"/>
+              <a:ea typeface="+mn-ea"/>
+              <a:cs typeface="+mn-cs"/>
+            </a:endParaRPr>
+          </a:p>
+          <a:p>
+            <a:r>
+              <a:rPr lang="en-US" sz="1200" b="0" i="0" kern="1200" dirty="0">
+                <a:solidFill>
+                  <a:schemeClr val="tx1"/>
+                </a:solidFill>
+                <a:effectLst/>
+                <a:latin typeface="+mn-lt"/>
+                <a:ea typeface="+mn-ea"/>
+                <a:cs typeface="+mn-cs"/>
+              </a:rPr>
+              <a:t>File Type: </a:t>
+            </a:r>
+            <a:r>
+              <a:rPr lang="en-US" sz="1200" b="0" i="0" u="none" strike="noStrike" kern="1200" dirty="0">
+                <a:solidFill>
+                  <a:schemeClr val="tx1"/>
+                </a:solidFill>
+                <a:effectLst/>
+                <a:latin typeface="+mn-lt"/>
+                <a:ea typeface="+mn-ea"/>
+                <a:cs typeface="+mn-cs"/>
+                <a:hlinkClick r:id="rId6"/>
+              </a:rPr>
+              <a:t>Json</a:t>
+            </a:r>
+            <a:endParaRPr lang="en-US" sz="1200" b="0" i="0" kern="1200" dirty="0">
+              <a:solidFill>
+                <a:schemeClr val="tx1"/>
+              </a:solidFill>
+              <a:effectLst/>
+              <a:latin typeface="+mn-lt"/>
+              <a:ea typeface="+mn-ea"/>
+              <a:cs typeface="+mn-cs"/>
+            </a:endParaRPr>
+          </a:p>
+          <a:p>
+            <a:r>
+              <a:rPr lang="en-US" sz="1200" b="0" i="0" kern="1200" dirty="0">
+                <a:solidFill>
+                  <a:schemeClr val="tx1"/>
+                </a:solidFill>
+                <a:effectLst/>
+                <a:latin typeface="+mn-lt"/>
+                <a:ea typeface="+mn-ea"/>
+                <a:cs typeface="+mn-cs"/>
+              </a:rPr>
+              <a:t>The Significant Volcanic Eruption Database is a global listing of over 500 significant eruptions which includes information on the latitude, longitude, elevation, type of volcano, and last known eruption. A significant eruption is classified as one that meets at least one of the following criteria: caused fatalities, caused moderate damage (approximately $1 million or more), with a Volcanic Explosivity Index (VEI) of 6 or larger, caused a tsunami, or was associated with a major earthquake.</a:t>
             </a:r>
           </a:p>
           <a:p>
             <a:endParaRPr lang="en-US" dirty="0"/>
-          </a:p>
-          <a:p>
-            <a:r>
-              <a:rPr lang="en-US" dirty="0"/>
-              <a:t>Include:</a:t>
-            </a:r>
-          </a:p>
-          <a:p>
-            <a:endParaRPr lang="en-US" dirty="0"/>
-          </a:p>
-          <a:p>
-            <a:r>
-              <a:rPr lang="en-US" dirty="0"/>
-              <a:t>Data sources</a:t>
-            </a:r>
           </a:p>
           <a:p>
             <a:r>
@@ -1444,7 +1679,7 @@
           <a:p>
             <a:fld id="{48A87A34-81AB-432B-8DAE-1953F412C126}" type="datetimeFigureOut">
               <a:rPr lang="en-US" dirty="0"/>
-              <a:t>4/21/21</a:t>
+              <a:t>4/23/21</a:t>
             </a:fld>
             <a:endParaRPr lang="en-US" dirty="0"/>
           </a:p>
@@ -1706,7 +1941,7 @@
           <a:p>
             <a:fld id="{48A87A34-81AB-432B-8DAE-1953F412C126}" type="datetimeFigureOut">
               <a:rPr lang="en-US" dirty="0"/>
-              <a:t>4/21/21</a:t>
+              <a:t>4/23/21</a:t>
             </a:fld>
             <a:endParaRPr lang="en-US" dirty="0"/>
           </a:p>
@@ -1933,7 +2168,7 @@
             <a:fld id="{48A87A34-81AB-432B-8DAE-1953F412C126}" type="datetimeFigureOut">
               <a:rPr lang="en-US" dirty="0"/>
               <a:pPr/>
-              <a:t>4/21/21</a:t>
+              <a:t>4/23/21</a:t>
             </a:fld>
             <a:endParaRPr lang="en-US" dirty="0"/>
           </a:p>
@@ -2239,7 +2474,7 @@
             <a:fld id="{48A87A34-81AB-432B-8DAE-1953F412C126}" type="datetimeFigureOut">
               <a:rPr lang="en-US" dirty="0"/>
               <a:pPr/>
-              <a:t>4/21/21</a:t>
+              <a:t>4/23/21</a:t>
             </a:fld>
             <a:endParaRPr lang="en-US" dirty="0"/>
           </a:p>
@@ -2708,7 +2943,7 @@
             <a:fld id="{48A87A34-81AB-432B-8DAE-1953F412C126}" type="datetimeFigureOut">
               <a:rPr lang="en-US" dirty="0"/>
               <a:pPr/>
-              <a:t>4/21/21</a:t>
+              <a:t>4/23/21</a:t>
             </a:fld>
             <a:endParaRPr lang="en-US" dirty="0"/>
           </a:p>
@@ -3250,7 +3485,7 @@
           <a:p>
             <a:fld id="{48A87A34-81AB-432B-8DAE-1953F412C126}" type="datetimeFigureOut">
               <a:rPr lang="en-US" dirty="0"/>
-              <a:t>4/21/21</a:t>
+              <a:t>4/23/21</a:t>
             </a:fld>
             <a:endParaRPr lang="en-US" dirty="0"/>
           </a:p>
@@ -4019,7 +4254,7 @@
           <a:p>
             <a:fld id="{48A87A34-81AB-432B-8DAE-1953F412C126}" type="datetimeFigureOut">
               <a:rPr lang="en-US" dirty="0"/>
-              <a:t>4/21/21</a:t>
+              <a:t>4/23/21</a:t>
             </a:fld>
             <a:endParaRPr lang="en-US" dirty="0"/>
           </a:p>
@@ -4189,7 +4424,7 @@
           <a:p>
             <a:fld id="{48A87A34-81AB-432B-8DAE-1953F412C126}" type="datetimeFigureOut">
               <a:rPr lang="en-US" dirty="0"/>
-              <a:t>4/21/21</a:t>
+              <a:t>4/23/21</a:t>
             </a:fld>
             <a:endParaRPr lang="en-US" dirty="0"/>
           </a:p>
@@ -4408,7 +4643,7 @@
             <a:fld id="{48A87A34-81AB-432B-8DAE-1953F412C126}" type="datetimeFigureOut">
               <a:rPr lang="en-US" dirty="0"/>
               <a:pPr/>
-              <a:t>4/21/21</a:t>
+              <a:t>4/23/21</a:t>
             </a:fld>
             <a:endParaRPr lang="en-US" dirty="0"/>
           </a:p>
@@ -4583,7 +4818,7 @@
           <a:p>
             <a:fld id="{48A87A34-81AB-432B-8DAE-1953F412C126}" type="datetimeFigureOut">
               <a:rPr lang="en-US" dirty="0"/>
-              <a:t>4/21/21</a:t>
+              <a:t>4/23/21</a:t>
             </a:fld>
             <a:endParaRPr lang="en-US" dirty="0"/>
           </a:p>
@@ -4868,7 +5103,7 @@
             <a:fld id="{48A87A34-81AB-432B-8DAE-1953F412C126}" type="datetimeFigureOut">
               <a:rPr lang="en-US" dirty="0"/>
               <a:pPr/>
-              <a:t>4/21/21</a:t>
+              <a:t>4/23/21</a:t>
             </a:fld>
             <a:endParaRPr lang="en-US" dirty="0"/>
           </a:p>
@@ -5105,7 +5340,7 @@
           <a:p>
             <a:fld id="{48A87A34-81AB-432B-8DAE-1953F412C126}" type="datetimeFigureOut">
               <a:rPr lang="en-US" dirty="0"/>
-              <a:t>4/21/21</a:t>
+              <a:t>4/23/21</a:t>
             </a:fld>
             <a:endParaRPr lang="en-US" dirty="0"/>
           </a:p>
@@ -5479,7 +5714,7 @@
           <a:p>
             <a:fld id="{48A87A34-81AB-432B-8DAE-1953F412C126}" type="datetimeFigureOut">
               <a:rPr lang="en-US" dirty="0"/>
-              <a:t>4/21/21</a:t>
+              <a:t>4/23/21</a:t>
             </a:fld>
             <a:endParaRPr lang="en-US" dirty="0"/>
           </a:p>
@@ -5592,7 +5827,7 @@
           <a:p>
             <a:fld id="{48A87A34-81AB-432B-8DAE-1953F412C126}" type="datetimeFigureOut">
               <a:rPr lang="en-US" dirty="0"/>
-              <a:t>4/21/21</a:t>
+              <a:t>4/23/21</a:t>
             </a:fld>
             <a:endParaRPr lang="en-US" dirty="0"/>
           </a:p>
@@ -5682,7 +5917,7 @@
           <a:p>
             <a:fld id="{48A87A34-81AB-432B-8DAE-1953F412C126}" type="datetimeFigureOut">
               <a:rPr lang="en-US" dirty="0"/>
-              <a:t>4/21/21</a:t>
+              <a:t>4/23/21</a:t>
             </a:fld>
             <a:endParaRPr lang="en-US" dirty="0"/>
           </a:p>
@@ -5926,7 +6161,7 @@
           <a:p>
             <a:fld id="{48A87A34-81AB-432B-8DAE-1953F412C126}" type="datetimeFigureOut">
               <a:rPr lang="en-US" dirty="0"/>
-              <a:t>4/21/21</a:t>
+              <a:t>4/23/21</a:t>
             </a:fld>
             <a:endParaRPr lang="en-US" dirty="0"/>
           </a:p>
@@ -6178,7 +6413,7 @@
           <a:p>
             <a:fld id="{48A87A34-81AB-432B-8DAE-1953F412C126}" type="datetimeFigureOut">
               <a:rPr lang="en-US" dirty="0"/>
-              <a:t>4/21/21</a:t>
+              <a:t>4/23/21</a:t>
             </a:fld>
             <a:endParaRPr lang="en-US" dirty="0"/>
           </a:p>
@@ -6417,7 +6652,7 @@
             <a:fld id="{48A87A34-81AB-432B-8DAE-1953F412C126}" type="datetimeFigureOut">
               <a:rPr lang="en-US" dirty="0"/>
               <a:pPr/>
-              <a:t>4/21/21</a:t>
+              <a:t>4/23/21</a:t>
             </a:fld>
             <a:endParaRPr lang="en-US" dirty="0"/>
           </a:p>
@@ -6810,6 +7045,14 @@
 <file path=ppt/slides/slide1.xml><?xml version="1.0" encoding="utf-8"?>
 <p:sld xmlns:a="http://schemas.openxmlformats.org/drawingml/2006/main" xmlns:r="http://schemas.openxmlformats.org/officeDocument/2006/relationships" xmlns:p="http://schemas.openxmlformats.org/presentationml/2006/main">
   <p:cSld>
+    <p:bg>
+      <p:bgPr>
+        <a:solidFill>
+          <a:schemeClr val="bg1"/>
+        </a:solidFill>
+        <a:effectLst/>
+      </p:bgPr>
+    </p:bg>
     <p:spTree>
       <p:nvGrpSpPr>
         <p:cNvPr id="1" name=""/>
@@ -6824,6 +7067,111 @@
           <a:chExt cx="0" cy="0"/>
         </a:xfrm>
       </p:grpSpPr>
+      <p:sp useBgFill="1">
+        <p:nvSpPr>
+          <p:cNvPr id="8" name="Rectangle 7">
+            <a:extLst>
+              <a:ext uri="{FF2B5EF4-FFF2-40B4-BE49-F238E27FC236}">
+                <a16:creationId xmlns:a16="http://schemas.microsoft.com/office/drawing/2014/main" id="{E770CA6A-B3B0-4826-A91F-B2B1F8922026}"/>
+              </a:ext>
+              <a:ext uri="{C183D7F6-B498-43B3-948B-1728B52AA6E4}">
+                <adec:decorative xmlns:adec="http://schemas.microsoft.com/office/drawing/2017/decorative" val="1"/>
+              </a:ext>
+            </a:extLst>
+          </p:cNvPr>
+          <p:cNvSpPr>
+            <a:spLocks noGrp="1" noRot="1" noChangeAspect="1" noMove="1" noResize="1" noEditPoints="1" noAdjustHandles="1" noChangeArrowheads="1" noChangeShapeType="1" noTextEdit="1"/>
+          </p:cNvSpPr>
+          <p:nvPr>
+            <p:extLst>
+              <p:ext uri="{386F3935-93C4-4BCD-93E2-E3B085C9AB24}">
+                <p16:designElem xmlns:p16="http://schemas.microsoft.com/office/powerpoint/2015/main" val="1"/>
+              </p:ext>
+            </p:extLst>
+          </p:nvPr>
+        </p:nvSpPr>
+        <p:spPr>
+          <a:xfrm>
+            <a:off x="0" y="0"/>
+            <a:ext cx="12192000" cy="6858000"/>
+          </a:xfrm>
+          <a:prstGeom prst="rect">
+            <a:avLst/>
+          </a:prstGeom>
+          <a:ln>
+            <a:noFill/>
+          </a:ln>
+        </p:spPr>
+        <p:style>
+          <a:lnRef idx="2">
+            <a:schemeClr val="accent1">
+              <a:shade val="50000"/>
+            </a:schemeClr>
+          </a:lnRef>
+          <a:fillRef idx="1">
+            <a:schemeClr val="accent1"/>
+          </a:fillRef>
+          <a:effectRef idx="0">
+            <a:schemeClr val="accent1"/>
+          </a:effectRef>
+          <a:fontRef idx="minor">
+            <a:schemeClr val="lt1"/>
+          </a:fontRef>
+        </p:style>
+        <p:txBody>
+          <a:bodyPr rtlCol="0" anchor="ctr"/>
+          <a:lstStyle/>
+          <a:p>
+            <a:pPr algn="ctr"/>
+            <a:endParaRPr lang="en-US"/>
+          </a:p>
+        </p:txBody>
+      </p:sp>
+      <p:pic>
+        <p:nvPicPr>
+          <p:cNvPr id="10" name="Picture 9">
+            <a:extLst>
+              <a:ext uri="{FF2B5EF4-FFF2-40B4-BE49-F238E27FC236}">
+                <a16:creationId xmlns:a16="http://schemas.microsoft.com/office/drawing/2014/main" id="{3C51B9DA-B0CC-480A-8EA5-4D5C3E0515B9}"/>
+              </a:ext>
+              <a:ext uri="{C183D7F6-B498-43B3-948B-1728B52AA6E4}">
+                <adec:decorative xmlns:adec="http://schemas.microsoft.com/office/drawing/2017/decorative" val="1"/>
+              </a:ext>
+            </a:extLst>
+          </p:cNvPr>
+          <p:cNvPicPr>
+            <a:picLocks noGrp="1" noRot="1" noChangeAspect="1" noMove="1" noResize="1" noEditPoints="1" noAdjustHandles="1" noChangeArrowheads="1" noChangeShapeType="1" noCrop="1"/>
+          </p:cNvPicPr>
+          <p:nvPr>
+            <p:extLst>
+              <p:ext uri="{386F3935-93C4-4BCD-93E2-E3B085C9AB24}">
+                <p16:designElem xmlns:p16="http://schemas.microsoft.com/office/powerpoint/2015/main" val="1"/>
+              </p:ext>
+            </p:extLst>
+          </p:nvPr>
+        </p:nvPicPr>
+        <p:blipFill>
+          <a:blip r:embed="rId3">
+            <a:extLst>
+              <a:ext uri="{28A0092B-C50C-407E-A947-70E740481C1C}">
+                <a14:useLocalDpi xmlns:a14="http://schemas.microsoft.com/office/drawing/2010/main" val="0"/>
+              </a:ext>
+            </a:extLst>
+          </a:blip>
+          <a:stretch>
+            <a:fillRect/>
+          </a:stretch>
+        </p:blipFill>
+        <p:spPr>
+          <a:xfrm>
+            <a:off x="0" y="4375150"/>
+            <a:ext cx="12192000" cy="2482850"/>
+          </a:xfrm>
+          <a:prstGeom prst="rect">
+            <a:avLst/>
+          </a:prstGeom>
+        </p:spPr>
+      </p:pic>
       <p:sp>
         <p:nvSpPr>
           <p:cNvPr id="2" name="Title 1">
@@ -6840,13 +7188,27 @@
             <p:ph type="ctrTitle"/>
           </p:nvPr>
         </p:nvSpPr>
-        <p:spPr/>
-        <p:txBody>
-          <a:bodyPr/>
-          <a:lstStyle/>
-          <a:p>
-            <a:r>
-              <a:rPr lang="en-US" dirty="0"/>
+        <p:spPr>
+          <a:xfrm>
+            <a:off x="4976028" y="965200"/>
+            <a:ext cx="6170943" cy="4329641"/>
+          </a:xfrm>
+        </p:spPr>
+        <p:txBody>
+          <a:bodyPr anchor="ctr">
+            <a:normAutofit/>
+          </a:bodyPr>
+          <a:lstStyle/>
+          <a:p>
+            <a:r>
+              <a:rPr lang="en-US" sz="5400" dirty="0"/>
+              <a:t>DATAVIZ</a:t>
+            </a:r>
+            <a:br>
+              <a:rPr lang="en-US" sz="5400" dirty="0"/>
+            </a:br>
+            <a:r>
+              <a:rPr lang="en-US" sz="5400" dirty="0"/>
               <a:t>Project 2</a:t>
             </a:r>
           </a:p>
@@ -6868,18 +7230,78 @@
             <p:ph type="subTitle" idx="1"/>
           </p:nvPr>
         </p:nvSpPr>
-        <p:spPr/>
-        <p:txBody>
-          <a:bodyPr/>
-          <a:lstStyle/>
-          <a:p>
+        <p:spPr>
+          <a:xfrm>
+            <a:off x="965200" y="965200"/>
+            <a:ext cx="3367361" cy="4329641"/>
+          </a:xfrm>
+        </p:spPr>
+        <p:txBody>
+          <a:bodyPr anchor="ctr">
+            <a:normAutofit/>
+          </a:bodyPr>
+          <a:lstStyle/>
+          <a:p>
+            <a:pPr algn="r"/>
             <a:r>
               <a:rPr lang="en-US" dirty="0"/>
-              <a:t>Visualizations of volcanic activity around the planet Earth</a:t>
-            </a:r>
-          </a:p>
-        </p:txBody>
-      </p:sp>
+              <a:t>Visualizations of volcanic activity around the Earth</a:t>
+            </a:r>
+          </a:p>
+        </p:txBody>
+      </p:sp>
+      <p:cxnSp>
+        <p:nvCxnSpPr>
+          <p:cNvPr id="12" name="Straight Connector 11">
+            <a:extLst>
+              <a:ext uri="{FF2B5EF4-FFF2-40B4-BE49-F238E27FC236}">
+                <a16:creationId xmlns:a16="http://schemas.microsoft.com/office/drawing/2014/main" id="{6FE641DB-A503-41DE-ACA6-36B41C6C2BE9}"/>
+              </a:ext>
+              <a:ext uri="{C183D7F6-B498-43B3-948B-1728B52AA6E4}">
+                <adec:decorative xmlns:adec="http://schemas.microsoft.com/office/drawing/2017/decorative" val="1"/>
+              </a:ext>
+            </a:extLst>
+          </p:cNvPr>
+          <p:cNvCxnSpPr>
+            <a:cxnSpLocks noGrp="1" noRot="1" noChangeAspect="1" noMove="1" noResize="1" noEditPoints="1" noAdjustHandles="1" noChangeArrowheads="1" noChangeShapeType="1"/>
+          </p:cNvCxnSpPr>
+          <p:nvPr>
+            <p:extLst>
+              <p:ext uri="{386F3935-93C4-4BCD-93E2-E3B085C9AB24}">
+                <p16:designElem xmlns:p16="http://schemas.microsoft.com/office/powerpoint/2015/main" val="1"/>
+              </p:ext>
+            </p:extLst>
+          </p:nvPr>
+        </p:nvCxnSpPr>
+        <p:spPr>
+          <a:xfrm>
+            <a:off x="4654295" y="1621260"/>
+            <a:ext cx="0" cy="3017520"/>
+          </a:xfrm>
+          <a:prstGeom prst="line">
+            <a:avLst/>
+          </a:prstGeom>
+          <a:ln w="15875">
+            <a:solidFill>
+              <a:schemeClr val="tx1"/>
+            </a:solidFill>
+          </a:ln>
+        </p:spPr>
+        <p:style>
+          <a:lnRef idx="1">
+            <a:schemeClr val="accent1"/>
+          </a:lnRef>
+          <a:fillRef idx="0">
+            <a:schemeClr val="accent1"/>
+          </a:fillRef>
+          <a:effectRef idx="0">
+            <a:schemeClr val="accent1"/>
+          </a:effectRef>
+          <a:fontRef idx="minor">
+            <a:schemeClr val="tx1"/>
+          </a:fontRef>
+        </p:style>
+      </p:cxnSp>
     </p:spTree>
     <p:extLst>
       <p:ext uri="{BB962C8B-B14F-4D97-AF65-F5344CB8AC3E}">
@@ -6896,6 +7318,14 @@
 <file path=ppt/slides/slide2.xml><?xml version="1.0" encoding="utf-8"?>
 <p:sld xmlns:a="http://schemas.openxmlformats.org/drawingml/2006/main" xmlns:r="http://schemas.openxmlformats.org/officeDocument/2006/relationships" xmlns:p="http://schemas.openxmlformats.org/presentationml/2006/main">
   <p:cSld>
+    <p:bg>
+      <p:bgPr>
+        <a:solidFill>
+          <a:schemeClr val="bg1"/>
+        </a:solidFill>
+        <a:effectLst/>
+      </p:bgPr>
+    </p:bg>
     <p:spTree>
       <p:nvGrpSpPr>
         <p:cNvPr id="1" name=""/>
@@ -6912,6 +7342,239 @@
       </p:grpSpPr>
       <p:sp>
         <p:nvSpPr>
+          <p:cNvPr id="8" name="Rounded Rectangle 14">
+            <a:extLst>
+              <a:ext uri="{FF2B5EF4-FFF2-40B4-BE49-F238E27FC236}">
+                <a16:creationId xmlns:a16="http://schemas.microsoft.com/office/drawing/2014/main" id="{637BD688-14A6-4B96-B8A2-3CD81C054FCE}"/>
+              </a:ext>
+              <a:ext uri="{C183D7F6-B498-43B3-948B-1728B52AA6E4}">
+                <adec:decorative xmlns:adec="http://schemas.microsoft.com/office/drawing/2017/decorative" val="1"/>
+              </a:ext>
+            </a:extLst>
+          </p:cNvPr>
+          <p:cNvSpPr>
+            <a:spLocks noGrp="1" noRot="1" noChangeAspect="1" noMove="1" noResize="1" noEditPoints="1" noAdjustHandles="1" noChangeArrowheads="1" noChangeShapeType="1" noTextEdit="1"/>
+          </p:cNvSpPr>
+          <p:nvPr>
+            <p:extLst>
+              <p:ext uri="{386F3935-93C4-4BCD-93E2-E3B085C9AB24}">
+                <p16:designElem xmlns:p16="http://schemas.microsoft.com/office/powerpoint/2015/main" val="1"/>
+              </p:ext>
+            </p:extLst>
+          </p:nvPr>
+        </p:nvSpPr>
+        <p:spPr>
+          <a:xfrm>
+            <a:off x="4636008" y="0"/>
+            <a:ext cx="7555992" cy="6858000"/>
+          </a:xfrm>
+          <a:prstGeom prst="rect">
+            <a:avLst/>
+          </a:prstGeom>
+          <a:solidFill>
+            <a:schemeClr val="bg2"/>
+          </a:solidFill>
+          <a:ln>
+            <a:noFill/>
+          </a:ln>
+          <a:effectLst/>
+        </p:spPr>
+        <p:style>
+          <a:lnRef idx="2">
+            <a:schemeClr val="accent1">
+              <a:shade val="50000"/>
+            </a:schemeClr>
+          </a:lnRef>
+          <a:fillRef idx="1">
+            <a:schemeClr val="accent1"/>
+          </a:fillRef>
+          <a:effectRef idx="0">
+            <a:schemeClr val="accent1"/>
+          </a:effectRef>
+          <a:fontRef idx="minor">
+            <a:schemeClr val="lt1"/>
+          </a:fontRef>
+        </p:style>
+        <p:txBody>
+          <a:bodyPr rtlCol="0" anchor="ctr"/>
+          <a:lstStyle/>
+          <a:p>
+            <a:pPr marL="0" marR="0" lvl="0" indent="0" algn="ctr" defTabSz="457200" rtl="0" eaLnBrk="1" fontAlgn="auto" latinLnBrk="0" hangingPunct="1">
+              <a:lnSpc>
+                <a:spcPct val="100000"/>
+              </a:lnSpc>
+              <a:spcBef>
+                <a:spcPts val="0"/>
+              </a:spcBef>
+              <a:spcAft>
+                <a:spcPts val="0"/>
+              </a:spcAft>
+              <a:buClrTx/>
+              <a:buSzTx/>
+              <a:buFontTx/>
+              <a:buNone/>
+              <a:tabLst/>
+              <a:defRPr/>
+            </a:pPr>
+            <a:endParaRPr kumimoji="0" lang="en-US" sz="1800" b="0" i="0" u="none" strike="noStrike" kern="1200" cap="none" spc="0" normalizeH="0" baseline="0" noProof="0">
+              <a:ln>
+                <a:noFill/>
+              </a:ln>
+              <a:solidFill>
+                <a:prstClr val="white"/>
+              </a:solidFill>
+              <a:effectLst/>
+              <a:uLnTx/>
+              <a:uFillTx/>
+              <a:latin typeface="Century Gothic" panose="020B0502020202020204"/>
+              <a:ea typeface="+mn-ea"/>
+              <a:cs typeface="+mn-cs"/>
+            </a:endParaRPr>
+          </a:p>
+        </p:txBody>
+      </p:sp>
+      <p:sp useBgFill="1">
+        <p:nvSpPr>
+          <p:cNvPr id="10" name="Rectangle 9">
+            <a:extLst>
+              <a:ext uri="{FF2B5EF4-FFF2-40B4-BE49-F238E27FC236}">
+                <a16:creationId xmlns:a16="http://schemas.microsoft.com/office/drawing/2014/main" id="{B7B2544F-CA5E-40F6-9525-716A90C83FC5}"/>
+              </a:ext>
+              <a:ext uri="{C183D7F6-B498-43B3-948B-1728B52AA6E4}">
+                <adec:decorative xmlns:adec="http://schemas.microsoft.com/office/drawing/2017/decorative" val="1"/>
+              </a:ext>
+            </a:extLst>
+          </p:cNvPr>
+          <p:cNvSpPr>
+            <a:spLocks noGrp="1" noRot="1" noChangeAspect="1" noMove="1" noResize="1" noEditPoints="1" noAdjustHandles="1" noChangeArrowheads="1" noChangeShapeType="1" noTextEdit="1"/>
+          </p:cNvSpPr>
+          <p:nvPr>
+            <p:extLst>
+              <p:ext uri="{386F3935-93C4-4BCD-93E2-E3B085C9AB24}">
+                <p16:designElem xmlns:p16="http://schemas.microsoft.com/office/powerpoint/2015/main" val="1"/>
+              </p:ext>
+            </p:extLst>
+          </p:nvPr>
+        </p:nvSpPr>
+        <p:spPr>
+          <a:xfrm>
+            <a:off x="0" y="0"/>
+            <a:ext cx="4636008" cy="6858000"/>
+          </a:xfrm>
+          <a:prstGeom prst="rect">
+            <a:avLst/>
+          </a:prstGeom>
+          <a:ln>
+            <a:noFill/>
+          </a:ln>
+          <a:effectLst>
+            <a:outerShdw blurRad="63500" dist="38100" algn="l" rotWithShape="0">
+              <a:prstClr val="black">
+                <a:alpha val="40000"/>
+              </a:prstClr>
+            </a:outerShdw>
+          </a:effectLst>
+        </p:spPr>
+        <p:style>
+          <a:lnRef idx="2">
+            <a:schemeClr val="accent1">
+              <a:shade val="50000"/>
+            </a:schemeClr>
+          </a:lnRef>
+          <a:fillRef idx="1">
+            <a:schemeClr val="accent1"/>
+          </a:fillRef>
+          <a:effectRef idx="0">
+            <a:schemeClr val="accent1"/>
+          </a:effectRef>
+          <a:fontRef idx="minor">
+            <a:schemeClr val="lt1"/>
+          </a:fontRef>
+        </p:style>
+        <p:txBody>
+          <a:bodyPr rtlCol="0" anchor="ctr"/>
+          <a:lstStyle/>
+          <a:p>
+            <a:pPr marL="0" marR="0" lvl="0" indent="0" algn="ctr" defTabSz="457200" rtl="0" eaLnBrk="1" fontAlgn="auto" latinLnBrk="0" hangingPunct="1">
+              <a:lnSpc>
+                <a:spcPct val="100000"/>
+              </a:lnSpc>
+              <a:spcBef>
+                <a:spcPts val="0"/>
+              </a:spcBef>
+              <a:spcAft>
+                <a:spcPts val="0"/>
+              </a:spcAft>
+              <a:buClrTx/>
+              <a:buSzTx/>
+              <a:buFontTx/>
+              <a:buNone/>
+              <a:tabLst/>
+              <a:defRPr/>
+            </a:pPr>
+            <a:endParaRPr kumimoji="0" lang="en-US" sz="1800" b="0" i="0" u="none" strike="noStrike" kern="1200" cap="none" spc="0" normalizeH="0" baseline="0" noProof="0">
+              <a:ln>
+                <a:noFill/>
+              </a:ln>
+              <a:solidFill>
+                <a:prstClr val="white"/>
+              </a:solidFill>
+              <a:effectLst/>
+              <a:uLnTx/>
+              <a:uFillTx/>
+              <a:latin typeface="Century Gothic" panose="020B0502020202020204"/>
+              <a:ea typeface="+mn-ea"/>
+              <a:cs typeface="+mn-cs"/>
+            </a:endParaRPr>
+          </a:p>
+        </p:txBody>
+      </p:sp>
+      <p:pic>
+        <p:nvPicPr>
+          <p:cNvPr id="12" name="Picture 11">
+            <a:extLst>
+              <a:ext uri="{FF2B5EF4-FFF2-40B4-BE49-F238E27FC236}">
+                <a16:creationId xmlns:a16="http://schemas.microsoft.com/office/drawing/2014/main" id="{D2B93162-635C-46F5-97EC-E98C1659F1F0}"/>
+              </a:ext>
+              <a:ext uri="{C183D7F6-B498-43B3-948B-1728B52AA6E4}">
+                <adec:decorative xmlns:adec="http://schemas.microsoft.com/office/drawing/2017/decorative" val="1"/>
+              </a:ext>
+            </a:extLst>
+          </p:cNvPr>
+          <p:cNvPicPr>
+            <a:picLocks noGrp="1" noRot="1" noChangeAspect="1" noMove="1" noResize="1" noEditPoints="1" noAdjustHandles="1" noChangeArrowheads="1" noChangeShapeType="1" noCrop="1"/>
+          </p:cNvPicPr>
+          <p:nvPr>
+            <p:extLst>
+              <p:ext uri="{386F3935-93C4-4BCD-93E2-E3B085C9AB24}">
+                <p16:designElem xmlns:p16="http://schemas.microsoft.com/office/powerpoint/2015/main" val="1"/>
+              </p:ext>
+            </p:extLst>
+          </p:nvPr>
+        </p:nvPicPr>
+        <p:blipFill rotWithShape="1">
+          <a:blip r:embed="rId3">
+            <a:extLst>
+              <a:ext uri="{28A0092B-C50C-407E-A947-70E740481C1C}">
+                <a14:useLocalDpi xmlns:a14="http://schemas.microsoft.com/office/drawing/2010/main" val="0"/>
+              </a:ext>
+            </a:extLst>
+          </a:blip>
+          <a:srcRect r="61975"/>
+          <a:stretch/>
+        </p:blipFill>
+        <p:spPr>
+          <a:xfrm>
+            <a:off x="0" y="4375150"/>
+            <a:ext cx="4636008" cy="2482850"/>
+          </a:xfrm>
+          <a:prstGeom prst="rect">
+            <a:avLst/>
+          </a:prstGeom>
+        </p:spPr>
+      </p:pic>
+      <p:sp>
+        <p:nvSpPr>
           <p:cNvPr id="2" name="Title 1">
             <a:extLst>
               <a:ext uri="{FF2B5EF4-FFF2-40B4-BE49-F238E27FC236}">
@@ -6926,13 +7589,20 @@
             <p:ph type="title"/>
           </p:nvPr>
         </p:nvSpPr>
-        <p:spPr/>
-        <p:txBody>
-          <a:bodyPr/>
-          <a:lstStyle/>
-          <a:p>
-            <a:r>
-              <a:rPr lang="en-US" dirty="0"/>
+        <p:spPr>
+          <a:xfrm>
+            <a:off x="665922" y="987287"/>
+            <a:ext cx="3548269" cy="4697896"/>
+          </a:xfrm>
+        </p:spPr>
+        <p:txBody>
+          <a:bodyPr>
+            <a:normAutofit/>
+          </a:bodyPr>
+          <a:lstStyle/>
+          <a:p>
+            <a:r>
+              <a:rPr lang="en-US" sz="3600"/>
               <a:t>Team 2</a:t>
             </a:r>
           </a:p>
@@ -6954,38 +7624,39 @@
             <p:ph idx="1"/>
           </p:nvPr>
         </p:nvSpPr>
-        <p:spPr/>
-        <p:txBody>
-          <a:bodyPr>
+        <p:spPr>
+          <a:xfrm>
+            <a:off x="5057825" y="987287"/>
+            <a:ext cx="5755949" cy="4697895"/>
+          </a:xfrm>
+        </p:spPr>
+        <p:txBody>
+          <a:bodyPr anchor="ctr">
             <a:normAutofit/>
           </a:bodyPr>
           <a:lstStyle/>
           <a:p>
             <a:r>
-              <a:rPr lang="en-US" sz="3600" dirty="0"/>
+              <a:rPr lang="en-US" sz="1800"/>
               <a:t>Banu Nathan</a:t>
             </a:r>
           </a:p>
           <a:p>
             <a:r>
-              <a:rPr lang="en-US" sz="3600" dirty="0"/>
+              <a:rPr lang="en-US" sz="1800"/>
               <a:t>Fleming Brathwaite</a:t>
             </a:r>
           </a:p>
           <a:p>
             <a:r>
-              <a:rPr lang="en-US" sz="3600" dirty="0"/>
+              <a:rPr lang="en-US" sz="1800"/>
               <a:t>Dan Freda</a:t>
             </a:r>
           </a:p>
           <a:p>
             <a:r>
-              <a:rPr lang="en-US" sz="3600" dirty="0" err="1"/>
-              <a:t>Shawntell</a:t>
-            </a:r>
-            <a:r>
-              <a:rPr lang="en-US" sz="3600" dirty="0"/>
-              <a:t> Manning</a:t>
+              <a:rPr lang="en-US" sz="1800"/>
+              <a:t>Shawntell Manning</a:t>
             </a:r>
           </a:p>
         </p:txBody>
@@ -7006,6 +7677,14 @@
 <file path=ppt/slides/slide3.xml><?xml version="1.0" encoding="utf-8"?>
 <p:sld xmlns:a="http://schemas.openxmlformats.org/drawingml/2006/main" xmlns:r="http://schemas.openxmlformats.org/officeDocument/2006/relationships" xmlns:p="http://schemas.openxmlformats.org/presentationml/2006/main">
   <p:cSld>
+    <p:bg>
+      <p:bgPr>
+        <a:solidFill>
+          <a:schemeClr val="bg1"/>
+        </a:solidFill>
+        <a:effectLst/>
+      </p:bgPr>
+    </p:bg>
     <p:spTree>
       <p:nvGrpSpPr>
         <p:cNvPr id="1" name=""/>
@@ -7020,6 +7699,127 @@
           <a:chExt cx="0" cy="0"/>
         </a:xfrm>
       </p:grpSpPr>
+      <p:pic>
+        <p:nvPicPr>
+          <p:cNvPr id="28" name="Picture 27">
+            <a:extLst>
+              <a:ext uri="{FF2B5EF4-FFF2-40B4-BE49-F238E27FC236}">
+                <a16:creationId xmlns:a16="http://schemas.microsoft.com/office/drawing/2014/main" id="{CFD580F5-E7BF-4C1D-BEFD-4A4601EBA876}"/>
+              </a:ext>
+              <a:ext uri="{C183D7F6-B498-43B3-948B-1728B52AA6E4}">
+                <adec:decorative xmlns:adec="http://schemas.microsoft.com/office/drawing/2017/decorative" val="1"/>
+              </a:ext>
+            </a:extLst>
+          </p:cNvPr>
+          <p:cNvPicPr>
+            <a:picLocks noGrp="1" noRot="1" noChangeAspect="1" noMove="1" noResize="1" noEditPoints="1" noAdjustHandles="1" noChangeArrowheads="1" noChangeShapeType="1" noCrop="1"/>
+          </p:cNvPicPr>
+          <p:nvPr>
+            <p:extLst>
+              <p:ext uri="{386F3935-93C4-4BCD-93E2-E3B085C9AB24}">
+                <p16:designElem xmlns:p16="http://schemas.microsoft.com/office/powerpoint/2015/main" val="1"/>
+              </p:ext>
+            </p:extLst>
+          </p:nvPr>
+        </p:nvPicPr>
+        <p:blipFill>
+          <a:blip r:embed="rId3">
+            <a:extLst>
+              <a:ext uri="{28A0092B-C50C-407E-A947-70E740481C1C}">
+                <a14:useLocalDpi xmlns:a14="http://schemas.microsoft.com/office/drawing/2010/main" val="0"/>
+              </a:ext>
+            </a:extLst>
+          </a:blip>
+          <a:stretch>
+            <a:fillRect/>
+          </a:stretch>
+        </p:blipFill>
+        <p:spPr>
+          <a:xfrm>
+            <a:off x="0" y="0"/>
+            <a:ext cx="12192000" cy="1441450"/>
+          </a:xfrm>
+          <a:prstGeom prst="rect">
+            <a:avLst/>
+          </a:prstGeom>
+        </p:spPr>
+      </p:pic>
+      <p:pic>
+        <p:nvPicPr>
+          <p:cNvPr id="30" name="Picture 29">
+            <a:extLst>
+              <a:ext uri="{FF2B5EF4-FFF2-40B4-BE49-F238E27FC236}">
+                <a16:creationId xmlns:a16="http://schemas.microsoft.com/office/drawing/2014/main" id="{F0F06750-78FE-4472-8DA5-14CF3336F811}"/>
+              </a:ext>
+              <a:ext uri="{C183D7F6-B498-43B3-948B-1728B52AA6E4}">
+                <adec:decorative xmlns:adec="http://schemas.microsoft.com/office/drawing/2017/decorative" val="1"/>
+              </a:ext>
+            </a:extLst>
+          </p:cNvPr>
+          <p:cNvPicPr>
+            <a:picLocks noGrp="1" noRot="1" noChangeAspect="1" noMove="1" noResize="1" noEditPoints="1" noAdjustHandles="1" noChangeArrowheads="1" noChangeShapeType="1" noCrop="1"/>
+          </p:cNvPicPr>
+          <p:nvPr>
+            <p:extLst>
+              <p:ext uri="{386F3935-93C4-4BCD-93E2-E3B085C9AB24}">
+                <p16:designElem xmlns:p16="http://schemas.microsoft.com/office/powerpoint/2015/main" val="1"/>
+              </p:ext>
+            </p:extLst>
+          </p:nvPr>
+        </p:nvPicPr>
+        <p:blipFill>
+          <a:blip r:embed="rId4">
+            <a:extLst>
+              <a:ext uri="{28A0092B-C50C-407E-A947-70E740481C1C}">
+                <a14:useLocalDpi xmlns:a14="http://schemas.microsoft.com/office/drawing/2010/main" val="0"/>
+              </a:ext>
+            </a:extLst>
+          </a:blip>
+          <a:stretch>
+            <a:fillRect/>
+          </a:stretch>
+        </p:blipFill>
+        <p:spPr>
+          <a:xfrm>
+            <a:off x="0" y="4375150"/>
+            <a:ext cx="12192000" cy="2482850"/>
+          </a:xfrm>
+          <a:prstGeom prst="rect">
+            <a:avLst/>
+          </a:prstGeom>
+        </p:spPr>
+      </p:pic>
+      <p:pic>
+        <p:nvPicPr>
+          <p:cNvPr id="5" name="Content Placeholder 4" descr="A volcano erupting at night&#10;&#10;Description automatically generated">
+            <a:extLst>
+              <a:ext uri="{FF2B5EF4-FFF2-40B4-BE49-F238E27FC236}">
+                <a16:creationId xmlns:a16="http://schemas.microsoft.com/office/drawing/2014/main" id="{598391BC-1BDA-3446-893E-42A8D90FE7B8}"/>
+              </a:ext>
+            </a:extLst>
+          </p:cNvPr>
+          <p:cNvPicPr>
+            <a:picLocks noChangeAspect="1"/>
+          </p:cNvPicPr>
+          <p:nvPr/>
+        </p:nvPicPr>
+        <p:blipFill rotWithShape="1">
+          <a:blip r:embed="rId5">
+            <a:alphaModFix amt="40000"/>
+          </a:blip>
+          <a:srcRect/>
+          <a:stretch/>
+        </p:blipFill>
+        <p:spPr>
+          <a:xfrm>
+            <a:off x="20" y="10"/>
+            <a:ext cx="12191980" cy="6857990"/>
+          </a:xfrm>
+          <a:prstGeom prst="rect">
+            <a:avLst/>
+          </a:prstGeom>
+        </p:spPr>
+      </p:pic>
       <p:sp>
         <p:nvSpPr>
           <p:cNvPr id="2" name="Title 1">
@@ -7036,13 +7836,21 @@
             <p:ph type="title"/>
           </p:nvPr>
         </p:nvSpPr>
-        <p:spPr/>
-        <p:txBody>
-          <a:bodyPr/>
-          <a:lstStyle/>
-          <a:p>
-            <a:r>
-              <a:rPr lang="en-US" dirty="0"/>
+        <p:spPr>
+          <a:xfrm>
+            <a:off x="1371600" y="2237173"/>
+            <a:ext cx="9448800" cy="2602062"/>
+          </a:xfrm>
+        </p:spPr>
+        <p:txBody>
+          <a:bodyPr vert="horz" lIns="91440" tIns="45720" rIns="91440" bIns="45720" rtlCol="0" anchor="b">
+            <a:normAutofit/>
+          </a:bodyPr>
+          <a:lstStyle/>
+          <a:p>
+            <a:pPr algn="l"/>
+            <a:r>
+              <a:rPr lang="en-US" sz="6000" dirty="0"/>
               <a:t>Theme</a:t>
             </a:r>
           </a:p>
@@ -7050,10 +7858,10 @@
       </p:sp>
       <p:sp>
         <p:nvSpPr>
-          <p:cNvPr id="3" name="Content Placeholder 2">
+          <p:cNvPr id="9" name="Content Placeholder 8">
             <a:extLst>
               <a:ext uri="{FF2B5EF4-FFF2-40B4-BE49-F238E27FC236}">
-                <a16:creationId xmlns:a16="http://schemas.microsoft.com/office/drawing/2014/main" id="{FE8A4882-6FFE-A74E-9A75-2338A3DD35B2}"/>
+                <a16:creationId xmlns:a16="http://schemas.microsoft.com/office/drawing/2014/main" id="{B55C913F-6706-45AE-85D2-06F1F42808A7}"/>
               </a:ext>
             </a:extLst>
           </p:cNvPr>
@@ -7064,12 +7872,30 @@
             <p:ph idx="1"/>
           </p:nvPr>
         </p:nvSpPr>
-        <p:spPr/>
-        <p:txBody>
-          <a:bodyPr/>
-          <a:lstStyle/>
-          <a:p>
-            <a:endParaRPr lang="en-US"/>
+        <p:spPr>
+          <a:xfrm>
+            <a:off x="1371600" y="4842935"/>
+            <a:ext cx="9448800" cy="685800"/>
+          </a:xfrm>
+        </p:spPr>
+        <p:txBody>
+          <a:bodyPr vert="horz" lIns="91440" tIns="45720" rIns="91440" bIns="45720" rtlCol="0">
+            <a:normAutofit/>
+          </a:bodyPr>
+          <a:lstStyle/>
+          <a:p>
+            <a:pPr marL="0" indent="0">
+              <a:buNone/>
+            </a:pPr>
+            <a:r>
+              <a:rPr lang="en-US" sz="2000" b="1" dirty="0"/>
+              <a:t>Interactive visualizations of global volcanic activity using a combination of web scraping and Leaflet or </a:t>
+            </a:r>
+            <a:r>
+              <a:rPr lang="en-US" sz="2000" b="1" dirty="0" err="1"/>
+              <a:t>Plotly</a:t>
+            </a:r>
+            <a:endParaRPr lang="en-US" sz="2000" b="1" dirty="0"/>
           </a:p>
         </p:txBody>
       </p:sp>
@@ -7083,6 +7909,212 @@
   <p:clrMapOvr>
     <a:masterClrMapping/>
   </p:clrMapOvr>
+  <p:timing>
+    <p:tnLst>
+      <p:par>
+        <p:cTn id="1" dur="indefinite" restart="never" nodeType="tmRoot">
+          <p:childTnLst>
+            <p:seq concurrent="1" nextAc="seek">
+              <p:cTn id="2" dur="indefinite" nodeType="mainSeq">
+                <p:childTnLst>
+                  <p:par>
+                    <p:cTn id="3" fill="hold">
+                      <p:stCondLst>
+                        <p:cond delay="indefinite"/>
+                        <p:cond evt="onBegin" delay="0">
+                          <p:tn val="2"/>
+                        </p:cond>
+                      </p:stCondLst>
+                      <p:childTnLst>
+                        <p:par>
+                          <p:cTn id="4" fill="hold">
+                            <p:stCondLst>
+                              <p:cond delay="0"/>
+                            </p:stCondLst>
+                            <p:childTnLst>
+                              <p:par>
+                                <p:cTn id="5" presetID="10" presetClass="entr" presetSubtype="0" fill="hold" grpId="0" nodeType="withEffect">
+                                  <p:stCondLst>
+                                    <p:cond delay="1000"/>
+                                  </p:stCondLst>
+                                  <p:iterate>
+                                    <p:tmPct val="10000"/>
+                                  </p:iterate>
+                                  <p:childTnLst>
+                                    <p:set>
+                                      <p:cBhvr>
+                                        <p:cTn id="6" dur="1" fill="hold">
+                                          <p:stCondLst>
+                                            <p:cond delay="0"/>
+                                          </p:stCondLst>
+                                        </p:cTn>
+                                        <p:tgtEl>
+                                          <p:spTgt spid="2"/>
+                                        </p:tgtEl>
+                                        <p:attrNameLst>
+                                          <p:attrName>style.visibility</p:attrName>
+                                        </p:attrNameLst>
+                                      </p:cBhvr>
+                                      <p:to>
+                                        <p:strVal val="visible"/>
+                                      </p:to>
+                                    </p:set>
+                                    <p:animEffect transition="in" filter="fade">
+                                      <p:cBhvr>
+                                        <p:cTn id="7" dur="700"/>
+                                        <p:tgtEl>
+                                          <p:spTgt spid="2"/>
+                                        </p:tgtEl>
+                                      </p:cBhvr>
+                                    </p:animEffect>
+                                  </p:childTnLst>
+                                </p:cTn>
+                              </p:par>
+                              <p:par>
+                                <p:cTn id="8" presetID="10" presetClass="entr" presetSubtype="0" fill="hold" nodeType="withEffect">
+                                  <p:stCondLst>
+                                    <p:cond delay="0"/>
+                                  </p:stCondLst>
+                                  <p:iterate>
+                                    <p:tmPct val="10000"/>
+                                  </p:iterate>
+                                  <p:childTnLst>
+                                    <p:set>
+                                      <p:cBhvr>
+                                        <p:cTn id="9" dur="1" fill="hold">
+                                          <p:stCondLst>
+                                            <p:cond delay="0"/>
+                                          </p:stCondLst>
+                                        </p:cTn>
+                                        <p:tgtEl>
+                                          <p:spTgt spid="5"/>
+                                        </p:tgtEl>
+                                        <p:attrNameLst>
+                                          <p:attrName>style.visibility</p:attrName>
+                                        </p:attrNameLst>
+                                      </p:cBhvr>
+                                      <p:to>
+                                        <p:strVal val="visible"/>
+                                      </p:to>
+                                    </p:set>
+                                    <p:animEffect transition="in" filter="fade">
+                                      <p:cBhvr>
+                                        <p:cTn id="10" dur="700"/>
+                                        <p:tgtEl>
+                                          <p:spTgt spid="5"/>
+                                        </p:tgtEl>
+                                      </p:cBhvr>
+                                    </p:animEffect>
+                                  </p:childTnLst>
+                                </p:cTn>
+                              </p:par>
+                              <p:par>
+                                <p:cTn id="11" presetID="10" presetClass="entr" presetSubtype="0" fill="hold" nodeType="withEffect">
+                                  <p:stCondLst>
+                                    <p:cond delay="0"/>
+                                  </p:stCondLst>
+                                  <p:iterate>
+                                    <p:tmPct val="10000"/>
+                                  </p:iterate>
+                                  <p:childTnLst>
+                                    <p:set>
+                                      <p:cBhvr>
+                                        <p:cTn id="12" dur="1" fill="hold">
+                                          <p:stCondLst>
+                                            <p:cond delay="0"/>
+                                          </p:stCondLst>
+                                        </p:cTn>
+                                        <p:tgtEl>
+                                          <p:spTgt spid="30"/>
+                                        </p:tgtEl>
+                                        <p:attrNameLst>
+                                          <p:attrName>style.visibility</p:attrName>
+                                        </p:attrNameLst>
+                                      </p:cBhvr>
+                                      <p:to>
+                                        <p:strVal val="visible"/>
+                                      </p:to>
+                                    </p:set>
+                                    <p:animEffect transition="in" filter="fade">
+                                      <p:cBhvr>
+                                        <p:cTn id="13" dur="700"/>
+                                        <p:tgtEl>
+                                          <p:spTgt spid="30"/>
+                                        </p:tgtEl>
+                                      </p:cBhvr>
+                                    </p:animEffect>
+                                  </p:childTnLst>
+                                </p:cTn>
+                              </p:par>
+                              <p:par>
+                                <p:cTn id="14" presetID="10" presetClass="entr" presetSubtype="0" fill="hold" nodeType="withEffect">
+                                  <p:stCondLst>
+                                    <p:cond delay="0"/>
+                                  </p:stCondLst>
+                                  <p:iterate>
+                                    <p:tmPct val="10000"/>
+                                  </p:iterate>
+                                  <p:childTnLst>
+                                    <p:set>
+                                      <p:cBhvr>
+                                        <p:cTn id="15" dur="1" fill="hold">
+                                          <p:stCondLst>
+                                            <p:cond delay="0"/>
+                                          </p:stCondLst>
+                                        </p:cTn>
+                                        <p:tgtEl>
+                                          <p:spTgt spid="28"/>
+                                        </p:tgtEl>
+                                        <p:attrNameLst>
+                                          <p:attrName>style.visibility</p:attrName>
+                                        </p:attrNameLst>
+                                      </p:cBhvr>
+                                      <p:to>
+                                        <p:strVal val="visible"/>
+                                      </p:to>
+                                    </p:set>
+                                    <p:animEffect transition="in" filter="fade">
+                                      <p:cBhvr>
+                                        <p:cTn id="16" dur="700"/>
+                                        <p:tgtEl>
+                                          <p:spTgt spid="28"/>
+                                        </p:tgtEl>
+                                      </p:cBhvr>
+                                    </p:animEffect>
+                                  </p:childTnLst>
+                                </p:cTn>
+                              </p:par>
+                            </p:childTnLst>
+                          </p:cTn>
+                        </p:par>
+                      </p:childTnLst>
+                    </p:cTn>
+                  </p:par>
+                </p:childTnLst>
+              </p:cTn>
+              <p:prevCondLst>
+                <p:cond evt="onPrev" delay="0">
+                  <p:tgtEl>
+                    <p:sldTgt/>
+                  </p:tgtEl>
+                </p:cond>
+              </p:prevCondLst>
+              <p:nextCondLst>
+                <p:cond evt="onNext" delay="0">
+                  <p:tgtEl>
+                    <p:sldTgt/>
+                  </p:tgtEl>
+                </p:cond>
+              </p:nextCondLst>
+            </p:seq>
+          </p:childTnLst>
+        </p:cTn>
+      </p:par>
+    </p:tnLst>
+    <p:bldLst>
+      <p:bldP spid="2" grpId="0"/>
+    </p:bldLst>
+  </p:timing>
 </p:sld>
 </file>
 
@@ -7172,6 +8204,14 @@
 <file path=ppt/slides/slide5.xml><?xml version="1.0" encoding="utf-8"?>
 <p:sld xmlns:a="http://schemas.openxmlformats.org/drawingml/2006/main" xmlns:r="http://schemas.openxmlformats.org/officeDocument/2006/relationships" xmlns:p="http://schemas.openxmlformats.org/presentationml/2006/main">
   <p:cSld>
+    <p:bg>
+      <p:bgPr>
+        <a:solidFill>
+          <a:schemeClr val="bg1"/>
+        </a:solidFill>
+        <a:effectLst/>
+      </p:bgPr>
+    </p:bg>
     <p:spTree>
       <p:nvGrpSpPr>
         <p:cNvPr id="1" name=""/>
@@ -7188,6 +8228,239 @@
       </p:grpSpPr>
       <p:sp>
         <p:nvSpPr>
+          <p:cNvPr id="8" name="Rounded Rectangle 14">
+            <a:extLst>
+              <a:ext uri="{FF2B5EF4-FFF2-40B4-BE49-F238E27FC236}">
+                <a16:creationId xmlns:a16="http://schemas.microsoft.com/office/drawing/2014/main" id="{637BD688-14A6-4B96-B8A2-3CD81C054FCE}"/>
+              </a:ext>
+              <a:ext uri="{C183D7F6-B498-43B3-948B-1728B52AA6E4}">
+                <adec:decorative xmlns:adec="http://schemas.microsoft.com/office/drawing/2017/decorative" val="1"/>
+              </a:ext>
+            </a:extLst>
+          </p:cNvPr>
+          <p:cNvSpPr>
+            <a:spLocks noGrp="1" noRot="1" noChangeAspect="1" noMove="1" noResize="1" noEditPoints="1" noAdjustHandles="1" noChangeArrowheads="1" noChangeShapeType="1" noTextEdit="1"/>
+          </p:cNvSpPr>
+          <p:nvPr>
+            <p:extLst>
+              <p:ext uri="{386F3935-93C4-4BCD-93E2-E3B085C9AB24}">
+                <p16:designElem xmlns:p16="http://schemas.microsoft.com/office/powerpoint/2015/main" val="1"/>
+              </p:ext>
+            </p:extLst>
+          </p:nvPr>
+        </p:nvSpPr>
+        <p:spPr>
+          <a:xfrm>
+            <a:off x="4636008" y="0"/>
+            <a:ext cx="7555992" cy="6858000"/>
+          </a:xfrm>
+          <a:prstGeom prst="rect">
+            <a:avLst/>
+          </a:prstGeom>
+          <a:solidFill>
+            <a:schemeClr val="bg2"/>
+          </a:solidFill>
+          <a:ln>
+            <a:noFill/>
+          </a:ln>
+          <a:effectLst/>
+        </p:spPr>
+        <p:style>
+          <a:lnRef idx="2">
+            <a:schemeClr val="accent1">
+              <a:shade val="50000"/>
+            </a:schemeClr>
+          </a:lnRef>
+          <a:fillRef idx="1">
+            <a:schemeClr val="accent1"/>
+          </a:fillRef>
+          <a:effectRef idx="0">
+            <a:schemeClr val="accent1"/>
+          </a:effectRef>
+          <a:fontRef idx="minor">
+            <a:schemeClr val="lt1"/>
+          </a:fontRef>
+        </p:style>
+        <p:txBody>
+          <a:bodyPr rtlCol="0" anchor="ctr"/>
+          <a:lstStyle/>
+          <a:p>
+            <a:pPr marL="0" marR="0" lvl="0" indent="0" algn="ctr" defTabSz="457200" rtl="0" eaLnBrk="1" fontAlgn="auto" latinLnBrk="0" hangingPunct="1">
+              <a:lnSpc>
+                <a:spcPct val="100000"/>
+              </a:lnSpc>
+              <a:spcBef>
+                <a:spcPts val="0"/>
+              </a:spcBef>
+              <a:spcAft>
+                <a:spcPts val="0"/>
+              </a:spcAft>
+              <a:buClrTx/>
+              <a:buSzTx/>
+              <a:buFontTx/>
+              <a:buNone/>
+              <a:tabLst/>
+              <a:defRPr/>
+            </a:pPr>
+            <a:endParaRPr kumimoji="0" lang="en-US" sz="1800" b="0" i="0" u="none" strike="noStrike" kern="1200" cap="none" spc="0" normalizeH="0" baseline="0" noProof="0">
+              <a:ln>
+                <a:noFill/>
+              </a:ln>
+              <a:solidFill>
+                <a:prstClr val="white"/>
+              </a:solidFill>
+              <a:effectLst/>
+              <a:uLnTx/>
+              <a:uFillTx/>
+              <a:latin typeface="Century Gothic" panose="020B0502020202020204"/>
+              <a:ea typeface="+mn-ea"/>
+              <a:cs typeface="+mn-cs"/>
+            </a:endParaRPr>
+          </a:p>
+        </p:txBody>
+      </p:sp>
+      <p:sp useBgFill="1">
+        <p:nvSpPr>
+          <p:cNvPr id="10" name="Rectangle 9">
+            <a:extLst>
+              <a:ext uri="{FF2B5EF4-FFF2-40B4-BE49-F238E27FC236}">
+                <a16:creationId xmlns:a16="http://schemas.microsoft.com/office/drawing/2014/main" id="{B7B2544F-CA5E-40F6-9525-716A90C83FC5}"/>
+              </a:ext>
+              <a:ext uri="{C183D7F6-B498-43B3-948B-1728B52AA6E4}">
+                <adec:decorative xmlns:adec="http://schemas.microsoft.com/office/drawing/2017/decorative" val="1"/>
+              </a:ext>
+            </a:extLst>
+          </p:cNvPr>
+          <p:cNvSpPr>
+            <a:spLocks noGrp="1" noRot="1" noChangeAspect="1" noMove="1" noResize="1" noEditPoints="1" noAdjustHandles="1" noChangeArrowheads="1" noChangeShapeType="1" noTextEdit="1"/>
+          </p:cNvSpPr>
+          <p:nvPr>
+            <p:extLst>
+              <p:ext uri="{386F3935-93C4-4BCD-93E2-E3B085C9AB24}">
+                <p16:designElem xmlns:p16="http://schemas.microsoft.com/office/powerpoint/2015/main" val="1"/>
+              </p:ext>
+            </p:extLst>
+          </p:nvPr>
+        </p:nvSpPr>
+        <p:spPr>
+          <a:xfrm>
+            <a:off x="0" y="0"/>
+            <a:ext cx="4636008" cy="6858000"/>
+          </a:xfrm>
+          <a:prstGeom prst="rect">
+            <a:avLst/>
+          </a:prstGeom>
+          <a:ln>
+            <a:noFill/>
+          </a:ln>
+          <a:effectLst>
+            <a:outerShdw blurRad="63500" dist="38100" algn="l" rotWithShape="0">
+              <a:prstClr val="black">
+                <a:alpha val="40000"/>
+              </a:prstClr>
+            </a:outerShdw>
+          </a:effectLst>
+        </p:spPr>
+        <p:style>
+          <a:lnRef idx="2">
+            <a:schemeClr val="accent1">
+              <a:shade val="50000"/>
+            </a:schemeClr>
+          </a:lnRef>
+          <a:fillRef idx="1">
+            <a:schemeClr val="accent1"/>
+          </a:fillRef>
+          <a:effectRef idx="0">
+            <a:schemeClr val="accent1"/>
+          </a:effectRef>
+          <a:fontRef idx="minor">
+            <a:schemeClr val="lt1"/>
+          </a:fontRef>
+        </p:style>
+        <p:txBody>
+          <a:bodyPr rtlCol="0" anchor="ctr"/>
+          <a:lstStyle/>
+          <a:p>
+            <a:pPr marL="0" marR="0" lvl="0" indent="0" algn="ctr" defTabSz="457200" rtl="0" eaLnBrk="1" fontAlgn="auto" latinLnBrk="0" hangingPunct="1">
+              <a:lnSpc>
+                <a:spcPct val="100000"/>
+              </a:lnSpc>
+              <a:spcBef>
+                <a:spcPts val="0"/>
+              </a:spcBef>
+              <a:spcAft>
+                <a:spcPts val="0"/>
+              </a:spcAft>
+              <a:buClrTx/>
+              <a:buSzTx/>
+              <a:buFontTx/>
+              <a:buNone/>
+              <a:tabLst/>
+              <a:defRPr/>
+            </a:pPr>
+            <a:endParaRPr kumimoji="0" lang="en-US" sz="1800" b="0" i="0" u="none" strike="noStrike" kern="1200" cap="none" spc="0" normalizeH="0" baseline="0" noProof="0">
+              <a:ln>
+                <a:noFill/>
+              </a:ln>
+              <a:solidFill>
+                <a:prstClr val="white"/>
+              </a:solidFill>
+              <a:effectLst/>
+              <a:uLnTx/>
+              <a:uFillTx/>
+              <a:latin typeface="Century Gothic" panose="020B0502020202020204"/>
+              <a:ea typeface="+mn-ea"/>
+              <a:cs typeface="+mn-cs"/>
+            </a:endParaRPr>
+          </a:p>
+        </p:txBody>
+      </p:sp>
+      <p:pic>
+        <p:nvPicPr>
+          <p:cNvPr id="12" name="Picture 11">
+            <a:extLst>
+              <a:ext uri="{FF2B5EF4-FFF2-40B4-BE49-F238E27FC236}">
+                <a16:creationId xmlns:a16="http://schemas.microsoft.com/office/drawing/2014/main" id="{D2B93162-635C-46F5-97EC-E98C1659F1F0}"/>
+              </a:ext>
+              <a:ext uri="{C183D7F6-B498-43B3-948B-1728B52AA6E4}">
+                <adec:decorative xmlns:adec="http://schemas.microsoft.com/office/drawing/2017/decorative" val="1"/>
+              </a:ext>
+            </a:extLst>
+          </p:cNvPr>
+          <p:cNvPicPr>
+            <a:picLocks noGrp="1" noRot="1" noChangeAspect="1" noMove="1" noResize="1" noEditPoints="1" noAdjustHandles="1" noChangeArrowheads="1" noChangeShapeType="1" noCrop="1"/>
+          </p:cNvPicPr>
+          <p:nvPr>
+            <p:extLst>
+              <p:ext uri="{386F3935-93C4-4BCD-93E2-E3B085C9AB24}">
+                <p16:designElem xmlns:p16="http://schemas.microsoft.com/office/powerpoint/2015/main" val="1"/>
+              </p:ext>
+            </p:extLst>
+          </p:nvPr>
+        </p:nvPicPr>
+        <p:blipFill rotWithShape="1">
+          <a:blip r:embed="rId3">
+            <a:extLst>
+              <a:ext uri="{28A0092B-C50C-407E-A947-70E740481C1C}">
+                <a14:useLocalDpi xmlns:a14="http://schemas.microsoft.com/office/drawing/2010/main" val="0"/>
+              </a:ext>
+            </a:extLst>
+          </a:blip>
+          <a:srcRect r="61975"/>
+          <a:stretch/>
+        </p:blipFill>
+        <p:spPr>
+          <a:xfrm>
+            <a:off x="0" y="4375150"/>
+            <a:ext cx="4636008" cy="2482850"/>
+          </a:xfrm>
+          <a:prstGeom prst="rect">
+            <a:avLst/>
+          </a:prstGeom>
+        </p:spPr>
+      </p:pic>
+      <p:sp>
+        <p:nvSpPr>
           <p:cNvPr id="2" name="Title 1">
             <a:extLst>
               <a:ext uri="{FF2B5EF4-FFF2-40B4-BE49-F238E27FC236}">
@@ -7202,13 +8475,20 @@
             <p:ph type="title"/>
           </p:nvPr>
         </p:nvSpPr>
-        <p:spPr/>
-        <p:txBody>
-          <a:bodyPr/>
-          <a:lstStyle/>
-          <a:p>
-            <a:r>
-              <a:rPr lang="en-US" dirty="0"/>
+        <p:spPr>
+          <a:xfrm>
+            <a:off x="665922" y="987287"/>
+            <a:ext cx="3548269" cy="4697896"/>
+          </a:xfrm>
+        </p:spPr>
+        <p:txBody>
+          <a:bodyPr>
+            <a:normAutofit/>
+          </a:bodyPr>
+          <a:lstStyle/>
+          <a:p>
+            <a:r>
+              <a:rPr lang="en-US" sz="3600"/>
               <a:t>Data munging techniques</a:t>
             </a:r>
           </a:p>
@@ -7230,12 +8510,59 @@
             <p:ph idx="1"/>
           </p:nvPr>
         </p:nvSpPr>
-        <p:spPr/>
-        <p:txBody>
-          <a:bodyPr/>
-          <a:lstStyle/>
-          <a:p>
-            <a:endParaRPr lang="en-US"/>
+        <p:spPr>
+          <a:xfrm>
+            <a:off x="5057825" y="987287"/>
+            <a:ext cx="5755949" cy="4697895"/>
+          </a:xfrm>
+          <a:solidFill>
+            <a:schemeClr val="bg1"/>
+          </a:solidFill>
+        </p:spPr>
+        <p:txBody>
+          <a:bodyPr anchor="ctr">
+            <a:normAutofit/>
+          </a:bodyPr>
+          <a:lstStyle/>
+          <a:p>
+            <a:r>
+              <a:rPr lang="en-US" sz="1800" b="1" dirty="0"/>
+              <a:t>Smithsonian Institution: Global Volcanism Program</a:t>
+            </a:r>
+          </a:p>
+          <a:p>
+            <a:pPr lvl="1"/>
+            <a:r>
+              <a:rPr lang="en-US" sz="1600" dirty="0"/>
+              <a:t>File Type: </a:t>
+            </a:r>
+            <a:r>
+              <a:rPr lang="en-US" sz="1600" dirty="0">
+                <a:hlinkClick r:id="rId4"/>
+              </a:rPr>
+              <a:t>Excel</a:t>
+            </a:r>
+            <a:endParaRPr lang="en-US" sz="1600" dirty="0"/>
+          </a:p>
+          <a:p>
+            <a:r>
+              <a:rPr lang="en-US" sz="1800" b="1" dirty="0"/>
+              <a:t>NOAA: Significant Volcanic Eruption Database</a:t>
+            </a:r>
+          </a:p>
+          <a:p>
+            <a:pPr lvl="1"/>
+            <a:r>
+              <a:rPr lang="en-US" sz="1600" dirty="0"/>
+              <a:t>File Type: </a:t>
+            </a:r>
+            <a:r>
+              <a:rPr lang="en-US" sz="1600" dirty="0">
+                <a:hlinkClick r:id="rId5"/>
+              </a:rPr>
+              <a:t>Json</a:t>
+            </a:r>
+            <a:endParaRPr lang="en-US" sz="1600" dirty="0"/>
           </a:p>
         </p:txBody>
       </p:sp>

--- a/Presentation.pptx
+++ b/Presentation.pptx
@@ -5,15 +5,20 @@
     <p:sldMasterId id="2147483648" r:id="rId1"/>
   </p:sldMasterIdLst>
   <p:notesMasterIdLst>
-    <p:notesMasterId r:id="rId8"/>
+    <p:notesMasterId r:id="rId13"/>
   </p:notesMasterIdLst>
   <p:sldIdLst>
     <p:sldId id="256" r:id="rId2"/>
     <p:sldId id="257" r:id="rId3"/>
     <p:sldId id="258" r:id="rId4"/>
-    <p:sldId id="259" r:id="rId5"/>
-    <p:sldId id="260" r:id="rId6"/>
-    <p:sldId id="261" r:id="rId7"/>
+    <p:sldId id="260" r:id="rId5"/>
+    <p:sldId id="262" r:id="rId6"/>
+    <p:sldId id="259" r:id="rId7"/>
+    <p:sldId id="263" r:id="rId8"/>
+    <p:sldId id="266" r:id="rId9"/>
+    <p:sldId id="261" r:id="rId10"/>
+    <p:sldId id="264" r:id="rId11"/>
+    <p:sldId id="265" r:id="rId12"/>
   </p:sldIdLst>
   <p:sldSz cx="12192000" cy="6858000"/>
   <p:notesSz cx="6858000" cy="9144000"/>
@@ -121,6 +126,5803 @@
     </p:ext>
   </p:extLst>
 </p:presentation>
+</file>
+
+<file path=ppt/diagrams/colors1.xml><?xml version="1.0" encoding="utf-8"?>
+<dgm:colorsDef xmlns:dgm="http://schemas.openxmlformats.org/drawingml/2006/diagram" xmlns:a="http://schemas.openxmlformats.org/drawingml/2006/main" uniqueId="urn:microsoft.com/office/officeart/2005/8/colors/colorful2">
+  <dgm:title val=""/>
+  <dgm:desc val=""/>
+  <dgm:catLst>
+    <dgm:cat type="colorful" pri="10200"/>
+  </dgm:catLst>
+  <dgm:styleLbl name="node0">
+    <dgm:fillClrLst meth="repeat">
+      <a:schemeClr val="accent1"/>
+    </dgm:fillClrLst>
+    <dgm:linClrLst meth="repeat">
+      <a:schemeClr val="lt1"/>
+    </dgm:linClrLst>
+    <dgm:effectClrLst/>
+    <dgm:txLinClrLst/>
+    <dgm:txFillClrLst/>
+    <dgm:txEffectClrLst/>
+  </dgm:styleLbl>
+  <dgm:styleLbl name="node1">
+    <dgm:fillClrLst>
+      <a:schemeClr val="accent2"/>
+      <a:schemeClr val="accent3"/>
+    </dgm:fillClrLst>
+    <dgm:linClrLst meth="repeat">
+      <a:schemeClr val="lt1"/>
+    </dgm:linClrLst>
+    <dgm:effectClrLst/>
+    <dgm:txLinClrLst/>
+    <dgm:txFillClrLst/>
+    <dgm:txEffectClrLst/>
+  </dgm:styleLbl>
+  <dgm:styleLbl name="alignNode1">
+    <dgm:fillClrLst>
+      <a:schemeClr val="accent2"/>
+      <a:schemeClr val="accent3"/>
+    </dgm:fillClrLst>
+    <dgm:linClrLst>
+      <a:schemeClr val="accent2"/>
+      <a:schemeClr val="accent3"/>
+    </dgm:linClrLst>
+    <dgm:effectClrLst/>
+    <dgm:txLinClrLst/>
+    <dgm:txFillClrLst/>
+    <dgm:txEffectClrLst/>
+  </dgm:styleLbl>
+  <dgm:styleLbl name="lnNode1">
+    <dgm:fillClrLst>
+      <a:schemeClr val="accent2"/>
+      <a:schemeClr val="accent3"/>
+    </dgm:fillClrLst>
+    <dgm:linClrLst meth="repeat">
+      <a:schemeClr val="lt1"/>
+    </dgm:linClrLst>
+    <dgm:effectClrLst/>
+    <dgm:txLinClrLst/>
+    <dgm:txFillClrLst/>
+    <dgm:txEffectClrLst/>
+  </dgm:styleLbl>
+  <dgm:styleLbl name="vennNode1">
+    <dgm:fillClrLst>
+      <a:schemeClr val="accent2">
+        <a:alpha val="50000"/>
+      </a:schemeClr>
+      <a:schemeClr val="accent3">
+        <a:alpha val="50000"/>
+      </a:schemeClr>
+    </dgm:fillClrLst>
+    <dgm:linClrLst meth="repeat">
+      <a:schemeClr val="lt1"/>
+    </dgm:linClrLst>
+    <dgm:effectClrLst/>
+    <dgm:txLinClrLst/>
+    <dgm:txFillClrLst/>
+    <dgm:txEffectClrLst/>
+  </dgm:styleLbl>
+  <dgm:styleLbl name="node2">
+    <dgm:fillClrLst>
+      <a:schemeClr val="accent3"/>
+    </dgm:fillClrLst>
+    <dgm:linClrLst meth="repeat">
+      <a:schemeClr val="lt1"/>
+    </dgm:linClrLst>
+    <dgm:effectClrLst/>
+    <dgm:txLinClrLst/>
+    <dgm:txFillClrLst/>
+    <dgm:txEffectClrLst/>
+  </dgm:styleLbl>
+  <dgm:styleLbl name="node3">
+    <dgm:fillClrLst>
+      <a:schemeClr val="accent4"/>
+    </dgm:fillClrLst>
+    <dgm:linClrLst meth="repeat">
+      <a:schemeClr val="lt1"/>
+    </dgm:linClrLst>
+    <dgm:effectClrLst/>
+    <dgm:txLinClrLst/>
+    <dgm:txFillClrLst/>
+    <dgm:txEffectClrLst/>
+  </dgm:styleLbl>
+  <dgm:styleLbl name="node4">
+    <dgm:fillClrLst>
+      <a:schemeClr val="accent5"/>
+    </dgm:fillClrLst>
+    <dgm:linClrLst meth="repeat">
+      <a:schemeClr val="lt1"/>
+    </dgm:linClrLst>
+    <dgm:effectClrLst/>
+    <dgm:txLinClrLst/>
+    <dgm:txFillClrLst/>
+    <dgm:txEffectClrLst/>
+  </dgm:styleLbl>
+  <dgm:styleLbl name="fgImgPlace1">
+    <dgm:fillClrLst>
+      <a:schemeClr val="accent2">
+        <a:tint val="50000"/>
+      </a:schemeClr>
+      <a:schemeClr val="accent3">
+        <a:tint val="50000"/>
+      </a:schemeClr>
+    </dgm:fillClrLst>
+    <dgm:linClrLst meth="repeat">
+      <a:schemeClr val="lt1"/>
+    </dgm:linClrLst>
+    <dgm:effectClrLst/>
+    <dgm:txLinClrLst/>
+    <dgm:txFillClrLst meth="repeat">
+      <a:schemeClr val="lt1"/>
+    </dgm:txFillClrLst>
+    <dgm:txEffectClrLst/>
+  </dgm:styleLbl>
+  <dgm:styleLbl name="alignImgPlace1">
+    <dgm:fillClrLst>
+      <a:schemeClr val="accent2">
+        <a:tint val="50000"/>
+      </a:schemeClr>
+      <a:schemeClr val="accent3">
+        <a:tint val="20000"/>
+      </a:schemeClr>
+    </dgm:fillClrLst>
+    <dgm:linClrLst meth="repeat">
+      <a:schemeClr val="lt1"/>
+    </dgm:linClrLst>
+    <dgm:effectClrLst/>
+    <dgm:txLinClrLst/>
+    <dgm:txFillClrLst meth="repeat">
+      <a:schemeClr val="lt1"/>
+    </dgm:txFillClrLst>
+    <dgm:txEffectClrLst/>
+  </dgm:styleLbl>
+  <dgm:styleLbl name="bgImgPlace1">
+    <dgm:fillClrLst>
+      <a:schemeClr val="accent2">
+        <a:tint val="50000"/>
+      </a:schemeClr>
+      <a:schemeClr val="accent3">
+        <a:tint val="20000"/>
+      </a:schemeClr>
+    </dgm:fillClrLst>
+    <dgm:linClrLst meth="repeat">
+      <a:schemeClr val="lt1"/>
+    </dgm:linClrLst>
+    <dgm:effectClrLst/>
+    <dgm:txLinClrLst/>
+    <dgm:txFillClrLst meth="repeat">
+      <a:schemeClr val="lt1"/>
+    </dgm:txFillClrLst>
+    <dgm:txEffectClrLst/>
+  </dgm:styleLbl>
+  <dgm:styleLbl name="sibTrans2D1">
+    <dgm:fillClrLst>
+      <a:schemeClr val="accent2"/>
+      <a:schemeClr val="accent3"/>
+    </dgm:fillClrLst>
+    <dgm:linClrLst meth="repeat">
+      <a:schemeClr val="lt1"/>
+    </dgm:linClrLst>
+    <dgm:effectClrLst/>
+    <dgm:txLinClrLst/>
+    <dgm:txFillClrLst/>
+    <dgm:txEffectClrLst/>
+  </dgm:styleLbl>
+  <dgm:styleLbl name="fgSibTrans2D1">
+    <dgm:fillClrLst>
+      <a:schemeClr val="accent2"/>
+      <a:schemeClr val="accent3"/>
+    </dgm:fillClrLst>
+    <dgm:linClrLst meth="repeat">
+      <a:schemeClr val="lt1"/>
+    </dgm:linClrLst>
+    <dgm:effectClrLst/>
+    <dgm:txLinClrLst/>
+    <dgm:txFillClrLst meth="repeat">
+      <a:schemeClr val="lt1"/>
+    </dgm:txFillClrLst>
+    <dgm:txEffectClrLst/>
+  </dgm:styleLbl>
+  <dgm:styleLbl name="bgSibTrans2D1">
+    <dgm:fillClrLst>
+      <a:schemeClr val="accent2"/>
+      <a:schemeClr val="accent3"/>
+    </dgm:fillClrLst>
+    <dgm:linClrLst meth="repeat">
+      <a:schemeClr val="lt1"/>
+    </dgm:linClrLst>
+    <dgm:effectClrLst/>
+    <dgm:txLinClrLst/>
+    <dgm:txFillClrLst meth="repeat">
+      <a:schemeClr val="lt1"/>
+    </dgm:txFillClrLst>
+    <dgm:txEffectClrLst/>
+  </dgm:styleLbl>
+  <dgm:styleLbl name="sibTrans1D1">
+    <dgm:fillClrLst/>
+    <dgm:linClrLst>
+      <a:schemeClr val="accent2"/>
+      <a:schemeClr val="accent3"/>
+    </dgm:linClrLst>
+    <dgm:effectClrLst/>
+    <dgm:txLinClrLst/>
+    <dgm:txFillClrLst meth="repeat">
+      <a:schemeClr val="tx1"/>
+    </dgm:txFillClrLst>
+    <dgm:txEffectClrLst/>
+  </dgm:styleLbl>
+  <dgm:styleLbl name="callout">
+    <dgm:fillClrLst meth="repeat">
+      <a:schemeClr val="accent2"/>
+    </dgm:fillClrLst>
+    <dgm:linClrLst meth="repeat">
+      <a:schemeClr val="accent2">
+        <a:tint val="50000"/>
+      </a:schemeClr>
+    </dgm:linClrLst>
+    <dgm:effectClrLst/>
+    <dgm:txLinClrLst/>
+    <dgm:txFillClrLst meth="repeat">
+      <a:schemeClr val="tx1"/>
+    </dgm:txFillClrLst>
+    <dgm:txEffectClrLst/>
+  </dgm:styleLbl>
+  <dgm:styleLbl name="asst0">
+    <dgm:fillClrLst meth="repeat">
+      <a:schemeClr val="accent2"/>
+    </dgm:fillClrLst>
+    <dgm:linClrLst meth="repeat">
+      <a:schemeClr val="lt1">
+        <a:shade val="80000"/>
+      </a:schemeClr>
+    </dgm:linClrLst>
+    <dgm:effectClrLst/>
+    <dgm:txLinClrLst/>
+    <dgm:txFillClrLst/>
+    <dgm:txEffectClrLst/>
+  </dgm:styleLbl>
+  <dgm:styleLbl name="asst1">
+    <dgm:fillClrLst meth="repeat">
+      <a:schemeClr val="accent3"/>
+    </dgm:fillClrLst>
+    <dgm:linClrLst meth="repeat">
+      <a:schemeClr val="lt1">
+        <a:shade val="80000"/>
+      </a:schemeClr>
+    </dgm:linClrLst>
+    <dgm:effectClrLst/>
+    <dgm:txLinClrLst/>
+    <dgm:txFillClrLst/>
+    <dgm:txEffectClrLst/>
+  </dgm:styleLbl>
+  <dgm:styleLbl name="asst2">
+    <dgm:fillClrLst>
+      <a:schemeClr val="accent4"/>
+    </dgm:fillClrLst>
+    <dgm:linClrLst meth="repeat">
+      <a:schemeClr val="lt1"/>
+    </dgm:linClrLst>
+    <dgm:effectClrLst/>
+    <dgm:txLinClrLst/>
+    <dgm:txFillClrLst/>
+    <dgm:txEffectClrLst/>
+  </dgm:styleLbl>
+  <dgm:styleLbl name="asst3">
+    <dgm:fillClrLst>
+      <a:schemeClr val="accent5"/>
+    </dgm:fillClrLst>
+    <dgm:linClrLst meth="repeat">
+      <a:schemeClr val="lt1"/>
+    </dgm:linClrLst>
+    <dgm:effectClrLst/>
+    <dgm:txLinClrLst/>
+    <dgm:txFillClrLst/>
+    <dgm:txEffectClrLst/>
+  </dgm:styleLbl>
+  <dgm:styleLbl name="asst4">
+    <dgm:fillClrLst>
+      <a:schemeClr val="accent6"/>
+    </dgm:fillClrLst>
+    <dgm:linClrLst meth="repeat">
+      <a:schemeClr val="lt1"/>
+    </dgm:linClrLst>
+    <dgm:effectClrLst/>
+    <dgm:txLinClrLst/>
+    <dgm:txFillClrLst/>
+    <dgm:txEffectClrLst/>
+  </dgm:styleLbl>
+  <dgm:styleLbl name="parChTrans2D1">
+    <dgm:fillClrLst meth="repeat">
+      <a:schemeClr val="accent2"/>
+    </dgm:fillClrLst>
+    <dgm:linClrLst meth="repeat">
+      <a:schemeClr val="lt1"/>
+    </dgm:linClrLst>
+    <dgm:effectClrLst/>
+    <dgm:txLinClrLst/>
+    <dgm:txFillClrLst meth="repeat">
+      <a:schemeClr val="lt1"/>
+    </dgm:txFillClrLst>
+    <dgm:txEffectClrLst/>
+  </dgm:styleLbl>
+  <dgm:styleLbl name="parChTrans2D2">
+    <dgm:fillClrLst meth="repeat">
+      <a:schemeClr val="accent3"/>
+    </dgm:fillClrLst>
+    <dgm:linClrLst meth="repeat">
+      <a:schemeClr val="lt1"/>
+    </dgm:linClrLst>
+    <dgm:effectClrLst/>
+    <dgm:txLinClrLst/>
+    <dgm:txFillClrLst/>
+    <dgm:txEffectClrLst/>
+  </dgm:styleLbl>
+  <dgm:styleLbl name="parChTrans2D3">
+    <dgm:fillClrLst meth="repeat">
+      <a:schemeClr val="accent4"/>
+    </dgm:fillClrLst>
+    <dgm:linClrLst meth="repeat">
+      <a:schemeClr val="lt1"/>
+    </dgm:linClrLst>
+    <dgm:effectClrLst/>
+    <dgm:txLinClrLst/>
+    <dgm:txFillClrLst/>
+    <dgm:txEffectClrLst/>
+  </dgm:styleLbl>
+  <dgm:styleLbl name="parChTrans2D4">
+    <dgm:fillClrLst meth="repeat">
+      <a:schemeClr val="accent5"/>
+    </dgm:fillClrLst>
+    <dgm:linClrLst meth="repeat">
+      <a:schemeClr val="lt1"/>
+    </dgm:linClrLst>
+    <dgm:effectClrLst/>
+    <dgm:txLinClrLst/>
+    <dgm:txFillClrLst meth="repeat">
+      <a:schemeClr val="lt1"/>
+    </dgm:txFillClrLst>
+    <dgm:txEffectClrLst/>
+  </dgm:styleLbl>
+  <dgm:styleLbl name="parChTrans1D1">
+    <dgm:fillClrLst meth="repeat">
+      <a:schemeClr val="accent2"/>
+    </dgm:fillClrLst>
+    <dgm:linClrLst meth="repeat">
+      <a:schemeClr val="accent2"/>
+    </dgm:linClrLst>
+    <dgm:effectClrLst/>
+    <dgm:txLinClrLst/>
+    <dgm:txFillClrLst meth="repeat">
+      <a:schemeClr val="tx1"/>
+    </dgm:txFillClrLst>
+    <dgm:txEffectClrLst/>
+  </dgm:styleLbl>
+  <dgm:styleLbl name="parChTrans1D2">
+    <dgm:fillClrLst meth="repeat">
+      <a:schemeClr val="accent2">
+        <a:tint val="90000"/>
+      </a:schemeClr>
+    </dgm:fillClrLst>
+    <dgm:linClrLst meth="repeat">
+      <a:schemeClr val="accent3"/>
+    </dgm:linClrLst>
+    <dgm:effectClrLst/>
+    <dgm:txLinClrLst/>
+    <dgm:txFillClrLst meth="repeat">
+      <a:schemeClr val="tx1"/>
+    </dgm:txFillClrLst>
+    <dgm:txEffectClrLst/>
+  </dgm:styleLbl>
+  <dgm:styleLbl name="parChTrans1D3">
+    <dgm:fillClrLst meth="repeat">
+      <a:schemeClr val="accent2">
+        <a:tint val="70000"/>
+      </a:schemeClr>
+    </dgm:fillClrLst>
+    <dgm:linClrLst meth="repeat">
+      <a:schemeClr val="accent4"/>
+    </dgm:linClrLst>
+    <dgm:effectClrLst/>
+    <dgm:txLinClrLst/>
+    <dgm:txFillClrLst meth="repeat">
+      <a:schemeClr val="tx1"/>
+    </dgm:txFillClrLst>
+    <dgm:txEffectClrLst/>
+  </dgm:styleLbl>
+  <dgm:styleLbl name="parChTrans1D4">
+    <dgm:fillClrLst meth="repeat">
+      <a:schemeClr val="accent2">
+        <a:tint val="50000"/>
+      </a:schemeClr>
+    </dgm:fillClrLst>
+    <dgm:linClrLst meth="repeat">
+      <a:schemeClr val="accent5"/>
+    </dgm:linClrLst>
+    <dgm:effectClrLst/>
+    <dgm:txLinClrLst/>
+    <dgm:txFillClrLst meth="repeat">
+      <a:schemeClr val="tx1"/>
+    </dgm:txFillClrLst>
+    <dgm:txEffectClrLst/>
+  </dgm:styleLbl>
+  <dgm:styleLbl name="fgAcc1">
+    <dgm:fillClrLst meth="repeat">
+      <a:schemeClr val="lt1">
+        <a:alpha val="90000"/>
+      </a:schemeClr>
+    </dgm:fillClrLst>
+    <dgm:linClrLst>
+      <a:schemeClr val="accent2"/>
+      <a:schemeClr val="accent3"/>
+    </dgm:linClrLst>
+    <dgm:effectClrLst/>
+    <dgm:txLinClrLst/>
+    <dgm:txFillClrLst meth="repeat">
+      <a:schemeClr val="dk1"/>
+    </dgm:txFillClrLst>
+    <dgm:txEffectClrLst/>
+  </dgm:styleLbl>
+  <dgm:styleLbl name="conFgAcc1">
+    <dgm:fillClrLst meth="repeat">
+      <a:schemeClr val="lt1">
+        <a:alpha val="90000"/>
+      </a:schemeClr>
+    </dgm:fillClrLst>
+    <dgm:linClrLst>
+      <a:schemeClr val="accent2"/>
+      <a:schemeClr val="accent3"/>
+    </dgm:linClrLst>
+    <dgm:effectClrLst/>
+    <dgm:txLinClrLst/>
+    <dgm:txFillClrLst meth="repeat">
+      <a:schemeClr val="dk1"/>
+    </dgm:txFillClrLst>
+    <dgm:txEffectClrLst/>
+  </dgm:styleLbl>
+  <dgm:styleLbl name="alignAcc1">
+    <dgm:fillClrLst meth="repeat">
+      <a:schemeClr val="lt1">
+        <a:alpha val="90000"/>
+      </a:schemeClr>
+    </dgm:fillClrLst>
+    <dgm:linClrLst>
+      <a:schemeClr val="accent2"/>
+      <a:schemeClr val="accent3"/>
+    </dgm:linClrLst>
+    <dgm:effectClrLst/>
+    <dgm:txLinClrLst/>
+    <dgm:txFillClrLst meth="repeat">
+      <a:schemeClr val="dk1"/>
+    </dgm:txFillClrLst>
+    <dgm:txEffectClrLst/>
+  </dgm:styleLbl>
+  <dgm:styleLbl name="trAlignAcc1">
+    <dgm:fillClrLst meth="repeat">
+      <a:schemeClr val="lt1">
+        <a:alpha val="40000"/>
+      </a:schemeClr>
+    </dgm:fillClrLst>
+    <dgm:linClrLst meth="repeat">
+      <a:schemeClr val="accent2"/>
+    </dgm:linClrLst>
+    <dgm:effectClrLst/>
+    <dgm:txLinClrLst/>
+    <dgm:txFillClrLst meth="repeat">
+      <a:schemeClr val="dk1"/>
+    </dgm:txFillClrLst>
+    <dgm:txEffectClrLst/>
+  </dgm:styleLbl>
+  <dgm:styleLbl name="bgAcc1">
+    <dgm:fillClrLst meth="repeat">
+      <a:schemeClr val="lt1">
+        <a:alpha val="90000"/>
+      </a:schemeClr>
+    </dgm:fillClrLst>
+    <dgm:linClrLst>
+      <a:schemeClr val="accent2"/>
+      <a:schemeClr val="accent3"/>
+    </dgm:linClrLst>
+    <dgm:effectClrLst/>
+    <dgm:txLinClrLst/>
+    <dgm:txFillClrLst meth="repeat">
+      <a:schemeClr val="dk1"/>
+    </dgm:txFillClrLst>
+    <dgm:txEffectClrLst/>
+  </dgm:styleLbl>
+  <dgm:styleLbl name="solidFgAcc1">
+    <dgm:fillClrLst meth="repeat">
+      <a:schemeClr val="lt1"/>
+    </dgm:fillClrLst>
+    <dgm:linClrLst>
+      <a:schemeClr val="accent2"/>
+      <a:schemeClr val="accent3"/>
+    </dgm:linClrLst>
+    <dgm:effectClrLst/>
+    <dgm:txLinClrLst/>
+    <dgm:txFillClrLst meth="repeat">
+      <a:schemeClr val="dk1"/>
+    </dgm:txFillClrLst>
+    <dgm:txEffectClrLst/>
+  </dgm:styleLbl>
+  <dgm:styleLbl name="solidAlignAcc1">
+    <dgm:fillClrLst meth="repeat">
+      <a:schemeClr val="lt1"/>
+    </dgm:fillClrLst>
+    <dgm:linClrLst>
+      <a:schemeClr val="accent2"/>
+      <a:schemeClr val="accent3"/>
+    </dgm:linClrLst>
+    <dgm:effectClrLst/>
+    <dgm:txLinClrLst/>
+    <dgm:txFillClrLst meth="repeat">
+      <a:schemeClr val="dk1"/>
+    </dgm:txFillClrLst>
+    <dgm:txEffectClrLst/>
+  </dgm:styleLbl>
+  <dgm:styleLbl name="solidBgAcc1">
+    <dgm:fillClrLst meth="repeat">
+      <a:schemeClr val="lt1"/>
+    </dgm:fillClrLst>
+    <dgm:linClrLst>
+      <a:schemeClr val="accent2"/>
+      <a:schemeClr val="accent3"/>
+    </dgm:linClrLst>
+    <dgm:effectClrLst/>
+    <dgm:txLinClrLst/>
+    <dgm:txFillClrLst meth="repeat">
+      <a:schemeClr val="dk1"/>
+    </dgm:txFillClrLst>
+    <dgm:txEffectClrLst/>
+  </dgm:styleLbl>
+  <dgm:styleLbl name="fgAccFollowNode1">
+    <dgm:fillClrLst>
+      <a:schemeClr val="accent2">
+        <a:tint val="40000"/>
+        <a:alpha val="90000"/>
+      </a:schemeClr>
+      <a:schemeClr val="accent3">
+        <a:tint val="40000"/>
+        <a:alpha val="90000"/>
+      </a:schemeClr>
+    </dgm:fillClrLst>
+    <dgm:linClrLst>
+      <a:schemeClr val="accent2">
+        <a:tint val="40000"/>
+        <a:alpha val="90000"/>
+      </a:schemeClr>
+      <a:schemeClr val="accent3">
+        <a:tint val="40000"/>
+        <a:alpha val="90000"/>
+      </a:schemeClr>
+    </dgm:linClrLst>
+    <dgm:effectClrLst/>
+    <dgm:txLinClrLst/>
+    <dgm:txFillClrLst meth="repeat">
+      <a:schemeClr val="dk1"/>
+    </dgm:txFillClrLst>
+    <dgm:txEffectClrLst/>
+  </dgm:styleLbl>
+  <dgm:styleLbl name="alignAccFollowNode1">
+    <dgm:fillClrLst>
+      <a:schemeClr val="accent2">
+        <a:tint val="40000"/>
+        <a:alpha val="90000"/>
+      </a:schemeClr>
+      <a:schemeClr val="accent3">
+        <a:tint val="40000"/>
+        <a:alpha val="90000"/>
+      </a:schemeClr>
+    </dgm:fillClrLst>
+    <dgm:linClrLst>
+      <a:schemeClr val="accent2">
+        <a:tint val="40000"/>
+        <a:alpha val="90000"/>
+      </a:schemeClr>
+      <a:schemeClr val="accent3">
+        <a:tint val="40000"/>
+        <a:alpha val="90000"/>
+      </a:schemeClr>
+    </dgm:linClrLst>
+    <dgm:effectClrLst/>
+    <dgm:txLinClrLst/>
+    <dgm:txFillClrLst meth="repeat">
+      <a:schemeClr val="dk1"/>
+    </dgm:txFillClrLst>
+    <dgm:txEffectClrLst/>
+  </dgm:styleLbl>
+  <dgm:styleLbl name="bgAccFollowNode1">
+    <dgm:fillClrLst>
+      <a:schemeClr val="accent2">
+        <a:tint val="40000"/>
+        <a:alpha val="90000"/>
+      </a:schemeClr>
+      <a:schemeClr val="accent3">
+        <a:tint val="40000"/>
+        <a:alpha val="90000"/>
+      </a:schemeClr>
+    </dgm:fillClrLst>
+    <dgm:linClrLst>
+      <a:schemeClr val="accent2">
+        <a:tint val="40000"/>
+        <a:alpha val="90000"/>
+      </a:schemeClr>
+      <a:schemeClr val="accent3">
+        <a:tint val="40000"/>
+        <a:alpha val="90000"/>
+      </a:schemeClr>
+    </dgm:linClrLst>
+    <dgm:effectClrLst/>
+    <dgm:txLinClrLst/>
+    <dgm:txFillClrLst meth="repeat">
+      <a:schemeClr val="dk1"/>
+    </dgm:txFillClrLst>
+    <dgm:txEffectClrLst/>
+  </dgm:styleLbl>
+  <dgm:styleLbl name="fgAcc0">
+    <dgm:fillClrLst meth="repeat">
+      <a:schemeClr val="lt1">
+        <a:alpha val="90000"/>
+      </a:schemeClr>
+    </dgm:fillClrLst>
+    <dgm:linClrLst>
+      <a:schemeClr val="accent1"/>
+    </dgm:linClrLst>
+    <dgm:effectClrLst/>
+    <dgm:txLinClrLst/>
+    <dgm:txFillClrLst meth="repeat">
+      <a:schemeClr val="dk1"/>
+    </dgm:txFillClrLst>
+    <dgm:txEffectClrLst/>
+  </dgm:styleLbl>
+  <dgm:styleLbl name="fgAcc2">
+    <dgm:fillClrLst meth="repeat">
+      <a:schemeClr val="lt1">
+        <a:alpha val="90000"/>
+      </a:schemeClr>
+    </dgm:fillClrLst>
+    <dgm:linClrLst>
+      <a:schemeClr val="accent3"/>
+    </dgm:linClrLst>
+    <dgm:effectClrLst/>
+    <dgm:txLinClrLst/>
+    <dgm:txFillClrLst meth="repeat">
+      <a:schemeClr val="dk1"/>
+    </dgm:txFillClrLst>
+    <dgm:txEffectClrLst/>
+  </dgm:styleLbl>
+  <dgm:styleLbl name="fgAcc3">
+    <dgm:fillClrLst meth="repeat">
+      <a:schemeClr val="lt1">
+        <a:alpha val="90000"/>
+      </a:schemeClr>
+    </dgm:fillClrLst>
+    <dgm:linClrLst>
+      <a:schemeClr val="accent4"/>
+    </dgm:linClrLst>
+    <dgm:effectClrLst/>
+    <dgm:txLinClrLst/>
+    <dgm:txFillClrLst meth="repeat">
+      <a:schemeClr val="dk1"/>
+    </dgm:txFillClrLst>
+    <dgm:txEffectClrLst/>
+  </dgm:styleLbl>
+  <dgm:styleLbl name="fgAcc4">
+    <dgm:fillClrLst meth="repeat">
+      <a:schemeClr val="lt1">
+        <a:alpha val="90000"/>
+      </a:schemeClr>
+    </dgm:fillClrLst>
+    <dgm:linClrLst>
+      <a:schemeClr val="accent5"/>
+    </dgm:linClrLst>
+    <dgm:effectClrLst/>
+    <dgm:txLinClrLst/>
+    <dgm:txFillClrLst meth="repeat">
+      <a:schemeClr val="dk1"/>
+    </dgm:txFillClrLst>
+    <dgm:txEffectClrLst/>
+  </dgm:styleLbl>
+  <dgm:styleLbl name="bgShp">
+    <dgm:fillClrLst meth="repeat">
+      <a:schemeClr val="accent2">
+        <a:tint val="40000"/>
+      </a:schemeClr>
+    </dgm:fillClrLst>
+    <dgm:linClrLst meth="repeat">
+      <a:schemeClr val="dk1"/>
+    </dgm:linClrLst>
+    <dgm:effectClrLst/>
+    <dgm:txLinClrLst/>
+    <dgm:txFillClrLst meth="repeat">
+      <a:schemeClr val="dk1"/>
+    </dgm:txFillClrLst>
+    <dgm:txEffectClrLst/>
+  </dgm:styleLbl>
+  <dgm:styleLbl name="dkBgShp">
+    <dgm:fillClrLst meth="repeat">
+      <a:schemeClr val="accent2">
+        <a:shade val="90000"/>
+      </a:schemeClr>
+    </dgm:fillClrLst>
+    <dgm:linClrLst meth="repeat">
+      <a:schemeClr val="dk1"/>
+    </dgm:linClrLst>
+    <dgm:effectClrLst/>
+    <dgm:txLinClrLst/>
+    <dgm:txFillClrLst meth="repeat">
+      <a:schemeClr val="lt1"/>
+    </dgm:txFillClrLst>
+    <dgm:txEffectClrLst/>
+  </dgm:styleLbl>
+  <dgm:styleLbl name="trBgShp">
+    <dgm:fillClrLst meth="repeat">
+      <a:schemeClr val="accent2">
+        <a:tint val="50000"/>
+        <a:alpha val="40000"/>
+      </a:schemeClr>
+    </dgm:fillClrLst>
+    <dgm:linClrLst meth="repeat">
+      <a:schemeClr val="accent2"/>
+    </dgm:linClrLst>
+    <dgm:effectClrLst/>
+    <dgm:txLinClrLst/>
+    <dgm:txFillClrLst meth="repeat">
+      <a:schemeClr val="lt1"/>
+    </dgm:txFillClrLst>
+    <dgm:txEffectClrLst/>
+  </dgm:styleLbl>
+  <dgm:styleLbl name="fgShp">
+    <dgm:fillClrLst meth="repeat">
+      <a:schemeClr val="accent2">
+        <a:tint val="40000"/>
+      </a:schemeClr>
+    </dgm:fillClrLst>
+    <dgm:linClrLst meth="repeat">
+      <a:schemeClr val="lt1"/>
+    </dgm:linClrLst>
+    <dgm:effectClrLst/>
+    <dgm:txLinClrLst/>
+    <dgm:txFillClrLst meth="repeat">
+      <a:schemeClr val="dk1"/>
+    </dgm:txFillClrLst>
+    <dgm:txEffectClrLst/>
+  </dgm:styleLbl>
+  <dgm:styleLbl name="revTx">
+    <dgm:fillClrLst meth="repeat">
+      <a:schemeClr val="lt1">
+        <a:alpha val="0"/>
+      </a:schemeClr>
+    </dgm:fillClrLst>
+    <dgm:linClrLst meth="repeat">
+      <a:schemeClr val="dk1">
+        <a:alpha val="0"/>
+      </a:schemeClr>
+    </dgm:linClrLst>
+    <dgm:effectClrLst/>
+    <dgm:txLinClrLst/>
+    <dgm:txFillClrLst meth="repeat">
+      <a:schemeClr val="tx1"/>
+    </dgm:txFillClrLst>
+    <dgm:txEffectClrLst/>
+  </dgm:styleLbl>
+</dgm:colorsDef>
+</file>
+
+<file path=ppt/diagrams/colors2.xml><?xml version="1.0" encoding="utf-8"?>
+<dgm:colorsDef xmlns:dgm="http://schemas.openxmlformats.org/drawingml/2006/diagram" xmlns:a="http://schemas.openxmlformats.org/drawingml/2006/main" uniqueId="urn:microsoft.com/office/officeart/2005/8/colors/colorful1">
+  <dgm:title val=""/>
+  <dgm:desc val=""/>
+  <dgm:catLst>
+    <dgm:cat type="colorful" pri="10100"/>
+  </dgm:catLst>
+  <dgm:styleLbl name="node0">
+    <dgm:fillClrLst meth="repeat">
+      <a:schemeClr val="accent1"/>
+    </dgm:fillClrLst>
+    <dgm:linClrLst meth="repeat">
+      <a:schemeClr val="lt1"/>
+    </dgm:linClrLst>
+    <dgm:effectClrLst/>
+    <dgm:txLinClrLst/>
+    <dgm:txFillClrLst/>
+    <dgm:txEffectClrLst/>
+  </dgm:styleLbl>
+  <dgm:styleLbl name="node1">
+    <dgm:fillClrLst meth="repeat">
+      <a:schemeClr val="accent2"/>
+      <a:schemeClr val="accent3"/>
+      <a:schemeClr val="accent4"/>
+      <a:schemeClr val="accent5"/>
+      <a:schemeClr val="accent6"/>
+    </dgm:fillClrLst>
+    <dgm:linClrLst meth="repeat">
+      <a:schemeClr val="lt1"/>
+    </dgm:linClrLst>
+    <dgm:effectClrLst/>
+    <dgm:txLinClrLst/>
+    <dgm:txFillClrLst/>
+    <dgm:txEffectClrLst/>
+  </dgm:styleLbl>
+  <dgm:styleLbl name="alignNode1">
+    <dgm:fillClrLst meth="repeat">
+      <a:schemeClr val="accent2"/>
+      <a:schemeClr val="accent3"/>
+      <a:schemeClr val="accent4"/>
+      <a:schemeClr val="accent5"/>
+      <a:schemeClr val="accent6"/>
+    </dgm:fillClrLst>
+    <dgm:linClrLst meth="repeat">
+      <a:schemeClr val="accent2"/>
+      <a:schemeClr val="accent3"/>
+      <a:schemeClr val="accent4"/>
+      <a:schemeClr val="accent5"/>
+      <a:schemeClr val="accent6"/>
+    </dgm:linClrLst>
+    <dgm:effectClrLst/>
+    <dgm:txLinClrLst/>
+    <dgm:txFillClrLst/>
+    <dgm:txEffectClrLst/>
+  </dgm:styleLbl>
+  <dgm:styleLbl name="lnNode1">
+    <dgm:fillClrLst meth="repeat">
+      <a:schemeClr val="accent2"/>
+      <a:schemeClr val="accent3"/>
+      <a:schemeClr val="accent4"/>
+      <a:schemeClr val="accent5"/>
+      <a:schemeClr val="accent6"/>
+    </dgm:fillClrLst>
+    <dgm:linClrLst meth="repeat">
+      <a:schemeClr val="lt1"/>
+    </dgm:linClrLst>
+    <dgm:effectClrLst/>
+    <dgm:txLinClrLst/>
+    <dgm:txFillClrLst/>
+    <dgm:txEffectClrLst/>
+  </dgm:styleLbl>
+  <dgm:styleLbl name="vennNode1">
+    <dgm:fillClrLst meth="repeat">
+      <a:schemeClr val="accent2">
+        <a:alpha val="50000"/>
+      </a:schemeClr>
+      <a:schemeClr val="accent3">
+        <a:alpha val="50000"/>
+      </a:schemeClr>
+      <a:schemeClr val="accent4">
+        <a:alpha val="50000"/>
+      </a:schemeClr>
+      <a:schemeClr val="accent5">
+        <a:alpha val="50000"/>
+      </a:schemeClr>
+      <a:schemeClr val="accent6">
+        <a:alpha val="50000"/>
+      </a:schemeClr>
+    </dgm:fillClrLst>
+    <dgm:linClrLst meth="repeat">
+      <a:schemeClr val="lt1"/>
+    </dgm:linClrLst>
+    <dgm:effectClrLst/>
+    <dgm:txLinClrLst/>
+    <dgm:txFillClrLst/>
+    <dgm:txEffectClrLst/>
+  </dgm:styleLbl>
+  <dgm:styleLbl name="node2">
+    <dgm:fillClrLst>
+      <a:schemeClr val="accent2"/>
+    </dgm:fillClrLst>
+    <dgm:linClrLst meth="repeat">
+      <a:schemeClr val="lt1"/>
+    </dgm:linClrLst>
+    <dgm:effectClrLst/>
+    <dgm:txLinClrLst/>
+    <dgm:txFillClrLst/>
+    <dgm:txEffectClrLst/>
+  </dgm:styleLbl>
+  <dgm:styleLbl name="node3">
+    <dgm:fillClrLst>
+      <a:schemeClr val="accent3"/>
+    </dgm:fillClrLst>
+    <dgm:linClrLst meth="repeat">
+      <a:schemeClr val="lt1"/>
+    </dgm:linClrLst>
+    <dgm:effectClrLst/>
+    <dgm:txLinClrLst/>
+    <dgm:txFillClrLst/>
+    <dgm:txEffectClrLst/>
+  </dgm:styleLbl>
+  <dgm:styleLbl name="node4">
+    <dgm:fillClrLst>
+      <a:schemeClr val="accent4"/>
+    </dgm:fillClrLst>
+    <dgm:linClrLst meth="repeat">
+      <a:schemeClr val="lt1"/>
+    </dgm:linClrLst>
+    <dgm:effectClrLst/>
+    <dgm:txLinClrLst/>
+    <dgm:txFillClrLst/>
+    <dgm:txEffectClrLst/>
+  </dgm:styleLbl>
+  <dgm:styleLbl name="fgImgPlace1">
+    <dgm:fillClrLst meth="repeat">
+      <a:schemeClr val="accent2">
+        <a:tint val="50000"/>
+      </a:schemeClr>
+      <a:schemeClr val="accent3">
+        <a:tint val="50000"/>
+      </a:schemeClr>
+      <a:schemeClr val="accent4">
+        <a:tint val="50000"/>
+      </a:schemeClr>
+      <a:schemeClr val="accent5">
+        <a:tint val="50000"/>
+      </a:schemeClr>
+      <a:schemeClr val="accent6">
+        <a:tint val="50000"/>
+      </a:schemeClr>
+    </dgm:fillClrLst>
+    <dgm:linClrLst meth="repeat">
+      <a:schemeClr val="lt1"/>
+    </dgm:linClrLst>
+    <dgm:effectClrLst/>
+    <dgm:txLinClrLst/>
+    <dgm:txFillClrLst meth="repeat">
+      <a:schemeClr val="lt1"/>
+    </dgm:txFillClrLst>
+    <dgm:txEffectClrLst/>
+  </dgm:styleLbl>
+  <dgm:styleLbl name="alignImgPlace1">
+    <dgm:fillClrLst>
+      <a:schemeClr val="accent1">
+        <a:tint val="50000"/>
+      </a:schemeClr>
+      <a:schemeClr val="accent2">
+        <a:tint val="20000"/>
+      </a:schemeClr>
+    </dgm:fillClrLst>
+    <dgm:linClrLst meth="repeat">
+      <a:schemeClr val="lt1"/>
+    </dgm:linClrLst>
+    <dgm:effectClrLst/>
+    <dgm:txLinClrLst/>
+    <dgm:txFillClrLst meth="repeat">
+      <a:schemeClr val="lt1"/>
+    </dgm:txFillClrLst>
+    <dgm:txEffectClrLst/>
+  </dgm:styleLbl>
+  <dgm:styleLbl name="bgImgPlace1">
+    <dgm:fillClrLst>
+      <a:schemeClr val="accent1">
+        <a:tint val="50000"/>
+      </a:schemeClr>
+      <a:schemeClr val="accent2">
+        <a:tint val="20000"/>
+      </a:schemeClr>
+    </dgm:fillClrLst>
+    <dgm:linClrLst meth="repeat">
+      <a:schemeClr val="lt1"/>
+    </dgm:linClrLst>
+    <dgm:effectClrLst/>
+    <dgm:txLinClrLst/>
+    <dgm:txFillClrLst meth="repeat">
+      <a:schemeClr val="lt1"/>
+    </dgm:txFillClrLst>
+    <dgm:txEffectClrLst/>
+  </dgm:styleLbl>
+  <dgm:styleLbl name="sibTrans2D1">
+    <dgm:fillClrLst meth="repeat">
+      <a:schemeClr val="accent2"/>
+      <a:schemeClr val="accent3"/>
+      <a:schemeClr val="accent4"/>
+      <a:schemeClr val="accent5"/>
+      <a:schemeClr val="accent6"/>
+    </dgm:fillClrLst>
+    <dgm:linClrLst meth="cycle">
+      <a:schemeClr val="lt1"/>
+    </dgm:linClrLst>
+    <dgm:effectClrLst/>
+    <dgm:txLinClrLst/>
+    <dgm:txFillClrLst/>
+    <dgm:txEffectClrLst/>
+  </dgm:styleLbl>
+  <dgm:styleLbl name="fgSibTrans2D1">
+    <dgm:fillClrLst meth="repeat">
+      <a:schemeClr val="accent2"/>
+      <a:schemeClr val="accent3"/>
+      <a:schemeClr val="accent4"/>
+      <a:schemeClr val="accent5"/>
+      <a:schemeClr val="accent6"/>
+    </dgm:fillClrLst>
+    <dgm:linClrLst meth="cycle">
+      <a:schemeClr val="lt1"/>
+    </dgm:linClrLst>
+    <dgm:effectClrLst/>
+    <dgm:txLinClrLst/>
+    <dgm:txFillClrLst meth="repeat">
+      <a:schemeClr val="lt1"/>
+    </dgm:txFillClrLst>
+    <dgm:txEffectClrLst/>
+  </dgm:styleLbl>
+  <dgm:styleLbl name="bgSibTrans2D1">
+    <dgm:fillClrLst meth="repeat">
+      <a:schemeClr val="accent2"/>
+      <a:schemeClr val="accent3"/>
+      <a:schemeClr val="accent4"/>
+      <a:schemeClr val="accent5"/>
+      <a:schemeClr val="accent6"/>
+    </dgm:fillClrLst>
+    <dgm:linClrLst meth="cycle">
+      <a:schemeClr val="lt1"/>
+    </dgm:linClrLst>
+    <dgm:effectClrLst/>
+    <dgm:txLinClrLst/>
+    <dgm:txFillClrLst meth="repeat">
+      <a:schemeClr val="lt1"/>
+    </dgm:txFillClrLst>
+    <dgm:txEffectClrLst/>
+  </dgm:styleLbl>
+  <dgm:styleLbl name="sibTrans1D1">
+    <dgm:fillClrLst meth="repeat">
+      <a:schemeClr val="accent2"/>
+      <a:schemeClr val="accent3"/>
+      <a:schemeClr val="accent4"/>
+      <a:schemeClr val="accent5"/>
+      <a:schemeClr val="accent6"/>
+    </dgm:fillClrLst>
+    <dgm:linClrLst meth="repeat">
+      <a:schemeClr val="accent2"/>
+      <a:schemeClr val="accent3"/>
+      <a:schemeClr val="accent4"/>
+      <a:schemeClr val="accent5"/>
+      <a:schemeClr val="accent6"/>
+    </dgm:linClrLst>
+    <dgm:effectClrLst/>
+    <dgm:txLinClrLst/>
+    <dgm:txFillClrLst meth="repeat">
+      <a:schemeClr val="tx1"/>
+    </dgm:txFillClrLst>
+    <dgm:txEffectClrLst/>
+  </dgm:styleLbl>
+  <dgm:styleLbl name="callout">
+    <dgm:fillClrLst meth="repeat">
+      <a:schemeClr val="accent2"/>
+    </dgm:fillClrLst>
+    <dgm:linClrLst meth="repeat">
+      <a:schemeClr val="accent2">
+        <a:tint val="50000"/>
+      </a:schemeClr>
+    </dgm:linClrLst>
+    <dgm:effectClrLst/>
+    <dgm:txLinClrLst/>
+    <dgm:txFillClrLst meth="repeat">
+      <a:schemeClr val="tx1"/>
+    </dgm:txFillClrLst>
+    <dgm:txEffectClrLst/>
+  </dgm:styleLbl>
+  <dgm:styleLbl name="asst0">
+    <dgm:fillClrLst meth="repeat">
+      <a:schemeClr val="accent1"/>
+    </dgm:fillClrLst>
+    <dgm:linClrLst meth="repeat">
+      <a:schemeClr val="lt1"/>
+    </dgm:linClrLst>
+    <dgm:effectClrLst/>
+    <dgm:txLinClrLst/>
+    <dgm:txFillClrLst/>
+    <dgm:txEffectClrLst/>
+  </dgm:styleLbl>
+  <dgm:styleLbl name="asst1">
+    <dgm:fillClrLst meth="repeat">
+      <a:schemeClr val="accent2"/>
+    </dgm:fillClrLst>
+    <dgm:linClrLst meth="repeat">
+      <a:schemeClr val="lt1"/>
+    </dgm:linClrLst>
+    <dgm:effectClrLst/>
+    <dgm:txLinClrLst/>
+    <dgm:txFillClrLst/>
+    <dgm:txEffectClrLst/>
+  </dgm:styleLbl>
+  <dgm:styleLbl name="asst2">
+    <dgm:fillClrLst>
+      <a:schemeClr val="accent3"/>
+    </dgm:fillClrLst>
+    <dgm:linClrLst meth="repeat">
+      <a:schemeClr val="lt1"/>
+    </dgm:linClrLst>
+    <dgm:effectClrLst/>
+    <dgm:txLinClrLst/>
+    <dgm:txFillClrLst/>
+    <dgm:txEffectClrLst/>
+  </dgm:styleLbl>
+  <dgm:styleLbl name="asst3">
+    <dgm:fillClrLst>
+      <a:schemeClr val="accent4"/>
+    </dgm:fillClrLst>
+    <dgm:linClrLst meth="repeat">
+      <a:schemeClr val="lt1"/>
+    </dgm:linClrLst>
+    <dgm:effectClrLst/>
+    <dgm:txLinClrLst/>
+    <dgm:txFillClrLst/>
+    <dgm:txEffectClrLst/>
+  </dgm:styleLbl>
+  <dgm:styleLbl name="asst4">
+    <dgm:fillClrLst>
+      <a:schemeClr val="accent5"/>
+    </dgm:fillClrLst>
+    <dgm:linClrLst meth="repeat">
+      <a:schemeClr val="lt1"/>
+    </dgm:linClrLst>
+    <dgm:effectClrLst/>
+    <dgm:txLinClrLst/>
+    <dgm:txFillClrLst/>
+    <dgm:txEffectClrLst/>
+  </dgm:styleLbl>
+  <dgm:styleLbl name="parChTrans2D1">
+    <dgm:fillClrLst meth="repeat">
+      <a:schemeClr val="accent2"/>
+    </dgm:fillClrLst>
+    <dgm:linClrLst meth="repeat">
+      <a:schemeClr val="lt1"/>
+    </dgm:linClrLst>
+    <dgm:effectClrLst/>
+    <dgm:txLinClrLst/>
+    <dgm:txFillClrLst meth="repeat">
+      <a:schemeClr val="lt1"/>
+    </dgm:txFillClrLst>
+    <dgm:txEffectClrLst/>
+  </dgm:styleLbl>
+  <dgm:styleLbl name="parChTrans2D2">
+    <dgm:fillClrLst meth="repeat">
+      <a:schemeClr val="accent3"/>
+    </dgm:fillClrLst>
+    <dgm:linClrLst meth="repeat">
+      <a:schemeClr val="lt1"/>
+    </dgm:linClrLst>
+    <dgm:effectClrLst/>
+    <dgm:txLinClrLst/>
+    <dgm:txFillClrLst/>
+    <dgm:txEffectClrLst/>
+  </dgm:styleLbl>
+  <dgm:styleLbl name="parChTrans2D3">
+    <dgm:fillClrLst meth="repeat">
+      <a:schemeClr val="accent4"/>
+    </dgm:fillClrLst>
+    <dgm:linClrLst meth="repeat">
+      <a:schemeClr val="lt1"/>
+    </dgm:linClrLst>
+    <dgm:effectClrLst/>
+    <dgm:txLinClrLst/>
+    <dgm:txFillClrLst/>
+    <dgm:txEffectClrLst/>
+  </dgm:styleLbl>
+  <dgm:styleLbl name="parChTrans2D4">
+    <dgm:fillClrLst meth="repeat">
+      <a:schemeClr val="accent5"/>
+    </dgm:fillClrLst>
+    <dgm:linClrLst meth="repeat">
+      <a:schemeClr val="lt1"/>
+    </dgm:linClrLst>
+    <dgm:effectClrLst/>
+    <dgm:txLinClrLst/>
+    <dgm:txFillClrLst meth="repeat">
+      <a:schemeClr val="lt1"/>
+    </dgm:txFillClrLst>
+    <dgm:txEffectClrLst/>
+  </dgm:styleLbl>
+  <dgm:styleLbl name="parChTrans1D1">
+    <dgm:fillClrLst meth="repeat">
+      <a:schemeClr val="accent2"/>
+    </dgm:fillClrLst>
+    <dgm:linClrLst meth="repeat">
+      <a:schemeClr val="accent1"/>
+    </dgm:linClrLst>
+    <dgm:effectClrLst/>
+    <dgm:txLinClrLst/>
+    <dgm:txFillClrLst meth="repeat">
+      <a:schemeClr val="tx1"/>
+    </dgm:txFillClrLst>
+    <dgm:txEffectClrLst/>
+  </dgm:styleLbl>
+  <dgm:styleLbl name="parChTrans1D2">
+    <dgm:fillClrLst meth="repeat">
+      <a:schemeClr val="accent3">
+        <a:tint val="90000"/>
+      </a:schemeClr>
+    </dgm:fillClrLst>
+    <dgm:linClrLst meth="repeat">
+      <a:schemeClr val="accent2"/>
+    </dgm:linClrLst>
+    <dgm:effectClrLst/>
+    <dgm:txLinClrLst/>
+    <dgm:txFillClrLst meth="repeat">
+      <a:schemeClr val="tx1"/>
+    </dgm:txFillClrLst>
+    <dgm:txEffectClrLst/>
+  </dgm:styleLbl>
+  <dgm:styleLbl name="parChTrans1D3">
+    <dgm:fillClrLst meth="repeat">
+      <a:schemeClr val="accent4">
+        <a:tint val="70000"/>
+      </a:schemeClr>
+    </dgm:fillClrLst>
+    <dgm:linClrLst meth="repeat">
+      <a:schemeClr val="accent3"/>
+    </dgm:linClrLst>
+    <dgm:effectClrLst/>
+    <dgm:txLinClrLst/>
+    <dgm:txFillClrLst meth="repeat">
+      <a:schemeClr val="tx1"/>
+    </dgm:txFillClrLst>
+    <dgm:txEffectClrLst/>
+  </dgm:styleLbl>
+  <dgm:styleLbl name="parChTrans1D4">
+    <dgm:fillClrLst meth="repeat">
+      <a:schemeClr val="accent5">
+        <a:tint val="50000"/>
+      </a:schemeClr>
+    </dgm:fillClrLst>
+    <dgm:linClrLst meth="repeat">
+      <a:schemeClr val="accent4"/>
+    </dgm:linClrLst>
+    <dgm:effectClrLst/>
+    <dgm:txLinClrLst/>
+    <dgm:txFillClrLst meth="repeat">
+      <a:schemeClr val="tx1"/>
+    </dgm:txFillClrLst>
+    <dgm:txEffectClrLst/>
+  </dgm:styleLbl>
+  <dgm:styleLbl name="fgAcc1">
+    <dgm:fillClrLst meth="repeat">
+      <a:schemeClr val="lt1">
+        <a:alpha val="90000"/>
+      </a:schemeClr>
+    </dgm:fillClrLst>
+    <dgm:linClrLst meth="repeat">
+      <a:schemeClr val="accent2"/>
+      <a:schemeClr val="accent3"/>
+      <a:schemeClr val="accent4"/>
+      <a:schemeClr val="accent5"/>
+      <a:schemeClr val="accent6"/>
+    </dgm:linClrLst>
+    <dgm:effectClrLst/>
+    <dgm:txLinClrLst/>
+    <dgm:txFillClrLst meth="repeat">
+      <a:schemeClr val="dk1"/>
+    </dgm:txFillClrLst>
+    <dgm:txEffectClrLst/>
+  </dgm:styleLbl>
+  <dgm:styleLbl name="conFgAcc1">
+    <dgm:fillClrLst meth="repeat">
+      <a:schemeClr val="lt1">
+        <a:alpha val="90000"/>
+      </a:schemeClr>
+    </dgm:fillClrLst>
+    <dgm:linClrLst meth="repeat">
+      <a:schemeClr val="accent2"/>
+      <a:schemeClr val="accent3"/>
+      <a:schemeClr val="accent4"/>
+      <a:schemeClr val="accent5"/>
+      <a:schemeClr val="accent6"/>
+    </dgm:linClrLst>
+    <dgm:effectClrLst/>
+    <dgm:txLinClrLst/>
+    <dgm:txFillClrLst meth="repeat">
+      <a:schemeClr val="dk1"/>
+    </dgm:txFillClrLst>
+    <dgm:txEffectClrLst/>
+  </dgm:styleLbl>
+  <dgm:styleLbl name="alignAcc1">
+    <dgm:fillClrLst meth="repeat">
+      <a:schemeClr val="lt1">
+        <a:alpha val="90000"/>
+      </a:schemeClr>
+    </dgm:fillClrLst>
+    <dgm:linClrLst meth="repeat">
+      <a:schemeClr val="accent2"/>
+      <a:schemeClr val="accent3"/>
+      <a:schemeClr val="accent4"/>
+      <a:schemeClr val="accent5"/>
+      <a:schemeClr val="accent6"/>
+    </dgm:linClrLst>
+    <dgm:effectClrLst/>
+    <dgm:txLinClrLst/>
+    <dgm:txFillClrLst meth="repeat">
+      <a:schemeClr val="dk1"/>
+    </dgm:txFillClrLst>
+    <dgm:txEffectClrLst/>
+  </dgm:styleLbl>
+  <dgm:styleLbl name="trAlignAcc1">
+    <dgm:fillClrLst meth="repeat">
+      <a:schemeClr val="lt1">
+        <a:alpha val="40000"/>
+      </a:schemeClr>
+    </dgm:fillClrLst>
+    <dgm:linClrLst meth="repeat">
+      <a:schemeClr val="accent1"/>
+    </dgm:linClrLst>
+    <dgm:effectClrLst/>
+    <dgm:txLinClrLst/>
+    <dgm:txFillClrLst meth="repeat">
+      <a:schemeClr val="dk1"/>
+    </dgm:txFillClrLst>
+    <dgm:txEffectClrLst/>
+  </dgm:styleLbl>
+  <dgm:styleLbl name="bgAcc1">
+    <dgm:fillClrLst meth="repeat">
+      <a:schemeClr val="lt1">
+        <a:alpha val="90000"/>
+      </a:schemeClr>
+    </dgm:fillClrLst>
+    <dgm:linClrLst meth="repeat">
+      <a:schemeClr val="accent2"/>
+      <a:schemeClr val="accent3"/>
+      <a:schemeClr val="accent4"/>
+      <a:schemeClr val="accent5"/>
+      <a:schemeClr val="accent6"/>
+    </dgm:linClrLst>
+    <dgm:effectClrLst/>
+    <dgm:txLinClrLst/>
+    <dgm:txFillClrLst meth="repeat">
+      <a:schemeClr val="dk1"/>
+    </dgm:txFillClrLst>
+    <dgm:txEffectClrLst/>
+  </dgm:styleLbl>
+  <dgm:styleLbl name="solidFgAcc1">
+    <dgm:fillClrLst meth="repeat">
+      <a:schemeClr val="lt1"/>
+    </dgm:fillClrLst>
+    <dgm:linClrLst meth="repeat">
+      <a:schemeClr val="accent2"/>
+      <a:schemeClr val="accent3"/>
+      <a:schemeClr val="accent4"/>
+      <a:schemeClr val="accent5"/>
+      <a:schemeClr val="accent6"/>
+    </dgm:linClrLst>
+    <dgm:effectClrLst/>
+    <dgm:txLinClrLst/>
+    <dgm:txFillClrLst meth="repeat">
+      <a:schemeClr val="dk1"/>
+    </dgm:txFillClrLst>
+    <dgm:txEffectClrLst/>
+  </dgm:styleLbl>
+  <dgm:styleLbl name="solidAlignAcc1">
+    <dgm:fillClrLst meth="repeat">
+      <a:schemeClr val="lt1"/>
+    </dgm:fillClrLst>
+    <dgm:linClrLst meth="repeat">
+      <a:schemeClr val="accent2"/>
+      <a:schemeClr val="accent3"/>
+      <a:schemeClr val="accent4"/>
+      <a:schemeClr val="accent5"/>
+      <a:schemeClr val="accent6"/>
+    </dgm:linClrLst>
+    <dgm:effectClrLst/>
+    <dgm:txLinClrLst/>
+    <dgm:txFillClrLst meth="repeat">
+      <a:schemeClr val="dk1"/>
+    </dgm:txFillClrLst>
+    <dgm:txEffectClrLst/>
+  </dgm:styleLbl>
+  <dgm:styleLbl name="solidBgAcc1">
+    <dgm:fillClrLst meth="repeat">
+      <a:schemeClr val="lt1"/>
+    </dgm:fillClrLst>
+    <dgm:linClrLst meth="repeat">
+      <a:schemeClr val="accent2"/>
+      <a:schemeClr val="accent3"/>
+      <a:schemeClr val="accent4"/>
+      <a:schemeClr val="accent5"/>
+      <a:schemeClr val="accent6"/>
+    </dgm:linClrLst>
+    <dgm:effectClrLst/>
+    <dgm:txLinClrLst/>
+    <dgm:txFillClrLst meth="repeat">
+      <a:schemeClr val="dk1"/>
+    </dgm:txFillClrLst>
+    <dgm:txEffectClrLst/>
+  </dgm:styleLbl>
+  <dgm:styleLbl name="fgAccFollowNode1">
+    <dgm:fillClrLst meth="repeat">
+      <a:schemeClr val="accent2">
+        <a:tint val="40000"/>
+        <a:alpha val="90000"/>
+      </a:schemeClr>
+      <a:schemeClr val="accent3">
+        <a:tint val="40000"/>
+        <a:alpha val="90000"/>
+      </a:schemeClr>
+      <a:schemeClr val="accent4">
+        <a:tint val="40000"/>
+        <a:alpha val="90000"/>
+      </a:schemeClr>
+      <a:schemeClr val="accent5">
+        <a:tint val="40000"/>
+        <a:alpha val="90000"/>
+      </a:schemeClr>
+      <a:schemeClr val="accent6">
+        <a:tint val="40000"/>
+        <a:alpha val="90000"/>
+      </a:schemeClr>
+    </dgm:fillClrLst>
+    <dgm:linClrLst meth="repeat">
+      <a:schemeClr val="accent2">
+        <a:tint val="40000"/>
+        <a:alpha val="90000"/>
+      </a:schemeClr>
+      <a:schemeClr val="accent3">
+        <a:tint val="40000"/>
+        <a:alpha val="90000"/>
+      </a:schemeClr>
+      <a:schemeClr val="accent4">
+        <a:tint val="40000"/>
+        <a:alpha val="90000"/>
+      </a:schemeClr>
+      <a:schemeClr val="accent5">
+        <a:tint val="40000"/>
+        <a:alpha val="90000"/>
+      </a:schemeClr>
+      <a:schemeClr val="accent6">
+        <a:tint val="40000"/>
+        <a:alpha val="90000"/>
+      </a:schemeClr>
+    </dgm:linClrLst>
+    <dgm:effectClrLst/>
+    <dgm:txLinClrLst/>
+    <dgm:txFillClrLst meth="repeat">
+      <a:schemeClr val="dk1"/>
+    </dgm:txFillClrLst>
+    <dgm:txEffectClrLst/>
+  </dgm:styleLbl>
+  <dgm:styleLbl name="alignAccFollowNode1">
+    <dgm:fillClrLst meth="repeat">
+      <a:schemeClr val="accent2">
+        <a:tint val="40000"/>
+        <a:alpha val="90000"/>
+      </a:schemeClr>
+      <a:schemeClr val="accent3">
+        <a:tint val="40000"/>
+        <a:alpha val="90000"/>
+      </a:schemeClr>
+      <a:schemeClr val="accent4">
+        <a:tint val="40000"/>
+        <a:alpha val="90000"/>
+      </a:schemeClr>
+      <a:schemeClr val="accent5">
+        <a:tint val="40000"/>
+        <a:alpha val="90000"/>
+      </a:schemeClr>
+      <a:schemeClr val="accent6">
+        <a:tint val="40000"/>
+        <a:alpha val="90000"/>
+      </a:schemeClr>
+    </dgm:fillClrLst>
+    <dgm:linClrLst meth="repeat">
+      <a:schemeClr val="accent2">
+        <a:tint val="40000"/>
+        <a:alpha val="90000"/>
+      </a:schemeClr>
+      <a:schemeClr val="accent3">
+        <a:tint val="40000"/>
+        <a:alpha val="90000"/>
+      </a:schemeClr>
+      <a:schemeClr val="accent4">
+        <a:tint val="40000"/>
+        <a:alpha val="90000"/>
+      </a:schemeClr>
+      <a:schemeClr val="accent5">
+        <a:tint val="40000"/>
+        <a:alpha val="90000"/>
+      </a:schemeClr>
+      <a:schemeClr val="accent6">
+        <a:tint val="40000"/>
+        <a:alpha val="90000"/>
+      </a:schemeClr>
+    </dgm:linClrLst>
+    <dgm:effectClrLst/>
+    <dgm:txLinClrLst/>
+    <dgm:txFillClrLst meth="repeat">
+      <a:schemeClr val="dk1"/>
+    </dgm:txFillClrLst>
+    <dgm:txEffectClrLst/>
+  </dgm:styleLbl>
+  <dgm:styleLbl name="bgAccFollowNode1">
+    <dgm:fillClrLst meth="repeat">
+      <a:schemeClr val="accent2">
+        <a:tint val="40000"/>
+        <a:alpha val="90000"/>
+      </a:schemeClr>
+      <a:schemeClr val="accent3">
+        <a:tint val="40000"/>
+        <a:alpha val="90000"/>
+      </a:schemeClr>
+      <a:schemeClr val="accent4">
+        <a:tint val="40000"/>
+        <a:alpha val="90000"/>
+      </a:schemeClr>
+      <a:schemeClr val="accent5">
+        <a:tint val="40000"/>
+        <a:alpha val="90000"/>
+      </a:schemeClr>
+      <a:schemeClr val="accent6">
+        <a:tint val="40000"/>
+        <a:alpha val="90000"/>
+      </a:schemeClr>
+    </dgm:fillClrLst>
+    <dgm:linClrLst meth="repeat">
+      <a:schemeClr val="accent2">
+        <a:tint val="40000"/>
+        <a:alpha val="90000"/>
+      </a:schemeClr>
+      <a:schemeClr val="accent3">
+        <a:tint val="40000"/>
+        <a:alpha val="90000"/>
+      </a:schemeClr>
+      <a:schemeClr val="accent4">
+        <a:tint val="40000"/>
+        <a:alpha val="90000"/>
+      </a:schemeClr>
+      <a:schemeClr val="accent5">
+        <a:tint val="40000"/>
+        <a:alpha val="90000"/>
+      </a:schemeClr>
+      <a:schemeClr val="accent6">
+        <a:tint val="40000"/>
+        <a:alpha val="90000"/>
+      </a:schemeClr>
+    </dgm:linClrLst>
+    <dgm:effectClrLst/>
+    <dgm:txLinClrLst/>
+    <dgm:txFillClrLst meth="repeat">
+      <a:schemeClr val="dk1"/>
+    </dgm:txFillClrLst>
+    <dgm:txEffectClrLst/>
+  </dgm:styleLbl>
+  <dgm:styleLbl name="fgAcc0">
+    <dgm:fillClrLst meth="repeat">
+      <a:schemeClr val="lt1">
+        <a:alpha val="90000"/>
+      </a:schemeClr>
+    </dgm:fillClrLst>
+    <dgm:linClrLst>
+      <a:schemeClr val="accent1"/>
+    </dgm:linClrLst>
+    <dgm:effectClrLst/>
+    <dgm:txLinClrLst/>
+    <dgm:txFillClrLst meth="repeat">
+      <a:schemeClr val="dk1"/>
+    </dgm:txFillClrLst>
+    <dgm:txEffectClrLst/>
+  </dgm:styleLbl>
+  <dgm:styleLbl name="fgAcc2">
+    <dgm:fillClrLst meth="repeat">
+      <a:schemeClr val="lt1">
+        <a:alpha val="90000"/>
+      </a:schemeClr>
+    </dgm:fillClrLst>
+    <dgm:linClrLst>
+      <a:schemeClr val="accent2"/>
+    </dgm:linClrLst>
+    <dgm:effectClrLst/>
+    <dgm:txLinClrLst/>
+    <dgm:txFillClrLst meth="repeat">
+      <a:schemeClr val="dk1"/>
+    </dgm:txFillClrLst>
+    <dgm:txEffectClrLst/>
+  </dgm:styleLbl>
+  <dgm:styleLbl name="fgAcc3">
+    <dgm:fillClrLst meth="repeat">
+      <a:schemeClr val="lt1">
+        <a:alpha val="90000"/>
+      </a:schemeClr>
+    </dgm:fillClrLst>
+    <dgm:linClrLst>
+      <a:schemeClr val="accent3"/>
+    </dgm:linClrLst>
+    <dgm:effectClrLst/>
+    <dgm:txLinClrLst/>
+    <dgm:txFillClrLst meth="repeat">
+      <a:schemeClr val="dk1"/>
+    </dgm:txFillClrLst>
+    <dgm:txEffectClrLst/>
+  </dgm:styleLbl>
+  <dgm:styleLbl name="fgAcc4">
+    <dgm:fillClrLst meth="repeat">
+      <a:schemeClr val="lt1">
+        <a:alpha val="90000"/>
+      </a:schemeClr>
+    </dgm:fillClrLst>
+    <dgm:linClrLst>
+      <a:schemeClr val="accent4"/>
+    </dgm:linClrLst>
+    <dgm:effectClrLst/>
+    <dgm:txLinClrLst/>
+    <dgm:txFillClrLst meth="repeat">
+      <a:schemeClr val="dk1"/>
+    </dgm:txFillClrLst>
+    <dgm:txEffectClrLst/>
+  </dgm:styleLbl>
+  <dgm:styleLbl name="bgShp">
+    <dgm:fillClrLst meth="repeat">
+      <a:schemeClr val="accent2">
+        <a:tint val="40000"/>
+      </a:schemeClr>
+    </dgm:fillClrLst>
+    <dgm:linClrLst meth="repeat">
+      <a:schemeClr val="dk1"/>
+    </dgm:linClrLst>
+    <dgm:effectClrLst/>
+    <dgm:txLinClrLst/>
+    <dgm:txFillClrLst meth="repeat">
+      <a:schemeClr val="dk1"/>
+    </dgm:txFillClrLst>
+    <dgm:txEffectClrLst/>
+  </dgm:styleLbl>
+  <dgm:styleLbl name="dkBgShp">
+    <dgm:fillClrLst meth="repeat">
+      <a:schemeClr val="accent2">
+        <a:shade val="90000"/>
+      </a:schemeClr>
+    </dgm:fillClrLst>
+    <dgm:linClrLst meth="repeat">
+      <a:schemeClr val="dk1"/>
+    </dgm:linClrLst>
+    <dgm:effectClrLst/>
+    <dgm:txLinClrLst/>
+    <dgm:txFillClrLst meth="repeat">
+      <a:schemeClr val="lt1"/>
+    </dgm:txFillClrLst>
+    <dgm:txEffectClrLst/>
+  </dgm:styleLbl>
+  <dgm:styleLbl name="trBgShp">
+    <dgm:fillClrLst meth="repeat">
+      <a:schemeClr val="accent1">
+        <a:tint val="50000"/>
+        <a:alpha val="40000"/>
+      </a:schemeClr>
+    </dgm:fillClrLst>
+    <dgm:linClrLst meth="repeat">
+      <a:schemeClr val="accent2"/>
+    </dgm:linClrLst>
+    <dgm:effectClrLst/>
+    <dgm:txLinClrLst/>
+    <dgm:txFillClrLst meth="repeat">
+      <a:schemeClr val="lt1"/>
+    </dgm:txFillClrLst>
+    <dgm:txEffectClrLst/>
+  </dgm:styleLbl>
+  <dgm:styleLbl name="fgShp">
+    <dgm:fillClrLst meth="repeat">
+      <a:schemeClr val="accent2">
+        <a:tint val="40000"/>
+      </a:schemeClr>
+    </dgm:fillClrLst>
+    <dgm:linClrLst meth="repeat">
+      <a:schemeClr val="lt1"/>
+    </dgm:linClrLst>
+    <dgm:effectClrLst/>
+    <dgm:txLinClrLst/>
+    <dgm:txFillClrLst meth="repeat">
+      <a:schemeClr val="dk1"/>
+    </dgm:txFillClrLst>
+    <dgm:txEffectClrLst/>
+  </dgm:styleLbl>
+  <dgm:styleLbl name="revTx">
+    <dgm:fillClrLst meth="repeat">
+      <a:schemeClr val="lt1">
+        <a:alpha val="0"/>
+      </a:schemeClr>
+    </dgm:fillClrLst>
+    <dgm:linClrLst meth="repeat">
+      <a:schemeClr val="dk1">
+        <a:alpha val="0"/>
+      </a:schemeClr>
+    </dgm:linClrLst>
+    <dgm:effectClrLst/>
+    <dgm:txLinClrLst/>
+    <dgm:txFillClrLst meth="repeat">
+      <a:schemeClr val="tx1"/>
+    </dgm:txFillClrLst>
+    <dgm:txEffectClrLst/>
+  </dgm:styleLbl>
+</dgm:colorsDef>
+</file>
+
+<file path=ppt/diagrams/data1.xml><?xml version="1.0" encoding="utf-8"?>
+<dgm:dataModel xmlns:dgm="http://schemas.openxmlformats.org/drawingml/2006/diagram" xmlns:a="http://schemas.openxmlformats.org/drawingml/2006/main">
+  <dgm:ptLst>
+    <dgm:pt modelId="{90353D51-269B-4046-B218-65A04F1A29CC}" type="doc">
+      <dgm:prSet loTypeId="urn:microsoft.com/office/officeart/2008/layout/LinedList" loCatId="list" qsTypeId="urn:microsoft.com/office/officeart/2005/8/quickstyle/simple4" qsCatId="simple" csTypeId="urn:microsoft.com/office/officeart/2005/8/colors/colorful2" csCatId="colorful"/>
+      <dgm:spPr/>
+      <dgm:t>
+        <a:bodyPr/>
+        <a:lstStyle/>
+        <a:p>
+          <a:endParaRPr lang="en-US"/>
+        </a:p>
+      </dgm:t>
+    </dgm:pt>
+    <dgm:pt modelId="{FC1DEAD3-D06A-468F-B1C0-5BADD38121E0}">
+      <dgm:prSet custT="1"/>
+      <dgm:spPr/>
+      <dgm:t>
+        <a:bodyPr/>
+        <a:lstStyle/>
+        <a:p>
+          <a:r>
+            <a:rPr lang="en-US" sz="4000" dirty="0"/>
+            <a:t>Banu Nathan</a:t>
+          </a:r>
+        </a:p>
+      </dgm:t>
+    </dgm:pt>
+    <dgm:pt modelId="{D5C9A912-7D22-414A-A783-2933BE0838F9}" type="parTrans" cxnId="{A0CCAC6D-B05F-4A11-905E-C818BE348C08}">
+      <dgm:prSet/>
+      <dgm:spPr/>
+      <dgm:t>
+        <a:bodyPr/>
+        <a:lstStyle/>
+        <a:p>
+          <a:endParaRPr lang="en-US"/>
+        </a:p>
+      </dgm:t>
+    </dgm:pt>
+    <dgm:pt modelId="{5439C9C7-E11A-4FD6-A084-21D15C6E0BC4}" type="sibTrans" cxnId="{A0CCAC6D-B05F-4A11-905E-C818BE348C08}">
+      <dgm:prSet/>
+      <dgm:spPr/>
+      <dgm:t>
+        <a:bodyPr/>
+        <a:lstStyle/>
+        <a:p>
+          <a:endParaRPr lang="en-US"/>
+        </a:p>
+      </dgm:t>
+    </dgm:pt>
+    <dgm:pt modelId="{E7A565D6-E860-46C9-811A-4DD7326897EB}">
+      <dgm:prSet custT="1"/>
+      <dgm:spPr/>
+      <dgm:t>
+        <a:bodyPr/>
+        <a:lstStyle/>
+        <a:p>
+          <a:r>
+            <a:rPr lang="en-US" sz="4000" dirty="0"/>
+            <a:t>Fleming Brathwaite</a:t>
+          </a:r>
+        </a:p>
+      </dgm:t>
+    </dgm:pt>
+    <dgm:pt modelId="{D6167537-F870-47A0-9956-2F2CC5577B54}" type="parTrans" cxnId="{9415B425-61EC-4DEA-916F-B94432AE0FE0}">
+      <dgm:prSet/>
+      <dgm:spPr/>
+      <dgm:t>
+        <a:bodyPr/>
+        <a:lstStyle/>
+        <a:p>
+          <a:endParaRPr lang="en-US"/>
+        </a:p>
+      </dgm:t>
+    </dgm:pt>
+    <dgm:pt modelId="{9EDD6725-8D94-43B7-8CDE-C18F78E42FFC}" type="sibTrans" cxnId="{9415B425-61EC-4DEA-916F-B94432AE0FE0}">
+      <dgm:prSet/>
+      <dgm:spPr/>
+      <dgm:t>
+        <a:bodyPr/>
+        <a:lstStyle/>
+        <a:p>
+          <a:endParaRPr lang="en-US"/>
+        </a:p>
+      </dgm:t>
+    </dgm:pt>
+    <dgm:pt modelId="{0ADE9316-72F3-4409-A3E4-D16307BBF16B}">
+      <dgm:prSet custT="1"/>
+      <dgm:spPr/>
+      <dgm:t>
+        <a:bodyPr/>
+        <a:lstStyle/>
+        <a:p>
+          <a:r>
+            <a:rPr lang="en-US" sz="4000" dirty="0"/>
+            <a:t>Dan Freda</a:t>
+          </a:r>
+        </a:p>
+      </dgm:t>
+    </dgm:pt>
+    <dgm:pt modelId="{B5D3CB79-7E52-4AC3-8021-02BC1AC26CCE}" type="parTrans" cxnId="{93058E3A-47C1-4369-B5B0-3F58BE97CD39}">
+      <dgm:prSet/>
+      <dgm:spPr/>
+      <dgm:t>
+        <a:bodyPr/>
+        <a:lstStyle/>
+        <a:p>
+          <a:endParaRPr lang="en-US"/>
+        </a:p>
+      </dgm:t>
+    </dgm:pt>
+    <dgm:pt modelId="{20CB2FA1-50A3-46D2-852A-502F6CC08D05}" type="sibTrans" cxnId="{93058E3A-47C1-4369-B5B0-3F58BE97CD39}">
+      <dgm:prSet/>
+      <dgm:spPr/>
+      <dgm:t>
+        <a:bodyPr/>
+        <a:lstStyle/>
+        <a:p>
+          <a:endParaRPr lang="en-US"/>
+        </a:p>
+      </dgm:t>
+    </dgm:pt>
+    <dgm:pt modelId="{A807CA17-8BF7-4151-A9C6-74D3A75B186C}">
+      <dgm:prSet custT="1"/>
+      <dgm:spPr/>
+      <dgm:t>
+        <a:bodyPr/>
+        <a:lstStyle/>
+        <a:p>
+          <a:r>
+            <a:rPr lang="en-US" sz="4000" dirty="0" err="1"/>
+            <a:t>Shawntell</a:t>
+          </a:r>
+          <a:r>
+            <a:rPr lang="en-US" sz="4000" dirty="0"/>
+            <a:t> Manning</a:t>
+          </a:r>
+        </a:p>
+      </dgm:t>
+    </dgm:pt>
+    <dgm:pt modelId="{1CA6F56D-A5F9-4AB5-BC4E-8D6E04BCE1B1}" type="parTrans" cxnId="{CA167373-E36A-49D0-9C0C-DD886EB08C1A}">
+      <dgm:prSet/>
+      <dgm:spPr/>
+      <dgm:t>
+        <a:bodyPr/>
+        <a:lstStyle/>
+        <a:p>
+          <a:endParaRPr lang="en-US"/>
+        </a:p>
+      </dgm:t>
+    </dgm:pt>
+    <dgm:pt modelId="{0B3B5B62-35D9-4CAD-9CC3-FE49994A71C4}" type="sibTrans" cxnId="{CA167373-E36A-49D0-9C0C-DD886EB08C1A}">
+      <dgm:prSet/>
+      <dgm:spPr/>
+      <dgm:t>
+        <a:bodyPr/>
+        <a:lstStyle/>
+        <a:p>
+          <a:endParaRPr lang="en-US"/>
+        </a:p>
+      </dgm:t>
+    </dgm:pt>
+    <dgm:pt modelId="{1C96F310-A0DE-024A-8987-8140505EEE58}" type="pres">
+      <dgm:prSet presAssocID="{90353D51-269B-4046-B218-65A04F1A29CC}" presName="vert0" presStyleCnt="0">
+        <dgm:presLayoutVars>
+          <dgm:dir/>
+          <dgm:animOne val="branch"/>
+          <dgm:animLvl val="lvl"/>
+        </dgm:presLayoutVars>
+      </dgm:prSet>
+      <dgm:spPr/>
+    </dgm:pt>
+    <dgm:pt modelId="{DAD7079B-85E8-4D4D-BF98-CC10A2E107C2}" type="pres">
+      <dgm:prSet presAssocID="{FC1DEAD3-D06A-468F-B1C0-5BADD38121E0}" presName="thickLine" presStyleLbl="alignNode1" presStyleIdx="0" presStyleCnt="4"/>
+      <dgm:spPr/>
+    </dgm:pt>
+    <dgm:pt modelId="{7E0661D5-AE93-D74F-93DF-8C369591F1DC}" type="pres">
+      <dgm:prSet presAssocID="{FC1DEAD3-D06A-468F-B1C0-5BADD38121E0}" presName="horz1" presStyleCnt="0"/>
+      <dgm:spPr/>
+    </dgm:pt>
+    <dgm:pt modelId="{E8D9E4B2-821A-804A-9878-EDD855562722}" type="pres">
+      <dgm:prSet presAssocID="{FC1DEAD3-D06A-468F-B1C0-5BADD38121E0}" presName="tx1" presStyleLbl="revTx" presStyleIdx="0" presStyleCnt="4"/>
+      <dgm:spPr/>
+    </dgm:pt>
+    <dgm:pt modelId="{9F48013E-F247-FB4A-8C4E-964197741E6A}" type="pres">
+      <dgm:prSet presAssocID="{FC1DEAD3-D06A-468F-B1C0-5BADD38121E0}" presName="vert1" presStyleCnt="0"/>
+      <dgm:spPr/>
+    </dgm:pt>
+    <dgm:pt modelId="{99D44552-D4D8-9C4B-BB7D-9B2160468F76}" type="pres">
+      <dgm:prSet presAssocID="{E7A565D6-E860-46C9-811A-4DD7326897EB}" presName="thickLine" presStyleLbl="alignNode1" presStyleIdx="1" presStyleCnt="4"/>
+      <dgm:spPr/>
+    </dgm:pt>
+    <dgm:pt modelId="{9ABF7CDC-E117-844D-BF48-92ACA0287666}" type="pres">
+      <dgm:prSet presAssocID="{E7A565D6-E860-46C9-811A-4DD7326897EB}" presName="horz1" presStyleCnt="0"/>
+      <dgm:spPr/>
+    </dgm:pt>
+    <dgm:pt modelId="{9BC1C8BD-B372-B447-9159-CB3E5DC6DA66}" type="pres">
+      <dgm:prSet presAssocID="{E7A565D6-E860-46C9-811A-4DD7326897EB}" presName="tx1" presStyleLbl="revTx" presStyleIdx="1" presStyleCnt="4"/>
+      <dgm:spPr/>
+    </dgm:pt>
+    <dgm:pt modelId="{1756A9DD-47D5-8D43-A90E-8F755ABAF3DD}" type="pres">
+      <dgm:prSet presAssocID="{E7A565D6-E860-46C9-811A-4DD7326897EB}" presName="vert1" presStyleCnt="0"/>
+      <dgm:spPr/>
+    </dgm:pt>
+    <dgm:pt modelId="{9F9711B2-9951-0143-A929-FA5B443CBD87}" type="pres">
+      <dgm:prSet presAssocID="{0ADE9316-72F3-4409-A3E4-D16307BBF16B}" presName="thickLine" presStyleLbl="alignNode1" presStyleIdx="2" presStyleCnt="4"/>
+      <dgm:spPr/>
+    </dgm:pt>
+    <dgm:pt modelId="{FA549FF0-1CA0-D343-B24C-D8985FCCB0BA}" type="pres">
+      <dgm:prSet presAssocID="{0ADE9316-72F3-4409-A3E4-D16307BBF16B}" presName="horz1" presStyleCnt="0"/>
+      <dgm:spPr/>
+    </dgm:pt>
+    <dgm:pt modelId="{EDAAF0B9-1147-3544-ABB0-1C0655C2FD17}" type="pres">
+      <dgm:prSet presAssocID="{0ADE9316-72F3-4409-A3E4-D16307BBF16B}" presName="tx1" presStyleLbl="revTx" presStyleIdx="2" presStyleCnt="4"/>
+      <dgm:spPr/>
+    </dgm:pt>
+    <dgm:pt modelId="{9919375F-4DB0-1446-9118-59C448A169F2}" type="pres">
+      <dgm:prSet presAssocID="{0ADE9316-72F3-4409-A3E4-D16307BBF16B}" presName="vert1" presStyleCnt="0"/>
+      <dgm:spPr/>
+    </dgm:pt>
+    <dgm:pt modelId="{A46A1860-56D1-CE45-89AC-8A2B85B1AC12}" type="pres">
+      <dgm:prSet presAssocID="{A807CA17-8BF7-4151-A9C6-74D3A75B186C}" presName="thickLine" presStyleLbl="alignNode1" presStyleIdx="3" presStyleCnt="4"/>
+      <dgm:spPr/>
+    </dgm:pt>
+    <dgm:pt modelId="{51483CE4-FA8E-FF49-8B72-F71FB9C8FA3B}" type="pres">
+      <dgm:prSet presAssocID="{A807CA17-8BF7-4151-A9C6-74D3A75B186C}" presName="horz1" presStyleCnt="0"/>
+      <dgm:spPr/>
+    </dgm:pt>
+    <dgm:pt modelId="{3CFB59B0-0B30-734E-A422-5099E3105D5B}" type="pres">
+      <dgm:prSet presAssocID="{A807CA17-8BF7-4151-A9C6-74D3A75B186C}" presName="tx1" presStyleLbl="revTx" presStyleIdx="3" presStyleCnt="4"/>
+      <dgm:spPr/>
+    </dgm:pt>
+    <dgm:pt modelId="{EF85C967-C922-9F4A-906E-003705119868}" type="pres">
+      <dgm:prSet presAssocID="{A807CA17-8BF7-4151-A9C6-74D3A75B186C}" presName="vert1" presStyleCnt="0"/>
+      <dgm:spPr/>
+    </dgm:pt>
+  </dgm:ptLst>
+  <dgm:cxnLst>
+    <dgm:cxn modelId="{9415B425-61EC-4DEA-916F-B94432AE0FE0}" srcId="{90353D51-269B-4046-B218-65A04F1A29CC}" destId="{E7A565D6-E860-46C9-811A-4DD7326897EB}" srcOrd="1" destOrd="0" parTransId="{D6167537-F870-47A0-9956-2F2CC5577B54}" sibTransId="{9EDD6725-8D94-43B7-8CDE-C18F78E42FFC}"/>
+    <dgm:cxn modelId="{406C4530-4824-6942-8821-9BBD5AF03D01}" type="presOf" srcId="{A807CA17-8BF7-4151-A9C6-74D3A75B186C}" destId="{3CFB59B0-0B30-734E-A422-5099E3105D5B}" srcOrd="0" destOrd="0" presId="urn:microsoft.com/office/officeart/2008/layout/LinedList"/>
+    <dgm:cxn modelId="{93058E3A-47C1-4369-B5B0-3F58BE97CD39}" srcId="{90353D51-269B-4046-B218-65A04F1A29CC}" destId="{0ADE9316-72F3-4409-A3E4-D16307BBF16B}" srcOrd="2" destOrd="0" parTransId="{B5D3CB79-7E52-4AC3-8021-02BC1AC26CCE}" sibTransId="{20CB2FA1-50A3-46D2-852A-502F6CC08D05}"/>
+    <dgm:cxn modelId="{A414AF5F-FB7D-254C-9998-DA13B9853D27}" type="presOf" srcId="{FC1DEAD3-D06A-468F-B1C0-5BADD38121E0}" destId="{E8D9E4B2-821A-804A-9878-EDD855562722}" srcOrd="0" destOrd="0" presId="urn:microsoft.com/office/officeart/2008/layout/LinedList"/>
+    <dgm:cxn modelId="{A0CCAC6D-B05F-4A11-905E-C818BE348C08}" srcId="{90353D51-269B-4046-B218-65A04F1A29CC}" destId="{FC1DEAD3-D06A-468F-B1C0-5BADD38121E0}" srcOrd="0" destOrd="0" parTransId="{D5C9A912-7D22-414A-A783-2933BE0838F9}" sibTransId="{5439C9C7-E11A-4FD6-A084-21D15C6E0BC4}"/>
+    <dgm:cxn modelId="{CA167373-E36A-49D0-9C0C-DD886EB08C1A}" srcId="{90353D51-269B-4046-B218-65A04F1A29CC}" destId="{A807CA17-8BF7-4151-A9C6-74D3A75B186C}" srcOrd="3" destOrd="0" parTransId="{1CA6F56D-A5F9-4AB5-BC4E-8D6E04BCE1B1}" sibTransId="{0B3B5B62-35D9-4CAD-9CC3-FE49994A71C4}"/>
+    <dgm:cxn modelId="{1602A07F-A92C-F649-B2BF-4E6E5677CA0F}" type="presOf" srcId="{0ADE9316-72F3-4409-A3E4-D16307BBF16B}" destId="{EDAAF0B9-1147-3544-ABB0-1C0655C2FD17}" srcOrd="0" destOrd="0" presId="urn:microsoft.com/office/officeart/2008/layout/LinedList"/>
+    <dgm:cxn modelId="{2B733E81-FF97-1240-B6E1-C4CCAD05732D}" type="presOf" srcId="{90353D51-269B-4046-B218-65A04F1A29CC}" destId="{1C96F310-A0DE-024A-8987-8140505EEE58}" srcOrd="0" destOrd="0" presId="urn:microsoft.com/office/officeart/2008/layout/LinedList"/>
+    <dgm:cxn modelId="{85335DB3-624A-EE48-A688-6220DEBD5F8B}" type="presOf" srcId="{E7A565D6-E860-46C9-811A-4DD7326897EB}" destId="{9BC1C8BD-B372-B447-9159-CB3E5DC6DA66}" srcOrd="0" destOrd="0" presId="urn:microsoft.com/office/officeart/2008/layout/LinedList"/>
+    <dgm:cxn modelId="{1881988C-CF18-1544-B0DD-071FE178483B}" type="presParOf" srcId="{1C96F310-A0DE-024A-8987-8140505EEE58}" destId="{DAD7079B-85E8-4D4D-BF98-CC10A2E107C2}" srcOrd="0" destOrd="0" presId="urn:microsoft.com/office/officeart/2008/layout/LinedList"/>
+    <dgm:cxn modelId="{057F6936-C947-334E-A4AC-08E38F3F5A6E}" type="presParOf" srcId="{1C96F310-A0DE-024A-8987-8140505EEE58}" destId="{7E0661D5-AE93-D74F-93DF-8C369591F1DC}" srcOrd="1" destOrd="0" presId="urn:microsoft.com/office/officeart/2008/layout/LinedList"/>
+    <dgm:cxn modelId="{5CD6917C-7A94-7E46-B465-3FA5254CF13C}" type="presParOf" srcId="{7E0661D5-AE93-D74F-93DF-8C369591F1DC}" destId="{E8D9E4B2-821A-804A-9878-EDD855562722}" srcOrd="0" destOrd="0" presId="urn:microsoft.com/office/officeart/2008/layout/LinedList"/>
+    <dgm:cxn modelId="{D0C4F878-09BA-3448-B43E-EF88D07527B8}" type="presParOf" srcId="{7E0661D5-AE93-D74F-93DF-8C369591F1DC}" destId="{9F48013E-F247-FB4A-8C4E-964197741E6A}" srcOrd="1" destOrd="0" presId="urn:microsoft.com/office/officeart/2008/layout/LinedList"/>
+    <dgm:cxn modelId="{D8552C1F-0761-7B47-88D6-B0FCABCF083B}" type="presParOf" srcId="{1C96F310-A0DE-024A-8987-8140505EEE58}" destId="{99D44552-D4D8-9C4B-BB7D-9B2160468F76}" srcOrd="2" destOrd="0" presId="urn:microsoft.com/office/officeart/2008/layout/LinedList"/>
+    <dgm:cxn modelId="{DB5078E8-2277-274D-9B1E-BFB97C151281}" type="presParOf" srcId="{1C96F310-A0DE-024A-8987-8140505EEE58}" destId="{9ABF7CDC-E117-844D-BF48-92ACA0287666}" srcOrd="3" destOrd="0" presId="urn:microsoft.com/office/officeart/2008/layout/LinedList"/>
+    <dgm:cxn modelId="{C3BF94D6-95A6-224D-A6C2-8E9A3B694C94}" type="presParOf" srcId="{9ABF7CDC-E117-844D-BF48-92ACA0287666}" destId="{9BC1C8BD-B372-B447-9159-CB3E5DC6DA66}" srcOrd="0" destOrd="0" presId="urn:microsoft.com/office/officeart/2008/layout/LinedList"/>
+    <dgm:cxn modelId="{BF37732C-4BA2-C24F-A60D-9872FE6C92B1}" type="presParOf" srcId="{9ABF7CDC-E117-844D-BF48-92ACA0287666}" destId="{1756A9DD-47D5-8D43-A90E-8F755ABAF3DD}" srcOrd="1" destOrd="0" presId="urn:microsoft.com/office/officeart/2008/layout/LinedList"/>
+    <dgm:cxn modelId="{6076EA5C-9C92-8241-85E9-FB05957312CF}" type="presParOf" srcId="{1C96F310-A0DE-024A-8987-8140505EEE58}" destId="{9F9711B2-9951-0143-A929-FA5B443CBD87}" srcOrd="4" destOrd="0" presId="urn:microsoft.com/office/officeart/2008/layout/LinedList"/>
+    <dgm:cxn modelId="{4AF96FAD-8779-3344-B6CD-1C4EFE10F47E}" type="presParOf" srcId="{1C96F310-A0DE-024A-8987-8140505EEE58}" destId="{FA549FF0-1CA0-D343-B24C-D8985FCCB0BA}" srcOrd="5" destOrd="0" presId="urn:microsoft.com/office/officeart/2008/layout/LinedList"/>
+    <dgm:cxn modelId="{7444F1D4-8515-4B41-A7D9-B4114D44293E}" type="presParOf" srcId="{FA549FF0-1CA0-D343-B24C-D8985FCCB0BA}" destId="{EDAAF0B9-1147-3544-ABB0-1C0655C2FD17}" srcOrd="0" destOrd="0" presId="urn:microsoft.com/office/officeart/2008/layout/LinedList"/>
+    <dgm:cxn modelId="{AF719045-CA67-804B-9928-AE10F4EE13DC}" type="presParOf" srcId="{FA549FF0-1CA0-D343-B24C-D8985FCCB0BA}" destId="{9919375F-4DB0-1446-9118-59C448A169F2}" srcOrd="1" destOrd="0" presId="urn:microsoft.com/office/officeart/2008/layout/LinedList"/>
+    <dgm:cxn modelId="{11BF9441-2220-F643-9B00-070D02CB088F}" type="presParOf" srcId="{1C96F310-A0DE-024A-8987-8140505EEE58}" destId="{A46A1860-56D1-CE45-89AC-8A2B85B1AC12}" srcOrd="6" destOrd="0" presId="urn:microsoft.com/office/officeart/2008/layout/LinedList"/>
+    <dgm:cxn modelId="{1303F4C2-DE8F-DF45-A25C-80B9E6DEC0D2}" type="presParOf" srcId="{1C96F310-A0DE-024A-8987-8140505EEE58}" destId="{51483CE4-FA8E-FF49-8B72-F71FB9C8FA3B}" srcOrd="7" destOrd="0" presId="urn:microsoft.com/office/officeart/2008/layout/LinedList"/>
+    <dgm:cxn modelId="{29BF11C5-5F74-0A40-B7CE-6A4000BE6782}" type="presParOf" srcId="{51483CE4-FA8E-FF49-8B72-F71FB9C8FA3B}" destId="{3CFB59B0-0B30-734E-A422-5099E3105D5B}" srcOrd="0" destOrd="0" presId="urn:microsoft.com/office/officeart/2008/layout/LinedList"/>
+    <dgm:cxn modelId="{D0C73A4F-B2D3-E448-8100-256D2A25DDF6}" type="presParOf" srcId="{51483CE4-FA8E-FF49-8B72-F71FB9C8FA3B}" destId="{EF85C967-C922-9F4A-906E-003705119868}" srcOrd="1" destOrd="0" presId="urn:microsoft.com/office/officeart/2008/layout/LinedList"/>
+  </dgm:cxnLst>
+  <dgm:bg/>
+  <dgm:whole/>
+  <dgm:extLst>
+    <a:ext uri="http://schemas.microsoft.com/office/drawing/2008/diagram">
+      <dsp:dataModelExt xmlns:dsp="http://schemas.microsoft.com/office/drawing/2008/diagram" relId="rId8" minVer="http://schemas.openxmlformats.org/drawingml/2006/diagram"/>
+    </a:ext>
+  </dgm:extLst>
+</dgm:dataModel>
+</file>
+
+<file path=ppt/diagrams/data2.xml><?xml version="1.0" encoding="utf-8"?>
+<dgm:dataModel xmlns:dgm="http://schemas.openxmlformats.org/drawingml/2006/diagram" xmlns:a="http://schemas.openxmlformats.org/drawingml/2006/main">
+  <dgm:ptLst>
+    <dgm:pt modelId="{949C83BD-D766-4447-8605-67986570E375}" type="doc">
+      <dgm:prSet loTypeId="urn:microsoft.com/office/officeart/2005/8/layout/list1" loCatId="list" qsTypeId="urn:microsoft.com/office/officeart/2005/8/quickstyle/simple4" qsCatId="simple" csTypeId="urn:microsoft.com/office/officeart/2005/8/colors/colorful1" csCatId="colorful" phldr="1"/>
+      <dgm:spPr/>
+      <dgm:t>
+        <a:bodyPr/>
+        <a:lstStyle/>
+        <a:p>
+          <a:endParaRPr lang="en-US"/>
+        </a:p>
+      </dgm:t>
+    </dgm:pt>
+    <dgm:pt modelId="{93715F43-7512-4E78-AEEF-46B743C40DB6}">
+      <dgm:prSet custT="1"/>
+      <dgm:spPr/>
+      <dgm:t>
+        <a:bodyPr/>
+        <a:lstStyle/>
+        <a:p>
+          <a:pPr>
+            <a:lnSpc>
+              <a:spcPct val="100000"/>
+            </a:lnSpc>
+          </a:pPr>
+          <a:r>
+            <a:rPr lang="en-US" sz="2000" b="1" dirty="0"/>
+            <a:t>Smithsonian Institution: Global Volcanism Program (</a:t>
+          </a:r>
+          <a:r>
+            <a:rPr lang="en-US" sz="2000" u="none" dirty="0">
+              <a:hlinkClick xmlns:r="http://schemas.openxmlformats.org/officeDocument/2006/relationships" r:id="rId1"/>
+            </a:rPr>
+            <a:t>Excel</a:t>
+          </a:r>
+          <a:r>
+            <a:rPr lang="en-US" sz="2000" u="none" dirty="0"/>
+            <a:t>)</a:t>
+          </a:r>
+          <a:endParaRPr lang="en-US" sz="2000" dirty="0"/>
+        </a:p>
+      </dgm:t>
+    </dgm:pt>
+    <dgm:pt modelId="{9A7AFF62-7FDD-40DE-AE96-2AEAC73554C1}" type="parTrans" cxnId="{04E01AFA-3378-4F2C-BF5E-149A5F7396DC}">
+      <dgm:prSet/>
+      <dgm:spPr/>
+      <dgm:t>
+        <a:bodyPr/>
+        <a:lstStyle/>
+        <a:p>
+          <a:endParaRPr lang="en-US"/>
+        </a:p>
+      </dgm:t>
+    </dgm:pt>
+    <dgm:pt modelId="{E2FD235B-EA23-493E-A86B-17F125EE23A8}" type="sibTrans" cxnId="{04E01AFA-3378-4F2C-BF5E-149A5F7396DC}">
+      <dgm:prSet/>
+      <dgm:spPr/>
+      <dgm:t>
+        <a:bodyPr/>
+        <a:lstStyle/>
+        <a:p>
+          <a:endParaRPr lang="en-US"/>
+        </a:p>
+      </dgm:t>
+    </dgm:pt>
+    <dgm:pt modelId="{087FACAE-F245-4F3A-9D50-586CD3213ABB}">
+      <dgm:prSet custT="1"/>
+      <dgm:spPr/>
+      <dgm:t>
+        <a:bodyPr/>
+        <a:lstStyle/>
+        <a:p>
+          <a:pPr>
+            <a:lnSpc>
+              <a:spcPct val="100000"/>
+            </a:lnSpc>
+          </a:pPr>
+          <a:r>
+            <a:rPr lang="en-US" sz="2000" b="1" dirty="0"/>
+            <a:t>NOAA: Significant Volcanic Eruption Database (</a:t>
+          </a:r>
+          <a:r>
+            <a:rPr lang="en-US" sz="2000" dirty="0">
+              <a:hlinkClick xmlns:r="http://schemas.openxmlformats.org/officeDocument/2006/relationships" r:id="rId2"/>
+            </a:rPr>
+            <a:t>Json</a:t>
+          </a:r>
+          <a:r>
+            <a:rPr lang="en-US" sz="2000" dirty="0"/>
+            <a:t>)</a:t>
+          </a:r>
+        </a:p>
+      </dgm:t>
+    </dgm:pt>
+    <dgm:pt modelId="{6D402635-09BE-44AC-9783-D8876B89CF6F}" type="parTrans" cxnId="{155F8670-74F9-476C-9DC7-41E4A6A92EE7}">
+      <dgm:prSet/>
+      <dgm:spPr/>
+      <dgm:t>
+        <a:bodyPr/>
+        <a:lstStyle/>
+        <a:p>
+          <a:endParaRPr lang="en-US"/>
+        </a:p>
+      </dgm:t>
+    </dgm:pt>
+    <dgm:pt modelId="{EC1C21A3-8A0C-43AC-9BDC-33267F35A76E}" type="sibTrans" cxnId="{155F8670-74F9-476C-9DC7-41E4A6A92EE7}">
+      <dgm:prSet/>
+      <dgm:spPr/>
+      <dgm:t>
+        <a:bodyPr/>
+        <a:lstStyle/>
+        <a:p>
+          <a:endParaRPr lang="en-US"/>
+        </a:p>
+      </dgm:t>
+    </dgm:pt>
+    <dgm:pt modelId="{C2384A77-1215-4BA9-954C-69E3E38CB9D1}">
+      <dgm:prSet custT="1"/>
+      <dgm:spPr/>
+      <dgm:t>
+        <a:bodyPr/>
+        <a:lstStyle/>
+        <a:p>
+          <a:r>
+            <a:rPr lang="en-US" sz="4000" b="1" dirty="0"/>
+            <a:t>Data Sources</a:t>
+          </a:r>
+          <a:endParaRPr lang="en-US" sz="4000" dirty="0"/>
+        </a:p>
+      </dgm:t>
+    </dgm:pt>
+    <dgm:pt modelId="{AFE82690-0BA3-4F73-AC52-DCBE0A0F42C1}" type="sibTrans" cxnId="{CF3C1D91-BF51-4332-A21A-021707E8B606}">
+      <dgm:prSet/>
+      <dgm:spPr/>
+      <dgm:t>
+        <a:bodyPr/>
+        <a:lstStyle/>
+        <a:p>
+          <a:endParaRPr lang="en-US"/>
+        </a:p>
+      </dgm:t>
+    </dgm:pt>
+    <dgm:pt modelId="{16BCDA41-D9B4-4AB3-8432-3B8EB7704B16}" type="parTrans" cxnId="{CF3C1D91-BF51-4332-A21A-021707E8B606}">
+      <dgm:prSet/>
+      <dgm:spPr/>
+      <dgm:t>
+        <a:bodyPr/>
+        <a:lstStyle/>
+        <a:p>
+          <a:endParaRPr lang="en-US"/>
+        </a:p>
+      </dgm:t>
+    </dgm:pt>
+    <dgm:pt modelId="{3632B0D5-7351-CE4B-9A39-3C915A20095F}">
+      <dgm:prSet custT="1"/>
+      <dgm:spPr/>
+      <dgm:t>
+        <a:bodyPr/>
+        <a:lstStyle/>
+        <a:p>
+          <a:pPr>
+            <a:lnSpc>
+              <a:spcPct val="100000"/>
+            </a:lnSpc>
+          </a:pPr>
+          <a:endParaRPr lang="en-US" sz="2000" dirty="0"/>
+        </a:p>
+      </dgm:t>
+    </dgm:pt>
+    <dgm:pt modelId="{4CC85BED-FE5C-904B-8A33-6BAA62E3FEDE}" type="parTrans" cxnId="{E90210A9-98DB-7047-9D1D-E5360855F452}">
+      <dgm:prSet/>
+      <dgm:spPr/>
+      <dgm:t>
+        <a:bodyPr/>
+        <a:lstStyle/>
+        <a:p>
+          <a:endParaRPr lang="en-US"/>
+        </a:p>
+      </dgm:t>
+    </dgm:pt>
+    <dgm:pt modelId="{77511997-96D6-D642-BDEB-03235A9BFA8F}" type="sibTrans" cxnId="{E90210A9-98DB-7047-9D1D-E5360855F452}">
+      <dgm:prSet/>
+      <dgm:spPr/>
+      <dgm:t>
+        <a:bodyPr/>
+        <a:lstStyle/>
+        <a:p>
+          <a:endParaRPr lang="en-US"/>
+        </a:p>
+      </dgm:t>
+    </dgm:pt>
+    <dgm:pt modelId="{DC6B4D8E-80D1-B047-83DB-92A8D30A1382}" type="pres">
+      <dgm:prSet presAssocID="{949C83BD-D766-4447-8605-67986570E375}" presName="linear" presStyleCnt="0">
+        <dgm:presLayoutVars>
+          <dgm:dir/>
+          <dgm:animLvl val="lvl"/>
+          <dgm:resizeHandles val="exact"/>
+        </dgm:presLayoutVars>
+      </dgm:prSet>
+      <dgm:spPr/>
+    </dgm:pt>
+    <dgm:pt modelId="{F5B858B2-C591-984E-B8F3-5DF724B14E0D}" type="pres">
+      <dgm:prSet presAssocID="{C2384A77-1215-4BA9-954C-69E3E38CB9D1}" presName="parentLin" presStyleCnt="0"/>
+      <dgm:spPr/>
+    </dgm:pt>
+    <dgm:pt modelId="{80447DCE-39D7-4542-9FD7-C4CFF001B5CF}" type="pres">
+      <dgm:prSet presAssocID="{C2384A77-1215-4BA9-954C-69E3E38CB9D1}" presName="parentLeftMargin" presStyleLbl="node1" presStyleIdx="0" presStyleCnt="1"/>
+      <dgm:spPr/>
+    </dgm:pt>
+    <dgm:pt modelId="{793A2F8A-97D3-2A40-A62D-766C4F0D8295}" type="pres">
+      <dgm:prSet presAssocID="{C2384A77-1215-4BA9-954C-69E3E38CB9D1}" presName="parentText" presStyleLbl="node1" presStyleIdx="0" presStyleCnt="1" custScaleX="104619" custScaleY="44391" custLinFactNeighborX="56095" custLinFactNeighborY="1092">
+        <dgm:presLayoutVars>
+          <dgm:chMax val="0"/>
+          <dgm:bulletEnabled val="1"/>
+        </dgm:presLayoutVars>
+      </dgm:prSet>
+      <dgm:spPr/>
+    </dgm:pt>
+    <dgm:pt modelId="{B45AFD50-FC05-AD40-B159-6774362C8483}" type="pres">
+      <dgm:prSet presAssocID="{C2384A77-1215-4BA9-954C-69E3E38CB9D1}" presName="negativeSpace" presStyleCnt="0"/>
+      <dgm:spPr/>
+    </dgm:pt>
+    <dgm:pt modelId="{DEED18DF-847A-C343-A949-2BE2A7C494F6}" type="pres">
+      <dgm:prSet presAssocID="{C2384A77-1215-4BA9-954C-69E3E38CB9D1}" presName="childText" presStyleLbl="conFgAcc1" presStyleIdx="0" presStyleCnt="1" custLinFactNeighborY="-13616">
+        <dgm:presLayoutVars>
+          <dgm:bulletEnabled val="1"/>
+        </dgm:presLayoutVars>
+      </dgm:prSet>
+      <dgm:spPr/>
+    </dgm:pt>
+  </dgm:ptLst>
+  <dgm:cxnLst>
+    <dgm:cxn modelId="{D087A818-55DB-F448-AD53-146F31552386}" type="presOf" srcId="{087FACAE-F245-4F3A-9D50-586CD3213ABB}" destId="{DEED18DF-847A-C343-A949-2BE2A7C494F6}" srcOrd="0" destOrd="2" presId="urn:microsoft.com/office/officeart/2005/8/layout/list1"/>
+    <dgm:cxn modelId="{B67C1E26-54A6-9043-AA11-58FEA01957C4}" type="presOf" srcId="{93715F43-7512-4E78-AEEF-46B743C40DB6}" destId="{DEED18DF-847A-C343-A949-2BE2A7C494F6}" srcOrd="0" destOrd="0" presId="urn:microsoft.com/office/officeart/2005/8/layout/list1"/>
+    <dgm:cxn modelId="{21927245-D559-C443-9AE0-DC834DD84534}" type="presOf" srcId="{C2384A77-1215-4BA9-954C-69E3E38CB9D1}" destId="{80447DCE-39D7-4542-9FD7-C4CFF001B5CF}" srcOrd="0" destOrd="0" presId="urn:microsoft.com/office/officeart/2005/8/layout/list1"/>
+    <dgm:cxn modelId="{23886057-5D7B-4641-BB52-909694C55943}" type="presOf" srcId="{949C83BD-D766-4447-8605-67986570E375}" destId="{DC6B4D8E-80D1-B047-83DB-92A8D30A1382}" srcOrd="0" destOrd="0" presId="urn:microsoft.com/office/officeart/2005/8/layout/list1"/>
+    <dgm:cxn modelId="{155F8670-74F9-476C-9DC7-41E4A6A92EE7}" srcId="{C2384A77-1215-4BA9-954C-69E3E38CB9D1}" destId="{087FACAE-F245-4F3A-9D50-586CD3213ABB}" srcOrd="1" destOrd="0" parTransId="{6D402635-09BE-44AC-9783-D8876B89CF6F}" sibTransId="{EC1C21A3-8A0C-43AC-9BDC-33267F35A76E}"/>
+    <dgm:cxn modelId="{67C7A985-6B05-4249-A99E-E35D380039A9}" type="presOf" srcId="{3632B0D5-7351-CE4B-9A39-3C915A20095F}" destId="{DEED18DF-847A-C343-A949-2BE2A7C494F6}" srcOrd="0" destOrd="1" presId="urn:microsoft.com/office/officeart/2005/8/layout/list1"/>
+    <dgm:cxn modelId="{CF3C1D91-BF51-4332-A21A-021707E8B606}" srcId="{949C83BD-D766-4447-8605-67986570E375}" destId="{C2384A77-1215-4BA9-954C-69E3E38CB9D1}" srcOrd="0" destOrd="0" parTransId="{16BCDA41-D9B4-4AB3-8432-3B8EB7704B16}" sibTransId="{AFE82690-0BA3-4F73-AC52-DCBE0A0F42C1}"/>
+    <dgm:cxn modelId="{AEED21A7-9E5C-084C-8206-46563D143AFD}" type="presOf" srcId="{C2384A77-1215-4BA9-954C-69E3E38CB9D1}" destId="{793A2F8A-97D3-2A40-A62D-766C4F0D8295}" srcOrd="1" destOrd="0" presId="urn:microsoft.com/office/officeart/2005/8/layout/list1"/>
+    <dgm:cxn modelId="{E90210A9-98DB-7047-9D1D-E5360855F452}" srcId="{93715F43-7512-4E78-AEEF-46B743C40DB6}" destId="{3632B0D5-7351-CE4B-9A39-3C915A20095F}" srcOrd="0" destOrd="0" parTransId="{4CC85BED-FE5C-904B-8A33-6BAA62E3FEDE}" sibTransId="{77511997-96D6-D642-BDEB-03235A9BFA8F}"/>
+    <dgm:cxn modelId="{04E01AFA-3378-4F2C-BF5E-149A5F7396DC}" srcId="{C2384A77-1215-4BA9-954C-69E3E38CB9D1}" destId="{93715F43-7512-4E78-AEEF-46B743C40DB6}" srcOrd="0" destOrd="0" parTransId="{9A7AFF62-7FDD-40DE-AE96-2AEAC73554C1}" sibTransId="{E2FD235B-EA23-493E-A86B-17F125EE23A8}"/>
+    <dgm:cxn modelId="{DADDC1DD-B307-AB4A-AA4C-B23AA95E516C}" type="presParOf" srcId="{DC6B4D8E-80D1-B047-83DB-92A8D30A1382}" destId="{F5B858B2-C591-984E-B8F3-5DF724B14E0D}" srcOrd="0" destOrd="0" presId="urn:microsoft.com/office/officeart/2005/8/layout/list1"/>
+    <dgm:cxn modelId="{FDF1A0A0-C49B-A648-A2B3-3C9FD4220DDE}" type="presParOf" srcId="{F5B858B2-C591-984E-B8F3-5DF724B14E0D}" destId="{80447DCE-39D7-4542-9FD7-C4CFF001B5CF}" srcOrd="0" destOrd="0" presId="urn:microsoft.com/office/officeart/2005/8/layout/list1"/>
+    <dgm:cxn modelId="{B224E5FC-3419-9242-9F61-E42C20897C35}" type="presParOf" srcId="{F5B858B2-C591-984E-B8F3-5DF724B14E0D}" destId="{793A2F8A-97D3-2A40-A62D-766C4F0D8295}" srcOrd="1" destOrd="0" presId="urn:microsoft.com/office/officeart/2005/8/layout/list1"/>
+    <dgm:cxn modelId="{B13421F6-6062-B347-B5AD-0EE3A4B471AF}" type="presParOf" srcId="{DC6B4D8E-80D1-B047-83DB-92A8D30A1382}" destId="{B45AFD50-FC05-AD40-B159-6774362C8483}" srcOrd="1" destOrd="0" presId="urn:microsoft.com/office/officeart/2005/8/layout/list1"/>
+    <dgm:cxn modelId="{6BCB0F43-21F2-A643-8992-A2ECEEFA7B3F}" type="presParOf" srcId="{DC6B4D8E-80D1-B047-83DB-92A8D30A1382}" destId="{DEED18DF-847A-C343-A949-2BE2A7C494F6}" srcOrd="2" destOrd="0" presId="urn:microsoft.com/office/officeart/2005/8/layout/list1"/>
+  </dgm:cxnLst>
+  <dgm:bg/>
+  <dgm:whole/>
+  <dgm:extLst>
+    <a:ext uri="http://schemas.microsoft.com/office/drawing/2008/diagram">
+      <dsp:dataModelExt xmlns:dsp="http://schemas.microsoft.com/office/drawing/2008/diagram" relId="rId8" minVer="http://schemas.openxmlformats.org/drawingml/2006/diagram"/>
+    </a:ext>
+  </dgm:extLst>
+</dgm:dataModel>
+</file>
+
+<file path=ppt/diagrams/drawing1.xml><?xml version="1.0" encoding="utf-8"?>
+<dsp:drawing xmlns:dgm="http://schemas.openxmlformats.org/drawingml/2006/diagram" xmlns:dsp="http://schemas.microsoft.com/office/drawing/2008/diagram" xmlns:a="http://schemas.openxmlformats.org/drawingml/2006/main">
+  <dsp:spTree>
+    <dsp:nvGrpSpPr>
+      <dsp:cNvPr id="0" name=""/>
+      <dsp:cNvGrpSpPr/>
+    </dsp:nvGrpSpPr>
+    <dsp:grpSpPr/>
+    <dsp:sp modelId="{DAD7079B-85E8-4D4D-BF98-CC10A2E107C2}">
+      <dsp:nvSpPr>
+        <dsp:cNvPr id="0" name=""/>
+        <dsp:cNvSpPr/>
+      </dsp:nvSpPr>
+      <dsp:spPr>
+        <a:xfrm>
+          <a:off x="0" y="0"/>
+          <a:ext cx="6403994" cy="0"/>
+        </a:xfrm>
+        <a:prstGeom prst="line">
+          <a:avLst/>
+        </a:prstGeom>
+        <a:gradFill rotWithShape="0">
+          <a:gsLst>
+            <a:gs pos="0">
+              <a:schemeClr val="accent2">
+                <a:hueOff val="0"/>
+                <a:satOff val="0"/>
+                <a:lumOff val="0"/>
+                <a:alphaOff val="0"/>
+                <a:tint val="96000"/>
+                <a:satMod val="100000"/>
+                <a:lumMod val="104000"/>
+              </a:schemeClr>
+            </a:gs>
+            <a:gs pos="78000">
+              <a:schemeClr val="accent2">
+                <a:hueOff val="0"/>
+                <a:satOff val="0"/>
+                <a:lumOff val="0"/>
+                <a:alphaOff val="0"/>
+                <a:shade val="100000"/>
+                <a:satMod val="110000"/>
+                <a:lumMod val="100000"/>
+              </a:schemeClr>
+            </a:gs>
+          </a:gsLst>
+          <a:lin ang="5400000" scaled="0"/>
+        </a:gradFill>
+        <a:ln w="9525" cap="flat" cmpd="sng" algn="ctr">
+          <a:solidFill>
+            <a:schemeClr val="accent2">
+              <a:hueOff val="0"/>
+              <a:satOff val="0"/>
+              <a:lumOff val="0"/>
+              <a:alphaOff val="0"/>
+            </a:schemeClr>
+          </a:solidFill>
+          <a:prstDash val="solid"/>
+        </a:ln>
+        <a:effectLst/>
+        <a:scene3d>
+          <a:camera prst="orthographicFront">
+            <a:rot lat="0" lon="0" rev="0"/>
+          </a:camera>
+          <a:lightRig rig="threePt" dir="t"/>
+        </a:scene3d>
+        <a:sp3d>
+          <a:bevelT w="25400" h="12700"/>
+        </a:sp3d>
+      </dsp:spPr>
+      <dsp:style>
+        <a:lnRef idx="1">
+          <a:scrgbClr r="0" g="0" b="0"/>
+        </a:lnRef>
+        <a:fillRef idx="3">
+          <a:scrgbClr r="0" g="0" b="0"/>
+        </a:fillRef>
+        <a:effectRef idx="2">
+          <a:scrgbClr r="0" g="0" b="0"/>
+        </a:effectRef>
+        <a:fontRef idx="minor">
+          <a:schemeClr val="lt1"/>
+        </a:fontRef>
+      </dsp:style>
+    </dsp:sp>
+    <dsp:sp modelId="{E8D9E4B2-821A-804A-9878-EDD855562722}">
+      <dsp:nvSpPr>
+        <dsp:cNvPr id="0" name=""/>
+        <dsp:cNvSpPr/>
+      </dsp:nvSpPr>
+      <dsp:spPr>
+        <a:xfrm>
+          <a:off x="0" y="0"/>
+          <a:ext cx="6403994" cy="1271852"/>
+        </a:xfrm>
+        <a:prstGeom prst="rect">
+          <a:avLst/>
+        </a:prstGeom>
+        <a:noFill/>
+        <a:ln>
+          <a:noFill/>
+        </a:ln>
+        <a:effectLst/>
+      </dsp:spPr>
+      <dsp:style>
+        <a:lnRef idx="0">
+          <a:scrgbClr r="0" g="0" b="0"/>
+        </a:lnRef>
+        <a:fillRef idx="0">
+          <a:scrgbClr r="0" g="0" b="0"/>
+        </a:fillRef>
+        <a:effectRef idx="0">
+          <a:scrgbClr r="0" g="0" b="0"/>
+        </a:effectRef>
+        <a:fontRef idx="minor"/>
+      </dsp:style>
+      <dsp:txBody>
+        <a:bodyPr spcFirstLastPara="0" vert="horz" wrap="square" lIns="152400" tIns="152400" rIns="152400" bIns="152400" numCol="1" spcCol="1270" anchor="t" anchorCtr="0">
+          <a:noAutofit/>
+        </a:bodyPr>
+        <a:lstStyle/>
+        <a:p>
+          <a:pPr marL="0" lvl="0" indent="0" algn="l" defTabSz="1778000">
+            <a:lnSpc>
+              <a:spcPct val="90000"/>
+            </a:lnSpc>
+            <a:spcBef>
+              <a:spcPct val="0"/>
+            </a:spcBef>
+            <a:spcAft>
+              <a:spcPct val="35000"/>
+            </a:spcAft>
+            <a:buNone/>
+          </a:pPr>
+          <a:r>
+            <a:rPr lang="en-US" sz="4000" kern="1200" dirty="0"/>
+            <a:t>Banu Nathan</a:t>
+          </a:r>
+        </a:p>
+      </dsp:txBody>
+      <dsp:txXfrm>
+        <a:off x="0" y="0"/>
+        <a:ext cx="6403994" cy="1271852"/>
+      </dsp:txXfrm>
+    </dsp:sp>
+    <dsp:sp modelId="{99D44552-D4D8-9C4B-BB7D-9B2160468F76}">
+      <dsp:nvSpPr>
+        <dsp:cNvPr id="0" name=""/>
+        <dsp:cNvSpPr/>
+      </dsp:nvSpPr>
+      <dsp:spPr>
+        <a:xfrm>
+          <a:off x="0" y="1271852"/>
+          <a:ext cx="6403994" cy="0"/>
+        </a:xfrm>
+        <a:prstGeom prst="line">
+          <a:avLst/>
+        </a:prstGeom>
+        <a:gradFill rotWithShape="0">
+          <a:gsLst>
+            <a:gs pos="0">
+              <a:schemeClr val="accent2">
+                <a:hueOff val="383163"/>
+                <a:satOff val="-6257"/>
+                <a:lumOff val="392"/>
+                <a:alphaOff val="0"/>
+                <a:tint val="96000"/>
+                <a:satMod val="100000"/>
+                <a:lumMod val="104000"/>
+              </a:schemeClr>
+            </a:gs>
+            <a:gs pos="78000">
+              <a:schemeClr val="accent2">
+                <a:hueOff val="383163"/>
+                <a:satOff val="-6257"/>
+                <a:lumOff val="392"/>
+                <a:alphaOff val="0"/>
+                <a:shade val="100000"/>
+                <a:satMod val="110000"/>
+                <a:lumMod val="100000"/>
+              </a:schemeClr>
+            </a:gs>
+          </a:gsLst>
+          <a:lin ang="5400000" scaled="0"/>
+        </a:gradFill>
+        <a:ln w="9525" cap="flat" cmpd="sng" algn="ctr">
+          <a:solidFill>
+            <a:schemeClr val="accent2">
+              <a:hueOff val="383163"/>
+              <a:satOff val="-6257"/>
+              <a:lumOff val="392"/>
+              <a:alphaOff val="0"/>
+            </a:schemeClr>
+          </a:solidFill>
+          <a:prstDash val="solid"/>
+        </a:ln>
+        <a:effectLst/>
+        <a:scene3d>
+          <a:camera prst="orthographicFront">
+            <a:rot lat="0" lon="0" rev="0"/>
+          </a:camera>
+          <a:lightRig rig="threePt" dir="t"/>
+        </a:scene3d>
+        <a:sp3d>
+          <a:bevelT w="25400" h="12700"/>
+        </a:sp3d>
+      </dsp:spPr>
+      <dsp:style>
+        <a:lnRef idx="1">
+          <a:scrgbClr r="0" g="0" b="0"/>
+        </a:lnRef>
+        <a:fillRef idx="3">
+          <a:scrgbClr r="0" g="0" b="0"/>
+        </a:fillRef>
+        <a:effectRef idx="2">
+          <a:scrgbClr r="0" g="0" b="0"/>
+        </a:effectRef>
+        <a:fontRef idx="minor">
+          <a:schemeClr val="lt1"/>
+        </a:fontRef>
+      </dsp:style>
+    </dsp:sp>
+    <dsp:sp modelId="{9BC1C8BD-B372-B447-9159-CB3E5DC6DA66}">
+      <dsp:nvSpPr>
+        <dsp:cNvPr id="0" name=""/>
+        <dsp:cNvSpPr/>
+      </dsp:nvSpPr>
+      <dsp:spPr>
+        <a:xfrm>
+          <a:off x="0" y="1271852"/>
+          <a:ext cx="6403994" cy="1271852"/>
+        </a:xfrm>
+        <a:prstGeom prst="rect">
+          <a:avLst/>
+        </a:prstGeom>
+        <a:noFill/>
+        <a:ln>
+          <a:noFill/>
+        </a:ln>
+        <a:effectLst/>
+      </dsp:spPr>
+      <dsp:style>
+        <a:lnRef idx="0">
+          <a:scrgbClr r="0" g="0" b="0"/>
+        </a:lnRef>
+        <a:fillRef idx="0">
+          <a:scrgbClr r="0" g="0" b="0"/>
+        </a:fillRef>
+        <a:effectRef idx="0">
+          <a:scrgbClr r="0" g="0" b="0"/>
+        </a:effectRef>
+        <a:fontRef idx="minor"/>
+      </dsp:style>
+      <dsp:txBody>
+        <a:bodyPr spcFirstLastPara="0" vert="horz" wrap="square" lIns="152400" tIns="152400" rIns="152400" bIns="152400" numCol="1" spcCol="1270" anchor="t" anchorCtr="0">
+          <a:noAutofit/>
+        </a:bodyPr>
+        <a:lstStyle/>
+        <a:p>
+          <a:pPr marL="0" lvl="0" indent="0" algn="l" defTabSz="1778000">
+            <a:lnSpc>
+              <a:spcPct val="90000"/>
+            </a:lnSpc>
+            <a:spcBef>
+              <a:spcPct val="0"/>
+            </a:spcBef>
+            <a:spcAft>
+              <a:spcPct val="35000"/>
+            </a:spcAft>
+            <a:buNone/>
+          </a:pPr>
+          <a:r>
+            <a:rPr lang="en-US" sz="4000" kern="1200" dirty="0"/>
+            <a:t>Fleming Brathwaite</a:t>
+          </a:r>
+        </a:p>
+      </dsp:txBody>
+      <dsp:txXfrm>
+        <a:off x="0" y="1271852"/>
+        <a:ext cx="6403994" cy="1271852"/>
+      </dsp:txXfrm>
+    </dsp:sp>
+    <dsp:sp modelId="{9F9711B2-9951-0143-A929-FA5B443CBD87}">
+      <dsp:nvSpPr>
+        <dsp:cNvPr id="0" name=""/>
+        <dsp:cNvSpPr/>
+      </dsp:nvSpPr>
+      <dsp:spPr>
+        <a:xfrm>
+          <a:off x="0" y="2543704"/>
+          <a:ext cx="6403994" cy="0"/>
+        </a:xfrm>
+        <a:prstGeom prst="line">
+          <a:avLst/>
+        </a:prstGeom>
+        <a:gradFill rotWithShape="0">
+          <a:gsLst>
+            <a:gs pos="0">
+              <a:schemeClr val="accent2">
+                <a:hueOff val="766327"/>
+                <a:satOff val="-12515"/>
+                <a:lumOff val="784"/>
+                <a:alphaOff val="0"/>
+                <a:tint val="96000"/>
+                <a:satMod val="100000"/>
+                <a:lumMod val="104000"/>
+              </a:schemeClr>
+            </a:gs>
+            <a:gs pos="78000">
+              <a:schemeClr val="accent2">
+                <a:hueOff val="766327"/>
+                <a:satOff val="-12515"/>
+                <a:lumOff val="784"/>
+                <a:alphaOff val="0"/>
+                <a:shade val="100000"/>
+                <a:satMod val="110000"/>
+                <a:lumMod val="100000"/>
+              </a:schemeClr>
+            </a:gs>
+          </a:gsLst>
+          <a:lin ang="5400000" scaled="0"/>
+        </a:gradFill>
+        <a:ln w="9525" cap="flat" cmpd="sng" algn="ctr">
+          <a:solidFill>
+            <a:schemeClr val="accent2">
+              <a:hueOff val="766327"/>
+              <a:satOff val="-12515"/>
+              <a:lumOff val="784"/>
+              <a:alphaOff val="0"/>
+            </a:schemeClr>
+          </a:solidFill>
+          <a:prstDash val="solid"/>
+        </a:ln>
+        <a:effectLst/>
+        <a:scene3d>
+          <a:camera prst="orthographicFront">
+            <a:rot lat="0" lon="0" rev="0"/>
+          </a:camera>
+          <a:lightRig rig="threePt" dir="t"/>
+        </a:scene3d>
+        <a:sp3d>
+          <a:bevelT w="25400" h="12700"/>
+        </a:sp3d>
+      </dsp:spPr>
+      <dsp:style>
+        <a:lnRef idx="1">
+          <a:scrgbClr r="0" g="0" b="0"/>
+        </a:lnRef>
+        <a:fillRef idx="3">
+          <a:scrgbClr r="0" g="0" b="0"/>
+        </a:fillRef>
+        <a:effectRef idx="2">
+          <a:scrgbClr r="0" g="0" b="0"/>
+        </a:effectRef>
+        <a:fontRef idx="minor">
+          <a:schemeClr val="lt1"/>
+        </a:fontRef>
+      </dsp:style>
+    </dsp:sp>
+    <dsp:sp modelId="{EDAAF0B9-1147-3544-ABB0-1C0655C2FD17}">
+      <dsp:nvSpPr>
+        <dsp:cNvPr id="0" name=""/>
+        <dsp:cNvSpPr/>
+      </dsp:nvSpPr>
+      <dsp:spPr>
+        <a:xfrm>
+          <a:off x="0" y="2543704"/>
+          <a:ext cx="6403994" cy="1271852"/>
+        </a:xfrm>
+        <a:prstGeom prst="rect">
+          <a:avLst/>
+        </a:prstGeom>
+        <a:noFill/>
+        <a:ln>
+          <a:noFill/>
+        </a:ln>
+        <a:effectLst/>
+      </dsp:spPr>
+      <dsp:style>
+        <a:lnRef idx="0">
+          <a:scrgbClr r="0" g="0" b="0"/>
+        </a:lnRef>
+        <a:fillRef idx="0">
+          <a:scrgbClr r="0" g="0" b="0"/>
+        </a:fillRef>
+        <a:effectRef idx="0">
+          <a:scrgbClr r="0" g="0" b="0"/>
+        </a:effectRef>
+        <a:fontRef idx="minor"/>
+      </dsp:style>
+      <dsp:txBody>
+        <a:bodyPr spcFirstLastPara="0" vert="horz" wrap="square" lIns="152400" tIns="152400" rIns="152400" bIns="152400" numCol="1" spcCol="1270" anchor="t" anchorCtr="0">
+          <a:noAutofit/>
+        </a:bodyPr>
+        <a:lstStyle/>
+        <a:p>
+          <a:pPr marL="0" lvl="0" indent="0" algn="l" defTabSz="1778000">
+            <a:lnSpc>
+              <a:spcPct val="90000"/>
+            </a:lnSpc>
+            <a:spcBef>
+              <a:spcPct val="0"/>
+            </a:spcBef>
+            <a:spcAft>
+              <a:spcPct val="35000"/>
+            </a:spcAft>
+            <a:buNone/>
+          </a:pPr>
+          <a:r>
+            <a:rPr lang="en-US" sz="4000" kern="1200" dirty="0"/>
+            <a:t>Dan Freda</a:t>
+          </a:r>
+        </a:p>
+      </dsp:txBody>
+      <dsp:txXfrm>
+        <a:off x="0" y="2543704"/>
+        <a:ext cx="6403994" cy="1271852"/>
+      </dsp:txXfrm>
+    </dsp:sp>
+    <dsp:sp modelId="{A46A1860-56D1-CE45-89AC-8A2B85B1AC12}">
+      <dsp:nvSpPr>
+        <dsp:cNvPr id="0" name=""/>
+        <dsp:cNvSpPr/>
+      </dsp:nvSpPr>
+      <dsp:spPr>
+        <a:xfrm>
+          <a:off x="0" y="3815556"/>
+          <a:ext cx="6403994" cy="0"/>
+        </a:xfrm>
+        <a:prstGeom prst="line">
+          <a:avLst/>
+        </a:prstGeom>
+        <a:gradFill rotWithShape="0">
+          <a:gsLst>
+            <a:gs pos="0">
+              <a:schemeClr val="accent2">
+                <a:hueOff val="1149490"/>
+                <a:satOff val="-18772"/>
+                <a:lumOff val="1176"/>
+                <a:alphaOff val="0"/>
+                <a:tint val="96000"/>
+                <a:satMod val="100000"/>
+                <a:lumMod val="104000"/>
+              </a:schemeClr>
+            </a:gs>
+            <a:gs pos="78000">
+              <a:schemeClr val="accent2">
+                <a:hueOff val="1149490"/>
+                <a:satOff val="-18772"/>
+                <a:lumOff val="1176"/>
+                <a:alphaOff val="0"/>
+                <a:shade val="100000"/>
+                <a:satMod val="110000"/>
+                <a:lumMod val="100000"/>
+              </a:schemeClr>
+            </a:gs>
+          </a:gsLst>
+          <a:lin ang="5400000" scaled="0"/>
+        </a:gradFill>
+        <a:ln w="9525" cap="flat" cmpd="sng" algn="ctr">
+          <a:solidFill>
+            <a:schemeClr val="accent2">
+              <a:hueOff val="1149490"/>
+              <a:satOff val="-18772"/>
+              <a:lumOff val="1176"/>
+              <a:alphaOff val="0"/>
+            </a:schemeClr>
+          </a:solidFill>
+          <a:prstDash val="solid"/>
+        </a:ln>
+        <a:effectLst/>
+        <a:scene3d>
+          <a:camera prst="orthographicFront">
+            <a:rot lat="0" lon="0" rev="0"/>
+          </a:camera>
+          <a:lightRig rig="threePt" dir="t"/>
+        </a:scene3d>
+        <a:sp3d>
+          <a:bevelT w="25400" h="12700"/>
+        </a:sp3d>
+      </dsp:spPr>
+      <dsp:style>
+        <a:lnRef idx="1">
+          <a:scrgbClr r="0" g="0" b="0"/>
+        </a:lnRef>
+        <a:fillRef idx="3">
+          <a:scrgbClr r="0" g="0" b="0"/>
+        </a:fillRef>
+        <a:effectRef idx="2">
+          <a:scrgbClr r="0" g="0" b="0"/>
+        </a:effectRef>
+        <a:fontRef idx="minor">
+          <a:schemeClr val="lt1"/>
+        </a:fontRef>
+      </dsp:style>
+    </dsp:sp>
+    <dsp:sp modelId="{3CFB59B0-0B30-734E-A422-5099E3105D5B}">
+      <dsp:nvSpPr>
+        <dsp:cNvPr id="0" name=""/>
+        <dsp:cNvSpPr/>
+      </dsp:nvSpPr>
+      <dsp:spPr>
+        <a:xfrm>
+          <a:off x="0" y="3815556"/>
+          <a:ext cx="6403994" cy="1271852"/>
+        </a:xfrm>
+        <a:prstGeom prst="rect">
+          <a:avLst/>
+        </a:prstGeom>
+        <a:noFill/>
+        <a:ln>
+          <a:noFill/>
+        </a:ln>
+        <a:effectLst/>
+      </dsp:spPr>
+      <dsp:style>
+        <a:lnRef idx="0">
+          <a:scrgbClr r="0" g="0" b="0"/>
+        </a:lnRef>
+        <a:fillRef idx="0">
+          <a:scrgbClr r="0" g="0" b="0"/>
+        </a:fillRef>
+        <a:effectRef idx="0">
+          <a:scrgbClr r="0" g="0" b="0"/>
+        </a:effectRef>
+        <a:fontRef idx="minor"/>
+      </dsp:style>
+      <dsp:txBody>
+        <a:bodyPr spcFirstLastPara="0" vert="horz" wrap="square" lIns="152400" tIns="152400" rIns="152400" bIns="152400" numCol="1" spcCol="1270" anchor="t" anchorCtr="0">
+          <a:noAutofit/>
+        </a:bodyPr>
+        <a:lstStyle/>
+        <a:p>
+          <a:pPr marL="0" lvl="0" indent="0" algn="l" defTabSz="1778000">
+            <a:lnSpc>
+              <a:spcPct val="90000"/>
+            </a:lnSpc>
+            <a:spcBef>
+              <a:spcPct val="0"/>
+            </a:spcBef>
+            <a:spcAft>
+              <a:spcPct val="35000"/>
+            </a:spcAft>
+            <a:buNone/>
+          </a:pPr>
+          <a:r>
+            <a:rPr lang="en-US" sz="4000" kern="1200" dirty="0" err="1"/>
+            <a:t>Shawntell</a:t>
+          </a:r>
+          <a:r>
+            <a:rPr lang="en-US" sz="4000" kern="1200" dirty="0"/>
+            <a:t> Manning</a:t>
+          </a:r>
+        </a:p>
+      </dsp:txBody>
+      <dsp:txXfrm>
+        <a:off x="0" y="3815556"/>
+        <a:ext cx="6403994" cy="1271852"/>
+      </dsp:txXfrm>
+    </dsp:sp>
+  </dsp:spTree>
+</dsp:drawing>
+</file>
+
+<file path=ppt/diagrams/drawing2.xml><?xml version="1.0" encoding="utf-8"?>
+<dsp:drawing xmlns:dgm="http://schemas.openxmlformats.org/drawingml/2006/diagram" xmlns:dsp="http://schemas.microsoft.com/office/drawing/2008/diagram" xmlns:a="http://schemas.openxmlformats.org/drawingml/2006/main">
+  <dsp:spTree>
+    <dsp:nvGrpSpPr>
+      <dsp:cNvPr id="0" name=""/>
+      <dsp:cNvGrpSpPr/>
+    </dsp:nvGrpSpPr>
+    <dsp:grpSpPr/>
+    <dsp:sp modelId="{DEED18DF-847A-C343-A949-2BE2A7C494F6}">
+      <dsp:nvSpPr>
+        <dsp:cNvPr id="0" name=""/>
+        <dsp:cNvSpPr/>
+      </dsp:nvSpPr>
+      <dsp:spPr>
+        <a:xfrm>
+          <a:off x="0" y="826260"/>
+          <a:ext cx="6403994" cy="3173625"/>
+        </a:xfrm>
+        <a:prstGeom prst="rect">
+          <a:avLst/>
+        </a:prstGeom>
+        <a:solidFill>
+          <a:schemeClr val="lt1">
+            <a:alpha val="90000"/>
+            <a:hueOff val="0"/>
+            <a:satOff val="0"/>
+            <a:lumOff val="0"/>
+            <a:alphaOff val="0"/>
+          </a:schemeClr>
+        </a:solidFill>
+        <a:ln w="9525" cap="flat" cmpd="sng" algn="ctr">
+          <a:solidFill>
+            <a:schemeClr val="accent2">
+              <a:hueOff val="0"/>
+              <a:satOff val="0"/>
+              <a:lumOff val="0"/>
+              <a:alphaOff val="0"/>
+            </a:schemeClr>
+          </a:solidFill>
+          <a:prstDash val="solid"/>
+        </a:ln>
+        <a:effectLst/>
+      </dsp:spPr>
+      <dsp:style>
+        <a:lnRef idx="1">
+          <a:scrgbClr r="0" g="0" b="0"/>
+        </a:lnRef>
+        <a:fillRef idx="1">
+          <a:scrgbClr r="0" g="0" b="0"/>
+        </a:fillRef>
+        <a:effectRef idx="0">
+          <a:scrgbClr r="0" g="0" b="0"/>
+        </a:effectRef>
+        <a:fontRef idx="minor"/>
+      </dsp:style>
+      <dsp:txBody>
+        <a:bodyPr spcFirstLastPara="0" vert="horz" wrap="square" lIns="497021" tIns="1353820" rIns="497021" bIns="142240" numCol="1" spcCol="1270" anchor="t" anchorCtr="0">
+          <a:noAutofit/>
+        </a:bodyPr>
+        <a:lstStyle/>
+        <a:p>
+          <a:pPr marL="228600" lvl="1" indent="-228600" algn="l" defTabSz="889000">
+            <a:lnSpc>
+              <a:spcPct val="100000"/>
+            </a:lnSpc>
+            <a:spcBef>
+              <a:spcPct val="0"/>
+            </a:spcBef>
+            <a:spcAft>
+              <a:spcPct val="15000"/>
+            </a:spcAft>
+            <a:buChar char="•"/>
+          </a:pPr>
+          <a:r>
+            <a:rPr lang="en-US" sz="2000" b="1" kern="1200" dirty="0"/>
+            <a:t>Smithsonian Institution: Global Volcanism Program (</a:t>
+          </a:r>
+          <a:r>
+            <a:rPr lang="en-US" sz="2000" u="none" kern="1200" dirty="0">
+              <a:hlinkClick xmlns:r="http://schemas.openxmlformats.org/officeDocument/2006/relationships" r:id="rId1"/>
+            </a:rPr>
+            <a:t>Excel</a:t>
+          </a:r>
+          <a:r>
+            <a:rPr lang="en-US" sz="2000" u="none" kern="1200" dirty="0"/>
+            <a:t>)</a:t>
+          </a:r>
+          <a:endParaRPr lang="en-US" sz="2000" kern="1200" dirty="0"/>
+        </a:p>
+        <a:p>
+          <a:pPr marL="457200" lvl="2" indent="-228600" algn="l" defTabSz="889000">
+            <a:lnSpc>
+              <a:spcPct val="100000"/>
+            </a:lnSpc>
+            <a:spcBef>
+              <a:spcPct val="0"/>
+            </a:spcBef>
+            <a:spcAft>
+              <a:spcPct val="15000"/>
+            </a:spcAft>
+            <a:buChar char="•"/>
+          </a:pPr>
+          <a:endParaRPr lang="en-US" sz="2000" kern="1200" dirty="0"/>
+        </a:p>
+        <a:p>
+          <a:pPr marL="228600" lvl="1" indent="-228600" algn="l" defTabSz="889000">
+            <a:lnSpc>
+              <a:spcPct val="100000"/>
+            </a:lnSpc>
+            <a:spcBef>
+              <a:spcPct val="0"/>
+            </a:spcBef>
+            <a:spcAft>
+              <a:spcPct val="15000"/>
+            </a:spcAft>
+            <a:buChar char="•"/>
+          </a:pPr>
+          <a:r>
+            <a:rPr lang="en-US" sz="2000" b="1" kern="1200" dirty="0"/>
+            <a:t>NOAA: Significant Volcanic Eruption Database (</a:t>
+          </a:r>
+          <a:r>
+            <a:rPr lang="en-US" sz="2000" kern="1200" dirty="0">
+              <a:hlinkClick xmlns:r="http://schemas.openxmlformats.org/officeDocument/2006/relationships" r:id="rId2"/>
+            </a:rPr>
+            <a:t>Json</a:t>
+          </a:r>
+          <a:r>
+            <a:rPr lang="en-US" sz="2000" kern="1200" dirty="0"/>
+            <a:t>)</a:t>
+          </a:r>
+        </a:p>
+      </dsp:txBody>
+      <dsp:txXfrm>
+        <a:off x="0" y="826260"/>
+        <a:ext cx="6403994" cy="3173625"/>
+      </dsp:txXfrm>
+    </dsp:sp>
+    <dsp:sp modelId="{793A2F8A-97D3-2A40-A62D-766C4F0D8295}">
+      <dsp:nvSpPr>
+        <dsp:cNvPr id="0" name=""/>
+        <dsp:cNvSpPr/>
+      </dsp:nvSpPr>
+      <dsp:spPr>
+        <a:xfrm>
+          <a:off x="499815" y="1085470"/>
+          <a:ext cx="4689856" cy="851774"/>
+        </a:xfrm>
+        <a:prstGeom prst="roundRect">
+          <a:avLst/>
+        </a:prstGeom>
+        <a:gradFill rotWithShape="0">
+          <a:gsLst>
+            <a:gs pos="0">
+              <a:schemeClr val="accent2">
+                <a:hueOff val="0"/>
+                <a:satOff val="0"/>
+                <a:lumOff val="0"/>
+                <a:alphaOff val="0"/>
+                <a:tint val="96000"/>
+                <a:satMod val="100000"/>
+                <a:lumMod val="104000"/>
+              </a:schemeClr>
+            </a:gs>
+            <a:gs pos="78000">
+              <a:schemeClr val="accent2">
+                <a:hueOff val="0"/>
+                <a:satOff val="0"/>
+                <a:lumOff val="0"/>
+                <a:alphaOff val="0"/>
+                <a:shade val="100000"/>
+                <a:satMod val="110000"/>
+                <a:lumMod val="100000"/>
+              </a:schemeClr>
+            </a:gs>
+          </a:gsLst>
+          <a:lin ang="5400000" scaled="0"/>
+        </a:gradFill>
+        <a:ln>
+          <a:noFill/>
+        </a:ln>
+        <a:effectLst/>
+        <a:scene3d>
+          <a:camera prst="orthographicFront">
+            <a:rot lat="0" lon="0" rev="0"/>
+          </a:camera>
+          <a:lightRig rig="threePt" dir="t"/>
+        </a:scene3d>
+        <a:sp3d>
+          <a:bevelT w="25400" h="12700"/>
+        </a:sp3d>
+      </dsp:spPr>
+      <dsp:style>
+        <a:lnRef idx="0">
+          <a:scrgbClr r="0" g="0" b="0"/>
+        </a:lnRef>
+        <a:fillRef idx="3">
+          <a:scrgbClr r="0" g="0" b="0"/>
+        </a:fillRef>
+        <a:effectRef idx="2">
+          <a:scrgbClr r="0" g="0" b="0"/>
+        </a:effectRef>
+        <a:fontRef idx="minor">
+          <a:schemeClr val="lt1"/>
+        </a:fontRef>
+      </dsp:style>
+      <dsp:txBody>
+        <a:bodyPr spcFirstLastPara="0" vert="horz" wrap="square" lIns="169439" tIns="0" rIns="169439" bIns="0" numCol="1" spcCol="1270" anchor="ctr" anchorCtr="0">
+          <a:noAutofit/>
+        </a:bodyPr>
+        <a:lstStyle/>
+        <a:p>
+          <a:pPr marL="0" lvl="0" indent="0" algn="l" defTabSz="1778000">
+            <a:lnSpc>
+              <a:spcPct val="90000"/>
+            </a:lnSpc>
+            <a:spcBef>
+              <a:spcPct val="0"/>
+            </a:spcBef>
+            <a:spcAft>
+              <a:spcPct val="35000"/>
+            </a:spcAft>
+            <a:buNone/>
+          </a:pPr>
+          <a:r>
+            <a:rPr lang="en-US" sz="4000" b="1" kern="1200" dirty="0"/>
+            <a:t>Data Sources</a:t>
+          </a:r>
+          <a:endParaRPr lang="en-US" sz="4000" kern="1200" dirty="0"/>
+        </a:p>
+      </dsp:txBody>
+      <dsp:txXfrm>
+        <a:off x="541395" y="1127050"/>
+        <a:ext cx="4606696" cy="768614"/>
+      </dsp:txXfrm>
+    </dsp:sp>
+  </dsp:spTree>
+</dsp:drawing>
+</file>
+
+<file path=ppt/diagrams/layout1.xml><?xml version="1.0" encoding="utf-8"?>
+<dgm:layoutDef xmlns:dgm="http://schemas.openxmlformats.org/drawingml/2006/diagram" xmlns:a="http://schemas.openxmlformats.org/drawingml/2006/main" uniqueId="urn:microsoft.com/office/officeart/2008/layout/LinedList">
+  <dgm:title val=""/>
+  <dgm:desc val=""/>
+  <dgm:catLst>
+    <dgm:cat type="hierarchy" pri="8000"/>
+    <dgm:cat type="list" pri="2500"/>
+  </dgm:catLst>
+  <dgm:sampData>
+    <dgm:dataModel>
+      <dgm:ptLst>
+        <dgm:pt modelId="0" type="doc"/>
+        <dgm:pt modelId="1">
+          <dgm:prSet phldr="1"/>
+        </dgm:pt>
+        <dgm:pt modelId="11">
+          <dgm:prSet phldr="1"/>
+        </dgm:pt>
+        <dgm:pt modelId="12">
+          <dgm:prSet phldr="1"/>
+        </dgm:pt>
+        <dgm:pt modelId="13">
+          <dgm:prSet phldr="1"/>
+        </dgm:pt>
+      </dgm:ptLst>
+      <dgm:cxnLst>
+        <dgm:cxn modelId="2" srcId="0" destId="1" srcOrd="0" destOrd="0"/>
+        <dgm:cxn modelId="3" srcId="1" destId="11" srcOrd="0" destOrd="0"/>
+        <dgm:cxn modelId="4" srcId="1" destId="12" srcOrd="1" destOrd="0"/>
+        <dgm:cxn modelId="5" srcId="1" destId="13" srcOrd="2" destOrd="0"/>
+      </dgm:cxnLst>
+      <dgm:bg/>
+      <dgm:whole/>
+    </dgm:dataModel>
+  </dgm:sampData>
+  <dgm:styleData>
+    <dgm:dataModel>
+      <dgm:ptLst>
+        <dgm:pt modelId="0" type="doc"/>
+        <dgm:pt modelId="1">
+          <dgm:prSet phldr="1"/>
+        </dgm:pt>
+        <dgm:pt modelId="11">
+          <dgm:prSet phldr="1"/>
+        </dgm:pt>
+        <dgm:pt modelId="12">
+          <dgm:prSet phldr="1"/>
+        </dgm:pt>
+      </dgm:ptLst>
+      <dgm:cxnLst>
+        <dgm:cxn modelId="2" srcId="0" destId="1" srcOrd="0" destOrd="0"/>
+        <dgm:cxn modelId="3" srcId="1" destId="11" srcOrd="0" destOrd="0"/>
+        <dgm:cxn modelId="4" srcId="1" destId="12" srcOrd="1" destOrd="0"/>
+      </dgm:cxnLst>
+      <dgm:bg/>
+      <dgm:whole/>
+    </dgm:dataModel>
+  </dgm:styleData>
+  <dgm:clrData>
+    <dgm:dataModel>
+      <dgm:ptLst>
+        <dgm:pt modelId="0" type="doc"/>
+        <dgm:pt modelId="1">
+          <dgm:prSet phldr="1"/>
+        </dgm:pt>
+        <dgm:pt modelId="11">
+          <dgm:prSet phldr="1"/>
+        </dgm:pt>
+        <dgm:pt modelId="12">
+          <dgm:prSet phldr="1"/>
+        </dgm:pt>
+      </dgm:ptLst>
+      <dgm:cxnLst>
+        <dgm:cxn modelId="2" srcId="0" destId="1" srcOrd="0" destOrd="0"/>
+        <dgm:cxn modelId="3" srcId="1" destId="11" srcOrd="0" destOrd="0"/>
+        <dgm:cxn modelId="4" srcId="1" destId="12" srcOrd="1" destOrd="0"/>
+      </dgm:cxnLst>
+      <dgm:bg/>
+      <dgm:whole/>
+    </dgm:dataModel>
+  </dgm:clrData>
+  <dgm:layoutNode name="vert0">
+    <dgm:varLst>
+      <dgm:dir/>
+      <dgm:animOne val="branch"/>
+      <dgm:animLvl val="lvl"/>
+    </dgm:varLst>
+    <dgm:choose name="Name0">
+      <dgm:if name="Name1" func="var" arg="dir" op="equ" val="norm">
+        <dgm:alg type="lin">
+          <dgm:param type="linDir" val="fromT"/>
+          <dgm:param type="nodeHorzAlign" val="l"/>
+        </dgm:alg>
+      </dgm:if>
+      <dgm:else name="Name2">
+        <dgm:alg type="lin">
+          <dgm:param type="linDir" val="fromT"/>
+          <dgm:param type="nodeHorzAlign" val="r"/>
+        </dgm:alg>
+      </dgm:else>
+    </dgm:choose>
+    <dgm:shape xmlns:r="http://schemas.openxmlformats.org/officeDocument/2006/relationships" r:blip="">
+      <dgm:adjLst/>
+    </dgm:shape>
+    <dgm:presOf/>
+    <dgm:constrLst>
+      <dgm:constr type="w" for="ch" forName="horz1" refType="w"/>
+      <dgm:constr type="h" for="ch" forName="horz1" refType="h"/>
+      <dgm:constr type="h" for="des" forName="vert1" refType="h"/>
+      <dgm:constr type="h" for="des" forName="tx1" refType="h"/>
+      <dgm:constr type="h" for="des" forName="horz2" refType="h"/>
+      <dgm:constr type="h" for="des" forName="vert2" refType="h"/>
+      <dgm:constr type="h" for="des" forName="horz3" refType="h"/>
+      <dgm:constr type="h" for="des" forName="vert3" refType="h"/>
+      <dgm:constr type="h" for="des" forName="horz4" refType="h"/>
+      <dgm:constr type="h" for="des" ptType="node" refType="h"/>
+      <dgm:constr type="primFontSz" for="des" forName="tx1" op="equ" val="65"/>
+      <dgm:constr type="primFontSz" for="des" forName="tx2" op="equ" val="65"/>
+      <dgm:constr type="primFontSz" for="des" forName="tx3" op="equ" val="65"/>
+      <dgm:constr type="primFontSz" for="des" forName="tx4" op="equ" val="65"/>
+      <dgm:constr type="w" for="des" forName="thickLine" refType="w"/>
+      <dgm:constr type="h" for="des" forName="thickLine"/>
+      <dgm:constr type="h" for="des" forName="thinLine1"/>
+      <dgm:constr type="h" for="des" forName="thinLine2b"/>
+      <dgm:constr type="h" for="des" forName="thinLine3"/>
+      <dgm:constr type="h" for="des" forName="vertSpace2a" refType="h" fact="0.05"/>
+      <dgm:constr type="h" for="des" forName="vertSpace2b" refType="h" refFor="des" refForName="vertSpace2a"/>
+    </dgm:constrLst>
+    <dgm:forEach name="Name3" axis="ch" ptType="node">
+      <dgm:layoutNode name="thickLine" styleLbl="alignNode1">
+        <dgm:alg type="sp"/>
+        <dgm:shape xmlns:r="http://schemas.openxmlformats.org/officeDocument/2006/relationships" type="line" r:blip="">
+          <dgm:adjLst/>
+        </dgm:shape>
+        <dgm:presOf/>
+      </dgm:layoutNode>
+      <dgm:layoutNode name="horz1">
+        <dgm:choose name="Name4">
+          <dgm:if name="Name5" func="var" arg="dir" op="equ" val="norm">
+            <dgm:alg type="lin">
+              <dgm:param type="linDir" val="fromL"/>
+              <dgm:param type="nodeVertAlign" val="t"/>
+            </dgm:alg>
+          </dgm:if>
+          <dgm:else name="Name6">
+            <dgm:alg type="lin">
+              <dgm:param type="linDir" val="fromR"/>
+              <dgm:param type="nodeVertAlign" val="t"/>
+            </dgm:alg>
+          </dgm:else>
+        </dgm:choose>
+        <dgm:shape xmlns:r="http://schemas.openxmlformats.org/officeDocument/2006/relationships" r:blip="">
+          <dgm:adjLst/>
+        </dgm:shape>
+        <dgm:presOf/>
+        <dgm:choose name="Name7">
+          <dgm:if name="Name8" axis="root des" func="maxDepth" op="equ" val="1">
+            <dgm:constrLst>
+              <dgm:constr type="w" for="ch" forName="tx1" refType="w"/>
+            </dgm:constrLst>
+          </dgm:if>
+          <dgm:if name="Name9" axis="root des" func="maxDepth" op="equ" val="2">
+            <dgm:constrLst>
+              <dgm:constr type="w" for="ch" forName="tx1" refType="w" fact="0.2"/>
+              <dgm:constr type="w" for="des" forName="tx2" refType="w" fact="0.785"/>
+              <dgm:constr type="w" for="des" forName="horzSpace2" refType="w" fact="0.015"/>
+              <dgm:constr type="w" for="des" forName="thinLine2b" refType="w" fact="0.8"/>
+            </dgm:constrLst>
+          </dgm:if>
+          <dgm:if name="Name10" axis="root des" func="maxDepth" op="equ" val="3">
+            <dgm:constrLst>
+              <dgm:constr type="w" for="ch" forName="tx1" refType="w" fact="0.2"/>
+              <dgm:constr type="w" for="des" forName="tx2" refType="w" fact="0.385"/>
+              <dgm:constr type="w" for="des" forName="tx3" refType="w" fact="0.385"/>
+              <dgm:constr type="w" for="des" forName="horzSpace2" refType="w" fact="0.015"/>
+              <dgm:constr type="w" for="des" forName="horzSpace3" refType="w" fact="0.015"/>
+              <dgm:constr type="w" for="des" forName="thinLine2b" refType="w" fact="0.8"/>
+              <dgm:constr type="w" for="des" forName="thinLine3" refType="w" fact="0.385"/>
+            </dgm:constrLst>
+          </dgm:if>
+          <dgm:if name="Name11" axis="root des" func="maxDepth" op="gte" val="4">
+            <dgm:constrLst>
+              <dgm:constr type="w" for="ch" forName="tx1" refType="w" fact="0.2"/>
+              <dgm:constr type="w" for="des" forName="tx2" refType="w" fact="0.2516"/>
+              <dgm:constr type="w" for="des" forName="tx3" refType="w" fact="0.2516"/>
+              <dgm:constr type="w" for="des" forName="tx4" refType="w" fact="0.2516"/>
+              <dgm:constr type="w" for="des" forName="horzSpace2" refType="w" fact="0.015"/>
+              <dgm:constr type="w" for="des" forName="horzSpace3" refType="w" fact="0.015"/>
+              <dgm:constr type="w" for="des" forName="horzSpace4" refType="w" fact="0.015"/>
+              <dgm:constr type="w" for="des" forName="thinLine2b" refType="w" fact="0.8"/>
+              <dgm:constr type="w" for="des" forName="thinLine3" refType="w" fact="0.5332"/>
+            </dgm:constrLst>
+          </dgm:if>
+          <dgm:else name="Name12"/>
+        </dgm:choose>
+        <dgm:layoutNode name="tx1" styleLbl="revTx">
+          <dgm:alg type="tx">
+            <dgm:param type="parTxLTRAlign" val="l"/>
+            <dgm:param type="parTxRTLAlign" val="r"/>
+            <dgm:param type="txAnchorVert" val="t"/>
+          </dgm:alg>
+          <dgm:shape xmlns:r="http://schemas.openxmlformats.org/officeDocument/2006/relationships" type="rect" r:blip="">
+            <dgm:adjLst/>
+          </dgm:shape>
+          <dgm:presOf axis="self"/>
+          <dgm:constrLst>
+            <dgm:constr type="tMarg" refType="primFontSz" fact="0.3"/>
+            <dgm:constr type="bMarg" refType="primFontSz" fact="0.3"/>
+            <dgm:constr type="lMarg" refType="primFontSz" fact="0.3"/>
+            <dgm:constr type="rMarg" refType="primFontSz" fact="0.3"/>
+          </dgm:constrLst>
+          <dgm:ruleLst>
+            <dgm:rule type="primFontSz" val="5" fact="NaN" max="NaN"/>
+          </dgm:ruleLst>
+        </dgm:layoutNode>
+        <dgm:layoutNode name="vert1">
+          <dgm:choose name="Name13">
+            <dgm:if name="Name14" func="var" arg="dir" op="equ" val="norm">
+              <dgm:alg type="lin">
+                <dgm:param type="linDir" val="fromT"/>
+                <dgm:param type="nodeHorzAlign" val="l"/>
+              </dgm:alg>
+            </dgm:if>
+            <dgm:else name="Name15">
+              <dgm:alg type="lin">
+                <dgm:param type="linDir" val="fromT"/>
+                <dgm:param type="nodeHorzAlign" val="r"/>
+              </dgm:alg>
+            </dgm:else>
+          </dgm:choose>
+          <dgm:shape xmlns:r="http://schemas.openxmlformats.org/officeDocument/2006/relationships" r:blip="">
+            <dgm:adjLst/>
+          </dgm:shape>
+          <dgm:presOf/>
+          <dgm:forEach name="Name16" axis="ch" ptType="node">
+            <dgm:choose name="Name17">
+              <dgm:if name="Name18" axis="self" ptType="node" func="pos" op="equ" val="1">
+                <dgm:layoutNode name="vertSpace2a">
+                  <dgm:alg type="sp"/>
+                  <dgm:shape xmlns:r="http://schemas.openxmlformats.org/officeDocument/2006/relationships" r:blip="">
+                    <dgm:adjLst/>
+                  </dgm:shape>
+                  <dgm:presOf/>
+                </dgm:layoutNode>
+              </dgm:if>
+              <dgm:else name="Name19"/>
+            </dgm:choose>
+            <dgm:layoutNode name="horz2">
+              <dgm:choose name="Name20">
+                <dgm:if name="Name21" func="var" arg="dir" op="equ" val="norm">
+                  <dgm:alg type="lin">
+                    <dgm:param type="linDir" val="fromL"/>
+                    <dgm:param type="nodeVertAlign" val="t"/>
+                  </dgm:alg>
+                </dgm:if>
+                <dgm:else name="Name22">
+                  <dgm:alg type="lin">
+                    <dgm:param type="linDir" val="fromR"/>
+                    <dgm:param type="nodeVertAlign" val="t"/>
+                  </dgm:alg>
+                </dgm:else>
+              </dgm:choose>
+              <dgm:shape xmlns:r="http://schemas.openxmlformats.org/officeDocument/2006/relationships" r:blip="">
+                <dgm:adjLst/>
+              </dgm:shape>
+              <dgm:presOf/>
+              <dgm:layoutNode name="horzSpace2">
+                <dgm:alg type="sp"/>
+                <dgm:shape xmlns:r="http://schemas.openxmlformats.org/officeDocument/2006/relationships" r:blip="">
+                  <dgm:adjLst/>
+                </dgm:shape>
+                <dgm:presOf/>
+              </dgm:layoutNode>
+              <dgm:layoutNode name="tx2" styleLbl="revTx">
+                <dgm:alg type="tx">
+                  <dgm:param type="parTxLTRAlign" val="l"/>
+                  <dgm:param type="parTxRTLAlign" val="r"/>
+                  <dgm:param type="txAnchorVert" val="t"/>
+                </dgm:alg>
+                <dgm:shape xmlns:r="http://schemas.openxmlformats.org/officeDocument/2006/relationships" type="rect" r:blip="">
+                  <dgm:adjLst/>
+                </dgm:shape>
+                <dgm:presOf axis="self"/>
+                <dgm:constrLst>
+                  <dgm:constr type="tMarg" refType="primFontSz" fact="0.3"/>
+                  <dgm:constr type="bMarg" refType="primFontSz" fact="0.3"/>
+                  <dgm:constr type="lMarg" refType="primFontSz" fact="0.3"/>
+                  <dgm:constr type="rMarg" refType="primFontSz" fact="0.3"/>
+                </dgm:constrLst>
+                <dgm:ruleLst>
+                  <dgm:rule type="primFontSz" val="5" fact="NaN" max="NaN"/>
+                </dgm:ruleLst>
+              </dgm:layoutNode>
+              <dgm:layoutNode name="vert2">
+                <dgm:choose name="Name23">
+                  <dgm:if name="Name24" func="var" arg="dir" op="equ" val="norm">
+                    <dgm:alg type="lin">
+                      <dgm:param type="linDir" val="fromT"/>
+                      <dgm:param type="nodeHorzAlign" val="l"/>
+                    </dgm:alg>
+                  </dgm:if>
+                  <dgm:else name="Name25">
+                    <dgm:alg type="lin">
+                      <dgm:param type="linDir" val="fromT"/>
+                      <dgm:param type="nodeHorzAlign" val="r"/>
+                    </dgm:alg>
+                  </dgm:else>
+                </dgm:choose>
+                <dgm:shape xmlns:r="http://schemas.openxmlformats.org/officeDocument/2006/relationships" r:blip="">
+                  <dgm:adjLst/>
+                </dgm:shape>
+                <dgm:presOf/>
+                <dgm:forEach name="Name26" axis="ch" ptType="node">
+                  <dgm:layoutNode name="horz3">
+                    <dgm:choose name="Name27">
+                      <dgm:if name="Name28" func="var" arg="dir" op="equ" val="norm">
+                        <dgm:alg type="lin">
+                          <dgm:param type="linDir" val="fromL"/>
+                          <dgm:param type="nodeVertAlign" val="t"/>
+                        </dgm:alg>
+                      </dgm:if>
+                      <dgm:else name="Name29">
+                        <dgm:alg type="lin">
+                          <dgm:param type="linDir" val="fromR"/>
+                          <dgm:param type="nodeVertAlign" val="t"/>
+                        </dgm:alg>
+                      </dgm:else>
+                    </dgm:choose>
+                    <dgm:shape xmlns:r="http://schemas.openxmlformats.org/officeDocument/2006/relationships" r:blip="">
+                      <dgm:adjLst/>
+                    </dgm:shape>
+                    <dgm:presOf/>
+                    <dgm:layoutNode name="horzSpace3">
+                      <dgm:alg type="sp"/>
+                      <dgm:shape xmlns:r="http://schemas.openxmlformats.org/officeDocument/2006/relationships" r:blip="">
+                        <dgm:adjLst/>
+                      </dgm:shape>
+                      <dgm:presOf/>
+                    </dgm:layoutNode>
+                    <dgm:layoutNode name="tx3" styleLbl="revTx">
+                      <dgm:alg type="tx">
+                        <dgm:param type="parTxLTRAlign" val="l"/>
+                        <dgm:param type="parTxRTLAlign" val="r"/>
+                        <dgm:param type="txAnchorVert" val="t"/>
+                      </dgm:alg>
+                      <dgm:shape xmlns:r="http://schemas.openxmlformats.org/officeDocument/2006/relationships" type="rect" r:blip="">
+                        <dgm:adjLst/>
+                      </dgm:shape>
+                      <dgm:presOf axis="self"/>
+                      <dgm:constrLst>
+                        <dgm:constr type="tMarg" refType="primFontSz" fact="0.3"/>
+                        <dgm:constr type="bMarg" refType="primFontSz" fact="0.3"/>
+                        <dgm:constr type="lMarg" refType="primFontSz" fact="0.3"/>
+                        <dgm:constr type="rMarg" refType="primFontSz" fact="0.3"/>
+                      </dgm:constrLst>
+                      <dgm:ruleLst>
+                        <dgm:rule type="primFontSz" val="5" fact="NaN" max="NaN"/>
+                      </dgm:ruleLst>
+                    </dgm:layoutNode>
+                    <dgm:layoutNode name="vert3">
+                      <dgm:choose name="Name30">
+                        <dgm:if name="Name31" func="var" arg="dir" op="equ" val="norm">
+                          <dgm:alg type="lin">
+                            <dgm:param type="linDir" val="fromT"/>
+                            <dgm:param type="nodeHorzAlign" val="l"/>
+                          </dgm:alg>
+                        </dgm:if>
+                        <dgm:else name="Name32">
+                          <dgm:alg type="lin">
+                            <dgm:param type="linDir" val="fromT"/>
+                            <dgm:param type="nodeHorzAlign" val="r"/>
+                          </dgm:alg>
+                        </dgm:else>
+                      </dgm:choose>
+                      <dgm:shape xmlns:r="http://schemas.openxmlformats.org/officeDocument/2006/relationships" r:blip="">
+                        <dgm:adjLst/>
+                      </dgm:shape>
+                      <dgm:presOf/>
+                      <dgm:forEach name="Name33" axis="ch" ptType="node">
+                        <dgm:layoutNode name="horz4">
+                          <dgm:choose name="Name34">
+                            <dgm:if name="Name35" func="var" arg="dir" op="equ" val="norm">
+                              <dgm:alg type="lin">
+                                <dgm:param type="linDir" val="fromL"/>
+                                <dgm:param type="nodeVertAlign" val="t"/>
+                              </dgm:alg>
+                            </dgm:if>
+                            <dgm:else name="Name36">
+                              <dgm:alg type="lin">
+                                <dgm:param type="linDir" val="fromR"/>
+                                <dgm:param type="nodeVertAlign" val="t"/>
+                              </dgm:alg>
+                            </dgm:else>
+                          </dgm:choose>
+                          <dgm:shape xmlns:r="http://schemas.openxmlformats.org/officeDocument/2006/relationships" r:blip="">
+                            <dgm:adjLst/>
+                          </dgm:shape>
+                          <dgm:presOf/>
+                          <dgm:layoutNode name="horzSpace4">
+                            <dgm:alg type="sp"/>
+                            <dgm:shape xmlns:r="http://schemas.openxmlformats.org/officeDocument/2006/relationships" r:blip="">
+                              <dgm:adjLst/>
+                            </dgm:shape>
+                            <dgm:presOf/>
+                          </dgm:layoutNode>
+                          <dgm:layoutNode name="tx4" styleLbl="revTx">
+                            <dgm:varLst>
+                              <dgm:bulletEnabled val="1"/>
+                            </dgm:varLst>
+                            <dgm:alg type="tx">
+                              <dgm:param type="parTxLTRAlign" val="l"/>
+                              <dgm:param type="parTxRTLAlign" val="r"/>
+                              <dgm:param type="txAnchorVert" val="t"/>
+                            </dgm:alg>
+                            <dgm:shape xmlns:r="http://schemas.openxmlformats.org/officeDocument/2006/relationships" type="rect" r:blip="">
+                              <dgm:adjLst/>
+                            </dgm:shape>
+                            <dgm:presOf axis="desOrSelf" ptType="node"/>
+                            <dgm:constrLst>
+                              <dgm:constr type="tMarg" refType="primFontSz" fact="0.3"/>
+                              <dgm:constr type="bMarg" refType="primFontSz" fact="0.3"/>
+                              <dgm:constr type="lMarg" refType="primFontSz" fact="0.3"/>
+                              <dgm:constr type="rMarg" refType="primFontSz" fact="0.3"/>
+                            </dgm:constrLst>
+                            <dgm:ruleLst>
+                              <dgm:rule type="primFontSz" val="5" fact="NaN" max="NaN"/>
+                            </dgm:ruleLst>
+                          </dgm:layoutNode>
+                        </dgm:layoutNode>
+                      </dgm:forEach>
+                    </dgm:layoutNode>
+                  </dgm:layoutNode>
+                  <dgm:forEach name="Name37" axis="followSib" ptType="sibTrans" cnt="1">
+                    <dgm:layoutNode name="thinLine3" styleLbl="callout">
+                      <dgm:alg type="sp"/>
+                      <dgm:shape xmlns:r="http://schemas.openxmlformats.org/officeDocument/2006/relationships" type="line" r:blip="">
+                        <dgm:adjLst/>
+                      </dgm:shape>
+                      <dgm:presOf/>
+                    </dgm:layoutNode>
+                  </dgm:forEach>
+                </dgm:forEach>
+              </dgm:layoutNode>
+            </dgm:layoutNode>
+            <dgm:layoutNode name="thinLine2b" styleLbl="callout">
+              <dgm:alg type="sp"/>
+              <dgm:shape xmlns:r="http://schemas.openxmlformats.org/officeDocument/2006/relationships" type="line" r:blip="">
+                <dgm:adjLst/>
+              </dgm:shape>
+              <dgm:presOf/>
+            </dgm:layoutNode>
+            <dgm:layoutNode name="vertSpace2b">
+              <dgm:alg type="sp"/>
+              <dgm:shape xmlns:r="http://schemas.openxmlformats.org/officeDocument/2006/relationships" r:blip="">
+                <dgm:adjLst/>
+              </dgm:shape>
+              <dgm:presOf/>
+            </dgm:layoutNode>
+          </dgm:forEach>
+        </dgm:layoutNode>
+      </dgm:layoutNode>
+    </dgm:forEach>
+  </dgm:layoutNode>
+</dgm:layoutDef>
+</file>
+
+<file path=ppt/diagrams/layout2.xml><?xml version="1.0" encoding="utf-8"?>
+<dgm:layoutDef xmlns:dgm="http://schemas.openxmlformats.org/drawingml/2006/diagram" xmlns:a="http://schemas.openxmlformats.org/drawingml/2006/main" uniqueId="urn:microsoft.com/office/officeart/2005/8/layout/list1">
+  <dgm:title val=""/>
+  <dgm:desc val=""/>
+  <dgm:catLst>
+    <dgm:cat type="list" pri="4000"/>
+  </dgm:catLst>
+  <dgm:sampData>
+    <dgm:dataModel>
+      <dgm:ptLst>
+        <dgm:pt modelId="0" type="doc"/>
+        <dgm:pt modelId="1">
+          <dgm:prSet phldr="1"/>
+        </dgm:pt>
+        <dgm:pt modelId="2">
+          <dgm:prSet phldr="1"/>
+        </dgm:pt>
+        <dgm:pt modelId="3">
+          <dgm:prSet phldr="1"/>
+        </dgm:pt>
+      </dgm:ptLst>
+      <dgm:cxnLst>
+        <dgm:cxn modelId="4" srcId="0" destId="1" srcOrd="0" destOrd="0"/>
+        <dgm:cxn modelId="5" srcId="0" destId="2" srcOrd="1" destOrd="0"/>
+        <dgm:cxn modelId="6" srcId="0" destId="3" srcOrd="2" destOrd="0"/>
+      </dgm:cxnLst>
+      <dgm:bg/>
+      <dgm:whole/>
+    </dgm:dataModel>
+  </dgm:sampData>
+  <dgm:styleData>
+    <dgm:dataModel>
+      <dgm:ptLst>
+        <dgm:pt modelId="0" type="doc"/>
+        <dgm:pt modelId="1"/>
+        <dgm:pt modelId="2"/>
+      </dgm:ptLst>
+      <dgm:cxnLst>
+        <dgm:cxn modelId="4" srcId="0" destId="1" srcOrd="0" destOrd="0"/>
+        <dgm:cxn modelId="5" srcId="0" destId="2" srcOrd="1" destOrd="0"/>
+      </dgm:cxnLst>
+      <dgm:bg/>
+      <dgm:whole/>
+    </dgm:dataModel>
+  </dgm:styleData>
+  <dgm:clrData>
+    <dgm:dataModel>
+      <dgm:ptLst>
+        <dgm:pt modelId="0" type="doc"/>
+        <dgm:pt modelId="1"/>
+        <dgm:pt modelId="2"/>
+        <dgm:pt modelId="3"/>
+        <dgm:pt modelId="4"/>
+      </dgm:ptLst>
+      <dgm:cxnLst>
+        <dgm:cxn modelId="5" srcId="0" destId="1" srcOrd="0" destOrd="0"/>
+        <dgm:cxn modelId="6" srcId="0" destId="2" srcOrd="1" destOrd="0"/>
+        <dgm:cxn modelId="7" srcId="0" destId="3" srcOrd="2" destOrd="0"/>
+        <dgm:cxn modelId="8" srcId="0" destId="4" srcOrd="3" destOrd="0"/>
+      </dgm:cxnLst>
+      <dgm:bg/>
+      <dgm:whole/>
+    </dgm:dataModel>
+  </dgm:clrData>
+  <dgm:layoutNode name="linear">
+    <dgm:varLst>
+      <dgm:dir/>
+      <dgm:animLvl val="lvl"/>
+      <dgm:resizeHandles val="exact"/>
+    </dgm:varLst>
+    <dgm:choose name="Name0">
+      <dgm:if name="Name1" func="var" arg="dir" op="equ" val="norm">
+        <dgm:alg type="lin">
+          <dgm:param type="linDir" val="fromT"/>
+          <dgm:param type="vertAlign" val="mid"/>
+          <dgm:param type="horzAlign" val="l"/>
+          <dgm:param type="nodeHorzAlign" val="l"/>
+        </dgm:alg>
+      </dgm:if>
+      <dgm:else name="Name2">
+        <dgm:alg type="lin">
+          <dgm:param type="linDir" val="fromT"/>
+          <dgm:param type="vertAlign" val="mid"/>
+          <dgm:param type="horzAlign" val="r"/>
+          <dgm:param type="nodeHorzAlign" val="r"/>
+        </dgm:alg>
+      </dgm:else>
+    </dgm:choose>
+    <dgm:shape xmlns:r="http://schemas.openxmlformats.org/officeDocument/2006/relationships" r:blip="">
+      <dgm:adjLst/>
+    </dgm:shape>
+    <dgm:presOf/>
+    <dgm:constrLst>
+      <dgm:constr type="w" for="ch" forName="parentLin" refType="w"/>
+      <dgm:constr type="h" for="ch" forName="parentLin" val="INF"/>
+      <dgm:constr type="w" for="des" forName="parentLeftMargin" refType="w" fact="0.05"/>
+      <dgm:constr type="w" for="des" forName="parentText" refType="w" fact="0.7"/>
+      <dgm:constr type="h" for="des" forName="parentText" refType="primFontSz" refFor="des" refForName="parentText" fact="0.82"/>
+      <dgm:constr type="h" for="ch" forName="negativeSpace" refType="primFontSz" refFor="des" refForName="parentText" fact="-0.41"/>
+      <dgm:constr type="h" for="ch" forName="negativeSpace" refType="h" refFor="des" refForName="parentText" op="lte" fact="-0.82"/>
+      <dgm:constr type="h" for="ch" forName="negativeSpace" refType="h" refFor="des" refForName="parentText" op="gte" fact="-0.82"/>
+      <dgm:constr type="w" for="ch" forName="childText" refType="w"/>
+      <dgm:constr type="h" for="ch" forName="childText" refType="primFontSz" refFor="des" refForName="parentText" fact="0.7"/>
+      <dgm:constr type="primFontSz" for="des" forName="parentText" val="65"/>
+      <dgm:constr type="primFontSz" for="ch" forName="childText" refType="primFontSz" refFor="des" refForName="parentText"/>
+      <dgm:constr type="tMarg" for="ch" forName="childText" refType="primFontSz" refFor="des" refForName="parentText" fact="1.64"/>
+      <dgm:constr type="tMarg" for="ch" forName="childText" refType="h" refFor="des" refForName="parentText" op="lte" fact="3.28"/>
+      <dgm:constr type="tMarg" for="ch" forName="childText" refType="h" refFor="des" refForName="parentText" op="gte" fact="3.28"/>
+      <dgm:constr type="lMarg" for="ch" forName="childText" refType="w" fact="0.22"/>
+      <dgm:constr type="rMarg" for="ch" forName="childText" refType="lMarg" refFor="ch" refForName="childText"/>
+      <dgm:constr type="lMarg" for="des" forName="parentText" refType="w" fact="0.075"/>
+      <dgm:constr type="rMarg" for="des" forName="parentText" refType="lMarg" refFor="des" refForName="parentText"/>
+      <dgm:constr type="h" for="ch" forName="spaceBetweenRectangles" refType="primFontSz" refFor="des" refForName="parentText" fact="0.15"/>
+    </dgm:constrLst>
+    <dgm:ruleLst>
+      <dgm:rule type="primFontSz" for="des" forName="parentText" val="5" fact="NaN" max="NaN"/>
+    </dgm:ruleLst>
+    <dgm:forEach name="Name3" axis="ch" ptType="node">
+      <dgm:layoutNode name="parentLin">
+        <dgm:choose name="Name4">
+          <dgm:if name="Name5" func="var" arg="dir" op="equ" val="norm">
+            <dgm:alg type="lin">
+              <dgm:param type="linDir" val="fromL"/>
+              <dgm:param type="horzAlign" val="l"/>
+              <dgm:param type="nodeHorzAlign" val="l"/>
+            </dgm:alg>
+          </dgm:if>
+          <dgm:else name="Name6">
+            <dgm:alg type="lin">
+              <dgm:param type="linDir" val="fromR"/>
+              <dgm:param type="horzAlign" val="r"/>
+              <dgm:param type="nodeHorzAlign" val="r"/>
+            </dgm:alg>
+          </dgm:else>
+        </dgm:choose>
+        <dgm:shape xmlns:r="http://schemas.openxmlformats.org/officeDocument/2006/relationships" r:blip="">
+          <dgm:adjLst/>
+        </dgm:shape>
+        <dgm:presOf/>
+        <dgm:constrLst/>
+        <dgm:ruleLst/>
+        <dgm:layoutNode name="parentLeftMargin">
+          <dgm:alg type="sp"/>
+          <dgm:shape xmlns:r="http://schemas.openxmlformats.org/officeDocument/2006/relationships" type="rect" r:blip="" hideGeom="1">
+            <dgm:adjLst/>
+          </dgm:shape>
+          <dgm:presOf axis="self"/>
+          <dgm:constrLst>
+            <dgm:constr type="h"/>
+          </dgm:constrLst>
+          <dgm:ruleLst/>
+        </dgm:layoutNode>
+        <dgm:layoutNode name="parentText" styleLbl="node1">
+          <dgm:varLst>
+            <dgm:chMax val="0"/>
+            <dgm:bulletEnabled val="1"/>
+          </dgm:varLst>
+          <dgm:choose name="Name7">
+            <dgm:if name="Name8" func="var" arg="dir" op="equ" val="norm">
+              <dgm:alg type="tx">
+                <dgm:param type="parTxLTRAlign" val="l"/>
+                <dgm:param type="parTxRTLAlign" val="l"/>
+              </dgm:alg>
+            </dgm:if>
+            <dgm:else name="Name9">
+              <dgm:alg type="tx">
+                <dgm:param type="parTxLTRAlign" val="r"/>
+                <dgm:param type="parTxRTLAlign" val="r"/>
+              </dgm:alg>
+            </dgm:else>
+          </dgm:choose>
+          <dgm:shape xmlns:r="http://schemas.openxmlformats.org/officeDocument/2006/relationships" type="roundRect" r:blip="">
+            <dgm:adjLst/>
+          </dgm:shape>
+          <dgm:presOf axis="self" ptType="node"/>
+          <dgm:constrLst>
+            <dgm:constr type="tMarg"/>
+            <dgm:constr type="bMarg"/>
+          </dgm:constrLst>
+          <dgm:ruleLst/>
+        </dgm:layoutNode>
+      </dgm:layoutNode>
+      <dgm:layoutNode name="negativeSpace">
+        <dgm:alg type="sp"/>
+        <dgm:shape xmlns:r="http://schemas.openxmlformats.org/officeDocument/2006/relationships" r:blip="">
+          <dgm:adjLst/>
+        </dgm:shape>
+        <dgm:presOf/>
+        <dgm:constrLst/>
+        <dgm:ruleLst/>
+      </dgm:layoutNode>
+      <dgm:layoutNode name="childText" styleLbl="conFgAcc1">
+        <dgm:varLst>
+          <dgm:bulletEnabled val="1"/>
+        </dgm:varLst>
+        <dgm:alg type="tx">
+          <dgm:param type="stBulletLvl" val="1"/>
+        </dgm:alg>
+        <dgm:shape xmlns:r="http://schemas.openxmlformats.org/officeDocument/2006/relationships" type="rect" r:blip="" zOrderOff="-2">
+          <dgm:adjLst/>
+        </dgm:shape>
+        <dgm:presOf axis="des" ptType="node"/>
+        <dgm:constrLst>
+          <dgm:constr type="secFontSz" refType="primFontSz"/>
+        </dgm:constrLst>
+        <dgm:ruleLst>
+          <dgm:rule type="h" val="INF" fact="NaN" max="NaN"/>
+        </dgm:ruleLst>
+      </dgm:layoutNode>
+      <dgm:forEach name="Name10" axis="followSib" ptType="sibTrans" cnt="1">
+        <dgm:layoutNode name="spaceBetweenRectangles">
+          <dgm:alg type="sp"/>
+          <dgm:shape xmlns:r="http://schemas.openxmlformats.org/officeDocument/2006/relationships" r:blip="">
+            <dgm:adjLst/>
+          </dgm:shape>
+          <dgm:presOf/>
+          <dgm:constrLst/>
+          <dgm:ruleLst/>
+        </dgm:layoutNode>
+      </dgm:forEach>
+    </dgm:forEach>
+  </dgm:layoutNode>
+</dgm:layoutDef>
+</file>
+
+<file path=ppt/diagrams/quickStyle1.xml><?xml version="1.0" encoding="utf-8"?>
+<dgm:styleDef xmlns:dgm="http://schemas.openxmlformats.org/drawingml/2006/diagram" xmlns:a="http://schemas.openxmlformats.org/drawingml/2006/main" uniqueId="urn:microsoft.com/office/officeart/2005/8/quickstyle/simple4">
+  <dgm:title val=""/>
+  <dgm:desc val=""/>
+  <dgm:catLst>
+    <dgm:cat type="simple" pri="10400"/>
+  </dgm:catLst>
+  <dgm:scene3d>
+    <a:camera prst="orthographicFront"/>
+    <a:lightRig rig="threePt" dir="t"/>
+  </dgm:scene3d>
+  <dgm:styleLbl name="node0">
+    <dgm:scene3d>
+      <a:camera prst="orthographicFront"/>
+      <a:lightRig rig="threePt" dir="t"/>
+    </dgm:scene3d>
+    <dgm:sp3d/>
+    <dgm:txPr/>
+    <dgm:style>
+      <a:lnRef idx="0">
+        <a:scrgbClr r="0" g="0" b="0"/>
+      </a:lnRef>
+      <a:fillRef idx="3">
+        <a:scrgbClr r="0" g="0" b="0"/>
+      </a:fillRef>
+      <a:effectRef idx="2">
+        <a:scrgbClr r="0" g="0" b="0"/>
+      </a:effectRef>
+      <a:fontRef idx="minor">
+        <a:schemeClr val="lt1"/>
+      </a:fontRef>
+    </dgm:style>
+  </dgm:styleLbl>
+  <dgm:styleLbl name="lnNode1">
+    <dgm:scene3d>
+      <a:camera prst="orthographicFront"/>
+      <a:lightRig rig="threePt" dir="t"/>
+    </dgm:scene3d>
+    <dgm:sp3d/>
+    <dgm:txPr/>
+    <dgm:style>
+      <a:lnRef idx="1">
+        <a:scrgbClr r="0" g="0" b="0"/>
+      </a:lnRef>
+      <a:fillRef idx="3">
+        <a:scrgbClr r="0" g="0" b="0"/>
+      </a:fillRef>
+      <a:effectRef idx="2">
+        <a:scrgbClr r="0" g="0" b="0"/>
+      </a:effectRef>
+      <a:fontRef idx="minor">
+        <a:schemeClr val="lt1"/>
+      </a:fontRef>
+    </dgm:style>
+  </dgm:styleLbl>
+  <dgm:styleLbl name="vennNode1">
+    <dgm:scene3d>
+      <a:camera prst="orthographicFront"/>
+      <a:lightRig rig="threePt" dir="t"/>
+    </dgm:scene3d>
+    <dgm:sp3d/>
+    <dgm:txPr/>
+    <dgm:style>
+      <a:lnRef idx="0">
+        <a:scrgbClr r="0" g="0" b="0"/>
+      </a:lnRef>
+      <a:fillRef idx="3">
+        <a:scrgbClr r="0" g="0" b="0"/>
+      </a:fillRef>
+      <a:effectRef idx="0">
+        <a:scrgbClr r="0" g="0" b="0"/>
+      </a:effectRef>
+      <a:fontRef idx="minor">
+        <a:schemeClr val="tx1"/>
+      </a:fontRef>
+    </dgm:style>
+  </dgm:styleLbl>
+  <dgm:styleLbl name="alignNode1">
+    <dgm:scene3d>
+      <a:camera prst="orthographicFront"/>
+      <a:lightRig rig="threePt" dir="t"/>
+    </dgm:scene3d>
+    <dgm:sp3d/>
+    <dgm:txPr/>
+    <dgm:style>
+      <a:lnRef idx="1">
+        <a:scrgbClr r="0" g="0" b="0"/>
+      </a:lnRef>
+      <a:fillRef idx="3">
+        <a:scrgbClr r="0" g="0" b="0"/>
+      </a:fillRef>
+      <a:effectRef idx="2">
+        <a:scrgbClr r="0" g="0" b="0"/>
+      </a:effectRef>
+      <a:fontRef idx="minor">
+        <a:schemeClr val="lt1"/>
+      </a:fontRef>
+    </dgm:style>
+  </dgm:styleLbl>
+  <dgm:styleLbl name="node1">
+    <dgm:scene3d>
+      <a:camera prst="orthographicFront"/>
+      <a:lightRig rig="threePt" dir="t"/>
+    </dgm:scene3d>
+    <dgm:sp3d/>
+    <dgm:txPr/>
+    <dgm:style>
+      <a:lnRef idx="0">
+        <a:scrgbClr r="0" g="0" b="0"/>
+      </a:lnRef>
+      <a:fillRef idx="3">
+        <a:scrgbClr r="0" g="0" b="0"/>
+      </a:fillRef>
+      <a:effectRef idx="2">
+        <a:scrgbClr r="0" g="0" b="0"/>
+      </a:effectRef>
+      <a:fontRef idx="minor">
+        <a:schemeClr val="lt1"/>
+      </a:fontRef>
+    </dgm:style>
+  </dgm:styleLbl>
+  <dgm:styleLbl name="node2">
+    <dgm:scene3d>
+      <a:camera prst="orthographicFront"/>
+      <a:lightRig rig="threePt" dir="t"/>
+    </dgm:scene3d>
+    <dgm:sp3d/>
+    <dgm:txPr/>
+    <dgm:style>
+      <a:lnRef idx="0">
+        <a:scrgbClr r="0" g="0" b="0"/>
+      </a:lnRef>
+      <a:fillRef idx="3">
+        <a:scrgbClr r="0" g="0" b="0"/>
+      </a:fillRef>
+      <a:effectRef idx="2">
+        <a:scrgbClr r="0" g="0" b="0"/>
+      </a:effectRef>
+      <a:fontRef idx="minor">
+        <a:schemeClr val="lt1"/>
+      </a:fontRef>
+    </dgm:style>
+  </dgm:styleLbl>
+  <dgm:styleLbl name="node3">
+    <dgm:scene3d>
+      <a:camera prst="orthographicFront"/>
+      <a:lightRig rig="threePt" dir="t"/>
+    </dgm:scene3d>
+    <dgm:sp3d/>
+    <dgm:txPr/>
+    <dgm:style>
+      <a:lnRef idx="0">
+        <a:scrgbClr r="0" g="0" b="0"/>
+      </a:lnRef>
+      <a:fillRef idx="3">
+        <a:scrgbClr r="0" g="0" b="0"/>
+      </a:fillRef>
+      <a:effectRef idx="2">
+        <a:scrgbClr r="0" g="0" b="0"/>
+      </a:effectRef>
+      <a:fontRef idx="minor">
+        <a:schemeClr val="lt1"/>
+      </a:fontRef>
+    </dgm:style>
+  </dgm:styleLbl>
+  <dgm:styleLbl name="node4">
+    <dgm:scene3d>
+      <a:camera prst="orthographicFront"/>
+      <a:lightRig rig="threePt" dir="t"/>
+    </dgm:scene3d>
+    <dgm:sp3d/>
+    <dgm:txPr/>
+    <dgm:style>
+      <a:lnRef idx="0">
+        <a:scrgbClr r="0" g="0" b="0"/>
+      </a:lnRef>
+      <a:fillRef idx="3">
+        <a:scrgbClr r="0" g="0" b="0"/>
+      </a:fillRef>
+      <a:effectRef idx="2">
+        <a:scrgbClr r="0" g="0" b="0"/>
+      </a:effectRef>
+      <a:fontRef idx="minor">
+        <a:schemeClr val="lt1"/>
+      </a:fontRef>
+    </dgm:style>
+  </dgm:styleLbl>
+  <dgm:styleLbl name="fgImgPlace1">
+    <dgm:scene3d>
+      <a:camera prst="orthographicFront"/>
+      <a:lightRig rig="threePt" dir="t"/>
+    </dgm:scene3d>
+    <dgm:sp3d/>
+    <dgm:txPr/>
+    <dgm:style>
+      <a:lnRef idx="0">
+        <a:scrgbClr r="0" g="0" b="0"/>
+      </a:lnRef>
+      <a:fillRef idx="1">
+        <a:scrgbClr r="0" g="0" b="0"/>
+      </a:fillRef>
+      <a:effectRef idx="2">
+        <a:scrgbClr r="0" g="0" b="0"/>
+      </a:effectRef>
+      <a:fontRef idx="minor"/>
+    </dgm:style>
+  </dgm:styleLbl>
+  <dgm:styleLbl name="alignImgPlace1">
+    <dgm:scene3d>
+      <a:camera prst="orthographicFront"/>
+      <a:lightRig rig="threePt" dir="t"/>
+    </dgm:scene3d>
+    <dgm:sp3d/>
+    <dgm:txPr/>
+    <dgm:style>
+      <a:lnRef idx="0">
+        <a:scrgbClr r="0" g="0" b="0"/>
+      </a:lnRef>
+      <a:fillRef idx="1">
+        <a:scrgbClr r="0" g="0" b="0"/>
+      </a:fillRef>
+      <a:effectRef idx="2">
+        <a:scrgbClr r="0" g="0" b="0"/>
+      </a:effectRef>
+      <a:fontRef idx="minor"/>
+    </dgm:style>
+  </dgm:styleLbl>
+  <dgm:styleLbl name="bgImgPlace1">
+    <dgm:scene3d>
+      <a:camera prst="orthographicFront"/>
+      <a:lightRig rig="threePt" dir="t"/>
+    </dgm:scene3d>
+    <dgm:sp3d/>
+    <dgm:txPr/>
+    <dgm:style>
+      <a:lnRef idx="0">
+        <a:scrgbClr r="0" g="0" b="0"/>
+      </a:lnRef>
+      <a:fillRef idx="1">
+        <a:scrgbClr r="0" g="0" b="0"/>
+      </a:fillRef>
+      <a:effectRef idx="2">
+        <a:scrgbClr r="0" g="0" b="0"/>
+      </a:effectRef>
+      <a:fontRef idx="minor"/>
+    </dgm:style>
+  </dgm:styleLbl>
+  <dgm:styleLbl name="sibTrans2D1">
+    <dgm:scene3d>
+      <a:camera prst="orthographicFront"/>
+      <a:lightRig rig="threePt" dir="t"/>
+    </dgm:scene3d>
+    <dgm:sp3d/>
+    <dgm:txPr/>
+    <dgm:style>
+      <a:lnRef idx="0">
+        <a:scrgbClr r="0" g="0" b="0"/>
+      </a:lnRef>
+      <a:fillRef idx="3">
+        <a:scrgbClr r="0" g="0" b="0"/>
+      </a:fillRef>
+      <a:effectRef idx="2">
+        <a:scrgbClr r="0" g="0" b="0"/>
+      </a:effectRef>
+      <a:fontRef idx="minor">
+        <a:schemeClr val="lt1"/>
+      </a:fontRef>
+    </dgm:style>
+  </dgm:styleLbl>
+  <dgm:styleLbl name="fgSibTrans2D1">
+    <dgm:scene3d>
+      <a:camera prst="orthographicFront"/>
+      <a:lightRig rig="threePt" dir="t"/>
+    </dgm:scene3d>
+    <dgm:sp3d/>
+    <dgm:txPr/>
+    <dgm:style>
+      <a:lnRef idx="0">
+        <a:scrgbClr r="0" g="0" b="0"/>
+      </a:lnRef>
+      <a:fillRef idx="3">
+        <a:scrgbClr r="0" g="0" b="0"/>
+      </a:fillRef>
+      <a:effectRef idx="2">
+        <a:scrgbClr r="0" g="0" b="0"/>
+      </a:effectRef>
+      <a:fontRef idx="minor">
+        <a:schemeClr val="lt1"/>
+      </a:fontRef>
+    </dgm:style>
+  </dgm:styleLbl>
+  <dgm:styleLbl name="bgSibTrans2D1">
+    <dgm:scene3d>
+      <a:camera prst="orthographicFront"/>
+      <a:lightRig rig="threePt" dir="t"/>
+    </dgm:scene3d>
+    <dgm:sp3d/>
+    <dgm:txPr/>
+    <dgm:style>
+      <a:lnRef idx="0">
+        <a:scrgbClr r="0" g="0" b="0"/>
+      </a:lnRef>
+      <a:fillRef idx="3">
+        <a:scrgbClr r="0" g="0" b="0"/>
+      </a:fillRef>
+      <a:effectRef idx="2">
+        <a:scrgbClr r="0" g="0" b="0"/>
+      </a:effectRef>
+      <a:fontRef idx="minor">
+        <a:schemeClr val="lt1"/>
+      </a:fontRef>
+    </dgm:style>
+  </dgm:styleLbl>
+  <dgm:styleLbl name="sibTrans1D1">
+    <dgm:scene3d>
+      <a:camera prst="orthographicFront"/>
+      <a:lightRig rig="threePt" dir="t"/>
+    </dgm:scene3d>
+    <dgm:sp3d/>
+    <dgm:txPr/>
+    <dgm:style>
+      <a:lnRef idx="1">
+        <a:scrgbClr r="0" g="0" b="0"/>
+      </a:lnRef>
+      <a:fillRef idx="0">
+        <a:scrgbClr r="0" g="0" b="0"/>
+      </a:fillRef>
+      <a:effectRef idx="0">
+        <a:scrgbClr r="0" g="0" b="0"/>
+      </a:effectRef>
+      <a:fontRef idx="minor"/>
+    </dgm:style>
+  </dgm:styleLbl>
+  <dgm:styleLbl name="callout">
+    <dgm:scene3d>
+      <a:camera prst="orthographicFront"/>
+      <a:lightRig rig="threePt" dir="t"/>
+    </dgm:scene3d>
+    <dgm:sp3d/>
+    <dgm:txPr/>
+    <dgm:style>
+      <a:lnRef idx="2">
+        <a:scrgbClr r="0" g="0" b="0"/>
+      </a:lnRef>
+      <a:fillRef idx="1">
+        <a:scrgbClr r="0" g="0" b="0"/>
+      </a:fillRef>
+      <a:effectRef idx="1">
+        <a:scrgbClr r="0" g="0" b="0"/>
+      </a:effectRef>
+      <a:fontRef idx="minor"/>
+    </dgm:style>
+  </dgm:styleLbl>
+  <dgm:styleLbl name="asst0">
+    <dgm:scene3d>
+      <a:camera prst="orthographicFront"/>
+      <a:lightRig rig="threePt" dir="t"/>
+    </dgm:scene3d>
+    <dgm:sp3d/>
+    <dgm:txPr/>
+    <dgm:style>
+      <a:lnRef idx="0">
+        <a:scrgbClr r="0" g="0" b="0"/>
+      </a:lnRef>
+      <a:fillRef idx="3">
+        <a:scrgbClr r="0" g="0" b="0"/>
+      </a:fillRef>
+      <a:effectRef idx="2">
+        <a:scrgbClr r="0" g="0" b="0"/>
+      </a:effectRef>
+      <a:fontRef idx="minor">
+        <a:schemeClr val="lt1"/>
+      </a:fontRef>
+    </dgm:style>
+  </dgm:styleLbl>
+  <dgm:styleLbl name="asst1">
+    <dgm:scene3d>
+      <a:camera prst="orthographicFront"/>
+      <a:lightRig rig="threePt" dir="t"/>
+    </dgm:scene3d>
+    <dgm:sp3d/>
+    <dgm:txPr/>
+    <dgm:style>
+      <a:lnRef idx="0">
+        <a:scrgbClr r="0" g="0" b="0"/>
+      </a:lnRef>
+      <a:fillRef idx="3">
+        <a:scrgbClr r="0" g="0" b="0"/>
+      </a:fillRef>
+      <a:effectRef idx="2">
+        <a:scrgbClr r="0" g="0" b="0"/>
+      </a:effectRef>
+      <a:fontRef idx="minor">
+        <a:schemeClr val="lt1"/>
+      </a:fontRef>
+    </dgm:style>
+  </dgm:styleLbl>
+  <dgm:styleLbl name="asst2">
+    <dgm:scene3d>
+      <a:camera prst="orthographicFront"/>
+      <a:lightRig rig="threePt" dir="t"/>
+    </dgm:scene3d>
+    <dgm:sp3d/>
+    <dgm:txPr/>
+    <dgm:style>
+      <a:lnRef idx="0">
+        <a:scrgbClr r="0" g="0" b="0"/>
+      </a:lnRef>
+      <a:fillRef idx="3">
+        <a:scrgbClr r="0" g="0" b="0"/>
+      </a:fillRef>
+      <a:effectRef idx="2">
+        <a:scrgbClr r="0" g="0" b="0"/>
+      </a:effectRef>
+      <a:fontRef idx="minor">
+        <a:schemeClr val="lt1"/>
+      </a:fontRef>
+    </dgm:style>
+  </dgm:styleLbl>
+  <dgm:styleLbl name="asst3">
+    <dgm:scene3d>
+      <a:camera prst="orthographicFront"/>
+      <a:lightRig rig="threePt" dir="t"/>
+    </dgm:scene3d>
+    <dgm:sp3d/>
+    <dgm:txPr/>
+    <dgm:style>
+      <a:lnRef idx="0">
+        <a:scrgbClr r="0" g="0" b="0"/>
+      </a:lnRef>
+      <a:fillRef idx="3">
+        <a:scrgbClr r="0" g="0" b="0"/>
+      </a:fillRef>
+      <a:effectRef idx="2">
+        <a:scrgbClr r="0" g="0" b="0"/>
+      </a:effectRef>
+      <a:fontRef idx="minor">
+        <a:schemeClr val="lt1"/>
+      </a:fontRef>
+    </dgm:style>
+  </dgm:styleLbl>
+  <dgm:styleLbl name="asst4">
+    <dgm:scene3d>
+      <a:camera prst="orthographicFront"/>
+      <a:lightRig rig="threePt" dir="t"/>
+    </dgm:scene3d>
+    <dgm:sp3d/>
+    <dgm:txPr/>
+    <dgm:style>
+      <a:lnRef idx="0">
+        <a:scrgbClr r="0" g="0" b="0"/>
+      </a:lnRef>
+      <a:fillRef idx="3">
+        <a:scrgbClr r="0" g="0" b="0"/>
+      </a:fillRef>
+      <a:effectRef idx="2">
+        <a:scrgbClr r="0" g="0" b="0"/>
+      </a:effectRef>
+      <a:fontRef idx="minor">
+        <a:schemeClr val="lt1"/>
+      </a:fontRef>
+    </dgm:style>
+  </dgm:styleLbl>
+  <dgm:styleLbl name="parChTrans2D1">
+    <dgm:scene3d>
+      <a:camera prst="orthographicFront"/>
+      <a:lightRig rig="threePt" dir="t"/>
+    </dgm:scene3d>
+    <dgm:sp3d/>
+    <dgm:txPr/>
+    <dgm:style>
+      <a:lnRef idx="0">
+        <a:scrgbClr r="0" g="0" b="0"/>
+      </a:lnRef>
+      <a:fillRef idx="3">
+        <a:scrgbClr r="0" g="0" b="0"/>
+      </a:fillRef>
+      <a:effectRef idx="2">
+        <a:scrgbClr r="0" g="0" b="0"/>
+      </a:effectRef>
+      <a:fontRef idx="minor">
+        <a:schemeClr val="lt1"/>
+      </a:fontRef>
+    </dgm:style>
+  </dgm:styleLbl>
+  <dgm:styleLbl name="parChTrans2D2">
+    <dgm:scene3d>
+      <a:camera prst="orthographicFront"/>
+      <a:lightRig rig="threePt" dir="t"/>
+    </dgm:scene3d>
+    <dgm:sp3d/>
+    <dgm:txPr/>
+    <dgm:style>
+      <a:lnRef idx="0">
+        <a:scrgbClr r="0" g="0" b="0"/>
+      </a:lnRef>
+      <a:fillRef idx="3">
+        <a:scrgbClr r="0" g="0" b="0"/>
+      </a:fillRef>
+      <a:effectRef idx="2">
+        <a:scrgbClr r="0" g="0" b="0"/>
+      </a:effectRef>
+      <a:fontRef idx="minor">
+        <a:schemeClr val="lt1"/>
+      </a:fontRef>
+    </dgm:style>
+  </dgm:styleLbl>
+  <dgm:styleLbl name="parChTrans2D3">
+    <dgm:scene3d>
+      <a:camera prst="orthographicFront"/>
+      <a:lightRig rig="threePt" dir="t"/>
+    </dgm:scene3d>
+    <dgm:sp3d/>
+    <dgm:txPr/>
+    <dgm:style>
+      <a:lnRef idx="1">
+        <a:scrgbClr r="0" g="0" b="0"/>
+      </a:lnRef>
+      <a:fillRef idx="3">
+        <a:scrgbClr r="0" g="0" b="0"/>
+      </a:fillRef>
+      <a:effectRef idx="2">
+        <a:scrgbClr r="0" g="0" b="0"/>
+      </a:effectRef>
+      <a:fontRef idx="minor">
+        <a:schemeClr val="lt1"/>
+      </a:fontRef>
+    </dgm:style>
+  </dgm:styleLbl>
+  <dgm:styleLbl name="parChTrans2D4">
+    <dgm:scene3d>
+      <a:camera prst="orthographicFront"/>
+      <a:lightRig rig="threePt" dir="t"/>
+    </dgm:scene3d>
+    <dgm:sp3d/>
+    <dgm:txPr/>
+    <dgm:style>
+      <a:lnRef idx="1">
+        <a:scrgbClr r="0" g="0" b="0"/>
+      </a:lnRef>
+      <a:fillRef idx="3">
+        <a:scrgbClr r="0" g="0" b="0"/>
+      </a:fillRef>
+      <a:effectRef idx="2">
+        <a:scrgbClr r="0" g="0" b="0"/>
+      </a:effectRef>
+      <a:fontRef idx="minor">
+        <a:schemeClr val="lt1"/>
+      </a:fontRef>
+    </dgm:style>
+  </dgm:styleLbl>
+  <dgm:styleLbl name="parChTrans1D1">
+    <dgm:scene3d>
+      <a:camera prst="orthographicFront"/>
+      <a:lightRig rig="threePt" dir="t"/>
+    </dgm:scene3d>
+    <dgm:sp3d/>
+    <dgm:txPr/>
+    <dgm:style>
+      <a:lnRef idx="1">
+        <a:scrgbClr r="0" g="0" b="0"/>
+      </a:lnRef>
+      <a:fillRef idx="0">
+        <a:scrgbClr r="0" g="0" b="0"/>
+      </a:fillRef>
+      <a:effectRef idx="0">
+        <a:scrgbClr r="0" g="0" b="0"/>
+      </a:effectRef>
+      <a:fontRef idx="minor"/>
+    </dgm:style>
+  </dgm:styleLbl>
+  <dgm:styleLbl name="parChTrans1D2">
+    <dgm:scene3d>
+      <a:camera prst="orthographicFront"/>
+      <a:lightRig rig="threePt" dir="t"/>
+    </dgm:scene3d>
+    <dgm:sp3d/>
+    <dgm:txPr/>
+    <dgm:style>
+      <a:lnRef idx="1">
+        <a:scrgbClr r="0" g="0" b="0"/>
+      </a:lnRef>
+      <a:fillRef idx="0">
+        <a:scrgbClr r="0" g="0" b="0"/>
+      </a:fillRef>
+      <a:effectRef idx="0">
+        <a:scrgbClr r="0" g="0" b="0"/>
+      </a:effectRef>
+      <a:fontRef idx="minor"/>
+    </dgm:style>
+  </dgm:styleLbl>
+  <dgm:styleLbl name="parChTrans1D3">
+    <dgm:scene3d>
+      <a:camera prst="orthographicFront"/>
+      <a:lightRig rig="threePt" dir="t"/>
+    </dgm:scene3d>
+    <dgm:sp3d/>
+    <dgm:txPr/>
+    <dgm:style>
+      <a:lnRef idx="1">
+        <a:scrgbClr r="0" g="0" b="0"/>
+      </a:lnRef>
+      <a:fillRef idx="0">
+        <a:scrgbClr r="0" g="0" b="0"/>
+      </a:fillRef>
+      <a:effectRef idx="0">
+        <a:scrgbClr r="0" g="0" b="0"/>
+      </a:effectRef>
+      <a:fontRef idx="minor"/>
+    </dgm:style>
+  </dgm:styleLbl>
+  <dgm:styleLbl name="parChTrans1D4">
+    <dgm:scene3d>
+      <a:camera prst="orthographicFront"/>
+      <a:lightRig rig="threePt" dir="t"/>
+    </dgm:scene3d>
+    <dgm:sp3d/>
+    <dgm:txPr/>
+    <dgm:style>
+      <a:lnRef idx="1">
+        <a:scrgbClr r="0" g="0" b="0"/>
+      </a:lnRef>
+      <a:fillRef idx="0">
+        <a:scrgbClr r="0" g="0" b="0"/>
+      </a:fillRef>
+      <a:effectRef idx="0">
+        <a:scrgbClr r="0" g="0" b="0"/>
+      </a:effectRef>
+      <a:fontRef idx="minor"/>
+    </dgm:style>
+  </dgm:styleLbl>
+  <dgm:styleLbl name="fgAcc1">
+    <dgm:scene3d>
+      <a:camera prst="orthographicFront"/>
+      <a:lightRig rig="threePt" dir="t"/>
+    </dgm:scene3d>
+    <dgm:sp3d/>
+    <dgm:txPr/>
+    <dgm:style>
+      <a:lnRef idx="1">
+        <a:scrgbClr r="0" g="0" b="0"/>
+      </a:lnRef>
+      <a:fillRef idx="1">
+        <a:scrgbClr r="0" g="0" b="0"/>
+      </a:fillRef>
+      <a:effectRef idx="0">
+        <a:scrgbClr r="0" g="0" b="0"/>
+      </a:effectRef>
+      <a:fontRef idx="minor"/>
+    </dgm:style>
+  </dgm:styleLbl>
+  <dgm:styleLbl name="conFgAcc1">
+    <dgm:scene3d>
+      <a:camera prst="orthographicFront"/>
+      <a:lightRig rig="threePt" dir="t"/>
+    </dgm:scene3d>
+    <dgm:sp3d/>
+    <dgm:txPr/>
+    <dgm:style>
+      <a:lnRef idx="1">
+        <a:scrgbClr r="0" g="0" b="0"/>
+      </a:lnRef>
+      <a:fillRef idx="1">
+        <a:scrgbClr r="0" g="0" b="0"/>
+      </a:fillRef>
+      <a:effectRef idx="0">
+        <a:scrgbClr r="0" g="0" b="0"/>
+      </a:effectRef>
+      <a:fontRef idx="minor"/>
+    </dgm:style>
+  </dgm:styleLbl>
+  <dgm:styleLbl name="alignAcc1">
+    <dgm:scene3d>
+      <a:camera prst="orthographicFront"/>
+      <a:lightRig rig="threePt" dir="t"/>
+    </dgm:scene3d>
+    <dgm:sp3d/>
+    <dgm:txPr/>
+    <dgm:style>
+      <a:lnRef idx="1">
+        <a:scrgbClr r="0" g="0" b="0"/>
+      </a:lnRef>
+      <a:fillRef idx="1">
+        <a:scrgbClr r="0" g="0" b="0"/>
+      </a:fillRef>
+      <a:effectRef idx="0">
+        <a:scrgbClr r="0" g="0" b="0"/>
+      </a:effectRef>
+      <a:fontRef idx="minor"/>
+    </dgm:style>
+  </dgm:styleLbl>
+  <dgm:styleLbl name="trAlignAcc1">
+    <dgm:scene3d>
+      <a:camera prst="orthographicFront"/>
+      <a:lightRig rig="threePt" dir="t"/>
+    </dgm:scene3d>
+    <dgm:sp3d/>
+    <dgm:txPr/>
+    <dgm:style>
+      <a:lnRef idx="1">
+        <a:scrgbClr r="0" g="0" b="0"/>
+      </a:lnRef>
+      <a:fillRef idx="1">
+        <a:scrgbClr r="0" g="0" b="0"/>
+      </a:fillRef>
+      <a:effectRef idx="0">
+        <a:scrgbClr r="0" g="0" b="0"/>
+      </a:effectRef>
+      <a:fontRef idx="minor"/>
+    </dgm:style>
+  </dgm:styleLbl>
+  <dgm:styleLbl name="bgAcc1">
+    <dgm:scene3d>
+      <a:camera prst="orthographicFront"/>
+      <a:lightRig rig="threePt" dir="t"/>
+    </dgm:scene3d>
+    <dgm:sp3d/>
+    <dgm:txPr/>
+    <dgm:style>
+      <a:lnRef idx="1">
+        <a:scrgbClr r="0" g="0" b="0"/>
+      </a:lnRef>
+      <a:fillRef idx="1">
+        <a:scrgbClr r="0" g="0" b="0"/>
+      </a:fillRef>
+      <a:effectRef idx="0">
+        <a:scrgbClr r="0" g="0" b="0"/>
+      </a:effectRef>
+      <a:fontRef idx="minor"/>
+    </dgm:style>
+  </dgm:styleLbl>
+  <dgm:styleLbl name="solidFgAcc1">
+    <dgm:scene3d>
+      <a:camera prst="orthographicFront"/>
+      <a:lightRig rig="threePt" dir="t"/>
+    </dgm:scene3d>
+    <dgm:sp3d/>
+    <dgm:txPr/>
+    <dgm:style>
+      <a:lnRef idx="1">
+        <a:scrgbClr r="0" g="0" b="0"/>
+      </a:lnRef>
+      <a:fillRef idx="1">
+        <a:scrgbClr r="0" g="0" b="0"/>
+      </a:fillRef>
+      <a:effectRef idx="0">
+        <a:scrgbClr r="0" g="0" b="0"/>
+      </a:effectRef>
+      <a:fontRef idx="minor"/>
+    </dgm:style>
+  </dgm:styleLbl>
+  <dgm:styleLbl name="solidAlignAcc1">
+    <dgm:scene3d>
+      <a:camera prst="orthographicFront"/>
+      <a:lightRig rig="threePt" dir="t"/>
+    </dgm:scene3d>
+    <dgm:sp3d/>
+    <dgm:txPr/>
+    <dgm:style>
+      <a:lnRef idx="1">
+        <a:scrgbClr r="0" g="0" b="0"/>
+      </a:lnRef>
+      <a:fillRef idx="1">
+        <a:scrgbClr r="0" g="0" b="0"/>
+      </a:fillRef>
+      <a:effectRef idx="0">
+        <a:scrgbClr r="0" g="0" b="0"/>
+      </a:effectRef>
+      <a:fontRef idx="minor"/>
+    </dgm:style>
+  </dgm:styleLbl>
+  <dgm:styleLbl name="solidBgAcc1">
+    <dgm:scene3d>
+      <a:camera prst="orthographicFront"/>
+      <a:lightRig rig="threePt" dir="t"/>
+    </dgm:scene3d>
+    <dgm:sp3d/>
+    <dgm:txPr/>
+    <dgm:style>
+      <a:lnRef idx="1">
+        <a:scrgbClr r="0" g="0" b="0"/>
+      </a:lnRef>
+      <a:fillRef idx="1">
+        <a:scrgbClr r="0" g="0" b="0"/>
+      </a:fillRef>
+      <a:effectRef idx="0">
+        <a:scrgbClr r="0" g="0" b="0"/>
+      </a:effectRef>
+      <a:fontRef idx="minor"/>
+    </dgm:style>
+  </dgm:styleLbl>
+  <dgm:styleLbl name="fgAccFollowNode1">
+    <dgm:scene3d>
+      <a:camera prst="orthographicFront"/>
+      <a:lightRig rig="threePt" dir="t"/>
+    </dgm:scene3d>
+    <dgm:sp3d/>
+    <dgm:txPr/>
+    <dgm:style>
+      <a:lnRef idx="1">
+        <a:scrgbClr r="0" g="0" b="0"/>
+      </a:lnRef>
+      <a:fillRef idx="1">
+        <a:scrgbClr r="0" g="0" b="0"/>
+      </a:fillRef>
+      <a:effectRef idx="0">
+        <a:scrgbClr r="0" g="0" b="0"/>
+      </a:effectRef>
+      <a:fontRef idx="minor"/>
+    </dgm:style>
+  </dgm:styleLbl>
+  <dgm:styleLbl name="alignAccFollowNode1">
+    <dgm:scene3d>
+      <a:camera prst="orthographicFront"/>
+      <a:lightRig rig="threePt" dir="t"/>
+    </dgm:scene3d>
+    <dgm:sp3d/>
+    <dgm:txPr/>
+    <dgm:style>
+      <a:lnRef idx="1">
+        <a:scrgbClr r="0" g="0" b="0"/>
+      </a:lnRef>
+      <a:fillRef idx="1">
+        <a:scrgbClr r="0" g="0" b="0"/>
+      </a:fillRef>
+      <a:effectRef idx="0">
+        <a:scrgbClr r="0" g="0" b="0"/>
+      </a:effectRef>
+      <a:fontRef idx="minor"/>
+    </dgm:style>
+  </dgm:styleLbl>
+  <dgm:styleLbl name="bgAccFollowNode1">
+    <dgm:scene3d>
+      <a:camera prst="orthographicFront"/>
+      <a:lightRig rig="threePt" dir="t"/>
+    </dgm:scene3d>
+    <dgm:sp3d/>
+    <dgm:txPr/>
+    <dgm:style>
+      <a:lnRef idx="1">
+        <a:scrgbClr r="0" g="0" b="0"/>
+      </a:lnRef>
+      <a:fillRef idx="1">
+        <a:scrgbClr r="0" g="0" b="0"/>
+      </a:fillRef>
+      <a:effectRef idx="0">
+        <a:scrgbClr r="0" g="0" b="0"/>
+      </a:effectRef>
+      <a:fontRef idx="minor"/>
+    </dgm:style>
+  </dgm:styleLbl>
+  <dgm:styleLbl name="fgAcc0">
+    <dgm:scene3d>
+      <a:camera prst="orthographicFront"/>
+      <a:lightRig rig="threePt" dir="t"/>
+    </dgm:scene3d>
+    <dgm:sp3d/>
+    <dgm:txPr/>
+    <dgm:style>
+      <a:lnRef idx="1">
+        <a:scrgbClr r="0" g="0" b="0"/>
+      </a:lnRef>
+      <a:fillRef idx="1">
+        <a:scrgbClr r="0" g="0" b="0"/>
+      </a:fillRef>
+      <a:effectRef idx="0">
+        <a:scrgbClr r="0" g="0" b="0"/>
+      </a:effectRef>
+      <a:fontRef idx="minor"/>
+    </dgm:style>
+  </dgm:styleLbl>
+  <dgm:styleLbl name="fgAcc2">
+    <dgm:scene3d>
+      <a:camera prst="orthographicFront"/>
+      <a:lightRig rig="threePt" dir="t"/>
+    </dgm:scene3d>
+    <dgm:sp3d/>
+    <dgm:txPr/>
+    <dgm:style>
+      <a:lnRef idx="1">
+        <a:scrgbClr r="0" g="0" b="0"/>
+      </a:lnRef>
+      <a:fillRef idx="1">
+        <a:scrgbClr r="0" g="0" b="0"/>
+      </a:fillRef>
+      <a:effectRef idx="0">
+        <a:scrgbClr r="0" g="0" b="0"/>
+      </a:effectRef>
+      <a:fontRef idx="minor"/>
+    </dgm:style>
+  </dgm:styleLbl>
+  <dgm:styleLbl name="fgAcc3">
+    <dgm:scene3d>
+      <a:camera prst="orthographicFront"/>
+      <a:lightRig rig="threePt" dir="t"/>
+    </dgm:scene3d>
+    <dgm:sp3d/>
+    <dgm:txPr/>
+    <dgm:style>
+      <a:lnRef idx="1">
+        <a:scrgbClr r="0" g="0" b="0"/>
+      </a:lnRef>
+      <a:fillRef idx="1">
+        <a:scrgbClr r="0" g="0" b="0"/>
+      </a:fillRef>
+      <a:effectRef idx="0">
+        <a:scrgbClr r="0" g="0" b="0"/>
+      </a:effectRef>
+      <a:fontRef idx="minor"/>
+    </dgm:style>
+  </dgm:styleLbl>
+  <dgm:styleLbl name="fgAcc4">
+    <dgm:scene3d>
+      <a:camera prst="orthographicFront"/>
+      <a:lightRig rig="threePt" dir="t"/>
+    </dgm:scene3d>
+    <dgm:sp3d/>
+    <dgm:txPr/>
+    <dgm:style>
+      <a:lnRef idx="1">
+        <a:scrgbClr r="0" g="0" b="0"/>
+      </a:lnRef>
+      <a:fillRef idx="1">
+        <a:scrgbClr r="0" g="0" b="0"/>
+      </a:fillRef>
+      <a:effectRef idx="0">
+        <a:scrgbClr r="0" g="0" b="0"/>
+      </a:effectRef>
+      <a:fontRef idx="minor"/>
+    </dgm:style>
+  </dgm:styleLbl>
+  <dgm:styleLbl name="bgShp">
+    <dgm:scene3d>
+      <a:camera prst="orthographicFront"/>
+      <a:lightRig rig="threePt" dir="t"/>
+    </dgm:scene3d>
+    <dgm:sp3d/>
+    <dgm:txPr/>
+    <dgm:style>
+      <a:lnRef idx="0">
+        <a:scrgbClr r="0" g="0" b="0"/>
+      </a:lnRef>
+      <a:fillRef idx="1">
+        <a:scrgbClr r="0" g="0" b="0"/>
+      </a:fillRef>
+      <a:effectRef idx="2">
+        <a:scrgbClr r="0" g="0" b="0"/>
+      </a:effectRef>
+      <a:fontRef idx="minor"/>
+    </dgm:style>
+  </dgm:styleLbl>
+  <dgm:styleLbl name="dkBgShp">
+    <dgm:scene3d>
+      <a:camera prst="orthographicFront"/>
+      <a:lightRig rig="threePt" dir="t"/>
+    </dgm:scene3d>
+    <dgm:sp3d/>
+    <dgm:txPr/>
+    <dgm:style>
+      <a:lnRef idx="0">
+        <a:scrgbClr r="0" g="0" b="0"/>
+      </a:lnRef>
+      <a:fillRef idx="1">
+        <a:scrgbClr r="0" g="0" b="0"/>
+      </a:fillRef>
+      <a:effectRef idx="2">
+        <a:scrgbClr r="0" g="0" b="0"/>
+      </a:effectRef>
+      <a:fontRef idx="minor"/>
+    </dgm:style>
+  </dgm:styleLbl>
+  <dgm:styleLbl name="trBgShp">
+    <dgm:scene3d>
+      <a:camera prst="orthographicFront"/>
+      <a:lightRig rig="threePt" dir="t"/>
+    </dgm:scene3d>
+    <dgm:sp3d/>
+    <dgm:txPr/>
+    <dgm:style>
+      <a:lnRef idx="0">
+        <a:scrgbClr r="0" g="0" b="0"/>
+      </a:lnRef>
+      <a:fillRef idx="1">
+        <a:scrgbClr r="0" g="0" b="0"/>
+      </a:fillRef>
+      <a:effectRef idx="0">
+        <a:scrgbClr r="0" g="0" b="0"/>
+      </a:effectRef>
+      <a:fontRef idx="minor"/>
+    </dgm:style>
+  </dgm:styleLbl>
+  <dgm:styleLbl name="fgShp">
+    <dgm:scene3d>
+      <a:camera prst="orthographicFront"/>
+      <a:lightRig rig="threePt" dir="t"/>
+    </dgm:scene3d>
+    <dgm:sp3d/>
+    <dgm:txPr/>
+    <dgm:style>
+      <a:lnRef idx="0">
+        <a:scrgbClr r="0" g="0" b="0"/>
+      </a:lnRef>
+      <a:fillRef idx="3">
+        <a:scrgbClr r="0" g="0" b="0"/>
+      </a:fillRef>
+      <a:effectRef idx="2">
+        <a:scrgbClr r="0" g="0" b="0"/>
+      </a:effectRef>
+      <a:fontRef idx="minor"/>
+    </dgm:style>
+  </dgm:styleLbl>
+  <dgm:styleLbl name="revTx">
+    <dgm:scene3d>
+      <a:camera prst="orthographicFront"/>
+      <a:lightRig rig="threePt" dir="t"/>
+    </dgm:scene3d>
+    <dgm:sp3d/>
+    <dgm:txPr/>
+    <dgm:style>
+      <a:lnRef idx="0">
+        <a:scrgbClr r="0" g="0" b="0"/>
+      </a:lnRef>
+      <a:fillRef idx="0">
+        <a:scrgbClr r="0" g="0" b="0"/>
+      </a:fillRef>
+      <a:effectRef idx="0">
+        <a:scrgbClr r="0" g="0" b="0"/>
+      </a:effectRef>
+      <a:fontRef idx="minor"/>
+    </dgm:style>
+  </dgm:styleLbl>
+</dgm:styleDef>
+</file>
+
+<file path=ppt/diagrams/quickStyle2.xml><?xml version="1.0" encoding="utf-8"?>
+<dgm:styleDef xmlns:dgm="http://schemas.openxmlformats.org/drawingml/2006/diagram" xmlns:a="http://schemas.openxmlformats.org/drawingml/2006/main" uniqueId="urn:microsoft.com/office/officeart/2005/8/quickstyle/simple4">
+  <dgm:title val=""/>
+  <dgm:desc val=""/>
+  <dgm:catLst>
+    <dgm:cat type="simple" pri="10400"/>
+  </dgm:catLst>
+  <dgm:scene3d>
+    <a:camera prst="orthographicFront"/>
+    <a:lightRig rig="threePt" dir="t"/>
+  </dgm:scene3d>
+  <dgm:styleLbl name="node0">
+    <dgm:scene3d>
+      <a:camera prst="orthographicFront"/>
+      <a:lightRig rig="threePt" dir="t"/>
+    </dgm:scene3d>
+    <dgm:sp3d/>
+    <dgm:txPr/>
+    <dgm:style>
+      <a:lnRef idx="0">
+        <a:scrgbClr r="0" g="0" b="0"/>
+      </a:lnRef>
+      <a:fillRef idx="3">
+        <a:scrgbClr r="0" g="0" b="0"/>
+      </a:fillRef>
+      <a:effectRef idx="2">
+        <a:scrgbClr r="0" g="0" b="0"/>
+      </a:effectRef>
+      <a:fontRef idx="minor">
+        <a:schemeClr val="lt1"/>
+      </a:fontRef>
+    </dgm:style>
+  </dgm:styleLbl>
+  <dgm:styleLbl name="lnNode1">
+    <dgm:scene3d>
+      <a:camera prst="orthographicFront"/>
+      <a:lightRig rig="threePt" dir="t"/>
+    </dgm:scene3d>
+    <dgm:sp3d/>
+    <dgm:txPr/>
+    <dgm:style>
+      <a:lnRef idx="1">
+        <a:scrgbClr r="0" g="0" b="0"/>
+      </a:lnRef>
+      <a:fillRef idx="3">
+        <a:scrgbClr r="0" g="0" b="0"/>
+      </a:fillRef>
+      <a:effectRef idx="2">
+        <a:scrgbClr r="0" g="0" b="0"/>
+      </a:effectRef>
+      <a:fontRef idx="minor">
+        <a:schemeClr val="lt1"/>
+      </a:fontRef>
+    </dgm:style>
+  </dgm:styleLbl>
+  <dgm:styleLbl name="vennNode1">
+    <dgm:scene3d>
+      <a:camera prst="orthographicFront"/>
+      <a:lightRig rig="threePt" dir="t"/>
+    </dgm:scene3d>
+    <dgm:sp3d/>
+    <dgm:txPr/>
+    <dgm:style>
+      <a:lnRef idx="0">
+        <a:scrgbClr r="0" g="0" b="0"/>
+      </a:lnRef>
+      <a:fillRef idx="3">
+        <a:scrgbClr r="0" g="0" b="0"/>
+      </a:fillRef>
+      <a:effectRef idx="0">
+        <a:scrgbClr r="0" g="0" b="0"/>
+      </a:effectRef>
+      <a:fontRef idx="minor">
+        <a:schemeClr val="tx1"/>
+      </a:fontRef>
+    </dgm:style>
+  </dgm:styleLbl>
+  <dgm:styleLbl name="alignNode1">
+    <dgm:scene3d>
+      <a:camera prst="orthographicFront"/>
+      <a:lightRig rig="threePt" dir="t"/>
+    </dgm:scene3d>
+    <dgm:sp3d/>
+    <dgm:txPr/>
+    <dgm:style>
+      <a:lnRef idx="1">
+        <a:scrgbClr r="0" g="0" b="0"/>
+      </a:lnRef>
+      <a:fillRef idx="3">
+        <a:scrgbClr r="0" g="0" b="0"/>
+      </a:fillRef>
+      <a:effectRef idx="2">
+        <a:scrgbClr r="0" g="0" b="0"/>
+      </a:effectRef>
+      <a:fontRef idx="minor">
+        <a:schemeClr val="lt1"/>
+      </a:fontRef>
+    </dgm:style>
+  </dgm:styleLbl>
+  <dgm:styleLbl name="node1">
+    <dgm:scene3d>
+      <a:camera prst="orthographicFront"/>
+      <a:lightRig rig="threePt" dir="t"/>
+    </dgm:scene3d>
+    <dgm:sp3d/>
+    <dgm:txPr/>
+    <dgm:style>
+      <a:lnRef idx="0">
+        <a:scrgbClr r="0" g="0" b="0"/>
+      </a:lnRef>
+      <a:fillRef idx="3">
+        <a:scrgbClr r="0" g="0" b="0"/>
+      </a:fillRef>
+      <a:effectRef idx="2">
+        <a:scrgbClr r="0" g="0" b="0"/>
+      </a:effectRef>
+      <a:fontRef idx="minor">
+        <a:schemeClr val="lt1"/>
+      </a:fontRef>
+    </dgm:style>
+  </dgm:styleLbl>
+  <dgm:styleLbl name="node2">
+    <dgm:scene3d>
+      <a:camera prst="orthographicFront"/>
+      <a:lightRig rig="threePt" dir="t"/>
+    </dgm:scene3d>
+    <dgm:sp3d/>
+    <dgm:txPr/>
+    <dgm:style>
+      <a:lnRef idx="0">
+        <a:scrgbClr r="0" g="0" b="0"/>
+      </a:lnRef>
+      <a:fillRef idx="3">
+        <a:scrgbClr r="0" g="0" b="0"/>
+      </a:fillRef>
+      <a:effectRef idx="2">
+        <a:scrgbClr r="0" g="0" b="0"/>
+      </a:effectRef>
+      <a:fontRef idx="minor">
+        <a:schemeClr val="lt1"/>
+      </a:fontRef>
+    </dgm:style>
+  </dgm:styleLbl>
+  <dgm:styleLbl name="node3">
+    <dgm:scene3d>
+      <a:camera prst="orthographicFront"/>
+      <a:lightRig rig="threePt" dir="t"/>
+    </dgm:scene3d>
+    <dgm:sp3d/>
+    <dgm:txPr/>
+    <dgm:style>
+      <a:lnRef idx="0">
+        <a:scrgbClr r="0" g="0" b="0"/>
+      </a:lnRef>
+      <a:fillRef idx="3">
+        <a:scrgbClr r="0" g="0" b="0"/>
+      </a:fillRef>
+      <a:effectRef idx="2">
+        <a:scrgbClr r="0" g="0" b="0"/>
+      </a:effectRef>
+      <a:fontRef idx="minor">
+        <a:schemeClr val="lt1"/>
+      </a:fontRef>
+    </dgm:style>
+  </dgm:styleLbl>
+  <dgm:styleLbl name="node4">
+    <dgm:scene3d>
+      <a:camera prst="orthographicFront"/>
+      <a:lightRig rig="threePt" dir="t"/>
+    </dgm:scene3d>
+    <dgm:sp3d/>
+    <dgm:txPr/>
+    <dgm:style>
+      <a:lnRef idx="0">
+        <a:scrgbClr r="0" g="0" b="0"/>
+      </a:lnRef>
+      <a:fillRef idx="3">
+        <a:scrgbClr r="0" g="0" b="0"/>
+      </a:fillRef>
+      <a:effectRef idx="2">
+        <a:scrgbClr r="0" g="0" b="0"/>
+      </a:effectRef>
+      <a:fontRef idx="minor">
+        <a:schemeClr val="lt1"/>
+      </a:fontRef>
+    </dgm:style>
+  </dgm:styleLbl>
+  <dgm:styleLbl name="fgImgPlace1">
+    <dgm:scene3d>
+      <a:camera prst="orthographicFront"/>
+      <a:lightRig rig="threePt" dir="t"/>
+    </dgm:scene3d>
+    <dgm:sp3d/>
+    <dgm:txPr/>
+    <dgm:style>
+      <a:lnRef idx="0">
+        <a:scrgbClr r="0" g="0" b="0"/>
+      </a:lnRef>
+      <a:fillRef idx="1">
+        <a:scrgbClr r="0" g="0" b="0"/>
+      </a:fillRef>
+      <a:effectRef idx="2">
+        <a:scrgbClr r="0" g="0" b="0"/>
+      </a:effectRef>
+      <a:fontRef idx="minor"/>
+    </dgm:style>
+  </dgm:styleLbl>
+  <dgm:styleLbl name="alignImgPlace1">
+    <dgm:scene3d>
+      <a:camera prst="orthographicFront"/>
+      <a:lightRig rig="threePt" dir="t"/>
+    </dgm:scene3d>
+    <dgm:sp3d/>
+    <dgm:txPr/>
+    <dgm:style>
+      <a:lnRef idx="0">
+        <a:scrgbClr r="0" g="0" b="0"/>
+      </a:lnRef>
+      <a:fillRef idx="1">
+        <a:scrgbClr r="0" g="0" b="0"/>
+      </a:fillRef>
+      <a:effectRef idx="2">
+        <a:scrgbClr r="0" g="0" b="0"/>
+      </a:effectRef>
+      <a:fontRef idx="minor"/>
+    </dgm:style>
+  </dgm:styleLbl>
+  <dgm:styleLbl name="bgImgPlace1">
+    <dgm:scene3d>
+      <a:camera prst="orthographicFront"/>
+      <a:lightRig rig="threePt" dir="t"/>
+    </dgm:scene3d>
+    <dgm:sp3d/>
+    <dgm:txPr/>
+    <dgm:style>
+      <a:lnRef idx="0">
+        <a:scrgbClr r="0" g="0" b="0"/>
+      </a:lnRef>
+      <a:fillRef idx="1">
+        <a:scrgbClr r="0" g="0" b="0"/>
+      </a:fillRef>
+      <a:effectRef idx="2">
+        <a:scrgbClr r="0" g="0" b="0"/>
+      </a:effectRef>
+      <a:fontRef idx="minor"/>
+    </dgm:style>
+  </dgm:styleLbl>
+  <dgm:styleLbl name="sibTrans2D1">
+    <dgm:scene3d>
+      <a:camera prst="orthographicFront"/>
+      <a:lightRig rig="threePt" dir="t"/>
+    </dgm:scene3d>
+    <dgm:sp3d/>
+    <dgm:txPr/>
+    <dgm:style>
+      <a:lnRef idx="0">
+        <a:scrgbClr r="0" g="0" b="0"/>
+      </a:lnRef>
+      <a:fillRef idx="3">
+        <a:scrgbClr r="0" g="0" b="0"/>
+      </a:fillRef>
+      <a:effectRef idx="2">
+        <a:scrgbClr r="0" g="0" b="0"/>
+      </a:effectRef>
+      <a:fontRef idx="minor">
+        <a:schemeClr val="lt1"/>
+      </a:fontRef>
+    </dgm:style>
+  </dgm:styleLbl>
+  <dgm:styleLbl name="fgSibTrans2D1">
+    <dgm:scene3d>
+      <a:camera prst="orthographicFront"/>
+      <a:lightRig rig="threePt" dir="t"/>
+    </dgm:scene3d>
+    <dgm:sp3d/>
+    <dgm:txPr/>
+    <dgm:style>
+      <a:lnRef idx="0">
+        <a:scrgbClr r="0" g="0" b="0"/>
+      </a:lnRef>
+      <a:fillRef idx="3">
+        <a:scrgbClr r="0" g="0" b="0"/>
+      </a:fillRef>
+      <a:effectRef idx="2">
+        <a:scrgbClr r="0" g="0" b="0"/>
+      </a:effectRef>
+      <a:fontRef idx="minor">
+        <a:schemeClr val="lt1"/>
+      </a:fontRef>
+    </dgm:style>
+  </dgm:styleLbl>
+  <dgm:styleLbl name="bgSibTrans2D1">
+    <dgm:scene3d>
+      <a:camera prst="orthographicFront"/>
+      <a:lightRig rig="threePt" dir="t"/>
+    </dgm:scene3d>
+    <dgm:sp3d/>
+    <dgm:txPr/>
+    <dgm:style>
+      <a:lnRef idx="0">
+        <a:scrgbClr r="0" g="0" b="0"/>
+      </a:lnRef>
+      <a:fillRef idx="3">
+        <a:scrgbClr r="0" g="0" b="0"/>
+      </a:fillRef>
+      <a:effectRef idx="2">
+        <a:scrgbClr r="0" g="0" b="0"/>
+      </a:effectRef>
+      <a:fontRef idx="minor">
+        <a:schemeClr val="lt1"/>
+      </a:fontRef>
+    </dgm:style>
+  </dgm:styleLbl>
+  <dgm:styleLbl name="sibTrans1D1">
+    <dgm:scene3d>
+      <a:camera prst="orthographicFront"/>
+      <a:lightRig rig="threePt" dir="t"/>
+    </dgm:scene3d>
+    <dgm:sp3d/>
+    <dgm:txPr/>
+    <dgm:style>
+      <a:lnRef idx="1">
+        <a:scrgbClr r="0" g="0" b="0"/>
+      </a:lnRef>
+      <a:fillRef idx="0">
+        <a:scrgbClr r="0" g="0" b="0"/>
+      </a:fillRef>
+      <a:effectRef idx="0">
+        <a:scrgbClr r="0" g="0" b="0"/>
+      </a:effectRef>
+      <a:fontRef idx="minor"/>
+    </dgm:style>
+  </dgm:styleLbl>
+  <dgm:styleLbl name="callout">
+    <dgm:scene3d>
+      <a:camera prst="orthographicFront"/>
+      <a:lightRig rig="threePt" dir="t"/>
+    </dgm:scene3d>
+    <dgm:sp3d/>
+    <dgm:txPr/>
+    <dgm:style>
+      <a:lnRef idx="2">
+        <a:scrgbClr r="0" g="0" b="0"/>
+      </a:lnRef>
+      <a:fillRef idx="1">
+        <a:scrgbClr r="0" g="0" b="0"/>
+      </a:fillRef>
+      <a:effectRef idx="1">
+        <a:scrgbClr r="0" g="0" b="0"/>
+      </a:effectRef>
+      <a:fontRef idx="minor"/>
+    </dgm:style>
+  </dgm:styleLbl>
+  <dgm:styleLbl name="asst0">
+    <dgm:scene3d>
+      <a:camera prst="orthographicFront"/>
+      <a:lightRig rig="threePt" dir="t"/>
+    </dgm:scene3d>
+    <dgm:sp3d/>
+    <dgm:txPr/>
+    <dgm:style>
+      <a:lnRef idx="0">
+        <a:scrgbClr r="0" g="0" b="0"/>
+      </a:lnRef>
+      <a:fillRef idx="3">
+        <a:scrgbClr r="0" g="0" b="0"/>
+      </a:fillRef>
+      <a:effectRef idx="2">
+        <a:scrgbClr r="0" g="0" b="0"/>
+      </a:effectRef>
+      <a:fontRef idx="minor">
+        <a:schemeClr val="lt1"/>
+      </a:fontRef>
+    </dgm:style>
+  </dgm:styleLbl>
+  <dgm:styleLbl name="asst1">
+    <dgm:scene3d>
+      <a:camera prst="orthographicFront"/>
+      <a:lightRig rig="threePt" dir="t"/>
+    </dgm:scene3d>
+    <dgm:sp3d/>
+    <dgm:txPr/>
+    <dgm:style>
+      <a:lnRef idx="0">
+        <a:scrgbClr r="0" g="0" b="0"/>
+      </a:lnRef>
+      <a:fillRef idx="3">
+        <a:scrgbClr r="0" g="0" b="0"/>
+      </a:fillRef>
+      <a:effectRef idx="2">
+        <a:scrgbClr r="0" g="0" b="0"/>
+      </a:effectRef>
+      <a:fontRef idx="minor">
+        <a:schemeClr val="lt1"/>
+      </a:fontRef>
+    </dgm:style>
+  </dgm:styleLbl>
+  <dgm:styleLbl name="asst2">
+    <dgm:scene3d>
+      <a:camera prst="orthographicFront"/>
+      <a:lightRig rig="threePt" dir="t"/>
+    </dgm:scene3d>
+    <dgm:sp3d/>
+    <dgm:txPr/>
+    <dgm:style>
+      <a:lnRef idx="0">
+        <a:scrgbClr r="0" g="0" b="0"/>
+      </a:lnRef>
+      <a:fillRef idx="3">
+        <a:scrgbClr r="0" g="0" b="0"/>
+      </a:fillRef>
+      <a:effectRef idx="2">
+        <a:scrgbClr r="0" g="0" b="0"/>
+      </a:effectRef>
+      <a:fontRef idx="minor">
+        <a:schemeClr val="lt1"/>
+      </a:fontRef>
+    </dgm:style>
+  </dgm:styleLbl>
+  <dgm:styleLbl name="asst3">
+    <dgm:scene3d>
+      <a:camera prst="orthographicFront"/>
+      <a:lightRig rig="threePt" dir="t"/>
+    </dgm:scene3d>
+    <dgm:sp3d/>
+    <dgm:txPr/>
+    <dgm:style>
+      <a:lnRef idx="0">
+        <a:scrgbClr r="0" g="0" b="0"/>
+      </a:lnRef>
+      <a:fillRef idx="3">
+        <a:scrgbClr r="0" g="0" b="0"/>
+      </a:fillRef>
+      <a:effectRef idx="2">
+        <a:scrgbClr r="0" g="0" b="0"/>
+      </a:effectRef>
+      <a:fontRef idx="minor">
+        <a:schemeClr val="lt1"/>
+      </a:fontRef>
+    </dgm:style>
+  </dgm:styleLbl>
+  <dgm:styleLbl name="asst4">
+    <dgm:scene3d>
+      <a:camera prst="orthographicFront"/>
+      <a:lightRig rig="threePt" dir="t"/>
+    </dgm:scene3d>
+    <dgm:sp3d/>
+    <dgm:txPr/>
+    <dgm:style>
+      <a:lnRef idx="0">
+        <a:scrgbClr r="0" g="0" b="0"/>
+      </a:lnRef>
+      <a:fillRef idx="3">
+        <a:scrgbClr r="0" g="0" b="0"/>
+      </a:fillRef>
+      <a:effectRef idx="2">
+        <a:scrgbClr r="0" g="0" b="0"/>
+      </a:effectRef>
+      <a:fontRef idx="minor">
+        <a:schemeClr val="lt1"/>
+      </a:fontRef>
+    </dgm:style>
+  </dgm:styleLbl>
+  <dgm:styleLbl name="parChTrans2D1">
+    <dgm:scene3d>
+      <a:camera prst="orthographicFront"/>
+      <a:lightRig rig="threePt" dir="t"/>
+    </dgm:scene3d>
+    <dgm:sp3d/>
+    <dgm:txPr/>
+    <dgm:style>
+      <a:lnRef idx="0">
+        <a:scrgbClr r="0" g="0" b="0"/>
+      </a:lnRef>
+      <a:fillRef idx="3">
+        <a:scrgbClr r="0" g="0" b="0"/>
+      </a:fillRef>
+      <a:effectRef idx="2">
+        <a:scrgbClr r="0" g="0" b="0"/>
+      </a:effectRef>
+      <a:fontRef idx="minor">
+        <a:schemeClr val="lt1"/>
+      </a:fontRef>
+    </dgm:style>
+  </dgm:styleLbl>
+  <dgm:styleLbl name="parChTrans2D2">
+    <dgm:scene3d>
+      <a:camera prst="orthographicFront"/>
+      <a:lightRig rig="threePt" dir="t"/>
+    </dgm:scene3d>
+    <dgm:sp3d/>
+    <dgm:txPr/>
+    <dgm:style>
+      <a:lnRef idx="0">
+        <a:scrgbClr r="0" g="0" b="0"/>
+      </a:lnRef>
+      <a:fillRef idx="3">
+        <a:scrgbClr r="0" g="0" b="0"/>
+      </a:fillRef>
+      <a:effectRef idx="2">
+        <a:scrgbClr r="0" g="0" b="0"/>
+      </a:effectRef>
+      <a:fontRef idx="minor">
+        <a:schemeClr val="lt1"/>
+      </a:fontRef>
+    </dgm:style>
+  </dgm:styleLbl>
+  <dgm:styleLbl name="parChTrans2D3">
+    <dgm:scene3d>
+      <a:camera prst="orthographicFront"/>
+      <a:lightRig rig="threePt" dir="t"/>
+    </dgm:scene3d>
+    <dgm:sp3d/>
+    <dgm:txPr/>
+    <dgm:style>
+      <a:lnRef idx="1">
+        <a:scrgbClr r="0" g="0" b="0"/>
+      </a:lnRef>
+      <a:fillRef idx="3">
+        <a:scrgbClr r="0" g="0" b="0"/>
+      </a:fillRef>
+      <a:effectRef idx="2">
+        <a:scrgbClr r="0" g="0" b="0"/>
+      </a:effectRef>
+      <a:fontRef idx="minor">
+        <a:schemeClr val="lt1"/>
+      </a:fontRef>
+    </dgm:style>
+  </dgm:styleLbl>
+  <dgm:styleLbl name="parChTrans2D4">
+    <dgm:scene3d>
+      <a:camera prst="orthographicFront"/>
+      <a:lightRig rig="threePt" dir="t"/>
+    </dgm:scene3d>
+    <dgm:sp3d/>
+    <dgm:txPr/>
+    <dgm:style>
+      <a:lnRef idx="1">
+        <a:scrgbClr r="0" g="0" b="0"/>
+      </a:lnRef>
+      <a:fillRef idx="3">
+        <a:scrgbClr r="0" g="0" b="0"/>
+      </a:fillRef>
+      <a:effectRef idx="2">
+        <a:scrgbClr r="0" g="0" b="0"/>
+      </a:effectRef>
+      <a:fontRef idx="minor">
+        <a:schemeClr val="lt1"/>
+      </a:fontRef>
+    </dgm:style>
+  </dgm:styleLbl>
+  <dgm:styleLbl name="parChTrans1D1">
+    <dgm:scene3d>
+      <a:camera prst="orthographicFront"/>
+      <a:lightRig rig="threePt" dir="t"/>
+    </dgm:scene3d>
+    <dgm:sp3d/>
+    <dgm:txPr/>
+    <dgm:style>
+      <a:lnRef idx="1">
+        <a:scrgbClr r="0" g="0" b="0"/>
+      </a:lnRef>
+      <a:fillRef idx="0">
+        <a:scrgbClr r="0" g="0" b="0"/>
+      </a:fillRef>
+      <a:effectRef idx="0">
+        <a:scrgbClr r="0" g="0" b="0"/>
+      </a:effectRef>
+      <a:fontRef idx="minor"/>
+    </dgm:style>
+  </dgm:styleLbl>
+  <dgm:styleLbl name="parChTrans1D2">
+    <dgm:scene3d>
+      <a:camera prst="orthographicFront"/>
+      <a:lightRig rig="threePt" dir="t"/>
+    </dgm:scene3d>
+    <dgm:sp3d/>
+    <dgm:txPr/>
+    <dgm:style>
+      <a:lnRef idx="1">
+        <a:scrgbClr r="0" g="0" b="0"/>
+      </a:lnRef>
+      <a:fillRef idx="0">
+        <a:scrgbClr r="0" g="0" b="0"/>
+      </a:fillRef>
+      <a:effectRef idx="0">
+        <a:scrgbClr r="0" g="0" b="0"/>
+      </a:effectRef>
+      <a:fontRef idx="minor"/>
+    </dgm:style>
+  </dgm:styleLbl>
+  <dgm:styleLbl name="parChTrans1D3">
+    <dgm:scene3d>
+      <a:camera prst="orthographicFront"/>
+      <a:lightRig rig="threePt" dir="t"/>
+    </dgm:scene3d>
+    <dgm:sp3d/>
+    <dgm:txPr/>
+    <dgm:style>
+      <a:lnRef idx="1">
+        <a:scrgbClr r="0" g="0" b="0"/>
+      </a:lnRef>
+      <a:fillRef idx="0">
+        <a:scrgbClr r="0" g="0" b="0"/>
+      </a:fillRef>
+      <a:effectRef idx="0">
+        <a:scrgbClr r="0" g="0" b="0"/>
+      </a:effectRef>
+      <a:fontRef idx="minor"/>
+    </dgm:style>
+  </dgm:styleLbl>
+  <dgm:styleLbl name="parChTrans1D4">
+    <dgm:scene3d>
+      <a:camera prst="orthographicFront"/>
+      <a:lightRig rig="threePt" dir="t"/>
+    </dgm:scene3d>
+    <dgm:sp3d/>
+    <dgm:txPr/>
+    <dgm:style>
+      <a:lnRef idx="1">
+        <a:scrgbClr r="0" g="0" b="0"/>
+      </a:lnRef>
+      <a:fillRef idx="0">
+        <a:scrgbClr r="0" g="0" b="0"/>
+      </a:fillRef>
+      <a:effectRef idx="0">
+        <a:scrgbClr r="0" g="0" b="0"/>
+      </a:effectRef>
+      <a:fontRef idx="minor"/>
+    </dgm:style>
+  </dgm:styleLbl>
+  <dgm:styleLbl name="fgAcc1">
+    <dgm:scene3d>
+      <a:camera prst="orthographicFront"/>
+      <a:lightRig rig="threePt" dir="t"/>
+    </dgm:scene3d>
+    <dgm:sp3d/>
+    <dgm:txPr/>
+    <dgm:style>
+      <a:lnRef idx="1">
+        <a:scrgbClr r="0" g="0" b="0"/>
+      </a:lnRef>
+      <a:fillRef idx="1">
+        <a:scrgbClr r="0" g="0" b="0"/>
+      </a:fillRef>
+      <a:effectRef idx="0">
+        <a:scrgbClr r="0" g="0" b="0"/>
+      </a:effectRef>
+      <a:fontRef idx="minor"/>
+    </dgm:style>
+  </dgm:styleLbl>
+  <dgm:styleLbl name="conFgAcc1">
+    <dgm:scene3d>
+      <a:camera prst="orthographicFront"/>
+      <a:lightRig rig="threePt" dir="t"/>
+    </dgm:scene3d>
+    <dgm:sp3d/>
+    <dgm:txPr/>
+    <dgm:style>
+      <a:lnRef idx="1">
+        <a:scrgbClr r="0" g="0" b="0"/>
+      </a:lnRef>
+      <a:fillRef idx="1">
+        <a:scrgbClr r="0" g="0" b="0"/>
+      </a:fillRef>
+      <a:effectRef idx="0">
+        <a:scrgbClr r="0" g="0" b="0"/>
+      </a:effectRef>
+      <a:fontRef idx="minor"/>
+    </dgm:style>
+  </dgm:styleLbl>
+  <dgm:styleLbl name="alignAcc1">
+    <dgm:scene3d>
+      <a:camera prst="orthographicFront"/>
+      <a:lightRig rig="threePt" dir="t"/>
+    </dgm:scene3d>
+    <dgm:sp3d/>
+    <dgm:txPr/>
+    <dgm:style>
+      <a:lnRef idx="1">
+        <a:scrgbClr r="0" g="0" b="0"/>
+      </a:lnRef>
+      <a:fillRef idx="1">
+        <a:scrgbClr r="0" g="0" b="0"/>
+      </a:fillRef>
+      <a:effectRef idx="0">
+        <a:scrgbClr r="0" g="0" b="0"/>
+      </a:effectRef>
+      <a:fontRef idx="minor"/>
+    </dgm:style>
+  </dgm:styleLbl>
+  <dgm:styleLbl name="trAlignAcc1">
+    <dgm:scene3d>
+      <a:camera prst="orthographicFront"/>
+      <a:lightRig rig="threePt" dir="t"/>
+    </dgm:scene3d>
+    <dgm:sp3d/>
+    <dgm:txPr/>
+    <dgm:style>
+      <a:lnRef idx="1">
+        <a:scrgbClr r="0" g="0" b="0"/>
+      </a:lnRef>
+      <a:fillRef idx="1">
+        <a:scrgbClr r="0" g="0" b="0"/>
+      </a:fillRef>
+      <a:effectRef idx="0">
+        <a:scrgbClr r="0" g="0" b="0"/>
+      </a:effectRef>
+      <a:fontRef idx="minor"/>
+    </dgm:style>
+  </dgm:styleLbl>
+  <dgm:styleLbl name="bgAcc1">
+    <dgm:scene3d>
+      <a:camera prst="orthographicFront"/>
+      <a:lightRig rig="threePt" dir="t"/>
+    </dgm:scene3d>
+    <dgm:sp3d/>
+    <dgm:txPr/>
+    <dgm:style>
+      <a:lnRef idx="1">
+        <a:scrgbClr r="0" g="0" b="0"/>
+      </a:lnRef>
+      <a:fillRef idx="1">
+        <a:scrgbClr r="0" g="0" b="0"/>
+      </a:fillRef>
+      <a:effectRef idx="0">
+        <a:scrgbClr r="0" g="0" b="0"/>
+      </a:effectRef>
+      <a:fontRef idx="minor"/>
+    </dgm:style>
+  </dgm:styleLbl>
+  <dgm:styleLbl name="solidFgAcc1">
+    <dgm:scene3d>
+      <a:camera prst="orthographicFront"/>
+      <a:lightRig rig="threePt" dir="t"/>
+    </dgm:scene3d>
+    <dgm:sp3d/>
+    <dgm:txPr/>
+    <dgm:style>
+      <a:lnRef idx="1">
+        <a:scrgbClr r="0" g="0" b="0"/>
+      </a:lnRef>
+      <a:fillRef idx="1">
+        <a:scrgbClr r="0" g="0" b="0"/>
+      </a:fillRef>
+      <a:effectRef idx="0">
+        <a:scrgbClr r="0" g="0" b="0"/>
+      </a:effectRef>
+      <a:fontRef idx="minor"/>
+    </dgm:style>
+  </dgm:styleLbl>
+  <dgm:styleLbl name="solidAlignAcc1">
+    <dgm:scene3d>
+      <a:camera prst="orthographicFront"/>
+      <a:lightRig rig="threePt" dir="t"/>
+    </dgm:scene3d>
+    <dgm:sp3d/>
+    <dgm:txPr/>
+    <dgm:style>
+      <a:lnRef idx="1">
+        <a:scrgbClr r="0" g="0" b="0"/>
+      </a:lnRef>
+      <a:fillRef idx="1">
+        <a:scrgbClr r="0" g="0" b="0"/>
+      </a:fillRef>
+      <a:effectRef idx="0">
+        <a:scrgbClr r="0" g="0" b="0"/>
+      </a:effectRef>
+      <a:fontRef idx="minor"/>
+    </dgm:style>
+  </dgm:styleLbl>
+  <dgm:styleLbl name="solidBgAcc1">
+    <dgm:scene3d>
+      <a:camera prst="orthographicFront"/>
+      <a:lightRig rig="threePt" dir="t"/>
+    </dgm:scene3d>
+    <dgm:sp3d/>
+    <dgm:txPr/>
+    <dgm:style>
+      <a:lnRef idx="1">
+        <a:scrgbClr r="0" g="0" b="0"/>
+      </a:lnRef>
+      <a:fillRef idx="1">
+        <a:scrgbClr r="0" g="0" b="0"/>
+      </a:fillRef>
+      <a:effectRef idx="0">
+        <a:scrgbClr r="0" g="0" b="0"/>
+      </a:effectRef>
+      <a:fontRef idx="minor"/>
+    </dgm:style>
+  </dgm:styleLbl>
+  <dgm:styleLbl name="fgAccFollowNode1">
+    <dgm:scene3d>
+      <a:camera prst="orthographicFront"/>
+      <a:lightRig rig="threePt" dir="t"/>
+    </dgm:scene3d>
+    <dgm:sp3d/>
+    <dgm:txPr/>
+    <dgm:style>
+      <a:lnRef idx="1">
+        <a:scrgbClr r="0" g="0" b="0"/>
+      </a:lnRef>
+      <a:fillRef idx="1">
+        <a:scrgbClr r="0" g="0" b="0"/>
+      </a:fillRef>
+      <a:effectRef idx="0">
+        <a:scrgbClr r="0" g="0" b="0"/>
+      </a:effectRef>
+      <a:fontRef idx="minor"/>
+    </dgm:style>
+  </dgm:styleLbl>
+  <dgm:styleLbl name="alignAccFollowNode1">
+    <dgm:scene3d>
+      <a:camera prst="orthographicFront"/>
+      <a:lightRig rig="threePt" dir="t"/>
+    </dgm:scene3d>
+    <dgm:sp3d/>
+    <dgm:txPr/>
+    <dgm:style>
+      <a:lnRef idx="1">
+        <a:scrgbClr r="0" g="0" b="0"/>
+      </a:lnRef>
+      <a:fillRef idx="1">
+        <a:scrgbClr r="0" g="0" b="0"/>
+      </a:fillRef>
+      <a:effectRef idx="0">
+        <a:scrgbClr r="0" g="0" b="0"/>
+      </a:effectRef>
+      <a:fontRef idx="minor"/>
+    </dgm:style>
+  </dgm:styleLbl>
+  <dgm:styleLbl name="bgAccFollowNode1">
+    <dgm:scene3d>
+      <a:camera prst="orthographicFront"/>
+      <a:lightRig rig="threePt" dir="t"/>
+    </dgm:scene3d>
+    <dgm:sp3d/>
+    <dgm:txPr/>
+    <dgm:style>
+      <a:lnRef idx="1">
+        <a:scrgbClr r="0" g="0" b="0"/>
+      </a:lnRef>
+      <a:fillRef idx="1">
+        <a:scrgbClr r="0" g="0" b="0"/>
+      </a:fillRef>
+      <a:effectRef idx="0">
+        <a:scrgbClr r="0" g="0" b="0"/>
+      </a:effectRef>
+      <a:fontRef idx="minor"/>
+    </dgm:style>
+  </dgm:styleLbl>
+  <dgm:styleLbl name="fgAcc0">
+    <dgm:scene3d>
+      <a:camera prst="orthographicFront"/>
+      <a:lightRig rig="threePt" dir="t"/>
+    </dgm:scene3d>
+    <dgm:sp3d/>
+    <dgm:txPr/>
+    <dgm:style>
+      <a:lnRef idx="1">
+        <a:scrgbClr r="0" g="0" b="0"/>
+      </a:lnRef>
+      <a:fillRef idx="1">
+        <a:scrgbClr r="0" g="0" b="0"/>
+      </a:fillRef>
+      <a:effectRef idx="0">
+        <a:scrgbClr r="0" g="0" b="0"/>
+      </a:effectRef>
+      <a:fontRef idx="minor"/>
+    </dgm:style>
+  </dgm:styleLbl>
+  <dgm:styleLbl name="fgAcc2">
+    <dgm:scene3d>
+      <a:camera prst="orthographicFront"/>
+      <a:lightRig rig="threePt" dir="t"/>
+    </dgm:scene3d>
+    <dgm:sp3d/>
+    <dgm:txPr/>
+    <dgm:style>
+      <a:lnRef idx="1">
+        <a:scrgbClr r="0" g="0" b="0"/>
+      </a:lnRef>
+      <a:fillRef idx="1">
+        <a:scrgbClr r="0" g="0" b="0"/>
+      </a:fillRef>
+      <a:effectRef idx="0">
+        <a:scrgbClr r="0" g="0" b="0"/>
+      </a:effectRef>
+      <a:fontRef idx="minor"/>
+    </dgm:style>
+  </dgm:styleLbl>
+  <dgm:styleLbl name="fgAcc3">
+    <dgm:scene3d>
+      <a:camera prst="orthographicFront"/>
+      <a:lightRig rig="threePt" dir="t"/>
+    </dgm:scene3d>
+    <dgm:sp3d/>
+    <dgm:txPr/>
+    <dgm:style>
+      <a:lnRef idx="1">
+        <a:scrgbClr r="0" g="0" b="0"/>
+      </a:lnRef>
+      <a:fillRef idx="1">
+        <a:scrgbClr r="0" g="0" b="0"/>
+      </a:fillRef>
+      <a:effectRef idx="0">
+        <a:scrgbClr r="0" g="0" b="0"/>
+      </a:effectRef>
+      <a:fontRef idx="minor"/>
+    </dgm:style>
+  </dgm:styleLbl>
+  <dgm:styleLbl name="fgAcc4">
+    <dgm:scene3d>
+      <a:camera prst="orthographicFront"/>
+      <a:lightRig rig="threePt" dir="t"/>
+    </dgm:scene3d>
+    <dgm:sp3d/>
+    <dgm:txPr/>
+    <dgm:style>
+      <a:lnRef idx="1">
+        <a:scrgbClr r="0" g="0" b="0"/>
+      </a:lnRef>
+      <a:fillRef idx="1">
+        <a:scrgbClr r="0" g="0" b="0"/>
+      </a:fillRef>
+      <a:effectRef idx="0">
+        <a:scrgbClr r="0" g="0" b="0"/>
+      </a:effectRef>
+      <a:fontRef idx="minor"/>
+    </dgm:style>
+  </dgm:styleLbl>
+  <dgm:styleLbl name="bgShp">
+    <dgm:scene3d>
+      <a:camera prst="orthographicFront"/>
+      <a:lightRig rig="threePt" dir="t"/>
+    </dgm:scene3d>
+    <dgm:sp3d/>
+    <dgm:txPr/>
+    <dgm:style>
+      <a:lnRef idx="0">
+        <a:scrgbClr r="0" g="0" b="0"/>
+      </a:lnRef>
+      <a:fillRef idx="1">
+        <a:scrgbClr r="0" g="0" b="0"/>
+      </a:fillRef>
+      <a:effectRef idx="2">
+        <a:scrgbClr r="0" g="0" b="0"/>
+      </a:effectRef>
+      <a:fontRef idx="minor"/>
+    </dgm:style>
+  </dgm:styleLbl>
+  <dgm:styleLbl name="dkBgShp">
+    <dgm:scene3d>
+      <a:camera prst="orthographicFront"/>
+      <a:lightRig rig="threePt" dir="t"/>
+    </dgm:scene3d>
+    <dgm:sp3d/>
+    <dgm:txPr/>
+    <dgm:style>
+      <a:lnRef idx="0">
+        <a:scrgbClr r="0" g="0" b="0"/>
+      </a:lnRef>
+      <a:fillRef idx="1">
+        <a:scrgbClr r="0" g="0" b="0"/>
+      </a:fillRef>
+      <a:effectRef idx="2">
+        <a:scrgbClr r="0" g="0" b="0"/>
+      </a:effectRef>
+      <a:fontRef idx="minor"/>
+    </dgm:style>
+  </dgm:styleLbl>
+  <dgm:styleLbl name="trBgShp">
+    <dgm:scene3d>
+      <a:camera prst="orthographicFront"/>
+      <a:lightRig rig="threePt" dir="t"/>
+    </dgm:scene3d>
+    <dgm:sp3d/>
+    <dgm:txPr/>
+    <dgm:style>
+      <a:lnRef idx="0">
+        <a:scrgbClr r="0" g="0" b="0"/>
+      </a:lnRef>
+      <a:fillRef idx="1">
+        <a:scrgbClr r="0" g="0" b="0"/>
+      </a:fillRef>
+      <a:effectRef idx="0">
+        <a:scrgbClr r="0" g="0" b="0"/>
+      </a:effectRef>
+      <a:fontRef idx="minor"/>
+    </dgm:style>
+  </dgm:styleLbl>
+  <dgm:styleLbl name="fgShp">
+    <dgm:scene3d>
+      <a:camera prst="orthographicFront"/>
+      <a:lightRig rig="threePt" dir="t"/>
+    </dgm:scene3d>
+    <dgm:sp3d/>
+    <dgm:txPr/>
+    <dgm:style>
+      <a:lnRef idx="0">
+        <a:scrgbClr r="0" g="0" b="0"/>
+      </a:lnRef>
+      <a:fillRef idx="3">
+        <a:scrgbClr r="0" g="0" b="0"/>
+      </a:fillRef>
+      <a:effectRef idx="2">
+        <a:scrgbClr r="0" g="0" b="0"/>
+      </a:effectRef>
+      <a:fontRef idx="minor"/>
+    </dgm:style>
+  </dgm:styleLbl>
+  <dgm:styleLbl name="revTx">
+    <dgm:scene3d>
+      <a:camera prst="orthographicFront"/>
+      <a:lightRig rig="threePt" dir="t"/>
+    </dgm:scene3d>
+    <dgm:sp3d/>
+    <dgm:txPr/>
+    <dgm:style>
+      <a:lnRef idx="0">
+        <a:scrgbClr r="0" g="0" b="0"/>
+      </a:lnRef>
+      <a:fillRef idx="0">
+        <a:scrgbClr r="0" g="0" b="0"/>
+      </a:fillRef>
+      <a:effectRef idx="0">
+        <a:scrgbClr r="0" g="0" b="0"/>
+      </a:effectRef>
+      <a:fontRef idx="minor"/>
+    </dgm:style>
+  </dgm:styleLbl>
+</dgm:styleDef>
 </file>
 
 <file path=ppt/notesMasters/notesMaster1.xml><?xml version="1.0" encoding="utf-8"?>
@@ -685,121 +6487,17 @@
           <a:lstStyle/>
           <a:p>
             <a:r>
-              <a:rPr lang="en-US" sz="1200" kern="1200" dirty="0">
-                <a:solidFill>
-                  <a:schemeClr val="tx1"/>
-                </a:solidFill>
-                <a:effectLst/>
-                <a:latin typeface="+mn-lt"/>
-                <a:ea typeface="+mn-ea"/>
-                <a:cs typeface="+mn-cs"/>
-              </a:rPr>
-              <a:t>Your project should fall into one of the below four tracks:</a:t>
-            </a:r>
-          </a:p>
-          <a:p>
-            <a:r>
-              <a:rPr lang="en-US" sz="1200" kern="1200" dirty="0">
-                <a:solidFill>
-                  <a:schemeClr val="tx1"/>
-                </a:solidFill>
-                <a:effectLst/>
-                <a:latin typeface="+mn-lt"/>
-                <a:ea typeface="+mn-ea"/>
-                <a:cs typeface="+mn-cs"/>
-              </a:rPr>
-              <a:t>- </a:t>
+              <a:rPr lang="en-US" dirty="0"/>
+              <a:t>The theme we chose was volcanic activity around the world, to create interactive visualizations of volcanic emissions with </a:t>
             </a:r>
             <a:r>
-              <a:rPr lang="en-US" sz="1200" b="0" kern="1200" dirty="0">
-                <a:solidFill>
-                  <a:schemeClr val="tx1"/>
-                </a:solidFill>
-                <a:effectLst/>
-                <a:latin typeface="+mn-lt"/>
-                <a:ea typeface="+mn-ea"/>
-                <a:cs typeface="+mn-cs"/>
-              </a:rPr>
-              <a:t>A custom “creative” D3.js project (i.e., a nonstandard graph or chart)</a:t>
-            </a:r>
-          </a:p>
-          <a:p>
-            <a:r>
-              <a:rPr lang="en-US" sz="1200" kern="1200" dirty="0">
-                <a:solidFill>
-                  <a:schemeClr val="tx1"/>
-                </a:solidFill>
-                <a:effectLst/>
-                <a:latin typeface="+mn-lt"/>
-                <a:ea typeface="+mn-ea"/>
-                <a:cs typeface="+mn-cs"/>
-              </a:rPr>
-              <a:t>- </a:t>
+              <a:rPr lang="en-US" dirty="0" err="1"/>
+              <a:t>geomapping</a:t>
             </a:r>
             <a:r>
-              <a:rPr lang="en-US" sz="1200" b="1" kern="1200" dirty="0">
-                <a:solidFill>
-                  <a:schemeClr val="tx1"/>
-                </a:solidFill>
-                <a:effectLst/>
-                <a:latin typeface="+mn-lt"/>
-                <a:ea typeface="+mn-ea"/>
-                <a:cs typeface="+mn-cs"/>
-              </a:rPr>
-              <a:t>A combination of web scraping and Leaflet or </a:t>
+              <a:rPr lang="en-US" dirty="0"/>
+              <a:t> and querying capabilities.</a:t>
             </a:r>
-            <a:r>
-              <a:rPr lang="en-US" sz="1200" b="1" kern="1200" dirty="0" err="1">
-                <a:solidFill>
-                  <a:schemeClr val="tx1"/>
-                </a:solidFill>
-                <a:effectLst/>
-                <a:latin typeface="+mn-lt"/>
-                <a:ea typeface="+mn-ea"/>
-                <a:cs typeface="+mn-cs"/>
-              </a:rPr>
-              <a:t>Plotly</a:t>
-            </a:r>
-            <a:endParaRPr lang="en-US" sz="1200" b="1" kern="1200" dirty="0">
-              <a:solidFill>
-                <a:schemeClr val="tx1"/>
-              </a:solidFill>
-              <a:effectLst/>
-              <a:latin typeface="+mn-lt"/>
-              <a:ea typeface="+mn-ea"/>
-              <a:cs typeface="+mn-cs"/>
-            </a:endParaRPr>
-          </a:p>
-          <a:p>
-            <a:r>
-              <a:rPr lang="en-US" sz="1200" kern="1200" dirty="0">
-                <a:solidFill>
-                  <a:schemeClr val="tx1"/>
-                </a:solidFill>
-                <a:effectLst/>
-                <a:latin typeface="+mn-lt"/>
-                <a:ea typeface="+mn-ea"/>
-                <a:cs typeface="+mn-cs"/>
-              </a:rPr>
-              <a:t>- A dashboard page with multiple charts that update from the same data</a:t>
-            </a:r>
-          </a:p>
-          <a:p>
-            <a:r>
-              <a:rPr lang="en-US" sz="1200" kern="1200" dirty="0">
-                <a:solidFill>
-                  <a:schemeClr val="tx1"/>
-                </a:solidFill>
-                <a:effectLst/>
-                <a:latin typeface="+mn-lt"/>
-                <a:ea typeface="+mn-ea"/>
-                <a:cs typeface="+mn-cs"/>
-              </a:rPr>
-              <a:t>- A “thick” server that performs multiple manipulations on data in a database prior to visualization</a:t>
-            </a:r>
-          </a:p>
-          <a:p>
-            <a:endParaRPr lang="en-US" dirty="0"/>
           </a:p>
         </p:txBody>
       </p:sp>
@@ -901,7 +6599,7 @@
               <a:defRPr/>
             </a:pPr>
             <a:r>
-              <a:rPr lang="en-US" sz="1200" kern="1200" dirty="0">
+              <a:rPr lang="en-US" sz="1200" b="1" i="0" kern="1200" dirty="0">
                 <a:solidFill>
                   <a:schemeClr val="tx1"/>
                 </a:solidFill>
@@ -910,7 +6608,23 @@
                 <a:ea typeface="+mn-ea"/>
                 <a:cs typeface="+mn-cs"/>
               </a:rPr>
-              <a:t>Your visualization must include a Python Flask–powered API, HTML/CSS, JavaScript, and at least one database (SQL, MongoDB, SQLite, etc.).</a:t>
+              <a:t>Data Sources &amp; </a:t>
+            </a:r>
+            <a:r>
+              <a:rPr lang="en-US" dirty="0"/>
+              <a:t>Description of data types</a:t>
+            </a:r>
+            <a:r>
+              <a:rPr lang="en-US" sz="1200" b="1" i="0" kern="1200" dirty="0">
+                <a:solidFill>
+                  <a:schemeClr val="tx1"/>
+                </a:solidFill>
+                <a:effectLst/>
+                <a:latin typeface="+mn-lt"/>
+                <a:ea typeface="+mn-ea"/>
+                <a:cs typeface="+mn-cs"/>
+              </a:rPr>
+              <a:t>:</a:t>
             </a:r>
           </a:p>
           <a:p>
@@ -931,116 +6645,15 @@
               <a:tabLst/>
               <a:defRPr/>
             </a:pPr>
-            <a:r>
-              <a:rPr lang="en-US" sz="1200" kern="1200" dirty="0">
-                <a:solidFill>
-                  <a:schemeClr val="tx1"/>
-                </a:solidFill>
-                <a:effectLst/>
-                <a:latin typeface="+mn-lt"/>
-                <a:ea typeface="+mn-ea"/>
-                <a:cs typeface="+mn-cs"/>
-              </a:rPr>
-              <a:t>project should include at least one JS library that we did not cover.</a:t>
-            </a:r>
-          </a:p>
-          <a:p>
-            <a:endParaRPr lang="en-US" dirty="0"/>
-          </a:p>
-        </p:txBody>
-      </p:sp>
-      <p:sp>
-        <p:nvSpPr>
-          <p:cNvPr id="4" name="Slide Number Placeholder 3"/>
-          <p:cNvSpPr>
-            <a:spLocks noGrp="1"/>
-          </p:cNvSpPr>
-          <p:nvPr>
-            <p:ph type="sldNum" sz="quarter" idx="5"/>
-          </p:nvPr>
-        </p:nvSpPr>
-        <p:spPr/>
-        <p:txBody>
-          <a:bodyPr/>
-          <a:lstStyle/>
-          <a:p>
-            <a:fld id="{4BEC4175-BDD0-3C46-B86B-D9C0005BE2C6}" type="slidenum">
-              <a:rPr lang="en-US" smtClean="0"/>
-              <a:t>4</a:t>
-            </a:fld>
-            <a:endParaRPr lang="en-US"/>
-          </a:p>
-        </p:txBody>
-      </p:sp>
-    </p:spTree>
-    <p:extLst>
-      <p:ext uri="{BB962C8B-B14F-4D97-AF65-F5344CB8AC3E}">
-        <p14:creationId xmlns:p14="http://schemas.microsoft.com/office/powerpoint/2010/main" val="535507168"/>
-      </p:ext>
-    </p:extLst>
-  </p:cSld>
-  <p:clrMapOvr>
-    <a:masterClrMapping/>
-  </p:clrMapOvr>
-</p:notes>
-</file>
-
-<file path=ppt/notesSlides/notesSlide5.xml><?xml version="1.0" encoding="utf-8"?>
-<p:notes xmlns:a="http://schemas.openxmlformats.org/drawingml/2006/main" xmlns:r="http://schemas.openxmlformats.org/officeDocument/2006/relationships" xmlns:p="http://schemas.openxmlformats.org/presentationml/2006/main">
-  <p:cSld>
-    <p:spTree>
-      <p:nvGrpSpPr>
-        <p:cNvPr id="1" name=""/>
-        <p:cNvGrpSpPr/>
-        <p:nvPr/>
-      </p:nvGrpSpPr>
-      <p:grpSpPr>
-        <a:xfrm>
-          <a:off x="0" y="0"/>
-          <a:ext cx="0" cy="0"/>
-          <a:chOff x="0" y="0"/>
-          <a:chExt cx="0" cy="0"/>
-        </a:xfrm>
-      </p:grpSpPr>
-      <p:sp>
-        <p:nvSpPr>
-          <p:cNvPr id="2" name="Slide Image Placeholder 1"/>
-          <p:cNvSpPr>
-            <a:spLocks noGrp="1" noRot="1" noChangeAspect="1"/>
-          </p:cNvSpPr>
-          <p:nvPr>
-            <p:ph type="sldImg"/>
-          </p:nvPr>
-        </p:nvSpPr>
-        <p:spPr/>
-      </p:sp>
-      <p:sp>
-        <p:nvSpPr>
-          <p:cNvPr id="3" name="Notes Placeholder 2"/>
-          <p:cNvSpPr>
-            <a:spLocks noGrp="1"/>
-          </p:cNvSpPr>
-          <p:nvPr>
-            <p:ph type="body" idx="1"/>
-          </p:nvPr>
-        </p:nvSpPr>
-        <p:spPr/>
-        <p:txBody>
-          <a:bodyPr/>
-          <a:lstStyle/>
-          <a:p>
-            <a:r>
-              <a:rPr lang="en-US" sz="1200" b="1" i="0" kern="1200" dirty="0">
-                <a:solidFill>
-                  <a:schemeClr val="tx1"/>
-                </a:solidFill>
-                <a:effectLst/>
-                <a:latin typeface="+mn-lt"/>
-                <a:ea typeface="+mn-ea"/>
-                <a:cs typeface="+mn-cs"/>
-              </a:rPr>
-              <a:t>Data Sources:</a:t>
-            </a:r>
+            <a:endParaRPr lang="en-US" sz="1200" b="1" i="0" kern="1200" dirty="0">
+              <a:solidFill>
+                <a:schemeClr val="tx1"/>
+              </a:solidFill>
+              <a:effectLst/>
+              <a:latin typeface="+mn-lt"/>
+              <a:ea typeface="+mn-ea"/>
+              <a:cs typeface="+mn-cs"/>
+            </a:endParaRPr>
           </a:p>
           <a:p>
             <a:r>
@@ -1283,18 +6896,137 @@
           <a:p>
             <a:r>
               <a:rPr lang="en-US" dirty="0"/>
-              <a:t>Description of data types</a:t>
-            </a:r>
-          </a:p>
-          <a:p>
-            <a:r>
-              <a:rPr lang="en-US" dirty="0"/>
               <a:t>Outline</a:t>
             </a:r>
             <a:r>
               <a:rPr lang="en-US" baseline="0" dirty="0"/>
               <a:t> process of how data was incorporated into project.</a:t>
             </a:r>
+          </a:p>
+          <a:p>
+            <a:endParaRPr lang="en-US" baseline="0" dirty="0"/>
+          </a:p>
+          <a:p>
+            <a:endParaRPr lang="en-US" baseline="0" dirty="0"/>
+          </a:p>
+          <a:p>
+            <a:endParaRPr lang="en-US" dirty="0"/>
+          </a:p>
+        </p:txBody>
+      </p:sp>
+      <p:sp>
+        <p:nvSpPr>
+          <p:cNvPr id="4" name="Slide Number Placeholder 3"/>
+          <p:cNvSpPr>
+            <a:spLocks noGrp="1"/>
+          </p:cNvSpPr>
+          <p:nvPr>
+            <p:ph type="sldNum" sz="quarter" idx="5"/>
+          </p:nvPr>
+        </p:nvSpPr>
+        <p:spPr/>
+        <p:txBody>
+          <a:bodyPr/>
+          <a:lstStyle/>
+          <a:p>
+            <a:fld id="{4BEC4175-BDD0-3C46-B86B-D9C0005BE2C6}" type="slidenum">
+              <a:rPr lang="en-US" smtClean="0"/>
+              <a:t>4</a:t>
+            </a:fld>
+            <a:endParaRPr lang="en-US"/>
+          </a:p>
+        </p:txBody>
+      </p:sp>
+    </p:spTree>
+    <p:extLst>
+      <p:ext uri="{BB962C8B-B14F-4D97-AF65-F5344CB8AC3E}">
+        <p14:creationId xmlns:p14="http://schemas.microsoft.com/office/powerpoint/2010/main" val="292326850"/>
+      </p:ext>
+    </p:extLst>
+  </p:cSld>
+  <p:clrMapOvr>
+    <a:masterClrMapping/>
+  </p:clrMapOvr>
+</p:notes>
+</file>
+
+<file path=ppt/notesSlides/notesSlide5.xml><?xml version="1.0" encoding="utf-8"?>
+<p:notes xmlns:a="http://schemas.openxmlformats.org/drawingml/2006/main" xmlns:r="http://schemas.openxmlformats.org/officeDocument/2006/relationships" xmlns:p="http://schemas.openxmlformats.org/presentationml/2006/main">
+  <p:cSld>
+    <p:spTree>
+      <p:nvGrpSpPr>
+        <p:cNvPr id="1" name=""/>
+        <p:cNvGrpSpPr/>
+        <p:nvPr/>
+      </p:nvGrpSpPr>
+      <p:grpSpPr>
+        <a:xfrm>
+          <a:off x="0" y="0"/>
+          <a:ext cx="0" cy="0"/>
+          <a:chOff x="0" y="0"/>
+          <a:chExt cx="0" cy="0"/>
+        </a:xfrm>
+      </p:grpSpPr>
+      <p:sp>
+        <p:nvSpPr>
+          <p:cNvPr id="2" name="Slide Image Placeholder 1"/>
+          <p:cNvSpPr>
+            <a:spLocks noGrp="1" noRot="1" noChangeAspect="1"/>
+          </p:cNvSpPr>
+          <p:nvPr>
+            <p:ph type="sldImg"/>
+          </p:nvPr>
+        </p:nvSpPr>
+        <p:spPr/>
+      </p:sp>
+      <p:sp>
+        <p:nvSpPr>
+          <p:cNvPr id="3" name="Notes Placeholder 2"/>
+          <p:cNvSpPr>
+            <a:spLocks noGrp="1"/>
+          </p:cNvSpPr>
+          <p:nvPr>
+            <p:ph type="body" idx="1"/>
+          </p:nvPr>
+        </p:nvSpPr>
+        <p:spPr/>
+        <p:txBody>
+          <a:bodyPr/>
+          <a:lstStyle/>
+          <a:p>
+            <a:r>
+              <a:rPr lang="en-US" dirty="0"/>
+              <a:t>FLEMING:</a:t>
+            </a:r>
+          </a:p>
+          <a:p>
+            <a:endParaRPr lang="en-US" dirty="0"/>
+          </a:p>
+          <a:p>
+            <a:r>
+              <a:rPr lang="en-US" dirty="0"/>
+              <a:t>From the Smithsonian data source, there were two files which we retrieved queries delivered with Excel files.  We generated two queries: one based on volcanic emissions and the other based on geographic data.</a:t>
+            </a:r>
+          </a:p>
+          <a:p>
+            <a:endParaRPr lang="en-US" dirty="0"/>
+          </a:p>
+          <a:p>
+            <a:r>
+              <a:rPr lang="en-US" dirty="0"/>
+              <a:t>We munged these two lists into three separate table to normalize them for import into PostgreSQL. We encountered some challenges with importing the location table with latitude and longitude as combined foreign keys, so we split them into two tables so we could relate them as foreign keys from distinct tables.</a:t>
+            </a:r>
+          </a:p>
+          <a:p>
+            <a:endParaRPr lang="en-US" dirty="0"/>
+          </a:p>
+          <a:p>
+            <a:r>
+              <a:rPr lang="en-US" dirty="0"/>
+              <a:t>Then we converted the csv files to a json for querying in pandas.</a:t>
+            </a:r>
+          </a:p>
+          <a:p>
             <a:endParaRPr lang="en-US" dirty="0"/>
           </a:p>
         </p:txBody>
@@ -1325,7 +7057,7 @@
     </p:spTree>
     <p:extLst>
       <p:ext uri="{BB962C8B-B14F-4D97-AF65-F5344CB8AC3E}">
-        <p14:creationId xmlns:p14="http://schemas.microsoft.com/office/powerpoint/2010/main" val="292326850"/>
+        <p14:creationId xmlns:p14="http://schemas.microsoft.com/office/powerpoint/2010/main" val="2461912306"/>
       </p:ext>
     </p:extLst>
   </p:cSld>
@@ -1406,6 +7138,382 @@
                 <a:ea typeface="+mn-ea"/>
                 <a:cs typeface="+mn-cs"/>
               </a:rPr>
+              <a:t>BANU &amp; DAN</a:t>
+            </a:r>
+          </a:p>
+          <a:p>
+            <a:pPr marL="0" marR="0" lvl="0" indent="0" algn="l" defTabSz="914400" rtl="0" eaLnBrk="1" fontAlgn="auto" latinLnBrk="0" hangingPunct="1">
+              <a:lnSpc>
+                <a:spcPct val="100000"/>
+              </a:lnSpc>
+              <a:spcBef>
+                <a:spcPts val="0"/>
+              </a:spcBef>
+              <a:spcAft>
+                <a:spcPts val="0"/>
+              </a:spcAft>
+              <a:buClrTx/>
+              <a:buSzTx/>
+              <a:buFontTx/>
+              <a:buNone/>
+              <a:tabLst/>
+              <a:defRPr/>
+            </a:pPr>
+            <a:r>
+              <a:rPr lang="en-US" sz="1200" kern="1200" dirty="0">
+                <a:solidFill>
+                  <a:schemeClr val="tx1"/>
+                </a:solidFill>
+                <a:effectLst/>
+                <a:latin typeface="+mn-lt"/>
+                <a:ea typeface="+mn-ea"/>
+                <a:cs typeface="+mn-cs"/>
+              </a:rPr>
+              <a:t>project should include at least one JS library that we did not cover.</a:t>
+            </a:r>
+          </a:p>
+          <a:p>
+            <a:pPr marL="0" marR="0" lvl="0" indent="0" algn="l" defTabSz="914400" rtl="0" eaLnBrk="1" fontAlgn="auto" latinLnBrk="0" hangingPunct="1">
+              <a:lnSpc>
+                <a:spcPct val="100000"/>
+              </a:lnSpc>
+              <a:spcBef>
+                <a:spcPts val="0"/>
+              </a:spcBef>
+              <a:spcAft>
+                <a:spcPts val="0"/>
+              </a:spcAft>
+              <a:buClrTx/>
+              <a:buSzTx/>
+              <a:buFontTx/>
+              <a:buNone/>
+              <a:tabLst/>
+              <a:defRPr/>
+            </a:pPr>
+            <a:endParaRPr lang="en-US" sz="1200" kern="1200" dirty="0">
+              <a:solidFill>
+                <a:schemeClr val="tx1"/>
+              </a:solidFill>
+              <a:effectLst/>
+              <a:latin typeface="+mn-lt"/>
+              <a:ea typeface="+mn-ea"/>
+              <a:cs typeface="+mn-cs"/>
+            </a:endParaRPr>
+          </a:p>
+          <a:p>
+            <a:pPr marL="0" marR="0" lvl="0" indent="0" algn="l" defTabSz="914400" rtl="0" eaLnBrk="1" fontAlgn="auto" latinLnBrk="0" hangingPunct="1">
+              <a:lnSpc>
+                <a:spcPct val="100000"/>
+              </a:lnSpc>
+              <a:spcBef>
+                <a:spcPts val="0"/>
+              </a:spcBef>
+              <a:spcAft>
+                <a:spcPts val="0"/>
+              </a:spcAft>
+              <a:buClrTx/>
+              <a:buSzTx/>
+              <a:buFontTx/>
+              <a:buNone/>
+              <a:tabLst/>
+              <a:defRPr/>
+            </a:pPr>
+            <a:r>
+              <a:rPr lang="en-US" sz="1200" kern="1200" dirty="0">
+                <a:solidFill>
+                  <a:schemeClr val="tx1"/>
+                </a:solidFill>
+                <a:effectLst/>
+                <a:latin typeface="+mn-lt"/>
+                <a:ea typeface="+mn-ea"/>
+                <a:cs typeface="+mn-cs"/>
+              </a:rPr>
+              <a:t>To create our visualization, we used a Python Flask–powered API, HTML/CSS, JavaScript, Beautiful Soup, MongoDB and PostgreSQL.</a:t>
+            </a:r>
+          </a:p>
+          <a:p>
+            <a:pPr marL="0" marR="0" lvl="0" indent="0" algn="l" defTabSz="914400" rtl="0" eaLnBrk="1" fontAlgn="auto" latinLnBrk="0" hangingPunct="1">
+              <a:lnSpc>
+                <a:spcPct val="100000"/>
+              </a:lnSpc>
+              <a:spcBef>
+                <a:spcPts val="0"/>
+              </a:spcBef>
+              <a:spcAft>
+                <a:spcPts val="0"/>
+              </a:spcAft>
+              <a:buClrTx/>
+              <a:buSzTx/>
+              <a:buFontTx/>
+              <a:buNone/>
+              <a:tabLst/>
+              <a:defRPr/>
+            </a:pPr>
+            <a:endParaRPr lang="en-US" sz="1200" kern="1200" dirty="0">
+              <a:solidFill>
+                <a:schemeClr val="tx1"/>
+              </a:solidFill>
+              <a:effectLst/>
+              <a:latin typeface="+mn-lt"/>
+              <a:ea typeface="+mn-ea"/>
+              <a:cs typeface="+mn-cs"/>
+            </a:endParaRPr>
+          </a:p>
+          <a:p>
+            <a:endParaRPr lang="en-US" dirty="0"/>
+          </a:p>
+        </p:txBody>
+      </p:sp>
+      <p:sp>
+        <p:nvSpPr>
+          <p:cNvPr id="4" name="Slide Number Placeholder 3"/>
+          <p:cNvSpPr>
+            <a:spLocks noGrp="1"/>
+          </p:cNvSpPr>
+          <p:nvPr>
+            <p:ph type="sldNum" sz="quarter" idx="5"/>
+          </p:nvPr>
+        </p:nvSpPr>
+        <p:spPr/>
+        <p:txBody>
+          <a:bodyPr/>
+          <a:lstStyle/>
+          <a:p>
+            <a:fld id="{4BEC4175-BDD0-3C46-B86B-D9C0005BE2C6}" type="slidenum">
+              <a:rPr lang="en-US" smtClean="0"/>
+              <a:t>6</a:t>
+            </a:fld>
+            <a:endParaRPr lang="en-US"/>
+          </a:p>
+        </p:txBody>
+      </p:sp>
+    </p:spTree>
+    <p:extLst>
+      <p:ext uri="{BB962C8B-B14F-4D97-AF65-F5344CB8AC3E}">
+        <p14:creationId xmlns:p14="http://schemas.microsoft.com/office/powerpoint/2010/main" val="535507168"/>
+      </p:ext>
+    </p:extLst>
+  </p:cSld>
+  <p:clrMapOvr>
+    <a:masterClrMapping/>
+  </p:clrMapOvr>
+</p:notes>
+</file>
+
+<file path=ppt/notesSlides/notesSlide7.xml><?xml version="1.0" encoding="utf-8"?>
+<p:notes xmlns:a="http://schemas.openxmlformats.org/drawingml/2006/main" xmlns:r="http://schemas.openxmlformats.org/officeDocument/2006/relationships" xmlns:p="http://schemas.openxmlformats.org/presentationml/2006/main">
+  <p:cSld>
+    <p:spTree>
+      <p:nvGrpSpPr>
+        <p:cNvPr id="1" name=""/>
+        <p:cNvGrpSpPr/>
+        <p:nvPr/>
+      </p:nvGrpSpPr>
+      <p:grpSpPr>
+        <a:xfrm>
+          <a:off x="0" y="0"/>
+          <a:ext cx="0" cy="0"/>
+          <a:chOff x="0" y="0"/>
+          <a:chExt cx="0" cy="0"/>
+        </a:xfrm>
+      </p:grpSpPr>
+      <p:sp>
+        <p:nvSpPr>
+          <p:cNvPr id="2" name="Slide Image Placeholder 1"/>
+          <p:cNvSpPr>
+            <a:spLocks noGrp="1" noRot="1" noChangeAspect="1"/>
+          </p:cNvSpPr>
+          <p:nvPr>
+            <p:ph type="sldImg"/>
+          </p:nvPr>
+        </p:nvSpPr>
+        <p:spPr/>
+      </p:sp>
+      <p:sp>
+        <p:nvSpPr>
+          <p:cNvPr id="3" name="Notes Placeholder 2"/>
+          <p:cNvSpPr>
+            <a:spLocks noGrp="1"/>
+          </p:cNvSpPr>
+          <p:nvPr>
+            <p:ph type="body" idx="1"/>
+          </p:nvPr>
+        </p:nvSpPr>
+        <p:spPr/>
+        <p:txBody>
+          <a:bodyPr/>
+          <a:lstStyle/>
+          <a:p>
+            <a:endParaRPr lang="en-US" dirty="0"/>
+          </a:p>
+        </p:txBody>
+      </p:sp>
+      <p:sp>
+        <p:nvSpPr>
+          <p:cNvPr id="4" name="Slide Number Placeholder 3"/>
+          <p:cNvSpPr>
+            <a:spLocks noGrp="1"/>
+          </p:cNvSpPr>
+          <p:nvPr>
+            <p:ph type="sldNum" sz="quarter" idx="5"/>
+          </p:nvPr>
+        </p:nvSpPr>
+        <p:spPr/>
+        <p:txBody>
+          <a:bodyPr/>
+          <a:lstStyle/>
+          <a:p>
+            <a:fld id="{4BEC4175-BDD0-3C46-B86B-D9C0005BE2C6}" type="slidenum">
+              <a:rPr lang="en-US" smtClean="0"/>
+              <a:t>7</a:t>
+            </a:fld>
+            <a:endParaRPr lang="en-US"/>
+          </a:p>
+        </p:txBody>
+      </p:sp>
+    </p:spTree>
+    <p:extLst>
+      <p:ext uri="{BB962C8B-B14F-4D97-AF65-F5344CB8AC3E}">
+        <p14:creationId xmlns:p14="http://schemas.microsoft.com/office/powerpoint/2010/main" val="2939733473"/>
+      </p:ext>
+    </p:extLst>
+  </p:cSld>
+  <p:clrMapOvr>
+    <a:masterClrMapping/>
+  </p:clrMapOvr>
+</p:notes>
+</file>
+
+<file path=ppt/notesSlides/notesSlide8.xml><?xml version="1.0" encoding="utf-8"?>
+<p:notes xmlns:a="http://schemas.openxmlformats.org/drawingml/2006/main" xmlns:r="http://schemas.openxmlformats.org/officeDocument/2006/relationships" xmlns:p="http://schemas.openxmlformats.org/presentationml/2006/main">
+  <p:cSld>
+    <p:spTree>
+      <p:nvGrpSpPr>
+        <p:cNvPr id="1" name=""/>
+        <p:cNvGrpSpPr/>
+        <p:nvPr/>
+      </p:nvGrpSpPr>
+      <p:grpSpPr>
+        <a:xfrm>
+          <a:off x="0" y="0"/>
+          <a:ext cx="0" cy="0"/>
+          <a:chOff x="0" y="0"/>
+          <a:chExt cx="0" cy="0"/>
+        </a:xfrm>
+      </p:grpSpPr>
+      <p:sp>
+        <p:nvSpPr>
+          <p:cNvPr id="2" name="Slide Image Placeholder 1"/>
+          <p:cNvSpPr>
+            <a:spLocks noGrp="1" noRot="1" noChangeAspect="1"/>
+          </p:cNvSpPr>
+          <p:nvPr>
+            <p:ph type="sldImg"/>
+          </p:nvPr>
+        </p:nvSpPr>
+        <p:spPr/>
+      </p:sp>
+      <p:sp>
+        <p:nvSpPr>
+          <p:cNvPr id="3" name="Notes Placeholder 2"/>
+          <p:cNvSpPr>
+            <a:spLocks noGrp="1"/>
+          </p:cNvSpPr>
+          <p:nvPr>
+            <p:ph type="body" idx="1"/>
+          </p:nvPr>
+        </p:nvSpPr>
+        <p:spPr/>
+        <p:txBody>
+          <a:bodyPr/>
+          <a:lstStyle/>
+          <a:p>
+            <a:pPr marL="0" marR="0" lvl="0" indent="0" algn="l" defTabSz="914400" rtl="0" eaLnBrk="1" fontAlgn="auto" latinLnBrk="0" hangingPunct="1">
+              <a:lnSpc>
+                <a:spcPct val="100000"/>
+              </a:lnSpc>
+              <a:spcBef>
+                <a:spcPts val="0"/>
+              </a:spcBef>
+              <a:spcAft>
+                <a:spcPts val="0"/>
+              </a:spcAft>
+              <a:buClrTx/>
+              <a:buSzTx/>
+              <a:buFontTx/>
+              <a:buNone/>
+              <a:tabLst/>
+              <a:defRPr/>
+            </a:pPr>
+            <a:r>
+              <a:rPr lang="en-US" sz="1200" kern="1200" dirty="0">
+                <a:solidFill>
+                  <a:schemeClr val="tx1"/>
+                </a:solidFill>
+                <a:effectLst/>
+                <a:latin typeface="+mn-lt"/>
+                <a:ea typeface="+mn-ea"/>
+                <a:cs typeface="+mn-cs"/>
+              </a:rPr>
+              <a:t>BANU &amp; DAN:</a:t>
+            </a:r>
+          </a:p>
+          <a:p>
+            <a:pPr marL="0" marR="0" lvl="0" indent="0" algn="l" defTabSz="914400" rtl="0" eaLnBrk="1" fontAlgn="auto" latinLnBrk="0" hangingPunct="1">
+              <a:lnSpc>
+                <a:spcPct val="100000"/>
+              </a:lnSpc>
+              <a:spcBef>
+                <a:spcPts val="0"/>
+              </a:spcBef>
+              <a:spcAft>
+                <a:spcPts val="0"/>
+              </a:spcAft>
+              <a:buClrTx/>
+              <a:buSzTx/>
+              <a:buFontTx/>
+              <a:buNone/>
+              <a:tabLst/>
+              <a:defRPr/>
+            </a:pPr>
+            <a:endParaRPr lang="en-US" sz="1200" kern="1200" dirty="0">
+              <a:solidFill>
+                <a:schemeClr val="tx1"/>
+              </a:solidFill>
+              <a:effectLst/>
+              <a:latin typeface="+mn-lt"/>
+              <a:ea typeface="+mn-ea"/>
+              <a:cs typeface="+mn-cs"/>
+            </a:endParaRPr>
+          </a:p>
+          <a:p>
+            <a:pPr marL="0" marR="0" lvl="0" indent="0" algn="l" defTabSz="914400" rtl="0" eaLnBrk="1" fontAlgn="auto" latinLnBrk="0" hangingPunct="1">
+              <a:lnSpc>
+                <a:spcPct val="100000"/>
+              </a:lnSpc>
+              <a:spcBef>
+                <a:spcPts val="0"/>
+              </a:spcBef>
+              <a:spcAft>
+                <a:spcPts val="0"/>
+              </a:spcAft>
+              <a:buClrTx/>
+              <a:buSzTx/>
+              <a:buFontTx/>
+              <a:buNone/>
+              <a:tabLst/>
+              <a:defRPr/>
+            </a:pPr>
+            <a:r>
+              <a:rPr lang="en-US" sz="1200" kern="1200" dirty="0">
+                <a:solidFill>
+                  <a:schemeClr val="tx1"/>
+                </a:solidFill>
+                <a:effectLst/>
+                <a:latin typeface="+mn-lt"/>
+                <a:ea typeface="+mn-ea"/>
+                <a:cs typeface="+mn-cs"/>
+              </a:rPr>
               <a:t>Your final visualization should ideally include at least three views.</a:t>
             </a:r>
           </a:p>
@@ -1490,7 +7598,7 @@
           <a:p>
             <a:fld id="{4BEC4175-BDD0-3C46-B86B-D9C0005BE2C6}" type="slidenum">
               <a:rPr lang="en-US" smtClean="0"/>
-              <a:t>6</a:t>
+              <a:t>9</a:t>
             </a:fld>
             <a:endParaRPr lang="en-US"/>
           </a:p>
@@ -7315,6 +13423,180 @@
 </p:sld>
 </file>
 
+<file path=ppt/slides/slide10.xml><?xml version="1.0" encoding="utf-8"?>
+<p:sld xmlns:a="http://schemas.openxmlformats.org/drawingml/2006/main" xmlns:r="http://schemas.openxmlformats.org/officeDocument/2006/relationships" xmlns:p="http://schemas.openxmlformats.org/presentationml/2006/main">
+  <p:cSld>
+    <p:spTree>
+      <p:nvGrpSpPr>
+        <p:cNvPr id="1" name=""/>
+        <p:cNvGrpSpPr/>
+        <p:nvPr/>
+      </p:nvGrpSpPr>
+      <p:grpSpPr>
+        <a:xfrm>
+          <a:off x="0" y="0"/>
+          <a:ext cx="0" cy="0"/>
+          <a:chOff x="0" y="0"/>
+          <a:chExt cx="0" cy="0"/>
+        </a:xfrm>
+      </p:grpSpPr>
+      <p:sp>
+        <p:nvSpPr>
+          <p:cNvPr id="2" name="Title 1">
+            <a:extLst>
+              <a:ext uri="{FF2B5EF4-FFF2-40B4-BE49-F238E27FC236}">
+                <a16:creationId xmlns:a16="http://schemas.microsoft.com/office/drawing/2014/main" id="{C72793AE-909F-B247-BBA0-83CD5B48AD99}"/>
+              </a:ext>
+            </a:extLst>
+          </p:cNvPr>
+          <p:cNvSpPr>
+            <a:spLocks noGrp="1"/>
+          </p:cNvSpPr>
+          <p:nvPr>
+            <p:ph type="title"/>
+          </p:nvPr>
+        </p:nvSpPr>
+        <p:spPr/>
+        <p:txBody>
+          <a:bodyPr/>
+          <a:lstStyle/>
+          <a:p>
+            <a:r>
+              <a:rPr lang="en-US" dirty="0"/>
+              <a:t>Tectonic plate view </a:t>
+            </a:r>
+          </a:p>
+        </p:txBody>
+      </p:sp>
+      <p:pic>
+        <p:nvPicPr>
+          <p:cNvPr id="5" name="Content Placeholder 4" descr="Map&#10;&#10;Description automatically generated">
+            <a:extLst>
+              <a:ext uri="{FF2B5EF4-FFF2-40B4-BE49-F238E27FC236}">
+                <a16:creationId xmlns:a16="http://schemas.microsoft.com/office/drawing/2014/main" id="{9A601A18-FDB4-B149-9A8F-97E0819AFD88}"/>
+              </a:ext>
+            </a:extLst>
+          </p:cNvPr>
+          <p:cNvPicPr>
+            <a:picLocks noGrp="1" noChangeAspect="1"/>
+          </p:cNvPicPr>
+          <p:nvPr>
+            <p:ph idx="1"/>
+          </p:nvPr>
+        </p:nvPicPr>
+        <p:blipFill>
+          <a:blip r:embed="rId2"/>
+          <a:stretch>
+            <a:fillRect/>
+          </a:stretch>
+        </p:blipFill>
+        <p:spPr>
+          <a:xfrm>
+            <a:off x="1757004" y="2193925"/>
+            <a:ext cx="8677992" cy="4024313"/>
+          </a:xfrm>
+        </p:spPr>
+      </p:pic>
+    </p:spTree>
+    <p:extLst>
+      <p:ext uri="{BB962C8B-B14F-4D97-AF65-F5344CB8AC3E}">
+        <p14:creationId xmlns:p14="http://schemas.microsoft.com/office/powerpoint/2010/main" val="694001375"/>
+      </p:ext>
+    </p:extLst>
+  </p:cSld>
+  <p:clrMapOvr>
+    <a:masterClrMapping/>
+  </p:clrMapOvr>
+</p:sld>
+</file>
+
+<file path=ppt/slides/slide11.xml><?xml version="1.0" encoding="utf-8"?>
+<p:sld xmlns:a="http://schemas.openxmlformats.org/drawingml/2006/main" xmlns:r="http://schemas.openxmlformats.org/officeDocument/2006/relationships" xmlns:p="http://schemas.openxmlformats.org/presentationml/2006/main">
+  <p:cSld>
+    <p:spTree>
+      <p:nvGrpSpPr>
+        <p:cNvPr id="1" name=""/>
+        <p:cNvGrpSpPr/>
+        <p:nvPr/>
+      </p:nvGrpSpPr>
+      <p:grpSpPr>
+        <a:xfrm>
+          <a:off x="0" y="0"/>
+          <a:ext cx="0" cy="0"/>
+          <a:chOff x="0" y="0"/>
+          <a:chExt cx="0" cy="0"/>
+        </a:xfrm>
+      </p:grpSpPr>
+      <p:sp>
+        <p:nvSpPr>
+          <p:cNvPr id="2" name="Title 1">
+            <a:extLst>
+              <a:ext uri="{FF2B5EF4-FFF2-40B4-BE49-F238E27FC236}">
+                <a16:creationId xmlns:a16="http://schemas.microsoft.com/office/drawing/2014/main" id="{419FF6A2-0E20-774D-B9E6-7DD3DB0F81AC}"/>
+              </a:ext>
+            </a:extLst>
+          </p:cNvPr>
+          <p:cNvSpPr>
+            <a:spLocks noGrp="1"/>
+          </p:cNvSpPr>
+          <p:nvPr>
+            <p:ph type="title"/>
+          </p:nvPr>
+        </p:nvSpPr>
+        <p:spPr/>
+        <p:txBody>
+          <a:bodyPr/>
+          <a:lstStyle/>
+          <a:p>
+            <a:r>
+              <a:rPr lang="en-US" dirty="0"/>
+              <a:t>Marker view</a:t>
+            </a:r>
+          </a:p>
+        </p:txBody>
+      </p:sp>
+      <p:pic>
+        <p:nvPicPr>
+          <p:cNvPr id="5" name="Content Placeholder 4" descr="Map&#10;&#10;Description automatically generated">
+            <a:extLst>
+              <a:ext uri="{FF2B5EF4-FFF2-40B4-BE49-F238E27FC236}">
+                <a16:creationId xmlns:a16="http://schemas.microsoft.com/office/drawing/2014/main" id="{502D8402-E0A3-A449-BE14-A4B58D7AF2DD}"/>
+              </a:ext>
+            </a:extLst>
+          </p:cNvPr>
+          <p:cNvPicPr>
+            <a:picLocks noGrp="1" noChangeAspect="1"/>
+          </p:cNvPicPr>
+          <p:nvPr>
+            <p:ph idx="1"/>
+          </p:nvPr>
+        </p:nvPicPr>
+        <p:blipFill>
+          <a:blip r:embed="rId2"/>
+          <a:stretch>
+            <a:fillRect/>
+          </a:stretch>
+        </p:blipFill>
+        <p:spPr>
+          <a:xfrm>
+            <a:off x="1906858" y="2193925"/>
+            <a:ext cx="8378283" cy="4024313"/>
+          </a:xfrm>
+        </p:spPr>
+      </p:pic>
+    </p:spTree>
+    <p:extLst>
+      <p:ext uri="{BB962C8B-B14F-4D97-AF65-F5344CB8AC3E}">
+        <p14:creationId xmlns:p14="http://schemas.microsoft.com/office/powerpoint/2010/main" val="3458147609"/>
+      </p:ext>
+    </p:extLst>
+  </p:cSld>
+  <p:clrMapOvr>
+    <a:masterClrMapping/>
+  </p:clrMapOvr>
+</p:sld>
+</file>
+
 <file path=ppt/slides/slide2.xml><?xml version="1.0" encoding="utf-8"?>
 <p:sld xmlns:a="http://schemas.openxmlformats.org/drawingml/2006/main" xmlns:r="http://schemas.openxmlformats.org/officeDocument/2006/relationships" xmlns:p="http://schemas.openxmlformats.org/presentationml/2006/main">
   <p:cSld>
@@ -7340,12 +13622,12 @@
           <a:chExt cx="0" cy="0"/>
         </a:xfrm>
       </p:grpSpPr>
-      <p:sp>
-        <p:nvSpPr>
-          <p:cNvPr id="8" name="Rounded Rectangle 14">
+      <p:sp useBgFill="1">
+        <p:nvSpPr>
+          <p:cNvPr id="18" name="Rectangle 17">
             <a:extLst>
               <a:ext uri="{FF2B5EF4-FFF2-40B4-BE49-F238E27FC236}">
-                <a16:creationId xmlns:a16="http://schemas.microsoft.com/office/drawing/2014/main" id="{637BD688-14A6-4B96-B8A2-3CD81C054FCE}"/>
+                <a16:creationId xmlns:a16="http://schemas.microsoft.com/office/drawing/2014/main" id="{30BD2399-7475-404C-BAC9-E55E1676926A}"/>
               </a:ext>
               <a:ext uri="{C183D7F6-B498-43B3-948B-1728B52AA6E4}">
                 <adec:decorative xmlns:adec="http://schemas.microsoft.com/office/drawing/2017/decorative" val="1"/>
@@ -7365,19 +13647,15 @@
         </p:nvSpPr>
         <p:spPr>
           <a:xfrm>
-            <a:off x="4636008" y="0"/>
-            <a:ext cx="7555992" cy="6858000"/>
+            <a:off x="0" y="0"/>
+            <a:ext cx="12192000" cy="6858000"/>
           </a:xfrm>
           <a:prstGeom prst="rect">
             <a:avLst/>
           </a:prstGeom>
-          <a:solidFill>
-            <a:schemeClr val="bg2"/>
-          </a:solidFill>
           <a:ln>
             <a:noFill/>
           </a:ln>
-          <a:effectLst/>
         </p:spPr>
         <p:style>
           <a:lnRef idx="2">
@@ -7399,142 +13677,17 @@
           <a:bodyPr rtlCol="0" anchor="ctr"/>
           <a:lstStyle/>
           <a:p>
-            <a:pPr marL="0" marR="0" lvl="0" indent="0" algn="ctr" defTabSz="457200" rtl="0" eaLnBrk="1" fontAlgn="auto" latinLnBrk="0" hangingPunct="1">
-              <a:lnSpc>
-                <a:spcPct val="100000"/>
-              </a:lnSpc>
-              <a:spcBef>
-                <a:spcPts val="0"/>
-              </a:spcBef>
-              <a:spcAft>
-                <a:spcPts val="0"/>
-              </a:spcAft>
-              <a:buClrTx/>
-              <a:buSzTx/>
-              <a:buFontTx/>
-              <a:buNone/>
-              <a:tabLst/>
-              <a:defRPr/>
-            </a:pPr>
-            <a:endParaRPr kumimoji="0" lang="en-US" sz="1800" b="0" i="0" u="none" strike="noStrike" kern="1200" cap="none" spc="0" normalizeH="0" baseline="0" noProof="0">
-              <a:ln>
-                <a:noFill/>
-              </a:ln>
-              <a:solidFill>
-                <a:prstClr val="white"/>
-              </a:solidFill>
-              <a:effectLst/>
-              <a:uLnTx/>
-              <a:uFillTx/>
-              <a:latin typeface="Century Gothic" panose="020B0502020202020204"/>
-              <a:ea typeface="+mn-ea"/>
-              <a:cs typeface="+mn-cs"/>
-            </a:endParaRPr>
+            <a:pPr algn="ctr"/>
+            <a:endParaRPr lang="en-US"/>
           </a:p>
         </p:txBody>
       </p:sp>
-      <p:sp useBgFill="1">
-        <p:nvSpPr>
-          <p:cNvPr id="10" name="Rectangle 9">
+      <p:pic>
+        <p:nvPicPr>
+          <p:cNvPr id="20" name="Picture 19">
             <a:extLst>
               <a:ext uri="{FF2B5EF4-FFF2-40B4-BE49-F238E27FC236}">
-                <a16:creationId xmlns:a16="http://schemas.microsoft.com/office/drawing/2014/main" id="{B7B2544F-CA5E-40F6-9525-716A90C83FC5}"/>
-              </a:ext>
-              <a:ext uri="{C183D7F6-B498-43B3-948B-1728B52AA6E4}">
-                <adec:decorative xmlns:adec="http://schemas.microsoft.com/office/drawing/2017/decorative" val="1"/>
-              </a:ext>
-            </a:extLst>
-          </p:cNvPr>
-          <p:cNvSpPr>
-            <a:spLocks noGrp="1" noRot="1" noChangeAspect="1" noMove="1" noResize="1" noEditPoints="1" noAdjustHandles="1" noChangeArrowheads="1" noChangeShapeType="1" noTextEdit="1"/>
-          </p:cNvSpPr>
-          <p:nvPr>
-            <p:extLst>
-              <p:ext uri="{386F3935-93C4-4BCD-93E2-E3B085C9AB24}">
-                <p16:designElem xmlns:p16="http://schemas.microsoft.com/office/powerpoint/2015/main" val="1"/>
-              </p:ext>
-            </p:extLst>
-          </p:nvPr>
-        </p:nvSpPr>
-        <p:spPr>
-          <a:xfrm>
-            <a:off x="0" y="0"/>
-            <a:ext cx="4636008" cy="6858000"/>
-          </a:xfrm>
-          <a:prstGeom prst="rect">
-            <a:avLst/>
-          </a:prstGeom>
-          <a:ln>
-            <a:noFill/>
-          </a:ln>
-          <a:effectLst>
-            <a:outerShdw blurRad="63500" dist="38100" algn="l" rotWithShape="0">
-              <a:prstClr val="black">
-                <a:alpha val="40000"/>
-              </a:prstClr>
-            </a:outerShdw>
-          </a:effectLst>
-        </p:spPr>
-        <p:style>
-          <a:lnRef idx="2">
-            <a:schemeClr val="accent1">
-              <a:shade val="50000"/>
-            </a:schemeClr>
-          </a:lnRef>
-          <a:fillRef idx="1">
-            <a:schemeClr val="accent1"/>
-          </a:fillRef>
-          <a:effectRef idx="0">
-            <a:schemeClr val="accent1"/>
-          </a:effectRef>
-          <a:fontRef idx="minor">
-            <a:schemeClr val="lt1"/>
-          </a:fontRef>
-        </p:style>
-        <p:txBody>
-          <a:bodyPr rtlCol="0" anchor="ctr"/>
-          <a:lstStyle/>
-          <a:p>
-            <a:pPr marL="0" marR="0" lvl="0" indent="0" algn="ctr" defTabSz="457200" rtl="0" eaLnBrk="1" fontAlgn="auto" latinLnBrk="0" hangingPunct="1">
-              <a:lnSpc>
-                <a:spcPct val="100000"/>
-              </a:lnSpc>
-              <a:spcBef>
-                <a:spcPts val="0"/>
-              </a:spcBef>
-              <a:spcAft>
-                <a:spcPts val="0"/>
-              </a:spcAft>
-              <a:buClrTx/>
-              <a:buSzTx/>
-              <a:buFontTx/>
-              <a:buNone/>
-              <a:tabLst/>
-              <a:defRPr/>
-            </a:pPr>
-            <a:endParaRPr kumimoji="0" lang="en-US" sz="1800" b="0" i="0" u="none" strike="noStrike" kern="1200" cap="none" spc="0" normalizeH="0" baseline="0" noProof="0">
-              <a:ln>
-                <a:noFill/>
-              </a:ln>
-              <a:solidFill>
-                <a:prstClr val="white"/>
-              </a:solidFill>
-              <a:effectLst/>
-              <a:uLnTx/>
-              <a:uFillTx/>
-              <a:latin typeface="Century Gothic" panose="020B0502020202020204"/>
-              <a:ea typeface="+mn-ea"/>
-              <a:cs typeface="+mn-cs"/>
-            </a:endParaRPr>
-          </a:p>
-        </p:txBody>
-      </p:sp>
-      <p:pic>
-        <p:nvPicPr>
-          <p:cNvPr id="12" name="Picture 11">
-            <a:extLst>
-              <a:ext uri="{FF2B5EF4-FFF2-40B4-BE49-F238E27FC236}">
-                <a16:creationId xmlns:a16="http://schemas.microsoft.com/office/drawing/2014/main" id="{D2B93162-635C-46F5-97EC-E98C1659F1F0}"/>
+                <a16:creationId xmlns:a16="http://schemas.microsoft.com/office/drawing/2014/main" id="{0D748104-6E76-4AD9-9940-82154F97E7C1}"/>
               </a:ext>
               <a:ext uri="{C183D7F6-B498-43B3-948B-1728B52AA6E4}">
                 <adec:decorative xmlns:adec="http://schemas.microsoft.com/office/drawing/2017/decorative" val="1"/>
@@ -7552,7 +13705,7 @@
             </p:extLst>
           </p:nvPr>
         </p:nvPicPr>
-        <p:blipFill rotWithShape="1">
+        <p:blipFill>
           <a:blip r:embed="rId3">
             <a:extLst>
               <a:ext uri="{28A0092B-C50C-407E-A947-70E740481C1C}">
@@ -7560,13 +13713,14 @@
               </a:ext>
             </a:extLst>
           </a:blip>
-          <a:srcRect r="61975"/>
-          <a:stretch/>
+          <a:stretch>
+            <a:fillRect/>
+          </a:stretch>
         </p:blipFill>
         <p:spPr>
           <a:xfrm>
-            <a:off x="0" y="4375150"/>
-            <a:ext cx="4636008" cy="2482850"/>
+            <a:off x="0" y="0"/>
+            <a:ext cx="12192000" cy="1441450"/>
           </a:xfrm>
           <a:prstGeom prst="rect">
             <a:avLst/>
@@ -7591,8 +13745,8 @@
         </p:nvSpPr>
         <p:spPr>
           <a:xfrm>
-            <a:off x="665922" y="987287"/>
-            <a:ext cx="3548269" cy="4697896"/>
+            <a:off x="685800" y="1066163"/>
+            <a:ext cx="3306744" cy="5148371"/>
           </a:xfrm>
         </p:spPr>
         <p:txBody>
@@ -7602,65 +13756,43 @@
           <a:lstStyle/>
           <a:p>
             <a:r>
-              <a:rPr lang="en-US" sz="3600"/>
+              <a:rPr lang="en-US" sz="3200"/>
               <a:t>Team 2</a:t>
             </a:r>
           </a:p>
         </p:txBody>
       </p:sp>
-      <p:sp>
-        <p:nvSpPr>
-          <p:cNvPr id="3" name="Content Placeholder 2">
+      <p:graphicFrame>
+        <p:nvGraphicFramePr>
+          <p:cNvPr id="14" name="Content Placeholder 2">
             <a:extLst>
               <a:ext uri="{FF2B5EF4-FFF2-40B4-BE49-F238E27FC236}">
-                <a16:creationId xmlns:a16="http://schemas.microsoft.com/office/drawing/2014/main" id="{001B8758-EF2F-3741-ABE7-06D1B5FB239A}"/>
+                <a16:creationId xmlns:a16="http://schemas.microsoft.com/office/drawing/2014/main" id="{16B86209-FCB4-4B6A-9984-7A2AC869664E}"/>
               </a:ext>
             </a:extLst>
           </p:cNvPr>
-          <p:cNvSpPr>
-            <a:spLocks noGrp="1"/>
-          </p:cNvSpPr>
+          <p:cNvGraphicFramePr>
+            <a:graphicFrameLocks noGrp="1"/>
+          </p:cNvGraphicFramePr>
           <p:nvPr>
             <p:ph idx="1"/>
-          </p:nvPr>
-        </p:nvSpPr>
-        <p:spPr>
-          <a:xfrm>
-            <a:off x="5057825" y="987287"/>
-            <a:ext cx="5755949" cy="4697895"/>
-          </a:xfrm>
-        </p:spPr>
-        <p:txBody>
-          <a:bodyPr anchor="ctr">
-            <a:normAutofit/>
-          </a:bodyPr>
-          <a:lstStyle/>
-          <a:p>
-            <a:r>
-              <a:rPr lang="en-US" sz="1800"/>
-              <a:t>Banu Nathan</a:t>
-            </a:r>
-          </a:p>
-          <a:p>
-            <a:r>
-              <a:rPr lang="en-US" sz="1800"/>
-              <a:t>Fleming Brathwaite</a:t>
-            </a:r>
-          </a:p>
-          <a:p>
-            <a:r>
-              <a:rPr lang="en-US" sz="1800"/>
-              <a:t>Dan Freda</a:t>
-            </a:r>
-          </a:p>
-          <a:p>
-            <a:r>
-              <a:rPr lang="en-US" sz="1800"/>
-              <a:t>Shawntell Manning</a:t>
-            </a:r>
-          </a:p>
-        </p:txBody>
-      </p:sp>
+            <p:extLst>
+              <p:ext uri="{D42A27DB-BD31-4B8C-83A1-F6EECF244321}">
+                <p14:modId xmlns:p14="http://schemas.microsoft.com/office/powerpoint/2010/main" val="890097401"/>
+              </p:ext>
+            </p:extLst>
+          </p:nvPr>
+        </p:nvGraphicFramePr>
+        <p:xfrm>
+          <a:off x="4678344" y="1127125"/>
+          <a:ext cx="6403994" cy="5087409"/>
+        </p:xfrm>
+        <a:graphic>
+          <a:graphicData uri="http://schemas.openxmlformats.org/drawingml/2006/diagram">
+            <dgm:relIds xmlns:dgm="http://schemas.openxmlformats.org/drawingml/2006/diagram" xmlns:r="http://schemas.openxmlformats.org/officeDocument/2006/relationships" r:dm="rId4" r:lo="rId5" r:qs="rId6" r:cs="rId7"/>
+          </a:graphicData>
+        </a:graphic>
+      </p:graphicFrame>
     </p:spTree>
     <p:extLst>
       <p:ext uri="{BB962C8B-B14F-4D97-AF65-F5344CB8AC3E}">
@@ -8121,6 +14253,14 @@
 <file path=ppt/slides/slide4.xml><?xml version="1.0" encoding="utf-8"?>
 <p:sld xmlns:a="http://schemas.openxmlformats.org/drawingml/2006/main" xmlns:r="http://schemas.openxmlformats.org/officeDocument/2006/relationships" xmlns:p="http://schemas.openxmlformats.org/presentationml/2006/main">
   <p:cSld>
+    <p:bg>
+      <p:bgPr>
+        <a:solidFill>
+          <a:schemeClr val="bg1"/>
+        </a:solidFill>
+        <a:effectLst/>
+      </p:bgPr>
+    </p:bg>
     <p:spTree>
       <p:nvGrpSpPr>
         <p:cNvPr id="1" name=""/>
@@ -8135,12 +14275,117 @@
           <a:chExt cx="0" cy="0"/>
         </a:xfrm>
       </p:grpSpPr>
+      <p:sp useBgFill="1">
+        <p:nvSpPr>
+          <p:cNvPr id="18" name="Rectangle 17">
+            <a:extLst>
+              <a:ext uri="{FF2B5EF4-FFF2-40B4-BE49-F238E27FC236}">
+                <a16:creationId xmlns:a16="http://schemas.microsoft.com/office/drawing/2014/main" id="{30BD2399-7475-404C-BAC9-E55E1676926A}"/>
+              </a:ext>
+              <a:ext uri="{C183D7F6-B498-43B3-948B-1728B52AA6E4}">
+                <adec:decorative xmlns:adec="http://schemas.microsoft.com/office/drawing/2017/decorative" val="1"/>
+              </a:ext>
+            </a:extLst>
+          </p:cNvPr>
+          <p:cNvSpPr>
+            <a:spLocks noGrp="1" noRot="1" noChangeAspect="1" noMove="1" noResize="1" noEditPoints="1" noAdjustHandles="1" noChangeArrowheads="1" noChangeShapeType="1" noTextEdit="1"/>
+          </p:cNvSpPr>
+          <p:nvPr>
+            <p:extLst>
+              <p:ext uri="{386F3935-93C4-4BCD-93E2-E3B085C9AB24}">
+                <p16:designElem xmlns:p16="http://schemas.microsoft.com/office/powerpoint/2015/main" val="1"/>
+              </p:ext>
+            </p:extLst>
+          </p:nvPr>
+        </p:nvSpPr>
+        <p:spPr>
+          <a:xfrm>
+            <a:off x="0" y="0"/>
+            <a:ext cx="12192000" cy="6858000"/>
+          </a:xfrm>
+          <a:prstGeom prst="rect">
+            <a:avLst/>
+          </a:prstGeom>
+          <a:ln>
+            <a:noFill/>
+          </a:ln>
+        </p:spPr>
+        <p:style>
+          <a:lnRef idx="2">
+            <a:schemeClr val="accent1">
+              <a:shade val="50000"/>
+            </a:schemeClr>
+          </a:lnRef>
+          <a:fillRef idx="1">
+            <a:schemeClr val="accent1"/>
+          </a:fillRef>
+          <a:effectRef idx="0">
+            <a:schemeClr val="accent1"/>
+          </a:effectRef>
+          <a:fontRef idx="minor">
+            <a:schemeClr val="lt1"/>
+          </a:fontRef>
+        </p:style>
+        <p:txBody>
+          <a:bodyPr rtlCol="0" anchor="ctr"/>
+          <a:lstStyle/>
+          <a:p>
+            <a:pPr algn="ctr"/>
+            <a:endParaRPr lang="en-US"/>
+          </a:p>
+        </p:txBody>
+      </p:sp>
+      <p:pic>
+        <p:nvPicPr>
+          <p:cNvPr id="20" name="Picture 19">
+            <a:extLst>
+              <a:ext uri="{FF2B5EF4-FFF2-40B4-BE49-F238E27FC236}">
+                <a16:creationId xmlns:a16="http://schemas.microsoft.com/office/drawing/2014/main" id="{0D748104-6E76-4AD9-9940-82154F97E7C1}"/>
+              </a:ext>
+              <a:ext uri="{C183D7F6-B498-43B3-948B-1728B52AA6E4}">
+                <adec:decorative xmlns:adec="http://schemas.microsoft.com/office/drawing/2017/decorative" val="1"/>
+              </a:ext>
+            </a:extLst>
+          </p:cNvPr>
+          <p:cNvPicPr>
+            <a:picLocks noGrp="1" noRot="1" noChangeAspect="1" noMove="1" noResize="1" noEditPoints="1" noAdjustHandles="1" noChangeArrowheads="1" noChangeShapeType="1" noCrop="1"/>
+          </p:cNvPicPr>
+          <p:nvPr>
+            <p:extLst>
+              <p:ext uri="{386F3935-93C4-4BCD-93E2-E3B085C9AB24}">
+                <p16:designElem xmlns:p16="http://schemas.microsoft.com/office/powerpoint/2015/main" val="1"/>
+              </p:ext>
+            </p:extLst>
+          </p:nvPr>
+        </p:nvPicPr>
+        <p:blipFill>
+          <a:blip r:embed="rId3">
+            <a:extLst>
+              <a:ext uri="{28A0092B-C50C-407E-A947-70E740481C1C}">
+                <a14:useLocalDpi xmlns:a14="http://schemas.microsoft.com/office/drawing/2010/main" val="0"/>
+              </a:ext>
+            </a:extLst>
+          </a:blip>
+          <a:stretch>
+            <a:fillRect/>
+          </a:stretch>
+        </p:blipFill>
+        <p:spPr>
+          <a:xfrm>
+            <a:off x="0" y="0"/>
+            <a:ext cx="12192000" cy="1441450"/>
+          </a:xfrm>
+          <a:prstGeom prst="rect">
+            <a:avLst/>
+          </a:prstGeom>
+        </p:spPr>
+      </p:pic>
       <p:sp>
         <p:nvSpPr>
           <p:cNvPr id="2" name="Title 1">
             <a:extLst>
               <a:ext uri="{FF2B5EF4-FFF2-40B4-BE49-F238E27FC236}">
-                <a16:creationId xmlns:a16="http://schemas.microsoft.com/office/drawing/2014/main" id="{208EB3CE-F1F2-914A-B67B-AB32291DC06E}"/>
+                <a16:creationId xmlns:a16="http://schemas.microsoft.com/office/drawing/2014/main" id="{8F911C54-0508-D34D-9ED3-971FEEA9D7FA}"/>
               </a:ext>
             </a:extLst>
           </p:cNvPr>
@@ -8151,47 +14396,147 @@
             <p:ph type="title"/>
           </p:nvPr>
         </p:nvSpPr>
-        <p:spPr/>
+        <p:spPr>
+          <a:xfrm>
+            <a:off x="685800" y="1066163"/>
+            <a:ext cx="3306744" cy="5148371"/>
+          </a:xfrm>
+        </p:spPr>
         <p:txBody>
-          <a:bodyPr/>
+          <a:bodyPr>
+            <a:normAutofit/>
+          </a:bodyPr>
           <a:lstStyle/>
           <a:p>
             <a:r>
-              <a:rPr lang="en-US" dirty="0"/>
-              <a:t>Coding approach</a:t>
+              <a:rPr lang="en-US" sz="3200" dirty="0"/>
+              <a:t>Data munging techniques</a:t>
             </a:r>
           </a:p>
         </p:txBody>
       </p:sp>
-      <p:sp>
-        <p:nvSpPr>
-          <p:cNvPr id="3" name="Content Placeholder 2">
+      <p:graphicFrame>
+        <p:nvGraphicFramePr>
+          <p:cNvPr id="14" name="Content Placeholder 2">
             <a:extLst>
               <a:ext uri="{FF2B5EF4-FFF2-40B4-BE49-F238E27FC236}">
-                <a16:creationId xmlns:a16="http://schemas.microsoft.com/office/drawing/2014/main" id="{E9CE6979-5695-8C40-BB86-30C534458DA6}"/>
+                <a16:creationId xmlns:a16="http://schemas.microsoft.com/office/drawing/2014/main" id="{A0204E45-1A58-4142-8D27-8FEBCF2AEC9E}"/>
               </a:ext>
             </a:extLst>
           </p:cNvPr>
-          <p:cNvSpPr>
-            <a:spLocks noGrp="1"/>
-          </p:cNvSpPr>
+          <p:cNvGraphicFramePr>
+            <a:graphicFrameLocks noGrp="1"/>
+          </p:cNvGraphicFramePr>
           <p:nvPr>
             <p:ph idx="1"/>
-          </p:nvPr>
-        </p:nvSpPr>
-        <p:spPr/>
+            <p:extLst>
+              <p:ext uri="{D42A27DB-BD31-4B8C-83A1-F6EECF244321}">
+                <p14:modId xmlns:p14="http://schemas.microsoft.com/office/powerpoint/2010/main" val="1407748866"/>
+              </p:ext>
+            </p:extLst>
+          </p:nvPr>
+        </p:nvGraphicFramePr>
+        <p:xfrm>
+          <a:off x="4678344" y="885295"/>
+          <a:ext cx="6403994" cy="5087409"/>
+        </p:xfrm>
+        <a:graphic>
+          <a:graphicData uri="http://schemas.openxmlformats.org/drawingml/2006/diagram">
+            <dgm:relIds xmlns:dgm="http://schemas.openxmlformats.org/drawingml/2006/diagram" xmlns:r="http://schemas.openxmlformats.org/officeDocument/2006/relationships" r:dm="rId4" r:lo="rId5" r:qs="rId6" r:cs="rId7"/>
+          </a:graphicData>
+        </a:graphic>
+      </p:graphicFrame>
+      <p:sp>
+        <p:nvSpPr>
+          <p:cNvPr id="4" name="TextBox 3">
+            <a:extLst>
+              <a:ext uri="{FF2B5EF4-FFF2-40B4-BE49-F238E27FC236}">
+                <a16:creationId xmlns:a16="http://schemas.microsoft.com/office/drawing/2014/main" id="{42B314DB-0AB4-7245-BED6-A038593B1B5C}"/>
+              </a:ext>
+            </a:extLst>
+          </p:cNvPr>
+          <p:cNvSpPr txBox="1"/>
+          <p:nvPr/>
+        </p:nvSpPr>
+        <p:spPr>
+          <a:xfrm>
+            <a:off x="579872" y="5353523"/>
+            <a:ext cx="6825343" cy="1200329"/>
+          </a:xfrm>
+          <a:prstGeom prst="rect">
+            <a:avLst/>
+          </a:prstGeom>
+          <a:noFill/>
+        </p:spPr>
         <p:txBody>
-          <a:bodyPr/>
+          <a:bodyPr wrap="square" rtlCol="0">
+            <a:spAutoFit/>
+          </a:bodyPr>
           <a:lstStyle/>
           <a:p>
-            <a:endParaRPr lang="en-US"/>
+            <a:r>
+              <a:rPr lang="en-US" sz="900" b="1" dirty="0"/>
+              <a:t>Global Volcanism Program, 2013. Volcanoes of the World, v. 4.9.4 (17 Mar 2021). Venzke, E (ed.). Smithsonian Institution. Downloaded 23 Apr 2021. </a:t>
+            </a:r>
+            <a:r>
+              <a:rPr lang="en-US" sz="900" b="1" dirty="0">
+                <a:hlinkClick r:id="rId9">
+                  <a:extLst>
+                    <a:ext uri="{A12FA001-AC4F-418D-AE19-62706E023703}">
+                      <ahyp:hlinkClr xmlns:ahyp="http://schemas.microsoft.com/office/drawing/2018/hyperlinkcolor" val="tx"/>
+                    </a:ext>
+                  </a:extLst>
+                </a:hlinkClick>
+              </a:rPr>
+              <a:t>https://doi.org/10.5479/si.GVP.VOTW4-2013</a:t>
+            </a:r>
+            <a:r>
+              <a:rPr lang="en-US" sz="900" b="1" dirty="0"/>
+              <a:t>.</a:t>
+            </a:r>
+          </a:p>
+          <a:p>
+            <a:endParaRPr lang="en-US" sz="900" b="1" dirty="0"/>
+          </a:p>
+          <a:p>
+            <a:r>
+              <a:rPr lang="en-US" sz="900" b="1" dirty="0"/>
+              <a:t>National Geophysical Data Center / World Data Service (NGDC/WDS): NCEI/WDS Global Significant Earthquake Database. NOAA National Centers for Environmental Information. </a:t>
+            </a:r>
+            <a:r>
+              <a:rPr lang="en-US" sz="900" b="1" dirty="0">
+                <a:hlinkClick r:id="rId10" tooltip="Earthquake DOI Information"/>
+              </a:rPr>
+              <a:t>doi:10.7289/V5TD9V7K</a:t>
+            </a:r>
+            <a:endParaRPr lang="en-US" sz="900" b="1" dirty="0"/>
+          </a:p>
+          <a:p>
+            <a:endParaRPr lang="en-US" sz="900" b="1" dirty="0"/>
+          </a:p>
+          <a:p>
+            <a:r>
+              <a:rPr lang="en-US" sz="900" b="1" dirty="0"/>
+              <a:t>Oregon State University / http://</a:t>
+            </a:r>
+            <a:r>
+              <a:rPr lang="en-US" sz="900" b="1" dirty="0" err="1"/>
+              <a:t>volcano.oregonstate.edu</a:t>
+            </a:r>
+            <a:r>
+              <a:rPr lang="en-US" sz="900" b="1" dirty="0"/>
+              <a:t>/deadliest-eruption</a:t>
+            </a:r>
+          </a:p>
+          <a:p>
+            <a:endParaRPr lang="en-US" sz="900" dirty="0"/>
           </a:p>
         </p:txBody>
       </p:sp>
     </p:spTree>
     <p:extLst>
       <p:ext uri="{BB962C8B-B14F-4D97-AF65-F5344CB8AC3E}">
-        <p14:creationId xmlns:p14="http://schemas.microsoft.com/office/powerpoint/2010/main" val="680750375"/>
+        <p14:creationId xmlns:p14="http://schemas.microsoft.com/office/powerpoint/2010/main" val="4146391805"/>
       </p:ext>
     </p:extLst>
   </p:cSld>
@@ -8464,7 +14809,7 @@
           <p:cNvPr id="2" name="Title 1">
             <a:extLst>
               <a:ext uri="{FF2B5EF4-FFF2-40B4-BE49-F238E27FC236}">
-                <a16:creationId xmlns:a16="http://schemas.microsoft.com/office/drawing/2014/main" id="{8F911C54-0508-D34D-9ED3-971FEEA9D7FA}"/>
+                <a16:creationId xmlns:a16="http://schemas.microsoft.com/office/drawing/2014/main" id="{2D1D6FA7-DFAE-5845-A58D-5B8A66101BD9}"/>
               </a:ext>
             </a:extLst>
           </p:cNvPr>
@@ -8488,88 +14833,136 @@
           <a:lstStyle/>
           <a:p>
             <a:r>
-              <a:rPr lang="en-US" sz="3600"/>
-              <a:t>Data munging techniques</a:t>
+              <a:rPr lang="en-US" sz="3600" dirty="0"/>
+              <a:t>Entity relationship diagram</a:t>
             </a:r>
           </a:p>
         </p:txBody>
       </p:sp>
-      <p:sp>
-        <p:nvSpPr>
-          <p:cNvPr id="3" name="Content Placeholder 2">
+      <p:pic>
+        <p:nvPicPr>
+          <p:cNvPr id="5" name="Content Placeholder 4" descr="Diagram&#10;&#10;Description automatically generated">
             <a:extLst>
               <a:ext uri="{FF2B5EF4-FFF2-40B4-BE49-F238E27FC236}">
-                <a16:creationId xmlns:a16="http://schemas.microsoft.com/office/drawing/2014/main" id="{49EDAD69-11E3-354B-AD8D-0BC7D9A89463}"/>
+                <a16:creationId xmlns:a16="http://schemas.microsoft.com/office/drawing/2014/main" id="{706F5CDA-F97C-FE4B-A366-6196BE3179DF}"/>
               </a:ext>
             </a:extLst>
           </p:cNvPr>
-          <p:cNvSpPr>
-            <a:spLocks noGrp="1"/>
-          </p:cNvSpPr>
+          <p:cNvPicPr>
+            <a:picLocks noGrp="1" noChangeAspect="1"/>
+          </p:cNvPicPr>
           <p:nvPr>
             <p:ph idx="1"/>
           </p:nvPr>
-        </p:nvSpPr>
+        </p:nvPicPr>
+        <p:blipFill rotWithShape="1">
+          <a:blip r:embed="rId4"/>
+          <a:srcRect l="14357" t="13376" r="17751" b="28629"/>
+          <a:stretch/>
+        </p:blipFill>
         <p:spPr>
           <a:xfrm>
-            <a:off x="5057825" y="987287"/>
-            <a:ext cx="5755949" cy="4697895"/>
+            <a:off x="4953915" y="1350818"/>
+            <a:ext cx="6984492" cy="4828829"/>
           </a:xfrm>
-          <a:solidFill>
-            <a:schemeClr val="bg1"/>
-          </a:solidFill>
+        </p:spPr>
+      </p:pic>
+      <p:sp>
+        <p:nvSpPr>
+          <p:cNvPr id="6" name="TextBox 5">
+            <a:extLst>
+              <a:ext uri="{FF2B5EF4-FFF2-40B4-BE49-F238E27FC236}">
+                <a16:creationId xmlns:a16="http://schemas.microsoft.com/office/drawing/2014/main" id="{990524D6-8F2A-6140-9D14-2982521BA1E0}"/>
+              </a:ext>
+            </a:extLst>
+          </p:cNvPr>
+          <p:cNvSpPr txBox="1"/>
+          <p:nvPr/>
+        </p:nvSpPr>
+        <p:spPr>
+          <a:xfrm>
+            <a:off x="5301930" y="261257"/>
+            <a:ext cx="2797041" cy="923330"/>
+          </a:xfrm>
+          <a:prstGeom prst="rect">
+            <a:avLst/>
+          </a:prstGeom>
+          <a:noFill/>
         </p:spPr>
         <p:txBody>
-          <a:bodyPr anchor="ctr">
-            <a:normAutofit/>
+          <a:bodyPr wrap="square" rtlCol="0">
+            <a:spAutoFit/>
           </a:bodyPr>
           <a:lstStyle/>
           <a:p>
             <a:r>
-              <a:rPr lang="en-US" sz="1800" b="1" dirty="0"/>
-              <a:t>Smithsonian Institution: Global Volcanism Program</a:t>
+              <a:rPr lang="en-US" dirty="0"/>
+              <a:t>Emissions - 360</a:t>
             </a:r>
           </a:p>
           <a:p>
-            <a:pPr lvl="1"/>
             <a:r>
-              <a:rPr lang="en-US" sz="1600" dirty="0"/>
-              <a:t>File Type: </a:t>
+              <a:rPr lang="en-US" dirty="0"/>
+              <a:t>Locations –  118</a:t>
+            </a:r>
+          </a:p>
+          <a:p>
+            <a:r>
+              <a:rPr lang="en-US" dirty="0"/>
+              <a:t>Volcanoes - 118</a:t>
+            </a:r>
+          </a:p>
+        </p:txBody>
+      </p:sp>
+      <p:sp>
+        <p:nvSpPr>
+          <p:cNvPr id="7" name="TextBox 6">
+            <a:extLst>
+              <a:ext uri="{FF2B5EF4-FFF2-40B4-BE49-F238E27FC236}">
+                <a16:creationId xmlns:a16="http://schemas.microsoft.com/office/drawing/2014/main" id="{D8C154FA-2A8A-D347-BE2D-95AD21F869B9}"/>
+              </a:ext>
+            </a:extLst>
+          </p:cNvPr>
+          <p:cNvSpPr txBox="1"/>
+          <p:nvPr/>
+        </p:nvSpPr>
+        <p:spPr>
+          <a:xfrm>
+            <a:off x="4745339" y="6310275"/>
+            <a:ext cx="5982532" cy="369332"/>
+          </a:xfrm>
+          <a:prstGeom prst="rect">
+            <a:avLst/>
+          </a:prstGeom>
+          <a:noFill/>
+        </p:spPr>
+        <p:txBody>
+          <a:bodyPr wrap="square" rtlCol="0">
+            <a:spAutoFit/>
+          </a:bodyPr>
+          <a:lstStyle/>
+          <a:p>
+            <a:r>
+              <a:rPr lang="en-US" sz="900" dirty="0"/>
+              <a:t>Global Volcanism Program, 2013. Volcanoes of the World, v. 4.9.4 (17 Mar 2021). Venzke, E (ed.). Smithsonian Institution. Downloaded 23 Apr 2021. </a:t>
             </a:r>
             <a:r>
-              <a:rPr lang="en-US" sz="1600" dirty="0">
-                <a:hlinkClick r:id="rId4"/>
+              <a:rPr lang="en-US" sz="900" dirty="0">
+                <a:hlinkClick r:id="rId5"/>
               </a:rPr>
-              <a:t>Excel</a:t>
-            </a:r>
-            <a:endParaRPr lang="en-US" sz="1600" dirty="0"/>
-          </a:p>
-          <a:p>
-            <a:r>
-              <a:rPr lang="en-US" sz="1800" b="1" dirty="0"/>
-              <a:t>NOAA: Significant Volcanic Eruption Database</a:t>
-            </a:r>
-          </a:p>
-          <a:p>
-            <a:pPr lvl="1"/>
-            <a:r>
-              <a:rPr lang="en-US" sz="1600" dirty="0"/>
-              <a:t>File Type: </a:t>
+              <a:t>https://doi.org/10.5479/si.GVP.VOTW4-2013</a:t>
             </a:r>
             <a:r>
-              <a:rPr lang="en-US" sz="1600" dirty="0">
-                <a:hlinkClick r:id="rId5"/>
-              </a:rPr>
-              <a:t>Json</a:t>
+              <a:rPr lang="en-US" sz="900" dirty="0"/>
+              <a:t>.</a:t>
             </a:r>
-            <a:endParaRPr lang="en-US" sz="1600" dirty="0"/>
           </a:p>
         </p:txBody>
       </p:sp>
     </p:spTree>
     <p:extLst>
       <p:ext uri="{BB962C8B-B14F-4D97-AF65-F5344CB8AC3E}">
-        <p14:creationId xmlns:p14="http://schemas.microsoft.com/office/powerpoint/2010/main" val="4146391805"/>
+        <p14:creationId xmlns:p14="http://schemas.microsoft.com/office/powerpoint/2010/main" val="588399412"/>
       </p:ext>
     </p:extLst>
   </p:cSld>
@@ -8580,6 +14973,919 @@
 </file>
 
 <file path=ppt/slides/slide6.xml><?xml version="1.0" encoding="utf-8"?>
+<p:sld xmlns:a="http://schemas.openxmlformats.org/drawingml/2006/main" xmlns:r="http://schemas.openxmlformats.org/officeDocument/2006/relationships" xmlns:p="http://schemas.openxmlformats.org/presentationml/2006/main">
+  <p:cSld>
+    <p:bg>
+      <p:bgPr>
+        <a:solidFill>
+          <a:schemeClr val="bg1"/>
+        </a:solidFill>
+        <a:effectLst/>
+      </p:bgPr>
+    </p:bg>
+    <p:spTree>
+      <p:nvGrpSpPr>
+        <p:cNvPr id="1" name=""/>
+        <p:cNvGrpSpPr/>
+        <p:nvPr/>
+      </p:nvGrpSpPr>
+      <p:grpSpPr>
+        <a:xfrm>
+          <a:off x="0" y="0"/>
+          <a:ext cx="0" cy="0"/>
+          <a:chOff x="0" y="0"/>
+          <a:chExt cx="0" cy="0"/>
+        </a:xfrm>
+      </p:grpSpPr>
+      <p:sp useBgFill="1">
+        <p:nvSpPr>
+          <p:cNvPr id="20" name="Rectangle 19">
+            <a:extLst>
+              <a:ext uri="{FF2B5EF4-FFF2-40B4-BE49-F238E27FC236}">
+                <a16:creationId xmlns:a16="http://schemas.microsoft.com/office/drawing/2014/main" id="{CD94F7C0-1344-4B3C-AFCB-E7F006BB5348}"/>
+              </a:ext>
+              <a:ext uri="{C183D7F6-B498-43B3-948B-1728B52AA6E4}">
+                <adec:decorative xmlns:adec="http://schemas.microsoft.com/office/drawing/2017/decorative" val="1"/>
+              </a:ext>
+            </a:extLst>
+          </p:cNvPr>
+          <p:cNvSpPr>
+            <a:spLocks noGrp="1" noRot="1" noChangeAspect="1" noMove="1" noResize="1" noEditPoints="1" noAdjustHandles="1" noChangeArrowheads="1" noChangeShapeType="1" noTextEdit="1"/>
+          </p:cNvSpPr>
+          <p:nvPr>
+            <p:extLst>
+              <p:ext uri="{386F3935-93C4-4BCD-93E2-E3B085C9AB24}">
+                <p16:designElem xmlns:p16="http://schemas.microsoft.com/office/powerpoint/2015/main" val="1"/>
+              </p:ext>
+            </p:extLst>
+          </p:nvPr>
+        </p:nvSpPr>
+        <p:spPr>
+          <a:xfrm>
+            <a:off x="0" y="0"/>
+            <a:ext cx="12192000" cy="6858000"/>
+          </a:xfrm>
+          <a:prstGeom prst="rect">
+            <a:avLst/>
+          </a:prstGeom>
+          <a:ln>
+            <a:noFill/>
+          </a:ln>
+        </p:spPr>
+        <p:style>
+          <a:lnRef idx="2">
+            <a:schemeClr val="accent1">
+              <a:shade val="50000"/>
+            </a:schemeClr>
+          </a:lnRef>
+          <a:fillRef idx="1">
+            <a:schemeClr val="accent1"/>
+          </a:fillRef>
+          <a:effectRef idx="0">
+            <a:schemeClr val="accent1"/>
+          </a:effectRef>
+          <a:fontRef idx="minor">
+            <a:schemeClr val="lt1"/>
+          </a:fontRef>
+        </p:style>
+        <p:txBody>
+          <a:bodyPr rtlCol="0" anchor="ctr"/>
+          <a:lstStyle/>
+          <a:p>
+            <a:pPr algn="ctr"/>
+            <a:endParaRPr lang="en-US"/>
+          </a:p>
+        </p:txBody>
+      </p:sp>
+      <p:pic>
+        <p:nvPicPr>
+          <p:cNvPr id="22" name="Picture 21">
+            <a:extLst>
+              <a:ext uri="{FF2B5EF4-FFF2-40B4-BE49-F238E27FC236}">
+                <a16:creationId xmlns:a16="http://schemas.microsoft.com/office/drawing/2014/main" id="{4EC584A2-4215-4DB8-AE1F-E3768D77E8DE}"/>
+              </a:ext>
+              <a:ext uri="{C183D7F6-B498-43B3-948B-1728B52AA6E4}">
+                <adec:decorative xmlns:adec="http://schemas.microsoft.com/office/drawing/2017/decorative" val="1"/>
+              </a:ext>
+            </a:extLst>
+          </p:cNvPr>
+          <p:cNvPicPr>
+            <a:picLocks noGrp="1" noRot="1" noChangeAspect="1" noMove="1" noResize="1" noEditPoints="1" noAdjustHandles="1" noChangeArrowheads="1" noChangeShapeType="1" noCrop="1"/>
+          </p:cNvPicPr>
+          <p:nvPr>
+            <p:extLst>
+              <p:ext uri="{386F3935-93C4-4BCD-93E2-E3B085C9AB24}">
+                <p16:designElem xmlns:p16="http://schemas.microsoft.com/office/powerpoint/2015/main" val="1"/>
+              </p:ext>
+            </p:extLst>
+          </p:nvPr>
+        </p:nvPicPr>
+        <p:blipFill>
+          <a:blip r:embed="rId3">
+            <a:extLst>
+              <a:ext uri="{28A0092B-C50C-407E-A947-70E740481C1C}">
+                <a14:useLocalDpi xmlns:a14="http://schemas.microsoft.com/office/drawing/2010/main" val="0"/>
+              </a:ext>
+            </a:extLst>
+          </a:blip>
+          <a:stretch>
+            <a:fillRect/>
+          </a:stretch>
+        </p:blipFill>
+        <p:spPr>
+          <a:xfrm>
+            <a:off x="0" y="0"/>
+            <a:ext cx="12192000" cy="1441450"/>
+          </a:xfrm>
+          <a:prstGeom prst="rect">
+            <a:avLst/>
+          </a:prstGeom>
+        </p:spPr>
+      </p:pic>
+      <p:sp>
+        <p:nvSpPr>
+          <p:cNvPr id="2" name="Title 1">
+            <a:extLst>
+              <a:ext uri="{FF2B5EF4-FFF2-40B4-BE49-F238E27FC236}">
+                <a16:creationId xmlns:a16="http://schemas.microsoft.com/office/drawing/2014/main" id="{208EB3CE-F1F2-914A-B67B-AB32291DC06E}"/>
+              </a:ext>
+            </a:extLst>
+          </p:cNvPr>
+          <p:cNvSpPr>
+            <a:spLocks noGrp="1"/>
+          </p:cNvSpPr>
+          <p:nvPr>
+            <p:ph type="title"/>
+          </p:nvPr>
+        </p:nvSpPr>
+        <p:spPr>
+          <a:xfrm>
+            <a:off x="685799" y="764373"/>
+            <a:ext cx="3977639" cy="1600200"/>
+          </a:xfrm>
+        </p:spPr>
+        <p:txBody>
+          <a:bodyPr anchor="b">
+            <a:normAutofit/>
+          </a:bodyPr>
+          <a:lstStyle/>
+          <a:p>
+            <a:pPr algn="l"/>
+            <a:r>
+              <a:rPr lang="en-US" sz="3200"/>
+              <a:t>Coding approach</a:t>
+            </a:r>
+          </a:p>
+        </p:txBody>
+      </p:sp>
+      <p:sp>
+        <p:nvSpPr>
+          <p:cNvPr id="17" name="Content Placeholder 16">
+            <a:extLst>
+              <a:ext uri="{FF2B5EF4-FFF2-40B4-BE49-F238E27FC236}">
+                <a16:creationId xmlns:a16="http://schemas.microsoft.com/office/drawing/2014/main" id="{F9DAD112-A239-42A7-B04F-9210D9AB1F31}"/>
+              </a:ext>
+            </a:extLst>
+          </p:cNvPr>
+          <p:cNvSpPr>
+            <a:spLocks noGrp="1"/>
+          </p:cNvSpPr>
+          <p:nvPr>
+            <p:ph idx="1"/>
+          </p:nvPr>
+        </p:nvSpPr>
+        <p:spPr>
+          <a:xfrm>
+            <a:off x="685800" y="2364573"/>
+            <a:ext cx="3977639" cy="3854112"/>
+          </a:xfrm>
+        </p:spPr>
+        <p:txBody>
+          <a:bodyPr>
+            <a:normAutofit/>
+          </a:bodyPr>
+          <a:lstStyle/>
+          <a:p>
+            <a:pPr marL="0" indent="0">
+              <a:buNone/>
+            </a:pPr>
+            <a:endParaRPr lang="en-US" sz="1600" dirty="0"/>
+          </a:p>
+        </p:txBody>
+      </p:sp>
+      <p:pic>
+        <p:nvPicPr>
+          <p:cNvPr id="5" name="Content Placeholder 4" descr="Text&#10;&#10;Description automatically generated">
+            <a:extLst>
+              <a:ext uri="{FF2B5EF4-FFF2-40B4-BE49-F238E27FC236}">
+                <a16:creationId xmlns:a16="http://schemas.microsoft.com/office/drawing/2014/main" id="{FC65AABD-2D95-CF42-89FA-C1600B72295A}"/>
+              </a:ext>
+            </a:extLst>
+          </p:cNvPr>
+          <p:cNvPicPr>
+            <a:picLocks noChangeAspect="1"/>
+          </p:cNvPicPr>
+          <p:nvPr/>
+        </p:nvPicPr>
+        <p:blipFill>
+          <a:blip r:embed="rId4"/>
+          <a:stretch>
+            <a:fillRect/>
+          </a:stretch>
+        </p:blipFill>
+        <p:spPr>
+          <a:xfrm>
+            <a:off x="5199139" y="746126"/>
+            <a:ext cx="6080621" cy="5472558"/>
+          </a:xfrm>
+          <a:prstGeom prst="rect">
+            <a:avLst/>
+          </a:prstGeom>
+        </p:spPr>
+      </p:pic>
+    </p:spTree>
+    <p:extLst>
+      <p:ext uri="{BB962C8B-B14F-4D97-AF65-F5344CB8AC3E}">
+        <p14:creationId xmlns:p14="http://schemas.microsoft.com/office/powerpoint/2010/main" val="680750375"/>
+      </p:ext>
+    </p:extLst>
+  </p:cSld>
+  <p:clrMapOvr>
+    <a:masterClrMapping/>
+  </p:clrMapOvr>
+</p:sld>
+</file>
+
+<file path=ppt/slides/slide7.xml><?xml version="1.0" encoding="utf-8"?>
+<p:sld xmlns:a="http://schemas.openxmlformats.org/drawingml/2006/main" xmlns:r="http://schemas.openxmlformats.org/officeDocument/2006/relationships" xmlns:p="http://schemas.openxmlformats.org/presentationml/2006/main">
+  <p:cSld>
+    <p:bg>
+      <p:bgPr>
+        <a:solidFill>
+          <a:schemeClr val="bg1"/>
+        </a:solidFill>
+        <a:effectLst/>
+      </p:bgPr>
+    </p:bg>
+    <p:spTree>
+      <p:nvGrpSpPr>
+        <p:cNvPr id="1" name=""/>
+        <p:cNvGrpSpPr/>
+        <p:nvPr/>
+      </p:nvGrpSpPr>
+      <p:grpSpPr>
+        <a:xfrm>
+          <a:off x="0" y="0"/>
+          <a:ext cx="0" cy="0"/>
+          <a:chOff x="0" y="0"/>
+          <a:chExt cx="0" cy="0"/>
+        </a:xfrm>
+      </p:grpSpPr>
+      <p:sp>
+        <p:nvSpPr>
+          <p:cNvPr id="8" name="Rounded Rectangle 14">
+            <a:extLst>
+              <a:ext uri="{FF2B5EF4-FFF2-40B4-BE49-F238E27FC236}">
+                <a16:creationId xmlns:a16="http://schemas.microsoft.com/office/drawing/2014/main" id="{637BD688-14A6-4B96-B8A2-3CD81C054FCE}"/>
+              </a:ext>
+              <a:ext uri="{C183D7F6-B498-43B3-948B-1728B52AA6E4}">
+                <adec:decorative xmlns:adec="http://schemas.microsoft.com/office/drawing/2017/decorative" val="1"/>
+              </a:ext>
+            </a:extLst>
+          </p:cNvPr>
+          <p:cNvSpPr>
+            <a:spLocks noGrp="1" noRot="1" noChangeAspect="1" noMove="1" noResize="1" noEditPoints="1" noAdjustHandles="1" noChangeArrowheads="1" noChangeShapeType="1" noTextEdit="1"/>
+          </p:cNvSpPr>
+          <p:nvPr>
+            <p:extLst>
+              <p:ext uri="{386F3935-93C4-4BCD-93E2-E3B085C9AB24}">
+                <p16:designElem xmlns:p16="http://schemas.microsoft.com/office/powerpoint/2015/main" val="1"/>
+              </p:ext>
+            </p:extLst>
+          </p:nvPr>
+        </p:nvSpPr>
+        <p:spPr>
+          <a:xfrm>
+            <a:off x="4636008" y="0"/>
+            <a:ext cx="7555992" cy="6858000"/>
+          </a:xfrm>
+          <a:prstGeom prst="rect">
+            <a:avLst/>
+          </a:prstGeom>
+          <a:solidFill>
+            <a:schemeClr val="bg2"/>
+          </a:solidFill>
+          <a:ln>
+            <a:noFill/>
+          </a:ln>
+          <a:effectLst/>
+        </p:spPr>
+        <p:style>
+          <a:lnRef idx="2">
+            <a:schemeClr val="accent1">
+              <a:shade val="50000"/>
+            </a:schemeClr>
+          </a:lnRef>
+          <a:fillRef idx="1">
+            <a:schemeClr val="accent1"/>
+          </a:fillRef>
+          <a:effectRef idx="0">
+            <a:schemeClr val="accent1"/>
+          </a:effectRef>
+          <a:fontRef idx="minor">
+            <a:schemeClr val="lt1"/>
+          </a:fontRef>
+        </p:style>
+        <p:txBody>
+          <a:bodyPr rtlCol="0" anchor="ctr"/>
+          <a:lstStyle/>
+          <a:p>
+            <a:pPr marL="0" marR="0" lvl="0" indent="0" algn="ctr" defTabSz="457200" rtl="0" eaLnBrk="1" fontAlgn="auto" latinLnBrk="0" hangingPunct="1">
+              <a:lnSpc>
+                <a:spcPct val="100000"/>
+              </a:lnSpc>
+              <a:spcBef>
+                <a:spcPts val="0"/>
+              </a:spcBef>
+              <a:spcAft>
+                <a:spcPts val="0"/>
+              </a:spcAft>
+              <a:buClrTx/>
+              <a:buSzTx/>
+              <a:buFontTx/>
+              <a:buNone/>
+              <a:tabLst/>
+              <a:defRPr/>
+            </a:pPr>
+            <a:endParaRPr kumimoji="0" lang="en-US" sz="1800" b="0" i="0" u="none" strike="noStrike" kern="1200" cap="none" spc="0" normalizeH="0" baseline="0" noProof="0">
+              <a:ln>
+                <a:noFill/>
+              </a:ln>
+              <a:solidFill>
+                <a:prstClr val="white"/>
+              </a:solidFill>
+              <a:effectLst/>
+              <a:uLnTx/>
+              <a:uFillTx/>
+              <a:latin typeface="Century Gothic" panose="020B0502020202020204"/>
+              <a:ea typeface="+mn-ea"/>
+              <a:cs typeface="+mn-cs"/>
+            </a:endParaRPr>
+          </a:p>
+        </p:txBody>
+      </p:sp>
+      <p:sp useBgFill="1">
+        <p:nvSpPr>
+          <p:cNvPr id="10" name="Rectangle 9">
+            <a:extLst>
+              <a:ext uri="{FF2B5EF4-FFF2-40B4-BE49-F238E27FC236}">
+                <a16:creationId xmlns:a16="http://schemas.microsoft.com/office/drawing/2014/main" id="{B7B2544F-CA5E-40F6-9525-716A90C83FC5}"/>
+              </a:ext>
+              <a:ext uri="{C183D7F6-B498-43B3-948B-1728B52AA6E4}">
+                <adec:decorative xmlns:adec="http://schemas.microsoft.com/office/drawing/2017/decorative" val="1"/>
+              </a:ext>
+            </a:extLst>
+          </p:cNvPr>
+          <p:cNvSpPr>
+            <a:spLocks noGrp="1" noRot="1" noChangeAspect="1" noMove="1" noResize="1" noEditPoints="1" noAdjustHandles="1" noChangeArrowheads="1" noChangeShapeType="1" noTextEdit="1"/>
+          </p:cNvSpPr>
+          <p:nvPr>
+            <p:extLst>
+              <p:ext uri="{386F3935-93C4-4BCD-93E2-E3B085C9AB24}">
+                <p16:designElem xmlns:p16="http://schemas.microsoft.com/office/powerpoint/2015/main" val="1"/>
+              </p:ext>
+            </p:extLst>
+          </p:nvPr>
+        </p:nvSpPr>
+        <p:spPr>
+          <a:xfrm>
+            <a:off x="0" y="0"/>
+            <a:ext cx="4636008" cy="6858000"/>
+          </a:xfrm>
+          <a:prstGeom prst="rect">
+            <a:avLst/>
+          </a:prstGeom>
+          <a:ln>
+            <a:noFill/>
+          </a:ln>
+          <a:effectLst>
+            <a:outerShdw blurRad="63500" dist="38100" algn="l" rotWithShape="0">
+              <a:prstClr val="black">
+                <a:alpha val="40000"/>
+              </a:prstClr>
+            </a:outerShdw>
+          </a:effectLst>
+        </p:spPr>
+        <p:style>
+          <a:lnRef idx="2">
+            <a:schemeClr val="accent1">
+              <a:shade val="50000"/>
+            </a:schemeClr>
+          </a:lnRef>
+          <a:fillRef idx="1">
+            <a:schemeClr val="accent1"/>
+          </a:fillRef>
+          <a:effectRef idx="0">
+            <a:schemeClr val="accent1"/>
+          </a:effectRef>
+          <a:fontRef idx="minor">
+            <a:schemeClr val="lt1"/>
+          </a:fontRef>
+        </p:style>
+        <p:txBody>
+          <a:bodyPr rtlCol="0" anchor="ctr"/>
+          <a:lstStyle/>
+          <a:p>
+            <a:pPr marL="0" marR="0" lvl="0" indent="0" algn="ctr" defTabSz="457200" rtl="0" eaLnBrk="1" fontAlgn="auto" latinLnBrk="0" hangingPunct="1">
+              <a:lnSpc>
+                <a:spcPct val="100000"/>
+              </a:lnSpc>
+              <a:spcBef>
+                <a:spcPts val="0"/>
+              </a:spcBef>
+              <a:spcAft>
+                <a:spcPts val="0"/>
+              </a:spcAft>
+              <a:buClrTx/>
+              <a:buSzTx/>
+              <a:buFontTx/>
+              <a:buNone/>
+              <a:tabLst/>
+              <a:defRPr/>
+            </a:pPr>
+            <a:endParaRPr kumimoji="0" lang="en-US" sz="1800" b="0" i="0" u="none" strike="noStrike" kern="1200" cap="none" spc="0" normalizeH="0" baseline="0" noProof="0">
+              <a:ln>
+                <a:noFill/>
+              </a:ln>
+              <a:solidFill>
+                <a:prstClr val="white"/>
+              </a:solidFill>
+              <a:effectLst/>
+              <a:uLnTx/>
+              <a:uFillTx/>
+              <a:latin typeface="Century Gothic" panose="020B0502020202020204"/>
+              <a:ea typeface="+mn-ea"/>
+              <a:cs typeface="+mn-cs"/>
+            </a:endParaRPr>
+          </a:p>
+        </p:txBody>
+      </p:sp>
+      <p:pic>
+        <p:nvPicPr>
+          <p:cNvPr id="12" name="Picture 11">
+            <a:extLst>
+              <a:ext uri="{FF2B5EF4-FFF2-40B4-BE49-F238E27FC236}">
+                <a16:creationId xmlns:a16="http://schemas.microsoft.com/office/drawing/2014/main" id="{D2B93162-635C-46F5-97EC-E98C1659F1F0}"/>
+              </a:ext>
+              <a:ext uri="{C183D7F6-B498-43B3-948B-1728B52AA6E4}">
+                <adec:decorative xmlns:adec="http://schemas.microsoft.com/office/drawing/2017/decorative" val="1"/>
+              </a:ext>
+            </a:extLst>
+          </p:cNvPr>
+          <p:cNvPicPr>
+            <a:picLocks noGrp="1" noRot="1" noChangeAspect="1" noMove="1" noResize="1" noEditPoints="1" noAdjustHandles="1" noChangeArrowheads="1" noChangeShapeType="1" noCrop="1"/>
+          </p:cNvPicPr>
+          <p:nvPr>
+            <p:extLst>
+              <p:ext uri="{386F3935-93C4-4BCD-93E2-E3B085C9AB24}">
+                <p16:designElem xmlns:p16="http://schemas.microsoft.com/office/powerpoint/2015/main" val="1"/>
+              </p:ext>
+            </p:extLst>
+          </p:nvPr>
+        </p:nvPicPr>
+        <p:blipFill rotWithShape="1">
+          <a:blip r:embed="rId3">
+            <a:extLst>
+              <a:ext uri="{28A0092B-C50C-407E-A947-70E740481C1C}">
+                <a14:useLocalDpi xmlns:a14="http://schemas.microsoft.com/office/drawing/2010/main" val="0"/>
+              </a:ext>
+            </a:extLst>
+          </a:blip>
+          <a:srcRect r="61975"/>
+          <a:stretch/>
+        </p:blipFill>
+        <p:spPr>
+          <a:xfrm>
+            <a:off x="0" y="4375150"/>
+            <a:ext cx="4636008" cy="2482850"/>
+          </a:xfrm>
+          <a:prstGeom prst="rect">
+            <a:avLst/>
+          </a:prstGeom>
+        </p:spPr>
+      </p:pic>
+      <p:sp>
+        <p:nvSpPr>
+          <p:cNvPr id="2" name="Title 1">
+            <a:extLst>
+              <a:ext uri="{FF2B5EF4-FFF2-40B4-BE49-F238E27FC236}">
+                <a16:creationId xmlns:a16="http://schemas.microsoft.com/office/drawing/2014/main" id="{362EE795-450B-BC4C-8F14-33C7240D7C6A}"/>
+              </a:ext>
+            </a:extLst>
+          </p:cNvPr>
+          <p:cNvSpPr>
+            <a:spLocks noGrp="1"/>
+          </p:cNvSpPr>
+          <p:nvPr>
+            <p:ph type="title"/>
+          </p:nvPr>
+        </p:nvSpPr>
+        <p:spPr>
+          <a:xfrm>
+            <a:off x="89288" y="780219"/>
+            <a:ext cx="3548269" cy="2256183"/>
+          </a:xfrm>
+        </p:spPr>
+        <p:txBody>
+          <a:bodyPr>
+            <a:normAutofit/>
+          </a:bodyPr>
+          <a:lstStyle/>
+          <a:p>
+            <a:r>
+              <a:rPr lang="en-US" sz="3600" dirty="0"/>
+              <a:t>Coding approach</a:t>
+            </a:r>
+          </a:p>
+        </p:txBody>
+      </p:sp>
+      <p:pic>
+        <p:nvPicPr>
+          <p:cNvPr id="16" name="Picture 15" descr="Text&#10;&#10;Description automatically generated">
+            <a:extLst>
+              <a:ext uri="{FF2B5EF4-FFF2-40B4-BE49-F238E27FC236}">
+                <a16:creationId xmlns:a16="http://schemas.microsoft.com/office/drawing/2014/main" id="{B3BF8595-50FA-3048-A0BC-6CF7AD081897}"/>
+              </a:ext>
+            </a:extLst>
+          </p:cNvPr>
+          <p:cNvPicPr>
+            <a:picLocks noChangeAspect="1"/>
+          </p:cNvPicPr>
+          <p:nvPr/>
+        </p:nvPicPr>
+        <p:blipFill rotWithShape="1">
+          <a:blip r:embed="rId4"/>
+          <a:srcRect l="18579" t="2727" r="38025" b="7273"/>
+          <a:stretch/>
+        </p:blipFill>
+        <p:spPr>
+          <a:xfrm>
+            <a:off x="4725297" y="0"/>
+            <a:ext cx="7466704" cy="6857999"/>
+          </a:xfrm>
+          <a:prstGeom prst="rect">
+            <a:avLst/>
+          </a:prstGeom>
+        </p:spPr>
+      </p:pic>
+    </p:spTree>
+    <p:extLst>
+      <p:ext uri="{BB962C8B-B14F-4D97-AF65-F5344CB8AC3E}">
+        <p14:creationId xmlns:p14="http://schemas.microsoft.com/office/powerpoint/2010/main" val="3292250555"/>
+      </p:ext>
+    </p:extLst>
+  </p:cSld>
+  <p:clrMapOvr>
+    <a:masterClrMapping/>
+  </p:clrMapOvr>
+</p:sld>
+</file>
+
+<file path=ppt/slides/slide8.xml><?xml version="1.0" encoding="utf-8"?>
+<p:sld xmlns:a="http://schemas.openxmlformats.org/drawingml/2006/main" xmlns:r="http://schemas.openxmlformats.org/officeDocument/2006/relationships" xmlns:p="http://schemas.openxmlformats.org/presentationml/2006/main">
+  <p:cSld>
+    <p:bg>
+      <p:bgPr>
+        <a:solidFill>
+          <a:schemeClr val="bg1"/>
+        </a:solidFill>
+        <a:effectLst/>
+      </p:bgPr>
+    </p:bg>
+    <p:spTree>
+      <p:nvGrpSpPr>
+        <p:cNvPr id="1" name=""/>
+        <p:cNvGrpSpPr/>
+        <p:nvPr/>
+      </p:nvGrpSpPr>
+      <p:grpSpPr>
+        <a:xfrm>
+          <a:off x="0" y="0"/>
+          <a:ext cx="0" cy="0"/>
+          <a:chOff x="0" y="0"/>
+          <a:chExt cx="0" cy="0"/>
+        </a:xfrm>
+      </p:grpSpPr>
+      <p:sp>
+        <p:nvSpPr>
+          <p:cNvPr id="8" name="Rounded Rectangle 14">
+            <a:extLst>
+              <a:ext uri="{FF2B5EF4-FFF2-40B4-BE49-F238E27FC236}">
+                <a16:creationId xmlns:a16="http://schemas.microsoft.com/office/drawing/2014/main" id="{637BD688-14A6-4B96-B8A2-3CD81C054FCE}"/>
+              </a:ext>
+              <a:ext uri="{C183D7F6-B498-43B3-948B-1728B52AA6E4}">
+                <adec:decorative xmlns:adec="http://schemas.microsoft.com/office/drawing/2017/decorative" val="1"/>
+              </a:ext>
+            </a:extLst>
+          </p:cNvPr>
+          <p:cNvSpPr>
+            <a:spLocks noGrp="1" noRot="1" noChangeAspect="1" noMove="1" noResize="1" noEditPoints="1" noAdjustHandles="1" noChangeArrowheads="1" noChangeShapeType="1" noTextEdit="1"/>
+          </p:cNvSpPr>
+          <p:nvPr>
+            <p:extLst>
+              <p:ext uri="{386F3935-93C4-4BCD-93E2-E3B085C9AB24}">
+                <p16:designElem xmlns:p16="http://schemas.microsoft.com/office/powerpoint/2015/main" val="1"/>
+              </p:ext>
+            </p:extLst>
+          </p:nvPr>
+        </p:nvSpPr>
+        <p:spPr>
+          <a:xfrm>
+            <a:off x="4636008" y="0"/>
+            <a:ext cx="7555992" cy="6858000"/>
+          </a:xfrm>
+          <a:prstGeom prst="rect">
+            <a:avLst/>
+          </a:prstGeom>
+          <a:solidFill>
+            <a:schemeClr val="bg2"/>
+          </a:solidFill>
+          <a:ln>
+            <a:noFill/>
+          </a:ln>
+          <a:effectLst/>
+        </p:spPr>
+        <p:style>
+          <a:lnRef idx="2">
+            <a:schemeClr val="accent1">
+              <a:shade val="50000"/>
+            </a:schemeClr>
+          </a:lnRef>
+          <a:fillRef idx="1">
+            <a:schemeClr val="accent1"/>
+          </a:fillRef>
+          <a:effectRef idx="0">
+            <a:schemeClr val="accent1"/>
+          </a:effectRef>
+          <a:fontRef idx="minor">
+            <a:schemeClr val="lt1"/>
+          </a:fontRef>
+        </p:style>
+        <p:txBody>
+          <a:bodyPr rtlCol="0" anchor="ctr"/>
+          <a:lstStyle/>
+          <a:p>
+            <a:pPr marL="0" marR="0" lvl="0" indent="0" algn="ctr" defTabSz="457200" rtl="0" eaLnBrk="1" fontAlgn="auto" latinLnBrk="0" hangingPunct="1">
+              <a:lnSpc>
+                <a:spcPct val="100000"/>
+              </a:lnSpc>
+              <a:spcBef>
+                <a:spcPts val="0"/>
+              </a:spcBef>
+              <a:spcAft>
+                <a:spcPts val="0"/>
+              </a:spcAft>
+              <a:buClrTx/>
+              <a:buSzTx/>
+              <a:buFontTx/>
+              <a:buNone/>
+              <a:tabLst/>
+              <a:defRPr/>
+            </a:pPr>
+            <a:endParaRPr kumimoji="0" lang="en-US" sz="1800" b="0" i="0" u="none" strike="noStrike" kern="1200" cap="none" spc="0" normalizeH="0" baseline="0" noProof="0">
+              <a:ln>
+                <a:noFill/>
+              </a:ln>
+              <a:solidFill>
+                <a:prstClr val="white"/>
+              </a:solidFill>
+              <a:effectLst/>
+              <a:uLnTx/>
+              <a:uFillTx/>
+              <a:latin typeface="Century Gothic" panose="020B0502020202020204"/>
+              <a:ea typeface="+mn-ea"/>
+              <a:cs typeface="+mn-cs"/>
+            </a:endParaRPr>
+          </a:p>
+        </p:txBody>
+      </p:sp>
+      <p:sp useBgFill="1">
+        <p:nvSpPr>
+          <p:cNvPr id="10" name="Rectangle 9">
+            <a:extLst>
+              <a:ext uri="{FF2B5EF4-FFF2-40B4-BE49-F238E27FC236}">
+                <a16:creationId xmlns:a16="http://schemas.microsoft.com/office/drawing/2014/main" id="{B7B2544F-CA5E-40F6-9525-716A90C83FC5}"/>
+              </a:ext>
+              <a:ext uri="{C183D7F6-B498-43B3-948B-1728B52AA6E4}">
+                <adec:decorative xmlns:adec="http://schemas.microsoft.com/office/drawing/2017/decorative" val="1"/>
+              </a:ext>
+            </a:extLst>
+          </p:cNvPr>
+          <p:cNvSpPr>
+            <a:spLocks noGrp="1" noRot="1" noChangeAspect="1" noMove="1" noResize="1" noEditPoints="1" noAdjustHandles="1" noChangeArrowheads="1" noChangeShapeType="1" noTextEdit="1"/>
+          </p:cNvSpPr>
+          <p:nvPr>
+            <p:extLst>
+              <p:ext uri="{386F3935-93C4-4BCD-93E2-E3B085C9AB24}">
+                <p16:designElem xmlns:p16="http://schemas.microsoft.com/office/powerpoint/2015/main" val="1"/>
+              </p:ext>
+            </p:extLst>
+          </p:nvPr>
+        </p:nvSpPr>
+        <p:spPr>
+          <a:xfrm>
+            <a:off x="0" y="0"/>
+            <a:ext cx="4636008" cy="6858000"/>
+          </a:xfrm>
+          <a:prstGeom prst="rect">
+            <a:avLst/>
+          </a:prstGeom>
+          <a:ln>
+            <a:noFill/>
+          </a:ln>
+          <a:effectLst>
+            <a:outerShdw blurRad="63500" dist="38100" algn="l" rotWithShape="0">
+              <a:prstClr val="black">
+                <a:alpha val="40000"/>
+              </a:prstClr>
+            </a:outerShdw>
+          </a:effectLst>
+        </p:spPr>
+        <p:style>
+          <a:lnRef idx="2">
+            <a:schemeClr val="accent1">
+              <a:shade val="50000"/>
+            </a:schemeClr>
+          </a:lnRef>
+          <a:fillRef idx="1">
+            <a:schemeClr val="accent1"/>
+          </a:fillRef>
+          <a:effectRef idx="0">
+            <a:schemeClr val="accent1"/>
+          </a:effectRef>
+          <a:fontRef idx="minor">
+            <a:schemeClr val="lt1"/>
+          </a:fontRef>
+        </p:style>
+        <p:txBody>
+          <a:bodyPr rtlCol="0" anchor="ctr"/>
+          <a:lstStyle/>
+          <a:p>
+            <a:pPr marL="0" marR="0" lvl="0" indent="0" algn="ctr" defTabSz="457200" rtl="0" eaLnBrk="1" fontAlgn="auto" latinLnBrk="0" hangingPunct="1">
+              <a:lnSpc>
+                <a:spcPct val="100000"/>
+              </a:lnSpc>
+              <a:spcBef>
+                <a:spcPts val="0"/>
+              </a:spcBef>
+              <a:spcAft>
+                <a:spcPts val="0"/>
+              </a:spcAft>
+              <a:buClrTx/>
+              <a:buSzTx/>
+              <a:buFontTx/>
+              <a:buNone/>
+              <a:tabLst/>
+              <a:defRPr/>
+            </a:pPr>
+            <a:endParaRPr kumimoji="0" lang="en-US" sz="1800" b="0" i="0" u="none" strike="noStrike" kern="1200" cap="none" spc="0" normalizeH="0" baseline="0" noProof="0">
+              <a:ln>
+                <a:noFill/>
+              </a:ln>
+              <a:solidFill>
+                <a:prstClr val="white"/>
+              </a:solidFill>
+              <a:effectLst/>
+              <a:uLnTx/>
+              <a:uFillTx/>
+              <a:latin typeface="Century Gothic" panose="020B0502020202020204"/>
+              <a:ea typeface="+mn-ea"/>
+              <a:cs typeface="+mn-cs"/>
+            </a:endParaRPr>
+          </a:p>
+        </p:txBody>
+      </p:sp>
+      <p:pic>
+        <p:nvPicPr>
+          <p:cNvPr id="12" name="Picture 11">
+            <a:extLst>
+              <a:ext uri="{FF2B5EF4-FFF2-40B4-BE49-F238E27FC236}">
+                <a16:creationId xmlns:a16="http://schemas.microsoft.com/office/drawing/2014/main" id="{D2B93162-635C-46F5-97EC-E98C1659F1F0}"/>
+              </a:ext>
+              <a:ext uri="{C183D7F6-B498-43B3-948B-1728B52AA6E4}">
+                <adec:decorative xmlns:adec="http://schemas.microsoft.com/office/drawing/2017/decorative" val="1"/>
+              </a:ext>
+            </a:extLst>
+          </p:cNvPr>
+          <p:cNvPicPr>
+            <a:picLocks noGrp="1" noRot="1" noChangeAspect="1" noMove="1" noResize="1" noEditPoints="1" noAdjustHandles="1" noChangeArrowheads="1" noChangeShapeType="1" noCrop="1"/>
+          </p:cNvPicPr>
+          <p:nvPr>
+            <p:extLst>
+              <p:ext uri="{386F3935-93C4-4BCD-93E2-E3B085C9AB24}">
+                <p16:designElem xmlns:p16="http://schemas.microsoft.com/office/powerpoint/2015/main" val="1"/>
+              </p:ext>
+            </p:extLst>
+          </p:nvPr>
+        </p:nvPicPr>
+        <p:blipFill rotWithShape="1">
+          <a:blip r:embed="rId2">
+            <a:extLst>
+              <a:ext uri="{28A0092B-C50C-407E-A947-70E740481C1C}">
+                <a14:useLocalDpi xmlns:a14="http://schemas.microsoft.com/office/drawing/2010/main" val="0"/>
+              </a:ext>
+            </a:extLst>
+          </a:blip>
+          <a:srcRect r="61975"/>
+          <a:stretch/>
+        </p:blipFill>
+        <p:spPr>
+          <a:xfrm>
+            <a:off x="0" y="4375150"/>
+            <a:ext cx="4636008" cy="2482850"/>
+          </a:xfrm>
+          <a:prstGeom prst="rect">
+            <a:avLst/>
+          </a:prstGeom>
+        </p:spPr>
+      </p:pic>
+      <p:sp>
+        <p:nvSpPr>
+          <p:cNvPr id="2" name="Title 1">
+            <a:extLst>
+              <a:ext uri="{FF2B5EF4-FFF2-40B4-BE49-F238E27FC236}">
+                <a16:creationId xmlns:a16="http://schemas.microsoft.com/office/drawing/2014/main" id="{FA7AC65E-04C2-B24A-B7BE-F4FFCC666E5B}"/>
+              </a:ext>
+            </a:extLst>
+          </p:cNvPr>
+          <p:cNvSpPr>
+            <a:spLocks noGrp="1"/>
+          </p:cNvSpPr>
+          <p:nvPr>
+            <p:ph type="title"/>
+          </p:nvPr>
+        </p:nvSpPr>
+        <p:spPr>
+          <a:xfrm>
+            <a:off x="665922" y="987287"/>
+            <a:ext cx="3548269" cy="4697896"/>
+          </a:xfrm>
+        </p:spPr>
+        <p:txBody>
+          <a:bodyPr>
+            <a:normAutofit/>
+          </a:bodyPr>
+          <a:lstStyle/>
+          <a:p>
+            <a:r>
+              <a:rPr lang="en-US" sz="3600" dirty="0"/>
+              <a:t>Coding approach</a:t>
+            </a:r>
+          </a:p>
+        </p:txBody>
+      </p:sp>
+      <p:pic>
+        <p:nvPicPr>
+          <p:cNvPr id="5" name="Content Placeholder 4" descr="Text&#10;&#10;Description automatically generated">
+            <a:extLst>
+              <a:ext uri="{FF2B5EF4-FFF2-40B4-BE49-F238E27FC236}">
+                <a16:creationId xmlns:a16="http://schemas.microsoft.com/office/drawing/2014/main" id="{360B1256-3219-3346-9035-4FBA5A85EAA1}"/>
+              </a:ext>
+            </a:extLst>
+          </p:cNvPr>
+          <p:cNvPicPr>
+            <a:picLocks noGrp="1" noChangeAspect="1"/>
+          </p:cNvPicPr>
+          <p:nvPr>
+            <p:ph idx="1"/>
+          </p:nvPr>
+        </p:nvPicPr>
+        <p:blipFill rotWithShape="1">
+          <a:blip r:embed="rId3"/>
+          <a:srcRect l="19030" t="2803" r="37318" b="7983"/>
+          <a:stretch/>
+        </p:blipFill>
+        <p:spPr>
+          <a:xfrm>
+            <a:off x="5507182" y="15016"/>
+            <a:ext cx="5939394" cy="6827967"/>
+          </a:xfrm>
+        </p:spPr>
+      </p:pic>
+    </p:spTree>
+    <p:extLst>
+      <p:ext uri="{BB962C8B-B14F-4D97-AF65-F5344CB8AC3E}">
+        <p14:creationId xmlns:p14="http://schemas.microsoft.com/office/powerpoint/2010/main" val="972125982"/>
+      </p:ext>
+    </p:extLst>
+  </p:cSld>
+  <p:clrMapOvr>
+    <a:masterClrMapping/>
+  </p:clrMapOvr>
+</p:sld>
+</file>
+
+<file path=ppt/slides/slide9.xml><?xml version="1.0" encoding="utf-8"?>
 <p:sld xmlns:a="http://schemas.openxmlformats.org/drawingml/2006/main" xmlns:r="http://schemas.openxmlformats.org/officeDocument/2006/relationships" xmlns:p="http://schemas.openxmlformats.org/presentationml/2006/main">
   <p:cSld>
     <p:spTree>
@@ -8624,31 +15930,35 @@
           </a:p>
         </p:txBody>
       </p:sp>
-      <p:sp>
-        <p:nvSpPr>
-          <p:cNvPr id="3" name="Content Placeholder 2">
+      <p:pic>
+        <p:nvPicPr>
+          <p:cNvPr id="5" name="Content Placeholder 4" descr="A screenshot of a video game&#10;&#10;Description automatically generated">
             <a:extLst>
               <a:ext uri="{FF2B5EF4-FFF2-40B4-BE49-F238E27FC236}">
-                <a16:creationId xmlns:a16="http://schemas.microsoft.com/office/drawing/2014/main" id="{43BA8808-1827-9840-926B-BC9175D20218}"/>
+                <a16:creationId xmlns:a16="http://schemas.microsoft.com/office/drawing/2014/main" id="{8A5028EC-9F97-3241-8389-329969F7F84D}"/>
               </a:ext>
             </a:extLst>
           </p:cNvPr>
-          <p:cNvSpPr>
-            <a:spLocks noGrp="1"/>
-          </p:cNvSpPr>
+          <p:cNvPicPr>
+            <a:picLocks noGrp="1" noChangeAspect="1"/>
+          </p:cNvPicPr>
           <p:nvPr>
             <p:ph idx="1"/>
           </p:nvPr>
-        </p:nvSpPr>
-        <p:spPr/>
-        <p:txBody>
-          <a:bodyPr/>
-          <a:lstStyle/>
-          <a:p>
-            <a:endParaRPr lang="en-US" dirty="0"/>
-          </a:p>
-        </p:txBody>
-      </p:sp>
+        </p:nvPicPr>
+        <p:blipFill>
+          <a:blip r:embed="rId3"/>
+          <a:stretch>
+            <a:fillRect/>
+          </a:stretch>
+        </p:blipFill>
+        <p:spPr>
+          <a:xfrm>
+            <a:off x="1743915" y="2193925"/>
+            <a:ext cx="8704170" cy="4024313"/>
+          </a:xfrm>
+        </p:spPr>
+      </p:pic>
     </p:spTree>
     <p:extLst>
       <p:ext uri="{BB962C8B-B14F-4D97-AF65-F5344CB8AC3E}">

--- a/Presentation.pptx
+++ b/Presentation.pptx
@@ -2130,20 +2130,20 @@
             </a:lnSpc>
           </a:pPr>
           <a:r>
-            <a:rPr lang="en-US" sz="2000" b="1" dirty="0"/>
+            <a:rPr lang="en-US" sz="2000" b="1" kern="1200" dirty="0"/>
             <a:t>Smithsonian Institution: Global Volcanism Program (</a:t>
           </a:r>
           <a:r>
-            <a:rPr lang="en-US" sz="2000" u="none" dirty="0">
+            <a:rPr lang="en-US" sz="2000" u="none" kern="1200" dirty="0">
               <a:hlinkClick xmlns:r="http://schemas.openxmlformats.org/officeDocument/2006/relationships" r:id="rId1"/>
             </a:rPr>
             <a:t>Excel</a:t>
           </a:r>
           <a:r>
-            <a:rPr lang="en-US" sz="2000" u="none" dirty="0"/>
+            <a:rPr lang="en-US" sz="2000" u="none" kern="1200" dirty="0"/>
             <a:t>)</a:t>
           </a:r>
-          <a:endParaRPr lang="en-US" sz="2000" dirty="0"/>
+          <a:endParaRPr lang="en-US" sz="2000" kern="1200" dirty="0"/>
         </a:p>
       </dgm:t>
     </dgm:pt>
@@ -2182,17 +2182,17 @@
             </a:lnSpc>
           </a:pPr>
           <a:r>
-            <a:rPr lang="en-US" sz="2000" b="1" dirty="0"/>
+            <a:rPr lang="en-US" sz="2000" b="1" kern="1200" dirty="0"/>
             <a:t>NOAA: Significant Volcanic Eruption Database (</a:t>
           </a:r>
           <a:r>
-            <a:rPr lang="en-US" sz="2000" dirty="0">
+            <a:rPr lang="en-US" sz="2000" kern="1200" dirty="0">
               <a:hlinkClick xmlns:r="http://schemas.openxmlformats.org/officeDocument/2006/relationships" r:id="rId2"/>
             </a:rPr>
             <a:t>Json</a:t>
           </a:r>
           <a:r>
-            <a:rPr lang="en-US" sz="2000" dirty="0"/>
+            <a:rPr lang="en-US" sz="2000" kern="1200" dirty="0"/>
             <a:t>)</a:t>
           </a:r>
         </a:p>
@@ -2269,7 +2269,7 @@
               <a:spcPct val="100000"/>
             </a:lnSpc>
           </a:pPr>
-          <a:endParaRPr lang="en-US" sz="2000" dirty="0"/>
+          <a:endParaRPr lang="en-US" sz="2000" kern="1200" dirty="0"/>
         </a:p>
       </dgm:t>
     </dgm:pt>
@@ -2285,6 +2285,124 @@
       </dgm:t>
     </dgm:pt>
     <dgm:pt modelId="{77511997-96D6-D642-BDEB-03235A9BFA8F}" type="sibTrans" cxnId="{E90210A9-98DB-7047-9D1D-E5360855F452}">
+      <dgm:prSet/>
+      <dgm:spPr/>
+      <dgm:t>
+        <a:bodyPr/>
+        <a:lstStyle/>
+        <a:p>
+          <a:endParaRPr lang="en-US"/>
+        </a:p>
+      </dgm:t>
+    </dgm:pt>
+    <dgm:pt modelId="{D4B0B41E-E192-814E-9690-048D003BF1DE}">
+      <dgm:prSet custT="1"/>
+      <dgm:spPr/>
+      <dgm:t>
+        <a:bodyPr/>
+        <a:lstStyle/>
+        <a:p>
+          <a:pPr>
+            <a:lnSpc>
+              <a:spcPct val="100000"/>
+            </a:lnSpc>
+          </a:pPr>
+          <a:r>
+            <a:rPr lang="en-US" sz="2000" b="1" kern="1200" dirty="0">
+              <a:solidFill>
+                <a:prstClr val="black">
+                  <a:hueOff val="0"/>
+                  <a:satOff val="0"/>
+                  <a:lumOff val="0"/>
+                  <a:alphaOff val="0"/>
+                </a:prstClr>
+              </a:solidFill>
+              <a:latin typeface="Century Gothic" panose="020B0502020202020204"/>
+              <a:ea typeface="+mn-ea"/>
+              <a:cs typeface="+mn-cs"/>
+            </a:rPr>
+            <a:t>Oregon State University: Volcano World, Deadliest Eruption (</a:t>
+          </a:r>
+          <a:r>
+            <a:rPr lang="en-US" sz="2000" b="0" u="sng" kern="1200" dirty="0" err="1">
+              <a:solidFill>
+                <a:srgbClr val="C00000"/>
+              </a:solidFill>
+              <a:latin typeface="Century Gothic" panose="020B0502020202020204"/>
+              <a:ea typeface="+mn-ea"/>
+              <a:cs typeface="+mn-cs"/>
+            </a:rPr>
+            <a:t>webscraping</a:t>
+          </a:r>
+          <a:r>
+            <a:rPr lang="en-US" sz="2000" b="1" kern="1200" dirty="0">
+              <a:solidFill>
+                <a:prstClr val="black">
+                  <a:hueOff val="0"/>
+                  <a:satOff val="0"/>
+                  <a:lumOff val="0"/>
+                  <a:alphaOff val="0"/>
+                </a:prstClr>
+              </a:solidFill>
+              <a:latin typeface="Century Gothic" panose="020B0502020202020204"/>
+              <a:ea typeface="+mn-ea"/>
+              <a:cs typeface="+mn-cs"/>
+            </a:rPr>
+            <a:t>)</a:t>
+          </a:r>
+        </a:p>
+      </dgm:t>
+    </dgm:pt>
+    <dgm:pt modelId="{10AEB0C8-C6A8-1542-884E-4BF548F989EB}" type="parTrans" cxnId="{539FF18D-258E-444E-968D-C847072620DE}">
+      <dgm:prSet/>
+      <dgm:spPr/>
+      <dgm:t>
+        <a:bodyPr/>
+        <a:lstStyle/>
+        <a:p>
+          <a:endParaRPr lang="en-US"/>
+        </a:p>
+      </dgm:t>
+    </dgm:pt>
+    <dgm:pt modelId="{C93B6CE6-DFEC-604B-80C7-2D842515C17A}" type="sibTrans" cxnId="{539FF18D-258E-444E-968D-C847072620DE}">
+      <dgm:prSet/>
+      <dgm:spPr/>
+      <dgm:t>
+        <a:bodyPr/>
+        <a:lstStyle/>
+        <a:p>
+          <a:endParaRPr lang="en-US"/>
+        </a:p>
+      </dgm:t>
+    </dgm:pt>
+    <dgm:pt modelId="{F654332E-5E4F-D049-9978-C58EC1EE6252}">
+      <dgm:prSet custT="1"/>
+      <dgm:spPr/>
+      <dgm:t>
+        <a:bodyPr/>
+        <a:lstStyle/>
+        <a:p>
+          <a:pPr>
+            <a:lnSpc>
+              <a:spcPct val="100000"/>
+            </a:lnSpc>
+          </a:pPr>
+          <a:endParaRPr lang="en-US" sz="2000" kern="1200" dirty="0"/>
+        </a:p>
+      </dgm:t>
+    </dgm:pt>
+    <dgm:pt modelId="{8A27DB4D-6A2E-7B4C-B04E-D1F4F4A2DDE1}" type="parTrans" cxnId="{FC60ED4D-4C10-1943-B536-230362E85BDD}">
+      <dgm:prSet/>
+      <dgm:spPr/>
+      <dgm:t>
+        <a:bodyPr/>
+        <a:lstStyle/>
+        <a:p>
+          <a:endParaRPr lang="en-US"/>
+        </a:p>
+      </dgm:t>
+    </dgm:pt>
+    <dgm:pt modelId="{4B02679F-AF4B-1843-8D0D-9CE4461F7029}" type="sibTrans" cxnId="{FC60ED4D-4C10-1943-B536-230362E85BDD}">
       <dgm:prSet/>
       <dgm:spPr/>
       <dgm:t>
@@ -2314,7 +2432,7 @@
       <dgm:spPr/>
     </dgm:pt>
     <dgm:pt modelId="{793A2F8A-97D3-2A40-A62D-766C4F0D8295}" type="pres">
-      <dgm:prSet presAssocID="{C2384A77-1215-4BA9-954C-69E3E38CB9D1}" presName="parentText" presStyleLbl="node1" presStyleIdx="0" presStyleCnt="1" custScaleX="104619" custScaleY="44391" custLinFactNeighborX="56095" custLinFactNeighborY="1092">
+      <dgm:prSet presAssocID="{C2384A77-1215-4BA9-954C-69E3E38CB9D1}" presName="parentText" presStyleLbl="node1" presStyleIdx="0" presStyleCnt="1" custScaleX="104619" custScaleY="44391" custLinFactNeighborX="19283" custLinFactNeighborY="-40764">
         <dgm:presLayoutVars>
           <dgm:chMax val="0"/>
           <dgm:bulletEnabled val="1"/>
@@ -2327,7 +2445,7 @@
       <dgm:spPr/>
     </dgm:pt>
     <dgm:pt modelId="{DEED18DF-847A-C343-A949-2BE2A7C494F6}" type="pres">
-      <dgm:prSet presAssocID="{C2384A77-1215-4BA9-954C-69E3E38CB9D1}" presName="childText" presStyleLbl="conFgAcc1" presStyleIdx="0" presStyleCnt="1" custLinFactNeighborY="-13616">
+      <dgm:prSet presAssocID="{C2384A77-1215-4BA9-954C-69E3E38CB9D1}" presName="childText" presStyleLbl="conFgAcc1" presStyleIdx="0" presStyleCnt="1" custScaleY="112906" custLinFactNeighborY="-45017">
         <dgm:presLayoutVars>
           <dgm:bulletEnabled val="1"/>
         </dgm:presLayoutVars>
@@ -2339,9 +2457,13 @@
     <dgm:cxn modelId="{D087A818-55DB-F448-AD53-146F31552386}" type="presOf" srcId="{087FACAE-F245-4F3A-9D50-586CD3213ABB}" destId="{DEED18DF-847A-C343-A949-2BE2A7C494F6}" srcOrd="0" destOrd="2" presId="urn:microsoft.com/office/officeart/2005/8/layout/list1"/>
     <dgm:cxn modelId="{B67C1E26-54A6-9043-AA11-58FEA01957C4}" type="presOf" srcId="{93715F43-7512-4E78-AEEF-46B743C40DB6}" destId="{DEED18DF-847A-C343-A949-2BE2A7C494F6}" srcOrd="0" destOrd="0" presId="urn:microsoft.com/office/officeart/2005/8/layout/list1"/>
     <dgm:cxn modelId="{21927245-D559-C443-9AE0-DC834DD84534}" type="presOf" srcId="{C2384A77-1215-4BA9-954C-69E3E38CB9D1}" destId="{80447DCE-39D7-4542-9FD7-C4CFF001B5CF}" srcOrd="0" destOrd="0" presId="urn:microsoft.com/office/officeart/2005/8/layout/list1"/>
+    <dgm:cxn modelId="{FC60ED4D-4C10-1943-B536-230362E85BDD}" srcId="{C2384A77-1215-4BA9-954C-69E3E38CB9D1}" destId="{F654332E-5E4F-D049-9978-C58EC1EE6252}" srcOrd="2" destOrd="0" parTransId="{8A27DB4D-6A2E-7B4C-B04E-D1F4F4A2DDE1}" sibTransId="{4B02679F-AF4B-1843-8D0D-9CE4461F7029}"/>
     <dgm:cxn modelId="{23886057-5D7B-4641-BB52-909694C55943}" type="presOf" srcId="{949C83BD-D766-4447-8605-67986570E375}" destId="{DC6B4D8E-80D1-B047-83DB-92A8D30A1382}" srcOrd="0" destOrd="0" presId="urn:microsoft.com/office/officeart/2005/8/layout/list1"/>
+    <dgm:cxn modelId="{6BD8B264-BDF5-4F47-A043-1A11A010904B}" type="presOf" srcId="{D4B0B41E-E192-814E-9690-048D003BF1DE}" destId="{DEED18DF-847A-C343-A949-2BE2A7C494F6}" srcOrd="0" destOrd="4" presId="urn:microsoft.com/office/officeart/2005/8/layout/list1"/>
     <dgm:cxn modelId="{155F8670-74F9-476C-9DC7-41E4A6A92EE7}" srcId="{C2384A77-1215-4BA9-954C-69E3E38CB9D1}" destId="{087FACAE-F245-4F3A-9D50-586CD3213ABB}" srcOrd="1" destOrd="0" parTransId="{6D402635-09BE-44AC-9783-D8876B89CF6F}" sibTransId="{EC1C21A3-8A0C-43AC-9BDC-33267F35A76E}"/>
+    <dgm:cxn modelId="{433C7D83-1552-4F48-9E4D-C9BEEC9F55E0}" type="presOf" srcId="{F654332E-5E4F-D049-9978-C58EC1EE6252}" destId="{DEED18DF-847A-C343-A949-2BE2A7C494F6}" srcOrd="0" destOrd="3" presId="urn:microsoft.com/office/officeart/2005/8/layout/list1"/>
     <dgm:cxn modelId="{67C7A985-6B05-4249-A99E-E35D380039A9}" type="presOf" srcId="{3632B0D5-7351-CE4B-9A39-3C915A20095F}" destId="{DEED18DF-847A-C343-A949-2BE2A7C494F6}" srcOrd="0" destOrd="1" presId="urn:microsoft.com/office/officeart/2005/8/layout/list1"/>
+    <dgm:cxn modelId="{539FF18D-258E-444E-968D-C847072620DE}" srcId="{C2384A77-1215-4BA9-954C-69E3E38CB9D1}" destId="{D4B0B41E-E192-814E-9690-048D003BF1DE}" srcOrd="3" destOrd="0" parTransId="{10AEB0C8-C6A8-1542-884E-4BF548F989EB}" sibTransId="{C93B6CE6-DFEC-604B-80C7-2D842515C17A}"/>
     <dgm:cxn modelId="{CF3C1D91-BF51-4332-A21A-021707E8B606}" srcId="{949C83BD-D766-4447-8605-67986570E375}" destId="{C2384A77-1215-4BA9-954C-69E3E38CB9D1}" srcOrd="0" destOrd="0" parTransId="{16BCDA41-D9B4-4AB3-8432-3B8EB7704B16}" sibTransId="{AFE82690-0BA3-4F73-AC52-DCBE0A0F42C1}"/>
     <dgm:cxn modelId="{AEED21A7-9E5C-084C-8206-46563D143AFD}" type="presOf" srcId="{C2384A77-1215-4BA9-954C-69E3E38CB9D1}" destId="{793A2F8A-97D3-2A40-A62D-766C4F0D8295}" srcOrd="1" destOrd="0" presId="urn:microsoft.com/office/officeart/2005/8/layout/list1"/>
     <dgm:cxn modelId="{E90210A9-98DB-7047-9D1D-E5360855F452}" srcId="{93715F43-7512-4E78-AEEF-46B743C40DB6}" destId="{3632B0D5-7351-CE4B-9A39-3C915A20095F}" srcOrd="0" destOrd="0" parTransId="{4CC85BED-FE5C-904B-8A33-6BAA62E3FEDE}" sibTransId="{77511997-96D6-D642-BDEB-03235A9BFA8F}"/>
@@ -2941,8 +3063,8 @@
       </dsp:nvSpPr>
       <dsp:spPr>
         <a:xfrm>
-          <a:off x="0" y="826260"/>
-          <a:ext cx="6403994" cy="3173625"/>
+          <a:off x="0" y="0"/>
+          <a:ext cx="6604698" cy="4739088"/>
         </a:xfrm>
         <a:prstGeom prst="rect">
           <a:avLst/>
@@ -2982,7 +3104,7 @@
         <a:fontRef idx="minor"/>
       </dsp:style>
       <dsp:txBody>
-        <a:bodyPr spcFirstLastPara="0" vert="horz" wrap="square" lIns="497021" tIns="1353820" rIns="497021" bIns="142240" numCol="1" spcCol="1270" anchor="t" anchorCtr="0">
+        <a:bodyPr spcFirstLastPara="0" vert="horz" wrap="square" lIns="512598" tIns="1353820" rIns="512598" bIns="142240" numCol="1" spcCol="1270" anchor="t" anchorCtr="0">
           <a:noAutofit/>
         </a:bodyPr>
         <a:lstStyle/>
@@ -3058,10 +3180,82 @@
             <a:t>)</a:t>
           </a:r>
         </a:p>
+        <a:p>
+          <a:pPr marL="228600" lvl="1" indent="-228600" algn="l" defTabSz="889000">
+            <a:lnSpc>
+              <a:spcPct val="100000"/>
+            </a:lnSpc>
+            <a:spcBef>
+              <a:spcPct val="0"/>
+            </a:spcBef>
+            <a:spcAft>
+              <a:spcPct val="15000"/>
+            </a:spcAft>
+            <a:buChar char="•"/>
+          </a:pPr>
+          <a:endParaRPr lang="en-US" sz="2000" kern="1200" dirty="0"/>
+        </a:p>
+        <a:p>
+          <a:pPr marL="228600" lvl="1" indent="-228600" algn="l" defTabSz="889000">
+            <a:lnSpc>
+              <a:spcPct val="100000"/>
+            </a:lnSpc>
+            <a:spcBef>
+              <a:spcPct val="0"/>
+            </a:spcBef>
+            <a:spcAft>
+              <a:spcPct val="15000"/>
+            </a:spcAft>
+            <a:buChar char="•"/>
+          </a:pPr>
+          <a:r>
+            <a:rPr lang="en-US" sz="2000" b="1" kern="1200" dirty="0">
+              <a:solidFill>
+                <a:prstClr val="black">
+                  <a:hueOff val="0"/>
+                  <a:satOff val="0"/>
+                  <a:lumOff val="0"/>
+                  <a:alphaOff val="0"/>
+                </a:prstClr>
+              </a:solidFill>
+              <a:latin typeface="Century Gothic" panose="020B0502020202020204"/>
+              <a:ea typeface="+mn-ea"/>
+              <a:cs typeface="+mn-cs"/>
+            </a:rPr>
+            <a:t>Oregon State University: Volcano World, Deadliest Eruption (</a:t>
+          </a:r>
+          <a:r>
+            <a:rPr lang="en-US" sz="2000" b="0" u="sng" kern="1200" dirty="0" err="1">
+              <a:solidFill>
+                <a:srgbClr val="C00000"/>
+              </a:solidFill>
+              <a:latin typeface="Century Gothic" panose="020B0502020202020204"/>
+              <a:ea typeface="+mn-ea"/>
+              <a:cs typeface="+mn-cs"/>
+            </a:rPr>
+            <a:t>webscraping</a:t>
+          </a:r>
+          <a:r>
+            <a:rPr lang="en-US" sz="2000" b="1" kern="1200" dirty="0">
+              <a:solidFill>
+                <a:prstClr val="black">
+                  <a:hueOff val="0"/>
+                  <a:satOff val="0"/>
+                  <a:lumOff val="0"/>
+                  <a:alphaOff val="0"/>
+                </a:prstClr>
+              </a:solidFill>
+              <a:latin typeface="Century Gothic" panose="020B0502020202020204"/>
+              <a:ea typeface="+mn-ea"/>
+              <a:cs typeface="+mn-cs"/>
+            </a:rPr>
+            <a:t>)</a:t>
+          </a:r>
+        </a:p>
       </dsp:txBody>
       <dsp:txXfrm>
-        <a:off x="0" y="826260"/>
-        <a:ext cx="6403994" cy="3173625"/>
+        <a:off x="0" y="0"/>
+        <a:ext cx="6604698" cy="4739088"/>
       </dsp:txXfrm>
     </dsp:sp>
     <dsp:sp modelId="{793A2F8A-97D3-2A40-A62D-766C4F0D8295}">
@@ -3071,8 +3265,8 @@
       </dsp:nvSpPr>
       <dsp:spPr>
         <a:xfrm>
-          <a:off x="499815" y="1085470"/>
-          <a:ext cx="4689856" cy="851774"/>
+          <a:off x="393914" y="0"/>
+          <a:ext cx="4836839" cy="851774"/>
         </a:xfrm>
         <a:prstGeom prst="roundRect">
           <a:avLst/>
@@ -3133,7 +3327,7 @@
         </a:fontRef>
       </dsp:style>
       <dsp:txBody>
-        <a:bodyPr spcFirstLastPara="0" vert="horz" wrap="square" lIns="169439" tIns="0" rIns="169439" bIns="0" numCol="1" spcCol="1270" anchor="ctr" anchorCtr="0">
+        <a:bodyPr spcFirstLastPara="0" vert="horz" wrap="square" lIns="174749" tIns="0" rIns="174749" bIns="0" numCol="1" spcCol="1270" anchor="ctr" anchorCtr="0">
           <a:noAutofit/>
         </a:bodyPr>
         <a:lstStyle/>
@@ -3158,8 +3352,8 @@
         </a:p>
       </dsp:txBody>
       <dsp:txXfrm>
-        <a:off x="541395" y="1127050"/>
-        <a:ext cx="4606696" cy="768614"/>
+        <a:off x="435494" y="41580"/>
+        <a:ext cx="4753679" cy="768614"/>
       </dsp:txXfrm>
     </dsp:sp>
   </dsp:spTree>
@@ -6895,6 +7089,87 @@
           </a:p>
           <a:p>
             <a:r>
+              <a:rPr lang="en-US" sz="1200" b="1" i="0" kern="1200" dirty="0">
+                <a:solidFill>
+                  <a:schemeClr val="tx1"/>
+                </a:solidFill>
+                <a:effectLst/>
+                <a:latin typeface="+mn-lt"/>
+                <a:ea typeface="+mn-ea"/>
+                <a:cs typeface="+mn-cs"/>
+              </a:rPr>
+              <a:t>Oregon State University / Volcano World / Deadliest Eruption</a:t>
+            </a:r>
+          </a:p>
+          <a:p>
+            <a:r>
+              <a:rPr lang="en-US" sz="1200" b="0" i="0" kern="1200" dirty="0">
+                <a:solidFill>
+                  <a:schemeClr val="tx1"/>
+                </a:solidFill>
+                <a:effectLst/>
+                <a:latin typeface="+mn-lt"/>
+                <a:ea typeface="+mn-ea"/>
+                <a:cs typeface="+mn-cs"/>
+              </a:rPr>
+              <a:t>Site: </a:t>
+            </a:r>
+            <a:r>
+              <a:rPr lang="en-US" sz="1200" b="0" i="0" u="none" strike="noStrike" kern="1200" dirty="0">
+                <a:solidFill>
+                  <a:schemeClr val="tx1"/>
+                </a:solidFill>
+                <a:effectLst/>
+                <a:latin typeface="+mn-lt"/>
+                <a:ea typeface="+mn-ea"/>
+                <a:cs typeface="+mn-cs"/>
+                <a:hlinkClick r:id="rId7"/>
+              </a:rPr>
+              <a:t>http://volcano.oregonstate.edu/deadliest-eruption</a:t>
+            </a:r>
+            <a:endParaRPr lang="en-US" sz="1200" b="0" i="0" u="none" strike="noStrike" kern="1200" dirty="0">
+              <a:solidFill>
+                <a:schemeClr val="tx1"/>
+              </a:solidFill>
+              <a:effectLst/>
+              <a:latin typeface="+mn-lt"/>
+              <a:ea typeface="+mn-ea"/>
+              <a:cs typeface="+mn-cs"/>
+            </a:endParaRPr>
+          </a:p>
+          <a:p>
+            <a:r>
+              <a:rPr lang="en-US" sz="1200" b="0" i="0" u="none" strike="noStrike" kern="1200" dirty="0">
+                <a:solidFill>
+                  <a:schemeClr val="tx1"/>
+                </a:solidFill>
+                <a:effectLst/>
+                <a:latin typeface="+mn-lt"/>
+                <a:ea typeface="+mn-ea"/>
+                <a:cs typeface="+mn-cs"/>
+              </a:rPr>
+              <a:t>File Type: Web scraping</a:t>
+            </a:r>
+          </a:p>
+          <a:p>
+            <a:r>
+              <a:rPr lang="en-US" sz="1200" b="0" i="0" kern="1200" dirty="0">
+                <a:solidFill>
+                  <a:schemeClr val="tx1"/>
+                </a:solidFill>
+                <a:effectLst/>
+                <a:latin typeface="+mn-lt"/>
+                <a:ea typeface="+mn-ea"/>
+                <a:cs typeface="+mn-cs"/>
+              </a:rPr>
+              <a:t>The list contains eruptions with more than 500 known human fatalities. These are the most deadly eruptions known. Other eruptions have been as big or bigger than these, but no one lived nearby to be threatened (for example the Valley of 10,000 Smokes eruption in Alaska in 1912). The Mt. St. Helens eruption in 1980 in Washington state was a far less dangerous eruption than these, only 61 humans died, although thousands of deer and other animals perished.</a:t>
+            </a:r>
+          </a:p>
+          <a:p>
+            <a:endParaRPr lang="en-US" dirty="0"/>
+          </a:p>
+          <a:p>
+            <a:r>
               <a:rPr lang="en-US" dirty="0"/>
               <a:t>Outline</a:t>
             </a:r>
@@ -14431,14 +14706,14 @@
             <p:ph idx="1"/>
             <p:extLst>
               <p:ext uri="{D42A27DB-BD31-4B8C-83A1-F6EECF244321}">
-                <p14:modId xmlns:p14="http://schemas.microsoft.com/office/powerpoint/2010/main" val="1407748866"/>
+                <p14:modId xmlns:p14="http://schemas.microsoft.com/office/powerpoint/2010/main" val="569596753"/>
               </p:ext>
             </p:extLst>
           </p:nvPr>
         </p:nvGraphicFramePr>
         <p:xfrm>
-          <a:off x="4678344" y="885295"/>
-          <a:ext cx="6403994" cy="5087409"/>
+          <a:off x="5135544" y="720725"/>
+          <a:ext cx="6604699" cy="5087409"/>
         </p:xfrm>
         <a:graphic>
           <a:graphicData uri="http://schemas.openxmlformats.org/drawingml/2006/diagram">
@@ -14460,7 +14735,7 @@
         </p:nvSpPr>
         <p:spPr>
           <a:xfrm>
-            <a:off x="579872" y="5353523"/>
+            <a:off x="579872" y="5631116"/>
             <a:ext cx="6825343" cy="1200329"/>
           </a:xfrm>
           <a:prstGeom prst="rect">
@@ -14517,7 +14792,7 @@
           <a:p>
             <a:r>
               <a:rPr lang="en-US" sz="900" b="1" dirty="0"/>
-              <a:t>Oregon State University / http://</a:t>
+              <a:t>Oregon State University Volcanic World/ http://</a:t>
             </a:r>
             <a:r>
               <a:rPr lang="en-US" sz="900" b="1" dirty="0" err="1"/>

--- a/Presentation.pptx
+++ b/Presentation.pptx
@@ -5,20 +5,21 @@
     <p:sldMasterId id="2147483648" r:id="rId1"/>
   </p:sldMasterIdLst>
   <p:notesMasterIdLst>
-    <p:notesMasterId r:id="rId13"/>
+    <p:notesMasterId r:id="rId14"/>
   </p:notesMasterIdLst>
   <p:sldIdLst>
     <p:sldId id="256" r:id="rId2"/>
     <p:sldId id="257" r:id="rId3"/>
     <p:sldId id="258" r:id="rId4"/>
     <p:sldId id="260" r:id="rId5"/>
-    <p:sldId id="262" r:id="rId6"/>
-    <p:sldId id="259" r:id="rId7"/>
-    <p:sldId id="263" r:id="rId8"/>
-    <p:sldId id="266" r:id="rId9"/>
-    <p:sldId id="261" r:id="rId10"/>
-    <p:sldId id="264" r:id="rId11"/>
-    <p:sldId id="265" r:id="rId12"/>
+    <p:sldId id="267" r:id="rId6"/>
+    <p:sldId id="262" r:id="rId7"/>
+    <p:sldId id="259" r:id="rId8"/>
+    <p:sldId id="263" r:id="rId9"/>
+    <p:sldId id="266" r:id="rId10"/>
+    <p:sldId id="261" r:id="rId11"/>
+    <p:sldId id="264" r:id="rId12"/>
+    <p:sldId id="265" r:id="rId13"/>
   </p:sldIdLst>
   <p:sldSz cx="12192000" cy="6858000"/>
   <p:notesSz cx="6858000" cy="9144000"/>
@@ -2220,43 +2221,6 @@
         </a:p>
       </dgm:t>
     </dgm:pt>
-    <dgm:pt modelId="{C2384A77-1215-4BA9-954C-69E3E38CB9D1}">
-      <dgm:prSet custT="1"/>
-      <dgm:spPr/>
-      <dgm:t>
-        <a:bodyPr/>
-        <a:lstStyle/>
-        <a:p>
-          <a:r>
-            <a:rPr lang="en-US" sz="4000" b="1" dirty="0"/>
-            <a:t>Data Sources</a:t>
-          </a:r>
-          <a:endParaRPr lang="en-US" sz="4000" dirty="0"/>
-        </a:p>
-      </dgm:t>
-    </dgm:pt>
-    <dgm:pt modelId="{AFE82690-0BA3-4F73-AC52-DCBE0A0F42C1}" type="sibTrans" cxnId="{CF3C1D91-BF51-4332-A21A-021707E8B606}">
-      <dgm:prSet/>
-      <dgm:spPr/>
-      <dgm:t>
-        <a:bodyPr/>
-        <a:lstStyle/>
-        <a:p>
-          <a:endParaRPr lang="en-US"/>
-        </a:p>
-      </dgm:t>
-    </dgm:pt>
-    <dgm:pt modelId="{16BCDA41-D9B4-4AB3-8432-3B8EB7704B16}" type="parTrans" cxnId="{CF3C1D91-BF51-4332-A21A-021707E8B606}">
-      <dgm:prSet/>
-      <dgm:spPr/>
-      <dgm:t>
-        <a:bodyPr/>
-        <a:lstStyle/>
-        <a:p>
-          <a:endParaRPr lang="en-US"/>
-        </a:p>
-      </dgm:t>
-    </dgm:pt>
     <dgm:pt modelId="{3632B0D5-7351-CE4B-9A39-3C915A20095F}">
       <dgm:prSet custT="1"/>
       <dgm:spPr/>
@@ -2321,12 +2285,16 @@
               <a:ea typeface="+mn-ea"/>
               <a:cs typeface="+mn-cs"/>
             </a:rPr>
-            <a:t>Oregon State University: Volcano World, Deadliest Eruption (</a:t>
+            <a:t>Oregon State University: Volcano World, Deadliest Eruption </a:t>
           </a:r>
           <a:r>
-            <a:rPr lang="en-US" sz="2000" b="0" u="sng" kern="1200" dirty="0" err="1">
+            <a:rPr lang="en-US" sz="2000" b="1" kern="1200" dirty="0"/>
+            <a:t>(</a:t>
+          </a:r>
+          <a:r>
+            <a:rPr lang="en-US" sz="2000" u="sng" kern="1200" dirty="0" err="1">
               <a:solidFill>
-                <a:srgbClr val="C00000"/>
+                <a:schemeClr val="accent1"/>
               </a:solidFill>
               <a:latin typeface="Century Gothic" panose="020B0502020202020204"/>
               <a:ea typeface="+mn-ea"/>
@@ -2335,21 +2303,22 @@
             <a:t>webscraping</a:t>
           </a:r>
           <a:r>
-            <a:rPr lang="en-US" sz="2000" b="1" kern="1200" dirty="0">
-              <a:solidFill>
-                <a:prstClr val="black">
-                  <a:hueOff val="0"/>
-                  <a:satOff val="0"/>
-                  <a:lumOff val="0"/>
-                  <a:alphaOff val="0"/>
-                </a:prstClr>
-              </a:solidFill>
-              <a:latin typeface="Century Gothic" panose="020B0502020202020204"/>
-              <a:ea typeface="+mn-ea"/>
-              <a:cs typeface="+mn-cs"/>
-            </a:rPr>
+            <a:rPr lang="en-US" sz="2000" kern="1200" dirty="0"/>
             <a:t>)</a:t>
           </a:r>
+          <a:endParaRPr lang="en-US" sz="2000" b="1" kern="1200" dirty="0">
+            <a:solidFill>
+              <a:prstClr val="black">
+                <a:hueOff val="0"/>
+                <a:satOff val="0"/>
+                <a:lumOff val="0"/>
+                <a:alphaOff val="0"/>
+              </a:prstClr>
+            </a:solidFill>
+            <a:latin typeface="Century Gothic" panose="020B0502020202020204"/>
+            <a:ea typeface="+mn-ea"/>
+            <a:cs typeface="+mn-cs"/>
+          </a:endParaRPr>
         </a:p>
       </dgm:t>
     </dgm:pt>
@@ -2413,6 +2382,253 @@
         </a:p>
       </dgm:t>
     </dgm:pt>
+    <dgm:pt modelId="{4460EF17-0778-FD44-A054-2F8BA2BDA8A1}">
+      <dgm:prSet custT="1"/>
+      <dgm:spPr/>
+      <dgm:t>
+        <a:bodyPr/>
+        <a:lstStyle/>
+        <a:p>
+          <a:pPr>
+            <a:lnSpc>
+              <a:spcPct val="100000"/>
+            </a:lnSpc>
+          </a:pPr>
+          <a:r>
+            <a:rPr lang="en-US" sz="2000" b="1" kern="1200" dirty="0" err="1">
+              <a:solidFill>
+                <a:prstClr val="black">
+                  <a:hueOff val="0"/>
+                  <a:satOff val="0"/>
+                  <a:lumOff val="0"/>
+                  <a:alphaOff val="0"/>
+                </a:prstClr>
+              </a:solidFill>
+              <a:latin typeface="Century Gothic" panose="020B0502020202020204"/>
+              <a:ea typeface="+mn-ea"/>
+              <a:cs typeface="+mn-cs"/>
+            </a:rPr>
+            <a:t>GitHub.com</a:t>
+          </a:r>
+          <a:r>
+            <a:rPr lang="en-US" sz="2000" b="1" kern="1200" dirty="0">
+              <a:solidFill>
+                <a:prstClr val="black">
+                  <a:hueOff val="0"/>
+                  <a:satOff val="0"/>
+                  <a:lumOff val="0"/>
+                  <a:alphaOff val="0"/>
+                </a:prstClr>
+              </a:solidFill>
+              <a:latin typeface="Century Gothic" panose="020B0502020202020204"/>
+              <a:ea typeface="+mn-ea"/>
+              <a:cs typeface="+mn-cs"/>
+            </a:rPr>
+            <a:t>: </a:t>
+          </a:r>
+          <a:r>
+            <a:rPr lang="en-US" sz="2000" b="1" kern="1200" dirty="0" err="1">
+              <a:solidFill>
+                <a:prstClr val="black">
+                  <a:hueOff val="0"/>
+                  <a:satOff val="0"/>
+                  <a:lumOff val="0"/>
+                  <a:alphaOff val="0"/>
+                </a:prstClr>
+              </a:solidFill>
+              <a:latin typeface="Century Gothic" panose="020B0502020202020204"/>
+              <a:ea typeface="+mn-ea"/>
+              <a:cs typeface="+mn-cs"/>
+            </a:rPr>
+            <a:t>Fraxen</a:t>
+          </a:r>
+          <a:r>
+            <a:rPr lang="en-US" sz="2000" b="1" kern="1200" dirty="0">
+              <a:solidFill>
+                <a:prstClr val="black">
+                  <a:hueOff val="0"/>
+                  <a:satOff val="0"/>
+                  <a:lumOff val="0"/>
+                  <a:alphaOff val="0"/>
+                </a:prstClr>
+              </a:solidFill>
+              <a:latin typeface="Century Gothic" panose="020B0502020202020204"/>
+              <a:ea typeface="+mn-ea"/>
+              <a:cs typeface="+mn-cs"/>
+            </a:rPr>
+            <a:t>/</a:t>
+          </a:r>
+          <a:r>
+            <a:rPr lang="en-US" sz="2000" b="1" kern="1200" dirty="0" err="1">
+              <a:solidFill>
+                <a:prstClr val="black">
+                  <a:hueOff val="0"/>
+                  <a:satOff val="0"/>
+                  <a:lumOff val="0"/>
+                  <a:alphaOff val="0"/>
+                </a:prstClr>
+              </a:solidFill>
+              <a:latin typeface="Century Gothic" panose="020B0502020202020204"/>
+              <a:ea typeface="+mn-ea"/>
+              <a:cs typeface="+mn-cs"/>
+            </a:rPr>
+            <a:t>techtonic</a:t>
+          </a:r>
+          <a:r>
+            <a:rPr lang="en-US" sz="2000" b="1" kern="1200" dirty="0">
+              <a:solidFill>
+                <a:prstClr val="black">
+                  <a:hueOff val="0"/>
+                  <a:satOff val="0"/>
+                  <a:lumOff val="0"/>
+                  <a:alphaOff val="0"/>
+                </a:prstClr>
+              </a:solidFill>
+              <a:latin typeface="Century Gothic" panose="020B0502020202020204"/>
+              <a:ea typeface="+mn-ea"/>
+              <a:cs typeface="+mn-cs"/>
+            </a:rPr>
+            <a:t> plates </a:t>
+          </a:r>
+          <a:r>
+            <a:rPr lang="en-US" sz="2000" b="1" kern="1200" dirty="0"/>
+            <a:t>(</a:t>
+          </a:r>
+          <a:r>
+            <a:rPr lang="en-US" sz="2000" kern="1200" dirty="0">
+              <a:hlinkClick xmlns:r="http://schemas.openxmlformats.org/officeDocument/2006/relationships" r:id="rId2"/>
+            </a:rPr>
+            <a:t>Json</a:t>
+          </a:r>
+          <a:r>
+            <a:rPr lang="en-US" sz="2000" kern="1200" dirty="0"/>
+            <a:t>)</a:t>
+          </a:r>
+          <a:endParaRPr lang="en-US" sz="2000" b="1" kern="1200" dirty="0">
+            <a:solidFill>
+              <a:prstClr val="black">
+                <a:hueOff val="0"/>
+                <a:satOff val="0"/>
+                <a:lumOff val="0"/>
+                <a:alphaOff val="0"/>
+              </a:prstClr>
+            </a:solidFill>
+            <a:latin typeface="Century Gothic" panose="020B0502020202020204"/>
+            <a:ea typeface="+mn-ea"/>
+            <a:cs typeface="+mn-cs"/>
+          </a:endParaRPr>
+        </a:p>
+      </dgm:t>
+    </dgm:pt>
+    <dgm:pt modelId="{8841A232-ABE5-3F45-AB13-2CC7A5C2FEDB}" type="parTrans" cxnId="{FEB9957A-2B06-FB4E-BE2A-B7E5226746C1}">
+      <dgm:prSet/>
+      <dgm:spPr/>
+      <dgm:t>
+        <a:bodyPr/>
+        <a:lstStyle/>
+        <a:p>
+          <a:endParaRPr lang="en-US"/>
+        </a:p>
+      </dgm:t>
+    </dgm:pt>
+    <dgm:pt modelId="{155A7670-5C1F-9045-9904-652373952CE3}" type="sibTrans" cxnId="{FEB9957A-2B06-FB4E-BE2A-B7E5226746C1}">
+      <dgm:prSet/>
+      <dgm:spPr/>
+      <dgm:t>
+        <a:bodyPr/>
+        <a:lstStyle/>
+        <a:p>
+          <a:endParaRPr lang="en-US"/>
+        </a:p>
+      </dgm:t>
+    </dgm:pt>
+    <dgm:pt modelId="{7A8031F7-3322-1A4B-9869-496C6FEC9741}">
+      <dgm:prSet custT="1"/>
+      <dgm:spPr/>
+      <dgm:t>
+        <a:bodyPr/>
+        <a:lstStyle/>
+        <a:p>
+          <a:pPr>
+            <a:lnSpc>
+              <a:spcPct val="100000"/>
+            </a:lnSpc>
+          </a:pPr>
+          <a:endParaRPr lang="en-US" sz="2000" b="1" kern="1200" dirty="0">
+            <a:solidFill>
+              <a:prstClr val="black">
+                <a:hueOff val="0"/>
+                <a:satOff val="0"/>
+                <a:lumOff val="0"/>
+                <a:alphaOff val="0"/>
+              </a:prstClr>
+            </a:solidFill>
+            <a:latin typeface="Century Gothic" panose="020B0502020202020204"/>
+            <a:ea typeface="+mn-ea"/>
+            <a:cs typeface="+mn-cs"/>
+          </a:endParaRPr>
+        </a:p>
+      </dgm:t>
+    </dgm:pt>
+    <dgm:pt modelId="{076E9ADD-F049-D94E-9ACA-9F6F94EEF79B}" type="parTrans" cxnId="{F2E4E203-F6A7-624C-A5A0-C76BCD78C9AD}">
+      <dgm:prSet/>
+      <dgm:spPr/>
+      <dgm:t>
+        <a:bodyPr/>
+        <a:lstStyle/>
+        <a:p>
+          <a:endParaRPr lang="en-US"/>
+        </a:p>
+      </dgm:t>
+    </dgm:pt>
+    <dgm:pt modelId="{623AC85A-4F15-954B-9219-93E0A25FADCD}" type="sibTrans" cxnId="{F2E4E203-F6A7-624C-A5A0-C76BCD78C9AD}">
+      <dgm:prSet/>
+      <dgm:spPr/>
+      <dgm:t>
+        <a:bodyPr/>
+        <a:lstStyle/>
+        <a:p>
+          <a:endParaRPr lang="en-US"/>
+        </a:p>
+      </dgm:t>
+    </dgm:pt>
+    <dgm:pt modelId="{C2384A77-1215-4BA9-954C-69E3E38CB9D1}">
+      <dgm:prSet custT="1"/>
+      <dgm:spPr/>
+      <dgm:t>
+        <a:bodyPr/>
+        <a:lstStyle/>
+        <a:p>
+          <a:r>
+            <a:rPr lang="en-US" sz="4000" b="1" dirty="0"/>
+            <a:t>Data Sources</a:t>
+          </a:r>
+          <a:endParaRPr lang="en-US" sz="4000" dirty="0"/>
+        </a:p>
+      </dgm:t>
+    </dgm:pt>
+    <dgm:pt modelId="{AFE82690-0BA3-4F73-AC52-DCBE0A0F42C1}" type="sibTrans" cxnId="{CF3C1D91-BF51-4332-A21A-021707E8B606}">
+      <dgm:prSet/>
+      <dgm:spPr/>
+      <dgm:t>
+        <a:bodyPr/>
+        <a:lstStyle/>
+        <a:p>
+          <a:endParaRPr lang="en-US"/>
+        </a:p>
+      </dgm:t>
+    </dgm:pt>
+    <dgm:pt modelId="{16BCDA41-D9B4-4AB3-8432-3B8EB7704B16}" type="parTrans" cxnId="{CF3C1D91-BF51-4332-A21A-021707E8B606}">
+      <dgm:prSet/>
+      <dgm:spPr/>
+      <dgm:t>
+        <a:bodyPr/>
+        <a:lstStyle/>
+        <a:p>
+          <a:endParaRPr lang="en-US"/>
+        </a:p>
+      </dgm:t>
+    </dgm:pt>
     <dgm:pt modelId="{DC6B4D8E-80D1-B047-83DB-92A8D30A1382}" type="pres">
       <dgm:prSet presAssocID="{949C83BD-D766-4447-8605-67986570E375}" presName="linear" presStyleCnt="0">
         <dgm:presLayoutVars>
@@ -2445,7 +2661,7 @@
       <dgm:spPr/>
     </dgm:pt>
     <dgm:pt modelId="{DEED18DF-847A-C343-A949-2BE2A7C494F6}" type="pres">
-      <dgm:prSet presAssocID="{C2384A77-1215-4BA9-954C-69E3E38CB9D1}" presName="childText" presStyleLbl="conFgAcc1" presStyleIdx="0" presStyleCnt="1" custScaleY="112906" custLinFactNeighborY="-45017">
+      <dgm:prSet presAssocID="{C2384A77-1215-4BA9-954C-69E3E38CB9D1}" presName="childText" presStyleLbl="conFgAcc1" presStyleIdx="0" presStyleCnt="1" custScaleY="112906" custLinFactNeighborX="2517" custLinFactNeighborY="-3205">
         <dgm:presLayoutVars>
           <dgm:bulletEnabled val="1"/>
         </dgm:presLayoutVars>
@@ -2454,13 +2670,17 @@
     </dgm:pt>
   </dgm:ptLst>
   <dgm:cxnLst>
+    <dgm:cxn modelId="{5491C800-E70A-1E4C-92FC-CB987E5CB178}" type="presOf" srcId="{4460EF17-0778-FD44-A054-2F8BA2BDA8A1}" destId="{DEED18DF-847A-C343-A949-2BE2A7C494F6}" srcOrd="0" destOrd="6" presId="urn:microsoft.com/office/officeart/2005/8/layout/list1"/>
+    <dgm:cxn modelId="{F2E4E203-F6A7-624C-A5A0-C76BCD78C9AD}" srcId="{C2384A77-1215-4BA9-954C-69E3E38CB9D1}" destId="{7A8031F7-3322-1A4B-9869-496C6FEC9741}" srcOrd="4" destOrd="0" parTransId="{076E9ADD-F049-D94E-9ACA-9F6F94EEF79B}" sibTransId="{623AC85A-4F15-954B-9219-93E0A25FADCD}"/>
     <dgm:cxn modelId="{D087A818-55DB-F448-AD53-146F31552386}" type="presOf" srcId="{087FACAE-F245-4F3A-9D50-586CD3213ABB}" destId="{DEED18DF-847A-C343-A949-2BE2A7C494F6}" srcOrd="0" destOrd="2" presId="urn:microsoft.com/office/officeart/2005/8/layout/list1"/>
     <dgm:cxn modelId="{B67C1E26-54A6-9043-AA11-58FEA01957C4}" type="presOf" srcId="{93715F43-7512-4E78-AEEF-46B743C40DB6}" destId="{DEED18DF-847A-C343-A949-2BE2A7C494F6}" srcOrd="0" destOrd="0" presId="urn:microsoft.com/office/officeart/2005/8/layout/list1"/>
     <dgm:cxn modelId="{21927245-D559-C443-9AE0-DC834DD84534}" type="presOf" srcId="{C2384A77-1215-4BA9-954C-69E3E38CB9D1}" destId="{80447DCE-39D7-4542-9FD7-C4CFF001B5CF}" srcOrd="0" destOrd="0" presId="urn:microsoft.com/office/officeart/2005/8/layout/list1"/>
+    <dgm:cxn modelId="{9B44FC4C-EA5C-E340-9548-EEE41424B537}" type="presOf" srcId="{7A8031F7-3322-1A4B-9869-496C6FEC9741}" destId="{DEED18DF-847A-C343-A949-2BE2A7C494F6}" srcOrd="0" destOrd="5" presId="urn:microsoft.com/office/officeart/2005/8/layout/list1"/>
     <dgm:cxn modelId="{FC60ED4D-4C10-1943-B536-230362E85BDD}" srcId="{C2384A77-1215-4BA9-954C-69E3E38CB9D1}" destId="{F654332E-5E4F-D049-9978-C58EC1EE6252}" srcOrd="2" destOrd="0" parTransId="{8A27DB4D-6A2E-7B4C-B04E-D1F4F4A2DDE1}" sibTransId="{4B02679F-AF4B-1843-8D0D-9CE4461F7029}"/>
     <dgm:cxn modelId="{23886057-5D7B-4641-BB52-909694C55943}" type="presOf" srcId="{949C83BD-D766-4447-8605-67986570E375}" destId="{DC6B4D8E-80D1-B047-83DB-92A8D30A1382}" srcOrd="0" destOrd="0" presId="urn:microsoft.com/office/officeart/2005/8/layout/list1"/>
     <dgm:cxn modelId="{6BD8B264-BDF5-4F47-A043-1A11A010904B}" type="presOf" srcId="{D4B0B41E-E192-814E-9690-048D003BF1DE}" destId="{DEED18DF-847A-C343-A949-2BE2A7C494F6}" srcOrd="0" destOrd="4" presId="urn:microsoft.com/office/officeart/2005/8/layout/list1"/>
     <dgm:cxn modelId="{155F8670-74F9-476C-9DC7-41E4A6A92EE7}" srcId="{C2384A77-1215-4BA9-954C-69E3E38CB9D1}" destId="{087FACAE-F245-4F3A-9D50-586CD3213ABB}" srcOrd="1" destOrd="0" parTransId="{6D402635-09BE-44AC-9783-D8876B89CF6F}" sibTransId="{EC1C21A3-8A0C-43AC-9BDC-33267F35A76E}"/>
+    <dgm:cxn modelId="{FEB9957A-2B06-FB4E-BE2A-B7E5226746C1}" srcId="{C2384A77-1215-4BA9-954C-69E3E38CB9D1}" destId="{4460EF17-0778-FD44-A054-2F8BA2BDA8A1}" srcOrd="5" destOrd="0" parTransId="{8841A232-ABE5-3F45-AB13-2CC7A5C2FEDB}" sibTransId="{155A7670-5C1F-9045-9904-652373952CE3}"/>
     <dgm:cxn modelId="{433C7D83-1552-4F48-9E4D-C9BEEC9F55E0}" type="presOf" srcId="{F654332E-5E4F-D049-9978-C58EC1EE6252}" destId="{DEED18DF-847A-C343-A949-2BE2A7C494F6}" srcOrd="0" destOrd="3" presId="urn:microsoft.com/office/officeart/2005/8/layout/list1"/>
     <dgm:cxn modelId="{67C7A985-6B05-4249-A99E-E35D380039A9}" type="presOf" srcId="{3632B0D5-7351-CE4B-9A39-3C915A20095F}" destId="{DEED18DF-847A-C343-A949-2BE2A7C494F6}" srcOrd="0" destOrd="1" presId="urn:microsoft.com/office/officeart/2005/8/layout/list1"/>
     <dgm:cxn modelId="{539FF18D-258E-444E-968D-C847072620DE}" srcId="{C2384A77-1215-4BA9-954C-69E3E38CB9D1}" destId="{D4B0B41E-E192-814E-9690-048D003BF1DE}" srcOrd="3" destOrd="0" parTransId="{10AEB0C8-C6A8-1542-884E-4BF548F989EB}" sibTransId="{C93B6CE6-DFEC-604B-80C7-2D842515C17A}"/>
@@ -3063,8 +3283,8 @@
       </dsp:nvSpPr>
       <dsp:spPr>
         <a:xfrm>
-          <a:off x="0" y="0"/>
-          <a:ext cx="6604698" cy="4739088"/>
+          <a:off x="0" y="11959"/>
+          <a:ext cx="5464134" cy="5441504"/>
         </a:xfrm>
         <a:prstGeom prst="rect">
           <a:avLst/>
@@ -3104,7 +3324,7 @@
         <a:fontRef idx="minor"/>
       </dsp:style>
       <dsp:txBody>
-        <a:bodyPr spcFirstLastPara="0" vert="horz" wrap="square" lIns="512598" tIns="1353820" rIns="512598" bIns="142240" numCol="1" spcCol="1270" anchor="t" anchorCtr="0">
+        <a:bodyPr spcFirstLastPara="0" vert="horz" wrap="square" lIns="424078" tIns="624840" rIns="424078" bIns="142240" numCol="1" spcCol="1270" anchor="t" anchorCtr="0">
           <a:noAutofit/>
         </a:bodyPr>
         <a:lstStyle/>
@@ -3222,18 +3442,96 @@
               <a:ea typeface="+mn-ea"/>
               <a:cs typeface="+mn-cs"/>
             </a:rPr>
-            <a:t>Oregon State University: Volcano World, Deadliest Eruption (</a:t>
+            <a:t>Oregon State University: Volcano World, Deadliest Eruption </a:t>
           </a:r>
           <a:r>
-            <a:rPr lang="en-US" sz="2000" b="0" u="sng" kern="1200" dirty="0" err="1">
+            <a:rPr lang="en-US" sz="2000" b="1" kern="1200" dirty="0"/>
+            <a:t>(</a:t>
+          </a:r>
+          <a:r>
+            <a:rPr lang="en-US" sz="2000" u="sng" kern="1200" dirty="0" err="1">
               <a:solidFill>
-                <a:srgbClr val="C00000"/>
+                <a:schemeClr val="accent1"/>
               </a:solidFill>
               <a:latin typeface="Century Gothic" panose="020B0502020202020204"/>
               <a:ea typeface="+mn-ea"/>
               <a:cs typeface="+mn-cs"/>
             </a:rPr>
             <a:t>webscraping</a:t>
+          </a:r>
+          <a:r>
+            <a:rPr lang="en-US" sz="2000" kern="1200" dirty="0"/>
+            <a:t>)</a:t>
+          </a:r>
+          <a:endParaRPr lang="en-US" sz="2000" b="1" kern="1200" dirty="0">
+            <a:solidFill>
+              <a:prstClr val="black">
+                <a:hueOff val="0"/>
+                <a:satOff val="0"/>
+                <a:lumOff val="0"/>
+                <a:alphaOff val="0"/>
+              </a:prstClr>
+            </a:solidFill>
+            <a:latin typeface="Century Gothic" panose="020B0502020202020204"/>
+            <a:ea typeface="+mn-ea"/>
+            <a:cs typeface="+mn-cs"/>
+          </a:endParaRPr>
+        </a:p>
+        <a:p>
+          <a:pPr marL="228600" lvl="1" indent="-228600" algn="l" defTabSz="889000">
+            <a:lnSpc>
+              <a:spcPct val="100000"/>
+            </a:lnSpc>
+            <a:spcBef>
+              <a:spcPct val="0"/>
+            </a:spcBef>
+            <a:spcAft>
+              <a:spcPct val="15000"/>
+            </a:spcAft>
+            <a:buChar char="•"/>
+          </a:pPr>
+          <a:endParaRPr lang="en-US" sz="2000" b="1" kern="1200" dirty="0">
+            <a:solidFill>
+              <a:prstClr val="black">
+                <a:hueOff val="0"/>
+                <a:satOff val="0"/>
+                <a:lumOff val="0"/>
+                <a:alphaOff val="0"/>
+              </a:prstClr>
+            </a:solidFill>
+            <a:latin typeface="Century Gothic" panose="020B0502020202020204"/>
+            <a:ea typeface="+mn-ea"/>
+            <a:cs typeface="+mn-cs"/>
+          </a:endParaRPr>
+        </a:p>
+        <a:p>
+          <a:pPr marL="228600" lvl="1" indent="-228600" algn="l" defTabSz="889000">
+            <a:lnSpc>
+              <a:spcPct val="100000"/>
+            </a:lnSpc>
+            <a:spcBef>
+              <a:spcPct val="0"/>
+            </a:spcBef>
+            <a:spcAft>
+              <a:spcPct val="15000"/>
+            </a:spcAft>
+            <a:buChar char="•"/>
+          </a:pPr>
+          <a:r>
+            <a:rPr lang="en-US" sz="2000" b="1" kern="1200" dirty="0" err="1">
+              <a:solidFill>
+                <a:prstClr val="black">
+                  <a:hueOff val="0"/>
+                  <a:satOff val="0"/>
+                  <a:lumOff val="0"/>
+                  <a:alphaOff val="0"/>
+                </a:prstClr>
+              </a:solidFill>
+              <a:latin typeface="Century Gothic" panose="020B0502020202020204"/>
+              <a:ea typeface="+mn-ea"/>
+              <a:cs typeface="+mn-cs"/>
+            </a:rPr>
+            <a:t>GitHub.com</a:t>
           </a:r>
           <a:r>
             <a:rPr lang="en-US" sz="2000" b="1" kern="1200" dirty="0">
@@ -3249,13 +3547,104 @@
               <a:ea typeface="+mn-ea"/>
               <a:cs typeface="+mn-cs"/>
             </a:rPr>
+            <a:t>: </a:t>
+          </a:r>
+          <a:r>
+            <a:rPr lang="en-US" sz="2000" b="1" kern="1200" dirty="0" err="1">
+              <a:solidFill>
+                <a:prstClr val="black">
+                  <a:hueOff val="0"/>
+                  <a:satOff val="0"/>
+                  <a:lumOff val="0"/>
+                  <a:alphaOff val="0"/>
+                </a:prstClr>
+              </a:solidFill>
+              <a:latin typeface="Century Gothic" panose="020B0502020202020204"/>
+              <a:ea typeface="+mn-ea"/>
+              <a:cs typeface="+mn-cs"/>
+            </a:rPr>
+            <a:t>Fraxen</a:t>
+          </a:r>
+          <a:r>
+            <a:rPr lang="en-US" sz="2000" b="1" kern="1200" dirty="0">
+              <a:solidFill>
+                <a:prstClr val="black">
+                  <a:hueOff val="0"/>
+                  <a:satOff val="0"/>
+                  <a:lumOff val="0"/>
+                  <a:alphaOff val="0"/>
+                </a:prstClr>
+              </a:solidFill>
+              <a:latin typeface="Century Gothic" panose="020B0502020202020204"/>
+              <a:ea typeface="+mn-ea"/>
+              <a:cs typeface="+mn-cs"/>
+            </a:rPr>
+            <a:t>/</a:t>
+          </a:r>
+          <a:r>
+            <a:rPr lang="en-US" sz="2000" b="1" kern="1200" dirty="0" err="1">
+              <a:solidFill>
+                <a:prstClr val="black">
+                  <a:hueOff val="0"/>
+                  <a:satOff val="0"/>
+                  <a:lumOff val="0"/>
+                  <a:alphaOff val="0"/>
+                </a:prstClr>
+              </a:solidFill>
+              <a:latin typeface="Century Gothic" panose="020B0502020202020204"/>
+              <a:ea typeface="+mn-ea"/>
+              <a:cs typeface="+mn-cs"/>
+            </a:rPr>
+            <a:t>techtonic</a:t>
+          </a:r>
+          <a:r>
+            <a:rPr lang="en-US" sz="2000" b="1" kern="1200" dirty="0">
+              <a:solidFill>
+                <a:prstClr val="black">
+                  <a:hueOff val="0"/>
+                  <a:satOff val="0"/>
+                  <a:lumOff val="0"/>
+                  <a:alphaOff val="0"/>
+                </a:prstClr>
+              </a:solidFill>
+              <a:latin typeface="Century Gothic" panose="020B0502020202020204"/>
+              <a:ea typeface="+mn-ea"/>
+              <a:cs typeface="+mn-cs"/>
+            </a:rPr>
+            <a:t> plates </a:t>
+          </a:r>
+          <a:r>
+            <a:rPr lang="en-US" sz="2000" b="1" kern="1200" dirty="0"/>
+            <a:t>(</a:t>
+          </a:r>
+          <a:r>
+            <a:rPr lang="en-US" sz="2000" kern="1200" dirty="0">
+              <a:hlinkClick xmlns:r="http://schemas.openxmlformats.org/officeDocument/2006/relationships" r:id="rId2"/>
+            </a:rPr>
+            <a:t>Json</a:t>
+          </a:r>
+          <a:r>
+            <a:rPr lang="en-US" sz="2000" kern="1200" dirty="0"/>
             <a:t>)</a:t>
           </a:r>
+          <a:endParaRPr lang="en-US" sz="2000" b="1" kern="1200" dirty="0">
+            <a:solidFill>
+              <a:prstClr val="black">
+                <a:hueOff val="0"/>
+                <a:satOff val="0"/>
+                <a:lumOff val="0"/>
+                <a:alphaOff val="0"/>
+              </a:prstClr>
+            </a:solidFill>
+            <a:latin typeface="Century Gothic" panose="020B0502020202020204"/>
+            <a:ea typeface="+mn-ea"/>
+            <a:cs typeface="+mn-cs"/>
+          </a:endParaRPr>
         </a:p>
       </dsp:txBody>
       <dsp:txXfrm>
-        <a:off x="0" y="0"/>
-        <a:ext cx="6604698" cy="4739088"/>
+        <a:off x="0" y="11959"/>
+        <a:ext cx="5464134" cy="5441504"/>
       </dsp:txXfrm>
     </dsp:sp>
     <dsp:sp modelId="{793A2F8A-97D3-2A40-A62D-766C4F0D8295}">
@@ -3265,8 +3654,8 @@
       </dsp:nvSpPr>
       <dsp:spPr>
         <a:xfrm>
-          <a:off x="393914" y="0"/>
-          <a:ext cx="4836839" cy="851774"/>
+          <a:off x="325889" y="0"/>
+          <a:ext cx="4001565" cy="393126"/>
         </a:xfrm>
         <a:prstGeom prst="roundRect">
           <a:avLst/>
@@ -3327,7 +3716,7 @@
         </a:fontRef>
       </dsp:style>
       <dsp:txBody>
-        <a:bodyPr spcFirstLastPara="0" vert="horz" wrap="square" lIns="174749" tIns="0" rIns="174749" bIns="0" numCol="1" spcCol="1270" anchor="ctr" anchorCtr="0">
+        <a:bodyPr spcFirstLastPara="0" vert="horz" wrap="square" lIns="144572" tIns="0" rIns="144572" bIns="0" numCol="1" spcCol="1270" anchor="ctr" anchorCtr="0">
           <a:noAutofit/>
         </a:bodyPr>
         <a:lstStyle/>
@@ -3352,8 +3741,8 @@
         </a:p>
       </dsp:txBody>
       <dsp:txXfrm>
-        <a:off x="435494" y="41580"/>
-        <a:ext cx="4753679" cy="768614"/>
+        <a:off x="345080" y="19191"/>
+        <a:ext cx="3963183" cy="354744"/>
       </dsp:txXfrm>
     </dsp:sp>
   </dsp:spTree>
@@ -6201,7 +6590,7 @@
           <a:p>
             <a:fld id="{C0A85781-6232-184A-8222-E874F090EC08}" type="datetimeFigureOut">
               <a:rPr lang="en-US" smtClean="0"/>
-              <a:t>4/23/21</a:t>
+              <a:t>4/24/21</a:t>
             </a:fld>
             <a:endParaRPr lang="en-US"/>
           </a:p>
@@ -6512,7 +6901,10 @@
           <a:bodyPr/>
           <a:lstStyle/>
           <a:p>
-            <a:endParaRPr lang="en-US"/>
+            <a:r>
+              <a:rPr lang="en-US" dirty="0"/>
+              <a:t>SHAWNTELL</a:t>
+            </a:r>
           </a:p>
         </p:txBody>
       </p:sp>
@@ -6596,7 +6988,10 @@
           <a:bodyPr/>
           <a:lstStyle/>
           <a:p>
-            <a:endParaRPr lang="en-US"/>
+            <a:r>
+              <a:rPr lang="en-US" dirty="0"/>
+              <a:t>SHAWNTELL</a:t>
+            </a:r>
           </a:p>
         </p:txBody>
       </p:sp>
@@ -6682,15 +7077,21 @@
           <a:p>
             <a:r>
               <a:rPr lang="en-US" dirty="0"/>
-              <a:t>The theme we chose was volcanic activity around the world, to create interactive visualizations of volcanic emissions with </a:t>
-            </a:r>
-            <a:r>
-              <a:rPr lang="en-US" dirty="0" err="1"/>
-              <a:t>geomapping</a:t>
-            </a:r>
+              <a:t>SHAWNTELL</a:t>
+            </a:r>
+          </a:p>
+          <a:p>
             <a:r>
               <a:rPr lang="en-US" dirty="0"/>
-              <a:t> and querying capabilities.</a:t>
+              <a:t>We were inspired to choose the theme of global volcanic activity in light of the recent eruption of Mount Soufriere on the island of Saint Vincent in the Caribbean on April 9</a:t>
+            </a:r>
+            <a:r>
+              <a:rPr lang="en-US" baseline="30000" dirty="0"/>
+              <a:t>th</a:t>
+            </a:r>
+            <a:r>
+              <a:rPr lang="en-US" dirty="0"/>
+              <a:t>. We were immediately able to find the data we needed to successfully carry out this project. However, one limitation we faced was access to real time data to create a true live interactive experience.  So please keep in mind that the data we are using is reflective of our queries pulled over the past week. </a:t>
             </a:r>
           </a:p>
         </p:txBody>
@@ -7169,17 +7570,199 @@
             <a:endParaRPr lang="en-US" dirty="0"/>
           </a:p>
           <a:p>
-            <a:r>
-              <a:rPr lang="en-US" dirty="0"/>
-              <a:t>Outline</a:t>
-            </a:r>
-            <a:r>
-              <a:rPr lang="en-US" baseline="0" dirty="0"/>
-              <a:t> process of how data was incorporated into project.</a:t>
-            </a:r>
-          </a:p>
-          <a:p>
             <a:endParaRPr lang="en-US" baseline="0" dirty="0"/>
+          </a:p>
+          <a:p>
+            <a:pPr marL="0" marR="0" lvl="0" indent="0" algn="l" defTabSz="914400" rtl="0" eaLnBrk="1" fontAlgn="auto" latinLnBrk="0" hangingPunct="1">
+              <a:lnSpc>
+                <a:spcPct val="100000"/>
+              </a:lnSpc>
+              <a:spcBef>
+                <a:spcPts val="0"/>
+              </a:spcBef>
+              <a:spcAft>
+                <a:spcPts val="0"/>
+              </a:spcAft>
+              <a:buClrTx/>
+              <a:buSzTx/>
+              <a:buFontTx/>
+              <a:buNone/>
+              <a:tabLst/>
+              <a:defRPr/>
+            </a:pPr>
+            <a:r>
+              <a:rPr lang="en-US" sz="1200" b="1" kern="1200" dirty="0" err="1">
+                <a:solidFill>
+                  <a:prstClr val="black">
+                    <a:hueOff val="0"/>
+                    <a:satOff val="0"/>
+                    <a:lumOff val="0"/>
+                    <a:alphaOff val="0"/>
+                  </a:prstClr>
+                </a:solidFill>
+                <a:latin typeface="Century Gothic" panose="020B0502020202020204"/>
+                <a:ea typeface="+mn-ea"/>
+                <a:cs typeface="+mn-cs"/>
+              </a:rPr>
+              <a:t>GitHub.com</a:t>
+            </a:r>
+            <a:r>
+              <a:rPr lang="en-US" sz="1200" b="1" kern="1200" dirty="0">
+                <a:solidFill>
+                  <a:prstClr val="black">
+                    <a:hueOff val="0"/>
+                    <a:satOff val="0"/>
+                    <a:lumOff val="0"/>
+                    <a:alphaOff val="0"/>
+                  </a:prstClr>
+                </a:solidFill>
+                <a:latin typeface="Century Gothic" panose="020B0502020202020204"/>
+                <a:ea typeface="+mn-ea"/>
+                <a:cs typeface="+mn-cs"/>
+              </a:rPr>
+              <a:t>/</a:t>
+            </a:r>
+            <a:r>
+              <a:rPr lang="en-US" sz="1200" b="1" kern="1200" dirty="0" err="1">
+                <a:solidFill>
+                  <a:prstClr val="black">
+                    <a:hueOff val="0"/>
+                    <a:satOff val="0"/>
+                    <a:lumOff val="0"/>
+                    <a:alphaOff val="0"/>
+                  </a:prstClr>
+                </a:solidFill>
+                <a:latin typeface="Century Gothic" panose="020B0502020202020204"/>
+                <a:ea typeface="+mn-ea"/>
+                <a:cs typeface="+mn-cs"/>
+              </a:rPr>
+              <a:t>Fraxen</a:t>
+            </a:r>
+            <a:r>
+              <a:rPr lang="en-US" sz="1200" b="1" kern="1200" dirty="0">
+                <a:solidFill>
+                  <a:prstClr val="black">
+                    <a:hueOff val="0"/>
+                    <a:satOff val="0"/>
+                    <a:lumOff val="0"/>
+                    <a:alphaOff val="0"/>
+                  </a:prstClr>
+                </a:solidFill>
+                <a:latin typeface="Century Gothic" panose="020B0502020202020204"/>
+                <a:ea typeface="+mn-ea"/>
+                <a:cs typeface="+mn-cs"/>
+              </a:rPr>
+              <a:t>/</a:t>
+            </a:r>
+            <a:r>
+              <a:rPr lang="en-US" sz="1200" b="1" kern="1200" dirty="0" err="1">
+                <a:solidFill>
+                  <a:prstClr val="black">
+                    <a:hueOff val="0"/>
+                    <a:satOff val="0"/>
+                    <a:lumOff val="0"/>
+                    <a:alphaOff val="0"/>
+                  </a:prstClr>
+                </a:solidFill>
+                <a:latin typeface="Century Gothic" panose="020B0502020202020204"/>
+                <a:ea typeface="+mn-ea"/>
+                <a:cs typeface="+mn-cs"/>
+              </a:rPr>
+              <a:t>techtonic</a:t>
+            </a:r>
+            <a:r>
+              <a:rPr lang="en-US" sz="1200" b="1" kern="1200" dirty="0">
+                <a:solidFill>
+                  <a:prstClr val="black">
+                    <a:hueOff val="0"/>
+                    <a:satOff val="0"/>
+                    <a:lumOff val="0"/>
+                    <a:alphaOff val="0"/>
+                  </a:prstClr>
+                </a:solidFill>
+                <a:latin typeface="Century Gothic" panose="020B0502020202020204"/>
+                <a:ea typeface="+mn-ea"/>
+                <a:cs typeface="+mn-cs"/>
+              </a:rPr>
+              <a:t> plates </a:t>
+            </a:r>
+            <a:r>
+              <a:rPr lang="en-US" sz="1200" b="1" kern="1200" dirty="0"/>
+              <a:t>(</a:t>
+            </a:r>
+            <a:r>
+              <a:rPr lang="en-US" sz="1200" kern="1200" dirty="0">
+                <a:hlinkClick r:id="rId6"/>
+              </a:rPr>
+              <a:t>Json</a:t>
+            </a:r>
+            <a:r>
+              <a:rPr lang="en-US" sz="1200" kern="1200" dirty="0"/>
+              <a:t>)</a:t>
+            </a:r>
+            <a:endParaRPr lang="en-US" sz="1200" b="1" kern="1200" dirty="0">
+              <a:solidFill>
+                <a:prstClr val="black">
+                  <a:hueOff val="0"/>
+                  <a:satOff val="0"/>
+                  <a:lumOff val="0"/>
+                  <a:alphaOff val="0"/>
+                </a:prstClr>
+              </a:solidFill>
+              <a:latin typeface="Century Gothic" panose="020B0502020202020204"/>
+              <a:ea typeface="+mn-ea"/>
+              <a:cs typeface="+mn-cs"/>
+            </a:endParaRPr>
+          </a:p>
+          <a:p>
+            <a:pPr marL="0" marR="0" lvl="0" indent="0" algn="l" defTabSz="914400" rtl="0" eaLnBrk="1" fontAlgn="auto" latinLnBrk="0" hangingPunct="1">
+              <a:lnSpc>
+                <a:spcPct val="100000"/>
+              </a:lnSpc>
+              <a:spcBef>
+                <a:spcPts val="0"/>
+              </a:spcBef>
+              <a:spcAft>
+                <a:spcPts val="0"/>
+              </a:spcAft>
+              <a:buClrTx/>
+              <a:buSzTx/>
+              <a:buFontTx/>
+              <a:buNone/>
+              <a:tabLst/>
+              <a:defRPr/>
+            </a:pPr>
+            <a:r>
+              <a:rPr lang="en-US" sz="1200" b="1" dirty="0" err="1"/>
+              <a:t>GitHub.com</a:t>
+            </a:r>
+            <a:r>
+              <a:rPr lang="en-US" sz="1200" b="1" dirty="0"/>
+              <a:t>: </a:t>
+            </a:r>
+            <a:r>
+              <a:rPr lang="en-US" sz="1200" b="1" dirty="0" err="1"/>
+              <a:t>Fraxen</a:t>
+            </a:r>
+            <a:r>
+              <a:rPr lang="en-US" sz="1200" b="1" dirty="0"/>
+              <a:t> / </a:t>
+            </a:r>
+            <a:r>
+              <a:rPr lang="en-US" sz="1200" b="1" dirty="0" err="1"/>
+              <a:t>Techtonic</a:t>
+            </a:r>
+            <a:r>
+              <a:rPr lang="en-US" sz="1200" b="1" dirty="0"/>
+              <a:t> Plates:  </a:t>
+            </a:r>
+            <a:r>
+              <a:rPr lang="en-US" sz="1200" dirty="0">
+                <a:hlinkClick r:id="rId8"/>
+              </a:rPr>
+              <a:t>https://github.com/fraxen/tectonicplates</a:t>
+            </a:r>
+            <a:endParaRPr lang="en-US" sz="1200" b="1" dirty="0"/>
           </a:p>
           <a:p>
             <a:endParaRPr lang="en-US" baseline="0" dirty="0"/>
@@ -7271,34 +7854,37 @@
           <a:p>
             <a:r>
               <a:rPr lang="en-US" dirty="0"/>
-              <a:t>FLEMING:</a:t>
+              <a:t>FLEMING</a:t>
             </a:r>
           </a:p>
           <a:p>
             <a:endParaRPr lang="en-US" dirty="0"/>
           </a:p>
           <a:p>
+            <a:pPr marL="0" marR="0" lvl="0" indent="0" algn="l" defTabSz="914400" rtl="0" eaLnBrk="1" fontAlgn="auto" latinLnBrk="0" hangingPunct="1">
+              <a:lnSpc>
+                <a:spcPct val="100000"/>
+              </a:lnSpc>
+              <a:spcBef>
+                <a:spcPts val="0"/>
+              </a:spcBef>
+              <a:spcAft>
+                <a:spcPts val="0"/>
+              </a:spcAft>
+              <a:buClrTx/>
+              <a:buSzTx/>
+              <a:buFontTx/>
+              <a:buNone/>
+              <a:tabLst/>
+              <a:defRPr/>
+            </a:pPr>
             <a:r>
               <a:rPr lang="en-US" dirty="0"/>
-              <a:t>From the Smithsonian data source, there were two files which we retrieved queries delivered with Excel files.  We generated two queries: one based on volcanic emissions and the other based on geographic data.</a:t>
-            </a:r>
-          </a:p>
-          <a:p>
-            <a:endParaRPr lang="en-US" dirty="0"/>
-          </a:p>
-          <a:p>
-            <a:r>
-              <a:rPr lang="en-US" dirty="0"/>
-              <a:t>We munged these two lists into three separate table to normalize them for import into PostgreSQL. We encountered some challenges with importing the location table with latitude and longitude as combined foreign keys, so we split them into two tables so we could relate them as foreign keys from distinct tables.</a:t>
-            </a:r>
-          </a:p>
-          <a:p>
-            <a:endParaRPr lang="en-US" dirty="0"/>
-          </a:p>
-          <a:p>
-            <a:r>
-              <a:rPr lang="en-US" dirty="0"/>
-              <a:t>Then we converted the csv files to a json for querying in pandas.</a:t>
+              <a:t>Outline</a:t>
+            </a:r>
+            <a:r>
+              <a:rPr lang="en-US" baseline="0" dirty="0"/>
+              <a:t> process of how data was incorporated into project.</a:t>
             </a:r>
           </a:p>
           <a:p>
@@ -7332,7 +7918,7 @@
     </p:spTree>
     <p:extLst>
       <p:ext uri="{BB962C8B-B14F-4D97-AF65-F5344CB8AC3E}">
-        <p14:creationId xmlns:p14="http://schemas.microsoft.com/office/powerpoint/2010/main" val="2461912306"/>
+        <p14:creationId xmlns:p14="http://schemas.microsoft.com/office/powerpoint/2010/main" val="3173305605"/>
       </p:ext>
     </p:extLst>
   </p:cSld>
@@ -7386,153 +7972,37 @@
           <a:bodyPr/>
           <a:lstStyle/>
           <a:p>
-            <a:pPr marL="0" marR="0" lvl="0" indent="0" algn="l" defTabSz="914400" rtl="0" eaLnBrk="1" fontAlgn="auto" latinLnBrk="0" hangingPunct="1">
-              <a:lnSpc>
-                <a:spcPct val="100000"/>
-              </a:lnSpc>
-              <a:spcBef>
-                <a:spcPts val="0"/>
-              </a:spcBef>
-              <a:spcAft>
-                <a:spcPts val="0"/>
-              </a:spcAft>
-              <a:buClrTx/>
-              <a:buSzTx/>
-              <a:buFontTx/>
-              <a:buNone/>
-              <a:tabLst/>
-              <a:defRPr/>
-            </a:pPr>
-            <a:r>
-              <a:rPr lang="en-US" sz="1200" kern="1200" dirty="0">
-                <a:solidFill>
-                  <a:schemeClr val="tx1"/>
-                </a:solidFill>
-                <a:effectLst/>
-                <a:latin typeface="+mn-lt"/>
-                <a:ea typeface="+mn-ea"/>
-                <a:cs typeface="+mn-cs"/>
-              </a:rPr>
-              <a:t>BANU &amp; DAN</a:t>
-            </a:r>
-          </a:p>
-          <a:p>
-            <a:pPr marL="0" marR="0" lvl="0" indent="0" algn="l" defTabSz="914400" rtl="0" eaLnBrk="1" fontAlgn="auto" latinLnBrk="0" hangingPunct="1">
-              <a:lnSpc>
-                <a:spcPct val="100000"/>
-              </a:lnSpc>
-              <a:spcBef>
-                <a:spcPts val="0"/>
-              </a:spcBef>
-              <a:spcAft>
-                <a:spcPts val="0"/>
-              </a:spcAft>
-              <a:buClrTx/>
-              <a:buSzTx/>
-              <a:buFontTx/>
-              <a:buNone/>
-              <a:tabLst/>
-              <a:defRPr/>
-            </a:pPr>
-            <a:r>
-              <a:rPr lang="en-US" sz="1200" kern="1200" dirty="0">
-                <a:solidFill>
-                  <a:schemeClr val="tx1"/>
-                </a:solidFill>
-                <a:effectLst/>
-                <a:latin typeface="+mn-lt"/>
-                <a:ea typeface="+mn-ea"/>
-                <a:cs typeface="+mn-cs"/>
-              </a:rPr>
-              <a:t>project should include at least one JS library that we did not cover.</a:t>
-            </a:r>
-          </a:p>
-          <a:p>
-            <a:pPr marL="0" marR="0" lvl="0" indent="0" algn="l" defTabSz="914400" rtl="0" eaLnBrk="1" fontAlgn="auto" latinLnBrk="0" hangingPunct="1">
-              <a:lnSpc>
-                <a:spcPct val="100000"/>
-              </a:lnSpc>
-              <a:spcBef>
-                <a:spcPts val="0"/>
-              </a:spcBef>
-              <a:spcAft>
-                <a:spcPts val="0"/>
-              </a:spcAft>
-              <a:buClrTx/>
-              <a:buSzTx/>
-              <a:buFontTx/>
-              <a:buNone/>
-              <a:tabLst/>
-              <a:defRPr/>
-            </a:pPr>
-            <a:endParaRPr lang="en-US" sz="1200" kern="1200" dirty="0">
-              <a:solidFill>
-                <a:schemeClr val="tx1"/>
-              </a:solidFill>
-              <a:effectLst/>
-              <a:latin typeface="+mn-lt"/>
-              <a:ea typeface="+mn-ea"/>
-              <a:cs typeface="+mn-cs"/>
-            </a:endParaRPr>
-          </a:p>
-          <a:p>
-            <a:pPr marL="0" marR="0" lvl="0" indent="0" algn="l" defTabSz="914400" rtl="0" eaLnBrk="1" fontAlgn="auto" latinLnBrk="0" hangingPunct="1">
-              <a:lnSpc>
-                <a:spcPct val="100000"/>
-              </a:lnSpc>
-              <a:spcBef>
-                <a:spcPts val="0"/>
-              </a:spcBef>
-              <a:spcAft>
-                <a:spcPts val="0"/>
-              </a:spcAft>
-              <a:buClrTx/>
-              <a:buSzTx/>
-              <a:buFontTx/>
-              <a:buNone/>
-              <a:tabLst/>
-              <a:defRPr/>
-            </a:pPr>
-            <a:r>
-              <a:rPr lang="en-US" sz="1200" kern="1200" dirty="0">
-                <a:solidFill>
-                  <a:schemeClr val="tx1"/>
-                </a:solidFill>
-                <a:effectLst/>
-                <a:latin typeface="+mn-lt"/>
-                <a:ea typeface="+mn-ea"/>
-                <a:cs typeface="+mn-cs"/>
-              </a:rPr>
-              <a:t>To create our visualization, we used a Python Flask–powered API, HTML/CSS, JavaScript, Beautiful Soup, MongoDB and PostgreSQL.</a:t>
-            </a:r>
-          </a:p>
-          <a:p>
-            <a:pPr marL="0" marR="0" lvl="0" indent="0" algn="l" defTabSz="914400" rtl="0" eaLnBrk="1" fontAlgn="auto" latinLnBrk="0" hangingPunct="1">
-              <a:lnSpc>
-                <a:spcPct val="100000"/>
-              </a:lnSpc>
-              <a:spcBef>
-                <a:spcPts val="0"/>
-              </a:spcBef>
-              <a:spcAft>
-                <a:spcPts val="0"/>
-              </a:spcAft>
-              <a:buClrTx/>
-              <a:buSzTx/>
-              <a:buFontTx/>
-              <a:buNone/>
-              <a:tabLst/>
-              <a:defRPr/>
-            </a:pPr>
-            <a:endParaRPr lang="en-US" sz="1200" kern="1200" dirty="0">
-              <a:solidFill>
-                <a:schemeClr val="tx1"/>
-              </a:solidFill>
-              <a:effectLst/>
-              <a:latin typeface="+mn-lt"/>
-              <a:ea typeface="+mn-ea"/>
-              <a:cs typeface="+mn-cs"/>
-            </a:endParaRPr>
+            <a:r>
+              <a:rPr lang="en-US" dirty="0"/>
+              <a:t>FLEMING:</a:t>
+            </a:r>
+          </a:p>
+          <a:p>
+            <a:endParaRPr lang="en-US" dirty="0"/>
+          </a:p>
+          <a:p>
+            <a:r>
+              <a:rPr lang="en-US" dirty="0"/>
+              <a:t>From the Smithsonian data source, there were two files which we retrieved queries delivered with Excel files.  We generated two queries: one based on volcanic emissions and the other based on geographic data.</a:t>
+            </a:r>
+          </a:p>
+          <a:p>
+            <a:endParaRPr lang="en-US" dirty="0"/>
+          </a:p>
+          <a:p>
+            <a:r>
+              <a:rPr lang="en-US" dirty="0"/>
+              <a:t>We munged these two lists into three separate table to normalize them for import into PostgreSQL. We encountered some challenges with importing the location table with latitude and longitude as combined foreign keys, so we split them into two tables so we could relate them as foreign keys from distinct tables.</a:t>
+            </a:r>
+          </a:p>
+          <a:p>
+            <a:endParaRPr lang="en-US" dirty="0"/>
+          </a:p>
+          <a:p>
+            <a:r>
+              <a:rPr lang="en-US" dirty="0"/>
+              <a:t>Then we converted the csv files to a json for querying in pandas.</a:t>
+            </a:r>
           </a:p>
           <a:p>
             <a:endParaRPr lang="en-US" dirty="0"/>
@@ -7565,7 +8035,7 @@
     </p:spTree>
     <p:extLst>
       <p:ext uri="{BB962C8B-B14F-4D97-AF65-F5344CB8AC3E}">
-        <p14:creationId xmlns:p14="http://schemas.microsoft.com/office/powerpoint/2010/main" val="535507168"/>
+        <p14:creationId xmlns:p14="http://schemas.microsoft.com/office/powerpoint/2010/main" val="2461912306"/>
       </p:ext>
     </p:extLst>
   </p:cSld>
@@ -7619,6 +8089,155 @@
           <a:bodyPr/>
           <a:lstStyle/>
           <a:p>
+            <a:pPr marL="0" marR="0" lvl="0" indent="0" algn="l" defTabSz="914400" rtl="0" eaLnBrk="1" fontAlgn="auto" latinLnBrk="0" hangingPunct="1">
+              <a:lnSpc>
+                <a:spcPct val="100000"/>
+              </a:lnSpc>
+              <a:spcBef>
+                <a:spcPts val="0"/>
+              </a:spcBef>
+              <a:spcAft>
+                <a:spcPts val="0"/>
+              </a:spcAft>
+              <a:buClrTx/>
+              <a:buSzTx/>
+              <a:buFontTx/>
+              <a:buNone/>
+              <a:tabLst/>
+              <a:defRPr/>
+            </a:pPr>
+            <a:r>
+              <a:rPr lang="en-US" sz="1200" kern="1200" dirty="0">
+                <a:solidFill>
+                  <a:schemeClr val="tx1"/>
+                </a:solidFill>
+                <a:effectLst/>
+                <a:latin typeface="+mn-lt"/>
+                <a:ea typeface="+mn-ea"/>
+                <a:cs typeface="+mn-cs"/>
+              </a:rPr>
+              <a:t>BANU &amp; DAN</a:t>
+            </a:r>
+          </a:p>
+          <a:p>
+            <a:pPr marL="0" marR="0" lvl="0" indent="0" algn="l" defTabSz="914400" rtl="0" eaLnBrk="1" fontAlgn="auto" latinLnBrk="0" hangingPunct="1">
+              <a:lnSpc>
+                <a:spcPct val="100000"/>
+              </a:lnSpc>
+              <a:spcBef>
+                <a:spcPts val="0"/>
+              </a:spcBef>
+              <a:spcAft>
+                <a:spcPts val="0"/>
+              </a:spcAft>
+              <a:buClrTx/>
+              <a:buSzTx/>
+              <a:buFontTx/>
+              <a:buNone/>
+              <a:tabLst/>
+              <a:defRPr/>
+            </a:pPr>
+            <a:r>
+              <a:rPr lang="en-US" sz="1200" kern="1200" dirty="0">
+                <a:solidFill>
+                  <a:schemeClr val="tx1"/>
+                </a:solidFill>
+                <a:effectLst/>
+                <a:latin typeface="+mn-lt"/>
+                <a:ea typeface="+mn-ea"/>
+                <a:cs typeface="+mn-cs"/>
+              </a:rPr>
+              <a:t>project should include at least one JS library that we did not cover.</a:t>
+            </a:r>
+          </a:p>
+          <a:p>
+            <a:pPr marL="0" marR="0" lvl="0" indent="0" algn="l" defTabSz="914400" rtl="0" eaLnBrk="1" fontAlgn="auto" latinLnBrk="0" hangingPunct="1">
+              <a:lnSpc>
+                <a:spcPct val="100000"/>
+              </a:lnSpc>
+              <a:spcBef>
+                <a:spcPts val="0"/>
+              </a:spcBef>
+              <a:spcAft>
+                <a:spcPts val="0"/>
+              </a:spcAft>
+              <a:buClrTx/>
+              <a:buSzTx/>
+              <a:buFontTx/>
+              <a:buNone/>
+              <a:tabLst/>
+              <a:defRPr/>
+            </a:pPr>
+            <a:endParaRPr lang="en-US" sz="1200" kern="1200" dirty="0">
+              <a:solidFill>
+                <a:schemeClr val="tx1"/>
+              </a:solidFill>
+              <a:effectLst/>
+              <a:latin typeface="+mn-lt"/>
+              <a:ea typeface="+mn-ea"/>
+              <a:cs typeface="+mn-cs"/>
+            </a:endParaRPr>
+          </a:p>
+          <a:p>
+            <a:pPr marL="0" marR="0" lvl="0" indent="0" algn="l" defTabSz="914400" rtl="0" eaLnBrk="1" fontAlgn="auto" latinLnBrk="0" hangingPunct="1">
+              <a:lnSpc>
+                <a:spcPct val="100000"/>
+              </a:lnSpc>
+              <a:spcBef>
+                <a:spcPts val="0"/>
+              </a:spcBef>
+              <a:spcAft>
+                <a:spcPts val="0"/>
+              </a:spcAft>
+              <a:buClrTx/>
+              <a:buSzTx/>
+              <a:buFontTx/>
+              <a:buNone/>
+              <a:tabLst/>
+              <a:defRPr/>
+            </a:pPr>
+            <a:r>
+              <a:rPr lang="en-US" sz="1200" kern="1200" dirty="0">
+                <a:solidFill>
+                  <a:schemeClr val="tx1"/>
+                </a:solidFill>
+                <a:effectLst/>
+                <a:latin typeface="+mn-lt"/>
+                <a:ea typeface="+mn-ea"/>
+                <a:cs typeface="+mn-cs"/>
+              </a:rPr>
+              <a:t>To create our visualization, we used a Python Flask–powered API, HTML/CSS, JavaScript, Beautiful Soup, MongoDB and PostgreSQL.</a:t>
+            </a:r>
+          </a:p>
+          <a:p>
+            <a:pPr marL="0" marR="0" lvl="0" indent="0" algn="l" defTabSz="914400" rtl="0" eaLnBrk="1" fontAlgn="auto" latinLnBrk="0" hangingPunct="1">
+              <a:lnSpc>
+                <a:spcPct val="100000"/>
+              </a:lnSpc>
+              <a:spcBef>
+                <a:spcPts val="0"/>
+              </a:spcBef>
+              <a:spcAft>
+                <a:spcPts val="0"/>
+              </a:spcAft>
+              <a:buClrTx/>
+              <a:buSzTx/>
+              <a:buFontTx/>
+              <a:buNone/>
+              <a:tabLst/>
+              <a:defRPr/>
+            </a:pPr>
+            <a:endParaRPr lang="en-US" sz="1200" kern="1200" dirty="0">
+              <a:solidFill>
+                <a:schemeClr val="tx1"/>
+              </a:solidFill>
+              <a:effectLst/>
+              <a:latin typeface="+mn-lt"/>
+              <a:ea typeface="+mn-ea"/>
+              <a:cs typeface="+mn-cs"/>
+            </a:endParaRPr>
+          </a:p>
+          <a:p>
             <a:endParaRPr lang="en-US" dirty="0"/>
           </a:p>
         </p:txBody>
@@ -7649,7 +8268,7 @@
     </p:spTree>
     <p:extLst>
       <p:ext uri="{BB962C8B-B14F-4D97-AF65-F5344CB8AC3E}">
-        <p14:creationId xmlns:p14="http://schemas.microsoft.com/office/powerpoint/2010/main" val="2939733473"/>
+        <p14:creationId xmlns:p14="http://schemas.microsoft.com/office/powerpoint/2010/main" val="535507168"/>
       </p:ext>
     </p:extLst>
   </p:cSld>
@@ -7703,6 +8322,90 @@
           <a:bodyPr/>
           <a:lstStyle/>
           <a:p>
+            <a:endParaRPr lang="en-US" dirty="0"/>
+          </a:p>
+        </p:txBody>
+      </p:sp>
+      <p:sp>
+        <p:nvSpPr>
+          <p:cNvPr id="4" name="Slide Number Placeholder 3"/>
+          <p:cNvSpPr>
+            <a:spLocks noGrp="1"/>
+          </p:cNvSpPr>
+          <p:nvPr>
+            <p:ph type="sldNum" sz="quarter" idx="5"/>
+          </p:nvPr>
+        </p:nvSpPr>
+        <p:spPr/>
+        <p:txBody>
+          <a:bodyPr/>
+          <a:lstStyle/>
+          <a:p>
+            <a:fld id="{4BEC4175-BDD0-3C46-B86B-D9C0005BE2C6}" type="slidenum">
+              <a:rPr lang="en-US" smtClean="0"/>
+              <a:t>8</a:t>
+            </a:fld>
+            <a:endParaRPr lang="en-US"/>
+          </a:p>
+        </p:txBody>
+      </p:sp>
+    </p:spTree>
+    <p:extLst>
+      <p:ext uri="{BB962C8B-B14F-4D97-AF65-F5344CB8AC3E}">
+        <p14:creationId xmlns:p14="http://schemas.microsoft.com/office/powerpoint/2010/main" val="2939733473"/>
+      </p:ext>
+    </p:extLst>
+  </p:cSld>
+  <p:clrMapOvr>
+    <a:masterClrMapping/>
+  </p:clrMapOvr>
+</p:notes>
+</file>
+
+<file path=ppt/notesSlides/notesSlide9.xml><?xml version="1.0" encoding="utf-8"?>
+<p:notes xmlns:a="http://schemas.openxmlformats.org/drawingml/2006/main" xmlns:r="http://schemas.openxmlformats.org/officeDocument/2006/relationships" xmlns:p="http://schemas.openxmlformats.org/presentationml/2006/main">
+  <p:cSld>
+    <p:spTree>
+      <p:nvGrpSpPr>
+        <p:cNvPr id="1" name=""/>
+        <p:cNvGrpSpPr/>
+        <p:nvPr/>
+      </p:nvGrpSpPr>
+      <p:grpSpPr>
+        <a:xfrm>
+          <a:off x="0" y="0"/>
+          <a:ext cx="0" cy="0"/>
+          <a:chOff x="0" y="0"/>
+          <a:chExt cx="0" cy="0"/>
+        </a:xfrm>
+      </p:grpSpPr>
+      <p:sp>
+        <p:nvSpPr>
+          <p:cNvPr id="2" name="Slide Image Placeholder 1"/>
+          <p:cNvSpPr>
+            <a:spLocks noGrp="1" noRot="1" noChangeAspect="1"/>
+          </p:cNvSpPr>
+          <p:nvPr>
+            <p:ph type="sldImg"/>
+          </p:nvPr>
+        </p:nvSpPr>
+        <p:spPr/>
+      </p:sp>
+      <p:sp>
+        <p:nvSpPr>
+          <p:cNvPr id="3" name="Notes Placeholder 2"/>
+          <p:cNvSpPr>
+            <a:spLocks noGrp="1"/>
+          </p:cNvSpPr>
+          <p:nvPr>
+            <p:ph type="body" idx="1"/>
+          </p:nvPr>
+        </p:nvSpPr>
+        <p:spPr/>
+        <p:txBody>
+          <a:bodyPr/>
+          <a:lstStyle/>
+          <a:p>
             <a:pPr marL="0" marR="0" lvl="0" indent="0" algn="l" defTabSz="914400" rtl="0" eaLnBrk="1" fontAlgn="auto" latinLnBrk="0" hangingPunct="1">
               <a:lnSpc>
                 <a:spcPct val="100000"/>
@@ -7873,7 +8576,7 @@
           <a:p>
             <a:fld id="{4BEC4175-BDD0-3C46-B86B-D9C0005BE2C6}" type="slidenum">
               <a:rPr lang="en-US" smtClean="0"/>
-              <a:t>9</a:t>
+              <a:t>10</a:t>
             </a:fld>
             <a:endParaRPr lang="en-US"/>
           </a:p>
@@ -8062,7 +8765,7 @@
           <a:p>
             <a:fld id="{48A87A34-81AB-432B-8DAE-1953F412C126}" type="datetimeFigureOut">
               <a:rPr lang="en-US" dirty="0"/>
-              <a:t>4/23/21</a:t>
+              <a:t>4/24/21</a:t>
             </a:fld>
             <a:endParaRPr lang="en-US" dirty="0"/>
           </a:p>
@@ -8324,7 +9027,7 @@
           <a:p>
             <a:fld id="{48A87A34-81AB-432B-8DAE-1953F412C126}" type="datetimeFigureOut">
               <a:rPr lang="en-US" dirty="0"/>
-              <a:t>4/23/21</a:t>
+              <a:t>4/24/21</a:t>
             </a:fld>
             <a:endParaRPr lang="en-US" dirty="0"/>
           </a:p>
@@ -8551,7 +9254,7 @@
             <a:fld id="{48A87A34-81AB-432B-8DAE-1953F412C126}" type="datetimeFigureOut">
               <a:rPr lang="en-US" dirty="0"/>
               <a:pPr/>
-              <a:t>4/23/21</a:t>
+              <a:t>4/24/21</a:t>
             </a:fld>
             <a:endParaRPr lang="en-US" dirty="0"/>
           </a:p>
@@ -8857,7 +9560,7 @@
             <a:fld id="{48A87A34-81AB-432B-8DAE-1953F412C126}" type="datetimeFigureOut">
               <a:rPr lang="en-US" dirty="0"/>
               <a:pPr/>
-              <a:t>4/23/21</a:t>
+              <a:t>4/24/21</a:t>
             </a:fld>
             <a:endParaRPr lang="en-US" dirty="0"/>
           </a:p>
@@ -9326,7 +10029,7 @@
             <a:fld id="{48A87A34-81AB-432B-8DAE-1953F412C126}" type="datetimeFigureOut">
               <a:rPr lang="en-US" dirty="0"/>
               <a:pPr/>
-              <a:t>4/23/21</a:t>
+              <a:t>4/24/21</a:t>
             </a:fld>
             <a:endParaRPr lang="en-US" dirty="0"/>
           </a:p>
@@ -9868,7 +10571,7 @@
           <a:p>
             <a:fld id="{48A87A34-81AB-432B-8DAE-1953F412C126}" type="datetimeFigureOut">
               <a:rPr lang="en-US" dirty="0"/>
-              <a:t>4/23/21</a:t>
+              <a:t>4/24/21</a:t>
             </a:fld>
             <a:endParaRPr lang="en-US" dirty="0"/>
           </a:p>
@@ -10637,7 +11340,7 @@
           <a:p>
             <a:fld id="{48A87A34-81AB-432B-8DAE-1953F412C126}" type="datetimeFigureOut">
               <a:rPr lang="en-US" dirty="0"/>
-              <a:t>4/23/21</a:t>
+              <a:t>4/24/21</a:t>
             </a:fld>
             <a:endParaRPr lang="en-US" dirty="0"/>
           </a:p>
@@ -10807,7 +11510,7 @@
           <a:p>
             <a:fld id="{48A87A34-81AB-432B-8DAE-1953F412C126}" type="datetimeFigureOut">
               <a:rPr lang="en-US" dirty="0"/>
-              <a:t>4/23/21</a:t>
+              <a:t>4/24/21</a:t>
             </a:fld>
             <a:endParaRPr lang="en-US" dirty="0"/>
           </a:p>
@@ -11026,7 +11729,7 @@
             <a:fld id="{48A87A34-81AB-432B-8DAE-1953F412C126}" type="datetimeFigureOut">
               <a:rPr lang="en-US" dirty="0"/>
               <a:pPr/>
-              <a:t>4/23/21</a:t>
+              <a:t>4/24/21</a:t>
             </a:fld>
             <a:endParaRPr lang="en-US" dirty="0"/>
           </a:p>
@@ -11201,7 +11904,7 @@
           <a:p>
             <a:fld id="{48A87A34-81AB-432B-8DAE-1953F412C126}" type="datetimeFigureOut">
               <a:rPr lang="en-US" dirty="0"/>
-              <a:t>4/23/21</a:t>
+              <a:t>4/24/21</a:t>
             </a:fld>
             <a:endParaRPr lang="en-US" dirty="0"/>
           </a:p>
@@ -11486,7 +12189,7 @@
             <a:fld id="{48A87A34-81AB-432B-8DAE-1953F412C126}" type="datetimeFigureOut">
               <a:rPr lang="en-US" dirty="0"/>
               <a:pPr/>
-              <a:t>4/23/21</a:t>
+              <a:t>4/24/21</a:t>
             </a:fld>
             <a:endParaRPr lang="en-US" dirty="0"/>
           </a:p>
@@ -11723,7 +12426,7 @@
           <a:p>
             <a:fld id="{48A87A34-81AB-432B-8DAE-1953F412C126}" type="datetimeFigureOut">
               <a:rPr lang="en-US" dirty="0"/>
-              <a:t>4/23/21</a:t>
+              <a:t>4/24/21</a:t>
             </a:fld>
             <a:endParaRPr lang="en-US" dirty="0"/>
           </a:p>
@@ -12097,7 +12800,7 @@
           <a:p>
             <a:fld id="{48A87A34-81AB-432B-8DAE-1953F412C126}" type="datetimeFigureOut">
               <a:rPr lang="en-US" dirty="0"/>
-              <a:t>4/23/21</a:t>
+              <a:t>4/24/21</a:t>
             </a:fld>
             <a:endParaRPr lang="en-US" dirty="0"/>
           </a:p>
@@ -12210,7 +12913,7 @@
           <a:p>
             <a:fld id="{48A87A34-81AB-432B-8DAE-1953F412C126}" type="datetimeFigureOut">
               <a:rPr lang="en-US" dirty="0"/>
-              <a:t>4/23/21</a:t>
+              <a:t>4/24/21</a:t>
             </a:fld>
             <a:endParaRPr lang="en-US" dirty="0"/>
           </a:p>
@@ -12300,7 +13003,7 @@
           <a:p>
             <a:fld id="{48A87A34-81AB-432B-8DAE-1953F412C126}" type="datetimeFigureOut">
               <a:rPr lang="en-US" dirty="0"/>
-              <a:t>4/23/21</a:t>
+              <a:t>4/24/21</a:t>
             </a:fld>
             <a:endParaRPr lang="en-US" dirty="0"/>
           </a:p>
@@ -12544,7 +13247,7 @@
           <a:p>
             <a:fld id="{48A87A34-81AB-432B-8DAE-1953F412C126}" type="datetimeFigureOut">
               <a:rPr lang="en-US" dirty="0"/>
-              <a:t>4/23/21</a:t>
+              <a:t>4/24/21</a:t>
             </a:fld>
             <a:endParaRPr lang="en-US" dirty="0"/>
           </a:p>
@@ -12796,7 +13499,7 @@
           <a:p>
             <a:fld id="{48A87A34-81AB-432B-8DAE-1953F412C126}" type="datetimeFigureOut">
               <a:rPr lang="en-US" dirty="0"/>
-              <a:t>4/23/21</a:t>
+              <a:t>4/24/21</a:t>
             </a:fld>
             <a:endParaRPr lang="en-US" dirty="0"/>
           </a:p>
@@ -13035,7 +13738,7 @@
             <a:fld id="{48A87A34-81AB-432B-8DAE-1953F412C126}" type="datetimeFigureOut">
               <a:rPr lang="en-US" dirty="0"/>
               <a:pPr/>
-              <a:t>4/23/21</a:t>
+              <a:t>4/24/21</a:t>
             </a:fld>
             <a:endParaRPr lang="en-US" dirty="0"/>
           </a:p>
@@ -13720,6 +14423,93 @@
           <p:cNvPr id="2" name="Title 1">
             <a:extLst>
               <a:ext uri="{FF2B5EF4-FFF2-40B4-BE49-F238E27FC236}">
+                <a16:creationId xmlns:a16="http://schemas.microsoft.com/office/drawing/2014/main" id="{C80B5474-320E-F24D-8EE5-EBC950195444}"/>
+              </a:ext>
+            </a:extLst>
+          </p:cNvPr>
+          <p:cNvSpPr>
+            <a:spLocks noGrp="1"/>
+          </p:cNvSpPr>
+          <p:nvPr>
+            <p:ph type="title"/>
+          </p:nvPr>
+        </p:nvSpPr>
+        <p:spPr/>
+        <p:txBody>
+          <a:bodyPr/>
+          <a:lstStyle/>
+          <a:p>
+            <a:r>
+              <a:rPr lang="en-US" dirty="0"/>
+              <a:t>Final visualization</a:t>
+            </a:r>
+          </a:p>
+        </p:txBody>
+      </p:sp>
+      <p:pic>
+        <p:nvPicPr>
+          <p:cNvPr id="5" name="Content Placeholder 4" descr="A screenshot of a video game&#10;&#10;Description automatically generated">
+            <a:extLst>
+              <a:ext uri="{FF2B5EF4-FFF2-40B4-BE49-F238E27FC236}">
+                <a16:creationId xmlns:a16="http://schemas.microsoft.com/office/drawing/2014/main" id="{8A5028EC-9F97-3241-8389-329969F7F84D}"/>
+              </a:ext>
+            </a:extLst>
+          </p:cNvPr>
+          <p:cNvPicPr>
+            <a:picLocks noGrp="1" noChangeAspect="1"/>
+          </p:cNvPicPr>
+          <p:nvPr>
+            <p:ph idx="1"/>
+          </p:nvPr>
+        </p:nvPicPr>
+        <p:blipFill>
+          <a:blip r:embed="rId3"/>
+          <a:stretch>
+            <a:fillRect/>
+          </a:stretch>
+        </p:blipFill>
+        <p:spPr>
+          <a:xfrm>
+            <a:off x="1743915" y="2193925"/>
+            <a:ext cx="8704170" cy="4024313"/>
+          </a:xfrm>
+        </p:spPr>
+      </p:pic>
+    </p:spTree>
+    <p:extLst>
+      <p:ext uri="{BB962C8B-B14F-4D97-AF65-F5344CB8AC3E}">
+        <p14:creationId xmlns:p14="http://schemas.microsoft.com/office/powerpoint/2010/main" val="2216499576"/>
+      </p:ext>
+    </p:extLst>
+  </p:cSld>
+  <p:clrMapOvr>
+    <a:masterClrMapping/>
+  </p:clrMapOvr>
+</p:sld>
+</file>
+
+<file path=ppt/slides/slide11.xml><?xml version="1.0" encoding="utf-8"?>
+<p:sld xmlns:a="http://schemas.openxmlformats.org/drawingml/2006/main" xmlns:r="http://schemas.openxmlformats.org/officeDocument/2006/relationships" xmlns:p="http://schemas.openxmlformats.org/presentationml/2006/main">
+  <p:cSld>
+    <p:spTree>
+      <p:nvGrpSpPr>
+        <p:cNvPr id="1" name=""/>
+        <p:cNvGrpSpPr/>
+        <p:nvPr/>
+      </p:nvGrpSpPr>
+      <p:grpSpPr>
+        <a:xfrm>
+          <a:off x="0" y="0"/>
+          <a:ext cx="0" cy="0"/>
+          <a:chOff x="0" y="0"/>
+          <a:chExt cx="0" cy="0"/>
+        </a:xfrm>
+      </p:grpSpPr>
+      <p:sp>
+        <p:nvSpPr>
+          <p:cNvPr id="2" name="Title 1">
+            <a:extLst>
+              <a:ext uri="{FF2B5EF4-FFF2-40B4-BE49-F238E27FC236}">
                 <a16:creationId xmlns:a16="http://schemas.microsoft.com/office/drawing/2014/main" id="{C72793AE-909F-B247-BBA0-83CD5B48AD99}"/>
               </a:ext>
             </a:extLst>
@@ -13785,7 +14575,7 @@
 </p:sld>
 </file>
 
-<file path=ppt/slides/slide11.xml><?xml version="1.0" encoding="utf-8"?>
+<file path=ppt/slides/slide12.xml><?xml version="1.0" encoding="utf-8"?>
 <p:sld xmlns:a="http://schemas.openxmlformats.org/drawingml/2006/main" xmlns:r="http://schemas.openxmlformats.org/officeDocument/2006/relationships" xmlns:p="http://schemas.openxmlformats.org/presentationml/2006/main">
   <p:cSld>
     <p:spTree>
@@ -14673,8 +15463,8 @@
         </p:nvSpPr>
         <p:spPr>
           <a:xfrm>
-            <a:off x="685800" y="1066163"/>
-            <a:ext cx="3306744" cy="5148371"/>
+            <a:off x="232086" y="2807124"/>
+            <a:ext cx="3939790" cy="2685202"/>
           </a:xfrm>
         </p:spPr>
         <p:txBody>
@@ -14683,9 +15473,10 @@
           </a:bodyPr>
           <a:lstStyle/>
           <a:p>
+            <a:pPr algn="l"/>
             <a:r>
               <a:rPr lang="en-US" sz="3200" dirty="0"/>
-              <a:t>Data munging techniques</a:t>
+              <a:t>references</a:t>
             </a:r>
           </a:p>
         </p:txBody>
@@ -14706,14 +15497,14 @@
             <p:ph idx="1"/>
             <p:extLst>
               <p:ext uri="{D42A27DB-BD31-4B8C-83A1-F6EECF244321}">
-                <p14:modId xmlns:p14="http://schemas.microsoft.com/office/powerpoint/2010/main" val="569596753"/>
+                <p14:modId xmlns:p14="http://schemas.microsoft.com/office/powerpoint/2010/main" val="2272445554"/>
               </p:ext>
             </p:extLst>
           </p:nvPr>
         </p:nvGraphicFramePr>
         <p:xfrm>
-          <a:off x="5135544" y="720725"/>
-          <a:ext cx="6604699" cy="5087409"/>
+          <a:off x="6276109" y="720726"/>
+          <a:ext cx="5464134" cy="5493808"/>
         </p:xfrm>
         <a:graphic>
           <a:graphicData uri="http://schemas.openxmlformats.org/drawingml/2006/diagram">
@@ -14735,8 +15526,8 @@
         </p:nvSpPr>
         <p:spPr>
           <a:xfrm>
-            <a:off x="579872" y="5631116"/>
-            <a:ext cx="6825343" cy="1200329"/>
+            <a:off x="249382" y="4427546"/>
+            <a:ext cx="5666510" cy="1615827"/>
           </a:xfrm>
           <a:prstGeom prst="rect">
             <a:avLst/>
@@ -14792,16 +15583,51 @@
           <a:p>
             <a:r>
               <a:rPr lang="en-US" sz="900" b="1" dirty="0"/>
-              <a:t>Oregon State University Volcanic World/ http://</a:t>
-            </a:r>
+              <a:t>Oregon State University Volcanic World: </a:t>
+            </a:r>
+            <a:r>
+              <a:rPr lang="en-US" sz="900" b="1" dirty="0">
+                <a:hlinkClick r:id="rId11"/>
+              </a:rPr>
+              <a:t>http://volcano.oregonstate.edu/deadliest-eruption</a:t>
+            </a:r>
+            <a:endParaRPr lang="en-US" sz="900" b="1" dirty="0"/>
+          </a:p>
+          <a:p>
+            <a:endParaRPr lang="en-US" sz="900" b="1" dirty="0"/>
+          </a:p>
+          <a:p>
             <a:r>
               <a:rPr lang="en-US" sz="900" b="1" dirty="0" err="1"/>
-              <a:t>volcano.oregonstate.edu</a:t>
+              <a:t>GitHub.com</a:t>
             </a:r>
             <a:r>
               <a:rPr lang="en-US" sz="900" b="1" dirty="0"/>
-              <a:t>/deadliest-eruption</a:t>
-            </a:r>
+              <a:t>: </a:t>
+            </a:r>
+            <a:r>
+              <a:rPr lang="en-US" sz="900" b="1" dirty="0" err="1"/>
+              <a:t>Fraxen</a:t>
+            </a:r>
+            <a:r>
+              <a:rPr lang="en-US" sz="900" b="1" dirty="0"/>
+              <a:t> / </a:t>
+            </a:r>
+            <a:r>
+              <a:rPr lang="en-US" sz="900" b="1" dirty="0" err="1"/>
+              <a:t>Techtonic</a:t>
+            </a:r>
+            <a:r>
+              <a:rPr lang="en-US" sz="900" b="1" dirty="0"/>
+              <a:t> Plates:  </a:t>
+            </a:r>
+            <a:r>
+              <a:rPr lang="en-US" sz="900" dirty="0">
+                <a:hlinkClick r:id="rId12"/>
+              </a:rPr>
+              <a:t>https://github.com/fraxen/tectonicplates</a:t>
+            </a:r>
+            <a:endParaRPr lang="en-US" sz="900" b="1" dirty="0"/>
           </a:p>
           <a:p>
             <a:endParaRPr lang="en-US" sz="900" dirty="0"/>
@@ -15084,7 +15910,7 @@
           <p:cNvPr id="2" name="Title 1">
             <a:extLst>
               <a:ext uri="{FF2B5EF4-FFF2-40B4-BE49-F238E27FC236}">
-                <a16:creationId xmlns:a16="http://schemas.microsoft.com/office/drawing/2014/main" id="{2D1D6FA7-DFAE-5845-A58D-5B8A66101BD9}"/>
+                <a16:creationId xmlns:a16="http://schemas.microsoft.com/office/drawing/2014/main" id="{88DA2F8B-F7B4-074D-8EC8-4241C5845674}"/>
               </a:ext>
             </a:extLst>
           </p:cNvPr>
@@ -15109,39 +15935,349 @@
           <a:p>
             <a:r>
               <a:rPr lang="en-US" sz="3600" dirty="0"/>
-              <a:t>Entity relationship diagram</a:t>
-            </a:r>
+              <a:t>Data munging techniques</a:t>
+            </a:r>
+          </a:p>
+        </p:txBody>
+      </p:sp>
+      <p:sp>
+        <p:nvSpPr>
+          <p:cNvPr id="3" name="Content Placeholder 2">
+            <a:extLst>
+              <a:ext uri="{FF2B5EF4-FFF2-40B4-BE49-F238E27FC236}">
+                <a16:creationId xmlns:a16="http://schemas.microsoft.com/office/drawing/2014/main" id="{454D50E2-E6D6-E34C-97C9-EB5ECD3E09DF}"/>
+              </a:ext>
+            </a:extLst>
+          </p:cNvPr>
+          <p:cNvSpPr>
+            <a:spLocks noGrp="1"/>
+          </p:cNvSpPr>
+          <p:nvPr>
+            <p:ph idx="1"/>
+          </p:nvPr>
+        </p:nvSpPr>
+        <p:spPr>
+          <a:xfrm>
+            <a:off x="5057825" y="987287"/>
+            <a:ext cx="5755949" cy="4697895"/>
+          </a:xfrm>
+        </p:spPr>
+        <p:txBody>
+          <a:bodyPr anchor="ctr">
+            <a:normAutofit/>
+          </a:bodyPr>
+          <a:lstStyle/>
+          <a:p>
+            <a:endParaRPr lang="en-US" sz="1800"/>
+          </a:p>
+        </p:txBody>
+      </p:sp>
+    </p:spTree>
+    <p:extLst>
+      <p:ext uri="{BB962C8B-B14F-4D97-AF65-F5344CB8AC3E}">
+        <p14:creationId xmlns:p14="http://schemas.microsoft.com/office/powerpoint/2010/main" val="2476559200"/>
+      </p:ext>
+    </p:extLst>
+  </p:cSld>
+  <p:clrMapOvr>
+    <a:masterClrMapping/>
+  </p:clrMapOvr>
+</p:sld>
+</file>
+
+<file path=ppt/slides/slide6.xml><?xml version="1.0" encoding="utf-8"?>
+<p:sld xmlns:a="http://schemas.openxmlformats.org/drawingml/2006/main" xmlns:r="http://schemas.openxmlformats.org/officeDocument/2006/relationships" xmlns:p="http://schemas.openxmlformats.org/presentationml/2006/main">
+  <p:cSld>
+    <p:bg>
+      <p:bgPr>
+        <a:solidFill>
+          <a:schemeClr val="bg1"/>
+        </a:solidFill>
+        <a:effectLst/>
+      </p:bgPr>
+    </p:bg>
+    <p:spTree>
+      <p:nvGrpSpPr>
+        <p:cNvPr id="1" name=""/>
+        <p:cNvGrpSpPr/>
+        <p:nvPr/>
+      </p:nvGrpSpPr>
+      <p:grpSpPr>
+        <a:xfrm>
+          <a:off x="0" y="0"/>
+          <a:ext cx="0" cy="0"/>
+          <a:chOff x="0" y="0"/>
+          <a:chExt cx="0" cy="0"/>
+        </a:xfrm>
+      </p:grpSpPr>
+      <p:sp>
+        <p:nvSpPr>
+          <p:cNvPr id="8" name="Rounded Rectangle 14">
+            <a:extLst>
+              <a:ext uri="{FF2B5EF4-FFF2-40B4-BE49-F238E27FC236}">
+                <a16:creationId xmlns:a16="http://schemas.microsoft.com/office/drawing/2014/main" id="{637BD688-14A6-4B96-B8A2-3CD81C054FCE}"/>
+              </a:ext>
+              <a:ext uri="{C183D7F6-B498-43B3-948B-1728B52AA6E4}">
+                <adec:decorative xmlns:adec="http://schemas.microsoft.com/office/drawing/2017/decorative" val="1"/>
+              </a:ext>
+            </a:extLst>
+          </p:cNvPr>
+          <p:cNvSpPr>
+            <a:spLocks noGrp="1" noRot="1" noChangeAspect="1" noMove="1" noResize="1" noEditPoints="1" noAdjustHandles="1" noChangeArrowheads="1" noChangeShapeType="1" noTextEdit="1"/>
+          </p:cNvSpPr>
+          <p:nvPr>
+            <p:extLst>
+              <p:ext uri="{386F3935-93C4-4BCD-93E2-E3B085C9AB24}">
+                <p16:designElem xmlns:p16="http://schemas.microsoft.com/office/powerpoint/2015/main" val="1"/>
+              </p:ext>
+            </p:extLst>
+          </p:nvPr>
+        </p:nvSpPr>
+        <p:spPr>
+          <a:xfrm>
+            <a:off x="4636008" y="0"/>
+            <a:ext cx="7555992" cy="6858000"/>
+          </a:xfrm>
+          <a:prstGeom prst="rect">
+            <a:avLst/>
+          </a:prstGeom>
+          <a:solidFill>
+            <a:schemeClr val="bg2"/>
+          </a:solidFill>
+          <a:ln>
+            <a:noFill/>
+          </a:ln>
+          <a:effectLst/>
+        </p:spPr>
+        <p:style>
+          <a:lnRef idx="2">
+            <a:schemeClr val="accent1">
+              <a:shade val="50000"/>
+            </a:schemeClr>
+          </a:lnRef>
+          <a:fillRef idx="1">
+            <a:schemeClr val="accent1"/>
+          </a:fillRef>
+          <a:effectRef idx="0">
+            <a:schemeClr val="accent1"/>
+          </a:effectRef>
+          <a:fontRef idx="minor">
+            <a:schemeClr val="lt1"/>
+          </a:fontRef>
+        </p:style>
+        <p:txBody>
+          <a:bodyPr rtlCol="0" anchor="ctr"/>
+          <a:lstStyle/>
+          <a:p>
+            <a:pPr marL="0" marR="0" lvl="0" indent="0" algn="ctr" defTabSz="457200" rtl="0" eaLnBrk="1" fontAlgn="auto" latinLnBrk="0" hangingPunct="1">
+              <a:lnSpc>
+                <a:spcPct val="100000"/>
+              </a:lnSpc>
+              <a:spcBef>
+                <a:spcPts val="0"/>
+              </a:spcBef>
+              <a:spcAft>
+                <a:spcPts val="0"/>
+              </a:spcAft>
+              <a:buClrTx/>
+              <a:buSzTx/>
+              <a:buFontTx/>
+              <a:buNone/>
+              <a:tabLst/>
+              <a:defRPr/>
+            </a:pPr>
+            <a:endParaRPr kumimoji="0" lang="en-US" sz="1800" b="0" i="0" u="none" strike="noStrike" kern="1200" cap="none" spc="0" normalizeH="0" baseline="0" noProof="0">
+              <a:ln>
+                <a:noFill/>
+              </a:ln>
+              <a:solidFill>
+                <a:prstClr val="white"/>
+              </a:solidFill>
+              <a:effectLst/>
+              <a:uLnTx/>
+              <a:uFillTx/>
+              <a:latin typeface="Century Gothic" panose="020B0502020202020204"/>
+              <a:ea typeface="+mn-ea"/>
+              <a:cs typeface="+mn-cs"/>
+            </a:endParaRPr>
+          </a:p>
+        </p:txBody>
+      </p:sp>
+      <p:sp useBgFill="1">
+        <p:nvSpPr>
+          <p:cNvPr id="10" name="Rectangle 9">
+            <a:extLst>
+              <a:ext uri="{FF2B5EF4-FFF2-40B4-BE49-F238E27FC236}">
+                <a16:creationId xmlns:a16="http://schemas.microsoft.com/office/drawing/2014/main" id="{B7B2544F-CA5E-40F6-9525-716A90C83FC5}"/>
+              </a:ext>
+              <a:ext uri="{C183D7F6-B498-43B3-948B-1728B52AA6E4}">
+                <adec:decorative xmlns:adec="http://schemas.microsoft.com/office/drawing/2017/decorative" val="1"/>
+              </a:ext>
+            </a:extLst>
+          </p:cNvPr>
+          <p:cNvSpPr>
+            <a:spLocks noGrp="1" noRot="1" noChangeAspect="1" noMove="1" noResize="1" noEditPoints="1" noAdjustHandles="1" noChangeArrowheads="1" noChangeShapeType="1" noTextEdit="1"/>
+          </p:cNvSpPr>
+          <p:nvPr>
+            <p:extLst>
+              <p:ext uri="{386F3935-93C4-4BCD-93E2-E3B085C9AB24}">
+                <p16:designElem xmlns:p16="http://schemas.microsoft.com/office/powerpoint/2015/main" val="1"/>
+              </p:ext>
+            </p:extLst>
+          </p:nvPr>
+        </p:nvSpPr>
+        <p:spPr>
+          <a:xfrm>
+            <a:off x="0" y="0"/>
+            <a:ext cx="4636008" cy="6858000"/>
+          </a:xfrm>
+          <a:prstGeom prst="rect">
+            <a:avLst/>
+          </a:prstGeom>
+          <a:ln>
+            <a:noFill/>
+          </a:ln>
+          <a:effectLst>
+            <a:outerShdw blurRad="63500" dist="38100" algn="l" rotWithShape="0">
+              <a:prstClr val="black">
+                <a:alpha val="40000"/>
+              </a:prstClr>
+            </a:outerShdw>
+          </a:effectLst>
+        </p:spPr>
+        <p:style>
+          <a:lnRef idx="2">
+            <a:schemeClr val="accent1">
+              <a:shade val="50000"/>
+            </a:schemeClr>
+          </a:lnRef>
+          <a:fillRef idx="1">
+            <a:schemeClr val="accent1"/>
+          </a:fillRef>
+          <a:effectRef idx="0">
+            <a:schemeClr val="accent1"/>
+          </a:effectRef>
+          <a:fontRef idx="minor">
+            <a:schemeClr val="lt1"/>
+          </a:fontRef>
+        </p:style>
+        <p:txBody>
+          <a:bodyPr rtlCol="0" anchor="ctr"/>
+          <a:lstStyle/>
+          <a:p>
+            <a:pPr marL="0" marR="0" lvl="0" indent="0" algn="ctr" defTabSz="457200" rtl="0" eaLnBrk="1" fontAlgn="auto" latinLnBrk="0" hangingPunct="1">
+              <a:lnSpc>
+                <a:spcPct val="100000"/>
+              </a:lnSpc>
+              <a:spcBef>
+                <a:spcPts val="0"/>
+              </a:spcBef>
+              <a:spcAft>
+                <a:spcPts val="0"/>
+              </a:spcAft>
+              <a:buClrTx/>
+              <a:buSzTx/>
+              <a:buFontTx/>
+              <a:buNone/>
+              <a:tabLst/>
+              <a:defRPr/>
+            </a:pPr>
+            <a:endParaRPr kumimoji="0" lang="en-US" sz="1800" b="0" i="0" u="none" strike="noStrike" kern="1200" cap="none" spc="0" normalizeH="0" baseline="0" noProof="0">
+              <a:ln>
+                <a:noFill/>
+              </a:ln>
+              <a:solidFill>
+                <a:prstClr val="white"/>
+              </a:solidFill>
+              <a:effectLst/>
+              <a:uLnTx/>
+              <a:uFillTx/>
+              <a:latin typeface="Century Gothic" panose="020B0502020202020204"/>
+              <a:ea typeface="+mn-ea"/>
+              <a:cs typeface="+mn-cs"/>
+            </a:endParaRPr>
           </a:p>
         </p:txBody>
       </p:sp>
       <p:pic>
         <p:nvPicPr>
-          <p:cNvPr id="5" name="Content Placeholder 4" descr="Diagram&#10;&#10;Description automatically generated">
+          <p:cNvPr id="12" name="Picture 11">
             <a:extLst>
               <a:ext uri="{FF2B5EF4-FFF2-40B4-BE49-F238E27FC236}">
-                <a16:creationId xmlns:a16="http://schemas.microsoft.com/office/drawing/2014/main" id="{706F5CDA-F97C-FE4B-A366-6196BE3179DF}"/>
+                <a16:creationId xmlns:a16="http://schemas.microsoft.com/office/drawing/2014/main" id="{D2B93162-635C-46F5-97EC-E98C1659F1F0}"/>
+              </a:ext>
+              <a:ext uri="{C183D7F6-B498-43B3-948B-1728B52AA6E4}">
+                <adec:decorative xmlns:adec="http://schemas.microsoft.com/office/drawing/2017/decorative" val="1"/>
               </a:ext>
             </a:extLst>
           </p:cNvPr>
           <p:cNvPicPr>
-            <a:picLocks noGrp="1" noChangeAspect="1"/>
+            <a:picLocks noGrp="1" noRot="1" noChangeAspect="1" noMove="1" noResize="1" noEditPoints="1" noAdjustHandles="1" noChangeArrowheads="1" noChangeShapeType="1" noCrop="1"/>
           </p:cNvPicPr>
           <p:nvPr>
-            <p:ph idx="1"/>
+            <p:extLst>
+              <p:ext uri="{386F3935-93C4-4BCD-93E2-E3B085C9AB24}">
+                <p16:designElem xmlns:p16="http://schemas.microsoft.com/office/powerpoint/2015/main" val="1"/>
+              </p:ext>
+            </p:extLst>
           </p:nvPr>
         </p:nvPicPr>
         <p:blipFill rotWithShape="1">
-          <a:blip r:embed="rId4"/>
-          <a:srcRect l="14357" t="13376" r="17751" b="28629"/>
+          <a:blip r:embed="rId3">
+            <a:extLst>
+              <a:ext uri="{28A0092B-C50C-407E-A947-70E740481C1C}">
+                <a14:useLocalDpi xmlns:a14="http://schemas.microsoft.com/office/drawing/2010/main" val="0"/>
+              </a:ext>
+            </a:extLst>
+          </a:blip>
+          <a:srcRect r="61975"/>
           <a:stretch/>
         </p:blipFill>
         <p:spPr>
           <a:xfrm>
-            <a:off x="4953915" y="1350818"/>
-            <a:ext cx="6984492" cy="4828829"/>
+            <a:off x="0" y="4375150"/>
+            <a:ext cx="4636008" cy="2482850"/>
+          </a:xfrm>
+          <a:prstGeom prst="rect">
+            <a:avLst/>
+          </a:prstGeom>
+        </p:spPr>
+      </p:pic>
+      <p:sp>
+        <p:nvSpPr>
+          <p:cNvPr id="2" name="Title 1">
+            <a:extLst>
+              <a:ext uri="{FF2B5EF4-FFF2-40B4-BE49-F238E27FC236}">
+                <a16:creationId xmlns:a16="http://schemas.microsoft.com/office/drawing/2014/main" id="{2D1D6FA7-DFAE-5845-A58D-5B8A66101BD9}"/>
+              </a:ext>
+            </a:extLst>
+          </p:cNvPr>
+          <p:cNvSpPr>
+            <a:spLocks noGrp="1"/>
+          </p:cNvSpPr>
+          <p:nvPr>
+            <p:ph type="title"/>
+          </p:nvPr>
+        </p:nvSpPr>
+        <p:spPr>
+          <a:xfrm>
+            <a:off x="665922" y="987287"/>
+            <a:ext cx="3548269" cy="4697896"/>
           </a:xfrm>
         </p:spPr>
-      </p:pic>
+        <p:txBody>
+          <a:bodyPr>
+            <a:normAutofit/>
+          </a:bodyPr>
+          <a:lstStyle/>
+          <a:p>
+            <a:r>
+              <a:rPr lang="en-US" sz="3600" dirty="0"/>
+              <a:t>Entity relationship diagram</a:t>
+            </a:r>
+          </a:p>
+        </p:txBody>
+      </p:sp>
       <p:sp>
         <p:nvSpPr>
           <p:cNvPr id="6" name="TextBox 5">
@@ -15156,8 +16292,8 @@
         </p:nvSpPr>
         <p:spPr>
           <a:xfrm>
-            <a:off x="5301930" y="261257"/>
-            <a:ext cx="2797041" cy="923330"/>
+            <a:off x="9849267" y="4808443"/>
+            <a:ext cx="1939029" cy="1323439"/>
           </a:xfrm>
           <a:prstGeom prst="rect">
             <a:avLst/>
@@ -15171,20 +16307,32 @@
           <a:lstStyle/>
           <a:p>
             <a:r>
-              <a:rPr lang="en-US" dirty="0"/>
+              <a:rPr lang="en-US" sz="1600" dirty="0"/>
+              <a:t>List Counts: </a:t>
+            </a:r>
+          </a:p>
+          <a:p>
+            <a:r>
+              <a:rPr lang="en-US" sz="1600" dirty="0"/>
               <a:t>Emissions - 360</a:t>
             </a:r>
           </a:p>
           <a:p>
             <a:r>
-              <a:rPr lang="en-US" dirty="0"/>
+              <a:rPr lang="en-US" sz="1600" dirty="0"/>
               <a:t>Locations –  118</a:t>
             </a:r>
           </a:p>
           <a:p>
             <a:r>
-              <a:rPr lang="en-US" dirty="0"/>
-              <a:t>Volcanoes - 118</a:t>
+              <a:rPr lang="en-US" sz="1600" dirty="0"/>
+              <a:t>Volcanoes – 118</a:t>
+            </a:r>
+          </a:p>
+          <a:p>
+            <a:r>
+              <a:rPr lang="en-US" sz="1600" dirty="0"/>
+              <a:t>Country - 33</a:t>
             </a:r>
           </a:p>
         </p:txBody>
@@ -15203,8 +16351,8 @@
         </p:nvSpPr>
         <p:spPr>
           <a:xfrm>
-            <a:off x="4745339" y="6310275"/>
-            <a:ext cx="5982532" cy="369332"/>
+            <a:off x="4871342" y="6007505"/>
+            <a:ext cx="4977926" cy="507831"/>
           </a:xfrm>
           <a:prstGeom prst="rect">
             <a:avLst/>
@@ -15223,7 +16371,7 @@
             </a:r>
             <a:r>
               <a:rPr lang="en-US" sz="900" dirty="0">
-                <a:hlinkClick r:id="rId5"/>
+                <a:hlinkClick r:id="rId4"/>
               </a:rPr>
               <a:t>https://doi.org/10.5479/si.GVP.VOTW4-2013</a:t>
             </a:r>
@@ -15234,6 +16382,35 @@
           </a:p>
         </p:txBody>
       </p:sp>
+      <p:pic>
+        <p:nvPicPr>
+          <p:cNvPr id="4" name="Picture 3" descr="Diagram&#10;&#10;Description automatically generated">
+            <a:extLst>
+              <a:ext uri="{FF2B5EF4-FFF2-40B4-BE49-F238E27FC236}">
+                <a16:creationId xmlns:a16="http://schemas.microsoft.com/office/drawing/2014/main" id="{F9FD1FED-36AA-E54F-AC3F-F5FE811B8B87}"/>
+              </a:ext>
+            </a:extLst>
+          </p:cNvPr>
+          <p:cNvPicPr>
+            <a:picLocks noChangeAspect="1"/>
+          </p:cNvPicPr>
+          <p:nvPr/>
+        </p:nvPicPr>
+        <p:blipFill rotWithShape="1">
+          <a:blip r:embed="rId5"/>
+          <a:srcRect l="13403" t="12970" r="3044" b="25384"/>
+          <a:stretch/>
+        </p:blipFill>
+        <p:spPr>
+          <a:xfrm>
+            <a:off x="4871341" y="596579"/>
+            <a:ext cx="6916955" cy="3948546"/>
+          </a:xfrm>
+          <a:prstGeom prst="rect">
+            <a:avLst/>
+          </a:prstGeom>
+        </p:spPr>
+      </p:pic>
     </p:spTree>
     <p:extLst>
       <p:ext uri="{BB962C8B-B14F-4D97-AF65-F5344CB8AC3E}">
@@ -15247,7 +16424,7 @@
 </p:sld>
 </file>
 
-<file path=ppt/slides/slide6.xml><?xml version="1.0" encoding="utf-8"?>
+<file path=ppt/slides/slide7.xml><?xml version="1.0" encoding="utf-8"?>
 <p:sld xmlns:a="http://schemas.openxmlformats.org/drawingml/2006/main" xmlns:r="http://schemas.openxmlformats.org/officeDocument/2006/relationships" xmlns:p="http://schemas.openxmlformats.org/presentationml/2006/main">
   <p:cSld>
     <p:bg>
@@ -15482,341 +16659,6 @@
     <p:extLst>
       <p:ext uri="{BB962C8B-B14F-4D97-AF65-F5344CB8AC3E}">
         <p14:creationId xmlns:p14="http://schemas.microsoft.com/office/powerpoint/2010/main" val="680750375"/>
-      </p:ext>
-    </p:extLst>
-  </p:cSld>
-  <p:clrMapOvr>
-    <a:masterClrMapping/>
-  </p:clrMapOvr>
-</p:sld>
-</file>
-
-<file path=ppt/slides/slide7.xml><?xml version="1.0" encoding="utf-8"?>
-<p:sld xmlns:a="http://schemas.openxmlformats.org/drawingml/2006/main" xmlns:r="http://schemas.openxmlformats.org/officeDocument/2006/relationships" xmlns:p="http://schemas.openxmlformats.org/presentationml/2006/main">
-  <p:cSld>
-    <p:bg>
-      <p:bgPr>
-        <a:solidFill>
-          <a:schemeClr val="bg1"/>
-        </a:solidFill>
-        <a:effectLst/>
-      </p:bgPr>
-    </p:bg>
-    <p:spTree>
-      <p:nvGrpSpPr>
-        <p:cNvPr id="1" name=""/>
-        <p:cNvGrpSpPr/>
-        <p:nvPr/>
-      </p:nvGrpSpPr>
-      <p:grpSpPr>
-        <a:xfrm>
-          <a:off x="0" y="0"/>
-          <a:ext cx="0" cy="0"/>
-          <a:chOff x="0" y="0"/>
-          <a:chExt cx="0" cy="0"/>
-        </a:xfrm>
-      </p:grpSpPr>
-      <p:sp>
-        <p:nvSpPr>
-          <p:cNvPr id="8" name="Rounded Rectangle 14">
-            <a:extLst>
-              <a:ext uri="{FF2B5EF4-FFF2-40B4-BE49-F238E27FC236}">
-                <a16:creationId xmlns:a16="http://schemas.microsoft.com/office/drawing/2014/main" id="{637BD688-14A6-4B96-B8A2-3CD81C054FCE}"/>
-              </a:ext>
-              <a:ext uri="{C183D7F6-B498-43B3-948B-1728B52AA6E4}">
-                <adec:decorative xmlns:adec="http://schemas.microsoft.com/office/drawing/2017/decorative" val="1"/>
-              </a:ext>
-            </a:extLst>
-          </p:cNvPr>
-          <p:cNvSpPr>
-            <a:spLocks noGrp="1" noRot="1" noChangeAspect="1" noMove="1" noResize="1" noEditPoints="1" noAdjustHandles="1" noChangeArrowheads="1" noChangeShapeType="1" noTextEdit="1"/>
-          </p:cNvSpPr>
-          <p:nvPr>
-            <p:extLst>
-              <p:ext uri="{386F3935-93C4-4BCD-93E2-E3B085C9AB24}">
-                <p16:designElem xmlns:p16="http://schemas.microsoft.com/office/powerpoint/2015/main" val="1"/>
-              </p:ext>
-            </p:extLst>
-          </p:nvPr>
-        </p:nvSpPr>
-        <p:spPr>
-          <a:xfrm>
-            <a:off x="4636008" y="0"/>
-            <a:ext cx="7555992" cy="6858000"/>
-          </a:xfrm>
-          <a:prstGeom prst="rect">
-            <a:avLst/>
-          </a:prstGeom>
-          <a:solidFill>
-            <a:schemeClr val="bg2"/>
-          </a:solidFill>
-          <a:ln>
-            <a:noFill/>
-          </a:ln>
-          <a:effectLst/>
-        </p:spPr>
-        <p:style>
-          <a:lnRef idx="2">
-            <a:schemeClr val="accent1">
-              <a:shade val="50000"/>
-            </a:schemeClr>
-          </a:lnRef>
-          <a:fillRef idx="1">
-            <a:schemeClr val="accent1"/>
-          </a:fillRef>
-          <a:effectRef idx="0">
-            <a:schemeClr val="accent1"/>
-          </a:effectRef>
-          <a:fontRef idx="minor">
-            <a:schemeClr val="lt1"/>
-          </a:fontRef>
-        </p:style>
-        <p:txBody>
-          <a:bodyPr rtlCol="0" anchor="ctr"/>
-          <a:lstStyle/>
-          <a:p>
-            <a:pPr marL="0" marR="0" lvl="0" indent="0" algn="ctr" defTabSz="457200" rtl="0" eaLnBrk="1" fontAlgn="auto" latinLnBrk="0" hangingPunct="1">
-              <a:lnSpc>
-                <a:spcPct val="100000"/>
-              </a:lnSpc>
-              <a:spcBef>
-                <a:spcPts val="0"/>
-              </a:spcBef>
-              <a:spcAft>
-                <a:spcPts val="0"/>
-              </a:spcAft>
-              <a:buClrTx/>
-              <a:buSzTx/>
-              <a:buFontTx/>
-              <a:buNone/>
-              <a:tabLst/>
-              <a:defRPr/>
-            </a:pPr>
-            <a:endParaRPr kumimoji="0" lang="en-US" sz="1800" b="0" i="0" u="none" strike="noStrike" kern="1200" cap="none" spc="0" normalizeH="0" baseline="0" noProof="0">
-              <a:ln>
-                <a:noFill/>
-              </a:ln>
-              <a:solidFill>
-                <a:prstClr val="white"/>
-              </a:solidFill>
-              <a:effectLst/>
-              <a:uLnTx/>
-              <a:uFillTx/>
-              <a:latin typeface="Century Gothic" panose="020B0502020202020204"/>
-              <a:ea typeface="+mn-ea"/>
-              <a:cs typeface="+mn-cs"/>
-            </a:endParaRPr>
-          </a:p>
-        </p:txBody>
-      </p:sp>
-      <p:sp useBgFill="1">
-        <p:nvSpPr>
-          <p:cNvPr id="10" name="Rectangle 9">
-            <a:extLst>
-              <a:ext uri="{FF2B5EF4-FFF2-40B4-BE49-F238E27FC236}">
-                <a16:creationId xmlns:a16="http://schemas.microsoft.com/office/drawing/2014/main" id="{B7B2544F-CA5E-40F6-9525-716A90C83FC5}"/>
-              </a:ext>
-              <a:ext uri="{C183D7F6-B498-43B3-948B-1728B52AA6E4}">
-                <adec:decorative xmlns:adec="http://schemas.microsoft.com/office/drawing/2017/decorative" val="1"/>
-              </a:ext>
-            </a:extLst>
-          </p:cNvPr>
-          <p:cNvSpPr>
-            <a:spLocks noGrp="1" noRot="1" noChangeAspect="1" noMove="1" noResize="1" noEditPoints="1" noAdjustHandles="1" noChangeArrowheads="1" noChangeShapeType="1" noTextEdit="1"/>
-          </p:cNvSpPr>
-          <p:nvPr>
-            <p:extLst>
-              <p:ext uri="{386F3935-93C4-4BCD-93E2-E3B085C9AB24}">
-                <p16:designElem xmlns:p16="http://schemas.microsoft.com/office/powerpoint/2015/main" val="1"/>
-              </p:ext>
-            </p:extLst>
-          </p:nvPr>
-        </p:nvSpPr>
-        <p:spPr>
-          <a:xfrm>
-            <a:off x="0" y="0"/>
-            <a:ext cx="4636008" cy="6858000"/>
-          </a:xfrm>
-          <a:prstGeom prst="rect">
-            <a:avLst/>
-          </a:prstGeom>
-          <a:ln>
-            <a:noFill/>
-          </a:ln>
-          <a:effectLst>
-            <a:outerShdw blurRad="63500" dist="38100" algn="l" rotWithShape="0">
-              <a:prstClr val="black">
-                <a:alpha val="40000"/>
-              </a:prstClr>
-            </a:outerShdw>
-          </a:effectLst>
-        </p:spPr>
-        <p:style>
-          <a:lnRef idx="2">
-            <a:schemeClr val="accent1">
-              <a:shade val="50000"/>
-            </a:schemeClr>
-          </a:lnRef>
-          <a:fillRef idx="1">
-            <a:schemeClr val="accent1"/>
-          </a:fillRef>
-          <a:effectRef idx="0">
-            <a:schemeClr val="accent1"/>
-          </a:effectRef>
-          <a:fontRef idx="minor">
-            <a:schemeClr val="lt1"/>
-          </a:fontRef>
-        </p:style>
-        <p:txBody>
-          <a:bodyPr rtlCol="0" anchor="ctr"/>
-          <a:lstStyle/>
-          <a:p>
-            <a:pPr marL="0" marR="0" lvl="0" indent="0" algn="ctr" defTabSz="457200" rtl="0" eaLnBrk="1" fontAlgn="auto" latinLnBrk="0" hangingPunct="1">
-              <a:lnSpc>
-                <a:spcPct val="100000"/>
-              </a:lnSpc>
-              <a:spcBef>
-                <a:spcPts val="0"/>
-              </a:spcBef>
-              <a:spcAft>
-                <a:spcPts val="0"/>
-              </a:spcAft>
-              <a:buClrTx/>
-              <a:buSzTx/>
-              <a:buFontTx/>
-              <a:buNone/>
-              <a:tabLst/>
-              <a:defRPr/>
-            </a:pPr>
-            <a:endParaRPr kumimoji="0" lang="en-US" sz="1800" b="0" i="0" u="none" strike="noStrike" kern="1200" cap="none" spc="0" normalizeH="0" baseline="0" noProof="0">
-              <a:ln>
-                <a:noFill/>
-              </a:ln>
-              <a:solidFill>
-                <a:prstClr val="white"/>
-              </a:solidFill>
-              <a:effectLst/>
-              <a:uLnTx/>
-              <a:uFillTx/>
-              <a:latin typeface="Century Gothic" panose="020B0502020202020204"/>
-              <a:ea typeface="+mn-ea"/>
-              <a:cs typeface="+mn-cs"/>
-            </a:endParaRPr>
-          </a:p>
-        </p:txBody>
-      </p:sp>
-      <p:pic>
-        <p:nvPicPr>
-          <p:cNvPr id="12" name="Picture 11">
-            <a:extLst>
-              <a:ext uri="{FF2B5EF4-FFF2-40B4-BE49-F238E27FC236}">
-                <a16:creationId xmlns:a16="http://schemas.microsoft.com/office/drawing/2014/main" id="{D2B93162-635C-46F5-97EC-E98C1659F1F0}"/>
-              </a:ext>
-              <a:ext uri="{C183D7F6-B498-43B3-948B-1728B52AA6E4}">
-                <adec:decorative xmlns:adec="http://schemas.microsoft.com/office/drawing/2017/decorative" val="1"/>
-              </a:ext>
-            </a:extLst>
-          </p:cNvPr>
-          <p:cNvPicPr>
-            <a:picLocks noGrp="1" noRot="1" noChangeAspect="1" noMove="1" noResize="1" noEditPoints="1" noAdjustHandles="1" noChangeArrowheads="1" noChangeShapeType="1" noCrop="1"/>
-          </p:cNvPicPr>
-          <p:nvPr>
-            <p:extLst>
-              <p:ext uri="{386F3935-93C4-4BCD-93E2-E3B085C9AB24}">
-                <p16:designElem xmlns:p16="http://schemas.microsoft.com/office/powerpoint/2015/main" val="1"/>
-              </p:ext>
-            </p:extLst>
-          </p:nvPr>
-        </p:nvPicPr>
-        <p:blipFill rotWithShape="1">
-          <a:blip r:embed="rId3">
-            <a:extLst>
-              <a:ext uri="{28A0092B-C50C-407E-A947-70E740481C1C}">
-                <a14:useLocalDpi xmlns:a14="http://schemas.microsoft.com/office/drawing/2010/main" val="0"/>
-              </a:ext>
-            </a:extLst>
-          </a:blip>
-          <a:srcRect r="61975"/>
-          <a:stretch/>
-        </p:blipFill>
-        <p:spPr>
-          <a:xfrm>
-            <a:off x="0" y="4375150"/>
-            <a:ext cx="4636008" cy="2482850"/>
-          </a:xfrm>
-          <a:prstGeom prst="rect">
-            <a:avLst/>
-          </a:prstGeom>
-        </p:spPr>
-      </p:pic>
-      <p:sp>
-        <p:nvSpPr>
-          <p:cNvPr id="2" name="Title 1">
-            <a:extLst>
-              <a:ext uri="{FF2B5EF4-FFF2-40B4-BE49-F238E27FC236}">
-                <a16:creationId xmlns:a16="http://schemas.microsoft.com/office/drawing/2014/main" id="{362EE795-450B-BC4C-8F14-33C7240D7C6A}"/>
-              </a:ext>
-            </a:extLst>
-          </p:cNvPr>
-          <p:cNvSpPr>
-            <a:spLocks noGrp="1"/>
-          </p:cNvSpPr>
-          <p:nvPr>
-            <p:ph type="title"/>
-          </p:nvPr>
-        </p:nvSpPr>
-        <p:spPr>
-          <a:xfrm>
-            <a:off x="89288" y="780219"/>
-            <a:ext cx="3548269" cy="2256183"/>
-          </a:xfrm>
-        </p:spPr>
-        <p:txBody>
-          <a:bodyPr>
-            <a:normAutofit/>
-          </a:bodyPr>
-          <a:lstStyle/>
-          <a:p>
-            <a:r>
-              <a:rPr lang="en-US" sz="3600" dirty="0"/>
-              <a:t>Coding approach</a:t>
-            </a:r>
-          </a:p>
-        </p:txBody>
-      </p:sp>
-      <p:pic>
-        <p:nvPicPr>
-          <p:cNvPr id="16" name="Picture 15" descr="Text&#10;&#10;Description automatically generated">
-            <a:extLst>
-              <a:ext uri="{FF2B5EF4-FFF2-40B4-BE49-F238E27FC236}">
-                <a16:creationId xmlns:a16="http://schemas.microsoft.com/office/drawing/2014/main" id="{B3BF8595-50FA-3048-A0BC-6CF7AD081897}"/>
-              </a:ext>
-            </a:extLst>
-          </p:cNvPr>
-          <p:cNvPicPr>
-            <a:picLocks noChangeAspect="1"/>
-          </p:cNvPicPr>
-          <p:nvPr/>
-        </p:nvPicPr>
-        <p:blipFill rotWithShape="1">
-          <a:blip r:embed="rId4"/>
-          <a:srcRect l="18579" t="2727" r="38025" b="7273"/>
-          <a:stretch/>
-        </p:blipFill>
-        <p:spPr>
-          <a:xfrm>
-            <a:off x="4725297" y="0"/>
-            <a:ext cx="7466704" cy="6857999"/>
-          </a:xfrm>
-          <a:prstGeom prst="rect">
-            <a:avLst/>
-          </a:prstGeom>
-        </p:spPr>
-      </p:pic>
-    </p:spTree>
-    <p:extLst>
-      <p:ext uri="{BB962C8B-B14F-4D97-AF65-F5344CB8AC3E}">
-        <p14:creationId xmlns:p14="http://schemas.microsoft.com/office/powerpoint/2010/main" val="3292250555"/>
       </p:ext>
     </p:extLst>
   </p:cSld>
@@ -16064,6 +16906,341 @@
           </p:nvPr>
         </p:nvPicPr>
         <p:blipFill rotWithShape="1">
+          <a:blip r:embed="rId3">
+            <a:extLst>
+              <a:ext uri="{28A0092B-C50C-407E-A947-70E740481C1C}">
+                <a14:useLocalDpi xmlns:a14="http://schemas.microsoft.com/office/drawing/2010/main" val="0"/>
+              </a:ext>
+            </a:extLst>
+          </a:blip>
+          <a:srcRect r="61975"/>
+          <a:stretch/>
+        </p:blipFill>
+        <p:spPr>
+          <a:xfrm>
+            <a:off x="0" y="4375150"/>
+            <a:ext cx="4636008" cy="2482850"/>
+          </a:xfrm>
+          <a:prstGeom prst="rect">
+            <a:avLst/>
+          </a:prstGeom>
+        </p:spPr>
+      </p:pic>
+      <p:sp>
+        <p:nvSpPr>
+          <p:cNvPr id="2" name="Title 1">
+            <a:extLst>
+              <a:ext uri="{FF2B5EF4-FFF2-40B4-BE49-F238E27FC236}">
+                <a16:creationId xmlns:a16="http://schemas.microsoft.com/office/drawing/2014/main" id="{362EE795-450B-BC4C-8F14-33C7240D7C6A}"/>
+              </a:ext>
+            </a:extLst>
+          </p:cNvPr>
+          <p:cNvSpPr>
+            <a:spLocks noGrp="1"/>
+          </p:cNvSpPr>
+          <p:nvPr>
+            <p:ph type="title"/>
+          </p:nvPr>
+        </p:nvSpPr>
+        <p:spPr>
+          <a:xfrm>
+            <a:off x="89288" y="780219"/>
+            <a:ext cx="3548269" cy="2256183"/>
+          </a:xfrm>
+        </p:spPr>
+        <p:txBody>
+          <a:bodyPr>
+            <a:normAutofit/>
+          </a:bodyPr>
+          <a:lstStyle/>
+          <a:p>
+            <a:r>
+              <a:rPr lang="en-US" sz="3600" dirty="0"/>
+              <a:t>Coding approach</a:t>
+            </a:r>
+          </a:p>
+        </p:txBody>
+      </p:sp>
+      <p:pic>
+        <p:nvPicPr>
+          <p:cNvPr id="16" name="Picture 15" descr="Text&#10;&#10;Description automatically generated">
+            <a:extLst>
+              <a:ext uri="{FF2B5EF4-FFF2-40B4-BE49-F238E27FC236}">
+                <a16:creationId xmlns:a16="http://schemas.microsoft.com/office/drawing/2014/main" id="{B3BF8595-50FA-3048-A0BC-6CF7AD081897}"/>
+              </a:ext>
+            </a:extLst>
+          </p:cNvPr>
+          <p:cNvPicPr>
+            <a:picLocks noChangeAspect="1"/>
+          </p:cNvPicPr>
+          <p:nvPr/>
+        </p:nvPicPr>
+        <p:blipFill rotWithShape="1">
+          <a:blip r:embed="rId4"/>
+          <a:srcRect l="18579" t="2727" r="38025" b="7273"/>
+          <a:stretch/>
+        </p:blipFill>
+        <p:spPr>
+          <a:xfrm>
+            <a:off x="4725297" y="0"/>
+            <a:ext cx="7466704" cy="6857999"/>
+          </a:xfrm>
+          <a:prstGeom prst="rect">
+            <a:avLst/>
+          </a:prstGeom>
+        </p:spPr>
+      </p:pic>
+    </p:spTree>
+    <p:extLst>
+      <p:ext uri="{BB962C8B-B14F-4D97-AF65-F5344CB8AC3E}">
+        <p14:creationId xmlns:p14="http://schemas.microsoft.com/office/powerpoint/2010/main" val="3292250555"/>
+      </p:ext>
+    </p:extLst>
+  </p:cSld>
+  <p:clrMapOvr>
+    <a:masterClrMapping/>
+  </p:clrMapOvr>
+</p:sld>
+</file>
+
+<file path=ppt/slides/slide9.xml><?xml version="1.0" encoding="utf-8"?>
+<p:sld xmlns:a="http://schemas.openxmlformats.org/drawingml/2006/main" xmlns:r="http://schemas.openxmlformats.org/officeDocument/2006/relationships" xmlns:p="http://schemas.openxmlformats.org/presentationml/2006/main">
+  <p:cSld>
+    <p:bg>
+      <p:bgPr>
+        <a:solidFill>
+          <a:schemeClr val="bg1"/>
+        </a:solidFill>
+        <a:effectLst/>
+      </p:bgPr>
+    </p:bg>
+    <p:spTree>
+      <p:nvGrpSpPr>
+        <p:cNvPr id="1" name=""/>
+        <p:cNvGrpSpPr/>
+        <p:nvPr/>
+      </p:nvGrpSpPr>
+      <p:grpSpPr>
+        <a:xfrm>
+          <a:off x="0" y="0"/>
+          <a:ext cx="0" cy="0"/>
+          <a:chOff x="0" y="0"/>
+          <a:chExt cx="0" cy="0"/>
+        </a:xfrm>
+      </p:grpSpPr>
+      <p:sp>
+        <p:nvSpPr>
+          <p:cNvPr id="8" name="Rounded Rectangle 14">
+            <a:extLst>
+              <a:ext uri="{FF2B5EF4-FFF2-40B4-BE49-F238E27FC236}">
+                <a16:creationId xmlns:a16="http://schemas.microsoft.com/office/drawing/2014/main" id="{637BD688-14A6-4B96-B8A2-3CD81C054FCE}"/>
+              </a:ext>
+              <a:ext uri="{C183D7F6-B498-43B3-948B-1728B52AA6E4}">
+                <adec:decorative xmlns:adec="http://schemas.microsoft.com/office/drawing/2017/decorative" val="1"/>
+              </a:ext>
+            </a:extLst>
+          </p:cNvPr>
+          <p:cNvSpPr>
+            <a:spLocks noGrp="1" noRot="1" noChangeAspect="1" noMove="1" noResize="1" noEditPoints="1" noAdjustHandles="1" noChangeArrowheads="1" noChangeShapeType="1" noTextEdit="1"/>
+          </p:cNvSpPr>
+          <p:nvPr>
+            <p:extLst>
+              <p:ext uri="{386F3935-93C4-4BCD-93E2-E3B085C9AB24}">
+                <p16:designElem xmlns:p16="http://schemas.microsoft.com/office/powerpoint/2015/main" val="1"/>
+              </p:ext>
+            </p:extLst>
+          </p:nvPr>
+        </p:nvSpPr>
+        <p:spPr>
+          <a:xfrm>
+            <a:off x="4636008" y="0"/>
+            <a:ext cx="7555992" cy="6858000"/>
+          </a:xfrm>
+          <a:prstGeom prst="rect">
+            <a:avLst/>
+          </a:prstGeom>
+          <a:solidFill>
+            <a:schemeClr val="bg2"/>
+          </a:solidFill>
+          <a:ln>
+            <a:noFill/>
+          </a:ln>
+          <a:effectLst/>
+        </p:spPr>
+        <p:style>
+          <a:lnRef idx="2">
+            <a:schemeClr val="accent1">
+              <a:shade val="50000"/>
+            </a:schemeClr>
+          </a:lnRef>
+          <a:fillRef idx="1">
+            <a:schemeClr val="accent1"/>
+          </a:fillRef>
+          <a:effectRef idx="0">
+            <a:schemeClr val="accent1"/>
+          </a:effectRef>
+          <a:fontRef idx="minor">
+            <a:schemeClr val="lt1"/>
+          </a:fontRef>
+        </p:style>
+        <p:txBody>
+          <a:bodyPr rtlCol="0" anchor="ctr"/>
+          <a:lstStyle/>
+          <a:p>
+            <a:pPr marL="0" marR="0" lvl="0" indent="0" algn="ctr" defTabSz="457200" rtl="0" eaLnBrk="1" fontAlgn="auto" latinLnBrk="0" hangingPunct="1">
+              <a:lnSpc>
+                <a:spcPct val="100000"/>
+              </a:lnSpc>
+              <a:spcBef>
+                <a:spcPts val="0"/>
+              </a:spcBef>
+              <a:spcAft>
+                <a:spcPts val="0"/>
+              </a:spcAft>
+              <a:buClrTx/>
+              <a:buSzTx/>
+              <a:buFontTx/>
+              <a:buNone/>
+              <a:tabLst/>
+              <a:defRPr/>
+            </a:pPr>
+            <a:endParaRPr kumimoji="0" lang="en-US" sz="1800" b="0" i="0" u="none" strike="noStrike" kern="1200" cap="none" spc="0" normalizeH="0" baseline="0" noProof="0">
+              <a:ln>
+                <a:noFill/>
+              </a:ln>
+              <a:solidFill>
+                <a:prstClr val="white"/>
+              </a:solidFill>
+              <a:effectLst/>
+              <a:uLnTx/>
+              <a:uFillTx/>
+              <a:latin typeface="Century Gothic" panose="020B0502020202020204"/>
+              <a:ea typeface="+mn-ea"/>
+              <a:cs typeface="+mn-cs"/>
+            </a:endParaRPr>
+          </a:p>
+        </p:txBody>
+      </p:sp>
+      <p:sp useBgFill="1">
+        <p:nvSpPr>
+          <p:cNvPr id="10" name="Rectangle 9">
+            <a:extLst>
+              <a:ext uri="{FF2B5EF4-FFF2-40B4-BE49-F238E27FC236}">
+                <a16:creationId xmlns:a16="http://schemas.microsoft.com/office/drawing/2014/main" id="{B7B2544F-CA5E-40F6-9525-716A90C83FC5}"/>
+              </a:ext>
+              <a:ext uri="{C183D7F6-B498-43B3-948B-1728B52AA6E4}">
+                <adec:decorative xmlns:adec="http://schemas.microsoft.com/office/drawing/2017/decorative" val="1"/>
+              </a:ext>
+            </a:extLst>
+          </p:cNvPr>
+          <p:cNvSpPr>
+            <a:spLocks noGrp="1" noRot="1" noChangeAspect="1" noMove="1" noResize="1" noEditPoints="1" noAdjustHandles="1" noChangeArrowheads="1" noChangeShapeType="1" noTextEdit="1"/>
+          </p:cNvSpPr>
+          <p:nvPr>
+            <p:extLst>
+              <p:ext uri="{386F3935-93C4-4BCD-93E2-E3B085C9AB24}">
+                <p16:designElem xmlns:p16="http://schemas.microsoft.com/office/powerpoint/2015/main" val="1"/>
+              </p:ext>
+            </p:extLst>
+          </p:nvPr>
+        </p:nvSpPr>
+        <p:spPr>
+          <a:xfrm>
+            <a:off x="0" y="0"/>
+            <a:ext cx="4636008" cy="6858000"/>
+          </a:xfrm>
+          <a:prstGeom prst="rect">
+            <a:avLst/>
+          </a:prstGeom>
+          <a:ln>
+            <a:noFill/>
+          </a:ln>
+          <a:effectLst>
+            <a:outerShdw blurRad="63500" dist="38100" algn="l" rotWithShape="0">
+              <a:prstClr val="black">
+                <a:alpha val="40000"/>
+              </a:prstClr>
+            </a:outerShdw>
+          </a:effectLst>
+        </p:spPr>
+        <p:style>
+          <a:lnRef idx="2">
+            <a:schemeClr val="accent1">
+              <a:shade val="50000"/>
+            </a:schemeClr>
+          </a:lnRef>
+          <a:fillRef idx="1">
+            <a:schemeClr val="accent1"/>
+          </a:fillRef>
+          <a:effectRef idx="0">
+            <a:schemeClr val="accent1"/>
+          </a:effectRef>
+          <a:fontRef idx="minor">
+            <a:schemeClr val="lt1"/>
+          </a:fontRef>
+        </p:style>
+        <p:txBody>
+          <a:bodyPr rtlCol="0" anchor="ctr"/>
+          <a:lstStyle/>
+          <a:p>
+            <a:pPr marL="0" marR="0" lvl="0" indent="0" algn="ctr" defTabSz="457200" rtl="0" eaLnBrk="1" fontAlgn="auto" latinLnBrk="0" hangingPunct="1">
+              <a:lnSpc>
+                <a:spcPct val="100000"/>
+              </a:lnSpc>
+              <a:spcBef>
+                <a:spcPts val="0"/>
+              </a:spcBef>
+              <a:spcAft>
+                <a:spcPts val="0"/>
+              </a:spcAft>
+              <a:buClrTx/>
+              <a:buSzTx/>
+              <a:buFontTx/>
+              <a:buNone/>
+              <a:tabLst/>
+              <a:defRPr/>
+            </a:pPr>
+            <a:endParaRPr kumimoji="0" lang="en-US" sz="1800" b="0" i="0" u="none" strike="noStrike" kern="1200" cap="none" spc="0" normalizeH="0" baseline="0" noProof="0">
+              <a:ln>
+                <a:noFill/>
+              </a:ln>
+              <a:solidFill>
+                <a:prstClr val="white"/>
+              </a:solidFill>
+              <a:effectLst/>
+              <a:uLnTx/>
+              <a:uFillTx/>
+              <a:latin typeface="Century Gothic" panose="020B0502020202020204"/>
+              <a:ea typeface="+mn-ea"/>
+              <a:cs typeface="+mn-cs"/>
+            </a:endParaRPr>
+          </a:p>
+        </p:txBody>
+      </p:sp>
+      <p:pic>
+        <p:nvPicPr>
+          <p:cNvPr id="12" name="Picture 11">
+            <a:extLst>
+              <a:ext uri="{FF2B5EF4-FFF2-40B4-BE49-F238E27FC236}">
+                <a16:creationId xmlns:a16="http://schemas.microsoft.com/office/drawing/2014/main" id="{D2B93162-635C-46F5-97EC-E98C1659F1F0}"/>
+              </a:ext>
+              <a:ext uri="{C183D7F6-B498-43B3-948B-1728B52AA6E4}">
+                <adec:decorative xmlns:adec="http://schemas.microsoft.com/office/drawing/2017/decorative" val="1"/>
+              </a:ext>
+            </a:extLst>
+          </p:cNvPr>
+          <p:cNvPicPr>
+            <a:picLocks noGrp="1" noRot="1" noChangeAspect="1" noMove="1" noResize="1" noEditPoints="1" noAdjustHandles="1" noChangeArrowheads="1" noChangeShapeType="1" noCrop="1"/>
+          </p:cNvPicPr>
+          <p:nvPr>
+            <p:extLst>
+              <p:ext uri="{386F3935-93C4-4BCD-93E2-E3B085C9AB24}">
+                <p16:designElem xmlns:p16="http://schemas.microsoft.com/office/powerpoint/2015/main" val="1"/>
+              </p:ext>
+            </p:extLst>
+          </p:nvPr>
+        </p:nvPicPr>
+        <p:blipFill rotWithShape="1">
           <a:blip r:embed="rId2">
             <a:extLst>
               <a:ext uri="{28A0092B-C50C-407E-A947-70E740481C1C}">
@@ -16151,93 +17328,6 @@
     <p:extLst>
       <p:ext uri="{BB962C8B-B14F-4D97-AF65-F5344CB8AC3E}">
         <p14:creationId xmlns:p14="http://schemas.microsoft.com/office/powerpoint/2010/main" val="972125982"/>
-      </p:ext>
-    </p:extLst>
-  </p:cSld>
-  <p:clrMapOvr>
-    <a:masterClrMapping/>
-  </p:clrMapOvr>
-</p:sld>
-</file>
-
-<file path=ppt/slides/slide9.xml><?xml version="1.0" encoding="utf-8"?>
-<p:sld xmlns:a="http://schemas.openxmlformats.org/drawingml/2006/main" xmlns:r="http://schemas.openxmlformats.org/officeDocument/2006/relationships" xmlns:p="http://schemas.openxmlformats.org/presentationml/2006/main">
-  <p:cSld>
-    <p:spTree>
-      <p:nvGrpSpPr>
-        <p:cNvPr id="1" name=""/>
-        <p:cNvGrpSpPr/>
-        <p:nvPr/>
-      </p:nvGrpSpPr>
-      <p:grpSpPr>
-        <a:xfrm>
-          <a:off x="0" y="0"/>
-          <a:ext cx="0" cy="0"/>
-          <a:chOff x="0" y="0"/>
-          <a:chExt cx="0" cy="0"/>
-        </a:xfrm>
-      </p:grpSpPr>
-      <p:sp>
-        <p:nvSpPr>
-          <p:cNvPr id="2" name="Title 1">
-            <a:extLst>
-              <a:ext uri="{FF2B5EF4-FFF2-40B4-BE49-F238E27FC236}">
-                <a16:creationId xmlns:a16="http://schemas.microsoft.com/office/drawing/2014/main" id="{C80B5474-320E-F24D-8EE5-EBC950195444}"/>
-              </a:ext>
-            </a:extLst>
-          </p:cNvPr>
-          <p:cNvSpPr>
-            <a:spLocks noGrp="1"/>
-          </p:cNvSpPr>
-          <p:nvPr>
-            <p:ph type="title"/>
-          </p:nvPr>
-        </p:nvSpPr>
-        <p:spPr/>
-        <p:txBody>
-          <a:bodyPr/>
-          <a:lstStyle/>
-          <a:p>
-            <a:r>
-              <a:rPr lang="en-US" dirty="0"/>
-              <a:t>Final visualization</a:t>
-            </a:r>
-          </a:p>
-        </p:txBody>
-      </p:sp>
-      <p:pic>
-        <p:nvPicPr>
-          <p:cNvPr id="5" name="Content Placeholder 4" descr="A screenshot of a video game&#10;&#10;Description automatically generated">
-            <a:extLst>
-              <a:ext uri="{FF2B5EF4-FFF2-40B4-BE49-F238E27FC236}">
-                <a16:creationId xmlns:a16="http://schemas.microsoft.com/office/drawing/2014/main" id="{8A5028EC-9F97-3241-8389-329969F7F84D}"/>
-              </a:ext>
-            </a:extLst>
-          </p:cNvPr>
-          <p:cNvPicPr>
-            <a:picLocks noGrp="1" noChangeAspect="1"/>
-          </p:cNvPicPr>
-          <p:nvPr>
-            <p:ph idx="1"/>
-          </p:nvPr>
-        </p:nvPicPr>
-        <p:blipFill>
-          <a:blip r:embed="rId3"/>
-          <a:stretch>
-            <a:fillRect/>
-          </a:stretch>
-        </p:blipFill>
-        <p:spPr>
-          <a:xfrm>
-            <a:off x="1743915" y="2193925"/>
-            <a:ext cx="8704170" cy="4024313"/>
-          </a:xfrm>
-        </p:spPr>
-      </p:pic>
-    </p:spTree>
-    <p:extLst>
-      <p:ext uri="{BB962C8B-B14F-4D97-AF65-F5344CB8AC3E}">
-        <p14:creationId xmlns:p14="http://schemas.microsoft.com/office/powerpoint/2010/main" val="2216499576"/>
       </p:ext>
     </p:extLst>
   </p:cSld>

--- a/Presentation.pptx
+++ b/Presentation.pptx
@@ -5,21 +5,23 @@
     <p:sldMasterId id="2147483648" r:id="rId1"/>
   </p:sldMasterIdLst>
   <p:notesMasterIdLst>
-    <p:notesMasterId r:id="rId14"/>
+    <p:notesMasterId r:id="rId16"/>
   </p:notesMasterIdLst>
   <p:sldIdLst>
     <p:sldId id="256" r:id="rId2"/>
     <p:sldId id="257" r:id="rId3"/>
     <p:sldId id="258" r:id="rId4"/>
     <p:sldId id="260" r:id="rId5"/>
-    <p:sldId id="267" r:id="rId6"/>
-    <p:sldId id="262" r:id="rId7"/>
-    <p:sldId id="259" r:id="rId8"/>
-    <p:sldId id="263" r:id="rId9"/>
-    <p:sldId id="266" r:id="rId10"/>
-    <p:sldId id="261" r:id="rId11"/>
-    <p:sldId id="264" r:id="rId12"/>
-    <p:sldId id="265" r:id="rId13"/>
+    <p:sldId id="262" r:id="rId6"/>
+    <p:sldId id="259" r:id="rId7"/>
+    <p:sldId id="263" r:id="rId8"/>
+    <p:sldId id="261" r:id="rId9"/>
+    <p:sldId id="264" r:id="rId10"/>
+    <p:sldId id="265" r:id="rId11"/>
+    <p:sldId id="268" r:id="rId12"/>
+    <p:sldId id="269" r:id="rId13"/>
+    <p:sldId id="270" r:id="rId14"/>
+    <p:sldId id="271" r:id="rId15"/>
   </p:sldIdLst>
   <p:sldSz cx="12192000" cy="6858000"/>
   <p:notesSz cx="6858000" cy="9144000"/>
@@ -130,27 +132,14 @@
 </file>
 
 <file path=ppt/diagrams/colors1.xml><?xml version="1.0" encoding="utf-8"?>
-<dgm:colorsDef xmlns:dgm="http://schemas.openxmlformats.org/drawingml/2006/diagram" xmlns:a="http://schemas.openxmlformats.org/drawingml/2006/main" uniqueId="urn:microsoft.com/office/officeart/2005/8/colors/colorful2">
+<dgm:colorsDef xmlns:dgm="http://schemas.openxmlformats.org/drawingml/2006/diagram" xmlns:a="http://schemas.openxmlformats.org/drawingml/2006/main" uniqueId="urn:microsoft.com/office/officeart/2005/8/colors/accent3_2">
   <dgm:title val=""/>
   <dgm:desc val=""/>
   <dgm:catLst>
-    <dgm:cat type="colorful" pri="10200"/>
+    <dgm:cat type="accent3" pri="11200"/>
   </dgm:catLst>
   <dgm:styleLbl name="node0">
     <dgm:fillClrLst meth="repeat">
-      <a:schemeClr val="accent1"/>
-    </dgm:fillClrLst>
-    <dgm:linClrLst meth="repeat">
-      <a:schemeClr val="lt1"/>
-    </dgm:linClrLst>
-    <dgm:effectClrLst/>
-    <dgm:txLinClrLst/>
-    <dgm:txFillClrLst/>
-    <dgm:txEffectClrLst/>
-  </dgm:styleLbl>
-  <dgm:styleLbl name="node1">
-    <dgm:fillClrLst>
-      <a:schemeClr val="accent2"/>
       <a:schemeClr val="accent3"/>
     </dgm:fillClrLst>
     <dgm:linClrLst meth="repeat">
@@ -161,23 +150,8 @@
     <dgm:txFillClrLst/>
     <dgm:txEffectClrLst/>
   </dgm:styleLbl>
-  <dgm:styleLbl name="alignNode1">
-    <dgm:fillClrLst>
-      <a:schemeClr val="accent2"/>
-      <a:schemeClr val="accent3"/>
-    </dgm:fillClrLst>
-    <dgm:linClrLst>
-      <a:schemeClr val="accent2"/>
-      <a:schemeClr val="accent3"/>
-    </dgm:linClrLst>
-    <dgm:effectClrLst/>
-    <dgm:txLinClrLst/>
-    <dgm:txFillClrLst/>
-    <dgm:txEffectClrLst/>
-  </dgm:styleLbl>
-  <dgm:styleLbl name="lnNode1">
-    <dgm:fillClrLst>
-      <a:schemeClr val="accent2"/>
+  <dgm:styleLbl name="node1">
+    <dgm:fillClrLst meth="repeat">
       <a:schemeClr val="accent3"/>
     </dgm:fillClrLst>
     <dgm:linClrLst meth="repeat">
@@ -188,11 +162,32 @@
     <dgm:txFillClrLst/>
     <dgm:txEffectClrLst/>
   </dgm:styleLbl>
+  <dgm:styleLbl name="alignNode1">
+    <dgm:fillClrLst meth="repeat">
+      <a:schemeClr val="accent3"/>
+    </dgm:fillClrLst>
+    <dgm:linClrLst meth="repeat">
+      <a:schemeClr val="accent3"/>
+    </dgm:linClrLst>
+    <dgm:effectClrLst/>
+    <dgm:txLinClrLst/>
+    <dgm:txFillClrLst/>
+    <dgm:txEffectClrLst/>
+  </dgm:styleLbl>
+  <dgm:styleLbl name="lnNode1">
+    <dgm:fillClrLst meth="repeat">
+      <a:schemeClr val="accent3"/>
+    </dgm:fillClrLst>
+    <dgm:linClrLst meth="repeat">
+      <a:schemeClr val="lt1"/>
+    </dgm:linClrLst>
+    <dgm:effectClrLst/>
+    <dgm:txLinClrLst/>
+    <dgm:txFillClrLst/>
+    <dgm:txEffectClrLst/>
+  </dgm:styleLbl>
   <dgm:styleLbl name="vennNode1">
-    <dgm:fillClrLst>
-      <a:schemeClr val="accent2">
-        <a:alpha val="50000"/>
-      </a:schemeClr>
+    <dgm:fillClrLst meth="repeat">
       <a:schemeClr val="accent3">
         <a:alpha val="50000"/>
       </a:schemeClr>
@@ -206,7 +201,7 @@
     <dgm:txEffectClrLst/>
   </dgm:styleLbl>
   <dgm:styleLbl name="node2">
-    <dgm:fillClrLst>
+    <dgm:fillClrLst meth="repeat">
       <a:schemeClr val="accent3"/>
     </dgm:fillClrLst>
     <dgm:linClrLst meth="repeat">
@@ -218,8 +213,8 @@
     <dgm:txEffectClrLst/>
   </dgm:styleLbl>
   <dgm:styleLbl name="node3">
-    <dgm:fillClrLst>
-      <a:schemeClr val="accent4"/>
+    <dgm:fillClrLst meth="repeat">
+      <a:schemeClr val="accent3"/>
     </dgm:fillClrLst>
     <dgm:linClrLst meth="repeat">
       <a:schemeClr val="lt1"/>
@@ -230,8 +225,8 @@
     <dgm:txEffectClrLst/>
   </dgm:styleLbl>
   <dgm:styleLbl name="node4">
-    <dgm:fillClrLst>
-      <a:schemeClr val="accent5"/>
+    <dgm:fillClrLst meth="repeat">
+      <a:schemeClr val="accent3"/>
     </dgm:fillClrLst>
     <dgm:linClrLst meth="repeat">
       <a:schemeClr val="lt1"/>
@@ -242,10 +237,7 @@
     <dgm:txEffectClrLst/>
   </dgm:styleLbl>
   <dgm:styleLbl name="fgImgPlace1">
-    <dgm:fillClrLst>
-      <a:schemeClr val="accent2">
-        <a:tint val="50000"/>
-      </a:schemeClr>
+    <dgm:fillClrLst meth="repeat">
       <a:schemeClr val="accent3">
         <a:tint val="50000"/>
       </a:schemeClr>
@@ -261,12 +253,9 @@
     <dgm:txEffectClrLst/>
   </dgm:styleLbl>
   <dgm:styleLbl name="alignImgPlace1">
-    <dgm:fillClrLst>
-      <a:schemeClr val="accent2">
+    <dgm:fillClrLst meth="repeat">
+      <a:schemeClr val="accent3">
         <a:tint val="50000"/>
-      </a:schemeClr>
-      <a:schemeClr val="accent3">
-        <a:tint val="20000"/>
       </a:schemeClr>
     </dgm:fillClrLst>
     <dgm:linClrLst meth="repeat">
@@ -280,12 +269,9 @@
     <dgm:txEffectClrLst/>
   </dgm:styleLbl>
   <dgm:styleLbl name="bgImgPlace1">
-    <dgm:fillClrLst>
-      <a:schemeClr val="accent2">
+    <dgm:fillClrLst meth="repeat">
+      <a:schemeClr val="accent3">
         <a:tint val="50000"/>
-      </a:schemeClr>
-      <a:schemeClr val="accent3">
-        <a:tint val="20000"/>
       </a:schemeClr>
     </dgm:fillClrLst>
     <dgm:linClrLst meth="repeat">
@@ -299,12 +285,15 @@
     <dgm:txEffectClrLst/>
   </dgm:styleLbl>
   <dgm:styleLbl name="sibTrans2D1">
-    <dgm:fillClrLst>
-      <a:schemeClr val="accent2"/>
-      <a:schemeClr val="accent3"/>
+    <dgm:fillClrLst meth="repeat">
+      <a:schemeClr val="accent3">
+        <a:tint val="60000"/>
+      </a:schemeClr>
     </dgm:fillClrLst>
     <dgm:linClrLst meth="repeat">
-      <a:schemeClr val="lt1"/>
+      <a:schemeClr val="accent3">
+        <a:tint val="60000"/>
+      </a:schemeClr>
     </dgm:linClrLst>
     <dgm:effectClrLst/>
     <dgm:txLinClrLst/>
@@ -312,39 +301,42 @@
     <dgm:txEffectClrLst/>
   </dgm:styleLbl>
   <dgm:styleLbl name="fgSibTrans2D1">
-    <dgm:fillClrLst>
-      <a:schemeClr val="accent2"/>
+    <dgm:fillClrLst meth="repeat">
+      <a:schemeClr val="accent3">
+        <a:tint val="60000"/>
+      </a:schemeClr>
+    </dgm:fillClrLst>
+    <dgm:linClrLst meth="repeat">
+      <a:schemeClr val="accent3">
+        <a:tint val="60000"/>
+      </a:schemeClr>
+    </dgm:linClrLst>
+    <dgm:effectClrLst/>
+    <dgm:txLinClrLst/>
+    <dgm:txFillClrLst/>
+    <dgm:txEffectClrLst/>
+  </dgm:styleLbl>
+  <dgm:styleLbl name="bgSibTrans2D1">
+    <dgm:fillClrLst meth="repeat">
+      <a:schemeClr val="accent3">
+        <a:tint val="60000"/>
+      </a:schemeClr>
+    </dgm:fillClrLst>
+    <dgm:linClrLst meth="repeat">
+      <a:schemeClr val="accent3">
+        <a:tint val="60000"/>
+      </a:schemeClr>
+    </dgm:linClrLst>
+    <dgm:effectClrLst/>
+    <dgm:txLinClrLst/>
+    <dgm:txFillClrLst/>
+    <dgm:txEffectClrLst/>
+  </dgm:styleLbl>
+  <dgm:styleLbl name="sibTrans1D1">
+    <dgm:fillClrLst meth="repeat">
       <a:schemeClr val="accent3"/>
     </dgm:fillClrLst>
     <dgm:linClrLst meth="repeat">
-      <a:schemeClr val="lt1"/>
-    </dgm:linClrLst>
-    <dgm:effectClrLst/>
-    <dgm:txLinClrLst/>
-    <dgm:txFillClrLst meth="repeat">
-      <a:schemeClr val="lt1"/>
-    </dgm:txFillClrLst>
-    <dgm:txEffectClrLst/>
-  </dgm:styleLbl>
-  <dgm:styleLbl name="bgSibTrans2D1">
-    <dgm:fillClrLst>
-      <a:schemeClr val="accent2"/>
-      <a:schemeClr val="accent3"/>
-    </dgm:fillClrLst>
-    <dgm:linClrLst meth="repeat">
-      <a:schemeClr val="lt1"/>
-    </dgm:linClrLst>
-    <dgm:effectClrLst/>
-    <dgm:txLinClrLst/>
-    <dgm:txFillClrLst meth="repeat">
-      <a:schemeClr val="lt1"/>
-    </dgm:txFillClrLst>
-    <dgm:txEffectClrLst/>
-  </dgm:styleLbl>
-  <dgm:styleLbl name="sibTrans1D1">
-    <dgm:fillClrLst/>
-    <dgm:linClrLst>
-      <a:schemeClr val="accent2"/>
       <a:schemeClr val="accent3"/>
     </dgm:linClrLst>
     <dgm:effectClrLst/>
@@ -356,10 +348,10 @@
   </dgm:styleLbl>
   <dgm:styleLbl name="callout">
     <dgm:fillClrLst meth="repeat">
-      <a:schemeClr val="accent2"/>
+      <a:schemeClr val="accent3"/>
     </dgm:fillClrLst>
     <dgm:linClrLst meth="repeat">
-      <a:schemeClr val="accent2">
+      <a:schemeClr val="accent3">
         <a:tint val="50000"/>
       </a:schemeClr>
     </dgm:linClrLst>
@@ -371,84 +363,6 @@
     <dgm:txEffectClrLst/>
   </dgm:styleLbl>
   <dgm:styleLbl name="asst0">
-    <dgm:fillClrLst meth="repeat">
-      <a:schemeClr val="accent2"/>
-    </dgm:fillClrLst>
-    <dgm:linClrLst meth="repeat">
-      <a:schemeClr val="lt1">
-        <a:shade val="80000"/>
-      </a:schemeClr>
-    </dgm:linClrLst>
-    <dgm:effectClrLst/>
-    <dgm:txLinClrLst/>
-    <dgm:txFillClrLst/>
-    <dgm:txEffectClrLst/>
-  </dgm:styleLbl>
-  <dgm:styleLbl name="asst1">
-    <dgm:fillClrLst meth="repeat">
-      <a:schemeClr val="accent3"/>
-    </dgm:fillClrLst>
-    <dgm:linClrLst meth="repeat">
-      <a:schemeClr val="lt1">
-        <a:shade val="80000"/>
-      </a:schemeClr>
-    </dgm:linClrLst>
-    <dgm:effectClrLst/>
-    <dgm:txLinClrLst/>
-    <dgm:txFillClrLst/>
-    <dgm:txEffectClrLst/>
-  </dgm:styleLbl>
-  <dgm:styleLbl name="asst2">
-    <dgm:fillClrLst>
-      <a:schemeClr val="accent4"/>
-    </dgm:fillClrLst>
-    <dgm:linClrLst meth="repeat">
-      <a:schemeClr val="lt1"/>
-    </dgm:linClrLst>
-    <dgm:effectClrLst/>
-    <dgm:txLinClrLst/>
-    <dgm:txFillClrLst/>
-    <dgm:txEffectClrLst/>
-  </dgm:styleLbl>
-  <dgm:styleLbl name="asst3">
-    <dgm:fillClrLst>
-      <a:schemeClr val="accent5"/>
-    </dgm:fillClrLst>
-    <dgm:linClrLst meth="repeat">
-      <a:schemeClr val="lt1"/>
-    </dgm:linClrLst>
-    <dgm:effectClrLst/>
-    <dgm:txLinClrLst/>
-    <dgm:txFillClrLst/>
-    <dgm:txEffectClrLst/>
-  </dgm:styleLbl>
-  <dgm:styleLbl name="asst4">
-    <dgm:fillClrLst>
-      <a:schemeClr val="accent6"/>
-    </dgm:fillClrLst>
-    <dgm:linClrLst meth="repeat">
-      <a:schemeClr val="lt1"/>
-    </dgm:linClrLst>
-    <dgm:effectClrLst/>
-    <dgm:txLinClrLst/>
-    <dgm:txFillClrLst/>
-    <dgm:txEffectClrLst/>
-  </dgm:styleLbl>
-  <dgm:styleLbl name="parChTrans2D1">
-    <dgm:fillClrLst meth="repeat">
-      <a:schemeClr val="accent2"/>
-    </dgm:fillClrLst>
-    <dgm:linClrLst meth="repeat">
-      <a:schemeClr val="lt1"/>
-    </dgm:linClrLst>
-    <dgm:effectClrLst/>
-    <dgm:txLinClrLst/>
-    <dgm:txFillClrLst meth="repeat">
-      <a:schemeClr val="lt1"/>
-    </dgm:txFillClrLst>
-    <dgm:txEffectClrLst/>
-  </dgm:styleLbl>
-  <dgm:styleLbl name="parChTrans2D2">
     <dgm:fillClrLst meth="repeat">
       <a:schemeClr val="accent3"/>
     </dgm:fillClrLst>
@@ -460,9 +374,9 @@
     <dgm:txFillClrLst/>
     <dgm:txEffectClrLst/>
   </dgm:styleLbl>
-  <dgm:styleLbl name="parChTrans2D3">
+  <dgm:styleLbl name="asst1">
     <dgm:fillClrLst meth="repeat">
-      <a:schemeClr val="accent4"/>
+      <a:schemeClr val="accent3"/>
     </dgm:fillClrLst>
     <dgm:linClrLst meth="repeat">
       <a:schemeClr val="lt1"/>
@@ -472,12 +386,52 @@
     <dgm:txFillClrLst/>
     <dgm:txEffectClrLst/>
   </dgm:styleLbl>
-  <dgm:styleLbl name="parChTrans2D4">
+  <dgm:styleLbl name="asst2">
     <dgm:fillClrLst meth="repeat">
-      <a:schemeClr val="accent5"/>
+      <a:schemeClr val="accent3"/>
     </dgm:fillClrLst>
     <dgm:linClrLst meth="repeat">
       <a:schemeClr val="lt1"/>
+    </dgm:linClrLst>
+    <dgm:effectClrLst/>
+    <dgm:txLinClrLst/>
+    <dgm:txFillClrLst/>
+    <dgm:txEffectClrLst/>
+  </dgm:styleLbl>
+  <dgm:styleLbl name="asst3">
+    <dgm:fillClrLst meth="repeat">
+      <a:schemeClr val="accent3"/>
+    </dgm:fillClrLst>
+    <dgm:linClrLst meth="repeat">
+      <a:schemeClr val="lt1"/>
+    </dgm:linClrLst>
+    <dgm:effectClrLst/>
+    <dgm:txLinClrLst/>
+    <dgm:txFillClrLst/>
+    <dgm:txEffectClrLst/>
+  </dgm:styleLbl>
+  <dgm:styleLbl name="asst4">
+    <dgm:fillClrLst meth="repeat">
+      <a:schemeClr val="accent3"/>
+    </dgm:fillClrLst>
+    <dgm:linClrLst meth="repeat">
+      <a:schemeClr val="lt1"/>
+    </dgm:linClrLst>
+    <dgm:effectClrLst/>
+    <dgm:txLinClrLst/>
+    <dgm:txFillClrLst/>
+    <dgm:txEffectClrLst/>
+  </dgm:styleLbl>
+  <dgm:styleLbl name="parChTrans2D1">
+    <dgm:fillClrLst meth="repeat">
+      <a:schemeClr val="accent3">
+        <a:tint val="60000"/>
+      </a:schemeClr>
+    </dgm:fillClrLst>
+    <dgm:linClrLst meth="repeat">
+      <a:schemeClr val="accent3">
+        <a:tint val="60000"/>
+      </a:schemeClr>
     </dgm:linClrLst>
     <dgm:effectClrLst/>
     <dgm:txLinClrLst/>
@@ -486,12 +440,56 @@
     </dgm:txFillClrLst>
     <dgm:txEffectClrLst/>
   </dgm:styleLbl>
+  <dgm:styleLbl name="parChTrans2D2">
+    <dgm:fillClrLst meth="repeat">
+      <a:schemeClr val="accent3"/>
+    </dgm:fillClrLst>
+    <dgm:linClrLst meth="repeat">
+      <a:schemeClr val="accent3"/>
+    </dgm:linClrLst>
+    <dgm:effectClrLst/>
+    <dgm:txLinClrLst/>
+    <dgm:txFillClrLst meth="repeat">
+      <a:schemeClr val="lt1"/>
+    </dgm:txFillClrLst>
+    <dgm:txEffectClrLst/>
+  </dgm:styleLbl>
+  <dgm:styleLbl name="parChTrans2D3">
+    <dgm:fillClrLst meth="repeat">
+      <a:schemeClr val="accent3"/>
+    </dgm:fillClrLst>
+    <dgm:linClrLst meth="repeat">
+      <a:schemeClr val="accent3"/>
+    </dgm:linClrLst>
+    <dgm:effectClrLst/>
+    <dgm:txLinClrLst/>
+    <dgm:txFillClrLst meth="repeat">
+      <a:schemeClr val="lt1"/>
+    </dgm:txFillClrLst>
+    <dgm:txEffectClrLst/>
+  </dgm:styleLbl>
+  <dgm:styleLbl name="parChTrans2D4">
+    <dgm:fillClrLst meth="repeat">
+      <a:schemeClr val="accent3"/>
+    </dgm:fillClrLst>
+    <dgm:linClrLst meth="repeat">
+      <a:schemeClr val="accent3"/>
+    </dgm:linClrLst>
+    <dgm:effectClrLst/>
+    <dgm:txLinClrLst/>
+    <dgm:txFillClrLst meth="repeat">
+      <a:schemeClr val="lt1"/>
+    </dgm:txFillClrLst>
+    <dgm:txEffectClrLst/>
+  </dgm:styleLbl>
   <dgm:styleLbl name="parChTrans1D1">
     <dgm:fillClrLst meth="repeat">
-      <a:schemeClr val="accent2"/>
+      <a:schemeClr val="accent3"/>
     </dgm:fillClrLst>
     <dgm:linClrLst meth="repeat">
-      <a:schemeClr val="accent2"/>
+      <a:schemeClr val="accent3">
+        <a:shade val="60000"/>
+      </a:schemeClr>
     </dgm:linClrLst>
     <dgm:effectClrLst/>
     <dgm:txLinClrLst/>
@@ -502,8 +500,56 @@
   </dgm:styleLbl>
   <dgm:styleLbl name="parChTrans1D2">
     <dgm:fillClrLst meth="repeat">
-      <a:schemeClr val="accent2">
-        <a:tint val="90000"/>
+      <a:schemeClr val="accent3"/>
+    </dgm:fillClrLst>
+    <dgm:linClrLst meth="repeat">
+      <a:schemeClr val="accent3">
+        <a:shade val="60000"/>
+      </a:schemeClr>
+    </dgm:linClrLst>
+    <dgm:effectClrLst/>
+    <dgm:txLinClrLst/>
+    <dgm:txFillClrLst meth="repeat">
+      <a:schemeClr val="tx1"/>
+    </dgm:txFillClrLst>
+    <dgm:txEffectClrLst/>
+  </dgm:styleLbl>
+  <dgm:styleLbl name="parChTrans1D3">
+    <dgm:fillClrLst meth="repeat">
+      <a:schemeClr val="accent3"/>
+    </dgm:fillClrLst>
+    <dgm:linClrLst meth="repeat">
+      <a:schemeClr val="accent3">
+        <a:shade val="80000"/>
+      </a:schemeClr>
+    </dgm:linClrLst>
+    <dgm:effectClrLst/>
+    <dgm:txLinClrLst/>
+    <dgm:txFillClrLst meth="repeat">
+      <a:schemeClr val="tx1"/>
+    </dgm:txFillClrLst>
+    <dgm:txEffectClrLst/>
+  </dgm:styleLbl>
+  <dgm:styleLbl name="parChTrans1D4">
+    <dgm:fillClrLst meth="repeat">
+      <a:schemeClr val="accent3"/>
+    </dgm:fillClrLst>
+    <dgm:linClrLst meth="repeat">
+      <a:schemeClr val="accent3">
+        <a:shade val="80000"/>
+      </a:schemeClr>
+    </dgm:linClrLst>
+    <dgm:effectClrLst/>
+    <dgm:txLinClrLst/>
+    <dgm:txFillClrLst meth="repeat">
+      <a:schemeClr val="tx1"/>
+    </dgm:txFillClrLst>
+    <dgm:txEffectClrLst/>
+  </dgm:styleLbl>
+  <dgm:styleLbl name="fgAcc1">
+    <dgm:fillClrLst meth="repeat">
+      <a:schemeClr val="lt1">
+        <a:alpha val="90000"/>
       </a:schemeClr>
     </dgm:fillClrLst>
     <dgm:linClrLst meth="repeat">
@@ -512,50 +558,17 @@
     <dgm:effectClrLst/>
     <dgm:txLinClrLst/>
     <dgm:txFillClrLst meth="repeat">
-      <a:schemeClr val="tx1"/>
+      <a:schemeClr val="dk1"/>
     </dgm:txFillClrLst>
     <dgm:txEffectClrLst/>
   </dgm:styleLbl>
-  <dgm:styleLbl name="parChTrans1D3">
-    <dgm:fillClrLst meth="repeat">
-      <a:schemeClr val="accent2">
-        <a:tint val="70000"/>
-      </a:schemeClr>
-    </dgm:fillClrLst>
-    <dgm:linClrLst meth="repeat">
-      <a:schemeClr val="accent4"/>
-    </dgm:linClrLst>
-    <dgm:effectClrLst/>
-    <dgm:txLinClrLst/>
-    <dgm:txFillClrLst meth="repeat">
-      <a:schemeClr val="tx1"/>
-    </dgm:txFillClrLst>
-    <dgm:txEffectClrLst/>
-  </dgm:styleLbl>
-  <dgm:styleLbl name="parChTrans1D4">
-    <dgm:fillClrLst meth="repeat">
-      <a:schemeClr val="accent2">
-        <a:tint val="50000"/>
-      </a:schemeClr>
-    </dgm:fillClrLst>
-    <dgm:linClrLst meth="repeat">
-      <a:schemeClr val="accent5"/>
-    </dgm:linClrLst>
-    <dgm:effectClrLst/>
-    <dgm:txLinClrLst/>
-    <dgm:txFillClrLst meth="repeat">
-      <a:schemeClr val="tx1"/>
-    </dgm:txFillClrLst>
-    <dgm:txEffectClrLst/>
-  </dgm:styleLbl>
-  <dgm:styleLbl name="fgAcc1">
+  <dgm:styleLbl name="conFgAcc1">
     <dgm:fillClrLst meth="repeat">
       <a:schemeClr val="lt1">
         <a:alpha val="90000"/>
       </a:schemeClr>
     </dgm:fillClrLst>
-    <dgm:linClrLst>
-      <a:schemeClr val="accent2"/>
+    <dgm:linClrLst meth="repeat">
       <a:schemeClr val="accent3"/>
     </dgm:linClrLst>
     <dgm:effectClrLst/>
@@ -565,14 +578,13 @@
     </dgm:txFillClrLst>
     <dgm:txEffectClrLst/>
   </dgm:styleLbl>
-  <dgm:styleLbl name="conFgAcc1">
+  <dgm:styleLbl name="alignAcc1">
     <dgm:fillClrLst meth="repeat">
       <a:schemeClr val="lt1">
         <a:alpha val="90000"/>
       </a:schemeClr>
     </dgm:fillClrLst>
-    <dgm:linClrLst>
-      <a:schemeClr val="accent2"/>
+    <dgm:linClrLst meth="repeat">
       <a:schemeClr val="accent3"/>
     </dgm:linClrLst>
     <dgm:effectClrLst/>
@@ -582,14 +594,13 @@
     </dgm:txFillClrLst>
     <dgm:txEffectClrLst/>
   </dgm:styleLbl>
-  <dgm:styleLbl name="alignAcc1">
+  <dgm:styleLbl name="trAlignAcc1">
     <dgm:fillClrLst meth="repeat">
       <a:schemeClr val="lt1">
-        <a:alpha val="90000"/>
+        <a:alpha val="40000"/>
       </a:schemeClr>
     </dgm:fillClrLst>
-    <dgm:linClrLst>
-      <a:schemeClr val="accent2"/>
+    <dgm:linClrLst meth="repeat">
       <a:schemeClr val="accent3"/>
     </dgm:linClrLst>
     <dgm:effectClrLst/>
@@ -599,30 +610,13 @@
     </dgm:txFillClrLst>
     <dgm:txEffectClrLst/>
   </dgm:styleLbl>
-  <dgm:styleLbl name="trAlignAcc1">
-    <dgm:fillClrLst meth="repeat">
-      <a:schemeClr val="lt1">
-        <a:alpha val="40000"/>
-      </a:schemeClr>
-    </dgm:fillClrLst>
-    <dgm:linClrLst meth="repeat">
-      <a:schemeClr val="accent2"/>
-    </dgm:linClrLst>
-    <dgm:effectClrLst/>
-    <dgm:txLinClrLst/>
-    <dgm:txFillClrLst meth="repeat">
-      <a:schemeClr val="dk1"/>
-    </dgm:txFillClrLst>
-    <dgm:txEffectClrLst/>
-  </dgm:styleLbl>
   <dgm:styleLbl name="bgAcc1">
     <dgm:fillClrLst meth="repeat">
       <a:schemeClr val="lt1">
         <a:alpha val="90000"/>
       </a:schemeClr>
     </dgm:fillClrLst>
-    <dgm:linClrLst>
-      <a:schemeClr val="accent2"/>
+    <dgm:linClrLst meth="repeat">
       <a:schemeClr val="accent3"/>
     </dgm:linClrLst>
     <dgm:effectClrLst/>
@@ -636,8 +630,7 @@
     <dgm:fillClrLst meth="repeat">
       <a:schemeClr val="lt1"/>
     </dgm:fillClrLst>
-    <dgm:linClrLst>
-      <a:schemeClr val="accent2"/>
+    <dgm:linClrLst meth="repeat">
       <a:schemeClr val="accent3"/>
     </dgm:linClrLst>
     <dgm:effectClrLst/>
@@ -651,8 +644,7 @@
     <dgm:fillClrLst meth="repeat">
       <a:schemeClr val="lt1"/>
     </dgm:fillClrLst>
-    <dgm:linClrLst>
-      <a:schemeClr val="accent2"/>
+    <dgm:linClrLst meth="repeat">
       <a:schemeClr val="accent3"/>
     </dgm:linClrLst>
     <dgm:effectClrLst/>
@@ -666,8 +658,7 @@
     <dgm:fillClrLst meth="repeat">
       <a:schemeClr val="lt1"/>
     </dgm:fillClrLst>
-    <dgm:linClrLst>
-      <a:schemeClr val="accent2"/>
+    <dgm:linClrLst meth="repeat">
       <a:schemeClr val="accent3"/>
     </dgm:linClrLst>
     <dgm:effectClrLst/>
@@ -678,24 +669,16 @@
     <dgm:txEffectClrLst/>
   </dgm:styleLbl>
   <dgm:styleLbl name="fgAccFollowNode1">
-    <dgm:fillClrLst>
-      <a:schemeClr val="accent2">
+    <dgm:fillClrLst meth="repeat">
+      <a:schemeClr val="accent3">
+        <a:alpha val="90000"/>
         <a:tint val="40000"/>
-        <a:alpha val="90000"/>
-      </a:schemeClr>
-      <a:schemeClr val="accent3">
-        <a:tint val="40000"/>
-        <a:alpha val="90000"/>
       </a:schemeClr>
     </dgm:fillClrLst>
-    <dgm:linClrLst>
-      <a:schemeClr val="accent2">
+    <dgm:linClrLst meth="repeat">
+      <a:schemeClr val="accent3">
+        <a:alpha val="90000"/>
         <a:tint val="40000"/>
-        <a:alpha val="90000"/>
-      </a:schemeClr>
-      <a:schemeClr val="accent3">
-        <a:tint val="40000"/>
-        <a:alpha val="90000"/>
       </a:schemeClr>
     </dgm:linClrLst>
     <dgm:effectClrLst/>
@@ -706,24 +689,16 @@
     <dgm:txEffectClrLst/>
   </dgm:styleLbl>
   <dgm:styleLbl name="alignAccFollowNode1">
-    <dgm:fillClrLst>
-      <a:schemeClr val="accent2">
+    <dgm:fillClrLst meth="repeat">
+      <a:schemeClr val="accent3">
+        <a:alpha val="90000"/>
         <a:tint val="40000"/>
-        <a:alpha val="90000"/>
-      </a:schemeClr>
-      <a:schemeClr val="accent3">
-        <a:tint val="40000"/>
-        <a:alpha val="90000"/>
       </a:schemeClr>
     </dgm:fillClrLst>
-    <dgm:linClrLst>
-      <a:schemeClr val="accent2">
+    <dgm:linClrLst meth="repeat">
+      <a:schemeClr val="accent3">
+        <a:alpha val="90000"/>
         <a:tint val="40000"/>
-        <a:alpha val="90000"/>
-      </a:schemeClr>
-      <a:schemeClr val="accent3">
-        <a:tint val="40000"/>
-        <a:alpha val="90000"/>
       </a:schemeClr>
     </dgm:linClrLst>
     <dgm:effectClrLst/>
@@ -734,24 +709,16 @@
     <dgm:txEffectClrLst/>
   </dgm:styleLbl>
   <dgm:styleLbl name="bgAccFollowNode1">
-    <dgm:fillClrLst>
-      <a:schemeClr val="accent2">
+    <dgm:fillClrLst meth="repeat">
+      <a:schemeClr val="accent3">
+        <a:alpha val="90000"/>
         <a:tint val="40000"/>
-        <a:alpha val="90000"/>
-      </a:schemeClr>
-      <a:schemeClr val="accent3">
-        <a:tint val="40000"/>
-        <a:alpha val="90000"/>
       </a:schemeClr>
     </dgm:fillClrLst>
-    <dgm:linClrLst>
-      <a:schemeClr val="accent2">
+    <dgm:linClrLst meth="repeat">
+      <a:schemeClr val="accent3">
+        <a:alpha val="90000"/>
         <a:tint val="40000"/>
-        <a:alpha val="90000"/>
-      </a:schemeClr>
-      <a:schemeClr val="accent3">
-        <a:tint val="40000"/>
-        <a:alpha val="90000"/>
       </a:schemeClr>
     </dgm:linClrLst>
     <dgm:effectClrLst/>
@@ -767,23 +734,7 @@
         <a:alpha val="90000"/>
       </a:schemeClr>
     </dgm:fillClrLst>
-    <dgm:linClrLst>
-      <a:schemeClr val="accent1"/>
-    </dgm:linClrLst>
-    <dgm:effectClrLst/>
-    <dgm:txLinClrLst/>
-    <dgm:txFillClrLst meth="repeat">
-      <a:schemeClr val="dk1"/>
-    </dgm:txFillClrLst>
-    <dgm:txEffectClrLst/>
-  </dgm:styleLbl>
-  <dgm:styleLbl name="fgAcc2">
-    <dgm:fillClrLst meth="repeat">
-      <a:schemeClr val="lt1">
-        <a:alpha val="90000"/>
-      </a:schemeClr>
-    </dgm:fillClrLst>
-    <dgm:linClrLst>
+    <dgm:linClrLst meth="repeat">
       <a:schemeClr val="accent3"/>
     </dgm:linClrLst>
     <dgm:effectClrLst/>
@@ -793,14 +744,14 @@
     </dgm:txFillClrLst>
     <dgm:txEffectClrLst/>
   </dgm:styleLbl>
-  <dgm:styleLbl name="fgAcc3">
+  <dgm:styleLbl name="fgAcc2">
     <dgm:fillClrLst meth="repeat">
       <a:schemeClr val="lt1">
         <a:alpha val="90000"/>
       </a:schemeClr>
     </dgm:fillClrLst>
-    <dgm:linClrLst>
-      <a:schemeClr val="accent4"/>
+    <dgm:linClrLst meth="repeat">
+      <a:schemeClr val="accent3"/>
     </dgm:linClrLst>
     <dgm:effectClrLst/>
     <dgm:txLinClrLst/>
@@ -809,14 +760,14 @@
     </dgm:txFillClrLst>
     <dgm:txEffectClrLst/>
   </dgm:styleLbl>
-  <dgm:styleLbl name="fgAcc4">
+  <dgm:styleLbl name="fgAcc3">
     <dgm:fillClrLst meth="repeat">
       <a:schemeClr val="lt1">
         <a:alpha val="90000"/>
       </a:schemeClr>
     </dgm:fillClrLst>
-    <dgm:linClrLst>
-      <a:schemeClr val="accent5"/>
+    <dgm:linClrLst meth="repeat">
+      <a:schemeClr val="accent3"/>
     </dgm:linClrLst>
     <dgm:effectClrLst/>
     <dgm:txLinClrLst/>
@@ -825,14 +776,14 @@
     </dgm:txFillClrLst>
     <dgm:txEffectClrLst/>
   </dgm:styleLbl>
-  <dgm:styleLbl name="bgShp">
+  <dgm:styleLbl name="fgAcc4">
     <dgm:fillClrLst meth="repeat">
-      <a:schemeClr val="accent2">
-        <a:tint val="40000"/>
+      <a:schemeClr val="lt1">
+        <a:alpha val="90000"/>
       </a:schemeClr>
     </dgm:fillClrLst>
     <dgm:linClrLst meth="repeat">
-      <a:schemeClr val="dk1"/>
+      <a:schemeClr val="accent3"/>
     </dgm:linClrLst>
     <dgm:effectClrLst/>
     <dgm:txLinClrLst/>
@@ -841,14 +792,30 @@
     </dgm:txFillClrLst>
     <dgm:txEffectClrLst/>
   </dgm:styleLbl>
-  <dgm:styleLbl name="dkBgShp">
+  <dgm:styleLbl name="bgShp">
     <dgm:fillClrLst meth="repeat">
-      <a:schemeClr val="accent2">
-        <a:shade val="90000"/>
+      <a:schemeClr val="accent3">
+        <a:tint val="40000"/>
       </a:schemeClr>
     </dgm:fillClrLst>
     <dgm:linClrLst meth="repeat">
+      <a:schemeClr val="accent3"/>
+    </dgm:linClrLst>
+    <dgm:effectClrLst/>
+    <dgm:txLinClrLst/>
+    <dgm:txFillClrLst meth="repeat">
       <a:schemeClr val="dk1"/>
+    </dgm:txFillClrLst>
+    <dgm:txEffectClrLst/>
+  </dgm:styleLbl>
+  <dgm:styleLbl name="dkBgShp">
+    <dgm:fillClrLst meth="repeat">
+      <a:schemeClr val="accent3">
+        <a:shade val="80000"/>
+      </a:schemeClr>
+    </dgm:fillClrLst>
+    <dgm:linClrLst meth="repeat">
+      <a:schemeClr val="accent3"/>
     </dgm:linClrLst>
     <dgm:effectClrLst/>
     <dgm:txLinClrLst/>
@@ -859,13 +826,13 @@
   </dgm:styleLbl>
   <dgm:styleLbl name="trBgShp">
     <dgm:fillClrLst meth="repeat">
-      <a:schemeClr val="accent2">
+      <a:schemeClr val="accent3">
         <a:tint val="50000"/>
         <a:alpha val="40000"/>
       </a:schemeClr>
     </dgm:fillClrLst>
     <dgm:linClrLst meth="repeat">
-      <a:schemeClr val="accent2"/>
+      <a:schemeClr val="accent3"/>
     </dgm:linClrLst>
     <dgm:effectClrLst/>
     <dgm:txLinClrLst/>
@@ -876,8 +843,8 @@
   </dgm:styleLbl>
   <dgm:styleLbl name="fgShp">
     <dgm:fillClrLst meth="repeat">
-      <a:schemeClr val="accent2">
-        <a:tint val="40000"/>
+      <a:schemeClr val="accent3">
+        <a:tint val="60000"/>
       </a:schemeClr>
     </dgm:fillClrLst>
     <dgm:linClrLst meth="repeat">
@@ -1834,7 +1801,7 @@
 <dgm:dataModel xmlns:dgm="http://schemas.openxmlformats.org/drawingml/2006/diagram" xmlns:a="http://schemas.openxmlformats.org/drawingml/2006/main">
   <dgm:ptLst>
     <dgm:pt modelId="{90353D51-269B-4046-B218-65A04F1A29CC}" type="doc">
-      <dgm:prSet loTypeId="urn:microsoft.com/office/officeart/2008/layout/LinedList" loCatId="list" qsTypeId="urn:microsoft.com/office/officeart/2005/8/quickstyle/simple4" qsCatId="simple" csTypeId="urn:microsoft.com/office/officeart/2005/8/colors/colorful2" csCatId="colorful"/>
+      <dgm:prSet loTypeId="urn:microsoft.com/office/officeart/2008/layout/LinedList" loCatId="list" qsTypeId="urn:microsoft.com/office/officeart/2005/8/quickstyle/simple5" qsCatId="simple" csTypeId="urn:microsoft.com/office/officeart/2005/8/colors/accent3_2" csCatId="accent3"/>
       <dgm:spPr/>
       <dgm:t>
         <a:bodyPr/>
@@ -1845,14 +1812,14 @@
       </dgm:t>
     </dgm:pt>
     <dgm:pt modelId="{FC1DEAD3-D06A-468F-B1C0-5BADD38121E0}">
-      <dgm:prSet custT="1"/>
+      <dgm:prSet/>
       <dgm:spPr/>
       <dgm:t>
         <a:bodyPr/>
         <a:lstStyle/>
         <a:p>
           <a:r>
-            <a:rPr lang="en-US" sz="4000" dirty="0"/>
+            <a:rPr lang="en-US"/>
             <a:t>Banu Nathan</a:t>
           </a:r>
         </a:p>
@@ -1881,14 +1848,14 @@
       </dgm:t>
     </dgm:pt>
     <dgm:pt modelId="{E7A565D6-E860-46C9-811A-4DD7326897EB}">
-      <dgm:prSet custT="1"/>
+      <dgm:prSet/>
       <dgm:spPr/>
       <dgm:t>
         <a:bodyPr/>
         <a:lstStyle/>
         <a:p>
           <a:r>
-            <a:rPr lang="en-US" sz="4000" dirty="0"/>
+            <a:rPr lang="en-US"/>
             <a:t>Fleming Brathwaite</a:t>
           </a:r>
         </a:p>
@@ -1917,14 +1884,14 @@
       </dgm:t>
     </dgm:pt>
     <dgm:pt modelId="{0ADE9316-72F3-4409-A3E4-D16307BBF16B}">
-      <dgm:prSet custT="1"/>
+      <dgm:prSet/>
       <dgm:spPr/>
       <dgm:t>
         <a:bodyPr/>
         <a:lstStyle/>
         <a:p>
           <a:r>
-            <a:rPr lang="en-US" sz="4000" dirty="0"/>
+            <a:rPr lang="en-US"/>
             <a:t>Dan Freda</a:t>
           </a:r>
         </a:p>
@@ -1953,19 +1920,15 @@
       </dgm:t>
     </dgm:pt>
     <dgm:pt modelId="{A807CA17-8BF7-4151-A9C6-74D3A75B186C}">
-      <dgm:prSet custT="1"/>
+      <dgm:prSet/>
       <dgm:spPr/>
       <dgm:t>
         <a:bodyPr/>
         <a:lstStyle/>
         <a:p>
           <a:r>
-            <a:rPr lang="en-US" sz="4000" dirty="0" err="1"/>
-            <a:t>Shawntell</a:t>
-          </a:r>
-          <a:r>
-            <a:rPr lang="en-US" sz="4000" dirty="0"/>
-            <a:t> Manning</a:t>
+            <a:rPr lang="en-US"/>
+            <a:t>Shawntell Manning</a:t>
           </a:r>
         </a:p>
       </dgm:t>
@@ -1992,7 +1955,7 @@
         </a:p>
       </dgm:t>
     </dgm:pt>
-    <dgm:pt modelId="{1C96F310-A0DE-024A-8987-8140505EEE58}" type="pres">
+    <dgm:pt modelId="{11826ED7-C6C3-5948-ABD5-917B2EA53AD2}" type="pres">
       <dgm:prSet presAssocID="{90353D51-269B-4046-B218-65A04F1A29CC}" presName="vert0" presStyleCnt="0">
         <dgm:presLayoutVars>
           <dgm:dir/>
@@ -2002,97 +1965,97 @@
       </dgm:prSet>
       <dgm:spPr/>
     </dgm:pt>
-    <dgm:pt modelId="{DAD7079B-85E8-4D4D-BF98-CC10A2E107C2}" type="pres">
+    <dgm:pt modelId="{9588CD5B-B570-B048-90C2-E68EDE9EE1D9}" type="pres">
       <dgm:prSet presAssocID="{FC1DEAD3-D06A-468F-B1C0-5BADD38121E0}" presName="thickLine" presStyleLbl="alignNode1" presStyleIdx="0" presStyleCnt="4"/>
       <dgm:spPr/>
     </dgm:pt>
-    <dgm:pt modelId="{7E0661D5-AE93-D74F-93DF-8C369591F1DC}" type="pres">
+    <dgm:pt modelId="{EDAC00A4-A1A5-224D-BD36-99D2D77FEE4F}" type="pres">
       <dgm:prSet presAssocID="{FC1DEAD3-D06A-468F-B1C0-5BADD38121E0}" presName="horz1" presStyleCnt="0"/>
       <dgm:spPr/>
     </dgm:pt>
-    <dgm:pt modelId="{E8D9E4B2-821A-804A-9878-EDD855562722}" type="pres">
+    <dgm:pt modelId="{56F4001B-1A9F-1A41-94F5-28398702212B}" type="pres">
       <dgm:prSet presAssocID="{FC1DEAD3-D06A-468F-B1C0-5BADD38121E0}" presName="tx1" presStyleLbl="revTx" presStyleIdx="0" presStyleCnt="4"/>
       <dgm:spPr/>
     </dgm:pt>
-    <dgm:pt modelId="{9F48013E-F247-FB4A-8C4E-964197741E6A}" type="pres">
+    <dgm:pt modelId="{2513A0DD-71F3-F048-BD90-B6D3EFC32062}" type="pres">
       <dgm:prSet presAssocID="{FC1DEAD3-D06A-468F-B1C0-5BADD38121E0}" presName="vert1" presStyleCnt="0"/>
       <dgm:spPr/>
     </dgm:pt>
-    <dgm:pt modelId="{99D44552-D4D8-9C4B-BB7D-9B2160468F76}" type="pres">
+    <dgm:pt modelId="{6674F2B7-1489-AB4A-9F66-4FDD66808B2C}" type="pres">
       <dgm:prSet presAssocID="{E7A565D6-E860-46C9-811A-4DD7326897EB}" presName="thickLine" presStyleLbl="alignNode1" presStyleIdx="1" presStyleCnt="4"/>
       <dgm:spPr/>
     </dgm:pt>
-    <dgm:pt modelId="{9ABF7CDC-E117-844D-BF48-92ACA0287666}" type="pres">
+    <dgm:pt modelId="{EB5799DA-B000-6543-B224-F26529886AD6}" type="pres">
       <dgm:prSet presAssocID="{E7A565D6-E860-46C9-811A-4DD7326897EB}" presName="horz1" presStyleCnt="0"/>
       <dgm:spPr/>
     </dgm:pt>
-    <dgm:pt modelId="{9BC1C8BD-B372-B447-9159-CB3E5DC6DA66}" type="pres">
+    <dgm:pt modelId="{4A81B868-3480-B44B-B662-16FEF3F4A7CE}" type="pres">
       <dgm:prSet presAssocID="{E7A565D6-E860-46C9-811A-4DD7326897EB}" presName="tx1" presStyleLbl="revTx" presStyleIdx="1" presStyleCnt="4"/>
       <dgm:spPr/>
     </dgm:pt>
-    <dgm:pt modelId="{1756A9DD-47D5-8D43-A90E-8F755ABAF3DD}" type="pres">
+    <dgm:pt modelId="{B5ADB4EB-5DE3-934C-82A6-43CDC90F0817}" type="pres">
       <dgm:prSet presAssocID="{E7A565D6-E860-46C9-811A-4DD7326897EB}" presName="vert1" presStyleCnt="0"/>
       <dgm:spPr/>
     </dgm:pt>
-    <dgm:pt modelId="{9F9711B2-9951-0143-A929-FA5B443CBD87}" type="pres">
+    <dgm:pt modelId="{C0B5CBC2-10B9-F047-A37A-9181E3FB938B}" type="pres">
       <dgm:prSet presAssocID="{0ADE9316-72F3-4409-A3E4-D16307BBF16B}" presName="thickLine" presStyleLbl="alignNode1" presStyleIdx="2" presStyleCnt="4"/>
       <dgm:spPr/>
     </dgm:pt>
-    <dgm:pt modelId="{FA549FF0-1CA0-D343-B24C-D8985FCCB0BA}" type="pres">
+    <dgm:pt modelId="{7D2E2700-1403-A74A-B301-4E4964B75245}" type="pres">
       <dgm:prSet presAssocID="{0ADE9316-72F3-4409-A3E4-D16307BBF16B}" presName="horz1" presStyleCnt="0"/>
       <dgm:spPr/>
     </dgm:pt>
-    <dgm:pt modelId="{EDAAF0B9-1147-3544-ABB0-1C0655C2FD17}" type="pres">
+    <dgm:pt modelId="{68FA1912-6DD6-794E-817F-0ECD61699290}" type="pres">
       <dgm:prSet presAssocID="{0ADE9316-72F3-4409-A3E4-D16307BBF16B}" presName="tx1" presStyleLbl="revTx" presStyleIdx="2" presStyleCnt="4"/>
       <dgm:spPr/>
     </dgm:pt>
-    <dgm:pt modelId="{9919375F-4DB0-1446-9118-59C448A169F2}" type="pres">
+    <dgm:pt modelId="{68671B51-F6B5-E048-8588-DAC6132F6B1B}" type="pres">
       <dgm:prSet presAssocID="{0ADE9316-72F3-4409-A3E4-D16307BBF16B}" presName="vert1" presStyleCnt="0"/>
       <dgm:spPr/>
     </dgm:pt>
-    <dgm:pt modelId="{A46A1860-56D1-CE45-89AC-8A2B85B1AC12}" type="pres">
+    <dgm:pt modelId="{5C65FEA7-F8AE-4E49-B2BE-30A72999071C}" type="pres">
       <dgm:prSet presAssocID="{A807CA17-8BF7-4151-A9C6-74D3A75B186C}" presName="thickLine" presStyleLbl="alignNode1" presStyleIdx="3" presStyleCnt="4"/>
       <dgm:spPr/>
     </dgm:pt>
-    <dgm:pt modelId="{51483CE4-FA8E-FF49-8B72-F71FB9C8FA3B}" type="pres">
+    <dgm:pt modelId="{A033E0EB-6E48-8542-9314-1BDD0274FD50}" type="pres">
       <dgm:prSet presAssocID="{A807CA17-8BF7-4151-A9C6-74D3A75B186C}" presName="horz1" presStyleCnt="0"/>
       <dgm:spPr/>
     </dgm:pt>
-    <dgm:pt modelId="{3CFB59B0-0B30-734E-A422-5099E3105D5B}" type="pres">
+    <dgm:pt modelId="{21D95510-B775-7241-A530-BD935F834D03}" type="pres">
       <dgm:prSet presAssocID="{A807CA17-8BF7-4151-A9C6-74D3A75B186C}" presName="tx1" presStyleLbl="revTx" presStyleIdx="3" presStyleCnt="4"/>
       <dgm:spPr/>
     </dgm:pt>
-    <dgm:pt modelId="{EF85C967-C922-9F4A-906E-003705119868}" type="pres">
+    <dgm:pt modelId="{51763DA5-9FCC-AB40-AEEC-43028D2A9813}" type="pres">
       <dgm:prSet presAssocID="{A807CA17-8BF7-4151-A9C6-74D3A75B186C}" presName="vert1" presStyleCnt="0"/>
       <dgm:spPr/>
     </dgm:pt>
   </dgm:ptLst>
   <dgm:cxnLst>
     <dgm:cxn modelId="{9415B425-61EC-4DEA-916F-B94432AE0FE0}" srcId="{90353D51-269B-4046-B218-65A04F1A29CC}" destId="{E7A565D6-E860-46C9-811A-4DD7326897EB}" srcOrd="1" destOrd="0" parTransId="{D6167537-F870-47A0-9956-2F2CC5577B54}" sibTransId="{9EDD6725-8D94-43B7-8CDE-C18F78E42FFC}"/>
-    <dgm:cxn modelId="{406C4530-4824-6942-8821-9BBD5AF03D01}" type="presOf" srcId="{A807CA17-8BF7-4151-A9C6-74D3A75B186C}" destId="{3CFB59B0-0B30-734E-A422-5099E3105D5B}" srcOrd="0" destOrd="0" presId="urn:microsoft.com/office/officeart/2008/layout/LinedList"/>
+    <dgm:cxn modelId="{D40B582F-0206-AC40-B484-911549F2BDF6}" type="presOf" srcId="{E7A565D6-E860-46C9-811A-4DD7326897EB}" destId="{4A81B868-3480-B44B-B662-16FEF3F4A7CE}" srcOrd="0" destOrd="0" presId="urn:microsoft.com/office/officeart/2008/layout/LinedList"/>
     <dgm:cxn modelId="{93058E3A-47C1-4369-B5B0-3F58BE97CD39}" srcId="{90353D51-269B-4046-B218-65A04F1A29CC}" destId="{0ADE9316-72F3-4409-A3E4-D16307BBF16B}" srcOrd="2" destOrd="0" parTransId="{B5D3CB79-7E52-4AC3-8021-02BC1AC26CCE}" sibTransId="{20CB2FA1-50A3-46D2-852A-502F6CC08D05}"/>
-    <dgm:cxn modelId="{A414AF5F-FB7D-254C-9998-DA13B9853D27}" type="presOf" srcId="{FC1DEAD3-D06A-468F-B1C0-5BADD38121E0}" destId="{E8D9E4B2-821A-804A-9878-EDD855562722}" srcOrd="0" destOrd="0" presId="urn:microsoft.com/office/officeart/2008/layout/LinedList"/>
+    <dgm:cxn modelId="{8E266450-C36C-C14B-AE29-D7594E9318B0}" type="presOf" srcId="{0ADE9316-72F3-4409-A3E4-D16307BBF16B}" destId="{68FA1912-6DD6-794E-817F-0ECD61699290}" srcOrd="0" destOrd="0" presId="urn:microsoft.com/office/officeart/2008/layout/LinedList"/>
+    <dgm:cxn modelId="{A6851B62-D6D1-BD4A-9A78-D8DE510F4FB7}" type="presOf" srcId="{FC1DEAD3-D06A-468F-B1C0-5BADD38121E0}" destId="{56F4001B-1A9F-1A41-94F5-28398702212B}" srcOrd="0" destOrd="0" presId="urn:microsoft.com/office/officeart/2008/layout/LinedList"/>
     <dgm:cxn modelId="{A0CCAC6D-B05F-4A11-905E-C818BE348C08}" srcId="{90353D51-269B-4046-B218-65A04F1A29CC}" destId="{FC1DEAD3-D06A-468F-B1C0-5BADD38121E0}" srcOrd="0" destOrd="0" parTransId="{D5C9A912-7D22-414A-A783-2933BE0838F9}" sibTransId="{5439C9C7-E11A-4FD6-A084-21D15C6E0BC4}"/>
     <dgm:cxn modelId="{CA167373-E36A-49D0-9C0C-DD886EB08C1A}" srcId="{90353D51-269B-4046-B218-65A04F1A29CC}" destId="{A807CA17-8BF7-4151-A9C6-74D3A75B186C}" srcOrd="3" destOrd="0" parTransId="{1CA6F56D-A5F9-4AB5-BC4E-8D6E04BCE1B1}" sibTransId="{0B3B5B62-35D9-4CAD-9CC3-FE49994A71C4}"/>
-    <dgm:cxn modelId="{1602A07F-A92C-F649-B2BF-4E6E5677CA0F}" type="presOf" srcId="{0ADE9316-72F3-4409-A3E4-D16307BBF16B}" destId="{EDAAF0B9-1147-3544-ABB0-1C0655C2FD17}" srcOrd="0" destOrd="0" presId="urn:microsoft.com/office/officeart/2008/layout/LinedList"/>
-    <dgm:cxn modelId="{2B733E81-FF97-1240-B6E1-C4CCAD05732D}" type="presOf" srcId="{90353D51-269B-4046-B218-65A04F1A29CC}" destId="{1C96F310-A0DE-024A-8987-8140505EEE58}" srcOrd="0" destOrd="0" presId="urn:microsoft.com/office/officeart/2008/layout/LinedList"/>
-    <dgm:cxn modelId="{85335DB3-624A-EE48-A688-6220DEBD5F8B}" type="presOf" srcId="{E7A565D6-E860-46C9-811A-4DD7326897EB}" destId="{9BC1C8BD-B372-B447-9159-CB3E5DC6DA66}" srcOrd="0" destOrd="0" presId="urn:microsoft.com/office/officeart/2008/layout/LinedList"/>
-    <dgm:cxn modelId="{1881988C-CF18-1544-B0DD-071FE178483B}" type="presParOf" srcId="{1C96F310-A0DE-024A-8987-8140505EEE58}" destId="{DAD7079B-85E8-4D4D-BF98-CC10A2E107C2}" srcOrd="0" destOrd="0" presId="urn:microsoft.com/office/officeart/2008/layout/LinedList"/>
-    <dgm:cxn modelId="{057F6936-C947-334E-A4AC-08E38F3F5A6E}" type="presParOf" srcId="{1C96F310-A0DE-024A-8987-8140505EEE58}" destId="{7E0661D5-AE93-D74F-93DF-8C369591F1DC}" srcOrd="1" destOrd="0" presId="urn:microsoft.com/office/officeart/2008/layout/LinedList"/>
-    <dgm:cxn modelId="{5CD6917C-7A94-7E46-B465-3FA5254CF13C}" type="presParOf" srcId="{7E0661D5-AE93-D74F-93DF-8C369591F1DC}" destId="{E8D9E4B2-821A-804A-9878-EDD855562722}" srcOrd="0" destOrd="0" presId="urn:microsoft.com/office/officeart/2008/layout/LinedList"/>
-    <dgm:cxn modelId="{D0C4F878-09BA-3448-B43E-EF88D07527B8}" type="presParOf" srcId="{7E0661D5-AE93-D74F-93DF-8C369591F1DC}" destId="{9F48013E-F247-FB4A-8C4E-964197741E6A}" srcOrd="1" destOrd="0" presId="urn:microsoft.com/office/officeart/2008/layout/LinedList"/>
-    <dgm:cxn modelId="{D8552C1F-0761-7B47-88D6-B0FCABCF083B}" type="presParOf" srcId="{1C96F310-A0DE-024A-8987-8140505EEE58}" destId="{99D44552-D4D8-9C4B-BB7D-9B2160468F76}" srcOrd="2" destOrd="0" presId="urn:microsoft.com/office/officeart/2008/layout/LinedList"/>
-    <dgm:cxn modelId="{DB5078E8-2277-274D-9B1E-BFB97C151281}" type="presParOf" srcId="{1C96F310-A0DE-024A-8987-8140505EEE58}" destId="{9ABF7CDC-E117-844D-BF48-92ACA0287666}" srcOrd="3" destOrd="0" presId="urn:microsoft.com/office/officeart/2008/layout/LinedList"/>
-    <dgm:cxn modelId="{C3BF94D6-95A6-224D-A6C2-8E9A3B694C94}" type="presParOf" srcId="{9ABF7CDC-E117-844D-BF48-92ACA0287666}" destId="{9BC1C8BD-B372-B447-9159-CB3E5DC6DA66}" srcOrd="0" destOrd="0" presId="urn:microsoft.com/office/officeart/2008/layout/LinedList"/>
-    <dgm:cxn modelId="{BF37732C-4BA2-C24F-A60D-9872FE6C92B1}" type="presParOf" srcId="{9ABF7CDC-E117-844D-BF48-92ACA0287666}" destId="{1756A9DD-47D5-8D43-A90E-8F755ABAF3DD}" srcOrd="1" destOrd="0" presId="urn:microsoft.com/office/officeart/2008/layout/LinedList"/>
-    <dgm:cxn modelId="{6076EA5C-9C92-8241-85E9-FB05957312CF}" type="presParOf" srcId="{1C96F310-A0DE-024A-8987-8140505EEE58}" destId="{9F9711B2-9951-0143-A929-FA5B443CBD87}" srcOrd="4" destOrd="0" presId="urn:microsoft.com/office/officeart/2008/layout/LinedList"/>
-    <dgm:cxn modelId="{4AF96FAD-8779-3344-B6CD-1C4EFE10F47E}" type="presParOf" srcId="{1C96F310-A0DE-024A-8987-8140505EEE58}" destId="{FA549FF0-1CA0-D343-B24C-D8985FCCB0BA}" srcOrd="5" destOrd="0" presId="urn:microsoft.com/office/officeart/2008/layout/LinedList"/>
-    <dgm:cxn modelId="{7444F1D4-8515-4B41-A7D9-B4114D44293E}" type="presParOf" srcId="{FA549FF0-1CA0-D343-B24C-D8985FCCB0BA}" destId="{EDAAF0B9-1147-3544-ABB0-1C0655C2FD17}" srcOrd="0" destOrd="0" presId="urn:microsoft.com/office/officeart/2008/layout/LinedList"/>
-    <dgm:cxn modelId="{AF719045-CA67-804B-9928-AE10F4EE13DC}" type="presParOf" srcId="{FA549FF0-1CA0-D343-B24C-D8985FCCB0BA}" destId="{9919375F-4DB0-1446-9118-59C448A169F2}" srcOrd="1" destOrd="0" presId="urn:microsoft.com/office/officeart/2008/layout/LinedList"/>
-    <dgm:cxn modelId="{11BF9441-2220-F643-9B00-070D02CB088F}" type="presParOf" srcId="{1C96F310-A0DE-024A-8987-8140505EEE58}" destId="{A46A1860-56D1-CE45-89AC-8A2B85B1AC12}" srcOrd="6" destOrd="0" presId="urn:microsoft.com/office/officeart/2008/layout/LinedList"/>
-    <dgm:cxn modelId="{1303F4C2-DE8F-DF45-A25C-80B9E6DEC0D2}" type="presParOf" srcId="{1C96F310-A0DE-024A-8987-8140505EEE58}" destId="{51483CE4-FA8E-FF49-8B72-F71FB9C8FA3B}" srcOrd="7" destOrd="0" presId="urn:microsoft.com/office/officeart/2008/layout/LinedList"/>
-    <dgm:cxn modelId="{29BF11C5-5F74-0A40-B7CE-6A4000BE6782}" type="presParOf" srcId="{51483CE4-FA8E-FF49-8B72-F71FB9C8FA3B}" destId="{3CFB59B0-0B30-734E-A422-5099E3105D5B}" srcOrd="0" destOrd="0" presId="urn:microsoft.com/office/officeart/2008/layout/LinedList"/>
-    <dgm:cxn modelId="{D0C73A4F-B2D3-E448-8100-256D2A25DDF6}" type="presParOf" srcId="{51483CE4-FA8E-FF49-8B72-F71FB9C8FA3B}" destId="{EF85C967-C922-9F4A-906E-003705119868}" srcOrd="1" destOrd="0" presId="urn:microsoft.com/office/officeart/2008/layout/LinedList"/>
+    <dgm:cxn modelId="{B5341C8C-8DF1-254D-B219-5BF6851D5EED}" type="presOf" srcId="{90353D51-269B-4046-B218-65A04F1A29CC}" destId="{11826ED7-C6C3-5948-ABD5-917B2EA53AD2}" srcOrd="0" destOrd="0" presId="urn:microsoft.com/office/officeart/2008/layout/LinedList"/>
+    <dgm:cxn modelId="{73257FBC-606D-6E45-BA45-3E07E7D887FE}" type="presOf" srcId="{A807CA17-8BF7-4151-A9C6-74D3A75B186C}" destId="{21D95510-B775-7241-A530-BD935F834D03}" srcOrd="0" destOrd="0" presId="urn:microsoft.com/office/officeart/2008/layout/LinedList"/>
+    <dgm:cxn modelId="{3E2F9BF0-E340-EB49-B2F5-8F89FBE65A38}" type="presParOf" srcId="{11826ED7-C6C3-5948-ABD5-917B2EA53AD2}" destId="{9588CD5B-B570-B048-90C2-E68EDE9EE1D9}" srcOrd="0" destOrd="0" presId="urn:microsoft.com/office/officeart/2008/layout/LinedList"/>
+    <dgm:cxn modelId="{1A599D92-75B6-E440-84CD-CFD348390AA1}" type="presParOf" srcId="{11826ED7-C6C3-5948-ABD5-917B2EA53AD2}" destId="{EDAC00A4-A1A5-224D-BD36-99D2D77FEE4F}" srcOrd="1" destOrd="0" presId="urn:microsoft.com/office/officeart/2008/layout/LinedList"/>
+    <dgm:cxn modelId="{F65F4C1A-8205-0D43-9478-758F02B8C845}" type="presParOf" srcId="{EDAC00A4-A1A5-224D-BD36-99D2D77FEE4F}" destId="{56F4001B-1A9F-1A41-94F5-28398702212B}" srcOrd="0" destOrd="0" presId="urn:microsoft.com/office/officeart/2008/layout/LinedList"/>
+    <dgm:cxn modelId="{40730A35-2A5C-2749-A2EB-BF23E11A70A0}" type="presParOf" srcId="{EDAC00A4-A1A5-224D-BD36-99D2D77FEE4F}" destId="{2513A0DD-71F3-F048-BD90-B6D3EFC32062}" srcOrd="1" destOrd="0" presId="urn:microsoft.com/office/officeart/2008/layout/LinedList"/>
+    <dgm:cxn modelId="{E4B66D65-A054-694C-A666-2FE2711B3F67}" type="presParOf" srcId="{11826ED7-C6C3-5948-ABD5-917B2EA53AD2}" destId="{6674F2B7-1489-AB4A-9F66-4FDD66808B2C}" srcOrd="2" destOrd="0" presId="urn:microsoft.com/office/officeart/2008/layout/LinedList"/>
+    <dgm:cxn modelId="{D57ED39B-B5DA-DF4F-8939-F57BC68CBF34}" type="presParOf" srcId="{11826ED7-C6C3-5948-ABD5-917B2EA53AD2}" destId="{EB5799DA-B000-6543-B224-F26529886AD6}" srcOrd="3" destOrd="0" presId="urn:microsoft.com/office/officeart/2008/layout/LinedList"/>
+    <dgm:cxn modelId="{C49A51F1-2F0E-2544-8F9F-447A5F8D92C9}" type="presParOf" srcId="{EB5799DA-B000-6543-B224-F26529886AD6}" destId="{4A81B868-3480-B44B-B662-16FEF3F4A7CE}" srcOrd="0" destOrd="0" presId="urn:microsoft.com/office/officeart/2008/layout/LinedList"/>
+    <dgm:cxn modelId="{5543F0F4-46C5-DE42-B899-4A66D857FBDC}" type="presParOf" srcId="{EB5799DA-B000-6543-B224-F26529886AD6}" destId="{B5ADB4EB-5DE3-934C-82A6-43CDC90F0817}" srcOrd="1" destOrd="0" presId="urn:microsoft.com/office/officeart/2008/layout/LinedList"/>
+    <dgm:cxn modelId="{1AE8BDB9-A6C0-914C-B536-221167EEBF84}" type="presParOf" srcId="{11826ED7-C6C3-5948-ABD5-917B2EA53AD2}" destId="{C0B5CBC2-10B9-F047-A37A-9181E3FB938B}" srcOrd="4" destOrd="0" presId="urn:microsoft.com/office/officeart/2008/layout/LinedList"/>
+    <dgm:cxn modelId="{77E55BDC-7046-F047-9A52-13F726CA3810}" type="presParOf" srcId="{11826ED7-C6C3-5948-ABD5-917B2EA53AD2}" destId="{7D2E2700-1403-A74A-B301-4E4964B75245}" srcOrd="5" destOrd="0" presId="urn:microsoft.com/office/officeart/2008/layout/LinedList"/>
+    <dgm:cxn modelId="{733F66D7-8006-9F43-9D27-FD2002F45082}" type="presParOf" srcId="{7D2E2700-1403-A74A-B301-4E4964B75245}" destId="{68FA1912-6DD6-794E-817F-0ECD61699290}" srcOrd="0" destOrd="0" presId="urn:microsoft.com/office/officeart/2008/layout/LinedList"/>
+    <dgm:cxn modelId="{FBE8F8AC-C52A-C94E-BF40-AC2F55D6E055}" type="presParOf" srcId="{7D2E2700-1403-A74A-B301-4E4964B75245}" destId="{68671B51-F6B5-E048-8588-DAC6132F6B1B}" srcOrd="1" destOrd="0" presId="urn:microsoft.com/office/officeart/2008/layout/LinedList"/>
+    <dgm:cxn modelId="{6B62ED76-8CC0-3149-BC11-C80E539120E2}" type="presParOf" srcId="{11826ED7-C6C3-5948-ABD5-917B2EA53AD2}" destId="{5C65FEA7-F8AE-4E49-B2BE-30A72999071C}" srcOrd="6" destOrd="0" presId="urn:microsoft.com/office/officeart/2008/layout/LinedList"/>
+    <dgm:cxn modelId="{8E34B0CE-91FB-5D4A-A6C7-AF213C354DC6}" type="presParOf" srcId="{11826ED7-C6C3-5948-ABD5-917B2EA53AD2}" destId="{A033E0EB-6E48-8542-9314-1BDD0274FD50}" srcOrd="7" destOrd="0" presId="urn:microsoft.com/office/officeart/2008/layout/LinedList"/>
+    <dgm:cxn modelId="{2C59E0BC-89DE-004A-A657-A09E6EEC0567}" type="presParOf" srcId="{A033E0EB-6E48-8542-9314-1BDD0274FD50}" destId="{21D95510-B775-7241-A530-BD935F834D03}" srcOrd="0" destOrd="0" presId="urn:microsoft.com/office/officeart/2008/layout/LinedList"/>
+    <dgm:cxn modelId="{6A6CC3FF-B5C7-664B-A8CA-D4A3AF8C5CEA}" type="presParOf" srcId="{A033E0EB-6E48-8542-9314-1BDD0274FD50}" destId="{51763DA5-9FCC-AB40-AEEC-43028D2A9813}" srcOrd="1" destOrd="0" presId="urn:microsoft.com/office/officeart/2008/layout/LinedList"/>
   </dgm:cxnLst>
   <dgm:bg/>
   <dgm:whole/>
@@ -2712,7 +2675,7 @@
       <dsp:cNvGrpSpPr/>
     </dsp:nvGrpSpPr>
     <dsp:grpSpPr/>
-    <dsp:sp modelId="{DAD7079B-85E8-4D4D-BF98-CC10A2E107C2}">
+    <dsp:sp modelId="{9588CD5B-B570-B048-90C2-E68EDE9EE1D9}">
       <dsp:nvSpPr>
         <dsp:cNvPr id="0" name=""/>
         <dsp:cNvSpPr/>
@@ -2720,7 +2683,7 @@
       <dsp:spPr>
         <a:xfrm>
           <a:off x="0" y="0"/>
-          <a:ext cx="6403994" cy="0"/>
+          <a:ext cx="5816600" cy="0"/>
         </a:xfrm>
         <a:prstGeom prst="line">
           <a:avLst/>
@@ -2728,7 +2691,7 @@
         <a:gradFill rotWithShape="0">
           <a:gsLst>
             <a:gs pos="0">
-              <a:schemeClr val="accent2">
+              <a:schemeClr val="accent3">
                 <a:hueOff val="0"/>
                 <a:satOff val="0"/>
                 <a:lumOff val="0"/>
@@ -2739,7 +2702,7 @@
               </a:schemeClr>
             </a:gs>
             <a:gs pos="78000">
-              <a:schemeClr val="accent2">
+              <a:schemeClr val="accent3">
                 <a:hueOff val="0"/>
                 <a:satOff val="0"/>
                 <a:lumOff val="0"/>
@@ -2754,7 +2717,7 @@
         </a:gradFill>
         <a:ln w="9525" cap="flat" cmpd="sng" algn="ctr">
           <a:solidFill>
-            <a:schemeClr val="accent2">
+            <a:schemeClr val="accent3">
               <a:hueOff val="0"/>
               <a:satOff val="0"/>
               <a:lumOff val="0"/>
@@ -2763,7 +2726,13 @@
           </a:solidFill>
           <a:prstDash val="solid"/>
         </a:ln>
-        <a:effectLst/>
+        <a:effectLst>
+          <a:outerShdw blurRad="57150" dist="19050" dir="5400000" algn="ctr" rotWithShape="0">
+            <a:srgbClr val="000000">
+              <a:alpha val="48000"/>
+            </a:srgbClr>
+          </a:outerShdw>
+        </a:effectLst>
         <a:scene3d>
           <a:camera prst="orthographicFront">
             <a:rot lat="0" lon="0" rev="0"/>
@@ -2771,7 +2740,7 @@
           <a:lightRig rig="threePt" dir="t"/>
         </a:scene3d>
         <a:sp3d>
-          <a:bevelT w="25400" h="12700"/>
+          <a:bevelT w="50800" h="25400"/>
         </a:sp3d>
       </dsp:spPr>
       <dsp:style>
@@ -2781,7 +2750,7 @@
         <a:fillRef idx="3">
           <a:scrgbClr r="0" g="0" b="0"/>
         </a:fillRef>
-        <a:effectRef idx="2">
+        <a:effectRef idx="3">
           <a:scrgbClr r="0" g="0" b="0"/>
         </a:effectRef>
         <a:fontRef idx="minor">
@@ -2789,7 +2758,7 @@
         </a:fontRef>
       </dsp:style>
     </dsp:sp>
-    <dsp:sp modelId="{E8D9E4B2-821A-804A-9878-EDD855562722}">
+    <dsp:sp modelId="{56F4001B-1A9F-1A41-94F5-28398702212B}">
       <dsp:nvSpPr>
         <dsp:cNvPr id="0" name=""/>
         <dsp:cNvSpPr/>
@@ -2797,7 +2766,7 @@
       <dsp:spPr>
         <a:xfrm>
           <a:off x="0" y="0"/>
-          <a:ext cx="6403994" cy="1271852"/>
+          <a:ext cx="5816600" cy="1006031"/>
         </a:xfrm>
         <a:prstGeom prst="rect">
           <a:avLst/>
@@ -2821,12 +2790,12 @@
         <a:fontRef idx="minor"/>
       </dsp:style>
       <dsp:txBody>
-        <a:bodyPr spcFirstLastPara="0" vert="horz" wrap="square" lIns="152400" tIns="152400" rIns="152400" bIns="152400" numCol="1" spcCol="1270" anchor="t" anchorCtr="0">
+        <a:bodyPr spcFirstLastPara="0" vert="horz" wrap="square" lIns="175260" tIns="175260" rIns="175260" bIns="175260" numCol="1" spcCol="1270" anchor="t" anchorCtr="0">
           <a:noAutofit/>
         </a:bodyPr>
         <a:lstStyle/>
         <a:p>
-          <a:pPr marL="0" lvl="0" indent="0" algn="l" defTabSz="1778000">
+          <a:pPr marL="0" lvl="0" indent="0" algn="l" defTabSz="2044700">
             <a:lnSpc>
               <a:spcPct val="90000"/>
             </a:lnSpc>
@@ -2839,25 +2808,25 @@
             <a:buNone/>
           </a:pPr>
           <a:r>
-            <a:rPr lang="en-US" sz="4000" kern="1200" dirty="0"/>
+            <a:rPr lang="en-US" sz="4600" kern="1200"/>
             <a:t>Banu Nathan</a:t>
           </a:r>
         </a:p>
       </dsp:txBody>
       <dsp:txXfrm>
         <a:off x="0" y="0"/>
-        <a:ext cx="6403994" cy="1271852"/>
+        <a:ext cx="5816600" cy="1006031"/>
       </dsp:txXfrm>
     </dsp:sp>
-    <dsp:sp modelId="{99D44552-D4D8-9C4B-BB7D-9B2160468F76}">
+    <dsp:sp modelId="{6674F2B7-1489-AB4A-9F66-4FDD66808B2C}">
       <dsp:nvSpPr>
         <dsp:cNvPr id="0" name=""/>
         <dsp:cNvSpPr/>
       </dsp:nvSpPr>
       <dsp:spPr>
         <a:xfrm>
-          <a:off x="0" y="1271852"/>
-          <a:ext cx="6403994" cy="0"/>
+          <a:off x="0" y="1006031"/>
+          <a:ext cx="5816600" cy="0"/>
         </a:xfrm>
         <a:prstGeom prst="line">
           <a:avLst/>
@@ -2865,10 +2834,10 @@
         <a:gradFill rotWithShape="0">
           <a:gsLst>
             <a:gs pos="0">
-              <a:schemeClr val="accent2">
-                <a:hueOff val="383163"/>
-                <a:satOff val="-6257"/>
-                <a:lumOff val="392"/>
+              <a:schemeClr val="accent3">
+                <a:hueOff val="0"/>
+                <a:satOff val="0"/>
+                <a:lumOff val="0"/>
                 <a:alphaOff val="0"/>
                 <a:tint val="96000"/>
                 <a:satMod val="100000"/>
@@ -2876,10 +2845,10 @@
               </a:schemeClr>
             </a:gs>
             <a:gs pos="78000">
-              <a:schemeClr val="accent2">
-                <a:hueOff val="383163"/>
-                <a:satOff val="-6257"/>
-                <a:lumOff val="392"/>
+              <a:schemeClr val="accent3">
+                <a:hueOff val="0"/>
+                <a:satOff val="0"/>
+                <a:lumOff val="0"/>
                 <a:alphaOff val="0"/>
                 <a:shade val="100000"/>
                 <a:satMod val="110000"/>
@@ -2891,16 +2860,22 @@
         </a:gradFill>
         <a:ln w="9525" cap="flat" cmpd="sng" algn="ctr">
           <a:solidFill>
-            <a:schemeClr val="accent2">
-              <a:hueOff val="383163"/>
-              <a:satOff val="-6257"/>
-              <a:lumOff val="392"/>
+            <a:schemeClr val="accent3">
+              <a:hueOff val="0"/>
+              <a:satOff val="0"/>
+              <a:lumOff val="0"/>
               <a:alphaOff val="0"/>
             </a:schemeClr>
           </a:solidFill>
           <a:prstDash val="solid"/>
         </a:ln>
-        <a:effectLst/>
+        <a:effectLst>
+          <a:outerShdw blurRad="57150" dist="19050" dir="5400000" algn="ctr" rotWithShape="0">
+            <a:srgbClr val="000000">
+              <a:alpha val="48000"/>
+            </a:srgbClr>
+          </a:outerShdw>
+        </a:effectLst>
         <a:scene3d>
           <a:camera prst="orthographicFront">
             <a:rot lat="0" lon="0" rev="0"/>
@@ -2908,7 +2883,7 @@
           <a:lightRig rig="threePt" dir="t"/>
         </a:scene3d>
         <a:sp3d>
-          <a:bevelT w="25400" h="12700"/>
+          <a:bevelT w="50800" h="25400"/>
         </a:sp3d>
       </dsp:spPr>
       <dsp:style>
@@ -2918,7 +2893,7 @@
         <a:fillRef idx="3">
           <a:scrgbClr r="0" g="0" b="0"/>
         </a:fillRef>
-        <a:effectRef idx="2">
+        <a:effectRef idx="3">
           <a:scrgbClr r="0" g="0" b="0"/>
         </a:effectRef>
         <a:fontRef idx="minor">
@@ -2926,15 +2901,15 @@
         </a:fontRef>
       </dsp:style>
     </dsp:sp>
-    <dsp:sp modelId="{9BC1C8BD-B372-B447-9159-CB3E5DC6DA66}">
+    <dsp:sp modelId="{4A81B868-3480-B44B-B662-16FEF3F4A7CE}">
       <dsp:nvSpPr>
         <dsp:cNvPr id="0" name=""/>
         <dsp:cNvSpPr/>
       </dsp:nvSpPr>
       <dsp:spPr>
         <a:xfrm>
-          <a:off x="0" y="1271852"/>
-          <a:ext cx="6403994" cy="1271852"/>
+          <a:off x="0" y="1006031"/>
+          <a:ext cx="5816600" cy="1006031"/>
         </a:xfrm>
         <a:prstGeom prst="rect">
           <a:avLst/>
@@ -2958,12 +2933,12 @@
         <a:fontRef idx="minor"/>
       </dsp:style>
       <dsp:txBody>
-        <a:bodyPr spcFirstLastPara="0" vert="horz" wrap="square" lIns="152400" tIns="152400" rIns="152400" bIns="152400" numCol="1" spcCol="1270" anchor="t" anchorCtr="0">
+        <a:bodyPr spcFirstLastPara="0" vert="horz" wrap="square" lIns="175260" tIns="175260" rIns="175260" bIns="175260" numCol="1" spcCol="1270" anchor="t" anchorCtr="0">
           <a:noAutofit/>
         </a:bodyPr>
         <a:lstStyle/>
         <a:p>
-          <a:pPr marL="0" lvl="0" indent="0" algn="l" defTabSz="1778000">
+          <a:pPr marL="0" lvl="0" indent="0" algn="l" defTabSz="2044700">
             <a:lnSpc>
               <a:spcPct val="90000"/>
             </a:lnSpc>
@@ -2976,25 +2951,25 @@
             <a:buNone/>
           </a:pPr>
           <a:r>
-            <a:rPr lang="en-US" sz="4000" kern="1200" dirty="0"/>
+            <a:rPr lang="en-US" sz="4600" kern="1200"/>
             <a:t>Fleming Brathwaite</a:t>
           </a:r>
         </a:p>
       </dsp:txBody>
       <dsp:txXfrm>
-        <a:off x="0" y="1271852"/>
-        <a:ext cx="6403994" cy="1271852"/>
+        <a:off x="0" y="1006031"/>
+        <a:ext cx="5816600" cy="1006031"/>
       </dsp:txXfrm>
     </dsp:sp>
-    <dsp:sp modelId="{9F9711B2-9951-0143-A929-FA5B443CBD87}">
+    <dsp:sp modelId="{C0B5CBC2-10B9-F047-A37A-9181E3FB938B}">
       <dsp:nvSpPr>
         <dsp:cNvPr id="0" name=""/>
         <dsp:cNvSpPr/>
       </dsp:nvSpPr>
       <dsp:spPr>
         <a:xfrm>
-          <a:off x="0" y="2543704"/>
-          <a:ext cx="6403994" cy="0"/>
+          <a:off x="0" y="2012062"/>
+          <a:ext cx="5816600" cy="0"/>
         </a:xfrm>
         <a:prstGeom prst="line">
           <a:avLst/>
@@ -3002,10 +2977,10 @@
         <a:gradFill rotWithShape="0">
           <a:gsLst>
             <a:gs pos="0">
-              <a:schemeClr val="accent2">
-                <a:hueOff val="766327"/>
-                <a:satOff val="-12515"/>
-                <a:lumOff val="784"/>
+              <a:schemeClr val="accent3">
+                <a:hueOff val="0"/>
+                <a:satOff val="0"/>
+                <a:lumOff val="0"/>
                 <a:alphaOff val="0"/>
                 <a:tint val="96000"/>
                 <a:satMod val="100000"/>
@@ -3013,10 +2988,10 @@
               </a:schemeClr>
             </a:gs>
             <a:gs pos="78000">
-              <a:schemeClr val="accent2">
-                <a:hueOff val="766327"/>
-                <a:satOff val="-12515"/>
-                <a:lumOff val="784"/>
+              <a:schemeClr val="accent3">
+                <a:hueOff val="0"/>
+                <a:satOff val="0"/>
+                <a:lumOff val="0"/>
                 <a:alphaOff val="0"/>
                 <a:shade val="100000"/>
                 <a:satMod val="110000"/>
@@ -3028,16 +3003,22 @@
         </a:gradFill>
         <a:ln w="9525" cap="flat" cmpd="sng" algn="ctr">
           <a:solidFill>
-            <a:schemeClr val="accent2">
-              <a:hueOff val="766327"/>
-              <a:satOff val="-12515"/>
-              <a:lumOff val="784"/>
+            <a:schemeClr val="accent3">
+              <a:hueOff val="0"/>
+              <a:satOff val="0"/>
+              <a:lumOff val="0"/>
               <a:alphaOff val="0"/>
             </a:schemeClr>
           </a:solidFill>
           <a:prstDash val="solid"/>
         </a:ln>
-        <a:effectLst/>
+        <a:effectLst>
+          <a:outerShdw blurRad="57150" dist="19050" dir="5400000" algn="ctr" rotWithShape="0">
+            <a:srgbClr val="000000">
+              <a:alpha val="48000"/>
+            </a:srgbClr>
+          </a:outerShdw>
+        </a:effectLst>
         <a:scene3d>
           <a:camera prst="orthographicFront">
             <a:rot lat="0" lon="0" rev="0"/>
@@ -3045,7 +3026,7 @@
           <a:lightRig rig="threePt" dir="t"/>
         </a:scene3d>
         <a:sp3d>
-          <a:bevelT w="25400" h="12700"/>
+          <a:bevelT w="50800" h="25400"/>
         </a:sp3d>
       </dsp:spPr>
       <dsp:style>
@@ -3055,7 +3036,7 @@
         <a:fillRef idx="3">
           <a:scrgbClr r="0" g="0" b="0"/>
         </a:fillRef>
-        <a:effectRef idx="2">
+        <a:effectRef idx="3">
           <a:scrgbClr r="0" g="0" b="0"/>
         </a:effectRef>
         <a:fontRef idx="minor">
@@ -3063,15 +3044,15 @@
         </a:fontRef>
       </dsp:style>
     </dsp:sp>
-    <dsp:sp modelId="{EDAAF0B9-1147-3544-ABB0-1C0655C2FD17}">
+    <dsp:sp modelId="{68FA1912-6DD6-794E-817F-0ECD61699290}">
       <dsp:nvSpPr>
         <dsp:cNvPr id="0" name=""/>
         <dsp:cNvSpPr/>
       </dsp:nvSpPr>
       <dsp:spPr>
         <a:xfrm>
-          <a:off x="0" y="2543704"/>
-          <a:ext cx="6403994" cy="1271852"/>
+          <a:off x="0" y="2012062"/>
+          <a:ext cx="5816600" cy="1006031"/>
         </a:xfrm>
         <a:prstGeom prst="rect">
           <a:avLst/>
@@ -3095,12 +3076,12 @@
         <a:fontRef idx="minor"/>
       </dsp:style>
       <dsp:txBody>
-        <a:bodyPr spcFirstLastPara="0" vert="horz" wrap="square" lIns="152400" tIns="152400" rIns="152400" bIns="152400" numCol="1" spcCol="1270" anchor="t" anchorCtr="0">
+        <a:bodyPr spcFirstLastPara="0" vert="horz" wrap="square" lIns="175260" tIns="175260" rIns="175260" bIns="175260" numCol="1" spcCol="1270" anchor="t" anchorCtr="0">
           <a:noAutofit/>
         </a:bodyPr>
         <a:lstStyle/>
         <a:p>
-          <a:pPr marL="0" lvl="0" indent="0" algn="l" defTabSz="1778000">
+          <a:pPr marL="0" lvl="0" indent="0" algn="l" defTabSz="2044700">
             <a:lnSpc>
               <a:spcPct val="90000"/>
             </a:lnSpc>
@@ -3113,25 +3094,25 @@
             <a:buNone/>
           </a:pPr>
           <a:r>
-            <a:rPr lang="en-US" sz="4000" kern="1200" dirty="0"/>
+            <a:rPr lang="en-US" sz="4600" kern="1200"/>
             <a:t>Dan Freda</a:t>
           </a:r>
         </a:p>
       </dsp:txBody>
       <dsp:txXfrm>
-        <a:off x="0" y="2543704"/>
-        <a:ext cx="6403994" cy="1271852"/>
+        <a:off x="0" y="2012062"/>
+        <a:ext cx="5816600" cy="1006031"/>
       </dsp:txXfrm>
     </dsp:sp>
-    <dsp:sp modelId="{A46A1860-56D1-CE45-89AC-8A2B85B1AC12}">
+    <dsp:sp modelId="{5C65FEA7-F8AE-4E49-B2BE-30A72999071C}">
       <dsp:nvSpPr>
         <dsp:cNvPr id="0" name=""/>
         <dsp:cNvSpPr/>
       </dsp:nvSpPr>
       <dsp:spPr>
         <a:xfrm>
-          <a:off x="0" y="3815556"/>
-          <a:ext cx="6403994" cy="0"/>
+          <a:off x="0" y="3018093"/>
+          <a:ext cx="5816600" cy="0"/>
         </a:xfrm>
         <a:prstGeom prst="line">
           <a:avLst/>
@@ -3139,10 +3120,10 @@
         <a:gradFill rotWithShape="0">
           <a:gsLst>
             <a:gs pos="0">
-              <a:schemeClr val="accent2">
-                <a:hueOff val="1149490"/>
-                <a:satOff val="-18772"/>
-                <a:lumOff val="1176"/>
+              <a:schemeClr val="accent3">
+                <a:hueOff val="0"/>
+                <a:satOff val="0"/>
+                <a:lumOff val="0"/>
                 <a:alphaOff val="0"/>
                 <a:tint val="96000"/>
                 <a:satMod val="100000"/>
@@ -3150,10 +3131,10 @@
               </a:schemeClr>
             </a:gs>
             <a:gs pos="78000">
-              <a:schemeClr val="accent2">
-                <a:hueOff val="1149490"/>
-                <a:satOff val="-18772"/>
-                <a:lumOff val="1176"/>
+              <a:schemeClr val="accent3">
+                <a:hueOff val="0"/>
+                <a:satOff val="0"/>
+                <a:lumOff val="0"/>
                 <a:alphaOff val="0"/>
                 <a:shade val="100000"/>
                 <a:satMod val="110000"/>
@@ -3165,16 +3146,22 @@
         </a:gradFill>
         <a:ln w="9525" cap="flat" cmpd="sng" algn="ctr">
           <a:solidFill>
-            <a:schemeClr val="accent2">
-              <a:hueOff val="1149490"/>
-              <a:satOff val="-18772"/>
-              <a:lumOff val="1176"/>
+            <a:schemeClr val="accent3">
+              <a:hueOff val="0"/>
+              <a:satOff val="0"/>
+              <a:lumOff val="0"/>
               <a:alphaOff val="0"/>
             </a:schemeClr>
           </a:solidFill>
           <a:prstDash val="solid"/>
         </a:ln>
-        <a:effectLst/>
+        <a:effectLst>
+          <a:outerShdw blurRad="57150" dist="19050" dir="5400000" algn="ctr" rotWithShape="0">
+            <a:srgbClr val="000000">
+              <a:alpha val="48000"/>
+            </a:srgbClr>
+          </a:outerShdw>
+        </a:effectLst>
         <a:scene3d>
           <a:camera prst="orthographicFront">
             <a:rot lat="0" lon="0" rev="0"/>
@@ -3182,7 +3169,7 @@
           <a:lightRig rig="threePt" dir="t"/>
         </a:scene3d>
         <a:sp3d>
-          <a:bevelT w="25400" h="12700"/>
+          <a:bevelT w="50800" h="25400"/>
         </a:sp3d>
       </dsp:spPr>
       <dsp:style>
@@ -3192,7 +3179,7 @@
         <a:fillRef idx="3">
           <a:scrgbClr r="0" g="0" b="0"/>
         </a:fillRef>
-        <a:effectRef idx="2">
+        <a:effectRef idx="3">
           <a:scrgbClr r="0" g="0" b="0"/>
         </a:effectRef>
         <a:fontRef idx="minor">
@@ -3200,15 +3187,15 @@
         </a:fontRef>
       </dsp:style>
     </dsp:sp>
-    <dsp:sp modelId="{3CFB59B0-0B30-734E-A422-5099E3105D5B}">
+    <dsp:sp modelId="{21D95510-B775-7241-A530-BD935F834D03}">
       <dsp:nvSpPr>
         <dsp:cNvPr id="0" name=""/>
         <dsp:cNvSpPr/>
       </dsp:nvSpPr>
       <dsp:spPr>
         <a:xfrm>
-          <a:off x="0" y="3815556"/>
-          <a:ext cx="6403994" cy="1271852"/>
+          <a:off x="0" y="3018093"/>
+          <a:ext cx="5816600" cy="1006031"/>
         </a:xfrm>
         <a:prstGeom prst="rect">
           <a:avLst/>
@@ -3232,12 +3219,12 @@
         <a:fontRef idx="minor"/>
       </dsp:style>
       <dsp:txBody>
-        <a:bodyPr spcFirstLastPara="0" vert="horz" wrap="square" lIns="152400" tIns="152400" rIns="152400" bIns="152400" numCol="1" spcCol="1270" anchor="t" anchorCtr="0">
+        <a:bodyPr spcFirstLastPara="0" vert="horz" wrap="square" lIns="175260" tIns="175260" rIns="175260" bIns="175260" numCol="1" spcCol="1270" anchor="t" anchorCtr="0">
           <a:noAutofit/>
         </a:bodyPr>
         <a:lstStyle/>
         <a:p>
-          <a:pPr marL="0" lvl="0" indent="0" algn="l" defTabSz="1778000">
+          <a:pPr marL="0" lvl="0" indent="0" algn="l" defTabSz="2044700">
             <a:lnSpc>
               <a:spcPct val="90000"/>
             </a:lnSpc>
@@ -3250,18 +3237,14 @@
             <a:buNone/>
           </a:pPr>
           <a:r>
-            <a:rPr lang="en-US" sz="4000" kern="1200" dirty="0" err="1"/>
-            <a:t>Shawntell</a:t>
-          </a:r>
-          <a:r>
-            <a:rPr lang="en-US" sz="4000" kern="1200" dirty="0"/>
-            <a:t> Manning</a:t>
+            <a:rPr lang="en-US" sz="4600" kern="1200"/>
+            <a:t>Shawntell Manning</a:t>
           </a:r>
         </a:p>
       </dsp:txBody>
       <dsp:txXfrm>
-        <a:off x="0" y="3815556"/>
-        <a:ext cx="6403994" cy="1271852"/>
+        <a:off x="0" y="3018093"/>
+        <a:ext cx="5816600" cy="1006031"/>
       </dsp:txXfrm>
     </dsp:sp>
   </dsp:spTree>
@@ -4441,11 +4424,11 @@
 </file>
 
 <file path=ppt/diagrams/quickStyle1.xml><?xml version="1.0" encoding="utf-8"?>
-<dgm:styleDef xmlns:dgm="http://schemas.openxmlformats.org/drawingml/2006/diagram" xmlns:a="http://schemas.openxmlformats.org/drawingml/2006/main" uniqueId="urn:microsoft.com/office/officeart/2005/8/quickstyle/simple4">
+<dgm:styleDef xmlns:dgm="http://schemas.openxmlformats.org/drawingml/2006/diagram" xmlns:a="http://schemas.openxmlformats.org/drawingml/2006/main" uniqueId="urn:microsoft.com/office/officeart/2005/8/quickstyle/simple5">
   <dgm:title val=""/>
   <dgm:desc val=""/>
   <dgm:catLst>
-    <dgm:cat type="simple" pri="10400"/>
+    <dgm:cat type="simple" pri="10500"/>
   </dgm:catLst>
   <dgm:scene3d>
     <a:camera prst="orthographicFront"/>
@@ -4465,7 +4448,7 @@
       <a:fillRef idx="3">
         <a:scrgbClr r="0" g="0" b="0"/>
       </a:fillRef>
-      <a:effectRef idx="2">
+      <a:effectRef idx="3">
         <a:scrgbClr r="0" g="0" b="0"/>
       </a:effectRef>
       <a:fontRef idx="minor">
@@ -4481,13 +4464,13 @@
     <dgm:sp3d/>
     <dgm:txPr/>
     <dgm:style>
-      <a:lnRef idx="1">
+      <a:lnRef idx="0">
         <a:scrgbClr r="0" g="0" b="0"/>
       </a:lnRef>
       <a:fillRef idx="3">
         <a:scrgbClr r="0" g="0" b="0"/>
       </a:fillRef>
-      <a:effectRef idx="2">
+      <a:effectRef idx="3">
         <a:scrgbClr r="0" g="0" b="0"/>
       </a:effectRef>
       <a:fontRef idx="minor">
@@ -4509,7 +4492,7 @@
       <a:fillRef idx="3">
         <a:scrgbClr r="0" g="0" b="0"/>
       </a:fillRef>
-      <a:effectRef idx="0">
+      <a:effectRef idx="3">
         <a:scrgbClr r="0" g="0" b="0"/>
       </a:effectRef>
       <a:fontRef idx="minor">
@@ -4531,7 +4514,7 @@
       <a:fillRef idx="3">
         <a:scrgbClr r="0" g="0" b="0"/>
       </a:fillRef>
-      <a:effectRef idx="2">
+      <a:effectRef idx="3">
         <a:scrgbClr r="0" g="0" b="0"/>
       </a:effectRef>
       <a:fontRef idx="minor">
@@ -4553,7 +4536,7 @@
       <a:fillRef idx="3">
         <a:scrgbClr r="0" g="0" b="0"/>
       </a:fillRef>
-      <a:effectRef idx="2">
+      <a:effectRef idx="3">
         <a:scrgbClr r="0" g="0" b="0"/>
       </a:effectRef>
       <a:fontRef idx="minor">
@@ -4575,7 +4558,7 @@
       <a:fillRef idx="3">
         <a:scrgbClr r="0" g="0" b="0"/>
       </a:fillRef>
-      <a:effectRef idx="2">
+      <a:effectRef idx="3">
         <a:scrgbClr r="0" g="0" b="0"/>
       </a:effectRef>
       <a:fontRef idx="minor">
@@ -4597,7 +4580,7 @@
       <a:fillRef idx="3">
         <a:scrgbClr r="0" g="0" b="0"/>
       </a:fillRef>
-      <a:effectRef idx="2">
+      <a:effectRef idx="3">
         <a:scrgbClr r="0" g="0" b="0"/>
       </a:effectRef>
       <a:fontRef idx="minor">
@@ -4619,7 +4602,7 @@
       <a:fillRef idx="3">
         <a:scrgbClr r="0" g="0" b="0"/>
       </a:fillRef>
-      <a:effectRef idx="2">
+      <a:effectRef idx="3">
         <a:scrgbClr r="0" g="0" b="0"/>
       </a:effectRef>
       <a:fontRef idx="minor">
@@ -4641,7 +4624,7 @@
       <a:fillRef idx="1">
         <a:scrgbClr r="0" g="0" b="0"/>
       </a:fillRef>
-      <a:effectRef idx="2">
+      <a:effectRef idx="3">
         <a:scrgbClr r="0" g="0" b="0"/>
       </a:effectRef>
       <a:fontRef idx="minor"/>
@@ -4661,7 +4644,7 @@
       <a:fillRef idx="1">
         <a:scrgbClr r="0" g="0" b="0"/>
       </a:fillRef>
-      <a:effectRef idx="2">
+      <a:effectRef idx="3">
         <a:scrgbClr r="0" g="0" b="0"/>
       </a:effectRef>
       <a:fontRef idx="minor"/>
@@ -4681,7 +4664,7 @@
       <a:fillRef idx="1">
         <a:scrgbClr r="0" g="0" b="0"/>
       </a:fillRef>
-      <a:effectRef idx="2">
+      <a:effectRef idx="3">
         <a:scrgbClr r="0" g="0" b="0"/>
       </a:effectRef>
       <a:fontRef idx="minor"/>
@@ -4701,7 +4684,7 @@
       <a:fillRef idx="3">
         <a:scrgbClr r="0" g="0" b="0"/>
       </a:fillRef>
-      <a:effectRef idx="2">
+      <a:effectRef idx="3">
         <a:scrgbClr r="0" g="0" b="0"/>
       </a:effectRef>
       <a:fontRef idx="minor">
@@ -4723,7 +4706,7 @@
       <a:fillRef idx="3">
         <a:scrgbClr r="0" g="0" b="0"/>
       </a:fillRef>
-      <a:effectRef idx="2">
+      <a:effectRef idx="3">
         <a:scrgbClr r="0" g="0" b="0"/>
       </a:effectRef>
       <a:fontRef idx="minor">
@@ -4745,7 +4728,7 @@
       <a:fillRef idx="3">
         <a:scrgbClr r="0" g="0" b="0"/>
       </a:fillRef>
-      <a:effectRef idx="2">
+      <a:effectRef idx="3">
         <a:scrgbClr r="0" g="0" b="0"/>
       </a:effectRef>
       <a:fontRef idx="minor">
@@ -4781,10 +4764,10 @@
     <dgm:sp3d/>
     <dgm:txPr/>
     <dgm:style>
-      <a:lnRef idx="2">
+      <a:lnRef idx="1">
         <a:scrgbClr r="0" g="0" b="0"/>
       </a:lnRef>
-      <a:fillRef idx="1">
+      <a:fillRef idx="0">
         <a:scrgbClr r="0" g="0" b="0"/>
       </a:fillRef>
       <a:effectRef idx="1">
@@ -4807,7 +4790,7 @@
       <a:fillRef idx="3">
         <a:scrgbClr r="0" g="0" b="0"/>
       </a:fillRef>
-      <a:effectRef idx="2">
+      <a:effectRef idx="3">
         <a:scrgbClr r="0" g="0" b="0"/>
       </a:effectRef>
       <a:fontRef idx="minor">
@@ -4829,7 +4812,7 @@
       <a:fillRef idx="3">
         <a:scrgbClr r="0" g="0" b="0"/>
       </a:fillRef>
-      <a:effectRef idx="2">
+      <a:effectRef idx="3">
         <a:scrgbClr r="0" g="0" b="0"/>
       </a:effectRef>
       <a:fontRef idx="minor">
@@ -4851,7 +4834,7 @@
       <a:fillRef idx="3">
         <a:scrgbClr r="0" g="0" b="0"/>
       </a:fillRef>
-      <a:effectRef idx="2">
+      <a:effectRef idx="3">
         <a:scrgbClr r="0" g="0" b="0"/>
       </a:effectRef>
       <a:fontRef idx="minor">
@@ -4873,7 +4856,7 @@
       <a:fillRef idx="3">
         <a:scrgbClr r="0" g="0" b="0"/>
       </a:fillRef>
-      <a:effectRef idx="2">
+      <a:effectRef idx="3">
         <a:scrgbClr r="0" g="0" b="0"/>
       </a:effectRef>
       <a:fontRef idx="minor">
@@ -4895,7 +4878,7 @@
       <a:fillRef idx="3">
         <a:scrgbClr r="0" g="0" b="0"/>
       </a:fillRef>
-      <a:effectRef idx="2">
+      <a:effectRef idx="3">
         <a:scrgbClr r="0" g="0" b="0"/>
       </a:effectRef>
       <a:fontRef idx="minor">
@@ -4917,7 +4900,7 @@
       <a:fillRef idx="3">
         <a:scrgbClr r="0" g="0" b="0"/>
       </a:fillRef>
-      <a:effectRef idx="2">
+      <a:effectRef idx="3">
         <a:scrgbClr r="0" g="0" b="0"/>
       </a:effectRef>
       <a:fontRef idx="minor">
@@ -4939,7 +4922,7 @@
       <a:fillRef idx="3">
         <a:scrgbClr r="0" g="0" b="0"/>
       </a:fillRef>
-      <a:effectRef idx="2">
+      <a:effectRef idx="3">
         <a:scrgbClr r="0" g="0" b="0"/>
       </a:effectRef>
       <a:fontRef idx="minor">
@@ -4955,13 +4938,13 @@
     <dgm:sp3d/>
     <dgm:txPr/>
     <dgm:style>
-      <a:lnRef idx="1">
+      <a:lnRef idx="0">
         <a:scrgbClr r="0" g="0" b="0"/>
       </a:lnRef>
       <a:fillRef idx="3">
         <a:scrgbClr r="0" g="0" b="0"/>
       </a:fillRef>
-      <a:effectRef idx="2">
+      <a:effectRef idx="3">
         <a:scrgbClr r="0" g="0" b="0"/>
       </a:effectRef>
       <a:fontRef idx="minor">
@@ -4977,13 +4960,13 @@
     <dgm:sp3d/>
     <dgm:txPr/>
     <dgm:style>
-      <a:lnRef idx="1">
+      <a:lnRef idx="0">
         <a:scrgbClr r="0" g="0" b="0"/>
       </a:lnRef>
       <a:fillRef idx="3">
         <a:scrgbClr r="0" g="0" b="0"/>
       </a:fillRef>
-      <a:effectRef idx="2">
+      <a:effectRef idx="3">
         <a:scrgbClr r="0" g="0" b="0"/>
       </a:effectRef>
       <a:fontRef idx="minor">
@@ -4999,7 +4982,7 @@
     <dgm:sp3d/>
     <dgm:txPr/>
     <dgm:style>
-      <a:lnRef idx="1">
+      <a:lnRef idx="2">
         <a:scrgbClr r="0" g="0" b="0"/>
       </a:lnRef>
       <a:fillRef idx="0">
@@ -5019,7 +5002,7 @@
     <dgm:sp3d/>
     <dgm:txPr/>
     <dgm:style>
-      <a:lnRef idx="1">
+      <a:lnRef idx="2">
         <a:scrgbClr r="0" g="0" b="0"/>
       </a:lnRef>
       <a:fillRef idx="0">
@@ -5039,7 +5022,7 @@
     <dgm:sp3d/>
     <dgm:txPr/>
     <dgm:style>
-      <a:lnRef idx="1">
+      <a:lnRef idx="2">
         <a:scrgbClr r="0" g="0" b="0"/>
       </a:lnRef>
       <a:fillRef idx="0">
@@ -5059,7 +5042,7 @@
     <dgm:sp3d/>
     <dgm:txPr/>
     <dgm:style>
-      <a:lnRef idx="1">
+      <a:lnRef idx="2">
         <a:scrgbClr r="0" g="0" b="0"/>
       </a:lnRef>
       <a:fillRef idx="0">
@@ -5085,7 +5068,7 @@
       <a:fillRef idx="1">
         <a:scrgbClr r="0" g="0" b="0"/>
       </a:fillRef>
-      <a:effectRef idx="0">
+      <a:effectRef idx="2">
         <a:scrgbClr r="0" g="0" b="0"/>
       </a:effectRef>
       <a:fontRef idx="minor"/>
@@ -5105,7 +5088,7 @@
       <a:fillRef idx="1">
         <a:scrgbClr r="0" g="0" b="0"/>
       </a:fillRef>
-      <a:effectRef idx="0">
+      <a:effectRef idx="2">
         <a:scrgbClr r="0" g="0" b="0"/>
       </a:effectRef>
       <a:fontRef idx="minor"/>
@@ -5125,7 +5108,7 @@
       <a:fillRef idx="1">
         <a:scrgbClr r="0" g="0" b="0"/>
       </a:fillRef>
-      <a:effectRef idx="0">
+      <a:effectRef idx="2">
         <a:scrgbClr r="0" g="0" b="0"/>
       </a:effectRef>
       <a:fontRef idx="minor"/>
@@ -5165,7 +5148,7 @@
       <a:fillRef idx="1">
         <a:scrgbClr r="0" g="0" b="0"/>
       </a:fillRef>
-      <a:effectRef idx="0">
+      <a:effectRef idx="2">
         <a:scrgbClr r="0" g="0" b="0"/>
       </a:effectRef>
       <a:fontRef idx="minor"/>
@@ -5185,7 +5168,7 @@
       <a:fillRef idx="1">
         <a:scrgbClr r="0" g="0" b="0"/>
       </a:fillRef>
-      <a:effectRef idx="0">
+      <a:effectRef idx="2">
         <a:scrgbClr r="0" g="0" b="0"/>
       </a:effectRef>
       <a:fontRef idx="minor"/>
@@ -5205,7 +5188,7 @@
       <a:fillRef idx="1">
         <a:scrgbClr r="0" g="0" b="0"/>
       </a:fillRef>
-      <a:effectRef idx="0">
+      <a:effectRef idx="3">
         <a:scrgbClr r="0" g="0" b="0"/>
       </a:effectRef>
       <a:fontRef idx="minor"/>
@@ -5225,7 +5208,7 @@
       <a:fillRef idx="1">
         <a:scrgbClr r="0" g="0" b="0"/>
       </a:fillRef>
-      <a:effectRef idx="0">
+      <a:effectRef idx="3">
         <a:scrgbClr r="0" g="0" b="0"/>
       </a:effectRef>
       <a:fontRef idx="minor"/>
@@ -5245,7 +5228,7 @@
       <a:fillRef idx="1">
         <a:scrgbClr r="0" g="0" b="0"/>
       </a:fillRef>
-      <a:effectRef idx="0">
+      <a:effectRef idx="2">
         <a:scrgbClr r="0" g="0" b="0"/>
       </a:effectRef>
       <a:fontRef idx="minor"/>
@@ -5265,7 +5248,7 @@
       <a:fillRef idx="1">
         <a:scrgbClr r="0" g="0" b="0"/>
       </a:fillRef>
-      <a:effectRef idx="0">
+      <a:effectRef idx="2">
         <a:scrgbClr r="0" g="0" b="0"/>
       </a:effectRef>
       <a:fontRef idx="minor"/>
@@ -5285,7 +5268,7 @@
       <a:fillRef idx="1">
         <a:scrgbClr r="0" g="0" b="0"/>
       </a:fillRef>
-      <a:effectRef idx="0">
+      <a:effectRef idx="2">
         <a:scrgbClr r="0" g="0" b="0"/>
       </a:effectRef>
       <a:fontRef idx="minor"/>
@@ -5305,7 +5288,7 @@
       <a:fillRef idx="1">
         <a:scrgbClr r="0" g="0" b="0"/>
       </a:fillRef>
-      <a:effectRef idx="0">
+      <a:effectRef idx="2">
         <a:scrgbClr r="0" g="0" b="0"/>
       </a:effectRef>
       <a:fontRef idx="minor"/>
@@ -5325,7 +5308,7 @@
       <a:fillRef idx="1">
         <a:scrgbClr r="0" g="0" b="0"/>
       </a:fillRef>
-      <a:effectRef idx="0">
+      <a:effectRef idx="2">
         <a:scrgbClr r="0" g="0" b="0"/>
       </a:effectRef>
       <a:fontRef idx="minor"/>
@@ -5345,7 +5328,7 @@
       <a:fillRef idx="1">
         <a:scrgbClr r="0" g="0" b="0"/>
       </a:fillRef>
-      <a:effectRef idx="0">
+      <a:effectRef idx="2">
         <a:scrgbClr r="0" g="0" b="0"/>
       </a:effectRef>
       <a:fontRef idx="minor"/>
@@ -5365,7 +5348,7 @@
       <a:fillRef idx="1">
         <a:scrgbClr r="0" g="0" b="0"/>
       </a:fillRef>
-      <a:effectRef idx="0">
+      <a:effectRef idx="2">
         <a:scrgbClr r="0" g="0" b="0"/>
       </a:effectRef>
       <a:fontRef idx="minor"/>
@@ -5405,7 +5388,7 @@
       <a:fillRef idx="1">
         <a:scrgbClr r="0" g="0" b="0"/>
       </a:fillRef>
-      <a:effectRef idx="2">
+      <a:effectRef idx="3">
         <a:scrgbClr r="0" g="0" b="0"/>
       </a:effectRef>
       <a:fontRef idx="minor"/>
@@ -5445,7 +5428,7 @@
       <a:fillRef idx="3">
         <a:scrgbClr r="0" g="0" b="0"/>
       </a:fillRef>
-      <a:effectRef idx="2">
+      <a:effectRef idx="3">
         <a:scrgbClr r="0" g="0" b="0"/>
       </a:effectRef>
       <a:fontRef idx="minor"/>
@@ -6944,6 +6927,267 @@
 </p:notes>
 </file>
 
+<file path=ppt/notesSlides/notesSlide10.xml><?xml version="1.0" encoding="utf-8"?>
+<p:notes xmlns:a="http://schemas.openxmlformats.org/drawingml/2006/main" xmlns:r="http://schemas.openxmlformats.org/officeDocument/2006/relationships" xmlns:p="http://schemas.openxmlformats.org/presentationml/2006/main">
+  <p:cSld>
+    <p:spTree>
+      <p:nvGrpSpPr>
+        <p:cNvPr id="1" name=""/>
+        <p:cNvGrpSpPr/>
+        <p:nvPr/>
+      </p:nvGrpSpPr>
+      <p:grpSpPr>
+        <a:xfrm>
+          <a:off x="0" y="0"/>
+          <a:ext cx="0" cy="0"/>
+          <a:chOff x="0" y="0"/>
+          <a:chExt cx="0" cy="0"/>
+        </a:xfrm>
+      </p:grpSpPr>
+      <p:sp>
+        <p:nvSpPr>
+          <p:cNvPr id="2" name="Slide Image Placeholder 1"/>
+          <p:cNvSpPr>
+            <a:spLocks noGrp="1" noRot="1" noChangeAspect="1"/>
+          </p:cNvSpPr>
+          <p:nvPr>
+            <p:ph type="sldImg"/>
+          </p:nvPr>
+        </p:nvSpPr>
+        <p:spPr/>
+      </p:sp>
+      <p:sp>
+        <p:nvSpPr>
+          <p:cNvPr id="3" name="Notes Placeholder 2"/>
+          <p:cNvSpPr>
+            <a:spLocks noGrp="1"/>
+          </p:cNvSpPr>
+          <p:nvPr>
+            <p:ph type="body" idx="1"/>
+          </p:nvPr>
+        </p:nvSpPr>
+        <p:spPr/>
+        <p:txBody>
+          <a:bodyPr/>
+          <a:lstStyle/>
+          <a:p>
+            <a:r>
+              <a:rPr lang="en-US" dirty="0"/>
+              <a:t>DAN</a:t>
+            </a:r>
+          </a:p>
+        </p:txBody>
+      </p:sp>
+      <p:sp>
+        <p:nvSpPr>
+          <p:cNvPr id="4" name="Slide Number Placeholder 3"/>
+          <p:cNvSpPr>
+            <a:spLocks noGrp="1"/>
+          </p:cNvSpPr>
+          <p:nvPr>
+            <p:ph type="sldNum" sz="quarter" idx="5"/>
+          </p:nvPr>
+        </p:nvSpPr>
+        <p:spPr/>
+        <p:txBody>
+          <a:bodyPr/>
+          <a:lstStyle/>
+          <a:p>
+            <a:fld id="{4BEC4175-BDD0-3C46-B86B-D9C0005BE2C6}" type="slidenum">
+              <a:rPr lang="en-US" smtClean="0"/>
+              <a:t>10</a:t>
+            </a:fld>
+            <a:endParaRPr lang="en-US"/>
+          </a:p>
+        </p:txBody>
+      </p:sp>
+    </p:spTree>
+    <p:extLst>
+      <p:ext uri="{BB962C8B-B14F-4D97-AF65-F5344CB8AC3E}">
+        <p14:creationId xmlns:p14="http://schemas.microsoft.com/office/powerpoint/2010/main" val="819645794"/>
+      </p:ext>
+    </p:extLst>
+  </p:cSld>
+  <p:clrMapOvr>
+    <a:masterClrMapping/>
+  </p:clrMapOvr>
+</p:notes>
+</file>
+
+<file path=ppt/notesSlides/notesSlide11.xml><?xml version="1.0" encoding="utf-8"?>
+<p:notes xmlns:a="http://schemas.openxmlformats.org/drawingml/2006/main" xmlns:r="http://schemas.openxmlformats.org/officeDocument/2006/relationships" xmlns:p="http://schemas.openxmlformats.org/presentationml/2006/main">
+  <p:cSld>
+    <p:spTree>
+      <p:nvGrpSpPr>
+        <p:cNvPr id="1" name=""/>
+        <p:cNvGrpSpPr/>
+        <p:nvPr/>
+      </p:nvGrpSpPr>
+      <p:grpSpPr>
+        <a:xfrm>
+          <a:off x="0" y="0"/>
+          <a:ext cx="0" cy="0"/>
+          <a:chOff x="0" y="0"/>
+          <a:chExt cx="0" cy="0"/>
+        </a:xfrm>
+      </p:grpSpPr>
+      <p:sp>
+        <p:nvSpPr>
+          <p:cNvPr id="2" name="Slide Image Placeholder 1"/>
+          <p:cNvSpPr>
+            <a:spLocks noGrp="1" noRot="1" noChangeAspect="1"/>
+          </p:cNvSpPr>
+          <p:nvPr>
+            <p:ph type="sldImg"/>
+          </p:nvPr>
+        </p:nvSpPr>
+        <p:spPr/>
+      </p:sp>
+      <p:sp>
+        <p:nvSpPr>
+          <p:cNvPr id="3" name="Notes Placeholder 2"/>
+          <p:cNvSpPr>
+            <a:spLocks noGrp="1"/>
+          </p:cNvSpPr>
+          <p:nvPr>
+            <p:ph type="body" idx="1"/>
+          </p:nvPr>
+        </p:nvSpPr>
+        <p:spPr/>
+        <p:txBody>
+          <a:bodyPr/>
+          <a:lstStyle/>
+          <a:p>
+            <a:r>
+              <a:rPr lang="en-US" dirty="0"/>
+              <a:t>DAN</a:t>
+            </a:r>
+          </a:p>
+        </p:txBody>
+      </p:sp>
+      <p:sp>
+        <p:nvSpPr>
+          <p:cNvPr id="4" name="Slide Number Placeholder 3"/>
+          <p:cNvSpPr>
+            <a:spLocks noGrp="1"/>
+          </p:cNvSpPr>
+          <p:nvPr>
+            <p:ph type="sldNum" sz="quarter" idx="5"/>
+          </p:nvPr>
+        </p:nvSpPr>
+        <p:spPr/>
+        <p:txBody>
+          <a:bodyPr/>
+          <a:lstStyle/>
+          <a:p>
+            <a:fld id="{4BEC4175-BDD0-3C46-B86B-D9C0005BE2C6}" type="slidenum">
+              <a:rPr lang="en-US" smtClean="0"/>
+              <a:t>11</a:t>
+            </a:fld>
+            <a:endParaRPr lang="en-US"/>
+          </a:p>
+        </p:txBody>
+      </p:sp>
+    </p:spTree>
+    <p:extLst>
+      <p:ext uri="{BB962C8B-B14F-4D97-AF65-F5344CB8AC3E}">
+        <p14:creationId xmlns:p14="http://schemas.microsoft.com/office/powerpoint/2010/main" val="556134685"/>
+      </p:ext>
+    </p:extLst>
+  </p:cSld>
+  <p:clrMapOvr>
+    <a:masterClrMapping/>
+  </p:clrMapOvr>
+</p:notes>
+</file>
+
+<file path=ppt/notesSlides/notesSlide12.xml><?xml version="1.0" encoding="utf-8"?>
+<p:notes xmlns:a="http://schemas.openxmlformats.org/drawingml/2006/main" xmlns:r="http://schemas.openxmlformats.org/officeDocument/2006/relationships" xmlns:p="http://schemas.openxmlformats.org/presentationml/2006/main">
+  <p:cSld>
+    <p:spTree>
+      <p:nvGrpSpPr>
+        <p:cNvPr id="1" name=""/>
+        <p:cNvGrpSpPr/>
+        <p:nvPr/>
+      </p:nvGrpSpPr>
+      <p:grpSpPr>
+        <a:xfrm>
+          <a:off x="0" y="0"/>
+          <a:ext cx="0" cy="0"/>
+          <a:chOff x="0" y="0"/>
+          <a:chExt cx="0" cy="0"/>
+        </a:xfrm>
+      </p:grpSpPr>
+      <p:sp>
+        <p:nvSpPr>
+          <p:cNvPr id="2" name="Slide Image Placeholder 1"/>
+          <p:cNvSpPr>
+            <a:spLocks noGrp="1" noRot="1" noChangeAspect="1"/>
+          </p:cNvSpPr>
+          <p:nvPr>
+            <p:ph type="sldImg"/>
+          </p:nvPr>
+        </p:nvSpPr>
+        <p:spPr/>
+      </p:sp>
+      <p:sp>
+        <p:nvSpPr>
+          <p:cNvPr id="3" name="Notes Placeholder 2"/>
+          <p:cNvSpPr>
+            <a:spLocks noGrp="1"/>
+          </p:cNvSpPr>
+          <p:nvPr>
+            <p:ph type="body" idx="1"/>
+          </p:nvPr>
+        </p:nvSpPr>
+        <p:spPr/>
+        <p:txBody>
+          <a:bodyPr/>
+          <a:lstStyle/>
+          <a:p>
+            <a:r>
+              <a:rPr lang="en-US" dirty="0"/>
+              <a:t>DAN</a:t>
+            </a:r>
+          </a:p>
+        </p:txBody>
+      </p:sp>
+      <p:sp>
+        <p:nvSpPr>
+          <p:cNvPr id="4" name="Slide Number Placeholder 3"/>
+          <p:cNvSpPr>
+            <a:spLocks noGrp="1"/>
+          </p:cNvSpPr>
+          <p:nvPr>
+            <p:ph type="sldNum" sz="quarter" idx="5"/>
+          </p:nvPr>
+        </p:nvSpPr>
+        <p:spPr/>
+        <p:txBody>
+          <a:bodyPr/>
+          <a:lstStyle/>
+          <a:p>
+            <a:fld id="{4BEC4175-BDD0-3C46-B86B-D9C0005BE2C6}" type="slidenum">
+              <a:rPr lang="en-US" smtClean="0"/>
+              <a:t>12</a:t>
+            </a:fld>
+            <a:endParaRPr lang="en-US"/>
+          </a:p>
+        </p:txBody>
+      </p:sp>
+    </p:spTree>
+    <p:extLst>
+      <p:ext uri="{BB962C8B-B14F-4D97-AF65-F5344CB8AC3E}">
+        <p14:creationId xmlns:p14="http://schemas.microsoft.com/office/powerpoint/2010/main" val="4094031215"/>
+      </p:ext>
+    </p:extLst>
+  </p:cSld>
+  <p:clrMapOvr>
+    <a:masterClrMapping/>
+  </p:clrMapOvr>
+</p:notes>
+</file>
+
 <file path=ppt/notesSlides/notesSlide2.xml><?xml version="1.0" encoding="utf-8"?>
 <p:notes xmlns:a="http://schemas.openxmlformats.org/drawingml/2006/main" xmlns:r="http://schemas.openxmlformats.org/officeDocument/2006/relationships" xmlns:p="http://schemas.openxmlformats.org/presentationml/2006/main">
   <p:cSld>
@@ -7854,37 +8098,34 @@
           <a:p>
             <a:r>
               <a:rPr lang="en-US" dirty="0"/>
-              <a:t>FLEMING</a:t>
+              <a:t>FLEMING:</a:t>
             </a:r>
           </a:p>
           <a:p>
             <a:endParaRPr lang="en-US" dirty="0"/>
           </a:p>
           <a:p>
-            <a:pPr marL="0" marR="0" lvl="0" indent="0" algn="l" defTabSz="914400" rtl="0" eaLnBrk="1" fontAlgn="auto" latinLnBrk="0" hangingPunct="1">
-              <a:lnSpc>
-                <a:spcPct val="100000"/>
-              </a:lnSpc>
-              <a:spcBef>
-                <a:spcPts val="0"/>
-              </a:spcBef>
-              <a:spcAft>
-                <a:spcPts val="0"/>
-              </a:spcAft>
-              <a:buClrTx/>
-              <a:buSzTx/>
-              <a:buFontTx/>
-              <a:buNone/>
-              <a:tabLst/>
-              <a:defRPr/>
-            </a:pPr>
             <a:r>
               <a:rPr lang="en-US" dirty="0"/>
-              <a:t>Outline</a:t>
-            </a:r>
-            <a:r>
-              <a:rPr lang="en-US" baseline="0" dirty="0"/>
-              <a:t> process of how data was incorporated into project.</a:t>
+              <a:t>From the Smithsonian data source, there were two files which we retrieved queries delivered with Excel files.  We generated two queries: one based on volcanic emissions and the other based on geographic data.</a:t>
+            </a:r>
+          </a:p>
+          <a:p>
+            <a:endParaRPr lang="en-US" dirty="0"/>
+          </a:p>
+          <a:p>
+            <a:r>
+              <a:rPr lang="en-US" dirty="0"/>
+              <a:t>We munged these two lists into three separate table to normalize them for import into PostgreSQL. We encountered some challenges with importing the location table with latitude and longitude as combined foreign keys, so we split them into two tables so we could relate them as foreign keys from distinct tables.</a:t>
+            </a:r>
+          </a:p>
+          <a:p>
+            <a:endParaRPr lang="en-US" dirty="0"/>
+          </a:p>
+          <a:p>
+            <a:r>
+              <a:rPr lang="en-US" dirty="0"/>
+              <a:t>Then we converted the csv files to a json for querying in pandas.</a:t>
             </a:r>
           </a:p>
           <a:p>
@@ -7918,7 +8159,7 @@
     </p:spTree>
     <p:extLst>
       <p:ext uri="{BB962C8B-B14F-4D97-AF65-F5344CB8AC3E}">
-        <p14:creationId xmlns:p14="http://schemas.microsoft.com/office/powerpoint/2010/main" val="3173305605"/>
+        <p14:creationId xmlns:p14="http://schemas.microsoft.com/office/powerpoint/2010/main" val="2461912306"/>
       </p:ext>
     </p:extLst>
   </p:cSld>
@@ -7972,37 +8213,122 @@
           <a:bodyPr/>
           <a:lstStyle/>
           <a:p>
-            <a:r>
-              <a:rPr lang="en-US" dirty="0"/>
-              <a:t>FLEMING:</a:t>
-            </a:r>
-          </a:p>
-          <a:p>
-            <a:endParaRPr lang="en-US" dirty="0"/>
-          </a:p>
-          <a:p>
-            <a:r>
-              <a:rPr lang="en-US" dirty="0"/>
-              <a:t>From the Smithsonian data source, there were two files which we retrieved queries delivered with Excel files.  We generated two queries: one based on volcanic emissions and the other based on geographic data.</a:t>
-            </a:r>
-          </a:p>
-          <a:p>
-            <a:endParaRPr lang="en-US" dirty="0"/>
-          </a:p>
-          <a:p>
-            <a:r>
-              <a:rPr lang="en-US" dirty="0"/>
-              <a:t>We munged these two lists into three separate table to normalize them for import into PostgreSQL. We encountered some challenges with importing the location table with latitude and longitude as combined foreign keys, so we split them into two tables so we could relate them as foreign keys from distinct tables.</a:t>
-            </a:r>
-          </a:p>
-          <a:p>
-            <a:endParaRPr lang="en-US" dirty="0"/>
-          </a:p>
-          <a:p>
-            <a:r>
-              <a:rPr lang="en-US" dirty="0"/>
-              <a:t>Then we converted the csv files to a json for querying in pandas.</a:t>
-            </a:r>
+            <a:pPr marL="0" marR="0" lvl="0" indent="0" algn="l" defTabSz="914400" rtl="0" eaLnBrk="1" fontAlgn="auto" latinLnBrk="0" hangingPunct="1">
+              <a:lnSpc>
+                <a:spcPct val="100000"/>
+              </a:lnSpc>
+              <a:spcBef>
+                <a:spcPts val="0"/>
+              </a:spcBef>
+              <a:spcAft>
+                <a:spcPts val="0"/>
+              </a:spcAft>
+              <a:buClrTx/>
+              <a:buSzTx/>
+              <a:buFontTx/>
+              <a:buNone/>
+              <a:tabLst/>
+              <a:defRPr/>
+            </a:pPr>
+            <a:r>
+              <a:rPr lang="en-US" sz="1200" kern="1200" dirty="0">
+                <a:solidFill>
+                  <a:schemeClr val="tx1"/>
+                </a:solidFill>
+                <a:effectLst/>
+                <a:latin typeface="+mn-lt"/>
+                <a:ea typeface="+mn-ea"/>
+                <a:cs typeface="+mn-cs"/>
+              </a:rPr>
+              <a:t>BANU &amp; DAN</a:t>
+            </a:r>
+          </a:p>
+          <a:p>
+            <a:pPr marL="0" marR="0" lvl="0" indent="0" algn="l" defTabSz="914400" rtl="0" eaLnBrk="1" fontAlgn="auto" latinLnBrk="0" hangingPunct="1">
+              <a:lnSpc>
+                <a:spcPct val="100000"/>
+              </a:lnSpc>
+              <a:spcBef>
+                <a:spcPts val="0"/>
+              </a:spcBef>
+              <a:spcAft>
+                <a:spcPts val="0"/>
+              </a:spcAft>
+              <a:buClrTx/>
+              <a:buSzTx/>
+              <a:buFontTx/>
+              <a:buNone/>
+              <a:tabLst/>
+              <a:defRPr/>
+            </a:pPr>
+            <a:endParaRPr lang="en-US" sz="1200" kern="1200" dirty="0">
+              <a:solidFill>
+                <a:schemeClr val="tx1"/>
+              </a:solidFill>
+              <a:effectLst/>
+              <a:latin typeface="+mn-lt"/>
+              <a:ea typeface="+mn-ea"/>
+              <a:cs typeface="+mn-cs"/>
+            </a:endParaRPr>
+          </a:p>
+          <a:p>
+            <a:pPr marL="0" marR="0" lvl="0" indent="0" algn="l" defTabSz="914400" rtl="0" eaLnBrk="1" fontAlgn="auto" latinLnBrk="0" hangingPunct="1">
+              <a:lnSpc>
+                <a:spcPct val="100000"/>
+              </a:lnSpc>
+              <a:spcBef>
+                <a:spcPts val="0"/>
+              </a:spcBef>
+              <a:spcAft>
+                <a:spcPts val="0"/>
+              </a:spcAft>
+              <a:buClrTx/>
+              <a:buSzTx/>
+              <a:buFontTx/>
+              <a:buNone/>
+              <a:tabLst/>
+              <a:defRPr/>
+            </a:pPr>
+            <a:r>
+              <a:rPr lang="en-US" sz="1200" kern="1200" dirty="0">
+                <a:solidFill>
+                  <a:schemeClr val="tx1"/>
+                </a:solidFill>
+                <a:effectLst/>
+                <a:latin typeface="+mn-lt"/>
+                <a:ea typeface="+mn-ea"/>
+                <a:cs typeface="+mn-cs"/>
+              </a:rPr>
+              <a:t>To create our visualization, we used a Python Flask–powered API, HTML/CSS, JavaScript, Beautiful Soup, MongoDB and PostgreSQL.</a:t>
+            </a:r>
+          </a:p>
+          <a:p>
+            <a:pPr marL="0" marR="0" lvl="0" indent="0" algn="l" defTabSz="914400" rtl="0" eaLnBrk="1" fontAlgn="auto" latinLnBrk="0" hangingPunct="1">
+              <a:lnSpc>
+                <a:spcPct val="100000"/>
+              </a:lnSpc>
+              <a:spcBef>
+                <a:spcPts val="0"/>
+              </a:spcBef>
+              <a:spcAft>
+                <a:spcPts val="0"/>
+              </a:spcAft>
+              <a:buClrTx/>
+              <a:buSzTx/>
+              <a:buFontTx/>
+              <a:buNone/>
+              <a:tabLst/>
+              <a:defRPr/>
+            </a:pPr>
+            <a:endParaRPr lang="en-US" sz="1200" kern="1200" dirty="0">
+              <a:solidFill>
+                <a:schemeClr val="tx1"/>
+              </a:solidFill>
+              <a:effectLst/>
+              <a:latin typeface="+mn-lt"/>
+              <a:ea typeface="+mn-ea"/>
+              <a:cs typeface="+mn-cs"/>
+            </a:endParaRPr>
           </a:p>
           <a:p>
             <a:endParaRPr lang="en-US" dirty="0"/>
@@ -8035,7 +8361,7 @@
     </p:spTree>
     <p:extLst>
       <p:ext uri="{BB962C8B-B14F-4D97-AF65-F5344CB8AC3E}">
-        <p14:creationId xmlns:p14="http://schemas.microsoft.com/office/powerpoint/2010/main" val="2461912306"/>
+        <p14:creationId xmlns:p14="http://schemas.microsoft.com/office/powerpoint/2010/main" val="535507168"/>
       </p:ext>
     </p:extLst>
   </p:cSld>
@@ -8089,156 +8415,10 @@
           <a:bodyPr/>
           <a:lstStyle/>
           <a:p>
-            <a:pPr marL="0" marR="0" lvl="0" indent="0" algn="l" defTabSz="914400" rtl="0" eaLnBrk="1" fontAlgn="auto" latinLnBrk="0" hangingPunct="1">
-              <a:lnSpc>
-                <a:spcPct val="100000"/>
-              </a:lnSpc>
-              <a:spcBef>
-                <a:spcPts val="0"/>
-              </a:spcBef>
-              <a:spcAft>
-                <a:spcPts val="0"/>
-              </a:spcAft>
-              <a:buClrTx/>
-              <a:buSzTx/>
-              <a:buFontTx/>
-              <a:buNone/>
-              <a:tabLst/>
-              <a:defRPr/>
-            </a:pPr>
-            <a:r>
-              <a:rPr lang="en-US" sz="1200" kern="1200" dirty="0">
-                <a:solidFill>
-                  <a:schemeClr val="tx1"/>
-                </a:solidFill>
-                <a:effectLst/>
-                <a:latin typeface="+mn-lt"/>
-                <a:ea typeface="+mn-ea"/>
-                <a:cs typeface="+mn-cs"/>
-              </a:rPr>
-              <a:t>BANU &amp; DAN</a:t>
-            </a:r>
-          </a:p>
-          <a:p>
-            <a:pPr marL="0" marR="0" lvl="0" indent="0" algn="l" defTabSz="914400" rtl="0" eaLnBrk="1" fontAlgn="auto" latinLnBrk="0" hangingPunct="1">
-              <a:lnSpc>
-                <a:spcPct val="100000"/>
-              </a:lnSpc>
-              <a:spcBef>
-                <a:spcPts val="0"/>
-              </a:spcBef>
-              <a:spcAft>
-                <a:spcPts val="0"/>
-              </a:spcAft>
-              <a:buClrTx/>
-              <a:buSzTx/>
-              <a:buFontTx/>
-              <a:buNone/>
-              <a:tabLst/>
-              <a:defRPr/>
-            </a:pPr>
-            <a:r>
-              <a:rPr lang="en-US" sz="1200" kern="1200" dirty="0">
-                <a:solidFill>
-                  <a:schemeClr val="tx1"/>
-                </a:solidFill>
-                <a:effectLst/>
-                <a:latin typeface="+mn-lt"/>
-                <a:ea typeface="+mn-ea"/>
-                <a:cs typeface="+mn-cs"/>
-              </a:rPr>
-              <a:t>project should include at least one JS library that we did not cover.</a:t>
-            </a:r>
-          </a:p>
-          <a:p>
-            <a:pPr marL="0" marR="0" lvl="0" indent="0" algn="l" defTabSz="914400" rtl="0" eaLnBrk="1" fontAlgn="auto" latinLnBrk="0" hangingPunct="1">
-              <a:lnSpc>
-                <a:spcPct val="100000"/>
-              </a:lnSpc>
-              <a:spcBef>
-                <a:spcPts val="0"/>
-              </a:spcBef>
-              <a:spcAft>
-                <a:spcPts val="0"/>
-              </a:spcAft>
-              <a:buClrTx/>
-              <a:buSzTx/>
-              <a:buFontTx/>
-              <a:buNone/>
-              <a:tabLst/>
-              <a:defRPr/>
-            </a:pPr>
-            <a:endParaRPr lang="en-US" sz="1200" kern="1200" dirty="0">
-              <a:solidFill>
-                <a:schemeClr val="tx1"/>
-              </a:solidFill>
-              <a:effectLst/>
-              <a:latin typeface="+mn-lt"/>
-              <a:ea typeface="+mn-ea"/>
-              <a:cs typeface="+mn-cs"/>
-            </a:endParaRPr>
-          </a:p>
-          <a:p>
-            <a:pPr marL="0" marR="0" lvl="0" indent="0" algn="l" defTabSz="914400" rtl="0" eaLnBrk="1" fontAlgn="auto" latinLnBrk="0" hangingPunct="1">
-              <a:lnSpc>
-                <a:spcPct val="100000"/>
-              </a:lnSpc>
-              <a:spcBef>
-                <a:spcPts val="0"/>
-              </a:spcBef>
-              <a:spcAft>
-                <a:spcPts val="0"/>
-              </a:spcAft>
-              <a:buClrTx/>
-              <a:buSzTx/>
-              <a:buFontTx/>
-              <a:buNone/>
-              <a:tabLst/>
-              <a:defRPr/>
-            </a:pPr>
-            <a:r>
-              <a:rPr lang="en-US" sz="1200" kern="1200" dirty="0">
-                <a:solidFill>
-                  <a:schemeClr val="tx1"/>
-                </a:solidFill>
-                <a:effectLst/>
-                <a:latin typeface="+mn-lt"/>
-                <a:ea typeface="+mn-ea"/>
-                <a:cs typeface="+mn-cs"/>
-              </a:rPr>
-              <a:t>To create our visualization, we used a Python Flask–powered API, HTML/CSS, JavaScript, Beautiful Soup, MongoDB and PostgreSQL.</a:t>
-            </a:r>
-          </a:p>
-          <a:p>
-            <a:pPr marL="0" marR="0" lvl="0" indent="0" algn="l" defTabSz="914400" rtl="0" eaLnBrk="1" fontAlgn="auto" latinLnBrk="0" hangingPunct="1">
-              <a:lnSpc>
-                <a:spcPct val="100000"/>
-              </a:lnSpc>
-              <a:spcBef>
-                <a:spcPts val="0"/>
-              </a:spcBef>
-              <a:spcAft>
-                <a:spcPts val="0"/>
-              </a:spcAft>
-              <a:buClrTx/>
-              <a:buSzTx/>
-              <a:buFontTx/>
-              <a:buNone/>
-              <a:tabLst/>
-              <a:defRPr/>
-            </a:pPr>
-            <a:endParaRPr lang="en-US" sz="1200" kern="1200" dirty="0">
-              <a:solidFill>
-                <a:schemeClr val="tx1"/>
-              </a:solidFill>
-              <a:effectLst/>
-              <a:latin typeface="+mn-lt"/>
-              <a:ea typeface="+mn-ea"/>
-              <a:cs typeface="+mn-cs"/>
-            </a:endParaRPr>
-          </a:p>
-          <a:p>
-            <a:endParaRPr lang="en-US" dirty="0"/>
+            <a:r>
+              <a:rPr lang="en-US" dirty="0"/>
+              <a:t>DAN</a:t>
+            </a:r>
           </a:p>
         </p:txBody>
       </p:sp>
@@ -8268,7 +8448,7 @@
     </p:spTree>
     <p:extLst>
       <p:ext uri="{BB962C8B-B14F-4D97-AF65-F5344CB8AC3E}">
-        <p14:creationId xmlns:p14="http://schemas.microsoft.com/office/powerpoint/2010/main" val="535507168"/>
+        <p14:creationId xmlns:p14="http://schemas.microsoft.com/office/powerpoint/2010/main" val="2939733473"/>
       </p:ext>
     </p:extLst>
   </p:cSld>
@@ -8322,6 +8502,155 @@
           <a:bodyPr/>
           <a:lstStyle/>
           <a:p>
+            <a:pPr marL="0" marR="0" lvl="0" indent="0" algn="l" defTabSz="914400" rtl="0" eaLnBrk="1" fontAlgn="auto" latinLnBrk="0" hangingPunct="1">
+              <a:lnSpc>
+                <a:spcPct val="100000"/>
+              </a:lnSpc>
+              <a:spcBef>
+                <a:spcPts val="0"/>
+              </a:spcBef>
+              <a:spcAft>
+                <a:spcPts val="0"/>
+              </a:spcAft>
+              <a:buClrTx/>
+              <a:buSzTx/>
+              <a:buFontTx/>
+              <a:buNone/>
+              <a:tabLst/>
+              <a:defRPr/>
+            </a:pPr>
+            <a:r>
+              <a:rPr lang="en-US" sz="1200" kern="1200" dirty="0">
+                <a:solidFill>
+                  <a:schemeClr val="tx1"/>
+                </a:solidFill>
+                <a:effectLst/>
+                <a:latin typeface="+mn-lt"/>
+                <a:ea typeface="+mn-ea"/>
+                <a:cs typeface="+mn-cs"/>
+              </a:rPr>
+              <a:t>DAN:</a:t>
+            </a:r>
+          </a:p>
+          <a:p>
+            <a:pPr marL="0" marR="0" lvl="0" indent="0" algn="l" defTabSz="914400" rtl="0" eaLnBrk="1" fontAlgn="auto" latinLnBrk="0" hangingPunct="1">
+              <a:lnSpc>
+                <a:spcPct val="100000"/>
+              </a:lnSpc>
+              <a:spcBef>
+                <a:spcPts val="0"/>
+              </a:spcBef>
+              <a:spcAft>
+                <a:spcPts val="0"/>
+              </a:spcAft>
+              <a:buClrTx/>
+              <a:buSzTx/>
+              <a:buFontTx/>
+              <a:buNone/>
+              <a:tabLst/>
+              <a:defRPr/>
+            </a:pPr>
+            <a:endParaRPr lang="en-US" sz="1200" kern="1200" dirty="0">
+              <a:solidFill>
+                <a:schemeClr val="tx1"/>
+              </a:solidFill>
+              <a:effectLst/>
+              <a:latin typeface="+mn-lt"/>
+              <a:ea typeface="+mn-ea"/>
+              <a:cs typeface="+mn-cs"/>
+            </a:endParaRPr>
+          </a:p>
+          <a:p>
+            <a:pPr marL="0" marR="0" lvl="0" indent="0" algn="l" defTabSz="914400" rtl="0" eaLnBrk="1" fontAlgn="auto" latinLnBrk="0" hangingPunct="1">
+              <a:lnSpc>
+                <a:spcPct val="100000"/>
+              </a:lnSpc>
+              <a:spcBef>
+                <a:spcPts val="0"/>
+              </a:spcBef>
+              <a:spcAft>
+                <a:spcPts val="0"/>
+              </a:spcAft>
+              <a:buClrTx/>
+              <a:buSzTx/>
+              <a:buFontTx/>
+              <a:buNone/>
+              <a:tabLst/>
+              <a:defRPr/>
+            </a:pPr>
+            <a:r>
+              <a:rPr lang="en-US" sz="1200" kern="1200" dirty="0">
+                <a:solidFill>
+                  <a:schemeClr val="tx1"/>
+                </a:solidFill>
+                <a:effectLst/>
+                <a:latin typeface="+mn-lt"/>
+                <a:ea typeface="+mn-ea"/>
+                <a:cs typeface="+mn-cs"/>
+              </a:rPr>
+              <a:t>Your final visualization should ideally include at least three views.</a:t>
+            </a:r>
+          </a:p>
+          <a:p>
+            <a:pPr marL="0" marR="0" lvl="0" indent="0" algn="l" defTabSz="914400" rtl="0" eaLnBrk="1" fontAlgn="auto" latinLnBrk="0" hangingPunct="1">
+              <a:lnSpc>
+                <a:spcPct val="100000"/>
+              </a:lnSpc>
+              <a:spcBef>
+                <a:spcPts val="0"/>
+              </a:spcBef>
+              <a:spcAft>
+                <a:spcPts val="0"/>
+              </a:spcAft>
+              <a:buClrTx/>
+              <a:buSzTx/>
+              <a:buFontTx/>
+              <a:buNone/>
+              <a:tabLst/>
+              <a:defRPr/>
+            </a:pPr>
+            <a:r>
+              <a:rPr lang="en-US" sz="1200" kern="1200" dirty="0">
+                <a:solidFill>
+                  <a:schemeClr val="tx1"/>
+                </a:solidFill>
+                <a:effectLst/>
+                <a:latin typeface="+mn-lt"/>
+                <a:ea typeface="+mn-ea"/>
+                <a:cs typeface="+mn-cs"/>
+              </a:rPr>
+              <a:t>Project must include some level of user-driven interaction (e.g., menus, dropdowns, textboxes).</a:t>
+            </a:r>
+          </a:p>
+          <a:p>
+            <a:pPr marL="0" marR="0" lvl="0" indent="0" algn="l" defTabSz="914400" rtl="0" eaLnBrk="1" fontAlgn="auto" latinLnBrk="0" hangingPunct="1">
+              <a:lnSpc>
+                <a:spcPct val="100000"/>
+              </a:lnSpc>
+              <a:spcBef>
+                <a:spcPts val="0"/>
+              </a:spcBef>
+              <a:spcAft>
+                <a:spcPts val="0"/>
+              </a:spcAft>
+              <a:buClrTx/>
+              <a:buSzTx/>
+              <a:buFontTx/>
+              <a:buNone/>
+              <a:tabLst/>
+              <a:defRPr/>
+            </a:pPr>
+            <a:endParaRPr lang="en-US" sz="1200" kern="1200" dirty="0">
+              <a:solidFill>
+                <a:schemeClr val="tx1"/>
+              </a:solidFill>
+              <a:effectLst/>
+              <a:latin typeface="+mn-lt"/>
+              <a:ea typeface="+mn-ea"/>
+              <a:cs typeface="+mn-cs"/>
+            </a:endParaRPr>
+          </a:p>
+          <a:p>
             <a:endParaRPr lang="en-US" dirty="0"/>
           </a:p>
         </p:txBody>
@@ -8352,7 +8681,7 @@
     </p:spTree>
     <p:extLst>
       <p:ext uri="{BB962C8B-B14F-4D97-AF65-F5344CB8AC3E}">
-        <p14:creationId xmlns:p14="http://schemas.microsoft.com/office/powerpoint/2010/main" val="2939733473"/>
+        <p14:creationId xmlns:p14="http://schemas.microsoft.com/office/powerpoint/2010/main" val="46769553"/>
       </p:ext>
     </p:extLst>
   </p:cSld>
@@ -8406,156 +8735,10 @@
           <a:bodyPr/>
           <a:lstStyle/>
           <a:p>
-            <a:pPr marL="0" marR="0" lvl="0" indent="0" algn="l" defTabSz="914400" rtl="0" eaLnBrk="1" fontAlgn="auto" latinLnBrk="0" hangingPunct="1">
-              <a:lnSpc>
-                <a:spcPct val="100000"/>
-              </a:lnSpc>
-              <a:spcBef>
-                <a:spcPts val="0"/>
-              </a:spcBef>
-              <a:spcAft>
-                <a:spcPts val="0"/>
-              </a:spcAft>
-              <a:buClrTx/>
-              <a:buSzTx/>
-              <a:buFontTx/>
-              <a:buNone/>
-              <a:tabLst/>
-              <a:defRPr/>
-            </a:pPr>
-            <a:r>
-              <a:rPr lang="en-US" sz="1200" kern="1200" dirty="0">
-                <a:solidFill>
-                  <a:schemeClr val="tx1"/>
-                </a:solidFill>
-                <a:effectLst/>
-                <a:latin typeface="+mn-lt"/>
-                <a:ea typeface="+mn-ea"/>
-                <a:cs typeface="+mn-cs"/>
-              </a:rPr>
-              <a:t>BANU &amp; DAN:</a:t>
-            </a:r>
-          </a:p>
-          <a:p>
-            <a:pPr marL="0" marR="0" lvl="0" indent="0" algn="l" defTabSz="914400" rtl="0" eaLnBrk="1" fontAlgn="auto" latinLnBrk="0" hangingPunct="1">
-              <a:lnSpc>
-                <a:spcPct val="100000"/>
-              </a:lnSpc>
-              <a:spcBef>
-                <a:spcPts val="0"/>
-              </a:spcBef>
-              <a:spcAft>
-                <a:spcPts val="0"/>
-              </a:spcAft>
-              <a:buClrTx/>
-              <a:buSzTx/>
-              <a:buFontTx/>
-              <a:buNone/>
-              <a:tabLst/>
-              <a:defRPr/>
-            </a:pPr>
-            <a:endParaRPr lang="en-US" sz="1200" kern="1200" dirty="0">
-              <a:solidFill>
-                <a:schemeClr val="tx1"/>
-              </a:solidFill>
-              <a:effectLst/>
-              <a:latin typeface="+mn-lt"/>
-              <a:ea typeface="+mn-ea"/>
-              <a:cs typeface="+mn-cs"/>
-            </a:endParaRPr>
-          </a:p>
-          <a:p>
-            <a:pPr marL="0" marR="0" lvl="0" indent="0" algn="l" defTabSz="914400" rtl="0" eaLnBrk="1" fontAlgn="auto" latinLnBrk="0" hangingPunct="1">
-              <a:lnSpc>
-                <a:spcPct val="100000"/>
-              </a:lnSpc>
-              <a:spcBef>
-                <a:spcPts val="0"/>
-              </a:spcBef>
-              <a:spcAft>
-                <a:spcPts val="0"/>
-              </a:spcAft>
-              <a:buClrTx/>
-              <a:buSzTx/>
-              <a:buFontTx/>
-              <a:buNone/>
-              <a:tabLst/>
-              <a:defRPr/>
-            </a:pPr>
-            <a:r>
-              <a:rPr lang="en-US" sz="1200" kern="1200" dirty="0">
-                <a:solidFill>
-                  <a:schemeClr val="tx1"/>
-                </a:solidFill>
-                <a:effectLst/>
-                <a:latin typeface="+mn-lt"/>
-                <a:ea typeface="+mn-ea"/>
-                <a:cs typeface="+mn-cs"/>
-              </a:rPr>
-              <a:t>Your final visualization should ideally include at least three views.</a:t>
-            </a:r>
-          </a:p>
-          <a:p>
-            <a:pPr marL="0" marR="0" lvl="0" indent="0" algn="l" defTabSz="914400" rtl="0" eaLnBrk="1" fontAlgn="auto" latinLnBrk="0" hangingPunct="1">
-              <a:lnSpc>
-                <a:spcPct val="100000"/>
-              </a:lnSpc>
-              <a:spcBef>
-                <a:spcPts val="0"/>
-              </a:spcBef>
-              <a:spcAft>
-                <a:spcPts val="0"/>
-              </a:spcAft>
-              <a:buClrTx/>
-              <a:buSzTx/>
-              <a:buFontTx/>
-              <a:buNone/>
-              <a:tabLst/>
-              <a:defRPr/>
-            </a:pPr>
-            <a:r>
-              <a:rPr lang="en-US" sz="1200" kern="1200" dirty="0">
-                <a:solidFill>
-                  <a:schemeClr val="tx1"/>
-                </a:solidFill>
-                <a:effectLst/>
-                <a:latin typeface="+mn-lt"/>
-                <a:ea typeface="+mn-ea"/>
-                <a:cs typeface="+mn-cs"/>
-              </a:rPr>
-              <a:t>Project must include some level of user-driven interaction (e.g., menus, dropdowns, textboxes).</a:t>
-            </a:r>
-          </a:p>
-          <a:p>
-            <a:pPr marL="0" marR="0" lvl="0" indent="0" algn="l" defTabSz="914400" rtl="0" eaLnBrk="1" fontAlgn="auto" latinLnBrk="0" hangingPunct="1">
-              <a:lnSpc>
-                <a:spcPct val="100000"/>
-              </a:lnSpc>
-              <a:spcBef>
-                <a:spcPts val="0"/>
-              </a:spcBef>
-              <a:spcAft>
-                <a:spcPts val="0"/>
-              </a:spcAft>
-              <a:buClrTx/>
-              <a:buSzTx/>
-              <a:buFontTx/>
-              <a:buNone/>
-              <a:tabLst/>
-              <a:defRPr/>
-            </a:pPr>
-            <a:endParaRPr lang="en-US" sz="1200" kern="1200" dirty="0">
-              <a:solidFill>
-                <a:schemeClr val="tx1"/>
-              </a:solidFill>
-              <a:effectLst/>
-              <a:latin typeface="+mn-lt"/>
-              <a:ea typeface="+mn-ea"/>
-              <a:cs typeface="+mn-cs"/>
-            </a:endParaRPr>
-          </a:p>
-          <a:p>
-            <a:endParaRPr lang="en-US" dirty="0"/>
+            <a:r>
+              <a:rPr lang="en-US" dirty="0"/>
+              <a:t>DAN</a:t>
+            </a:r>
           </a:p>
         </p:txBody>
       </p:sp>
@@ -8576,7 +8759,7 @@
           <a:p>
             <a:fld id="{4BEC4175-BDD0-3C46-B86B-D9C0005BE2C6}" type="slidenum">
               <a:rPr lang="en-US" smtClean="0"/>
-              <a:t>10</a:t>
+              <a:t>9</a:t>
             </a:fld>
             <a:endParaRPr lang="en-US"/>
           </a:p>
@@ -8585,7 +8768,7 @@
     </p:spTree>
     <p:extLst>
       <p:ext uri="{BB962C8B-B14F-4D97-AF65-F5344CB8AC3E}">
-        <p14:creationId xmlns:p14="http://schemas.microsoft.com/office/powerpoint/2010/main" val="46769553"/>
+        <p14:creationId xmlns:p14="http://schemas.microsoft.com/office/powerpoint/2010/main" val="2727413910"/>
       </p:ext>
     </p:extLst>
   </p:cSld>
@@ -14155,10 +14338,10 @@
       </p:grpSpPr>
       <p:sp useBgFill="1">
         <p:nvSpPr>
-          <p:cNvPr id="8" name="Rectangle 7">
+          <p:cNvPr id="50" name="Rectangle 49">
             <a:extLst>
               <a:ext uri="{FF2B5EF4-FFF2-40B4-BE49-F238E27FC236}">
-                <a16:creationId xmlns:a16="http://schemas.microsoft.com/office/drawing/2014/main" id="{E770CA6A-B3B0-4826-A91F-B2B1F8922026}"/>
+                <a16:creationId xmlns:a16="http://schemas.microsoft.com/office/drawing/2014/main" id="{BD7C2DEF-63C5-495B-BBE5-720E5D12B4D2}"/>
               </a:ext>
               <a:ext uri="{C183D7F6-B498-43B3-948B-1728B52AA6E4}">
                 <adec:decorative xmlns:adec="http://schemas.microsoft.com/office/drawing/2017/decorative" val="1"/>
@@ -14215,10 +14398,10 @@
       </p:sp>
       <p:pic>
         <p:nvPicPr>
-          <p:cNvPr id="10" name="Picture 9">
+          <p:cNvPr id="56" name="Picture 51">
             <a:extLst>
               <a:ext uri="{FF2B5EF4-FFF2-40B4-BE49-F238E27FC236}">
-                <a16:creationId xmlns:a16="http://schemas.microsoft.com/office/drawing/2014/main" id="{3C51B9DA-B0CC-480A-8EA5-4D5C3E0515B9}"/>
+                <a16:creationId xmlns:a16="http://schemas.microsoft.com/office/drawing/2014/main" id="{FE21E403-0B61-4473-BE57-AB0F16379674}"/>
               </a:ext>
               <a:ext uri="{C183D7F6-B498-43B3-948B-1728B52AA6E4}">
                 <adec:decorative xmlns:adec="http://schemas.microsoft.com/office/drawing/2017/decorative" val="1"/>
@@ -14250,8 +14433,8 @@
         </p:blipFill>
         <p:spPr>
           <a:xfrm>
-            <a:off x="0" y="4375150"/>
-            <a:ext cx="12192000" cy="2482850"/>
+            <a:off x="0" y="0"/>
+            <a:ext cx="12192000" cy="1441450"/>
           </a:xfrm>
           <a:prstGeom prst="rect">
             <a:avLst/>
@@ -14276,27 +14459,34 @@
         </p:nvSpPr>
         <p:spPr>
           <a:xfrm>
-            <a:off x="4976028" y="965200"/>
-            <a:ext cx="6170943" cy="4329641"/>
+            <a:off x="636696" y="643464"/>
+            <a:ext cx="3761964" cy="3273061"/>
           </a:xfrm>
+          <a:noFill/>
+          <a:ln w="19050">
+            <a:noFill/>
+            <a:prstDash val="dash"/>
+          </a:ln>
         </p:spPr>
         <p:txBody>
-          <a:bodyPr anchor="ctr">
+          <a:bodyPr>
             <a:normAutofit/>
           </a:bodyPr>
           <a:lstStyle/>
           <a:p>
-            <a:r>
-              <a:rPr lang="en-US" sz="5400" dirty="0"/>
+            <a:pPr algn="r"/>
+            <a:r>
+              <a:rPr lang="en-US" sz="4800"/>
               <a:t>DATAVIZ</a:t>
             </a:r>
             <a:br>
-              <a:rPr lang="en-US" sz="5400" dirty="0"/>
+              <a:rPr lang="en-US" sz="4800"/>
             </a:br>
             <a:r>
-              <a:rPr lang="en-US" sz="5400" dirty="0"/>
+              <a:rPr lang="en-US" sz="4800"/>
               <a:t>Project 2</a:t>
             </a:r>
+            <a:endParaRPr lang="en-US" sz="4800" dirty="0"/>
           </a:p>
         </p:txBody>
       </p:sp>
@@ -14318,76 +14508,59 @@
         </p:nvSpPr>
         <p:spPr>
           <a:xfrm>
-            <a:off x="965200" y="965200"/>
-            <a:ext cx="3367361" cy="4329641"/>
+            <a:off x="636695" y="3923151"/>
+            <a:ext cx="3761965" cy="2293885"/>
           </a:xfrm>
+          <a:noFill/>
+          <a:ln w="19050">
+            <a:noFill/>
+            <a:prstDash val="dash"/>
+          </a:ln>
         </p:spPr>
         <p:txBody>
-          <a:bodyPr anchor="ctr">
+          <a:bodyPr>
             <a:normAutofit/>
           </a:bodyPr>
           <a:lstStyle/>
           <a:p>
             <a:pPr algn="r"/>
             <a:r>
-              <a:rPr lang="en-US" dirty="0"/>
+              <a:rPr lang="en-US"/>
               <a:t>Visualizations of volcanic activity around the Earth</a:t>
             </a:r>
+            <a:endParaRPr lang="en-US" dirty="0"/>
           </a:p>
         </p:txBody>
       </p:sp>
-      <p:cxnSp>
-        <p:nvCxnSpPr>
-          <p:cNvPr id="12" name="Straight Connector 11">
+      <p:pic>
+        <p:nvPicPr>
+          <p:cNvPr id="7" name="Picture 6" descr="A picture containing nature, mountain, outdoor, clouds&#10;&#10;Description automatically generated">
             <a:extLst>
               <a:ext uri="{FF2B5EF4-FFF2-40B4-BE49-F238E27FC236}">
-                <a16:creationId xmlns:a16="http://schemas.microsoft.com/office/drawing/2014/main" id="{6FE641DB-A503-41DE-ACA6-36B41C6C2BE9}"/>
-              </a:ext>
-              <a:ext uri="{C183D7F6-B498-43B3-948B-1728B52AA6E4}">
-                <adec:decorative xmlns:adec="http://schemas.microsoft.com/office/drawing/2017/decorative" val="1"/>
+                <a16:creationId xmlns:a16="http://schemas.microsoft.com/office/drawing/2014/main" id="{4CB1EFA6-B8EB-F941-9A5B-D536C13399FC}"/>
               </a:ext>
             </a:extLst>
           </p:cNvPr>
-          <p:cNvCxnSpPr>
-            <a:cxnSpLocks noGrp="1" noRot="1" noChangeAspect="1" noMove="1" noResize="1" noEditPoints="1" noAdjustHandles="1" noChangeArrowheads="1" noChangeShapeType="1"/>
-          </p:cNvCxnSpPr>
-          <p:nvPr>
-            <p:extLst>
-              <p:ext uri="{386F3935-93C4-4BCD-93E2-E3B085C9AB24}">
-                <p16:designElem xmlns:p16="http://schemas.microsoft.com/office/powerpoint/2015/main" val="1"/>
-              </p:ext>
-            </p:extLst>
-          </p:nvPr>
-        </p:nvCxnSpPr>
+          <p:cNvPicPr>
+            <a:picLocks noChangeAspect="1"/>
+          </p:cNvPicPr>
+          <p:nvPr/>
+        </p:nvPicPr>
+        <p:blipFill rotWithShape="1">
+          <a:blip r:embed="rId4"/>
+          <a:srcRect l="7832" r="6929"/>
+          <a:stretch/>
+        </p:blipFill>
         <p:spPr>
           <a:xfrm>
-            <a:off x="4654295" y="1621260"/>
-            <a:ext cx="0" cy="3017520"/>
+            <a:off x="5228944" y="941122"/>
+            <a:ext cx="5813354" cy="5115048"/>
           </a:xfrm>
-          <a:prstGeom prst="line">
+          <a:prstGeom prst="rect">
             <a:avLst/>
           </a:prstGeom>
-          <a:ln w="15875">
-            <a:solidFill>
-              <a:schemeClr val="tx1"/>
-            </a:solidFill>
-          </a:ln>
         </p:spPr>
-        <p:style>
-          <a:lnRef idx="1">
-            <a:schemeClr val="accent1"/>
-          </a:lnRef>
-          <a:fillRef idx="0">
-            <a:schemeClr val="accent1"/>
-          </a:fillRef>
-          <a:effectRef idx="0">
-            <a:schemeClr val="accent1"/>
-          </a:effectRef>
-          <a:fontRef idx="minor">
-            <a:schemeClr val="tx1"/>
-          </a:fontRef>
-        </p:style>
-      </p:cxnSp>
+      </p:pic>
     </p:spTree>
     <p:extLst>
       <p:ext uri="{BB962C8B-B14F-4D97-AF65-F5344CB8AC3E}">
@@ -14398,6 +14571,183 @@
   <p:clrMapOvr>
     <a:masterClrMapping/>
   </p:clrMapOvr>
+  <p:timing>
+    <p:tnLst>
+      <p:par>
+        <p:cTn id="1" dur="indefinite" restart="never" nodeType="tmRoot">
+          <p:childTnLst>
+            <p:seq concurrent="1" nextAc="seek">
+              <p:cTn id="2" dur="indefinite" nodeType="mainSeq">
+                <p:childTnLst>
+                  <p:par>
+                    <p:cTn id="3" fill="hold">
+                      <p:stCondLst>
+                        <p:cond delay="indefinite"/>
+                        <p:cond evt="onBegin" delay="0">
+                          <p:tn val="2"/>
+                        </p:cond>
+                      </p:stCondLst>
+                      <p:childTnLst>
+                        <p:par>
+                          <p:cTn id="4" fill="hold">
+                            <p:stCondLst>
+                              <p:cond delay="0"/>
+                            </p:stCondLst>
+                            <p:childTnLst>
+                              <p:par>
+                                <p:cTn id="5" presetID="10" presetClass="entr" presetSubtype="0" fill="hold" nodeType="withEffect">
+                                  <p:stCondLst>
+                                    <p:cond delay="0"/>
+                                  </p:stCondLst>
+                                  <p:iterate>
+                                    <p:tmPct val="10000"/>
+                                  </p:iterate>
+                                  <p:childTnLst>
+                                    <p:set>
+                                      <p:cBhvr>
+                                        <p:cTn id="6" dur="1" fill="hold">
+                                          <p:stCondLst>
+                                            <p:cond delay="0"/>
+                                          </p:stCondLst>
+                                        </p:cTn>
+                                        <p:tgtEl>
+                                          <p:spTgt spid="7"/>
+                                        </p:tgtEl>
+                                        <p:attrNameLst>
+                                          <p:attrName>style.visibility</p:attrName>
+                                        </p:attrNameLst>
+                                      </p:cBhvr>
+                                      <p:to>
+                                        <p:strVal val="visible"/>
+                                      </p:to>
+                                    </p:set>
+                                    <p:animEffect transition="in" filter="fade">
+                                      <p:cBhvr>
+                                        <p:cTn id="7" dur="700"/>
+                                        <p:tgtEl>
+                                          <p:spTgt spid="7"/>
+                                        </p:tgtEl>
+                                      </p:cBhvr>
+                                    </p:animEffect>
+                                  </p:childTnLst>
+                                </p:cTn>
+                              </p:par>
+                              <p:par>
+                                <p:cTn id="8" presetID="10" presetClass="entr" presetSubtype="0" fill="hold" grpId="0" nodeType="withEffect">
+                                  <p:stCondLst>
+                                    <p:cond delay="1500"/>
+                                  </p:stCondLst>
+                                  <p:iterate>
+                                    <p:tmPct val="10000"/>
+                                  </p:iterate>
+                                  <p:childTnLst>
+                                    <p:set>
+                                      <p:cBhvr>
+                                        <p:cTn id="9" dur="1" fill="hold">
+                                          <p:stCondLst>
+                                            <p:cond delay="0"/>
+                                          </p:stCondLst>
+                                        </p:cTn>
+                                        <p:tgtEl>
+                                          <p:spTgt spid="3">
+                                            <p:txEl>
+                                              <p:pRg st="0" end="0"/>
+                                            </p:txEl>
+                                          </p:spTgt>
+                                        </p:tgtEl>
+                                        <p:attrNameLst>
+                                          <p:attrName>style.visibility</p:attrName>
+                                        </p:attrNameLst>
+                                      </p:cBhvr>
+                                      <p:to>
+                                        <p:strVal val="visible"/>
+                                      </p:to>
+                                    </p:set>
+                                    <p:animEffect transition="in" filter="fade">
+                                      <p:cBhvr>
+                                        <p:cTn id="10" dur="700"/>
+                                        <p:tgtEl>
+                                          <p:spTgt spid="3">
+                                            <p:txEl>
+                                              <p:pRg st="0" end="0"/>
+                                            </p:txEl>
+                                          </p:spTgt>
+                                        </p:tgtEl>
+                                      </p:cBhvr>
+                                    </p:animEffect>
+                                  </p:childTnLst>
+                                </p:cTn>
+                              </p:par>
+                              <p:par>
+                                <p:cTn id="11" presetID="10" presetClass="entr" presetSubtype="0" fill="hold" grpId="0" nodeType="withEffect">
+                                  <p:stCondLst>
+                                    <p:cond delay="1000"/>
+                                  </p:stCondLst>
+                                  <p:iterate>
+                                    <p:tmPct val="10000"/>
+                                  </p:iterate>
+                                  <p:childTnLst>
+                                    <p:set>
+                                      <p:cBhvr>
+                                        <p:cTn id="12" dur="1" fill="hold">
+                                          <p:stCondLst>
+                                            <p:cond delay="0"/>
+                                          </p:stCondLst>
+                                        </p:cTn>
+                                        <p:tgtEl>
+                                          <p:spTgt spid="2"/>
+                                        </p:tgtEl>
+                                        <p:attrNameLst>
+                                          <p:attrName>style.visibility</p:attrName>
+                                        </p:attrNameLst>
+                                      </p:cBhvr>
+                                      <p:to>
+                                        <p:strVal val="visible"/>
+                                      </p:to>
+                                    </p:set>
+                                    <p:animEffect transition="in" filter="fade">
+                                      <p:cBhvr>
+                                        <p:cTn id="13" dur="700"/>
+                                        <p:tgtEl>
+                                          <p:spTgt spid="2"/>
+                                        </p:tgtEl>
+                                      </p:cBhvr>
+                                    </p:animEffect>
+                                  </p:childTnLst>
+                                </p:cTn>
+                              </p:par>
+                            </p:childTnLst>
+                          </p:cTn>
+                        </p:par>
+                      </p:childTnLst>
+                    </p:cTn>
+                  </p:par>
+                </p:childTnLst>
+              </p:cTn>
+              <p:prevCondLst>
+                <p:cond evt="onPrev" delay="0">
+                  <p:tgtEl>
+                    <p:sldTgt/>
+                  </p:tgtEl>
+                </p:cond>
+              </p:prevCondLst>
+              <p:nextCondLst>
+                <p:cond evt="onNext" delay="0">
+                  <p:tgtEl>
+                    <p:sldTgt/>
+                  </p:tgtEl>
+                </p:cond>
+              </p:nextCondLst>
+            </p:seq>
+          </p:childTnLst>
+        </p:cTn>
+      </p:par>
+    </p:tnLst>
+    <p:bldLst>
+      <p:bldP spid="2" grpId="0"/>
+      <p:bldP spid="3" grpId="0" build="p"/>
+    </p:bldLst>
+  </p:timing>
 </p:sld>
 </file>
 
@@ -14423,7 +14773,7 @@
           <p:cNvPr id="2" name="Title 1">
             <a:extLst>
               <a:ext uri="{FF2B5EF4-FFF2-40B4-BE49-F238E27FC236}">
-                <a16:creationId xmlns:a16="http://schemas.microsoft.com/office/drawing/2014/main" id="{C80B5474-320E-F24D-8EE5-EBC950195444}"/>
+                <a16:creationId xmlns:a16="http://schemas.microsoft.com/office/drawing/2014/main" id="{419FF6A2-0E20-774D-B9E6-7DD3DB0F81AC}"/>
               </a:ext>
             </a:extLst>
           </p:cNvPr>
@@ -14441,17 +14791,17 @@
           <a:p>
             <a:r>
               <a:rPr lang="en-US" dirty="0"/>
-              <a:t>Final visualization</a:t>
+              <a:t>Marker view</a:t>
             </a:r>
           </a:p>
         </p:txBody>
       </p:sp>
       <p:pic>
         <p:nvPicPr>
-          <p:cNvPr id="5" name="Content Placeholder 4" descr="A screenshot of a video game&#10;&#10;Description automatically generated">
+          <p:cNvPr id="5" name="Content Placeholder 4" descr="Map&#10;&#10;Description automatically generated">
             <a:extLst>
               <a:ext uri="{FF2B5EF4-FFF2-40B4-BE49-F238E27FC236}">
-                <a16:creationId xmlns:a16="http://schemas.microsoft.com/office/drawing/2014/main" id="{8A5028EC-9F97-3241-8389-329969F7F84D}"/>
+                <a16:creationId xmlns:a16="http://schemas.microsoft.com/office/drawing/2014/main" id="{502D8402-E0A3-A449-BE14-A4B58D7AF2DD}"/>
               </a:ext>
             </a:extLst>
           </p:cNvPr>
@@ -14470,15 +14820,15 @@
         </p:blipFill>
         <p:spPr>
           <a:xfrm>
-            <a:off x="1743915" y="2193925"/>
-            <a:ext cx="8704170" cy="4024313"/>
+            <a:off x="1529861" y="1842232"/>
+            <a:ext cx="9423494" cy="4526356"/>
           </a:xfrm>
         </p:spPr>
       </p:pic>
     </p:spTree>
     <p:extLst>
       <p:ext uri="{BB962C8B-B14F-4D97-AF65-F5344CB8AC3E}">
-        <p14:creationId xmlns:p14="http://schemas.microsoft.com/office/powerpoint/2010/main" val="2216499576"/>
+        <p14:creationId xmlns:p14="http://schemas.microsoft.com/office/powerpoint/2010/main" val="3458147609"/>
       </p:ext>
     </p:extLst>
   </p:cSld>
@@ -14491,6 +14841,14 @@
 <file path=ppt/slides/slide11.xml><?xml version="1.0" encoding="utf-8"?>
 <p:sld xmlns:a="http://schemas.openxmlformats.org/drawingml/2006/main" xmlns:r="http://schemas.openxmlformats.org/officeDocument/2006/relationships" xmlns:p="http://schemas.openxmlformats.org/presentationml/2006/main">
   <p:cSld>
+    <p:bg>
+      <p:bgPr>
+        <a:solidFill>
+          <a:schemeClr val="bg1"/>
+        </a:solidFill>
+        <a:effectLst/>
+      </p:bgPr>
+    </p:bg>
     <p:spTree>
       <p:nvGrpSpPr>
         <p:cNvPr id="1" name=""/>
@@ -14507,10 +14865,118 @@
       </p:grpSpPr>
       <p:sp>
         <p:nvSpPr>
+          <p:cNvPr id="12" name="Rectangle 11">
+            <a:extLst>
+              <a:ext uri="{FF2B5EF4-FFF2-40B4-BE49-F238E27FC236}">
+                <a16:creationId xmlns:a16="http://schemas.microsoft.com/office/drawing/2014/main" id="{8B836880-BF75-4385-9994-9270F8ACF1A7}"/>
+              </a:ext>
+              <a:ext uri="{C183D7F6-B498-43B3-948B-1728B52AA6E4}">
+                <adec:decorative xmlns:adec="http://schemas.microsoft.com/office/drawing/2017/decorative" val="1"/>
+              </a:ext>
+            </a:extLst>
+          </p:cNvPr>
+          <p:cNvSpPr>
+            <a:spLocks noGrp="1" noRot="1" noChangeAspect="1" noMove="1" noResize="1" noEditPoints="1" noAdjustHandles="1" noChangeArrowheads="1" noChangeShapeType="1" noTextEdit="1"/>
+          </p:cNvSpPr>
+          <p:nvPr>
+            <p:extLst>
+              <p:ext uri="{386F3935-93C4-4BCD-93E2-E3B085C9AB24}">
+                <p16:designElem xmlns:p16="http://schemas.microsoft.com/office/powerpoint/2015/main" val="1"/>
+              </p:ext>
+            </p:extLst>
+          </p:nvPr>
+        </p:nvSpPr>
+        <p:spPr>
+          <a:xfrm>
+            <a:off x="0" y="0"/>
+            <a:ext cx="12192000" cy="6858000"/>
+          </a:xfrm>
+          <a:prstGeom prst="rect">
+            <a:avLst/>
+          </a:prstGeom>
+          <a:solidFill>
+            <a:schemeClr val="bg1"/>
+          </a:solidFill>
+          <a:ln>
+            <a:noFill/>
+          </a:ln>
+        </p:spPr>
+        <p:style>
+          <a:lnRef idx="2">
+            <a:schemeClr val="accent1">
+              <a:shade val="50000"/>
+            </a:schemeClr>
+          </a:lnRef>
+          <a:fillRef idx="1">
+            <a:schemeClr val="accent1"/>
+          </a:fillRef>
+          <a:effectRef idx="0">
+            <a:schemeClr val="accent1"/>
+          </a:effectRef>
+          <a:fontRef idx="minor">
+            <a:schemeClr val="lt1"/>
+          </a:fontRef>
+        </p:style>
+        <p:txBody>
+          <a:bodyPr rtlCol="0" anchor="ctr"/>
+          <a:lstStyle/>
+          <a:p>
+            <a:pPr algn="ctr"/>
+            <a:endParaRPr lang="en-US"/>
+          </a:p>
+        </p:txBody>
+      </p:sp>
+      <p:pic>
+        <p:nvPicPr>
+          <p:cNvPr id="14" name="Picture 13">
+            <a:extLst>
+              <a:ext uri="{FF2B5EF4-FFF2-40B4-BE49-F238E27FC236}">
+                <a16:creationId xmlns:a16="http://schemas.microsoft.com/office/drawing/2014/main" id="{26BCFBE2-C65F-42E3-A14A-5D04B9842E44}"/>
+              </a:ext>
+              <a:ext uri="{C183D7F6-B498-43B3-948B-1728B52AA6E4}">
+                <adec:decorative xmlns:adec="http://schemas.microsoft.com/office/drawing/2017/decorative" val="1"/>
+              </a:ext>
+            </a:extLst>
+          </p:cNvPr>
+          <p:cNvPicPr>
+            <a:picLocks noGrp="1" noRot="1" noChangeAspect="1" noMove="1" noResize="1" noEditPoints="1" noAdjustHandles="1" noChangeArrowheads="1" noChangeShapeType="1" noCrop="1"/>
+          </p:cNvPicPr>
+          <p:nvPr>
+            <p:extLst>
+              <p:ext uri="{386F3935-93C4-4BCD-93E2-E3B085C9AB24}">
+                <p16:designElem xmlns:p16="http://schemas.microsoft.com/office/powerpoint/2015/main" val="1"/>
+              </p:ext>
+            </p:extLst>
+          </p:nvPr>
+        </p:nvPicPr>
+        <p:blipFill>
+          <a:blip r:embed="rId3">
+            <a:extLst>
+              <a:ext uri="{28A0092B-C50C-407E-A947-70E740481C1C}">
+                <a14:useLocalDpi xmlns:a14="http://schemas.microsoft.com/office/drawing/2010/main" val="0"/>
+              </a:ext>
+            </a:extLst>
+          </a:blip>
+          <a:stretch>
+            <a:fillRect/>
+          </a:stretch>
+        </p:blipFill>
+        <p:spPr>
+          <a:xfrm>
+            <a:off x="0" y="0"/>
+            <a:ext cx="12192000" cy="1441450"/>
+          </a:xfrm>
+          <a:prstGeom prst="rect">
+            <a:avLst/>
+          </a:prstGeom>
+        </p:spPr>
+      </p:pic>
+      <p:sp>
+        <p:nvSpPr>
           <p:cNvPr id="2" name="Title 1">
             <a:extLst>
               <a:ext uri="{FF2B5EF4-FFF2-40B4-BE49-F238E27FC236}">
-                <a16:creationId xmlns:a16="http://schemas.microsoft.com/office/drawing/2014/main" id="{C72793AE-909F-B247-BBA0-83CD5B48AD99}"/>
+                <a16:creationId xmlns:a16="http://schemas.microsoft.com/office/drawing/2014/main" id="{92C9DC69-8D7D-B440-AD10-E1F7F30EE6A2}"/>
               </a:ext>
             </a:extLst>
           </p:cNvPr>
@@ -14521,24 +14987,108 @@
             <p:ph type="title"/>
           </p:nvPr>
         </p:nvSpPr>
-        <p:spPr/>
+        <p:spPr>
+          <a:xfrm>
+            <a:off x="539221" y="1066164"/>
+            <a:ext cx="3306744" cy="1293028"/>
+          </a:xfrm>
+        </p:spPr>
         <p:txBody>
-          <a:bodyPr/>
+          <a:bodyPr>
+            <a:normAutofit/>
+          </a:bodyPr>
           <a:lstStyle/>
           <a:p>
             <a:r>
-              <a:rPr lang="en-US" dirty="0"/>
-              <a:t>Tectonic plate view </a:t>
-            </a:r>
+              <a:rPr lang="en-US" sz="3200" dirty="0"/>
+              <a:t>Interactive</a:t>
+            </a:r>
+            <a:br>
+              <a:rPr lang="en-US" sz="3200" dirty="0"/>
+            </a:br>
+            <a:r>
+              <a:rPr lang="en-US" sz="3200" dirty="0"/>
+              <a:t>Query</a:t>
+            </a:r>
+          </a:p>
+        </p:txBody>
+      </p:sp>
+      <p:sp>
+        <p:nvSpPr>
+          <p:cNvPr id="16" name="Rounded Rectangle 14">
+            <a:extLst>
+              <a:ext uri="{FF2B5EF4-FFF2-40B4-BE49-F238E27FC236}">
+                <a16:creationId xmlns:a16="http://schemas.microsoft.com/office/drawing/2014/main" id="{38D32B90-922C-4411-A898-3F03AA808A09}"/>
+              </a:ext>
+              <a:ext uri="{C183D7F6-B498-43B3-948B-1728B52AA6E4}">
+                <adec:decorative xmlns:adec="http://schemas.microsoft.com/office/drawing/2017/decorative" val="1"/>
+              </a:ext>
+            </a:extLst>
+          </p:cNvPr>
+          <p:cNvSpPr>
+            <a:spLocks noGrp="1" noRot="1" noChangeAspect="1" noMove="1" noResize="1" noEditPoints="1" noAdjustHandles="1" noChangeArrowheads="1" noChangeShapeType="1" noTextEdit="1"/>
+          </p:cNvSpPr>
+          <p:nvPr>
+            <p:extLst>
+              <p:ext uri="{386F3935-93C4-4BCD-93E2-E3B085C9AB24}">
+                <p16:designElem xmlns:p16="http://schemas.microsoft.com/office/powerpoint/2015/main" val="1"/>
+              </p:ext>
+            </p:extLst>
+          </p:nvPr>
+        </p:nvSpPr>
+        <p:spPr>
+          <a:xfrm>
+            <a:off x="4636008" y="1066164"/>
+            <a:ext cx="6765949" cy="5148371"/>
+          </a:xfrm>
+          <a:prstGeom prst="roundRect">
+            <a:avLst>
+              <a:gd name="adj" fmla="val 2403"/>
+            </a:avLst>
+          </a:prstGeom>
+          <a:solidFill>
+            <a:srgbClr val="FFFFFF"/>
+          </a:solidFill>
+          <a:ln>
+            <a:noFill/>
+          </a:ln>
+          <a:effectLst>
+            <a:innerShdw blurRad="114300">
+              <a:prstClr val="black"/>
+            </a:innerShdw>
+          </a:effectLst>
+        </p:spPr>
+        <p:style>
+          <a:lnRef idx="2">
+            <a:schemeClr val="accent1">
+              <a:shade val="50000"/>
+            </a:schemeClr>
+          </a:lnRef>
+          <a:fillRef idx="1">
+            <a:schemeClr val="accent1"/>
+          </a:fillRef>
+          <a:effectRef idx="0">
+            <a:schemeClr val="accent1"/>
+          </a:effectRef>
+          <a:fontRef idx="minor">
+            <a:schemeClr val="lt1"/>
+          </a:fontRef>
+        </p:style>
+        <p:txBody>
+          <a:bodyPr rtlCol="0" anchor="ctr"/>
+          <a:lstStyle/>
+          <a:p>
+            <a:pPr algn="ctr"/>
+            <a:endParaRPr lang="en-US"/>
           </a:p>
         </p:txBody>
       </p:sp>
       <p:pic>
         <p:nvPicPr>
-          <p:cNvPr id="5" name="Content Placeholder 4" descr="Map&#10;&#10;Description automatically generated">
+          <p:cNvPr id="7" name="Content Placeholder 6" descr="Graphical user interface, map&#10;&#10;Description automatically generated">
             <a:extLst>
               <a:ext uri="{FF2B5EF4-FFF2-40B4-BE49-F238E27FC236}">
-                <a16:creationId xmlns:a16="http://schemas.microsoft.com/office/drawing/2014/main" id="{9A601A18-FDB4-B149-9A8F-97E0819AFD88}"/>
+                <a16:creationId xmlns:a16="http://schemas.microsoft.com/office/drawing/2014/main" id="{A897D48D-DEA0-9C43-B63F-84395BDDB623}"/>
               </a:ext>
             </a:extLst>
           </p:cNvPr>
@@ -14550,22 +15100,22 @@
           </p:nvPr>
         </p:nvPicPr>
         <p:blipFill>
-          <a:blip r:embed="rId2"/>
+          <a:blip r:embed="rId4"/>
           <a:stretch>
             <a:fillRect/>
           </a:stretch>
         </p:blipFill>
         <p:spPr>
           <a:xfrm>
-            <a:off x="1757004" y="2193925"/>
-            <a:ext cx="8677992" cy="4024313"/>
+            <a:off x="4681159" y="1410887"/>
+            <a:ext cx="6696368" cy="3583143"/>
           </a:xfrm>
         </p:spPr>
       </p:pic>
     </p:spTree>
     <p:extLst>
       <p:ext uri="{BB962C8B-B14F-4D97-AF65-F5344CB8AC3E}">
-        <p14:creationId xmlns:p14="http://schemas.microsoft.com/office/powerpoint/2010/main" val="694001375"/>
+        <p14:creationId xmlns:p14="http://schemas.microsoft.com/office/powerpoint/2010/main" val="4050568838"/>
       </p:ext>
     </p:extLst>
   </p:cSld>
@@ -14578,6 +15128,14 @@
 <file path=ppt/slides/slide12.xml><?xml version="1.0" encoding="utf-8"?>
 <p:sld xmlns:a="http://schemas.openxmlformats.org/drawingml/2006/main" xmlns:r="http://schemas.openxmlformats.org/officeDocument/2006/relationships" xmlns:p="http://schemas.openxmlformats.org/presentationml/2006/main">
   <p:cSld>
+    <p:bg>
+      <p:bgPr>
+        <a:solidFill>
+          <a:schemeClr val="bg1"/>
+        </a:solidFill>
+        <a:effectLst/>
+      </p:bgPr>
+    </p:bg>
     <p:spTree>
       <p:nvGrpSpPr>
         <p:cNvPr id="1" name=""/>
@@ -14597,7 +15155,7 @@
           <p:cNvPr id="2" name="Title 1">
             <a:extLst>
               <a:ext uri="{FF2B5EF4-FFF2-40B4-BE49-F238E27FC236}">
-                <a16:creationId xmlns:a16="http://schemas.microsoft.com/office/drawing/2014/main" id="{419FF6A2-0E20-774D-B9E6-7DD3DB0F81AC}"/>
+                <a16:creationId xmlns:a16="http://schemas.microsoft.com/office/drawing/2014/main" id="{C06B1E64-DDFE-AE4A-AA3D-7BDC7D48818C}"/>
               </a:ext>
             </a:extLst>
           </p:cNvPr>
@@ -14608,24 +15166,61 @@
             <p:ph type="title"/>
           </p:nvPr>
         </p:nvSpPr>
-        <p:spPr/>
+        <p:spPr>
+          <a:xfrm>
+            <a:off x="2895600" y="764373"/>
+            <a:ext cx="8610600" cy="1293028"/>
+          </a:xfrm>
+        </p:spPr>
         <p:txBody>
-          <a:bodyPr/>
+          <a:bodyPr>
+            <a:normAutofit/>
+          </a:bodyPr>
           <a:lstStyle/>
           <a:p>
             <a:r>
-              <a:rPr lang="en-US" dirty="0"/>
-              <a:t>Marker view</a:t>
-            </a:r>
+              <a:rPr lang="en-US" dirty="0" err="1"/>
+              <a:t>webscraping</a:t>
+            </a:r>
+            <a:endParaRPr lang="en-US" dirty="0"/>
           </a:p>
         </p:txBody>
       </p:sp>
       <p:pic>
         <p:nvPicPr>
-          <p:cNvPr id="5" name="Content Placeholder 4" descr="Map&#10;&#10;Description automatically generated">
+          <p:cNvPr id="5" name="Content Placeholder 4" descr="Graphical user interface, text, application&#10;&#10;Description automatically generated">
             <a:extLst>
               <a:ext uri="{FF2B5EF4-FFF2-40B4-BE49-F238E27FC236}">
-                <a16:creationId xmlns:a16="http://schemas.microsoft.com/office/drawing/2014/main" id="{502D8402-E0A3-A449-BE14-A4B58D7AF2DD}"/>
+                <a16:creationId xmlns:a16="http://schemas.microsoft.com/office/drawing/2014/main" id="{B05CBAB5-30D5-8246-9045-A110D3E59E74}"/>
+              </a:ext>
+            </a:extLst>
+          </p:cNvPr>
+          <p:cNvPicPr>
+            <a:picLocks noChangeAspect="1"/>
+          </p:cNvPicPr>
+          <p:nvPr/>
+        </p:nvPicPr>
+        <p:blipFill rotWithShape="1">
+          <a:blip r:embed="rId3"/>
+          <a:srcRect l="18805" r="18232" b="-1"/>
+          <a:stretch/>
+        </p:blipFill>
+        <p:spPr>
+          <a:xfrm>
+            <a:off x="685800" y="2501159"/>
+            <a:ext cx="4521200" cy="3410926"/>
+          </a:xfrm>
+          <a:prstGeom prst="rect">
+            <a:avLst/>
+          </a:prstGeom>
+        </p:spPr>
+      </p:pic>
+      <p:pic>
+        <p:nvPicPr>
+          <p:cNvPr id="7" name="Content Placeholder 6" descr="Graphical user interface, table&#10;&#10;Description automatically generated">
+            <a:extLst>
+              <a:ext uri="{FF2B5EF4-FFF2-40B4-BE49-F238E27FC236}">
+                <a16:creationId xmlns:a16="http://schemas.microsoft.com/office/drawing/2014/main" id="{B00E46CF-EA69-2E4E-9759-7250606D1FE3}"/>
               </a:ext>
             </a:extLst>
           </p:cNvPr>
@@ -14637,22 +15232,421 @@
           </p:nvPr>
         </p:nvPicPr>
         <p:blipFill>
-          <a:blip r:embed="rId2"/>
+          <a:blip r:embed="rId4"/>
           <a:stretch>
             <a:fillRect/>
           </a:stretch>
         </p:blipFill>
         <p:spPr>
           <a:xfrm>
-            <a:off x="1906858" y="2193925"/>
-            <a:ext cx="8378283" cy="4024313"/>
+            <a:off x="6169640" y="2193925"/>
+            <a:ext cx="4856519" cy="4024313"/>
           </a:xfrm>
         </p:spPr>
       </p:pic>
     </p:spTree>
     <p:extLst>
       <p:ext uri="{BB962C8B-B14F-4D97-AF65-F5344CB8AC3E}">
-        <p14:creationId xmlns:p14="http://schemas.microsoft.com/office/powerpoint/2010/main" val="3458147609"/>
+        <p14:creationId xmlns:p14="http://schemas.microsoft.com/office/powerpoint/2010/main" val="3800322404"/>
+      </p:ext>
+    </p:extLst>
+  </p:cSld>
+  <p:clrMapOvr>
+    <a:masterClrMapping/>
+  </p:clrMapOvr>
+</p:sld>
+</file>
+
+<file path=ppt/slides/slide13.xml><?xml version="1.0" encoding="utf-8"?>
+<p:sld xmlns:a="http://schemas.openxmlformats.org/drawingml/2006/main" xmlns:r="http://schemas.openxmlformats.org/officeDocument/2006/relationships" xmlns:p="http://schemas.openxmlformats.org/presentationml/2006/main">
+  <p:cSld>
+    <p:bg>
+      <p:bgPr>
+        <a:solidFill>
+          <a:schemeClr val="bg1"/>
+        </a:solidFill>
+        <a:effectLst/>
+      </p:bgPr>
+    </p:bg>
+    <p:spTree>
+      <p:nvGrpSpPr>
+        <p:cNvPr id="1" name=""/>
+        <p:cNvGrpSpPr/>
+        <p:nvPr/>
+      </p:nvGrpSpPr>
+      <p:grpSpPr>
+        <a:xfrm>
+          <a:off x="0" y="0"/>
+          <a:ext cx="0" cy="0"/>
+          <a:chOff x="0" y="0"/>
+          <a:chExt cx="0" cy="0"/>
+        </a:xfrm>
+      </p:grpSpPr>
+      <p:sp>
+        <p:nvSpPr>
+          <p:cNvPr id="22" name="Rectangle 13">
+            <a:extLst>
+              <a:ext uri="{FF2B5EF4-FFF2-40B4-BE49-F238E27FC236}">
+                <a16:creationId xmlns:a16="http://schemas.microsoft.com/office/drawing/2014/main" id="{1EA5387D-64D8-4D6C-B109-FF4E81DF609A}"/>
+              </a:ext>
+              <a:ext uri="{C183D7F6-B498-43B3-948B-1728B52AA6E4}">
+                <adec:decorative xmlns:adec="http://schemas.microsoft.com/office/drawing/2017/decorative" val="1"/>
+              </a:ext>
+            </a:extLst>
+          </p:cNvPr>
+          <p:cNvSpPr>
+            <a:spLocks noGrp="1" noRot="1" noChangeAspect="1" noMove="1" noResize="1" noEditPoints="1" noAdjustHandles="1" noChangeArrowheads="1" noChangeShapeType="1" noTextEdit="1"/>
+          </p:cNvSpPr>
+          <p:nvPr>
+            <p:extLst>
+              <p:ext uri="{386F3935-93C4-4BCD-93E2-E3B085C9AB24}">
+                <p16:designElem xmlns:p16="http://schemas.microsoft.com/office/powerpoint/2015/main" val="1"/>
+              </p:ext>
+            </p:extLst>
+          </p:nvPr>
+        </p:nvSpPr>
+        <p:spPr>
+          <a:xfrm>
+            <a:off x="0" y="0"/>
+            <a:ext cx="12192000" cy="6858000"/>
+          </a:xfrm>
+          <a:prstGeom prst="rect">
+            <a:avLst/>
+          </a:prstGeom>
+          <a:solidFill>
+            <a:schemeClr val="bg1"/>
+          </a:solidFill>
+          <a:ln>
+            <a:noFill/>
+          </a:ln>
+        </p:spPr>
+        <p:style>
+          <a:lnRef idx="2">
+            <a:schemeClr val="accent1">
+              <a:shade val="50000"/>
+            </a:schemeClr>
+          </a:lnRef>
+          <a:fillRef idx="1">
+            <a:schemeClr val="accent1"/>
+          </a:fillRef>
+          <a:effectRef idx="0">
+            <a:schemeClr val="accent1"/>
+          </a:effectRef>
+          <a:fontRef idx="minor">
+            <a:schemeClr val="lt1"/>
+          </a:fontRef>
+        </p:style>
+        <p:txBody>
+          <a:bodyPr rtlCol="0" anchor="ctr"/>
+          <a:lstStyle/>
+          <a:p>
+            <a:pPr algn="ctr"/>
+            <a:endParaRPr lang="en-US"/>
+          </a:p>
+        </p:txBody>
+      </p:sp>
+      <p:pic>
+        <p:nvPicPr>
+          <p:cNvPr id="7" name="Content Placeholder 6" descr="A volcano erupting at night&#10;&#10;Description automatically generated">
+            <a:extLst>
+              <a:ext uri="{FF2B5EF4-FFF2-40B4-BE49-F238E27FC236}">
+                <a16:creationId xmlns:a16="http://schemas.microsoft.com/office/drawing/2014/main" id="{60908B6A-C842-2647-981B-3692ACFC8747}"/>
+              </a:ext>
+            </a:extLst>
+          </p:cNvPr>
+          <p:cNvPicPr>
+            <a:picLocks noChangeAspect="1"/>
+          </p:cNvPicPr>
+          <p:nvPr/>
+        </p:nvPicPr>
+        <p:blipFill rotWithShape="1">
+          <a:blip r:embed="rId2">
+            <a:alphaModFix amt="30000"/>
+          </a:blip>
+          <a:srcRect/>
+          <a:stretch/>
+        </p:blipFill>
+        <p:spPr>
+          <a:xfrm>
+            <a:off x="20" y="10"/>
+            <a:ext cx="12191980" cy="6857990"/>
+          </a:xfrm>
+          <a:prstGeom prst="rect">
+            <a:avLst/>
+          </a:prstGeom>
+        </p:spPr>
+      </p:pic>
+      <p:sp>
+        <p:nvSpPr>
+          <p:cNvPr id="2" name="Title 1">
+            <a:extLst>
+              <a:ext uri="{FF2B5EF4-FFF2-40B4-BE49-F238E27FC236}">
+                <a16:creationId xmlns:a16="http://schemas.microsoft.com/office/drawing/2014/main" id="{BAB793B1-B34E-3344-9F35-B2424C125675}"/>
+              </a:ext>
+            </a:extLst>
+          </p:cNvPr>
+          <p:cNvSpPr>
+            <a:spLocks noGrp="1"/>
+          </p:cNvSpPr>
+          <p:nvPr>
+            <p:ph type="title"/>
+          </p:nvPr>
+        </p:nvSpPr>
+        <p:spPr>
+          <a:xfrm>
+            <a:off x="2895600" y="764373"/>
+            <a:ext cx="8610600" cy="1293028"/>
+          </a:xfrm>
+        </p:spPr>
+        <p:txBody>
+          <a:bodyPr>
+            <a:normAutofit/>
+          </a:bodyPr>
+          <a:lstStyle/>
+          <a:p>
+            <a:r>
+              <a:rPr lang="en-US"/>
+              <a:t>DEMO</a:t>
+            </a:r>
+            <a:endParaRPr lang="en-US" dirty="0"/>
+          </a:p>
+        </p:txBody>
+      </p:sp>
+      <p:sp>
+        <p:nvSpPr>
+          <p:cNvPr id="11" name="Content Placeholder 10">
+            <a:extLst>
+              <a:ext uri="{FF2B5EF4-FFF2-40B4-BE49-F238E27FC236}">
+                <a16:creationId xmlns:a16="http://schemas.microsoft.com/office/drawing/2014/main" id="{EFB145C4-B2CB-4094-8872-B651DAADECA7}"/>
+              </a:ext>
+            </a:extLst>
+          </p:cNvPr>
+          <p:cNvSpPr>
+            <a:spLocks noGrp="1"/>
+          </p:cNvSpPr>
+          <p:nvPr>
+            <p:ph idx="1"/>
+          </p:nvPr>
+        </p:nvSpPr>
+        <p:spPr>
+          <a:xfrm>
+            <a:off x="685800" y="2194560"/>
+            <a:ext cx="10820400" cy="4024125"/>
+          </a:xfrm>
+        </p:spPr>
+        <p:txBody>
+          <a:bodyPr>
+            <a:normAutofit/>
+          </a:bodyPr>
+          <a:lstStyle/>
+          <a:p>
+            <a:endParaRPr lang="en-US"/>
+          </a:p>
+        </p:txBody>
+      </p:sp>
+    </p:spTree>
+    <p:extLst>
+      <p:ext uri="{BB962C8B-B14F-4D97-AF65-F5344CB8AC3E}">
+        <p14:creationId xmlns:p14="http://schemas.microsoft.com/office/powerpoint/2010/main" val="2286648172"/>
+      </p:ext>
+    </p:extLst>
+  </p:cSld>
+  <p:clrMapOvr>
+    <a:masterClrMapping/>
+  </p:clrMapOvr>
+</p:sld>
+</file>
+
+<file path=ppt/slides/slide14.xml><?xml version="1.0" encoding="utf-8"?>
+<p:sld xmlns:a="http://schemas.openxmlformats.org/drawingml/2006/main" xmlns:r="http://schemas.openxmlformats.org/officeDocument/2006/relationships" xmlns:p="http://schemas.openxmlformats.org/presentationml/2006/main">
+  <p:cSld>
+    <p:bg>
+      <p:bgPr>
+        <a:solidFill>
+          <a:schemeClr val="bg1"/>
+        </a:solidFill>
+        <a:effectLst/>
+      </p:bgPr>
+    </p:bg>
+    <p:spTree>
+      <p:nvGrpSpPr>
+        <p:cNvPr id="1" name=""/>
+        <p:cNvGrpSpPr/>
+        <p:nvPr/>
+      </p:nvGrpSpPr>
+      <p:grpSpPr>
+        <a:xfrm>
+          <a:off x="0" y="0"/>
+          <a:ext cx="0" cy="0"/>
+          <a:chOff x="0" y="0"/>
+          <a:chExt cx="0" cy="0"/>
+        </a:xfrm>
+      </p:grpSpPr>
+      <p:sp>
+        <p:nvSpPr>
+          <p:cNvPr id="12" name="Rectangle 11">
+            <a:extLst>
+              <a:ext uri="{FF2B5EF4-FFF2-40B4-BE49-F238E27FC236}">
+                <a16:creationId xmlns:a16="http://schemas.microsoft.com/office/drawing/2014/main" id="{1EA5387D-64D8-4D6C-B109-FF4E81DF609A}"/>
+              </a:ext>
+              <a:ext uri="{C183D7F6-B498-43B3-948B-1728B52AA6E4}">
+                <adec:decorative xmlns:adec="http://schemas.microsoft.com/office/drawing/2017/decorative" val="1"/>
+              </a:ext>
+            </a:extLst>
+          </p:cNvPr>
+          <p:cNvSpPr>
+            <a:spLocks noGrp="1" noRot="1" noChangeAspect="1" noMove="1" noResize="1" noEditPoints="1" noAdjustHandles="1" noChangeArrowheads="1" noChangeShapeType="1" noTextEdit="1"/>
+          </p:cNvSpPr>
+          <p:nvPr>
+            <p:extLst>
+              <p:ext uri="{386F3935-93C4-4BCD-93E2-E3B085C9AB24}">
+                <p16:designElem xmlns:p16="http://schemas.microsoft.com/office/powerpoint/2015/main" val="1"/>
+              </p:ext>
+            </p:extLst>
+          </p:nvPr>
+        </p:nvSpPr>
+        <p:spPr>
+          <a:xfrm>
+            <a:off x="0" y="0"/>
+            <a:ext cx="12192000" cy="6858000"/>
+          </a:xfrm>
+          <a:prstGeom prst="rect">
+            <a:avLst/>
+          </a:prstGeom>
+          <a:solidFill>
+            <a:schemeClr val="bg1"/>
+          </a:solidFill>
+          <a:ln>
+            <a:noFill/>
+          </a:ln>
+        </p:spPr>
+        <p:style>
+          <a:lnRef idx="2">
+            <a:schemeClr val="accent1">
+              <a:shade val="50000"/>
+            </a:schemeClr>
+          </a:lnRef>
+          <a:fillRef idx="1">
+            <a:schemeClr val="accent1"/>
+          </a:fillRef>
+          <a:effectRef idx="0">
+            <a:schemeClr val="accent1"/>
+          </a:effectRef>
+          <a:fontRef idx="minor">
+            <a:schemeClr val="lt1"/>
+          </a:fontRef>
+        </p:style>
+        <p:txBody>
+          <a:bodyPr rtlCol="0" anchor="ctr"/>
+          <a:lstStyle/>
+          <a:p>
+            <a:pPr algn="ctr"/>
+            <a:endParaRPr lang="en-US"/>
+          </a:p>
+        </p:txBody>
+      </p:sp>
+      <p:pic>
+        <p:nvPicPr>
+          <p:cNvPr id="5" name="Content Placeholder 4" descr="A volcano erupting at night&#10;&#10;Description automatically generated">
+            <a:extLst>
+              <a:ext uri="{FF2B5EF4-FFF2-40B4-BE49-F238E27FC236}">
+                <a16:creationId xmlns:a16="http://schemas.microsoft.com/office/drawing/2014/main" id="{EE979251-AFC7-614D-BD97-50E86A9AF30E}"/>
+              </a:ext>
+            </a:extLst>
+          </p:cNvPr>
+          <p:cNvPicPr>
+            <a:picLocks noChangeAspect="1"/>
+          </p:cNvPicPr>
+          <p:nvPr/>
+        </p:nvPicPr>
+        <p:blipFill rotWithShape="1">
+          <a:blip r:embed="rId2">
+            <a:alphaModFix amt="30000"/>
+          </a:blip>
+          <a:srcRect/>
+          <a:stretch/>
+        </p:blipFill>
+        <p:spPr>
+          <a:xfrm>
+            <a:off x="20" y="10"/>
+            <a:ext cx="12191980" cy="6857990"/>
+          </a:xfrm>
+          <a:prstGeom prst="rect">
+            <a:avLst/>
+          </a:prstGeom>
+        </p:spPr>
+      </p:pic>
+      <p:sp>
+        <p:nvSpPr>
+          <p:cNvPr id="2" name="Title 1">
+            <a:extLst>
+              <a:ext uri="{FF2B5EF4-FFF2-40B4-BE49-F238E27FC236}">
+                <a16:creationId xmlns:a16="http://schemas.microsoft.com/office/drawing/2014/main" id="{B8813A19-0318-B647-87BA-005D8912D638}"/>
+              </a:ext>
+            </a:extLst>
+          </p:cNvPr>
+          <p:cNvSpPr>
+            <a:spLocks noGrp="1"/>
+          </p:cNvSpPr>
+          <p:nvPr>
+            <p:ph type="title"/>
+          </p:nvPr>
+        </p:nvSpPr>
+        <p:spPr>
+          <a:xfrm>
+            <a:off x="2895600" y="764373"/>
+            <a:ext cx="8610600" cy="1293028"/>
+          </a:xfrm>
+        </p:spPr>
+        <p:txBody>
+          <a:bodyPr>
+            <a:normAutofit/>
+          </a:bodyPr>
+          <a:lstStyle/>
+          <a:p>
+            <a:r>
+              <a:rPr lang="en-US" dirty="0"/>
+              <a:t>QUESTIONS</a:t>
+            </a:r>
+          </a:p>
+        </p:txBody>
+      </p:sp>
+      <p:sp>
+        <p:nvSpPr>
+          <p:cNvPr id="9" name="Content Placeholder 8">
+            <a:extLst>
+              <a:ext uri="{FF2B5EF4-FFF2-40B4-BE49-F238E27FC236}">
+                <a16:creationId xmlns:a16="http://schemas.microsoft.com/office/drawing/2014/main" id="{5FAFF1A9-29E7-407F-84E4-FF12F1BA993B}"/>
+              </a:ext>
+            </a:extLst>
+          </p:cNvPr>
+          <p:cNvSpPr>
+            <a:spLocks noGrp="1"/>
+          </p:cNvSpPr>
+          <p:nvPr>
+            <p:ph idx="1"/>
+          </p:nvPr>
+        </p:nvSpPr>
+        <p:spPr>
+          <a:xfrm>
+            <a:off x="685800" y="2194560"/>
+            <a:ext cx="10820400" cy="4024125"/>
+          </a:xfrm>
+        </p:spPr>
+        <p:txBody>
+          <a:bodyPr>
+            <a:normAutofit/>
+          </a:bodyPr>
+          <a:lstStyle/>
+          <a:p>
+            <a:endParaRPr lang="en-US"/>
+          </a:p>
+        </p:txBody>
+      </p:sp>
+    </p:spTree>
+    <p:extLst>
+      <p:ext uri="{BB962C8B-B14F-4D97-AF65-F5344CB8AC3E}">
+        <p14:creationId xmlns:p14="http://schemas.microsoft.com/office/powerpoint/2010/main" val="2506841399"/>
       </p:ext>
     </p:extLst>
   </p:cSld>
@@ -14687,111 +15681,6 @@
           <a:chExt cx="0" cy="0"/>
         </a:xfrm>
       </p:grpSpPr>
-      <p:sp useBgFill="1">
-        <p:nvSpPr>
-          <p:cNvPr id="18" name="Rectangle 17">
-            <a:extLst>
-              <a:ext uri="{FF2B5EF4-FFF2-40B4-BE49-F238E27FC236}">
-                <a16:creationId xmlns:a16="http://schemas.microsoft.com/office/drawing/2014/main" id="{30BD2399-7475-404C-BAC9-E55E1676926A}"/>
-              </a:ext>
-              <a:ext uri="{C183D7F6-B498-43B3-948B-1728B52AA6E4}">
-                <adec:decorative xmlns:adec="http://schemas.microsoft.com/office/drawing/2017/decorative" val="1"/>
-              </a:ext>
-            </a:extLst>
-          </p:cNvPr>
-          <p:cNvSpPr>
-            <a:spLocks noGrp="1" noRot="1" noChangeAspect="1" noMove="1" noResize="1" noEditPoints="1" noAdjustHandles="1" noChangeArrowheads="1" noChangeShapeType="1" noTextEdit="1"/>
-          </p:cNvSpPr>
-          <p:nvPr>
-            <p:extLst>
-              <p:ext uri="{386F3935-93C4-4BCD-93E2-E3B085C9AB24}">
-                <p16:designElem xmlns:p16="http://schemas.microsoft.com/office/powerpoint/2015/main" val="1"/>
-              </p:ext>
-            </p:extLst>
-          </p:nvPr>
-        </p:nvSpPr>
-        <p:spPr>
-          <a:xfrm>
-            <a:off x="0" y="0"/>
-            <a:ext cx="12192000" cy="6858000"/>
-          </a:xfrm>
-          <a:prstGeom prst="rect">
-            <a:avLst/>
-          </a:prstGeom>
-          <a:ln>
-            <a:noFill/>
-          </a:ln>
-        </p:spPr>
-        <p:style>
-          <a:lnRef idx="2">
-            <a:schemeClr val="accent1">
-              <a:shade val="50000"/>
-            </a:schemeClr>
-          </a:lnRef>
-          <a:fillRef idx="1">
-            <a:schemeClr val="accent1"/>
-          </a:fillRef>
-          <a:effectRef idx="0">
-            <a:schemeClr val="accent1"/>
-          </a:effectRef>
-          <a:fontRef idx="minor">
-            <a:schemeClr val="lt1"/>
-          </a:fontRef>
-        </p:style>
-        <p:txBody>
-          <a:bodyPr rtlCol="0" anchor="ctr"/>
-          <a:lstStyle/>
-          <a:p>
-            <a:pPr algn="ctr"/>
-            <a:endParaRPr lang="en-US"/>
-          </a:p>
-        </p:txBody>
-      </p:sp>
-      <p:pic>
-        <p:nvPicPr>
-          <p:cNvPr id="20" name="Picture 19">
-            <a:extLst>
-              <a:ext uri="{FF2B5EF4-FFF2-40B4-BE49-F238E27FC236}">
-                <a16:creationId xmlns:a16="http://schemas.microsoft.com/office/drawing/2014/main" id="{0D748104-6E76-4AD9-9940-82154F97E7C1}"/>
-              </a:ext>
-              <a:ext uri="{C183D7F6-B498-43B3-948B-1728B52AA6E4}">
-                <adec:decorative xmlns:adec="http://schemas.microsoft.com/office/drawing/2017/decorative" val="1"/>
-              </a:ext>
-            </a:extLst>
-          </p:cNvPr>
-          <p:cNvPicPr>
-            <a:picLocks noGrp="1" noRot="1" noChangeAspect="1" noMove="1" noResize="1" noEditPoints="1" noAdjustHandles="1" noChangeArrowheads="1" noChangeShapeType="1" noCrop="1"/>
-          </p:cNvPicPr>
-          <p:nvPr>
-            <p:extLst>
-              <p:ext uri="{386F3935-93C4-4BCD-93E2-E3B085C9AB24}">
-                <p16:designElem xmlns:p16="http://schemas.microsoft.com/office/powerpoint/2015/main" val="1"/>
-              </p:ext>
-            </p:extLst>
-          </p:nvPr>
-        </p:nvPicPr>
-        <p:blipFill>
-          <a:blip r:embed="rId3">
-            <a:extLst>
-              <a:ext uri="{28A0092B-C50C-407E-A947-70E740481C1C}">
-                <a14:useLocalDpi xmlns:a14="http://schemas.microsoft.com/office/drawing/2010/main" val="0"/>
-              </a:ext>
-            </a:extLst>
-          </a:blip>
-          <a:stretch>
-            <a:fillRect/>
-          </a:stretch>
-        </p:blipFill>
-        <p:spPr>
-          <a:xfrm>
-            <a:off x="0" y="0"/>
-            <a:ext cx="12192000" cy="1441450"/>
-          </a:xfrm>
-          <a:prstGeom prst="rect">
-            <a:avLst/>
-          </a:prstGeom>
-        </p:spPr>
-      </p:pic>
       <p:sp>
         <p:nvSpPr>
           <p:cNvPr id="2" name="Title 1">
@@ -14810,8 +15699,8 @@
         </p:nvSpPr>
         <p:spPr>
           <a:xfrm>
-            <a:off x="685800" y="1066163"/>
-            <a:ext cx="3306744" cy="5148371"/>
+            <a:off x="2895600" y="764373"/>
+            <a:ext cx="8610600" cy="1293028"/>
           </a:xfrm>
         </p:spPr>
         <p:txBody>
@@ -14821,12 +15710,41 @@
           <a:lstStyle/>
           <a:p>
             <a:r>
-              <a:rPr lang="en-US" sz="3200"/>
+              <a:rPr lang="en-US"/>
               <a:t>Team 2</a:t>
             </a:r>
           </a:p>
         </p:txBody>
       </p:sp>
+      <p:pic>
+        <p:nvPicPr>
+          <p:cNvPr id="4" name="Picture 3" descr="A volcano erupting with lava&#10;&#10;Description automatically generated with medium confidence">
+            <a:extLst>
+              <a:ext uri="{FF2B5EF4-FFF2-40B4-BE49-F238E27FC236}">
+                <a16:creationId xmlns:a16="http://schemas.microsoft.com/office/drawing/2014/main" id="{5C6A6022-0F0D-4B40-9403-2E99CCBE722F}"/>
+              </a:ext>
+            </a:extLst>
+          </p:cNvPr>
+          <p:cNvPicPr>
+            <a:picLocks noChangeAspect="1"/>
+          </p:cNvPicPr>
+          <p:nvPr/>
+        </p:nvPicPr>
+        <p:blipFill rotWithShape="1">
+          <a:blip r:embed="rId3"/>
+          <a:srcRect r="589" b="2"/>
+          <a:stretch/>
+        </p:blipFill>
+        <p:spPr>
+          <a:xfrm>
+            <a:off x="6985000" y="2501159"/>
+            <a:ext cx="4521200" cy="3410926"/>
+          </a:xfrm>
+          <a:prstGeom prst="rect">
+            <a:avLst/>
+          </a:prstGeom>
+        </p:spPr>
+      </p:pic>
       <p:graphicFrame>
         <p:nvGraphicFramePr>
           <p:cNvPr id="14" name="Content Placeholder 2">
@@ -14843,14 +15761,14 @@
             <p:ph idx="1"/>
             <p:extLst>
               <p:ext uri="{D42A27DB-BD31-4B8C-83A1-F6EECF244321}">
-                <p14:modId xmlns:p14="http://schemas.microsoft.com/office/powerpoint/2010/main" val="890097401"/>
+                <p14:modId xmlns:p14="http://schemas.microsoft.com/office/powerpoint/2010/main" val="2381683121"/>
               </p:ext>
             </p:extLst>
           </p:nvPr>
         </p:nvGraphicFramePr>
         <p:xfrm>
-          <a:off x="4678344" y="1127125"/>
-          <a:ext cx="6403994" cy="5087409"/>
+          <a:off x="677333" y="2194560"/>
+          <a:ext cx="5816600" cy="4024125"/>
         </p:xfrm>
         <a:graphic>
           <a:graphicData uri="http://schemas.openxmlformats.org/drawingml/2006/diagram">
@@ -15910,7 +16828,7 @@
           <p:cNvPr id="2" name="Title 1">
             <a:extLst>
               <a:ext uri="{FF2B5EF4-FFF2-40B4-BE49-F238E27FC236}">
-                <a16:creationId xmlns:a16="http://schemas.microsoft.com/office/drawing/2014/main" id="{88DA2F8B-F7B4-074D-8EC8-4241C5845674}"/>
+                <a16:creationId xmlns:a16="http://schemas.microsoft.com/office/drawing/2014/main" id="{2D1D6FA7-DFAE-5845-A58D-5B8A66101BD9}"/>
               </a:ext>
             </a:extLst>
           </p:cNvPr>
@@ -15923,8 +16841,8 @@
         </p:nvSpPr>
         <p:spPr>
           <a:xfrm>
-            <a:off x="665922" y="987287"/>
-            <a:ext cx="3548269" cy="4697896"/>
+            <a:off x="855785" y="871880"/>
+            <a:ext cx="3510806" cy="2482851"/>
           </a:xfrm>
         </p:spPr>
         <p:txBody>
@@ -15936,344 +16854,6 @@
             <a:r>
               <a:rPr lang="en-US" sz="3600" dirty="0"/>
               <a:t>Data munging techniques</a:t>
-            </a:r>
-          </a:p>
-        </p:txBody>
-      </p:sp>
-      <p:sp>
-        <p:nvSpPr>
-          <p:cNvPr id="3" name="Content Placeholder 2">
-            <a:extLst>
-              <a:ext uri="{FF2B5EF4-FFF2-40B4-BE49-F238E27FC236}">
-                <a16:creationId xmlns:a16="http://schemas.microsoft.com/office/drawing/2014/main" id="{454D50E2-E6D6-E34C-97C9-EB5ECD3E09DF}"/>
-              </a:ext>
-            </a:extLst>
-          </p:cNvPr>
-          <p:cNvSpPr>
-            <a:spLocks noGrp="1"/>
-          </p:cNvSpPr>
-          <p:nvPr>
-            <p:ph idx="1"/>
-          </p:nvPr>
-        </p:nvSpPr>
-        <p:spPr>
-          <a:xfrm>
-            <a:off x="5057825" y="987287"/>
-            <a:ext cx="5755949" cy="4697895"/>
-          </a:xfrm>
-        </p:spPr>
-        <p:txBody>
-          <a:bodyPr anchor="ctr">
-            <a:normAutofit/>
-          </a:bodyPr>
-          <a:lstStyle/>
-          <a:p>
-            <a:endParaRPr lang="en-US" sz="1800"/>
-          </a:p>
-        </p:txBody>
-      </p:sp>
-    </p:spTree>
-    <p:extLst>
-      <p:ext uri="{BB962C8B-B14F-4D97-AF65-F5344CB8AC3E}">
-        <p14:creationId xmlns:p14="http://schemas.microsoft.com/office/powerpoint/2010/main" val="2476559200"/>
-      </p:ext>
-    </p:extLst>
-  </p:cSld>
-  <p:clrMapOvr>
-    <a:masterClrMapping/>
-  </p:clrMapOvr>
-</p:sld>
-</file>
-
-<file path=ppt/slides/slide6.xml><?xml version="1.0" encoding="utf-8"?>
-<p:sld xmlns:a="http://schemas.openxmlformats.org/drawingml/2006/main" xmlns:r="http://schemas.openxmlformats.org/officeDocument/2006/relationships" xmlns:p="http://schemas.openxmlformats.org/presentationml/2006/main">
-  <p:cSld>
-    <p:bg>
-      <p:bgPr>
-        <a:solidFill>
-          <a:schemeClr val="bg1"/>
-        </a:solidFill>
-        <a:effectLst/>
-      </p:bgPr>
-    </p:bg>
-    <p:spTree>
-      <p:nvGrpSpPr>
-        <p:cNvPr id="1" name=""/>
-        <p:cNvGrpSpPr/>
-        <p:nvPr/>
-      </p:nvGrpSpPr>
-      <p:grpSpPr>
-        <a:xfrm>
-          <a:off x="0" y="0"/>
-          <a:ext cx="0" cy="0"/>
-          <a:chOff x="0" y="0"/>
-          <a:chExt cx="0" cy="0"/>
-        </a:xfrm>
-      </p:grpSpPr>
-      <p:sp>
-        <p:nvSpPr>
-          <p:cNvPr id="8" name="Rounded Rectangle 14">
-            <a:extLst>
-              <a:ext uri="{FF2B5EF4-FFF2-40B4-BE49-F238E27FC236}">
-                <a16:creationId xmlns:a16="http://schemas.microsoft.com/office/drawing/2014/main" id="{637BD688-14A6-4B96-B8A2-3CD81C054FCE}"/>
-              </a:ext>
-              <a:ext uri="{C183D7F6-B498-43B3-948B-1728B52AA6E4}">
-                <adec:decorative xmlns:adec="http://schemas.microsoft.com/office/drawing/2017/decorative" val="1"/>
-              </a:ext>
-            </a:extLst>
-          </p:cNvPr>
-          <p:cNvSpPr>
-            <a:spLocks noGrp="1" noRot="1" noChangeAspect="1" noMove="1" noResize="1" noEditPoints="1" noAdjustHandles="1" noChangeArrowheads="1" noChangeShapeType="1" noTextEdit="1"/>
-          </p:cNvSpPr>
-          <p:nvPr>
-            <p:extLst>
-              <p:ext uri="{386F3935-93C4-4BCD-93E2-E3B085C9AB24}">
-                <p16:designElem xmlns:p16="http://schemas.microsoft.com/office/powerpoint/2015/main" val="1"/>
-              </p:ext>
-            </p:extLst>
-          </p:nvPr>
-        </p:nvSpPr>
-        <p:spPr>
-          <a:xfrm>
-            <a:off x="4636008" y="0"/>
-            <a:ext cx="7555992" cy="6858000"/>
-          </a:xfrm>
-          <a:prstGeom prst="rect">
-            <a:avLst/>
-          </a:prstGeom>
-          <a:solidFill>
-            <a:schemeClr val="bg2"/>
-          </a:solidFill>
-          <a:ln>
-            <a:noFill/>
-          </a:ln>
-          <a:effectLst/>
-        </p:spPr>
-        <p:style>
-          <a:lnRef idx="2">
-            <a:schemeClr val="accent1">
-              <a:shade val="50000"/>
-            </a:schemeClr>
-          </a:lnRef>
-          <a:fillRef idx="1">
-            <a:schemeClr val="accent1"/>
-          </a:fillRef>
-          <a:effectRef idx="0">
-            <a:schemeClr val="accent1"/>
-          </a:effectRef>
-          <a:fontRef idx="minor">
-            <a:schemeClr val="lt1"/>
-          </a:fontRef>
-        </p:style>
-        <p:txBody>
-          <a:bodyPr rtlCol="0" anchor="ctr"/>
-          <a:lstStyle/>
-          <a:p>
-            <a:pPr marL="0" marR="0" lvl="0" indent="0" algn="ctr" defTabSz="457200" rtl="0" eaLnBrk="1" fontAlgn="auto" latinLnBrk="0" hangingPunct="1">
-              <a:lnSpc>
-                <a:spcPct val="100000"/>
-              </a:lnSpc>
-              <a:spcBef>
-                <a:spcPts val="0"/>
-              </a:spcBef>
-              <a:spcAft>
-                <a:spcPts val="0"/>
-              </a:spcAft>
-              <a:buClrTx/>
-              <a:buSzTx/>
-              <a:buFontTx/>
-              <a:buNone/>
-              <a:tabLst/>
-              <a:defRPr/>
-            </a:pPr>
-            <a:endParaRPr kumimoji="0" lang="en-US" sz="1800" b="0" i="0" u="none" strike="noStrike" kern="1200" cap="none" spc="0" normalizeH="0" baseline="0" noProof="0">
-              <a:ln>
-                <a:noFill/>
-              </a:ln>
-              <a:solidFill>
-                <a:prstClr val="white"/>
-              </a:solidFill>
-              <a:effectLst/>
-              <a:uLnTx/>
-              <a:uFillTx/>
-              <a:latin typeface="Century Gothic" panose="020B0502020202020204"/>
-              <a:ea typeface="+mn-ea"/>
-              <a:cs typeface="+mn-cs"/>
-            </a:endParaRPr>
-          </a:p>
-        </p:txBody>
-      </p:sp>
-      <p:sp useBgFill="1">
-        <p:nvSpPr>
-          <p:cNvPr id="10" name="Rectangle 9">
-            <a:extLst>
-              <a:ext uri="{FF2B5EF4-FFF2-40B4-BE49-F238E27FC236}">
-                <a16:creationId xmlns:a16="http://schemas.microsoft.com/office/drawing/2014/main" id="{B7B2544F-CA5E-40F6-9525-716A90C83FC5}"/>
-              </a:ext>
-              <a:ext uri="{C183D7F6-B498-43B3-948B-1728B52AA6E4}">
-                <adec:decorative xmlns:adec="http://schemas.microsoft.com/office/drawing/2017/decorative" val="1"/>
-              </a:ext>
-            </a:extLst>
-          </p:cNvPr>
-          <p:cNvSpPr>
-            <a:spLocks noGrp="1" noRot="1" noChangeAspect="1" noMove="1" noResize="1" noEditPoints="1" noAdjustHandles="1" noChangeArrowheads="1" noChangeShapeType="1" noTextEdit="1"/>
-          </p:cNvSpPr>
-          <p:nvPr>
-            <p:extLst>
-              <p:ext uri="{386F3935-93C4-4BCD-93E2-E3B085C9AB24}">
-                <p16:designElem xmlns:p16="http://schemas.microsoft.com/office/powerpoint/2015/main" val="1"/>
-              </p:ext>
-            </p:extLst>
-          </p:nvPr>
-        </p:nvSpPr>
-        <p:spPr>
-          <a:xfrm>
-            <a:off x="0" y="0"/>
-            <a:ext cx="4636008" cy="6858000"/>
-          </a:xfrm>
-          <a:prstGeom prst="rect">
-            <a:avLst/>
-          </a:prstGeom>
-          <a:ln>
-            <a:noFill/>
-          </a:ln>
-          <a:effectLst>
-            <a:outerShdw blurRad="63500" dist="38100" algn="l" rotWithShape="0">
-              <a:prstClr val="black">
-                <a:alpha val="40000"/>
-              </a:prstClr>
-            </a:outerShdw>
-          </a:effectLst>
-        </p:spPr>
-        <p:style>
-          <a:lnRef idx="2">
-            <a:schemeClr val="accent1">
-              <a:shade val="50000"/>
-            </a:schemeClr>
-          </a:lnRef>
-          <a:fillRef idx="1">
-            <a:schemeClr val="accent1"/>
-          </a:fillRef>
-          <a:effectRef idx="0">
-            <a:schemeClr val="accent1"/>
-          </a:effectRef>
-          <a:fontRef idx="minor">
-            <a:schemeClr val="lt1"/>
-          </a:fontRef>
-        </p:style>
-        <p:txBody>
-          <a:bodyPr rtlCol="0" anchor="ctr"/>
-          <a:lstStyle/>
-          <a:p>
-            <a:pPr marL="0" marR="0" lvl="0" indent="0" algn="ctr" defTabSz="457200" rtl="0" eaLnBrk="1" fontAlgn="auto" latinLnBrk="0" hangingPunct="1">
-              <a:lnSpc>
-                <a:spcPct val="100000"/>
-              </a:lnSpc>
-              <a:spcBef>
-                <a:spcPts val="0"/>
-              </a:spcBef>
-              <a:spcAft>
-                <a:spcPts val="0"/>
-              </a:spcAft>
-              <a:buClrTx/>
-              <a:buSzTx/>
-              <a:buFontTx/>
-              <a:buNone/>
-              <a:tabLst/>
-              <a:defRPr/>
-            </a:pPr>
-            <a:endParaRPr kumimoji="0" lang="en-US" sz="1800" b="0" i="0" u="none" strike="noStrike" kern="1200" cap="none" spc="0" normalizeH="0" baseline="0" noProof="0">
-              <a:ln>
-                <a:noFill/>
-              </a:ln>
-              <a:solidFill>
-                <a:prstClr val="white"/>
-              </a:solidFill>
-              <a:effectLst/>
-              <a:uLnTx/>
-              <a:uFillTx/>
-              <a:latin typeface="Century Gothic" panose="020B0502020202020204"/>
-              <a:ea typeface="+mn-ea"/>
-              <a:cs typeface="+mn-cs"/>
-            </a:endParaRPr>
-          </a:p>
-        </p:txBody>
-      </p:sp>
-      <p:pic>
-        <p:nvPicPr>
-          <p:cNvPr id="12" name="Picture 11">
-            <a:extLst>
-              <a:ext uri="{FF2B5EF4-FFF2-40B4-BE49-F238E27FC236}">
-                <a16:creationId xmlns:a16="http://schemas.microsoft.com/office/drawing/2014/main" id="{D2B93162-635C-46F5-97EC-E98C1659F1F0}"/>
-              </a:ext>
-              <a:ext uri="{C183D7F6-B498-43B3-948B-1728B52AA6E4}">
-                <adec:decorative xmlns:adec="http://schemas.microsoft.com/office/drawing/2017/decorative" val="1"/>
-              </a:ext>
-            </a:extLst>
-          </p:cNvPr>
-          <p:cNvPicPr>
-            <a:picLocks noGrp="1" noRot="1" noChangeAspect="1" noMove="1" noResize="1" noEditPoints="1" noAdjustHandles="1" noChangeArrowheads="1" noChangeShapeType="1" noCrop="1"/>
-          </p:cNvPicPr>
-          <p:nvPr>
-            <p:extLst>
-              <p:ext uri="{386F3935-93C4-4BCD-93E2-E3B085C9AB24}">
-                <p16:designElem xmlns:p16="http://schemas.microsoft.com/office/powerpoint/2015/main" val="1"/>
-              </p:ext>
-            </p:extLst>
-          </p:nvPr>
-        </p:nvPicPr>
-        <p:blipFill rotWithShape="1">
-          <a:blip r:embed="rId3">
-            <a:extLst>
-              <a:ext uri="{28A0092B-C50C-407E-A947-70E740481C1C}">
-                <a14:useLocalDpi xmlns:a14="http://schemas.microsoft.com/office/drawing/2010/main" val="0"/>
-              </a:ext>
-            </a:extLst>
-          </a:blip>
-          <a:srcRect r="61975"/>
-          <a:stretch/>
-        </p:blipFill>
-        <p:spPr>
-          <a:xfrm>
-            <a:off x="0" y="4375150"/>
-            <a:ext cx="4636008" cy="2482850"/>
-          </a:xfrm>
-          <a:prstGeom prst="rect">
-            <a:avLst/>
-          </a:prstGeom>
-        </p:spPr>
-      </p:pic>
-      <p:sp>
-        <p:nvSpPr>
-          <p:cNvPr id="2" name="Title 1">
-            <a:extLst>
-              <a:ext uri="{FF2B5EF4-FFF2-40B4-BE49-F238E27FC236}">
-                <a16:creationId xmlns:a16="http://schemas.microsoft.com/office/drawing/2014/main" id="{2D1D6FA7-DFAE-5845-A58D-5B8A66101BD9}"/>
-              </a:ext>
-            </a:extLst>
-          </p:cNvPr>
-          <p:cNvSpPr>
-            <a:spLocks noGrp="1"/>
-          </p:cNvSpPr>
-          <p:nvPr>
-            <p:ph type="title"/>
-          </p:nvPr>
-        </p:nvSpPr>
-        <p:spPr>
-          <a:xfrm>
-            <a:off x="665922" y="987287"/>
-            <a:ext cx="3548269" cy="4697896"/>
-          </a:xfrm>
-        </p:spPr>
-        <p:txBody>
-          <a:bodyPr>
-            <a:normAutofit/>
-          </a:bodyPr>
-          <a:lstStyle/>
-          <a:p>
-            <a:r>
-              <a:rPr lang="en-US" sz="3600" dirty="0"/>
-              <a:t>Entity relationship diagram</a:t>
             </a:r>
           </a:p>
         </p:txBody>
@@ -16424,7 +17004,7 @@
 </p:sld>
 </file>
 
-<file path=ppt/slides/slide7.xml><?xml version="1.0" encoding="utf-8"?>
+<file path=ppt/slides/slide6.xml><?xml version="1.0" encoding="utf-8"?>
 <p:sld xmlns:a="http://schemas.openxmlformats.org/drawingml/2006/main" xmlns:r="http://schemas.openxmlformats.org/officeDocument/2006/relationships" xmlns:p="http://schemas.openxmlformats.org/presentationml/2006/main">
   <p:cSld>
     <p:bg>
@@ -16584,7 +17164,7 @@
           <a:p>
             <a:pPr algn="l"/>
             <a:r>
-              <a:rPr lang="en-US" sz="3200"/>
+              <a:rPr lang="en-US" sz="3200" dirty="0"/>
               <a:t>Coding approach</a:t>
             </a:r>
           </a:p>
@@ -16608,8 +17188,8 @@
         </p:nvSpPr>
         <p:spPr>
           <a:xfrm>
-            <a:off x="685800" y="2364573"/>
-            <a:ext cx="3977639" cy="3854112"/>
+            <a:off x="685800" y="2831123"/>
+            <a:ext cx="3977639" cy="3387562"/>
           </a:xfrm>
         </p:spPr>
         <p:txBody>
@@ -16617,6 +17197,15 @@
             <a:normAutofit/>
           </a:bodyPr>
           <a:lstStyle/>
+          <a:p>
+            <a:pPr marL="0" indent="0">
+              <a:buNone/>
+            </a:pPr>
+            <a:r>
+              <a:rPr lang="en-US" sz="1600" dirty="0"/>
+              <a:t>To create our visualization, we used a Python Flask–powered API, HTML/CSS, JavaScript, Beautiful Soup, MongoDB and PostgreSQL.</a:t>
+            </a:r>
+          </a:p>
           <a:p>
             <a:pPr marL="0" indent="0">
               <a:buNone/>
@@ -16668,7 +17257,7 @@
 </p:sld>
 </file>
 
-<file path=ppt/slides/slide8.xml><?xml version="1.0" encoding="utf-8"?>
+<file path=ppt/slides/slide7.xml><?xml version="1.0" encoding="utf-8"?>
 <p:sld xmlns:a="http://schemas.openxmlformats.org/drawingml/2006/main" xmlns:r="http://schemas.openxmlformats.org/officeDocument/2006/relationships" xmlns:p="http://schemas.openxmlformats.org/presentationml/2006/main">
   <p:cSld>
     <p:bg>
@@ -16955,8 +17544,12 @@
           <a:lstStyle/>
           <a:p>
             <a:r>
+              <a:rPr lang="en-US" sz="3600" dirty="0" err="1"/>
+              <a:t>Webscrape</a:t>
+            </a:r>
+            <a:r>
               <a:rPr lang="en-US" sz="3600" dirty="0"/>
-              <a:t>Coding approach</a:t>
+              <a:t> code</a:t>
             </a:r>
           </a:p>
         </p:txBody>
@@ -17003,17 +17596,9 @@
 </p:sld>
 </file>
 
-<file path=ppt/slides/slide9.xml><?xml version="1.0" encoding="utf-8"?>
+<file path=ppt/slides/slide8.xml><?xml version="1.0" encoding="utf-8"?>
 <p:sld xmlns:a="http://schemas.openxmlformats.org/drawingml/2006/main" xmlns:r="http://schemas.openxmlformats.org/officeDocument/2006/relationships" xmlns:p="http://schemas.openxmlformats.org/presentationml/2006/main">
   <p:cSld>
-    <p:bg>
-      <p:bgPr>
-        <a:solidFill>
-          <a:schemeClr val="bg1"/>
-        </a:solidFill>
-        <a:effectLst/>
-      </p:bgPr>
-    </p:bg>
     <p:spTree>
       <p:nvGrpSpPr>
         <p:cNvPr id="1" name=""/>
@@ -17030,243 +17615,10 @@
       </p:grpSpPr>
       <p:sp>
         <p:nvSpPr>
-          <p:cNvPr id="8" name="Rounded Rectangle 14">
-            <a:extLst>
-              <a:ext uri="{FF2B5EF4-FFF2-40B4-BE49-F238E27FC236}">
-                <a16:creationId xmlns:a16="http://schemas.microsoft.com/office/drawing/2014/main" id="{637BD688-14A6-4B96-B8A2-3CD81C054FCE}"/>
-              </a:ext>
-              <a:ext uri="{C183D7F6-B498-43B3-948B-1728B52AA6E4}">
-                <adec:decorative xmlns:adec="http://schemas.microsoft.com/office/drawing/2017/decorative" val="1"/>
-              </a:ext>
-            </a:extLst>
-          </p:cNvPr>
-          <p:cNvSpPr>
-            <a:spLocks noGrp="1" noRot="1" noChangeAspect="1" noMove="1" noResize="1" noEditPoints="1" noAdjustHandles="1" noChangeArrowheads="1" noChangeShapeType="1" noTextEdit="1"/>
-          </p:cNvSpPr>
-          <p:nvPr>
-            <p:extLst>
-              <p:ext uri="{386F3935-93C4-4BCD-93E2-E3B085C9AB24}">
-                <p16:designElem xmlns:p16="http://schemas.microsoft.com/office/powerpoint/2015/main" val="1"/>
-              </p:ext>
-            </p:extLst>
-          </p:nvPr>
-        </p:nvSpPr>
-        <p:spPr>
-          <a:xfrm>
-            <a:off x="4636008" y="0"/>
-            <a:ext cx="7555992" cy="6858000"/>
-          </a:xfrm>
-          <a:prstGeom prst="rect">
-            <a:avLst/>
-          </a:prstGeom>
-          <a:solidFill>
-            <a:schemeClr val="bg2"/>
-          </a:solidFill>
-          <a:ln>
-            <a:noFill/>
-          </a:ln>
-          <a:effectLst/>
-        </p:spPr>
-        <p:style>
-          <a:lnRef idx="2">
-            <a:schemeClr val="accent1">
-              <a:shade val="50000"/>
-            </a:schemeClr>
-          </a:lnRef>
-          <a:fillRef idx="1">
-            <a:schemeClr val="accent1"/>
-          </a:fillRef>
-          <a:effectRef idx="0">
-            <a:schemeClr val="accent1"/>
-          </a:effectRef>
-          <a:fontRef idx="minor">
-            <a:schemeClr val="lt1"/>
-          </a:fontRef>
-        </p:style>
-        <p:txBody>
-          <a:bodyPr rtlCol="0" anchor="ctr"/>
-          <a:lstStyle/>
-          <a:p>
-            <a:pPr marL="0" marR="0" lvl="0" indent="0" algn="ctr" defTabSz="457200" rtl="0" eaLnBrk="1" fontAlgn="auto" latinLnBrk="0" hangingPunct="1">
-              <a:lnSpc>
-                <a:spcPct val="100000"/>
-              </a:lnSpc>
-              <a:spcBef>
-                <a:spcPts val="0"/>
-              </a:spcBef>
-              <a:spcAft>
-                <a:spcPts val="0"/>
-              </a:spcAft>
-              <a:buClrTx/>
-              <a:buSzTx/>
-              <a:buFontTx/>
-              <a:buNone/>
-              <a:tabLst/>
-              <a:defRPr/>
-            </a:pPr>
-            <a:endParaRPr kumimoji="0" lang="en-US" sz="1800" b="0" i="0" u="none" strike="noStrike" kern="1200" cap="none" spc="0" normalizeH="0" baseline="0" noProof="0">
-              <a:ln>
-                <a:noFill/>
-              </a:ln>
-              <a:solidFill>
-                <a:prstClr val="white"/>
-              </a:solidFill>
-              <a:effectLst/>
-              <a:uLnTx/>
-              <a:uFillTx/>
-              <a:latin typeface="Century Gothic" panose="020B0502020202020204"/>
-              <a:ea typeface="+mn-ea"/>
-              <a:cs typeface="+mn-cs"/>
-            </a:endParaRPr>
-          </a:p>
-        </p:txBody>
-      </p:sp>
-      <p:sp useBgFill="1">
-        <p:nvSpPr>
-          <p:cNvPr id="10" name="Rectangle 9">
-            <a:extLst>
-              <a:ext uri="{FF2B5EF4-FFF2-40B4-BE49-F238E27FC236}">
-                <a16:creationId xmlns:a16="http://schemas.microsoft.com/office/drawing/2014/main" id="{B7B2544F-CA5E-40F6-9525-716A90C83FC5}"/>
-              </a:ext>
-              <a:ext uri="{C183D7F6-B498-43B3-948B-1728B52AA6E4}">
-                <adec:decorative xmlns:adec="http://schemas.microsoft.com/office/drawing/2017/decorative" val="1"/>
-              </a:ext>
-            </a:extLst>
-          </p:cNvPr>
-          <p:cNvSpPr>
-            <a:spLocks noGrp="1" noRot="1" noChangeAspect="1" noMove="1" noResize="1" noEditPoints="1" noAdjustHandles="1" noChangeArrowheads="1" noChangeShapeType="1" noTextEdit="1"/>
-          </p:cNvSpPr>
-          <p:nvPr>
-            <p:extLst>
-              <p:ext uri="{386F3935-93C4-4BCD-93E2-E3B085C9AB24}">
-                <p16:designElem xmlns:p16="http://schemas.microsoft.com/office/powerpoint/2015/main" val="1"/>
-              </p:ext>
-            </p:extLst>
-          </p:nvPr>
-        </p:nvSpPr>
-        <p:spPr>
-          <a:xfrm>
-            <a:off x="0" y="0"/>
-            <a:ext cx="4636008" cy="6858000"/>
-          </a:xfrm>
-          <a:prstGeom prst="rect">
-            <a:avLst/>
-          </a:prstGeom>
-          <a:ln>
-            <a:noFill/>
-          </a:ln>
-          <a:effectLst>
-            <a:outerShdw blurRad="63500" dist="38100" algn="l" rotWithShape="0">
-              <a:prstClr val="black">
-                <a:alpha val="40000"/>
-              </a:prstClr>
-            </a:outerShdw>
-          </a:effectLst>
-        </p:spPr>
-        <p:style>
-          <a:lnRef idx="2">
-            <a:schemeClr val="accent1">
-              <a:shade val="50000"/>
-            </a:schemeClr>
-          </a:lnRef>
-          <a:fillRef idx="1">
-            <a:schemeClr val="accent1"/>
-          </a:fillRef>
-          <a:effectRef idx="0">
-            <a:schemeClr val="accent1"/>
-          </a:effectRef>
-          <a:fontRef idx="minor">
-            <a:schemeClr val="lt1"/>
-          </a:fontRef>
-        </p:style>
-        <p:txBody>
-          <a:bodyPr rtlCol="0" anchor="ctr"/>
-          <a:lstStyle/>
-          <a:p>
-            <a:pPr marL="0" marR="0" lvl="0" indent="0" algn="ctr" defTabSz="457200" rtl="0" eaLnBrk="1" fontAlgn="auto" latinLnBrk="0" hangingPunct="1">
-              <a:lnSpc>
-                <a:spcPct val="100000"/>
-              </a:lnSpc>
-              <a:spcBef>
-                <a:spcPts val="0"/>
-              </a:spcBef>
-              <a:spcAft>
-                <a:spcPts val="0"/>
-              </a:spcAft>
-              <a:buClrTx/>
-              <a:buSzTx/>
-              <a:buFontTx/>
-              <a:buNone/>
-              <a:tabLst/>
-              <a:defRPr/>
-            </a:pPr>
-            <a:endParaRPr kumimoji="0" lang="en-US" sz="1800" b="0" i="0" u="none" strike="noStrike" kern="1200" cap="none" spc="0" normalizeH="0" baseline="0" noProof="0">
-              <a:ln>
-                <a:noFill/>
-              </a:ln>
-              <a:solidFill>
-                <a:prstClr val="white"/>
-              </a:solidFill>
-              <a:effectLst/>
-              <a:uLnTx/>
-              <a:uFillTx/>
-              <a:latin typeface="Century Gothic" panose="020B0502020202020204"/>
-              <a:ea typeface="+mn-ea"/>
-              <a:cs typeface="+mn-cs"/>
-            </a:endParaRPr>
-          </a:p>
-        </p:txBody>
-      </p:sp>
-      <p:pic>
-        <p:nvPicPr>
-          <p:cNvPr id="12" name="Picture 11">
-            <a:extLst>
-              <a:ext uri="{FF2B5EF4-FFF2-40B4-BE49-F238E27FC236}">
-                <a16:creationId xmlns:a16="http://schemas.microsoft.com/office/drawing/2014/main" id="{D2B93162-635C-46F5-97EC-E98C1659F1F0}"/>
-              </a:ext>
-              <a:ext uri="{C183D7F6-B498-43B3-948B-1728B52AA6E4}">
-                <adec:decorative xmlns:adec="http://schemas.microsoft.com/office/drawing/2017/decorative" val="1"/>
-              </a:ext>
-            </a:extLst>
-          </p:cNvPr>
-          <p:cNvPicPr>
-            <a:picLocks noGrp="1" noRot="1" noChangeAspect="1" noMove="1" noResize="1" noEditPoints="1" noAdjustHandles="1" noChangeArrowheads="1" noChangeShapeType="1" noCrop="1"/>
-          </p:cNvPicPr>
-          <p:nvPr>
-            <p:extLst>
-              <p:ext uri="{386F3935-93C4-4BCD-93E2-E3B085C9AB24}">
-                <p16:designElem xmlns:p16="http://schemas.microsoft.com/office/powerpoint/2015/main" val="1"/>
-              </p:ext>
-            </p:extLst>
-          </p:nvPr>
-        </p:nvPicPr>
-        <p:blipFill rotWithShape="1">
-          <a:blip r:embed="rId2">
-            <a:extLst>
-              <a:ext uri="{28A0092B-C50C-407E-A947-70E740481C1C}">
-                <a14:useLocalDpi xmlns:a14="http://schemas.microsoft.com/office/drawing/2010/main" val="0"/>
-              </a:ext>
-            </a:extLst>
-          </a:blip>
-          <a:srcRect r="61975"/>
-          <a:stretch/>
-        </p:blipFill>
-        <p:spPr>
-          <a:xfrm>
-            <a:off x="0" y="4375150"/>
-            <a:ext cx="4636008" cy="2482850"/>
-          </a:xfrm>
-          <a:prstGeom prst="rect">
-            <a:avLst/>
-          </a:prstGeom>
-        </p:spPr>
-      </p:pic>
-      <p:sp>
-        <p:nvSpPr>
           <p:cNvPr id="2" name="Title 1">
             <a:extLst>
               <a:ext uri="{FF2B5EF4-FFF2-40B4-BE49-F238E27FC236}">
-                <a16:creationId xmlns:a16="http://schemas.microsoft.com/office/drawing/2014/main" id="{FA7AC65E-04C2-B24A-B7BE-F4FFCC666E5B}"/>
+                <a16:creationId xmlns:a16="http://schemas.microsoft.com/office/drawing/2014/main" id="{C80B5474-320E-F24D-8EE5-EBC950195444}"/>
               </a:ext>
             </a:extLst>
           </p:cNvPr>
@@ -17277,31 +17629,24 @@
             <p:ph type="title"/>
           </p:nvPr>
         </p:nvSpPr>
-        <p:spPr>
-          <a:xfrm>
-            <a:off x="665922" y="987287"/>
-            <a:ext cx="3548269" cy="4697896"/>
-          </a:xfrm>
-        </p:spPr>
+        <p:spPr/>
         <p:txBody>
-          <a:bodyPr>
-            <a:normAutofit/>
-          </a:bodyPr>
+          <a:bodyPr/>
           <a:lstStyle/>
           <a:p>
             <a:r>
-              <a:rPr lang="en-US" sz="3600" dirty="0"/>
-              <a:t>Coding approach</a:t>
+              <a:rPr lang="en-US" dirty="0"/>
+              <a:t>Final visualization</a:t>
             </a:r>
           </a:p>
         </p:txBody>
       </p:sp>
       <p:pic>
         <p:nvPicPr>
-          <p:cNvPr id="5" name="Content Placeholder 4" descr="Text&#10;&#10;Description automatically generated">
+          <p:cNvPr id="5" name="Content Placeholder 4" descr="A screenshot of a video game&#10;&#10;Description automatically generated">
             <a:extLst>
               <a:ext uri="{FF2B5EF4-FFF2-40B4-BE49-F238E27FC236}">
-                <a16:creationId xmlns:a16="http://schemas.microsoft.com/office/drawing/2014/main" id="{360B1256-3219-3346-9035-4FBA5A85EAA1}"/>
+                <a16:creationId xmlns:a16="http://schemas.microsoft.com/office/drawing/2014/main" id="{8A5028EC-9F97-3241-8389-329969F7F84D}"/>
               </a:ext>
             </a:extLst>
           </p:cNvPr>
@@ -17312,22 +17657,110 @@
             <p:ph idx="1"/>
           </p:nvPr>
         </p:nvPicPr>
-        <p:blipFill rotWithShape="1">
+        <p:blipFill>
           <a:blip r:embed="rId3"/>
-          <a:srcRect l="19030" t="2803" r="37318" b="7983"/>
-          <a:stretch/>
+          <a:stretch>
+            <a:fillRect/>
+          </a:stretch>
         </p:blipFill>
         <p:spPr>
           <a:xfrm>
-            <a:off x="5507182" y="15016"/>
-            <a:ext cx="5939394" cy="6827967"/>
+            <a:off x="1459523" y="1842233"/>
+            <a:ext cx="9533685" cy="4407834"/>
           </a:xfrm>
         </p:spPr>
       </p:pic>
     </p:spTree>
     <p:extLst>
       <p:ext uri="{BB962C8B-B14F-4D97-AF65-F5344CB8AC3E}">
-        <p14:creationId xmlns:p14="http://schemas.microsoft.com/office/powerpoint/2010/main" val="972125982"/>
+        <p14:creationId xmlns:p14="http://schemas.microsoft.com/office/powerpoint/2010/main" val="2216499576"/>
+      </p:ext>
+    </p:extLst>
+  </p:cSld>
+  <p:clrMapOvr>
+    <a:masterClrMapping/>
+  </p:clrMapOvr>
+</p:sld>
+</file>
+
+<file path=ppt/slides/slide9.xml><?xml version="1.0" encoding="utf-8"?>
+<p:sld xmlns:a="http://schemas.openxmlformats.org/drawingml/2006/main" xmlns:r="http://schemas.openxmlformats.org/officeDocument/2006/relationships" xmlns:p="http://schemas.openxmlformats.org/presentationml/2006/main">
+  <p:cSld>
+    <p:spTree>
+      <p:nvGrpSpPr>
+        <p:cNvPr id="1" name=""/>
+        <p:cNvGrpSpPr/>
+        <p:nvPr/>
+      </p:nvGrpSpPr>
+      <p:grpSpPr>
+        <a:xfrm>
+          <a:off x="0" y="0"/>
+          <a:ext cx="0" cy="0"/>
+          <a:chOff x="0" y="0"/>
+          <a:chExt cx="0" cy="0"/>
+        </a:xfrm>
+      </p:grpSpPr>
+      <p:sp>
+        <p:nvSpPr>
+          <p:cNvPr id="2" name="Title 1">
+            <a:extLst>
+              <a:ext uri="{FF2B5EF4-FFF2-40B4-BE49-F238E27FC236}">
+                <a16:creationId xmlns:a16="http://schemas.microsoft.com/office/drawing/2014/main" id="{C72793AE-909F-B247-BBA0-83CD5B48AD99}"/>
+              </a:ext>
+            </a:extLst>
+          </p:cNvPr>
+          <p:cNvSpPr>
+            <a:spLocks noGrp="1"/>
+          </p:cNvSpPr>
+          <p:nvPr>
+            <p:ph type="title"/>
+          </p:nvPr>
+        </p:nvSpPr>
+        <p:spPr/>
+        <p:txBody>
+          <a:bodyPr/>
+          <a:lstStyle/>
+          <a:p>
+            <a:r>
+              <a:rPr lang="en-US" dirty="0"/>
+              <a:t>Tectonic plate view </a:t>
+            </a:r>
+          </a:p>
+        </p:txBody>
+      </p:sp>
+      <p:pic>
+        <p:nvPicPr>
+          <p:cNvPr id="5" name="Content Placeholder 4" descr="Map&#10;&#10;Description automatically generated">
+            <a:extLst>
+              <a:ext uri="{FF2B5EF4-FFF2-40B4-BE49-F238E27FC236}">
+                <a16:creationId xmlns:a16="http://schemas.microsoft.com/office/drawing/2014/main" id="{9A601A18-FDB4-B149-9A8F-97E0819AFD88}"/>
+              </a:ext>
+            </a:extLst>
+          </p:cNvPr>
+          <p:cNvPicPr>
+            <a:picLocks noGrp="1" noChangeAspect="1"/>
+          </p:cNvPicPr>
+          <p:nvPr>
+            <p:ph idx="1"/>
+          </p:nvPr>
+        </p:nvPicPr>
+        <p:blipFill>
+          <a:blip r:embed="rId3"/>
+          <a:stretch>
+            <a:fillRect/>
+          </a:stretch>
+        </p:blipFill>
+        <p:spPr>
+          <a:xfrm>
+            <a:off x="1304495" y="1912571"/>
+            <a:ext cx="9640455" cy="4470644"/>
+          </a:xfrm>
+        </p:spPr>
+      </p:pic>
+    </p:spTree>
+    <p:extLst>
+      <p:ext uri="{BB962C8B-B14F-4D97-AF65-F5344CB8AC3E}">
+        <p14:creationId xmlns:p14="http://schemas.microsoft.com/office/powerpoint/2010/main" val="694001375"/>
       </p:ext>
     </p:extLst>
   </p:cSld>
